--- a/doc/zzdb.pptx
+++ b/doc/zzdb.pptx
@@ -39,7 +39,7 @@
 </p:cmAuthorLst>
 </file>
 
-<file path=ppt/charts/chart46.xml><?xml version="1.0" encoding="utf-8"?>
+<file path=ppt/charts/chart57.xml><?xml version="1.0" encoding="utf-8"?>
 <c:chartSpace xmlns:c="http://schemas.openxmlformats.org/drawingml/2006/chart" xmlns:a="http://schemas.openxmlformats.org/drawingml/2006/main" xmlns:r="http://schemas.openxmlformats.org/officeDocument/2006/relationships">
   <c:lang val="en-US"/>
   <c:roundedCorners val="0"/>
@@ -137,19 +137,19 @@
               <c:strCache>
                 <c:ptCount val="5"/>
                 <c:pt idx="0">
-                  <c:v>七月</c:v>
+                  <c:v>二月</c:v>
                 </c:pt>
                 <c:pt idx="1">
-                  <c:v>八月</c:v>
+                  <c:v>三月</c:v>
                 </c:pt>
                 <c:pt idx="2">
-                  <c:v>九月</c:v>
+                  <c:v>四月</c:v>
                 </c:pt>
                 <c:pt idx="3">
-                  <c:v>十月</c:v>
+                  <c:v>五月</c:v>
                 </c:pt>
                 <c:pt idx="4">
-                  <c:v>十一月</c:v>
+                  <c:v>六月</c:v>
                 </c:pt>
               </c:strCache>
             </c:strRef>
@@ -161,7 +161,7 @@
                 <c:formatCode>General</c:formatCode>
                 <c:ptCount val="5"/>
                 <c:pt idx="0">
-                  <c:v>1</c:v>
+                  <c:v>0</c:v>
                 </c:pt>
                 <c:pt idx="1">
                   <c:v>2</c:v>
@@ -170,10 +170,10 @@
                   <c:v>2</c:v>
                 </c:pt>
                 <c:pt idx="3">
-                  <c:v>3</c:v>
+                  <c:v>0</c:v>
                 </c:pt>
                 <c:pt idx="4">
-                  <c:v>2</c:v>
+                  <c:v>1</c:v>
                 </c:pt>
               </c:numCache>
             </c:numRef>
@@ -189,7 +189,7 @@
               <c:strCache>
                 <c:ptCount val="1"/>
                 <c:pt idx="0">
-                  <c:v>维护任务</c:v>
+                  <c:v>重构任务</c:v>
                 </c:pt>
               </c:strCache>
             </c:strRef>
@@ -229,19 +229,19 @@
               <c:strCache>
                 <c:ptCount val="5"/>
                 <c:pt idx="0">
-                  <c:v>七月</c:v>
+                  <c:v>二月</c:v>
                 </c:pt>
                 <c:pt idx="1">
-                  <c:v>八月</c:v>
+                  <c:v>三月</c:v>
                 </c:pt>
                 <c:pt idx="2">
-                  <c:v>九月</c:v>
+                  <c:v>四月</c:v>
                 </c:pt>
                 <c:pt idx="3">
-                  <c:v>十月</c:v>
+                  <c:v>五月</c:v>
                 </c:pt>
                 <c:pt idx="4">
-                  <c:v>十一月</c:v>
+                  <c:v>六月</c:v>
                 </c:pt>
               </c:strCache>
             </c:strRef>
@@ -256,16 +256,16 @@
                   <c:v>0</c:v>
                 </c:pt>
                 <c:pt idx="1">
-                  <c:v>3</c:v>
+                  <c:v>0</c:v>
                 </c:pt>
                 <c:pt idx="2">
+                  <c:v>0</c:v>
+                </c:pt>
+                <c:pt idx="3">
                   <c:v>1</c:v>
                 </c:pt>
-                <c:pt idx="3">
-                  <c:v>3</c:v>
-                </c:pt>
                 <c:pt idx="4">
-                  <c:v>2</c:v>
+                  <c:v>0</c:v>
                 </c:pt>
               </c:numCache>
             </c:numRef>
@@ -281,7 +281,7 @@
               <c:strCache>
                 <c:ptCount val="1"/>
                 <c:pt idx="0">
-                  <c:v>重构任务</c:v>
+                  <c:v>工具任务</c:v>
                 </c:pt>
               </c:strCache>
             </c:strRef>
@@ -321,19 +321,19 @@
               <c:strCache>
                 <c:ptCount val="5"/>
                 <c:pt idx="0">
-                  <c:v>七月</c:v>
+                  <c:v>二月</c:v>
                 </c:pt>
                 <c:pt idx="1">
-                  <c:v>八月</c:v>
+                  <c:v>三月</c:v>
                 </c:pt>
                 <c:pt idx="2">
-                  <c:v>九月</c:v>
+                  <c:v>四月</c:v>
                 </c:pt>
                 <c:pt idx="3">
-                  <c:v>十月</c:v>
+                  <c:v>五月</c:v>
                 </c:pt>
                 <c:pt idx="4">
-                  <c:v>十一月</c:v>
+                  <c:v>六月</c:v>
                 </c:pt>
               </c:strCache>
             </c:strRef>
@@ -345,111 +345,19 @@
                 <c:formatCode>General</c:formatCode>
                 <c:ptCount val="5"/>
                 <c:pt idx="0">
-                  <c:v>0</c:v>
+                  <c:v>1</c:v>
                 </c:pt>
                 <c:pt idx="1">
                   <c:v>0</c:v>
                 </c:pt>
                 <c:pt idx="2">
-                  <c:v>0</c:v>
+                  <c:v>1</c:v>
                 </c:pt>
                 <c:pt idx="3">
-                  <c:v>0</c:v>
+                  <c:v>1</c:v>
                 </c:pt>
                 <c:pt idx="4">
                   <c:v>1</c:v>
-                </c:pt>
-              </c:numCache>
-            </c:numRef>
-          </c:val>
-          <c:smooth val="0"/>
-        </c:ser>
-        <c:ser>
-          <c:idx val="3"/>
-          <c:order val="3"/>
-          <c:tx>
-            <c:strRef>
-              <c:f>label 3</c:f>
-              <c:strCache>
-                <c:ptCount val="1"/>
-                <c:pt idx="0">
-                  <c:v>学习任务</c:v>
-                </c:pt>
-              </c:strCache>
-            </c:strRef>
-          </c:tx>
-          <c:spPr>
-            <a:solidFill>
-              <a:srgbClr val="ffc000"/>
-            </a:solidFill>
-            <a:ln w="28440">
-              <a:solidFill>
-                <a:srgbClr val="ffc000"/>
-              </a:solidFill>
-              <a:round/>
-            </a:ln>
-          </c:spPr>
-          <c:marker>
-            <c:symbol val="circle"/>
-            <c:size val="5"/>
-            <c:spPr>
-              <a:solidFill>
-                <a:srgbClr val="ffc000"/>
-              </a:solidFill>
-            </c:spPr>
-          </c:marker>
-          <c:dLbls>
-            <c:dLblPos val="r"/>
-            <c:showLegendKey val="0"/>
-            <c:showVal val="0"/>
-            <c:showCatName val="0"/>
-            <c:showSerName val="0"/>
-            <c:showPercent val="0"/>
-            <c:showLeaderLines val="0"/>
-          </c:dLbls>
-          <c:cat>
-            <c:strRef>
-              <c:f>categories</c:f>
-              <c:strCache>
-                <c:ptCount val="5"/>
-                <c:pt idx="0">
-                  <c:v>七月</c:v>
-                </c:pt>
-                <c:pt idx="1">
-                  <c:v>八月</c:v>
-                </c:pt>
-                <c:pt idx="2">
-                  <c:v>九月</c:v>
-                </c:pt>
-                <c:pt idx="3">
-                  <c:v>十月</c:v>
-                </c:pt>
-                <c:pt idx="4">
-                  <c:v>十一月</c:v>
-                </c:pt>
-              </c:strCache>
-            </c:strRef>
-          </c:cat>
-          <c:val>
-            <c:numRef>
-              <c:f>3</c:f>
-              <c:numCache>
-                <c:formatCode>General</c:formatCode>
-                <c:ptCount val="5"/>
-                <c:pt idx="0">
-                  <c:v>7</c:v>
-                </c:pt>
-                <c:pt idx="1">
-                  <c:v>5</c:v>
-                </c:pt>
-                <c:pt idx="2">
-                  <c:v>3</c:v>
-                </c:pt>
-                <c:pt idx="3">
-                  <c:v>2</c:v>
-                </c:pt>
-                <c:pt idx="4">
-                  <c:v>0</c:v>
                 </c:pt>
               </c:numCache>
             </c:numRef>
@@ -464,11 +372,11 @@
           </c:spPr>
         </c:hiLowLines>
         <c:marker val="1"/>
-        <c:axId val="35021218"/>
-        <c:axId val="7170531"/>
+        <c:axId val="35384815"/>
+        <c:axId val="75738139"/>
       </c:lineChart>
       <c:catAx>
-        <c:axId val="35021218"/>
+        <c:axId val="35384815"/>
         <c:scaling>
           <c:orientation val="minMax"/>
         </c:scaling>
@@ -505,14 +413,14 @@
             </a:pPr>
           </a:p>
         </c:txPr>
-        <c:crossAx val="7170531"/>
+        <c:crossAx val="75738139"/>
         <c:crosses val="autoZero"/>
         <c:auto val="1"/>
         <c:lblAlgn val="ctr"/>
         <c:lblOffset val="100"/>
       </c:catAx>
       <c:valAx>
-        <c:axId val="7170531"/>
+        <c:axId val="75738139"/>
         <c:scaling>
           <c:orientation val="minMax"/>
         </c:scaling>
@@ -556,7 +464,7 @@
             </a:pPr>
           </a:p>
         </c:txPr>
-        <c:crossAx val="35021218"/>
+        <c:crossAx val="35384815"/>
         <c:crosses val="autoZero"/>
         <c:crossBetween val="midCat"/>
       </c:valAx>
@@ -839,7 +747,7 @@
           <a:bodyPr lIns="0" rIns="0" tIns="0" bIns="0" anchor="b"/>
           <a:p>
             <a:pPr algn="r"/>
-            <a:fld id="{71BFCBA8-75B4-46A2-B82F-D58B6685736B}" type="slidenum">
+            <a:fld id="{3B041334-9E1B-48A3-B6A6-9012740F4AC3}" type="slidenum">
               <a:rPr b="0" lang="en-US" sz="1400" spc="-1" strike="noStrike">
                 <a:solidFill>
                   <a:srgbClr val="000000"/>
@@ -892,7 +800,7 @@
       </p:grpSpPr>
       <p:sp>
         <p:nvSpPr>
-          <p:cNvPr id="334" name="PlaceHolder 1"/>
+          <p:cNvPr id="338" name="PlaceHolder 1"/>
           <p:cNvSpPr>
             <a:spLocks noGrp="1"/>
           </p:cNvSpPr>
@@ -903,7 +811,7 @@
         <p:spPr>
           <a:xfrm>
             <a:off x="685800" y="4400640"/>
-            <a:ext cx="5485680" cy="3599640"/>
+            <a:ext cx="5485320" cy="3599280"/>
           </a:xfrm>
           <a:prstGeom prst="rect">
             <a:avLst/>
@@ -928,14 +836,14 @@
       </p:sp>
       <p:sp>
         <p:nvSpPr>
-          <p:cNvPr id="335" name="CustomShape 2"/>
+          <p:cNvPr id="339" name="CustomShape 2"/>
           <p:cNvSpPr/>
           <p:nvPr/>
         </p:nvSpPr>
         <p:spPr>
           <a:xfrm>
             <a:off x="3884760" y="8685360"/>
-            <a:ext cx="2971080" cy="457920"/>
+            <a:ext cx="2970720" cy="457560"/>
           </a:xfrm>
           <a:prstGeom prst="rect">
             <a:avLst/>
@@ -976,7 +884,7 @@
       </p:grpSpPr>
       <p:sp>
         <p:nvSpPr>
-          <p:cNvPr id="350" name="PlaceHolder 1"/>
+          <p:cNvPr id="354" name="PlaceHolder 1"/>
           <p:cNvSpPr>
             <a:spLocks noGrp="1"/>
           </p:cNvSpPr>
@@ -987,7 +895,7 @@
         <p:spPr>
           <a:xfrm>
             <a:off x="685800" y="4400640"/>
-            <a:ext cx="5485680" cy="3599640"/>
+            <a:ext cx="5485320" cy="3599280"/>
           </a:xfrm>
           <a:prstGeom prst="rect">
             <a:avLst/>
@@ -1012,14 +920,14 @@
       </p:sp>
       <p:sp>
         <p:nvSpPr>
-          <p:cNvPr id="351" name="CustomShape 2"/>
+          <p:cNvPr id="355" name="CustomShape 2"/>
           <p:cNvSpPr/>
           <p:nvPr/>
         </p:nvSpPr>
         <p:spPr>
           <a:xfrm>
             <a:off x="3884760" y="8685360"/>
-            <a:ext cx="2971080" cy="457920"/>
+            <a:ext cx="2970720" cy="457560"/>
           </a:xfrm>
           <a:prstGeom prst="rect">
             <a:avLst/>
@@ -1060,7 +968,7 @@
       </p:grpSpPr>
       <p:sp>
         <p:nvSpPr>
-          <p:cNvPr id="352" name="PlaceHolder 1"/>
+          <p:cNvPr id="356" name="PlaceHolder 1"/>
           <p:cNvSpPr>
             <a:spLocks noGrp="1"/>
           </p:cNvSpPr>
@@ -1071,7 +979,7 @@
         <p:spPr>
           <a:xfrm>
             <a:off x="685800" y="4400640"/>
-            <a:ext cx="5485680" cy="3599640"/>
+            <a:ext cx="5485320" cy="3599280"/>
           </a:xfrm>
           <a:prstGeom prst="rect">
             <a:avLst/>
@@ -1096,14 +1004,14 @@
       </p:sp>
       <p:sp>
         <p:nvSpPr>
-          <p:cNvPr id="353" name="CustomShape 2"/>
+          <p:cNvPr id="357" name="CustomShape 2"/>
           <p:cNvSpPr/>
           <p:nvPr/>
         </p:nvSpPr>
         <p:spPr>
           <a:xfrm>
             <a:off x="3884760" y="8685360"/>
-            <a:ext cx="2971080" cy="457920"/>
+            <a:ext cx="2970720" cy="457560"/>
           </a:xfrm>
           <a:prstGeom prst="rect">
             <a:avLst/>
@@ -1144,7 +1052,7 @@
       </p:grpSpPr>
       <p:sp>
         <p:nvSpPr>
-          <p:cNvPr id="354" name="PlaceHolder 1"/>
+          <p:cNvPr id="358" name="PlaceHolder 1"/>
           <p:cNvSpPr>
             <a:spLocks noGrp="1"/>
           </p:cNvSpPr>
@@ -1155,7 +1063,7 @@
         <p:spPr>
           <a:xfrm>
             <a:off x="685800" y="4400640"/>
-            <a:ext cx="5485680" cy="3599640"/>
+            <a:ext cx="5485320" cy="3599280"/>
           </a:xfrm>
           <a:prstGeom prst="rect">
             <a:avLst/>
@@ -1180,14 +1088,14 @@
       </p:sp>
       <p:sp>
         <p:nvSpPr>
-          <p:cNvPr id="355" name="CustomShape 2"/>
+          <p:cNvPr id="359" name="CustomShape 2"/>
           <p:cNvSpPr/>
           <p:nvPr/>
         </p:nvSpPr>
         <p:spPr>
           <a:xfrm>
             <a:off x="3884760" y="8685360"/>
-            <a:ext cx="2971080" cy="457920"/>
+            <a:ext cx="2970720" cy="457560"/>
           </a:xfrm>
           <a:prstGeom prst="rect">
             <a:avLst/>
@@ -1228,7 +1136,7 @@
       </p:grpSpPr>
       <p:sp>
         <p:nvSpPr>
-          <p:cNvPr id="356" name="PlaceHolder 1"/>
+          <p:cNvPr id="360" name="PlaceHolder 1"/>
           <p:cNvSpPr>
             <a:spLocks noGrp="1"/>
           </p:cNvSpPr>
@@ -1239,7 +1147,7 @@
         <p:spPr>
           <a:xfrm>
             <a:off x="685800" y="4400640"/>
-            <a:ext cx="5485680" cy="3599640"/>
+            <a:ext cx="5485320" cy="3599280"/>
           </a:xfrm>
           <a:prstGeom prst="rect">
             <a:avLst/>
@@ -1264,14 +1172,14 @@
       </p:sp>
       <p:sp>
         <p:nvSpPr>
-          <p:cNvPr id="357" name="CustomShape 2"/>
+          <p:cNvPr id="361" name="CustomShape 2"/>
           <p:cNvSpPr/>
           <p:nvPr/>
         </p:nvSpPr>
         <p:spPr>
           <a:xfrm>
             <a:off x="3884760" y="8685360"/>
-            <a:ext cx="2971080" cy="457920"/>
+            <a:ext cx="2970720" cy="457560"/>
           </a:xfrm>
           <a:prstGeom prst="rect">
             <a:avLst/>
@@ -1312,7 +1220,7 @@
       </p:grpSpPr>
       <p:sp>
         <p:nvSpPr>
-          <p:cNvPr id="358" name="PlaceHolder 1"/>
+          <p:cNvPr id="362" name="PlaceHolder 1"/>
           <p:cNvSpPr>
             <a:spLocks noGrp="1"/>
           </p:cNvSpPr>
@@ -1323,7 +1231,7 @@
         <p:spPr>
           <a:xfrm>
             <a:off x="685800" y="4400640"/>
-            <a:ext cx="5485680" cy="3599640"/>
+            <a:ext cx="5485320" cy="3599280"/>
           </a:xfrm>
           <a:prstGeom prst="rect">
             <a:avLst/>
@@ -1348,14 +1256,14 @@
       </p:sp>
       <p:sp>
         <p:nvSpPr>
-          <p:cNvPr id="359" name="CustomShape 2"/>
+          <p:cNvPr id="363" name="CustomShape 2"/>
           <p:cNvSpPr/>
           <p:nvPr/>
         </p:nvSpPr>
         <p:spPr>
           <a:xfrm>
             <a:off x="3884760" y="8685360"/>
-            <a:ext cx="2971080" cy="457920"/>
+            <a:ext cx="2970720" cy="457560"/>
           </a:xfrm>
           <a:prstGeom prst="rect">
             <a:avLst/>
@@ -1396,7 +1304,7 @@
       </p:grpSpPr>
       <p:sp>
         <p:nvSpPr>
-          <p:cNvPr id="360" name="PlaceHolder 1"/>
+          <p:cNvPr id="364" name="PlaceHolder 1"/>
           <p:cNvSpPr>
             <a:spLocks noGrp="1"/>
           </p:cNvSpPr>
@@ -1407,7 +1315,7 @@
         <p:spPr>
           <a:xfrm>
             <a:off x="685800" y="4400640"/>
-            <a:ext cx="5485680" cy="3599640"/>
+            <a:ext cx="5485320" cy="3599280"/>
           </a:xfrm>
           <a:prstGeom prst="rect">
             <a:avLst/>
@@ -1432,14 +1340,14 @@
       </p:sp>
       <p:sp>
         <p:nvSpPr>
-          <p:cNvPr id="361" name="CustomShape 2"/>
+          <p:cNvPr id="365" name="CustomShape 2"/>
           <p:cNvSpPr/>
           <p:nvPr/>
         </p:nvSpPr>
         <p:spPr>
           <a:xfrm>
             <a:off x="3884760" y="8685360"/>
-            <a:ext cx="2971080" cy="457920"/>
+            <a:ext cx="2970720" cy="457560"/>
           </a:xfrm>
           <a:prstGeom prst="rect">
             <a:avLst/>
@@ -1480,7 +1388,7 @@
       </p:grpSpPr>
       <p:sp>
         <p:nvSpPr>
-          <p:cNvPr id="362" name="PlaceHolder 1"/>
+          <p:cNvPr id="366" name="PlaceHolder 1"/>
           <p:cNvSpPr>
             <a:spLocks noGrp="1"/>
           </p:cNvSpPr>
@@ -1491,7 +1399,7 @@
         <p:spPr>
           <a:xfrm>
             <a:off x="685800" y="4400640"/>
-            <a:ext cx="5485680" cy="3599640"/>
+            <a:ext cx="5485320" cy="3599280"/>
           </a:xfrm>
           <a:prstGeom prst="rect">
             <a:avLst/>
@@ -1516,14 +1424,14 @@
       </p:sp>
       <p:sp>
         <p:nvSpPr>
-          <p:cNvPr id="363" name="CustomShape 2"/>
+          <p:cNvPr id="367" name="CustomShape 2"/>
           <p:cNvSpPr/>
           <p:nvPr/>
         </p:nvSpPr>
         <p:spPr>
           <a:xfrm>
             <a:off x="3884760" y="8685360"/>
-            <a:ext cx="2971080" cy="457920"/>
+            <a:ext cx="2970720" cy="457560"/>
           </a:xfrm>
           <a:prstGeom prst="rect">
             <a:avLst/>
@@ -1564,7 +1472,7 @@
       </p:grpSpPr>
       <p:sp>
         <p:nvSpPr>
-          <p:cNvPr id="364" name="PlaceHolder 1"/>
+          <p:cNvPr id="368" name="PlaceHolder 1"/>
           <p:cNvSpPr>
             <a:spLocks noGrp="1"/>
           </p:cNvSpPr>
@@ -1575,7 +1483,7 @@
         <p:spPr>
           <a:xfrm>
             <a:off x="685800" y="4400640"/>
-            <a:ext cx="5485680" cy="3599640"/>
+            <a:ext cx="5485320" cy="3599280"/>
           </a:xfrm>
           <a:prstGeom prst="rect">
             <a:avLst/>
@@ -1600,14 +1508,14 @@
       </p:sp>
       <p:sp>
         <p:nvSpPr>
-          <p:cNvPr id="365" name="CustomShape 2"/>
+          <p:cNvPr id="369" name="CustomShape 2"/>
           <p:cNvSpPr/>
           <p:nvPr/>
         </p:nvSpPr>
         <p:spPr>
           <a:xfrm>
             <a:off x="3884760" y="8685360"/>
-            <a:ext cx="2971080" cy="457920"/>
+            <a:ext cx="2970720" cy="457560"/>
           </a:xfrm>
           <a:prstGeom prst="rect">
             <a:avLst/>
@@ -1648,7 +1556,7 @@
       </p:grpSpPr>
       <p:sp>
         <p:nvSpPr>
-          <p:cNvPr id="366" name="PlaceHolder 1"/>
+          <p:cNvPr id="370" name="PlaceHolder 1"/>
           <p:cNvSpPr>
             <a:spLocks noGrp="1"/>
           </p:cNvSpPr>
@@ -1659,7 +1567,7 @@
         <p:spPr>
           <a:xfrm>
             <a:off x="685800" y="4400640"/>
-            <a:ext cx="5485680" cy="3599640"/>
+            <a:ext cx="5485320" cy="3599280"/>
           </a:xfrm>
           <a:prstGeom prst="rect">
             <a:avLst/>
@@ -1684,14 +1592,14 @@
       </p:sp>
       <p:sp>
         <p:nvSpPr>
-          <p:cNvPr id="367" name="CustomShape 2"/>
+          <p:cNvPr id="371" name="CustomShape 2"/>
           <p:cNvSpPr/>
           <p:nvPr/>
         </p:nvSpPr>
         <p:spPr>
           <a:xfrm>
             <a:off x="3884760" y="8685360"/>
-            <a:ext cx="2971080" cy="457920"/>
+            <a:ext cx="2970720" cy="457560"/>
           </a:xfrm>
           <a:prstGeom prst="rect">
             <a:avLst/>
@@ -1732,7 +1640,7 @@
       </p:grpSpPr>
       <p:sp>
         <p:nvSpPr>
-          <p:cNvPr id="336" name="PlaceHolder 1"/>
+          <p:cNvPr id="340" name="PlaceHolder 1"/>
           <p:cNvSpPr>
             <a:spLocks noGrp="1"/>
           </p:cNvSpPr>
@@ -1743,7 +1651,7 @@
         <p:spPr>
           <a:xfrm>
             <a:off x="685800" y="4400640"/>
-            <a:ext cx="5485680" cy="3599640"/>
+            <a:ext cx="5485320" cy="3599280"/>
           </a:xfrm>
           <a:prstGeom prst="rect">
             <a:avLst/>
@@ -1768,14 +1676,14 @@
       </p:sp>
       <p:sp>
         <p:nvSpPr>
-          <p:cNvPr id="337" name="CustomShape 2"/>
+          <p:cNvPr id="341" name="CustomShape 2"/>
           <p:cNvSpPr/>
           <p:nvPr/>
         </p:nvSpPr>
         <p:spPr>
           <a:xfrm>
             <a:off x="3884760" y="8685360"/>
-            <a:ext cx="2971080" cy="457920"/>
+            <a:ext cx="2970720" cy="457560"/>
           </a:xfrm>
           <a:prstGeom prst="rect">
             <a:avLst/>
@@ -1816,7 +1724,7 @@
       </p:grpSpPr>
       <p:sp>
         <p:nvSpPr>
-          <p:cNvPr id="338" name="PlaceHolder 1"/>
+          <p:cNvPr id="342" name="PlaceHolder 1"/>
           <p:cNvSpPr>
             <a:spLocks noGrp="1"/>
           </p:cNvSpPr>
@@ -1827,7 +1735,7 @@
         <p:spPr>
           <a:xfrm>
             <a:off x="685800" y="4400640"/>
-            <a:ext cx="5485680" cy="3599640"/>
+            <a:ext cx="5485320" cy="3599280"/>
           </a:xfrm>
           <a:prstGeom prst="rect">
             <a:avLst/>
@@ -1852,14 +1760,14 @@
       </p:sp>
       <p:sp>
         <p:nvSpPr>
-          <p:cNvPr id="339" name="CustomShape 2"/>
+          <p:cNvPr id="343" name="CustomShape 2"/>
           <p:cNvSpPr/>
           <p:nvPr/>
         </p:nvSpPr>
         <p:spPr>
           <a:xfrm>
             <a:off x="3884760" y="8685360"/>
-            <a:ext cx="2971080" cy="457920"/>
+            <a:ext cx="2970720" cy="457560"/>
           </a:xfrm>
           <a:prstGeom prst="rect">
             <a:avLst/>
@@ -1900,7 +1808,7 @@
       </p:grpSpPr>
       <p:sp>
         <p:nvSpPr>
-          <p:cNvPr id="340" name="PlaceHolder 1"/>
+          <p:cNvPr id="344" name="PlaceHolder 1"/>
           <p:cNvSpPr>
             <a:spLocks noGrp="1"/>
           </p:cNvSpPr>
@@ -1911,7 +1819,7 @@
         <p:spPr>
           <a:xfrm>
             <a:off x="685800" y="4400640"/>
-            <a:ext cx="5485680" cy="3599640"/>
+            <a:ext cx="5485320" cy="3599280"/>
           </a:xfrm>
           <a:prstGeom prst="rect">
             <a:avLst/>
@@ -1936,14 +1844,14 @@
       </p:sp>
       <p:sp>
         <p:nvSpPr>
-          <p:cNvPr id="341" name="CustomShape 2"/>
+          <p:cNvPr id="345" name="CustomShape 2"/>
           <p:cNvSpPr/>
           <p:nvPr/>
         </p:nvSpPr>
         <p:spPr>
           <a:xfrm>
             <a:off x="3884760" y="8685360"/>
-            <a:ext cx="2971080" cy="457920"/>
+            <a:ext cx="2970720" cy="457560"/>
           </a:xfrm>
           <a:prstGeom prst="rect">
             <a:avLst/>
@@ -1984,7 +1892,7 @@
       </p:grpSpPr>
       <p:sp>
         <p:nvSpPr>
-          <p:cNvPr id="342" name="PlaceHolder 1"/>
+          <p:cNvPr id="346" name="PlaceHolder 1"/>
           <p:cNvSpPr>
             <a:spLocks noGrp="1"/>
           </p:cNvSpPr>
@@ -1995,7 +1903,7 @@
         <p:spPr>
           <a:xfrm>
             <a:off x="685800" y="4400640"/>
-            <a:ext cx="5485680" cy="3599640"/>
+            <a:ext cx="5485320" cy="3599280"/>
           </a:xfrm>
           <a:prstGeom prst="rect">
             <a:avLst/>
@@ -2020,14 +1928,14 @@
       </p:sp>
       <p:sp>
         <p:nvSpPr>
-          <p:cNvPr id="343" name="CustomShape 2"/>
+          <p:cNvPr id="347" name="CustomShape 2"/>
           <p:cNvSpPr/>
           <p:nvPr/>
         </p:nvSpPr>
         <p:spPr>
           <a:xfrm>
             <a:off x="3884760" y="8685360"/>
-            <a:ext cx="2971080" cy="457920"/>
+            <a:ext cx="2970720" cy="457560"/>
           </a:xfrm>
           <a:prstGeom prst="rect">
             <a:avLst/>
@@ -2068,7 +1976,7 @@
       </p:grpSpPr>
       <p:sp>
         <p:nvSpPr>
-          <p:cNvPr id="344" name="PlaceHolder 1"/>
+          <p:cNvPr id="348" name="PlaceHolder 1"/>
           <p:cNvSpPr>
             <a:spLocks noGrp="1"/>
           </p:cNvSpPr>
@@ -2079,7 +1987,7 @@
         <p:spPr>
           <a:xfrm>
             <a:off x="685800" y="4400640"/>
-            <a:ext cx="5485680" cy="3599640"/>
+            <a:ext cx="5485320" cy="3599280"/>
           </a:xfrm>
           <a:prstGeom prst="rect">
             <a:avLst/>
@@ -2104,14 +2012,14 @@
       </p:sp>
       <p:sp>
         <p:nvSpPr>
-          <p:cNvPr id="345" name="CustomShape 2"/>
+          <p:cNvPr id="349" name="CustomShape 2"/>
           <p:cNvSpPr/>
           <p:nvPr/>
         </p:nvSpPr>
         <p:spPr>
           <a:xfrm>
             <a:off x="3884760" y="8685360"/>
-            <a:ext cx="2971080" cy="457920"/>
+            <a:ext cx="2970720" cy="457560"/>
           </a:xfrm>
           <a:prstGeom prst="rect">
             <a:avLst/>
@@ -2152,7 +2060,7 @@
       </p:grpSpPr>
       <p:sp>
         <p:nvSpPr>
-          <p:cNvPr id="346" name="PlaceHolder 1"/>
+          <p:cNvPr id="350" name="PlaceHolder 1"/>
           <p:cNvSpPr>
             <a:spLocks noGrp="1"/>
           </p:cNvSpPr>
@@ -2163,7 +2071,7 @@
         <p:spPr>
           <a:xfrm>
             <a:off x="685800" y="4400640"/>
-            <a:ext cx="5485680" cy="3599640"/>
+            <a:ext cx="5485320" cy="3599280"/>
           </a:xfrm>
           <a:prstGeom prst="rect">
             <a:avLst/>
@@ -2188,14 +2096,14 @@
       </p:sp>
       <p:sp>
         <p:nvSpPr>
-          <p:cNvPr id="347" name="CustomShape 2"/>
+          <p:cNvPr id="351" name="CustomShape 2"/>
           <p:cNvSpPr/>
           <p:nvPr/>
         </p:nvSpPr>
         <p:spPr>
           <a:xfrm>
             <a:off x="3884760" y="8685360"/>
-            <a:ext cx="2971080" cy="457920"/>
+            <a:ext cx="2970720" cy="457560"/>
           </a:xfrm>
           <a:prstGeom prst="rect">
             <a:avLst/>
@@ -2236,7 +2144,7 @@
       </p:grpSpPr>
       <p:sp>
         <p:nvSpPr>
-          <p:cNvPr id="348" name="PlaceHolder 1"/>
+          <p:cNvPr id="352" name="PlaceHolder 1"/>
           <p:cNvSpPr>
             <a:spLocks noGrp="1"/>
           </p:cNvSpPr>
@@ -2247,7 +2155,7 @@
         <p:spPr>
           <a:xfrm>
             <a:off x="685800" y="4400640"/>
-            <a:ext cx="5485680" cy="3599640"/>
+            <a:ext cx="5485320" cy="3599280"/>
           </a:xfrm>
           <a:prstGeom prst="rect">
             <a:avLst/>
@@ -2272,14 +2180,14 @@
       </p:sp>
       <p:sp>
         <p:nvSpPr>
-          <p:cNvPr id="349" name="CustomShape 2"/>
+          <p:cNvPr id="353" name="CustomShape 2"/>
           <p:cNvSpPr/>
           <p:nvPr/>
         </p:nvSpPr>
         <p:spPr>
           <a:xfrm>
             <a:off x="3884760" y="8685360"/>
-            <a:ext cx="2971080" cy="457920"/>
+            <a:ext cx="2970720" cy="457560"/>
           </a:xfrm>
           <a:prstGeom prst="rect">
             <a:avLst/>
@@ -2362,7 +2270,8 @@
         <p:txBody>
           <a:bodyPr lIns="0" rIns="0" tIns="0" bIns="0" anchor="ctr"/>
           <a:p>
-            <a:endParaRPr b="0" lang="zh-CN" sz="1800" spc="-1" strike="noStrike">
+            <a:pPr algn="ctr"/>
+            <a:endParaRPr b="0" lang="en-US" sz="4400" spc="-1" strike="noStrike">
               <a:solidFill>
                 <a:srgbClr val="000000"/>
               </a:solidFill>
@@ -2398,7 +2307,7 @@
         <p:txBody>
           <a:bodyPr lIns="0" rIns="0" tIns="0" bIns="0"/>
           <a:p>
-            <a:endParaRPr b="0" lang="zh-CN" sz="2800" spc="-1" strike="noStrike">
+            <a:endParaRPr b="0" lang="en-US" sz="3200" spc="-1" strike="noStrike">
               <a:solidFill>
                 <a:srgbClr val="000000"/>
               </a:solidFill>
@@ -2434,7 +2343,7 @@
         <p:txBody>
           <a:bodyPr lIns="0" rIns="0" tIns="0" bIns="0"/>
           <a:p>
-            <a:endParaRPr b="0" lang="zh-CN" sz="2800" spc="-1" strike="noStrike">
+            <a:endParaRPr b="0" lang="en-US" sz="3200" spc="-1" strike="noStrike">
               <a:solidFill>
                 <a:srgbClr val="000000"/>
               </a:solidFill>
@@ -2492,7 +2401,8 @@
         <p:txBody>
           <a:bodyPr lIns="0" rIns="0" tIns="0" bIns="0" anchor="ctr"/>
           <a:p>
-            <a:endParaRPr b="0" lang="zh-CN" sz="1800" spc="-1" strike="noStrike">
+            <a:pPr algn="ctr"/>
+            <a:endParaRPr b="0" lang="en-US" sz="4400" spc="-1" strike="noStrike">
               <a:solidFill>
                 <a:srgbClr val="000000"/>
               </a:solidFill>
@@ -2528,7 +2438,7 @@
         <p:txBody>
           <a:bodyPr lIns="0" rIns="0" tIns="0" bIns="0"/>
           <a:p>
-            <a:endParaRPr b="0" lang="zh-CN" sz="2800" spc="-1" strike="noStrike">
+            <a:endParaRPr b="0" lang="en-US" sz="3200" spc="-1" strike="noStrike">
               <a:solidFill>
                 <a:srgbClr val="000000"/>
               </a:solidFill>
@@ -2564,7 +2474,7 @@
         <p:txBody>
           <a:bodyPr lIns="0" rIns="0" tIns="0" bIns="0"/>
           <a:p>
-            <a:endParaRPr b="0" lang="zh-CN" sz="2800" spc="-1" strike="noStrike">
+            <a:endParaRPr b="0" lang="en-US" sz="3200" spc="-1" strike="noStrike">
               <a:solidFill>
                 <a:srgbClr val="000000"/>
               </a:solidFill>
@@ -2600,7 +2510,7 @@
         <p:txBody>
           <a:bodyPr lIns="0" rIns="0" tIns="0" bIns="0"/>
           <a:p>
-            <a:endParaRPr b="0" lang="zh-CN" sz="2800" spc="-1" strike="noStrike">
+            <a:endParaRPr b="0" lang="en-US" sz="3200" spc="-1" strike="noStrike">
               <a:solidFill>
                 <a:srgbClr val="000000"/>
               </a:solidFill>
@@ -2636,7 +2546,7 @@
         <p:txBody>
           <a:bodyPr lIns="0" rIns="0" tIns="0" bIns="0"/>
           <a:p>
-            <a:endParaRPr b="0" lang="zh-CN" sz="2800" spc="-1" strike="noStrike">
+            <a:endParaRPr b="0" lang="en-US" sz="3200" spc="-1" strike="noStrike">
               <a:solidFill>
                 <a:srgbClr val="000000"/>
               </a:solidFill>
@@ -2694,7 +2604,8 @@
         <p:txBody>
           <a:bodyPr lIns="0" rIns="0" tIns="0" bIns="0" anchor="ctr"/>
           <a:p>
-            <a:endParaRPr b="0" lang="zh-CN" sz="1800" spc="-1" strike="noStrike">
+            <a:pPr algn="ctr"/>
+            <a:endParaRPr b="0" lang="en-US" sz="4400" spc="-1" strike="noStrike">
               <a:solidFill>
                 <a:srgbClr val="000000"/>
               </a:solidFill>
@@ -2730,7 +2641,7 @@
         <p:txBody>
           <a:bodyPr lIns="0" rIns="0" tIns="0" bIns="0"/>
           <a:p>
-            <a:endParaRPr b="0" lang="zh-CN" sz="2800" spc="-1" strike="noStrike">
+            <a:endParaRPr b="0" lang="en-US" sz="3200" spc="-1" strike="noStrike">
               <a:solidFill>
                 <a:srgbClr val="000000"/>
               </a:solidFill>
@@ -2766,7 +2677,7 @@
         <p:txBody>
           <a:bodyPr lIns="0" rIns="0" tIns="0" bIns="0"/>
           <a:p>
-            <a:endParaRPr b="0" lang="zh-CN" sz="2800" spc="-1" strike="noStrike">
+            <a:endParaRPr b="0" lang="en-US" sz="3200" spc="-1" strike="noStrike">
               <a:solidFill>
                 <a:srgbClr val="000000"/>
               </a:solidFill>
@@ -2892,7 +2803,8 @@
         <p:txBody>
           <a:bodyPr lIns="0" rIns="0" tIns="0" bIns="0" anchor="ctr"/>
           <a:p>
-            <a:endParaRPr b="0" lang="zh-CN" sz="1800" spc="-1" strike="noStrike">
+            <a:pPr algn="ctr"/>
+            <a:endParaRPr b="0" lang="en-US" sz="4400" spc="-1" strike="noStrike">
               <a:solidFill>
                 <a:srgbClr val="000000"/>
               </a:solidFill>
@@ -2987,7 +2899,8 @@
         <p:txBody>
           <a:bodyPr lIns="0" rIns="0" tIns="0" bIns="0" anchor="ctr"/>
           <a:p>
-            <a:endParaRPr b="0" lang="zh-CN" sz="1800" spc="-1" strike="noStrike">
+            <a:pPr algn="ctr"/>
+            <a:endParaRPr b="0" lang="en-US" sz="4400" spc="-1" strike="noStrike">
               <a:solidFill>
                 <a:srgbClr val="000000"/>
               </a:solidFill>
@@ -3023,7 +2936,7 @@
         <p:txBody>
           <a:bodyPr lIns="0" rIns="0" tIns="0" bIns="0"/>
           <a:p>
-            <a:endParaRPr b="0" lang="zh-CN" sz="2800" spc="-1" strike="noStrike">
+            <a:endParaRPr b="0" lang="en-US" sz="3200" spc="-1" strike="noStrike">
               <a:solidFill>
                 <a:srgbClr val="000000"/>
               </a:solidFill>
@@ -3081,7 +2994,8 @@
         <p:txBody>
           <a:bodyPr lIns="0" rIns="0" tIns="0" bIns="0" anchor="ctr"/>
           <a:p>
-            <a:endParaRPr b="0" lang="zh-CN" sz="1800" spc="-1" strike="noStrike">
+            <a:pPr algn="ctr"/>
+            <a:endParaRPr b="0" lang="en-US" sz="4400" spc="-1" strike="noStrike">
               <a:solidFill>
                 <a:srgbClr val="000000"/>
               </a:solidFill>
@@ -3117,7 +3031,7 @@
         <p:txBody>
           <a:bodyPr lIns="0" rIns="0" tIns="0" bIns="0"/>
           <a:p>
-            <a:endParaRPr b="0" lang="zh-CN" sz="2800" spc="-1" strike="noStrike">
+            <a:endParaRPr b="0" lang="en-US" sz="3200" spc="-1" strike="noStrike">
               <a:solidFill>
                 <a:srgbClr val="000000"/>
               </a:solidFill>
@@ -3153,7 +3067,7 @@
         <p:txBody>
           <a:bodyPr lIns="0" rIns="0" tIns="0" bIns="0"/>
           <a:p>
-            <a:endParaRPr b="0" lang="zh-CN" sz="2800" spc="-1" strike="noStrike">
+            <a:endParaRPr b="0" lang="en-US" sz="3200" spc="-1" strike="noStrike">
               <a:solidFill>
                 <a:srgbClr val="000000"/>
               </a:solidFill>
@@ -3211,7 +3125,8 @@
         <p:txBody>
           <a:bodyPr lIns="0" rIns="0" tIns="0" bIns="0" anchor="ctr"/>
           <a:p>
-            <a:endParaRPr b="0" lang="zh-CN" sz="1800" spc="-1" strike="noStrike">
+            <a:pPr algn="ctr"/>
+            <a:endParaRPr b="0" lang="en-US" sz="4400" spc="-1" strike="noStrike">
               <a:solidFill>
                 <a:srgbClr val="000000"/>
               </a:solidFill>
@@ -3328,7 +3243,8 @@
         <p:txBody>
           <a:bodyPr lIns="0" rIns="0" tIns="0" bIns="0" anchor="ctr"/>
           <a:p>
-            <a:endParaRPr b="0" lang="zh-CN" sz="1800" spc="-1" strike="noStrike">
+            <a:pPr algn="ctr"/>
+            <a:endParaRPr b="0" lang="en-US" sz="4400" spc="-1" strike="noStrike">
               <a:solidFill>
                 <a:srgbClr val="000000"/>
               </a:solidFill>
@@ -3364,7 +3280,7 @@
         <p:txBody>
           <a:bodyPr lIns="0" rIns="0" tIns="0" bIns="0"/>
           <a:p>
-            <a:endParaRPr b="0" lang="zh-CN" sz="2800" spc="-1" strike="noStrike">
+            <a:endParaRPr b="0" lang="en-US" sz="3200" spc="-1" strike="noStrike">
               <a:solidFill>
                 <a:srgbClr val="000000"/>
               </a:solidFill>
@@ -3400,7 +3316,7 @@
         <p:txBody>
           <a:bodyPr lIns="0" rIns="0" tIns="0" bIns="0"/>
           <a:p>
-            <a:endParaRPr b="0" lang="zh-CN" sz="2800" spc="-1" strike="noStrike">
+            <a:endParaRPr b="0" lang="en-US" sz="3200" spc="-1" strike="noStrike">
               <a:solidFill>
                 <a:srgbClr val="000000"/>
               </a:solidFill>
@@ -3436,7 +3352,7 @@
         <p:txBody>
           <a:bodyPr lIns="0" rIns="0" tIns="0" bIns="0"/>
           <a:p>
-            <a:endParaRPr b="0" lang="zh-CN" sz="2800" spc="-1" strike="noStrike">
+            <a:endParaRPr b="0" lang="en-US" sz="3200" spc="-1" strike="noStrike">
               <a:solidFill>
                 <a:srgbClr val="000000"/>
               </a:solidFill>
@@ -3494,7 +3410,8 @@
         <p:txBody>
           <a:bodyPr lIns="0" rIns="0" tIns="0" bIns="0" anchor="ctr"/>
           <a:p>
-            <a:endParaRPr b="0" lang="zh-CN" sz="1800" spc="-1" strike="noStrike">
+            <a:pPr algn="ctr"/>
+            <a:endParaRPr b="0" lang="en-US" sz="4400" spc="-1" strike="noStrike">
               <a:solidFill>
                 <a:srgbClr val="000000"/>
               </a:solidFill>
@@ -3589,7 +3506,8 @@
         <p:txBody>
           <a:bodyPr lIns="0" rIns="0" tIns="0" bIns="0" anchor="ctr"/>
           <a:p>
-            <a:endParaRPr b="0" lang="zh-CN" sz="1800" spc="-1" strike="noStrike">
+            <a:pPr algn="ctr"/>
+            <a:endParaRPr b="0" lang="en-US" sz="4400" spc="-1" strike="noStrike">
               <a:solidFill>
                 <a:srgbClr val="000000"/>
               </a:solidFill>
@@ -3625,7 +3543,7 @@
         <p:txBody>
           <a:bodyPr lIns="0" rIns="0" tIns="0" bIns="0"/>
           <a:p>
-            <a:endParaRPr b="0" lang="zh-CN" sz="2800" spc="-1" strike="noStrike">
+            <a:endParaRPr b="0" lang="en-US" sz="3200" spc="-1" strike="noStrike">
               <a:solidFill>
                 <a:srgbClr val="000000"/>
               </a:solidFill>
@@ -3661,7 +3579,7 @@
         <p:txBody>
           <a:bodyPr lIns="0" rIns="0" tIns="0" bIns="0"/>
           <a:p>
-            <a:endParaRPr b="0" lang="zh-CN" sz="2800" spc="-1" strike="noStrike">
+            <a:endParaRPr b="0" lang="en-US" sz="3200" spc="-1" strike="noStrike">
               <a:solidFill>
                 <a:srgbClr val="000000"/>
               </a:solidFill>
@@ -3697,7 +3615,7 @@
         <p:txBody>
           <a:bodyPr lIns="0" rIns="0" tIns="0" bIns="0"/>
           <a:p>
-            <a:endParaRPr b="0" lang="zh-CN" sz="2800" spc="-1" strike="noStrike">
+            <a:endParaRPr b="0" lang="en-US" sz="3200" spc="-1" strike="noStrike">
               <a:solidFill>
                 <a:srgbClr val="000000"/>
               </a:solidFill>
@@ -3755,7 +3673,8 @@
         <p:txBody>
           <a:bodyPr lIns="0" rIns="0" tIns="0" bIns="0" anchor="ctr"/>
           <a:p>
-            <a:endParaRPr b="0" lang="zh-CN" sz="1800" spc="-1" strike="noStrike">
+            <a:pPr algn="ctr"/>
+            <a:endParaRPr b="0" lang="en-US" sz="4400" spc="-1" strike="noStrike">
               <a:solidFill>
                 <a:srgbClr val="000000"/>
               </a:solidFill>
@@ -3791,7 +3710,7 @@
         <p:txBody>
           <a:bodyPr lIns="0" rIns="0" tIns="0" bIns="0"/>
           <a:p>
-            <a:endParaRPr b="0" lang="zh-CN" sz="2800" spc="-1" strike="noStrike">
+            <a:endParaRPr b="0" lang="en-US" sz="3200" spc="-1" strike="noStrike">
               <a:solidFill>
                 <a:srgbClr val="000000"/>
               </a:solidFill>
@@ -3827,7 +3746,7 @@
         <p:txBody>
           <a:bodyPr lIns="0" rIns="0" tIns="0" bIns="0"/>
           <a:p>
-            <a:endParaRPr b="0" lang="zh-CN" sz="2800" spc="-1" strike="noStrike">
+            <a:endParaRPr b="0" lang="en-US" sz="3200" spc="-1" strike="noStrike">
               <a:solidFill>
                 <a:srgbClr val="000000"/>
               </a:solidFill>
@@ -3863,7 +3782,7 @@
         <p:txBody>
           <a:bodyPr lIns="0" rIns="0" tIns="0" bIns="0"/>
           <a:p>
-            <a:endParaRPr b="0" lang="zh-CN" sz="2800" spc="-1" strike="noStrike">
+            <a:endParaRPr b="0" lang="en-US" sz="3200" spc="-1" strike="noStrike">
               <a:solidFill>
                 <a:srgbClr val="000000"/>
               </a:solidFill>
@@ -3921,7 +3840,8 @@
         <p:txBody>
           <a:bodyPr lIns="0" rIns="0" tIns="0" bIns="0" anchor="ctr"/>
           <a:p>
-            <a:endParaRPr b="0" lang="zh-CN" sz="1800" spc="-1" strike="noStrike">
+            <a:pPr algn="ctr"/>
+            <a:endParaRPr b="0" lang="en-US" sz="4400" spc="-1" strike="noStrike">
               <a:solidFill>
                 <a:srgbClr val="000000"/>
               </a:solidFill>
@@ -3957,7 +3877,7 @@
         <p:txBody>
           <a:bodyPr lIns="0" rIns="0" tIns="0" bIns="0"/>
           <a:p>
-            <a:endParaRPr b="0" lang="zh-CN" sz="2800" spc="-1" strike="noStrike">
+            <a:endParaRPr b="0" lang="en-US" sz="3200" spc="-1" strike="noStrike">
               <a:solidFill>
                 <a:srgbClr val="000000"/>
               </a:solidFill>
@@ -3993,7 +3913,7 @@
         <p:txBody>
           <a:bodyPr lIns="0" rIns="0" tIns="0" bIns="0"/>
           <a:p>
-            <a:endParaRPr b="0" lang="zh-CN" sz="2800" spc="-1" strike="noStrike">
+            <a:endParaRPr b="0" lang="en-US" sz="3200" spc="-1" strike="noStrike">
               <a:solidFill>
                 <a:srgbClr val="000000"/>
               </a:solidFill>
@@ -4051,7 +3971,8 @@
         <p:txBody>
           <a:bodyPr lIns="0" rIns="0" tIns="0" bIns="0" anchor="ctr"/>
           <a:p>
-            <a:endParaRPr b="0" lang="zh-CN" sz="1800" spc="-1" strike="noStrike">
+            <a:pPr algn="ctr"/>
+            <a:endParaRPr b="0" lang="en-US" sz="4400" spc="-1" strike="noStrike">
               <a:solidFill>
                 <a:srgbClr val="000000"/>
               </a:solidFill>
@@ -4087,7 +4008,7 @@
         <p:txBody>
           <a:bodyPr lIns="0" rIns="0" tIns="0" bIns="0"/>
           <a:p>
-            <a:endParaRPr b="0" lang="zh-CN" sz="2800" spc="-1" strike="noStrike">
+            <a:endParaRPr b="0" lang="en-US" sz="3200" spc="-1" strike="noStrike">
               <a:solidFill>
                 <a:srgbClr val="000000"/>
               </a:solidFill>
@@ -4123,7 +4044,7 @@
         <p:txBody>
           <a:bodyPr lIns="0" rIns="0" tIns="0" bIns="0"/>
           <a:p>
-            <a:endParaRPr b="0" lang="zh-CN" sz="2800" spc="-1" strike="noStrike">
+            <a:endParaRPr b="0" lang="en-US" sz="3200" spc="-1" strike="noStrike">
               <a:solidFill>
                 <a:srgbClr val="000000"/>
               </a:solidFill>
@@ -4159,7 +4080,7 @@
         <p:txBody>
           <a:bodyPr lIns="0" rIns="0" tIns="0" bIns="0"/>
           <a:p>
-            <a:endParaRPr b="0" lang="zh-CN" sz="2800" spc="-1" strike="noStrike">
+            <a:endParaRPr b="0" lang="en-US" sz="3200" spc="-1" strike="noStrike">
               <a:solidFill>
                 <a:srgbClr val="000000"/>
               </a:solidFill>
@@ -4195,7 +4116,7 @@
         <p:txBody>
           <a:bodyPr lIns="0" rIns="0" tIns="0" bIns="0"/>
           <a:p>
-            <a:endParaRPr b="0" lang="zh-CN" sz="2800" spc="-1" strike="noStrike">
+            <a:endParaRPr b="0" lang="en-US" sz="3200" spc="-1" strike="noStrike">
               <a:solidFill>
                 <a:srgbClr val="000000"/>
               </a:solidFill>
@@ -4253,7 +4174,8 @@
         <p:txBody>
           <a:bodyPr lIns="0" rIns="0" tIns="0" bIns="0" anchor="ctr"/>
           <a:p>
-            <a:endParaRPr b="0" lang="zh-CN" sz="1800" spc="-1" strike="noStrike">
+            <a:pPr algn="ctr"/>
+            <a:endParaRPr b="0" lang="en-US" sz="4400" spc="-1" strike="noStrike">
               <a:solidFill>
                 <a:srgbClr val="000000"/>
               </a:solidFill>
@@ -4289,7 +4211,7 @@
         <p:txBody>
           <a:bodyPr lIns="0" rIns="0" tIns="0" bIns="0"/>
           <a:p>
-            <a:endParaRPr b="0" lang="zh-CN" sz="2800" spc="-1" strike="noStrike">
+            <a:endParaRPr b="0" lang="en-US" sz="3200" spc="-1" strike="noStrike">
               <a:solidFill>
                 <a:srgbClr val="000000"/>
               </a:solidFill>
@@ -4325,7 +4247,7 @@
         <p:txBody>
           <a:bodyPr lIns="0" rIns="0" tIns="0" bIns="0"/>
           <a:p>
-            <a:endParaRPr b="0" lang="zh-CN" sz="2800" spc="-1" strike="noStrike">
+            <a:endParaRPr b="0" lang="en-US" sz="3200" spc="-1" strike="noStrike">
               <a:solidFill>
                 <a:srgbClr val="000000"/>
               </a:solidFill>
@@ -4429,7 +4351,8 @@
         <p:txBody>
           <a:bodyPr lIns="0" rIns="0" tIns="0" bIns="0" anchor="ctr"/>
           <a:p>
-            <a:endParaRPr b="0" lang="zh-CN" sz="1800" spc="-1" strike="noStrike">
+            <a:pPr algn="ctr"/>
+            <a:endParaRPr b="0" lang="en-US" sz="4400" spc="-1" strike="noStrike">
               <a:solidFill>
                 <a:srgbClr val="000000"/>
               </a:solidFill>
@@ -4465,7 +4388,7 @@
         <p:txBody>
           <a:bodyPr lIns="0" rIns="0" tIns="0" bIns="0"/>
           <a:p>
-            <a:endParaRPr b="0" lang="zh-CN" sz="2800" spc="-1" strike="noStrike">
+            <a:endParaRPr b="0" lang="en-US" sz="3200" spc="-1" strike="noStrike">
               <a:solidFill>
                 <a:srgbClr val="000000"/>
               </a:solidFill>
@@ -4523,7 +4446,8 @@
         <p:txBody>
           <a:bodyPr lIns="0" rIns="0" tIns="0" bIns="0" anchor="ctr"/>
           <a:p>
-            <a:endParaRPr b="0" lang="zh-CN" sz="1800" spc="-1" strike="noStrike">
+            <a:pPr algn="ctr"/>
+            <a:endParaRPr b="0" lang="en-US" sz="4400" spc="-1" strike="noStrike">
               <a:solidFill>
                 <a:srgbClr val="000000"/>
               </a:solidFill>
@@ -4559,7 +4483,7 @@
         <p:txBody>
           <a:bodyPr lIns="0" rIns="0" tIns="0" bIns="0"/>
           <a:p>
-            <a:endParaRPr b="0" lang="zh-CN" sz="2800" spc="-1" strike="noStrike">
+            <a:endParaRPr b="0" lang="en-US" sz="3200" spc="-1" strike="noStrike">
               <a:solidFill>
                 <a:srgbClr val="000000"/>
               </a:solidFill>
@@ -4595,7 +4519,7 @@
         <p:txBody>
           <a:bodyPr lIns="0" rIns="0" tIns="0" bIns="0"/>
           <a:p>
-            <a:endParaRPr b="0" lang="zh-CN" sz="2800" spc="-1" strike="noStrike">
+            <a:endParaRPr b="0" lang="en-US" sz="3200" spc="-1" strike="noStrike">
               <a:solidFill>
                 <a:srgbClr val="000000"/>
               </a:solidFill>
@@ -4653,7 +4577,8 @@
         <p:txBody>
           <a:bodyPr lIns="0" rIns="0" tIns="0" bIns="0" anchor="ctr"/>
           <a:p>
-            <a:endParaRPr b="0" lang="zh-CN" sz="1800" spc="-1" strike="noStrike">
+            <a:pPr algn="ctr"/>
+            <a:endParaRPr b="0" lang="en-US" sz="4400" spc="-1" strike="noStrike">
               <a:solidFill>
                 <a:srgbClr val="000000"/>
               </a:solidFill>
@@ -4770,7 +4695,8 @@
         <p:txBody>
           <a:bodyPr lIns="0" rIns="0" tIns="0" bIns="0" anchor="ctr"/>
           <a:p>
-            <a:endParaRPr b="0" lang="zh-CN" sz="1800" spc="-1" strike="noStrike">
+            <a:pPr algn="ctr"/>
+            <a:endParaRPr b="0" lang="en-US" sz="4400" spc="-1" strike="noStrike">
               <a:solidFill>
                 <a:srgbClr val="000000"/>
               </a:solidFill>
@@ -4806,7 +4732,7 @@
         <p:txBody>
           <a:bodyPr lIns="0" rIns="0" tIns="0" bIns="0"/>
           <a:p>
-            <a:endParaRPr b="0" lang="zh-CN" sz="2800" spc="-1" strike="noStrike">
+            <a:endParaRPr b="0" lang="en-US" sz="3200" spc="-1" strike="noStrike">
               <a:solidFill>
                 <a:srgbClr val="000000"/>
               </a:solidFill>
@@ -4842,7 +4768,7 @@
         <p:txBody>
           <a:bodyPr lIns="0" rIns="0" tIns="0" bIns="0"/>
           <a:p>
-            <a:endParaRPr b="0" lang="zh-CN" sz="2800" spc="-1" strike="noStrike">
+            <a:endParaRPr b="0" lang="en-US" sz="3200" spc="-1" strike="noStrike">
               <a:solidFill>
                 <a:srgbClr val="000000"/>
               </a:solidFill>
@@ -4878,7 +4804,7 @@
         <p:txBody>
           <a:bodyPr lIns="0" rIns="0" tIns="0" bIns="0"/>
           <a:p>
-            <a:endParaRPr b="0" lang="zh-CN" sz="2800" spc="-1" strike="noStrike">
+            <a:endParaRPr b="0" lang="en-US" sz="3200" spc="-1" strike="noStrike">
               <a:solidFill>
                 <a:srgbClr val="000000"/>
               </a:solidFill>
@@ -4936,7 +4862,8 @@
         <p:txBody>
           <a:bodyPr lIns="0" rIns="0" tIns="0" bIns="0" anchor="ctr"/>
           <a:p>
-            <a:endParaRPr b="0" lang="zh-CN" sz="1800" spc="-1" strike="noStrike">
+            <a:pPr algn="ctr"/>
+            <a:endParaRPr b="0" lang="en-US" sz="4400" spc="-1" strike="noStrike">
               <a:solidFill>
                 <a:srgbClr val="000000"/>
               </a:solidFill>
@@ -4972,7 +4899,7 @@
         <p:txBody>
           <a:bodyPr lIns="0" rIns="0" tIns="0" bIns="0"/>
           <a:p>
-            <a:endParaRPr b="0" lang="zh-CN" sz="2800" spc="-1" strike="noStrike">
+            <a:endParaRPr b="0" lang="en-US" sz="3200" spc="-1" strike="noStrike">
               <a:solidFill>
                 <a:srgbClr val="000000"/>
               </a:solidFill>
@@ -5008,7 +4935,7 @@
         <p:txBody>
           <a:bodyPr lIns="0" rIns="0" tIns="0" bIns="0"/>
           <a:p>
-            <a:endParaRPr b="0" lang="zh-CN" sz="2800" spc="-1" strike="noStrike">
+            <a:endParaRPr b="0" lang="en-US" sz="3200" spc="-1" strike="noStrike">
               <a:solidFill>
                 <a:srgbClr val="000000"/>
               </a:solidFill>
@@ -5044,7 +4971,7 @@
         <p:txBody>
           <a:bodyPr lIns="0" rIns="0" tIns="0" bIns="0"/>
           <a:p>
-            <a:endParaRPr b="0" lang="zh-CN" sz="2800" spc="-1" strike="noStrike">
+            <a:endParaRPr b="0" lang="en-US" sz="3200" spc="-1" strike="noStrike">
               <a:solidFill>
                 <a:srgbClr val="000000"/>
               </a:solidFill>
@@ -5102,7 +5029,8 @@
         <p:txBody>
           <a:bodyPr lIns="0" rIns="0" tIns="0" bIns="0" anchor="ctr"/>
           <a:p>
-            <a:endParaRPr b="0" lang="zh-CN" sz="1800" spc="-1" strike="noStrike">
+            <a:pPr algn="ctr"/>
+            <a:endParaRPr b="0" lang="en-US" sz="4400" spc="-1" strike="noStrike">
               <a:solidFill>
                 <a:srgbClr val="000000"/>
               </a:solidFill>
@@ -5138,7 +5066,7 @@
         <p:txBody>
           <a:bodyPr lIns="0" rIns="0" tIns="0" bIns="0"/>
           <a:p>
-            <a:endParaRPr b="0" lang="zh-CN" sz="2800" spc="-1" strike="noStrike">
+            <a:endParaRPr b="0" lang="en-US" sz="3200" spc="-1" strike="noStrike">
               <a:solidFill>
                 <a:srgbClr val="000000"/>
               </a:solidFill>
@@ -5174,7 +5102,7 @@
         <p:txBody>
           <a:bodyPr lIns="0" rIns="0" tIns="0" bIns="0"/>
           <a:p>
-            <a:endParaRPr b="0" lang="zh-CN" sz="2800" spc="-1" strike="noStrike">
+            <a:endParaRPr b="0" lang="en-US" sz="3200" spc="-1" strike="noStrike">
               <a:solidFill>
                 <a:srgbClr val="000000"/>
               </a:solidFill>
@@ -5210,7 +5138,7 @@
         <p:txBody>
           <a:bodyPr lIns="0" rIns="0" tIns="0" bIns="0"/>
           <a:p>
-            <a:endParaRPr b="0" lang="zh-CN" sz="2800" spc="-1" strike="noStrike">
+            <a:endParaRPr b="0" lang="en-US" sz="3200" spc="-1" strike="noStrike">
               <a:solidFill>
                 <a:srgbClr val="000000"/>
               </a:solidFill>
@@ -5275,8 +5203,9 @@
         <p:txBody>
           <a:bodyPr lIns="0" rIns="0" tIns="0" bIns="0" anchor="ctr"/>
           <a:p>
+            <a:pPr algn="ctr"/>
             <a:r>
-              <a:rPr b="0" lang="zh-CN" sz="1800" spc="-1" strike="noStrike">
+              <a:rPr b="0" lang="en-US" sz="4400" spc="-1" strike="noStrike">
                 <a:solidFill>
                   <a:srgbClr val="000000"/>
                 </a:solidFill>
@@ -5289,7 +5218,7 @@
               </a:rPr>
               <a:t>单击鼠标编辑标题文字格式</a:t>
             </a:r>
-            <a:endParaRPr b="0" lang="zh-CN" sz="1800" spc="-1" strike="noStrike">
+            <a:endParaRPr b="0" lang="en-US" sz="4400" spc="-1" strike="noStrike">
               <a:solidFill>
                 <a:srgbClr val="000000"/>
               </a:solidFill>
@@ -5334,7 +5263,7 @@
               <a:buChar char=""/>
             </a:pPr>
             <a:r>
-              <a:rPr b="0" lang="zh-CN" sz="2800" spc="-1" strike="noStrike">
+              <a:rPr b="0" lang="en-US" sz="3200" spc="-1" strike="noStrike">
                 <a:solidFill>
                   <a:srgbClr val="000000"/>
                 </a:solidFill>
@@ -5347,7 +5276,7 @@
               </a:rPr>
               <a:t>单击鼠标编辑大纲文字格式</a:t>
             </a:r>
-            <a:endParaRPr b="0" lang="zh-CN" sz="2800" spc="-1" strike="noStrike">
+            <a:endParaRPr b="0" lang="en-US" sz="3200" spc="-1" strike="noStrike">
               <a:solidFill>
                 <a:srgbClr val="000000"/>
               </a:solidFill>
@@ -5369,7 +5298,7 @@
               <a:buChar char=""/>
             </a:pPr>
             <a:r>
-              <a:rPr b="0" lang="zh-CN" sz="2000" spc="-1" strike="noStrike">
+              <a:rPr b="0" lang="en-US" sz="2800" spc="-1" strike="noStrike">
                 <a:solidFill>
                   <a:srgbClr val="000000"/>
                 </a:solidFill>
@@ -5382,7 +5311,7 @@
               </a:rPr>
               <a:t>第二个大纲级</a:t>
             </a:r>
-            <a:endParaRPr b="0" lang="zh-CN" sz="2000" spc="-1" strike="noStrike">
+            <a:endParaRPr b="0" lang="en-US" sz="2800" spc="-1" strike="noStrike">
               <a:solidFill>
                 <a:srgbClr val="000000"/>
               </a:solidFill>
@@ -5404,7 +5333,7 @@
               <a:buChar char=""/>
             </a:pPr>
             <a:r>
-              <a:rPr b="0" lang="zh-CN" sz="1800" spc="-1" strike="noStrike">
+              <a:rPr b="0" lang="en-US" sz="2400" spc="-1" strike="noStrike">
                 <a:solidFill>
                   <a:srgbClr val="000000"/>
                 </a:solidFill>
@@ -5417,7 +5346,7 @@
               </a:rPr>
               <a:t>第三大纲级别</a:t>
             </a:r>
-            <a:endParaRPr b="0" lang="zh-CN" sz="1800" spc="-1" strike="noStrike">
+            <a:endParaRPr b="0" lang="en-US" sz="2400" spc="-1" strike="noStrike">
               <a:solidFill>
                 <a:srgbClr val="000000"/>
               </a:solidFill>
@@ -5439,7 +5368,7 @@
               <a:buChar char=""/>
             </a:pPr>
             <a:r>
-              <a:rPr b="0" lang="zh-CN" sz="1800" spc="-1" strike="noStrike">
+              <a:rPr b="0" lang="en-US" sz="2000" spc="-1" strike="noStrike">
                 <a:solidFill>
                   <a:srgbClr val="000000"/>
                 </a:solidFill>
@@ -5452,7 +5381,7 @@
               </a:rPr>
               <a:t>第四大纲级别</a:t>
             </a:r>
-            <a:endParaRPr b="0" lang="zh-CN" sz="1800" spc="-1" strike="noStrike">
+            <a:endParaRPr b="0" lang="en-US" sz="2000" spc="-1" strike="noStrike">
               <a:solidFill>
                 <a:srgbClr val="000000"/>
               </a:solidFill>
@@ -5474,7 +5403,7 @@
               <a:buChar char=""/>
             </a:pPr>
             <a:r>
-              <a:rPr b="0" lang="zh-CN" sz="2000" spc="-1" strike="noStrike">
+              <a:rPr b="0" lang="en-US" sz="2000" spc="-1" strike="noStrike">
                 <a:solidFill>
                   <a:srgbClr val="000000"/>
                 </a:solidFill>
@@ -5487,7 +5416,7 @@
               </a:rPr>
               <a:t>第五大纲级别</a:t>
             </a:r>
-            <a:endParaRPr b="0" lang="zh-CN" sz="2000" spc="-1" strike="noStrike">
+            <a:endParaRPr b="0" lang="en-US" sz="2000" spc="-1" strike="noStrike">
               <a:solidFill>
                 <a:srgbClr val="000000"/>
               </a:solidFill>
@@ -5509,7 +5438,7 @@
               <a:buChar char=""/>
             </a:pPr>
             <a:r>
-              <a:rPr b="0" lang="zh-CN" sz="2000" spc="-1" strike="noStrike">
+              <a:rPr b="0" lang="en-US" sz="2000" spc="-1" strike="noStrike">
                 <a:solidFill>
                   <a:srgbClr val="000000"/>
                 </a:solidFill>
@@ -5522,7 +5451,7 @@
               </a:rPr>
               <a:t>第六大纲级别</a:t>
             </a:r>
-            <a:endParaRPr b="0" lang="zh-CN" sz="2000" spc="-1" strike="noStrike">
+            <a:endParaRPr b="0" lang="en-US" sz="2000" spc="-1" strike="noStrike">
               <a:solidFill>
                 <a:srgbClr val="000000"/>
               </a:solidFill>
@@ -5544,7 +5473,7 @@
               <a:buChar char=""/>
             </a:pPr>
             <a:r>
-              <a:rPr b="0" lang="zh-CN" sz="2000" spc="-1" strike="noStrike">
+              <a:rPr b="0" lang="en-US" sz="2000" spc="-1" strike="noStrike">
                 <a:solidFill>
                   <a:srgbClr val="000000"/>
                 </a:solidFill>
@@ -5557,7 +5486,7 @@
               </a:rPr>
               <a:t>第七大纲级别</a:t>
             </a:r>
-            <a:endParaRPr b="0" lang="zh-CN" sz="2000" spc="-1" strike="noStrike">
+            <a:endParaRPr b="0" lang="en-US" sz="2000" spc="-1" strike="noStrike">
               <a:solidFill>
                 <a:srgbClr val="000000"/>
               </a:solidFill>
@@ -5637,8 +5566,9 @@
         <p:txBody>
           <a:bodyPr lIns="0" rIns="0" tIns="0" bIns="0" anchor="ctr"/>
           <a:p>
+            <a:pPr algn="ctr"/>
             <a:r>
-              <a:rPr b="0" lang="zh-CN" sz="1800" spc="-1" strike="noStrike">
+              <a:rPr b="0" lang="en-US" sz="4400" spc="-1" strike="noStrike">
                 <a:solidFill>
                   <a:srgbClr val="000000"/>
                 </a:solidFill>
@@ -5651,7 +5581,7 @@
               </a:rPr>
               <a:t>单击鼠标编辑标题文字格式</a:t>
             </a:r>
-            <a:endParaRPr b="0" lang="zh-CN" sz="1800" spc="-1" strike="noStrike">
+            <a:endParaRPr b="0" lang="en-US" sz="4400" spc="-1" strike="noStrike">
               <a:solidFill>
                 <a:srgbClr val="000000"/>
               </a:solidFill>
@@ -5696,7 +5626,7 @@
               <a:buChar char=""/>
             </a:pPr>
             <a:r>
-              <a:rPr b="0" lang="zh-CN" sz="2800" spc="-1" strike="noStrike">
+              <a:rPr b="0" lang="en-US" sz="3200" spc="-1" strike="noStrike">
                 <a:solidFill>
                   <a:srgbClr val="000000"/>
                 </a:solidFill>
@@ -5709,7 +5639,7 @@
               </a:rPr>
               <a:t>单击鼠标编辑大纲文字格式</a:t>
             </a:r>
-            <a:endParaRPr b="0" lang="zh-CN" sz="2800" spc="-1" strike="noStrike">
+            <a:endParaRPr b="0" lang="en-US" sz="3200" spc="-1" strike="noStrike">
               <a:solidFill>
                 <a:srgbClr val="000000"/>
               </a:solidFill>
@@ -5731,7 +5661,7 @@
               <a:buChar char=""/>
             </a:pPr>
             <a:r>
-              <a:rPr b="0" lang="zh-CN" sz="2000" spc="-1" strike="noStrike">
+              <a:rPr b="0" lang="en-US" sz="2800" spc="-1" strike="noStrike">
                 <a:solidFill>
                   <a:srgbClr val="000000"/>
                 </a:solidFill>
@@ -5744,7 +5674,7 @@
               </a:rPr>
               <a:t>第二个大纲级</a:t>
             </a:r>
-            <a:endParaRPr b="0" lang="zh-CN" sz="2000" spc="-1" strike="noStrike">
+            <a:endParaRPr b="0" lang="en-US" sz="2800" spc="-1" strike="noStrike">
               <a:solidFill>
                 <a:srgbClr val="000000"/>
               </a:solidFill>
@@ -5766,7 +5696,7 @@
               <a:buChar char=""/>
             </a:pPr>
             <a:r>
-              <a:rPr b="0" lang="zh-CN" sz="1800" spc="-1" strike="noStrike">
+              <a:rPr b="0" lang="en-US" sz="2400" spc="-1" strike="noStrike">
                 <a:solidFill>
                   <a:srgbClr val="000000"/>
                 </a:solidFill>
@@ -5779,7 +5709,7 @@
               </a:rPr>
               <a:t>第三大纲级别</a:t>
             </a:r>
-            <a:endParaRPr b="0" lang="zh-CN" sz="1800" spc="-1" strike="noStrike">
+            <a:endParaRPr b="0" lang="en-US" sz="2400" spc="-1" strike="noStrike">
               <a:solidFill>
                 <a:srgbClr val="000000"/>
               </a:solidFill>
@@ -5801,7 +5731,7 @@
               <a:buChar char=""/>
             </a:pPr>
             <a:r>
-              <a:rPr b="0" lang="zh-CN" sz="1800" spc="-1" strike="noStrike">
+              <a:rPr b="0" lang="en-US" sz="2000" spc="-1" strike="noStrike">
                 <a:solidFill>
                   <a:srgbClr val="000000"/>
                 </a:solidFill>
@@ -5814,7 +5744,7 @@
               </a:rPr>
               <a:t>第四大纲级别</a:t>
             </a:r>
-            <a:endParaRPr b="0" lang="zh-CN" sz="1800" spc="-1" strike="noStrike">
+            <a:endParaRPr b="0" lang="en-US" sz="2000" spc="-1" strike="noStrike">
               <a:solidFill>
                 <a:srgbClr val="000000"/>
               </a:solidFill>
@@ -5836,7 +5766,7 @@
               <a:buChar char=""/>
             </a:pPr>
             <a:r>
-              <a:rPr b="0" lang="zh-CN" sz="2000" spc="-1" strike="noStrike">
+              <a:rPr b="0" lang="en-US" sz="2000" spc="-1" strike="noStrike">
                 <a:solidFill>
                   <a:srgbClr val="000000"/>
                 </a:solidFill>
@@ -5849,7 +5779,7 @@
               </a:rPr>
               <a:t>第五大纲级别</a:t>
             </a:r>
-            <a:endParaRPr b="0" lang="zh-CN" sz="2000" spc="-1" strike="noStrike">
+            <a:endParaRPr b="0" lang="en-US" sz="2000" spc="-1" strike="noStrike">
               <a:solidFill>
                 <a:srgbClr val="000000"/>
               </a:solidFill>
@@ -5871,7 +5801,7 @@
               <a:buChar char=""/>
             </a:pPr>
             <a:r>
-              <a:rPr b="0" lang="zh-CN" sz="2000" spc="-1" strike="noStrike">
+              <a:rPr b="0" lang="en-US" sz="2000" spc="-1" strike="noStrike">
                 <a:solidFill>
                   <a:srgbClr val="000000"/>
                 </a:solidFill>
@@ -5884,7 +5814,7 @@
               </a:rPr>
               <a:t>第六大纲级别</a:t>
             </a:r>
-            <a:endParaRPr b="0" lang="zh-CN" sz="2000" spc="-1" strike="noStrike">
+            <a:endParaRPr b="0" lang="en-US" sz="2000" spc="-1" strike="noStrike">
               <a:solidFill>
                 <a:srgbClr val="000000"/>
               </a:solidFill>
@@ -5906,7 +5836,7 @@
               <a:buChar char=""/>
             </a:pPr>
             <a:r>
-              <a:rPr b="0" lang="zh-CN" sz="2000" spc="-1" strike="noStrike">
+              <a:rPr b="0" lang="en-US" sz="2000" spc="-1" strike="noStrike">
                 <a:solidFill>
                   <a:srgbClr val="000000"/>
                 </a:solidFill>
@@ -5919,7 +5849,7 @@
               </a:rPr>
               <a:t>第七大纲级别</a:t>
             </a:r>
-            <a:endParaRPr b="0" lang="zh-CN" sz="2000" spc="-1" strike="noStrike">
+            <a:endParaRPr b="0" lang="en-US" sz="2000" spc="-1" strike="noStrike">
               <a:solidFill>
                 <a:srgbClr val="000000"/>
               </a:solidFill>
@@ -5979,7 +5909,7 @@
         <p:spPr>
           <a:xfrm>
             <a:off x="0" y="0"/>
-            <a:ext cx="12191400" cy="3528720"/>
+            <a:ext cx="12191040" cy="3528360"/>
           </a:xfrm>
           <a:prstGeom prst="rect">
             <a:avLst/>
@@ -6019,7 +5949,7 @@
         <p:spPr>
           <a:xfrm>
             <a:off x="1066680" y="345960"/>
-            <a:ext cx="10057680" cy="5086440"/>
+            <a:ext cx="10057320" cy="5086080"/>
           </a:xfrm>
           <a:prstGeom prst="rect">
             <a:avLst/>
@@ -6038,7 +5968,7 @@
         <p:spPr>
           <a:xfrm rot="21595200">
             <a:off x="2160" y="2990880"/>
-            <a:ext cx="12191760" cy="3334680"/>
+            <a:ext cx="12191400" cy="3334320"/>
           </a:xfrm>
           <a:prstGeom prst="rect">
             <a:avLst/>
@@ -6074,7 +6004,7 @@
         <p:spPr>
           <a:xfrm>
             <a:off x="2207160" y="3845880"/>
-            <a:ext cx="1140480" cy="1140480"/>
+            <a:ext cx="1140120" cy="1140120"/>
           </a:xfrm>
           <a:prstGeom prst="rect">
             <a:avLst/>
@@ -6087,7 +6017,7 @@
               </a:schemeClr>
             </a:solidFill>
             <a:custDash>
-              <a:ds d="900000" sp="100000"/>
+              <a:ds d="1700000" sp="100000"/>
             </a:custDash>
             <a:round/>
           </a:ln>
@@ -6128,7 +6058,7 @@
               </a:schemeClr>
             </a:solidFill>
             <a:custDash>
-              <a:ds d="600000" sp="100000"/>
+              <a:ds d="800000" sp="100000"/>
             </a:custDash>
             <a:round/>
           </a:ln>
@@ -6167,7 +6097,7 @@
               </a:schemeClr>
             </a:solidFill>
             <a:custDash>
-              <a:ds d="600000" sp="100000"/>
+              <a:ds d="800000" sp="100000"/>
             </a:custDash>
             <a:round/>
           </a:ln>
@@ -6194,7 +6124,7 @@
         <p:spPr>
           <a:xfrm>
             <a:off x="3534480" y="3845880"/>
-            <a:ext cx="1140480" cy="1140480"/>
+            <a:ext cx="1140120" cy="1140120"/>
           </a:xfrm>
           <a:prstGeom prst="rect">
             <a:avLst/>
@@ -6207,7 +6137,7 @@
               </a:schemeClr>
             </a:solidFill>
             <a:custDash>
-              <a:ds d="900000" sp="100000"/>
+              <a:ds d="1700000" sp="100000"/>
             </a:custDash>
             <a:round/>
           </a:ln>
@@ -6248,7 +6178,7 @@
               </a:schemeClr>
             </a:solidFill>
             <a:custDash>
-              <a:ds d="600000" sp="100000"/>
+              <a:ds d="800000" sp="100000"/>
             </a:custDash>
             <a:round/>
           </a:ln>
@@ -6287,7 +6217,7 @@
               </a:schemeClr>
             </a:solidFill>
             <a:custDash>
-              <a:ds d="600000" sp="100000"/>
+              <a:ds d="800000" sp="100000"/>
             </a:custDash>
             <a:round/>
           </a:ln>
@@ -6314,7 +6244,7 @@
         <p:spPr>
           <a:xfrm>
             <a:off x="4861800" y="3845880"/>
-            <a:ext cx="1140480" cy="1140480"/>
+            <a:ext cx="1140120" cy="1140120"/>
           </a:xfrm>
           <a:prstGeom prst="rect">
             <a:avLst/>
@@ -6327,7 +6257,7 @@
               </a:schemeClr>
             </a:solidFill>
             <a:custDash>
-              <a:ds d="900000" sp="100000"/>
+              <a:ds d="1700000" sp="100000"/>
             </a:custDash>
             <a:round/>
           </a:ln>
@@ -6368,7 +6298,7 @@
               </a:schemeClr>
             </a:solidFill>
             <a:custDash>
-              <a:ds d="600000" sp="100000"/>
+              <a:ds d="800000" sp="100000"/>
             </a:custDash>
             <a:round/>
           </a:ln>
@@ -6407,7 +6337,7 @@
               </a:schemeClr>
             </a:solidFill>
             <a:custDash>
-              <a:ds d="600000" sp="100000"/>
+              <a:ds d="800000" sp="100000"/>
             </a:custDash>
             <a:round/>
           </a:ln>
@@ -6434,7 +6364,7 @@
         <p:spPr>
           <a:xfrm>
             <a:off x="6189120" y="3845880"/>
-            <a:ext cx="1140480" cy="1140480"/>
+            <a:ext cx="1140120" cy="1140120"/>
           </a:xfrm>
           <a:prstGeom prst="rect">
             <a:avLst/>
@@ -6447,7 +6377,7 @@
               </a:schemeClr>
             </a:solidFill>
             <a:custDash>
-              <a:ds d="900000" sp="100000"/>
+              <a:ds d="1700000" sp="100000"/>
             </a:custDash>
             <a:round/>
           </a:ln>
@@ -6488,7 +6418,7 @@
               </a:schemeClr>
             </a:solidFill>
             <a:custDash>
-              <a:ds d="600000" sp="100000"/>
+              <a:ds d="800000" sp="100000"/>
             </a:custDash>
             <a:round/>
           </a:ln>
@@ -6527,7 +6457,7 @@
               </a:schemeClr>
             </a:solidFill>
             <a:custDash>
-              <a:ds d="600000" sp="100000"/>
+              <a:ds d="800000" sp="100000"/>
             </a:custDash>
             <a:round/>
           </a:ln>
@@ -6554,7 +6484,7 @@
         <p:spPr>
           <a:xfrm>
             <a:off x="7516440" y="3845880"/>
-            <a:ext cx="1140480" cy="1140480"/>
+            <a:ext cx="1140120" cy="1140120"/>
           </a:xfrm>
           <a:prstGeom prst="rect">
             <a:avLst/>
@@ -6567,7 +6497,7 @@
               </a:schemeClr>
             </a:solidFill>
             <a:custDash>
-              <a:ds d="900000" sp="100000"/>
+              <a:ds d="1700000" sp="100000"/>
             </a:custDash>
             <a:round/>
           </a:ln>
@@ -6608,7 +6538,7 @@
               </a:schemeClr>
             </a:solidFill>
             <a:custDash>
-              <a:ds d="600000" sp="100000"/>
+              <a:ds d="800000" sp="100000"/>
             </a:custDash>
             <a:round/>
           </a:ln>
@@ -6647,7 +6577,7 @@
               </a:schemeClr>
             </a:solidFill>
             <a:custDash>
-              <a:ds d="600000" sp="100000"/>
+              <a:ds d="800000" sp="100000"/>
             </a:custDash>
             <a:round/>
           </a:ln>
@@ -6674,7 +6604,7 @@
         <p:spPr>
           <a:xfrm>
             <a:off x="8843760" y="3845880"/>
-            <a:ext cx="1140480" cy="1140480"/>
+            <a:ext cx="1140120" cy="1140120"/>
           </a:xfrm>
           <a:prstGeom prst="rect">
             <a:avLst/>
@@ -6687,7 +6617,7 @@
               </a:schemeClr>
             </a:solidFill>
             <a:custDash>
-              <a:ds d="900000" sp="100000"/>
+              <a:ds d="1700000" sp="100000"/>
             </a:custDash>
             <a:round/>
           </a:ln>
@@ -6728,7 +6658,7 @@
               </a:schemeClr>
             </a:solidFill>
             <a:custDash>
-              <a:ds d="600000" sp="100000"/>
+              <a:ds d="800000" sp="100000"/>
             </a:custDash>
             <a:round/>
           </a:ln>
@@ -6767,7 +6697,7 @@
               </a:schemeClr>
             </a:solidFill>
             <a:custDash>
-              <a:ds d="600000" sp="100000"/>
+              <a:ds d="800000" sp="100000"/>
             </a:custDash>
             <a:round/>
           </a:ln>
@@ -6793,8 +6723,8 @@
         </p:nvSpPr>
         <p:spPr>
           <a:xfrm rot="12600">
-            <a:off x="2241000" y="3686040"/>
-            <a:ext cx="8011080" cy="1287720"/>
+            <a:off x="2241000" y="3685680"/>
+            <a:ext cx="8010720" cy="1287360"/>
           </a:xfrm>
           <a:prstGeom prst="rect">
             <a:avLst/>
@@ -6819,7 +6749,7 @@
               </a:lnSpc>
             </a:pPr>
             <a:r>
-              <a:rPr b="1" lang="en-US" sz="8000" spc="2195" strike="noStrike">
+              <a:rPr b="1" lang="en-US" sz="8000" spc="2192" strike="noStrike">
                 <a:solidFill>
                   <a:srgbClr val="136083"/>
                 </a:solidFill>
@@ -6856,7 +6786,7 @@
         <p:spPr>
           <a:xfrm>
             <a:off x="4656600" y="5534640"/>
-            <a:ext cx="349560" cy="351000"/>
+            <a:ext cx="349200" cy="350640"/>
           </a:xfrm>
           <a:custGeom>
             <a:avLst/>
@@ -7044,7 +6974,7 @@
         <p:spPr>
           <a:xfrm>
             <a:off x="5106600" y="5551200"/>
-            <a:ext cx="1833120" cy="333360"/>
+            <a:ext cx="1832760" cy="333000"/>
           </a:xfrm>
           <a:prstGeom prst="rect">
             <a:avLst/>
@@ -7106,7 +7036,7 @@
         <p:spPr>
           <a:xfrm>
             <a:off x="4443840" y="1223280"/>
-            <a:ext cx="3303720" cy="1552320"/>
+            <a:ext cx="3303360" cy="1551960"/>
           </a:xfrm>
           <a:prstGeom prst="rect">
             <a:avLst/>
@@ -7168,7 +7098,7 @@
         <p:spPr>
           <a:xfrm>
             <a:off x="3805560" y="6123600"/>
-            <a:ext cx="3769920" cy="242280"/>
+            <a:ext cx="3769560" cy="241920"/>
           </a:xfrm>
           <a:prstGeom prst="rect">
             <a:avLst/>
@@ -7194,7 +7124,7 @@
         <p:spPr>
           <a:xfrm>
             <a:off x="7675920" y="5875560"/>
-            <a:ext cx="3028320" cy="364680"/>
+            <a:ext cx="3027960" cy="364320"/>
           </a:xfrm>
           <a:prstGeom prst="rect">
             <a:avLst/>
@@ -7383,7 +7313,7 @@
         <p:spPr>
           <a:xfrm>
             <a:off x="0" y="205200"/>
-            <a:ext cx="12191400" cy="600120"/>
+            <a:ext cx="12191040" cy="599760"/>
           </a:xfrm>
           <a:prstGeom prst="rect">
             <a:avLst/>
@@ -7419,7 +7349,7 @@
         <p:spPr>
           <a:xfrm flipH="1">
             <a:off x="265680" y="806040"/>
-            <a:ext cx="311400" cy="88560"/>
+            <a:ext cx="311040" cy="88200"/>
           </a:xfrm>
           <a:custGeom>
             <a:avLst/>
@@ -7477,8 +7407,8 @@
         </p:nvSpPr>
         <p:spPr>
           <a:xfrm flipV="1">
-            <a:off x="1457280" y="115560"/>
-            <a:ext cx="311400" cy="88560"/>
+            <a:off x="1457280" y="114840"/>
+            <a:ext cx="311040" cy="88200"/>
           </a:xfrm>
           <a:custGeom>
             <a:avLst/>
@@ -7537,7 +7467,7 @@
         <p:spPr>
           <a:xfrm flipH="1">
             <a:off x="311760" y="116280"/>
-            <a:ext cx="1402200" cy="778680"/>
+            <a:ext cx="1401840" cy="778320"/>
           </a:xfrm>
           <a:prstGeom prst="parallelogram">
             <a:avLst>
@@ -7575,7 +7505,7 @@
         <p:spPr>
           <a:xfrm>
             <a:off x="302040" y="244080"/>
-            <a:ext cx="1323360" cy="516600"/>
+            <a:ext cx="1323000" cy="516240"/>
           </a:xfrm>
           <a:prstGeom prst="rect">
             <a:avLst/>
@@ -7637,7 +7567,7 @@
         <p:spPr>
           <a:xfrm>
             <a:off x="2021400" y="244080"/>
-            <a:ext cx="2500560" cy="515880"/>
+            <a:ext cx="2500200" cy="515520"/>
           </a:xfrm>
           <a:prstGeom prst="rect">
             <a:avLst/>
@@ -7662,7 +7592,7 @@
               </a:lnSpc>
             </a:pPr>
             <a:r>
-              <a:rPr b="0" lang="en-US" sz="2800" spc="296" strike="noStrike">
+              <a:rPr b="0" lang="en-US" sz="2800" spc="293" strike="noStrike">
                 <a:solidFill>
                   <a:srgbClr val="ffffff"/>
                 </a:solidFill>
@@ -7699,7 +7629,7 @@
         <p:spPr>
           <a:xfrm>
             <a:off x="2963880" y="4393080"/>
-            <a:ext cx="2313000" cy="1985400"/>
+            <a:ext cx="2312640" cy="1985040"/>
           </a:xfrm>
           <a:custGeom>
             <a:avLst/>
@@ -7799,7 +7729,7 @@
         <p:spPr>
           <a:xfrm>
             <a:off x="4897800" y="3332160"/>
-            <a:ext cx="2313000" cy="1985400"/>
+            <a:ext cx="2312640" cy="1985040"/>
           </a:xfrm>
           <a:custGeom>
             <a:avLst/>
@@ -7866,7 +7796,7 @@
         <p:spPr>
           <a:xfrm>
             <a:off x="6879240" y="4389840"/>
-            <a:ext cx="2313000" cy="1985400"/>
+            <a:ext cx="2312640" cy="1985040"/>
           </a:xfrm>
           <a:prstGeom prst="hexagon">
             <a:avLst>
@@ -7941,7 +7871,7 @@
         <p:spPr>
           <a:xfrm>
             <a:off x="4868640" y="1190520"/>
-            <a:ext cx="2313000" cy="1985400"/>
+            <a:ext cx="2312640" cy="1985040"/>
           </a:xfrm>
           <a:prstGeom prst="hexagon">
             <a:avLst>
@@ -8016,7 +7946,7 @@
         <p:spPr>
           <a:xfrm>
             <a:off x="6818400" y="2272680"/>
-            <a:ext cx="2313000" cy="1985400"/>
+            <a:ext cx="2312640" cy="1985040"/>
           </a:xfrm>
           <a:prstGeom prst="hexagon">
             <a:avLst>
@@ -8091,7 +8021,7 @@
         <p:spPr>
           <a:xfrm>
             <a:off x="2882160" y="2305080"/>
-            <a:ext cx="2313000" cy="1985400"/>
+            <a:ext cx="2312640" cy="1985040"/>
           </a:xfrm>
           <a:custGeom>
             <a:avLst/>
@@ -8233,7 +8163,7 @@
         <p:spPr>
           <a:xfrm>
             <a:off x="0" y="2462040"/>
-            <a:ext cx="12191400" cy="1895040"/>
+            <a:ext cx="12191040" cy="1894680"/>
           </a:xfrm>
           <a:prstGeom prst="rect">
             <a:avLst/>
@@ -8267,7 +8197,7 @@
         <p:spPr>
           <a:xfrm>
             <a:off x="3714120" y="2202480"/>
-            <a:ext cx="257760" cy="258840"/>
+            <a:ext cx="257400" cy="258480"/>
           </a:xfrm>
           <a:custGeom>
             <a:avLst/>
@@ -8320,7 +8250,7 @@
         <p:spPr>
           <a:xfrm flipV="1">
             <a:off x="510120" y="4356720"/>
-            <a:ext cx="262800" cy="263880"/>
+            <a:ext cx="262440" cy="263520"/>
           </a:xfrm>
           <a:custGeom>
             <a:avLst/>
@@ -8373,7 +8303,7 @@
         <p:spPr>
           <a:xfrm>
             <a:off x="639000" y="2203200"/>
-            <a:ext cx="3208680" cy="2412360"/>
+            <a:ext cx="3208320" cy="2412000"/>
           </a:xfrm>
           <a:prstGeom prst="parallelogram">
             <a:avLst>
@@ -8411,7 +8341,7 @@
         <p:spPr>
           <a:xfrm>
             <a:off x="1487520" y="2531520"/>
-            <a:ext cx="1762200" cy="1715760"/>
+            <a:ext cx="1761840" cy="1715400"/>
           </a:xfrm>
           <a:prstGeom prst="rect">
             <a:avLst/>
@@ -8473,7 +8403,7 @@
         <p:spPr>
           <a:xfrm>
             <a:off x="4446720" y="2890800"/>
-            <a:ext cx="6733080" cy="913680"/>
+            <a:ext cx="6732720" cy="913320"/>
           </a:xfrm>
           <a:prstGeom prst="rect">
             <a:avLst/>
@@ -8584,7 +8514,7 @@
         <p:spPr>
           <a:xfrm>
             <a:off x="0" y="205200"/>
-            <a:ext cx="12191400" cy="600120"/>
+            <a:ext cx="12191040" cy="599760"/>
           </a:xfrm>
           <a:prstGeom prst="rect">
             <a:avLst/>
@@ -8620,7 +8550,7 @@
         <p:spPr>
           <a:xfrm flipH="1">
             <a:off x="265680" y="806040"/>
-            <a:ext cx="311400" cy="88560"/>
+            <a:ext cx="311040" cy="88200"/>
           </a:xfrm>
           <a:custGeom>
             <a:avLst/>
@@ -8678,8 +8608,8 @@
         </p:nvSpPr>
         <p:spPr>
           <a:xfrm flipV="1">
-            <a:off x="1457280" y="115560"/>
-            <a:ext cx="311400" cy="88560"/>
+            <a:off x="1457280" y="114840"/>
+            <a:ext cx="311040" cy="88200"/>
           </a:xfrm>
           <a:custGeom>
             <a:avLst/>
@@ -8738,7 +8668,7 @@
         <p:spPr>
           <a:xfrm flipH="1">
             <a:off x="311760" y="116280"/>
-            <a:ext cx="1402200" cy="778680"/>
+            <a:ext cx="1401840" cy="778320"/>
           </a:xfrm>
           <a:prstGeom prst="parallelogram">
             <a:avLst>
@@ -8776,7 +8706,7 @@
         <p:spPr>
           <a:xfrm>
             <a:off x="302040" y="244080"/>
-            <a:ext cx="1323360" cy="516600"/>
+            <a:ext cx="1323000" cy="516240"/>
           </a:xfrm>
           <a:prstGeom prst="rect">
             <a:avLst/>
@@ -8838,7 +8768,7 @@
         <p:spPr>
           <a:xfrm>
             <a:off x="2058840" y="244080"/>
-            <a:ext cx="1713960" cy="515880"/>
+            <a:ext cx="1713600" cy="515520"/>
           </a:xfrm>
           <a:prstGeom prst="rect">
             <a:avLst/>
@@ -8863,7 +8793,7 @@
               </a:lnSpc>
             </a:pPr>
             <a:r>
-              <a:rPr b="0" lang="en-US" sz="2800" spc="296" strike="noStrike">
+              <a:rPr b="0" lang="en-US" sz="2800" spc="293" strike="noStrike">
                 <a:solidFill>
                   <a:srgbClr val="ffffff"/>
                 </a:solidFill>
@@ -8900,7 +8830,7 @@
         <p:spPr>
           <a:xfrm>
             <a:off x="3147840" y="1794960"/>
-            <a:ext cx="4556160" cy="869040"/>
+            <a:ext cx="4555800" cy="868680"/>
           </a:xfrm>
           <a:custGeom>
             <a:avLst/>
@@ -9074,7 +9004,7 @@
         <p:spPr>
           <a:xfrm>
             <a:off x="3166560" y="3312000"/>
-            <a:ext cx="4537440" cy="869040"/>
+            <a:ext cx="4537080" cy="868680"/>
           </a:xfrm>
           <a:custGeom>
             <a:avLst/>
@@ -9248,7 +9178,7 @@
         <p:spPr>
           <a:xfrm>
             <a:off x="2751840" y="1844280"/>
-            <a:ext cx="727200" cy="727200"/>
+            <a:ext cx="726840" cy="726840"/>
           </a:xfrm>
           <a:prstGeom prst="ellipse">
             <a:avLst/>
@@ -9312,7 +9242,7 @@
         <p:spPr>
           <a:xfrm>
             <a:off x="2770560" y="3403080"/>
-            <a:ext cx="727200" cy="727200"/>
+            <a:ext cx="726840" cy="726840"/>
           </a:xfrm>
           <a:prstGeom prst="ellipse">
             <a:avLst/>
@@ -9376,7 +9306,7 @@
         <p:spPr>
           <a:xfrm>
             <a:off x="3238560" y="4824000"/>
-            <a:ext cx="4465440" cy="869040"/>
+            <a:ext cx="4465080" cy="868680"/>
           </a:xfrm>
           <a:custGeom>
             <a:avLst/>
@@ -9550,7 +9480,7 @@
         <p:spPr>
           <a:xfrm>
             <a:off x="2770920" y="3403440"/>
-            <a:ext cx="727200" cy="727200"/>
+            <a:ext cx="726840" cy="726840"/>
           </a:xfrm>
           <a:prstGeom prst="ellipse">
             <a:avLst/>
@@ -9614,7 +9544,7 @@
         <p:spPr>
           <a:xfrm>
             <a:off x="2770920" y="3403440"/>
-            <a:ext cx="727200" cy="727200"/>
+            <a:ext cx="726840" cy="726840"/>
           </a:xfrm>
           <a:prstGeom prst="ellipse">
             <a:avLst/>
@@ -9678,7 +9608,7 @@
         <p:spPr>
           <a:xfrm>
             <a:off x="2808000" y="4888800"/>
-            <a:ext cx="727200" cy="727200"/>
+            <a:ext cx="726840" cy="726840"/>
           </a:xfrm>
           <a:prstGeom prst="ellipse">
             <a:avLst/>
@@ -9791,7 +9721,7 @@
         <p:spPr>
           <a:xfrm>
             <a:off x="0" y="205200"/>
-            <a:ext cx="12191400" cy="600120"/>
+            <a:ext cx="12191040" cy="599760"/>
           </a:xfrm>
           <a:prstGeom prst="rect">
             <a:avLst/>
@@ -9827,7 +9757,7 @@
         <p:spPr>
           <a:xfrm flipH="1">
             <a:off x="265680" y="806040"/>
-            <a:ext cx="311400" cy="88560"/>
+            <a:ext cx="311040" cy="88200"/>
           </a:xfrm>
           <a:custGeom>
             <a:avLst/>
@@ -9885,8 +9815,8 @@
         </p:nvSpPr>
         <p:spPr>
           <a:xfrm flipV="1">
-            <a:off x="1457280" y="115560"/>
-            <a:ext cx="311400" cy="88560"/>
+            <a:off x="1457280" y="114840"/>
+            <a:ext cx="311040" cy="88200"/>
           </a:xfrm>
           <a:custGeom>
             <a:avLst/>
@@ -9945,7 +9875,7 @@
         <p:spPr>
           <a:xfrm flipH="1">
             <a:off x="311760" y="116280"/>
-            <a:ext cx="1402200" cy="778680"/>
+            <a:ext cx="1401840" cy="778320"/>
           </a:xfrm>
           <a:prstGeom prst="parallelogram">
             <a:avLst>
@@ -9983,7 +9913,7 @@
         <p:spPr>
           <a:xfrm>
             <a:off x="302040" y="244080"/>
-            <a:ext cx="1323360" cy="516600"/>
+            <a:ext cx="1323000" cy="516240"/>
           </a:xfrm>
           <a:prstGeom prst="rect">
             <a:avLst/>
@@ -10045,7 +9975,7 @@
         <p:spPr>
           <a:xfrm>
             <a:off x="2058840" y="244080"/>
-            <a:ext cx="1713960" cy="515880"/>
+            <a:ext cx="1713600" cy="515520"/>
           </a:xfrm>
           <a:prstGeom prst="rect">
             <a:avLst/>
@@ -10070,7 +10000,7 @@
               </a:lnSpc>
             </a:pPr>
             <a:r>
-              <a:rPr b="0" lang="en-US" sz="2800" spc="296" strike="noStrike">
+              <a:rPr b="0" lang="en-US" sz="2800" spc="293" strike="noStrike">
                 <a:solidFill>
                   <a:srgbClr val="ffffff"/>
                 </a:solidFill>
@@ -10107,7 +10037,7 @@
         <p:spPr>
           <a:xfrm>
             <a:off x="1527840" y="1794960"/>
-            <a:ext cx="3764160" cy="869040"/>
+            <a:ext cx="3763800" cy="868680"/>
           </a:xfrm>
           <a:custGeom>
             <a:avLst/>
@@ -10281,7 +10211,7 @@
         <p:spPr>
           <a:xfrm>
             <a:off x="1546560" y="3312000"/>
-            <a:ext cx="3817440" cy="869040"/>
+            <a:ext cx="3817080" cy="868680"/>
           </a:xfrm>
           <a:custGeom>
             <a:avLst/>
@@ -10455,7 +10385,7 @@
         <p:spPr>
           <a:xfrm>
             <a:off x="1131840" y="1844280"/>
-            <a:ext cx="727200" cy="727200"/>
+            <a:ext cx="726840" cy="726840"/>
           </a:xfrm>
           <a:prstGeom prst="ellipse">
             <a:avLst/>
@@ -10519,7 +10449,7 @@
         <p:spPr>
           <a:xfrm>
             <a:off x="1150560" y="3403080"/>
-            <a:ext cx="727200" cy="727200"/>
+            <a:ext cx="726840" cy="726840"/>
           </a:xfrm>
           <a:prstGeom prst="ellipse">
             <a:avLst/>
@@ -10583,7 +10513,7 @@
         <p:spPr>
           <a:xfrm>
             <a:off x="1618560" y="4824000"/>
-            <a:ext cx="3817440" cy="869040"/>
+            <a:ext cx="3817080" cy="868680"/>
           </a:xfrm>
           <a:custGeom>
             <a:avLst/>
@@ -10757,7 +10687,7 @@
         <p:spPr>
           <a:xfrm>
             <a:off x="1150920" y="3403440"/>
-            <a:ext cx="727200" cy="727200"/>
+            <a:ext cx="726840" cy="726840"/>
           </a:xfrm>
           <a:prstGeom prst="ellipse">
             <a:avLst/>
@@ -10821,7 +10751,7 @@
         <p:spPr>
           <a:xfrm>
             <a:off x="1150920" y="3403440"/>
-            <a:ext cx="727200" cy="727200"/>
+            <a:ext cx="726840" cy="726840"/>
           </a:xfrm>
           <a:prstGeom prst="ellipse">
             <a:avLst/>
@@ -10885,7 +10815,7 @@
         <p:spPr>
           <a:xfrm>
             <a:off x="1188000" y="4888800"/>
-            <a:ext cx="727200" cy="727200"/>
+            <a:ext cx="726840" cy="726840"/>
           </a:xfrm>
           <a:prstGeom prst="ellipse">
             <a:avLst/>
@@ -10949,13 +10879,13 @@
         <p:spPr>
           <a:xfrm>
             <a:off x="5652000" y="3456000"/>
-            <a:ext cx="1512000" cy="648000"/>
+            <a:ext cx="1511640" cy="647640"/>
           </a:xfrm>
           <a:custGeom>
             <a:avLst/>
             <a:gdLst/>
             <a:ahLst/>
-            <a:rect l="0" t="0" r="r" b="b"/>
+            <a:rect l="l" t="t" r="r" b="b"/>
             <a:pathLst>
               <a:path w="4202" h="1801">
                 <a:moveTo>
@@ -11003,7 +10933,11 @@
         <p:txBody>
           <a:bodyPr wrap="none" lIns="90000" rIns="90000" tIns="45000" bIns="45000" anchor="ctr"/>
           <a:p>
-            <a:pPr algn="ctr"/>
+            <a:pPr algn="ctr">
+              <a:lnSpc>
+                <a:spcPct val="100000"/>
+              </a:lnSpc>
+            </a:pPr>
             <a:r>
               <a:rPr b="0" lang="en-US" sz="1800" spc="-1" strike="noStrike">
                 <a:solidFill>
@@ -11015,6 +10949,7 @@
                   </a:solidFill>
                 </a:uFill>
                 <a:latin typeface="Arial"/>
+                <a:ea typeface="DejaVu Sans"/>
               </a:rPr>
               <a:t>改进措施</a:t>
             </a:r>
@@ -11041,7 +10976,7 @@
         <p:spPr>
           <a:xfrm>
             <a:off x="7560000" y="1872000"/>
-            <a:ext cx="576000" cy="576000"/>
+            <a:ext cx="575640" cy="575640"/>
           </a:xfrm>
           <a:prstGeom prst="rect">
             <a:avLst/>
@@ -11064,7 +10999,11 @@
         <p:txBody>
           <a:bodyPr wrap="none" lIns="90000" rIns="90000" tIns="45000" bIns="45000" anchor="ctr"/>
           <a:p>
-            <a:pPr algn="ctr"/>
+            <a:pPr algn="ctr">
+              <a:lnSpc>
+                <a:spcPct val="100000"/>
+              </a:lnSpc>
+            </a:pPr>
             <a:r>
               <a:rPr b="0" lang="en-US" sz="3200" spc="-1" strike="noStrike">
                 <a:solidFill>
@@ -11096,14 +11035,14 @@
       </p:sp>
       <p:sp>
         <p:nvSpPr>
-          <p:cNvPr id="247" name="TextShape 17"/>
-          <p:cNvSpPr txBox="1"/>
+          <p:cNvPr id="247" name="CustomShape 17"/>
+          <p:cNvSpPr/>
           <p:nvPr/>
         </p:nvSpPr>
         <p:spPr>
           <a:xfrm>
             <a:off x="8273880" y="1800000"/>
-            <a:ext cx="2238120" cy="681480"/>
+            <a:ext cx="2237760" cy="681120"/>
           </a:xfrm>
           <a:prstGeom prst="rect">
             <a:avLst/>
@@ -11113,6 +11052,12 @@
             <a:noFill/>
           </a:ln>
         </p:spPr>
+        <p:style>
+          <a:lnRef idx="0"/>
+          <a:fillRef idx="0"/>
+          <a:effectRef idx="0"/>
+          <a:fontRef idx="minor"/>
+        </p:style>
         <p:txBody>
           <a:bodyPr lIns="90000" rIns="90000" tIns="45000" bIns="45000"/>
           <a:p>
@@ -11180,7 +11125,7 @@
         <p:spPr>
           <a:xfrm>
             <a:off x="7560000" y="3456000"/>
-            <a:ext cx="576000" cy="576000"/>
+            <a:ext cx="575640" cy="575640"/>
           </a:xfrm>
           <a:prstGeom prst="rect">
             <a:avLst/>
@@ -11203,7 +11148,11 @@
         <p:txBody>
           <a:bodyPr wrap="none" lIns="90000" rIns="90000" tIns="45000" bIns="45000" anchor="ctr"/>
           <a:p>
-            <a:pPr algn="ctr"/>
+            <a:pPr algn="ctr">
+              <a:lnSpc>
+                <a:spcPct val="100000"/>
+              </a:lnSpc>
+            </a:pPr>
             <a:r>
               <a:rPr b="0" lang="en-US" sz="3200" spc="-1" strike="noStrike">
                 <a:solidFill>
@@ -11235,14 +11184,14 @@
       </p:sp>
       <p:sp>
         <p:nvSpPr>
-          <p:cNvPr id="249" name="TextShape 19"/>
-          <p:cNvSpPr txBox="1"/>
+          <p:cNvPr id="249" name="CustomShape 19"/>
+          <p:cNvSpPr/>
           <p:nvPr/>
         </p:nvSpPr>
         <p:spPr>
           <a:xfrm>
             <a:off x="8136000" y="3422520"/>
-            <a:ext cx="3609720" cy="681480"/>
+            <a:ext cx="3609360" cy="681120"/>
           </a:xfrm>
           <a:prstGeom prst="rect">
             <a:avLst/>
@@ -11252,6 +11201,12 @@
             <a:noFill/>
           </a:ln>
         </p:spPr>
+        <p:style>
+          <a:lnRef idx="0"/>
+          <a:fillRef idx="0"/>
+          <a:effectRef idx="0"/>
+          <a:fontRef idx="minor"/>
+        </p:style>
         <p:txBody>
           <a:bodyPr lIns="90000" rIns="90000" tIns="45000" bIns="45000"/>
           <a:p>
@@ -11319,7 +11274,7 @@
         <p:spPr>
           <a:xfrm>
             <a:off x="7596000" y="4968000"/>
-            <a:ext cx="576000" cy="576000"/>
+            <a:ext cx="575640" cy="575640"/>
           </a:xfrm>
           <a:prstGeom prst="rect">
             <a:avLst/>
@@ -11342,7 +11297,11 @@
         <p:txBody>
           <a:bodyPr wrap="none" lIns="90000" rIns="90000" tIns="45000" bIns="45000" anchor="ctr"/>
           <a:p>
-            <a:pPr algn="ctr"/>
+            <a:pPr algn="ctr">
+              <a:lnSpc>
+                <a:spcPct val="100000"/>
+              </a:lnSpc>
+            </a:pPr>
             <a:r>
               <a:rPr b="0" lang="en-US" sz="3200" spc="-1" strike="noStrike">
                 <a:solidFill>
@@ -11374,14 +11333,14 @@
       </p:sp>
       <p:sp>
         <p:nvSpPr>
-          <p:cNvPr id="251" name="TextShape 21"/>
-          <p:cNvSpPr txBox="1"/>
+          <p:cNvPr id="251" name="CustomShape 21"/>
+          <p:cNvSpPr/>
           <p:nvPr/>
         </p:nvSpPr>
         <p:spPr>
           <a:xfrm>
             <a:off x="8174880" y="4896000"/>
-            <a:ext cx="3609720" cy="681480"/>
+            <a:ext cx="3609360" cy="681120"/>
           </a:xfrm>
           <a:prstGeom prst="rect">
             <a:avLst/>
@@ -11391,6 +11350,12 @@
             <a:noFill/>
           </a:ln>
         </p:spPr>
+        <p:style>
+          <a:lnRef idx="0"/>
+          <a:fillRef idx="0"/>
+          <a:effectRef idx="0"/>
+          <a:fontRef idx="minor"/>
+        </p:style>
         <p:txBody>
           <a:bodyPr lIns="90000" rIns="90000" tIns="45000" bIns="45000"/>
           <a:p>
@@ -11507,7 +11472,7 @@
         <p:spPr>
           <a:xfrm>
             <a:off x="0" y="2462040"/>
-            <a:ext cx="12191400" cy="1895040"/>
+            <a:ext cx="12191040" cy="1894680"/>
           </a:xfrm>
           <a:prstGeom prst="rect">
             <a:avLst/>
@@ -11541,7 +11506,7 @@
         <p:spPr>
           <a:xfrm>
             <a:off x="3714120" y="2202480"/>
-            <a:ext cx="257760" cy="258840"/>
+            <a:ext cx="257400" cy="258480"/>
           </a:xfrm>
           <a:custGeom>
             <a:avLst/>
@@ -11594,7 +11559,7 @@
         <p:spPr>
           <a:xfrm flipV="1">
             <a:off x="510120" y="4356720"/>
-            <a:ext cx="262800" cy="263880"/>
+            <a:ext cx="262440" cy="263520"/>
           </a:xfrm>
           <a:custGeom>
             <a:avLst/>
@@ -11647,7 +11612,7 @@
         <p:spPr>
           <a:xfrm>
             <a:off x="639000" y="2203200"/>
-            <a:ext cx="3208680" cy="2412360"/>
+            <a:ext cx="3208320" cy="2412000"/>
           </a:xfrm>
           <a:prstGeom prst="parallelogram">
             <a:avLst>
@@ -11685,7 +11650,7 @@
         <p:spPr>
           <a:xfrm>
             <a:off x="1487520" y="2531520"/>
-            <a:ext cx="1762200" cy="1715760"/>
+            <a:ext cx="1761840" cy="1715400"/>
           </a:xfrm>
           <a:prstGeom prst="rect">
             <a:avLst/>
@@ -11747,7 +11712,7 @@
         <p:spPr>
           <a:xfrm>
             <a:off x="4446720" y="2766960"/>
-            <a:ext cx="6733080" cy="913680"/>
+            <a:ext cx="6732720" cy="913320"/>
           </a:xfrm>
           <a:prstGeom prst="rect">
             <a:avLst/>
@@ -11809,7 +11774,7 @@
         <p:spPr>
           <a:xfrm>
             <a:off x="4446720" y="3692880"/>
-            <a:ext cx="4100400" cy="457200"/>
+            <a:ext cx="4100040" cy="456840"/>
           </a:xfrm>
           <a:prstGeom prst="rect">
             <a:avLst/>
@@ -11884,7 +11849,7 @@
         <p:spPr>
           <a:xfrm>
             <a:off x="0" y="205200"/>
-            <a:ext cx="12191400" cy="600120"/>
+            <a:ext cx="12191040" cy="599760"/>
           </a:xfrm>
           <a:prstGeom prst="rect">
             <a:avLst/>
@@ -11920,7 +11885,7 @@
         <p:spPr>
           <a:xfrm flipH="1">
             <a:off x="265680" y="806040"/>
-            <a:ext cx="311400" cy="88560"/>
+            <a:ext cx="311040" cy="88200"/>
           </a:xfrm>
           <a:custGeom>
             <a:avLst/>
@@ -11978,8 +11943,8 @@
         </p:nvSpPr>
         <p:spPr>
           <a:xfrm flipV="1">
-            <a:off x="1457280" y="115560"/>
-            <a:ext cx="311400" cy="88560"/>
+            <a:off x="1457280" y="114840"/>
+            <a:ext cx="311040" cy="88200"/>
           </a:xfrm>
           <a:custGeom>
             <a:avLst/>
@@ -12038,7 +12003,7 @@
         <p:spPr>
           <a:xfrm flipH="1">
             <a:off x="311760" y="116280"/>
-            <a:ext cx="1402200" cy="778680"/>
+            <a:ext cx="1401840" cy="778320"/>
           </a:xfrm>
           <a:prstGeom prst="parallelogram">
             <a:avLst>
@@ -12076,7 +12041,7 @@
         <p:spPr>
           <a:xfrm>
             <a:off x="302040" y="244080"/>
-            <a:ext cx="1323360" cy="516600"/>
+            <a:ext cx="1323000" cy="516240"/>
           </a:xfrm>
           <a:prstGeom prst="rect">
             <a:avLst/>
@@ -12138,7 +12103,7 @@
         <p:spPr>
           <a:xfrm>
             <a:off x="2021400" y="244080"/>
-            <a:ext cx="2500560" cy="515880"/>
+            <a:ext cx="2500200" cy="515520"/>
           </a:xfrm>
           <a:prstGeom prst="rect">
             <a:avLst/>
@@ -12163,7 +12128,7 @@
               </a:lnSpc>
             </a:pPr>
             <a:r>
-              <a:rPr b="0" lang="en-US" sz="2800" spc="296" strike="noStrike">
+              <a:rPr b="0" lang="en-US" sz="2800" spc="293" strike="noStrike">
                 <a:solidFill>
                   <a:srgbClr val="ffffff"/>
                 </a:solidFill>
@@ -12200,7 +12165,7 @@
         <p:spPr>
           <a:xfrm>
             <a:off x="5044320" y="3888000"/>
-            <a:ext cx="1435680" cy="1439280"/>
+            <a:ext cx="1435320" cy="1438920"/>
           </a:xfrm>
           <a:prstGeom prst="ellipse">
             <a:avLst/>
@@ -12264,7 +12229,7 @@
         <p:spPr>
           <a:xfrm>
             <a:off x="7087320" y="2520720"/>
-            <a:ext cx="1437480" cy="1439280"/>
+            <a:ext cx="1437120" cy="1438920"/>
           </a:xfrm>
           <a:prstGeom prst="ellipse">
             <a:avLst/>
@@ -12328,7 +12293,7 @@
         <p:spPr>
           <a:xfrm>
             <a:off x="9362520" y="1152000"/>
-            <a:ext cx="1437480" cy="1439280"/>
+            <a:ext cx="1437120" cy="1438920"/>
           </a:xfrm>
           <a:prstGeom prst="ellipse">
             <a:avLst/>
@@ -12422,7 +12387,7 @@
         <p:spPr>
           <a:xfrm>
             <a:off x="4608000" y="2709000"/>
-            <a:ext cx="6583680" cy="4020840"/>
+            <a:ext cx="6583320" cy="4020480"/>
           </a:xfrm>
           <a:custGeom>
             <a:avLst/>
@@ -12530,7 +12495,7 @@
         <p:spPr>
           <a:xfrm>
             <a:off x="7592760" y="1645560"/>
-            <a:ext cx="1036800" cy="699840"/>
+            <a:ext cx="1036440" cy="699480"/>
           </a:xfrm>
           <a:prstGeom prst="rect">
             <a:avLst/>
@@ -12556,7 +12521,7 @@
         <p:spPr>
           <a:xfrm>
             <a:off x="5690880" y="3061440"/>
-            <a:ext cx="1013760" cy="699840"/>
+            <a:ext cx="1013400" cy="699480"/>
           </a:xfrm>
           <a:prstGeom prst="rect">
             <a:avLst/>
@@ -12582,7 +12547,7 @@
         <p:spPr>
           <a:xfrm>
             <a:off x="3579840" y="4448160"/>
-            <a:ext cx="1225080" cy="699840"/>
+            <a:ext cx="1224720" cy="699480"/>
           </a:xfrm>
           <a:prstGeom prst="rect">
             <a:avLst/>
@@ -12608,7 +12573,7 @@
         <p:spPr>
           <a:xfrm>
             <a:off x="5184000" y="5832000"/>
-            <a:ext cx="1198800" cy="394920"/>
+            <a:ext cx="1198440" cy="394560"/>
           </a:xfrm>
           <a:prstGeom prst="rect">
             <a:avLst/>
@@ -12670,7 +12635,7 @@
         <p:spPr>
           <a:xfrm>
             <a:off x="7344000" y="4464000"/>
-            <a:ext cx="1198800" cy="394920"/>
+            <a:ext cx="1198440" cy="394560"/>
           </a:xfrm>
           <a:prstGeom prst="rect">
             <a:avLst/>
@@ -12732,7 +12697,7 @@
         <p:spPr>
           <a:xfrm>
             <a:off x="9576000" y="3096000"/>
-            <a:ext cx="1198800" cy="394920"/>
+            <a:ext cx="1198440" cy="394560"/>
           </a:xfrm>
           <a:prstGeom prst="rect">
             <a:avLst/>
@@ -12794,7 +12759,7 @@
         <p:spPr>
           <a:xfrm>
             <a:off x="3191040" y="2709000"/>
-            <a:ext cx="3999240" cy="515880"/>
+            <a:ext cx="3998880" cy="515520"/>
           </a:xfrm>
           <a:prstGeom prst="rect">
             <a:avLst/>
@@ -12819,8 +12784,8 @@
         </p:nvSpPr>
         <p:spPr>
           <a:xfrm flipH="1">
-            <a:off x="7056000" y="1799640"/>
-            <a:ext cx="2053440" cy="360"/>
+            <a:off x="5518800" y="1799640"/>
+            <a:ext cx="3590640" cy="0"/>
           </a:xfrm>
           <a:prstGeom prst="line">
             <a:avLst/>
@@ -12849,8 +12814,8 @@
         </p:nvSpPr>
         <p:spPr>
           <a:xfrm flipH="1">
-            <a:off x="4786560" y="3167640"/>
-            <a:ext cx="2053440" cy="360"/>
+            <a:off x="5040000" y="3159360"/>
+            <a:ext cx="1807920" cy="360"/>
           </a:xfrm>
           <a:prstGeom prst="line">
             <a:avLst/>
@@ -12879,8 +12844,8 @@
         </p:nvSpPr>
         <p:spPr>
           <a:xfrm flipH="1">
-            <a:off x="3096000" y="4680000"/>
-            <a:ext cx="1722600" cy="0"/>
+            <a:off x="4109400" y="4680000"/>
+            <a:ext cx="786600" cy="0"/>
           </a:xfrm>
           <a:prstGeom prst="line">
             <a:avLst/>
@@ -12903,14 +12868,40 @@
       </p:sp>
       <p:sp>
         <p:nvSpPr>
-          <p:cNvPr id="279" name="TextShape 21"/>
+          <p:cNvPr id="279" name="CustomShape 21"/>
+          <p:cNvSpPr/>
+          <p:nvPr/>
+        </p:nvSpPr>
+        <p:spPr>
+          <a:xfrm>
+            <a:off x="1296000" y="4464000"/>
+            <a:ext cx="1198440" cy="425520"/>
+          </a:xfrm>
+          <a:prstGeom prst="rect">
+            <a:avLst/>
+          </a:prstGeom>
+          <a:noFill/>
+          <a:ln>
+            <a:noFill/>
+          </a:ln>
+        </p:spPr>
+        <p:style>
+          <a:lnRef idx="0"/>
+          <a:fillRef idx="0"/>
+          <a:effectRef idx="0"/>
+          <a:fontRef idx="minor"/>
+        </p:style>
+      </p:sp>
+      <p:sp>
+        <p:nvSpPr>
+          <p:cNvPr id="280" name="TextShape 22"/>
           <p:cNvSpPr txBox="1"/>
           <p:nvPr/>
         </p:nvSpPr>
         <p:spPr>
           <a:xfrm>
-            <a:off x="1296000" y="4464000"/>
-            <a:ext cx="1198800" cy="425880"/>
+            <a:off x="1159920" y="1402200"/>
+            <a:ext cx="4366800" cy="785880"/>
           </a:xfrm>
           <a:prstGeom prst="rect">
             <a:avLst/>
@@ -12941,7 +12932,356 @@
                 <a:latin typeface="微软雅黑"/>
                 <a:ea typeface="微软雅黑"/>
               </a:rPr>
-              <a:t>第一阶段</a:t>
+              <a:t>1.</a:t>
+            </a:r>
+            <a:r>
+              <a:rPr b="1" lang="en-US" sz="2000" spc="-1" strike="noStrike">
+                <a:solidFill>
+                  <a:srgbClr val="000000"/>
+                </a:solidFill>
+                <a:uFill>
+                  <a:solidFill>
+                    <a:srgbClr val="ffffff"/>
+                  </a:solidFill>
+                </a:uFill>
+                <a:latin typeface="微软雅黑"/>
+                <a:ea typeface="微软雅黑"/>
+              </a:rPr>
+              <a:t>社区领域的技术专家</a:t>
+            </a:r>
+            <a:endParaRPr b="0" lang="en-US" sz="1800" spc="-1" strike="noStrike">
+              <a:solidFill>
+                <a:srgbClr val="000000"/>
+              </a:solidFill>
+              <a:uFill>
+                <a:solidFill>
+                  <a:srgbClr val="ffffff"/>
+                </a:solidFill>
+              </a:uFill>
+              <a:latin typeface="Arial"/>
+            </a:endParaRPr>
+          </a:p>
+          <a:p>
+            <a:pPr>
+              <a:lnSpc>
+                <a:spcPct val="100000"/>
+              </a:lnSpc>
+            </a:pPr>
+            <a:r>
+              <a:rPr b="1" lang="en-US" sz="2000" spc="-1" strike="noStrike">
+                <a:solidFill>
+                  <a:srgbClr val="000000"/>
+                </a:solidFill>
+                <a:uFill>
+                  <a:solidFill>
+                    <a:srgbClr val="ffffff"/>
+                  </a:solidFill>
+                </a:uFill>
+                <a:latin typeface="微软雅黑"/>
+                <a:ea typeface="微软雅黑"/>
+              </a:rPr>
+              <a:t>2.</a:t>
+            </a:r>
+            <a:r>
+              <a:rPr b="1" lang="en-US" sz="2000" spc="-1" strike="noStrike">
+                <a:solidFill>
+                  <a:srgbClr val="000000"/>
+                </a:solidFill>
+                <a:uFill>
+                  <a:solidFill>
+                    <a:srgbClr val="ffffff"/>
+                  </a:solidFill>
+                </a:uFill>
+                <a:latin typeface="微软雅黑"/>
+                <a:ea typeface="微软雅黑"/>
+              </a:rPr>
+              <a:t>负责项目管理</a:t>
+            </a:r>
+            <a:endParaRPr b="0" lang="en-US" sz="1800" spc="-1" strike="noStrike">
+              <a:solidFill>
+                <a:srgbClr val="000000"/>
+              </a:solidFill>
+              <a:uFill>
+                <a:solidFill>
+                  <a:srgbClr val="ffffff"/>
+                </a:solidFill>
+              </a:uFill>
+              <a:latin typeface="Arial"/>
+            </a:endParaRPr>
+          </a:p>
+        </p:txBody>
+      </p:sp>
+      <p:sp>
+        <p:nvSpPr>
+          <p:cNvPr id="281" name="TextShape 23"/>
+          <p:cNvSpPr txBox="1"/>
+          <p:nvPr/>
+        </p:nvSpPr>
+        <p:spPr>
+          <a:xfrm>
+            <a:off x="1191600" y="2628000"/>
+            <a:ext cx="3704400" cy="1095840"/>
+          </a:xfrm>
+          <a:prstGeom prst="rect">
+            <a:avLst/>
+          </a:prstGeom>
+          <a:noFill/>
+          <a:ln>
+            <a:noFill/>
+          </a:ln>
+        </p:spPr>
+        <p:txBody>
+          <a:bodyPr lIns="90000" rIns="90000" tIns="45000" bIns="45000"/>
+          <a:p>
+            <a:pPr>
+              <a:lnSpc>
+                <a:spcPct val="100000"/>
+              </a:lnSpc>
+            </a:pPr>
+            <a:r>
+              <a:rPr b="1" lang="en-US" sz="2000" spc="-1" strike="noStrike">
+                <a:solidFill>
+                  <a:srgbClr val="000000"/>
+                </a:solidFill>
+                <a:uFill>
+                  <a:solidFill>
+                    <a:srgbClr val="ffffff"/>
+                  </a:solidFill>
+                </a:uFill>
+                <a:latin typeface="微软雅黑"/>
+                <a:ea typeface="微软雅黑"/>
+              </a:rPr>
+              <a:t>1.</a:t>
+            </a:r>
+            <a:r>
+              <a:rPr b="1" lang="en-US" sz="2000" spc="-1" strike="noStrike">
+                <a:solidFill>
+                  <a:srgbClr val="000000"/>
+                </a:solidFill>
+                <a:uFill>
+                  <a:solidFill>
+                    <a:srgbClr val="ffffff"/>
+                  </a:solidFill>
+                </a:uFill>
+                <a:latin typeface="微软雅黑"/>
+                <a:ea typeface="微软雅黑"/>
+              </a:rPr>
+              <a:t>独立负责业务模块的</a:t>
+            </a:r>
+            <a:endParaRPr b="0" lang="en-US" sz="1800" spc="-1" strike="noStrike">
+              <a:solidFill>
+                <a:srgbClr val="000000"/>
+              </a:solidFill>
+              <a:uFill>
+                <a:solidFill>
+                  <a:srgbClr val="ffffff"/>
+                </a:solidFill>
+              </a:uFill>
+              <a:latin typeface="Arial"/>
+            </a:endParaRPr>
+          </a:p>
+          <a:p>
+            <a:pPr>
+              <a:lnSpc>
+                <a:spcPct val="100000"/>
+              </a:lnSpc>
+            </a:pPr>
+            <a:r>
+              <a:rPr b="1" lang="en-US" sz="2000" spc="-1" strike="noStrike">
+                <a:solidFill>
+                  <a:srgbClr val="000000"/>
+                </a:solidFill>
+                <a:uFill>
+                  <a:solidFill>
+                    <a:srgbClr val="ffffff"/>
+                  </a:solidFill>
+                </a:uFill>
+                <a:latin typeface="微软雅黑"/>
+                <a:ea typeface="微软雅黑"/>
+              </a:rPr>
+              <a:t>   </a:t>
+            </a:r>
+            <a:r>
+              <a:rPr b="1" lang="en-US" sz="2000" spc="-1" strike="noStrike">
+                <a:solidFill>
+                  <a:srgbClr val="000000"/>
+                </a:solidFill>
+                <a:uFill>
+                  <a:solidFill>
+                    <a:srgbClr val="ffffff"/>
+                  </a:solidFill>
+                </a:uFill>
+                <a:latin typeface="微软雅黑"/>
+                <a:ea typeface="微软雅黑"/>
+              </a:rPr>
+              <a:t>计划排期，资源协调，开发</a:t>
+            </a:r>
+            <a:endParaRPr b="0" lang="en-US" sz="1800" spc="-1" strike="noStrike">
+              <a:solidFill>
+                <a:srgbClr val="000000"/>
+              </a:solidFill>
+              <a:uFill>
+                <a:solidFill>
+                  <a:srgbClr val="ffffff"/>
+                </a:solidFill>
+              </a:uFill>
+              <a:latin typeface="Arial"/>
+            </a:endParaRPr>
+          </a:p>
+          <a:p>
+            <a:pPr>
+              <a:lnSpc>
+                <a:spcPct val="100000"/>
+              </a:lnSpc>
+            </a:pPr>
+            <a:r>
+              <a:rPr b="1" lang="en-US" sz="2000" spc="-1" strike="noStrike">
+                <a:solidFill>
+                  <a:srgbClr val="000000"/>
+                </a:solidFill>
+                <a:uFill>
+                  <a:solidFill>
+                    <a:srgbClr val="ffffff"/>
+                  </a:solidFill>
+                </a:uFill>
+                <a:latin typeface="微软雅黑"/>
+                <a:ea typeface="微软雅黑"/>
+              </a:rPr>
+              <a:t>2.</a:t>
+            </a:r>
+            <a:r>
+              <a:rPr b="1" lang="en-US" sz="2000" spc="-1" strike="noStrike">
+                <a:solidFill>
+                  <a:srgbClr val="000000"/>
+                </a:solidFill>
+                <a:uFill>
+                  <a:solidFill>
+                    <a:srgbClr val="ffffff"/>
+                  </a:solidFill>
+                </a:uFill>
+                <a:latin typeface="微软雅黑"/>
+                <a:ea typeface="微软雅黑"/>
+              </a:rPr>
+              <a:t>思考业务发展方向</a:t>
+            </a:r>
+            <a:endParaRPr b="0" lang="en-US" sz="1800" spc="-1" strike="noStrike">
+              <a:solidFill>
+                <a:srgbClr val="000000"/>
+              </a:solidFill>
+              <a:uFill>
+                <a:solidFill>
+                  <a:srgbClr val="ffffff"/>
+                </a:solidFill>
+              </a:uFill>
+              <a:latin typeface="Arial"/>
+            </a:endParaRPr>
+          </a:p>
+        </p:txBody>
+      </p:sp>
+      <p:sp>
+        <p:nvSpPr>
+          <p:cNvPr id="282" name="TextShape 24"/>
+          <p:cNvSpPr txBox="1"/>
+          <p:nvPr/>
+        </p:nvSpPr>
+        <p:spPr>
+          <a:xfrm>
+            <a:off x="1227600" y="4032000"/>
+            <a:ext cx="2768400" cy="1766160"/>
+          </a:xfrm>
+          <a:prstGeom prst="rect">
+            <a:avLst/>
+          </a:prstGeom>
+          <a:noFill/>
+          <a:ln>
+            <a:noFill/>
+          </a:ln>
+        </p:spPr>
+        <p:txBody>
+          <a:bodyPr lIns="90000" rIns="90000" tIns="45000" bIns="45000"/>
+          <a:p>
+            <a:pPr>
+              <a:lnSpc>
+                <a:spcPct val="100000"/>
+              </a:lnSpc>
+            </a:pPr>
+            <a:r>
+              <a:rPr b="1" lang="en-US" sz="2000" spc="-1" strike="noStrike">
+                <a:solidFill>
+                  <a:srgbClr val="000000"/>
+                </a:solidFill>
+                <a:uFill>
+                  <a:solidFill>
+                    <a:srgbClr val="ffffff"/>
+                  </a:solidFill>
+                </a:uFill>
+                <a:latin typeface="微软雅黑"/>
+                <a:ea typeface="微软雅黑"/>
+              </a:rPr>
+              <a:t>1.</a:t>
+            </a:r>
+            <a:r>
+              <a:rPr b="1" lang="en-US" sz="2000" spc="-1" strike="noStrike">
+                <a:solidFill>
+                  <a:srgbClr val="000000"/>
+                </a:solidFill>
+                <a:uFill>
+                  <a:solidFill>
+                    <a:srgbClr val="ffffff"/>
+                  </a:solidFill>
+                </a:uFill>
+                <a:latin typeface="微软雅黑"/>
+                <a:ea typeface="微软雅黑"/>
+              </a:rPr>
+              <a:t>持续深入学习社区业务</a:t>
+            </a:r>
+            <a:endParaRPr b="0" lang="en-US" sz="1800" spc="-1" strike="noStrike">
+              <a:solidFill>
+                <a:srgbClr val="000000"/>
+              </a:solidFill>
+              <a:uFill>
+                <a:solidFill>
+                  <a:srgbClr val="ffffff"/>
+                </a:solidFill>
+              </a:uFill>
+              <a:latin typeface="Arial"/>
+            </a:endParaRPr>
+          </a:p>
+          <a:p>
+            <a:pPr>
+              <a:lnSpc>
+                <a:spcPct val="100000"/>
+              </a:lnSpc>
+            </a:pPr>
+            <a:r>
+              <a:rPr b="1" lang="en-US" sz="2000" spc="-1" strike="noStrike">
+                <a:solidFill>
+                  <a:srgbClr val="000000"/>
+                </a:solidFill>
+                <a:uFill>
+                  <a:solidFill>
+                    <a:srgbClr val="ffffff"/>
+                  </a:solidFill>
+                </a:uFill>
+                <a:latin typeface="微软雅黑"/>
+                <a:ea typeface="微软雅黑"/>
+              </a:rPr>
+              <a:t>2.</a:t>
+            </a:r>
+            <a:r>
+              <a:rPr b="1" lang="en-US" sz="2000" spc="-1" strike="noStrike">
+                <a:solidFill>
+                  <a:srgbClr val="000000"/>
+                </a:solidFill>
+                <a:uFill>
+                  <a:solidFill>
+                    <a:srgbClr val="ffffff"/>
+                  </a:solidFill>
+                </a:uFill>
+                <a:latin typeface="微软雅黑"/>
+                <a:ea typeface="微软雅黑"/>
+              </a:rPr>
+              <a:t>了解部门的整体架构和各个业务之间的合作关系。</a:t>
             </a:r>
             <a:endParaRPr b="0" lang="en-US" sz="1800" spc="-1" strike="noStrike">
               <a:solidFill>
@@ -13008,14 +13348,14 @@
       </p:grpSpPr>
       <p:sp>
         <p:nvSpPr>
-          <p:cNvPr id="280" name="CustomShape 1"/>
+          <p:cNvPr id="283" name="CustomShape 1"/>
           <p:cNvSpPr/>
           <p:nvPr/>
         </p:nvSpPr>
         <p:spPr>
           <a:xfrm>
             <a:off x="0" y="205200"/>
-            <a:ext cx="12191400" cy="600120"/>
+            <a:ext cx="12191040" cy="599760"/>
           </a:xfrm>
           <a:prstGeom prst="rect">
             <a:avLst/>
@@ -13044,14 +13384,14 @@
       </p:sp>
       <p:sp>
         <p:nvSpPr>
-          <p:cNvPr id="281" name="CustomShape 2"/>
+          <p:cNvPr id="284" name="CustomShape 2"/>
           <p:cNvSpPr/>
           <p:nvPr/>
         </p:nvSpPr>
         <p:spPr>
           <a:xfrm flipH="1">
             <a:off x="265680" y="806040"/>
-            <a:ext cx="311400" cy="88560"/>
+            <a:ext cx="311040" cy="88200"/>
           </a:xfrm>
           <a:custGeom>
             <a:avLst/>
@@ -13103,14 +13443,14 @@
       </p:sp>
       <p:sp>
         <p:nvSpPr>
-          <p:cNvPr id="282" name="CustomShape 3"/>
+          <p:cNvPr id="285" name="CustomShape 3"/>
           <p:cNvSpPr/>
           <p:nvPr/>
         </p:nvSpPr>
         <p:spPr>
           <a:xfrm flipV="1">
-            <a:off x="1457280" y="115560"/>
-            <a:ext cx="311400" cy="88560"/>
+            <a:off x="1457280" y="114840"/>
+            <a:ext cx="311040" cy="88200"/>
           </a:xfrm>
           <a:custGeom>
             <a:avLst/>
@@ -13162,14 +13502,14 @@
       </p:sp>
       <p:sp>
         <p:nvSpPr>
-          <p:cNvPr id="283" name="CustomShape 4"/>
+          <p:cNvPr id="286" name="CustomShape 4"/>
           <p:cNvSpPr/>
           <p:nvPr/>
         </p:nvSpPr>
         <p:spPr>
           <a:xfrm flipH="1">
             <a:off x="311760" y="116280"/>
-            <a:ext cx="1402200" cy="778680"/>
+            <a:ext cx="1401840" cy="778320"/>
           </a:xfrm>
           <a:prstGeom prst="parallelogram">
             <a:avLst>
@@ -13200,14 +13540,14 @@
       </p:sp>
       <p:sp>
         <p:nvSpPr>
-          <p:cNvPr id="284" name="CustomShape 5"/>
+          <p:cNvPr id="287" name="CustomShape 5"/>
           <p:cNvSpPr/>
           <p:nvPr/>
         </p:nvSpPr>
         <p:spPr>
           <a:xfrm>
             <a:off x="302040" y="244080"/>
-            <a:ext cx="1323360" cy="516600"/>
+            <a:ext cx="1323000" cy="516240"/>
           </a:xfrm>
           <a:prstGeom prst="rect">
             <a:avLst/>
@@ -13262,14 +13602,14 @@
       </p:sp>
       <p:sp>
         <p:nvSpPr>
-          <p:cNvPr id="285" name="CustomShape 6"/>
+          <p:cNvPr id="288" name="CustomShape 6"/>
           <p:cNvSpPr/>
           <p:nvPr/>
         </p:nvSpPr>
         <p:spPr>
           <a:xfrm>
             <a:off x="2002320" y="244080"/>
-            <a:ext cx="2894040" cy="515880"/>
+            <a:ext cx="2893680" cy="515520"/>
           </a:xfrm>
           <a:prstGeom prst="rect">
             <a:avLst/>
@@ -13294,7 +13634,7 @@
               </a:lnSpc>
             </a:pPr>
             <a:r>
-              <a:rPr b="0" lang="en-US" sz="2800" spc="296" strike="noStrike">
+              <a:rPr b="0" lang="en-US" sz="2800" spc="293" strike="noStrike">
                 <a:solidFill>
                   <a:srgbClr val="ffffff"/>
                 </a:solidFill>
@@ -13324,14 +13664,14 @@
       </p:sp>
       <p:sp>
         <p:nvSpPr>
-          <p:cNvPr id="286" name="CustomShape 7"/>
+          <p:cNvPr id="289" name="CustomShape 7"/>
           <p:cNvSpPr/>
           <p:nvPr/>
         </p:nvSpPr>
         <p:spPr>
           <a:xfrm>
             <a:off x="1418040" y="1471320"/>
-            <a:ext cx="799200" cy="799200"/>
+            <a:ext cx="798840" cy="798840"/>
           </a:xfrm>
           <a:prstGeom prst="ellipse">
             <a:avLst/>
@@ -13352,14 +13692,14 @@
       </p:sp>
       <p:sp>
         <p:nvSpPr>
-          <p:cNvPr id="287" name="CustomShape 8"/>
+          <p:cNvPr id="290" name="CustomShape 8"/>
           <p:cNvSpPr/>
           <p:nvPr/>
         </p:nvSpPr>
         <p:spPr>
           <a:xfrm>
             <a:off x="1451160" y="1578960"/>
-            <a:ext cx="682200" cy="576720"/>
+            <a:ext cx="681840" cy="576360"/>
           </a:xfrm>
           <a:prstGeom prst="rect">
             <a:avLst/>
@@ -13414,14 +13754,14 @@
       </p:sp>
       <p:sp>
         <p:nvSpPr>
-          <p:cNvPr id="288" name="CustomShape 9"/>
+          <p:cNvPr id="291" name="CustomShape 9"/>
           <p:cNvSpPr/>
           <p:nvPr/>
         </p:nvSpPr>
         <p:spPr>
           <a:xfrm>
             <a:off x="1418040" y="3407400"/>
-            <a:ext cx="799200" cy="799200"/>
+            <a:ext cx="798840" cy="798840"/>
           </a:xfrm>
           <a:prstGeom prst="ellipse">
             <a:avLst/>
@@ -13442,14 +13782,14 @@
       </p:sp>
       <p:sp>
         <p:nvSpPr>
-          <p:cNvPr id="289" name="CustomShape 10"/>
+          <p:cNvPr id="292" name="CustomShape 10"/>
           <p:cNvSpPr/>
           <p:nvPr/>
         </p:nvSpPr>
         <p:spPr>
           <a:xfrm>
             <a:off x="1451160" y="3515040"/>
-            <a:ext cx="682200" cy="576720"/>
+            <a:ext cx="681840" cy="576360"/>
           </a:xfrm>
           <a:prstGeom prst="rect">
             <a:avLst/>
@@ -13504,14 +13844,14 @@
       </p:sp>
       <p:sp>
         <p:nvSpPr>
-          <p:cNvPr id="290" name="CustomShape 11"/>
+          <p:cNvPr id="293" name="CustomShape 11"/>
           <p:cNvSpPr/>
           <p:nvPr/>
         </p:nvSpPr>
         <p:spPr>
           <a:xfrm>
             <a:off x="1418040" y="5396760"/>
-            <a:ext cx="799200" cy="799200"/>
+            <a:ext cx="798840" cy="798840"/>
           </a:xfrm>
           <a:prstGeom prst="ellipse">
             <a:avLst/>
@@ -13532,14 +13872,14 @@
       </p:sp>
       <p:sp>
         <p:nvSpPr>
-          <p:cNvPr id="291" name="CustomShape 12"/>
+          <p:cNvPr id="294" name="CustomShape 12"/>
           <p:cNvSpPr/>
           <p:nvPr/>
         </p:nvSpPr>
         <p:spPr>
           <a:xfrm>
             <a:off x="1451160" y="5504400"/>
-            <a:ext cx="682200" cy="576720"/>
+            <a:ext cx="681840" cy="576360"/>
           </a:xfrm>
           <a:prstGeom prst="rect">
             <a:avLst/>
@@ -13594,7 +13934,7 @@
       </p:sp>
       <p:sp>
         <p:nvSpPr>
-          <p:cNvPr id="292" name="Line 13"/>
+          <p:cNvPr id="295" name="Line 13"/>
           <p:cNvSpPr/>
           <p:nvPr/>
         </p:nvSpPr>
@@ -13622,14 +13962,40 @@
       </p:sp>
       <p:sp>
         <p:nvSpPr>
-          <p:cNvPr id="293" name="CustomShape 14"/>
+          <p:cNvPr id="296" name="CustomShape 14"/>
           <p:cNvSpPr/>
           <p:nvPr/>
         </p:nvSpPr>
         <p:spPr>
           <a:xfrm>
             <a:off x="2354040" y="1837800"/>
-            <a:ext cx="8694720" cy="576720"/>
+            <a:ext cx="8694360" cy="576360"/>
+          </a:xfrm>
+          <a:prstGeom prst="rect">
+            <a:avLst/>
+          </a:prstGeom>
+          <a:noFill/>
+          <a:ln>
+            <a:noFill/>
+          </a:ln>
+        </p:spPr>
+        <p:style>
+          <a:lnRef idx="0"/>
+          <a:fillRef idx="0"/>
+          <a:effectRef idx="0"/>
+          <a:fontRef idx="minor"/>
+        </p:style>
+      </p:sp>
+      <p:sp>
+        <p:nvSpPr>
+          <p:cNvPr id="297" name="CustomShape 15"/>
+          <p:cNvSpPr/>
+          <p:nvPr/>
+        </p:nvSpPr>
+        <p:spPr>
+          <a:xfrm>
+            <a:off x="2354040" y="3299760"/>
+            <a:ext cx="2325960" cy="424800"/>
           </a:xfrm>
           <a:prstGeom prst="rect">
             <a:avLst/>
@@ -13654,9 +14020,9 @@
               </a:lnSpc>
             </a:pPr>
             <a:r>
-              <a:rPr b="0" lang="en-US" sz="1600" spc="-1" strike="noStrike">
-                <a:solidFill>
-                  <a:srgbClr val="595959"/>
+              <a:rPr b="1" lang="en-US" sz="2200" spc="-1" strike="noStrike">
+                <a:solidFill>
+                  <a:srgbClr val="136083"/>
                 </a:solidFill>
                 <a:uFill>
                   <a:solidFill>
@@ -13666,55 +14032,8 @@
                 <a:latin typeface="微软雅黑"/>
                 <a:ea typeface="微软雅黑"/>
               </a:rPr>
-              <a:t>不是简单的当代码的搬运工，而是要注意每个代码的细节，让整个工程活起来；当前目标是资深前端开发工程师，后期是架构师；</a:t>
+              <a:t>多</a:t>
             </a:r>
-            <a:endParaRPr b="0" lang="en-US" sz="1800" spc="-1" strike="noStrike">
-              <a:solidFill>
-                <a:srgbClr val="000000"/>
-              </a:solidFill>
-              <a:uFill>
-                <a:solidFill>
-                  <a:srgbClr val="ffffff"/>
-                </a:solidFill>
-              </a:uFill>
-              <a:latin typeface="Arial"/>
-            </a:endParaRPr>
-          </a:p>
-        </p:txBody>
-      </p:sp>
-      <p:sp>
-        <p:nvSpPr>
-          <p:cNvPr id="294" name="CustomShape 15"/>
-          <p:cNvSpPr/>
-          <p:nvPr/>
-        </p:nvSpPr>
-        <p:spPr>
-          <a:xfrm>
-            <a:off x="2354040" y="3299760"/>
-            <a:ext cx="2070000" cy="425160"/>
-          </a:xfrm>
-          <a:prstGeom prst="rect">
-            <a:avLst/>
-          </a:prstGeom>
-          <a:noFill/>
-          <a:ln>
-            <a:noFill/>
-          </a:ln>
-        </p:spPr>
-        <p:style>
-          <a:lnRef idx="0"/>
-          <a:fillRef idx="0"/>
-          <a:effectRef idx="0"/>
-          <a:fontRef idx="minor"/>
-        </p:style>
-        <p:txBody>
-          <a:bodyPr lIns="90000" rIns="90000" tIns="45000" bIns="45000"/>
-          <a:p>
-            <a:pPr algn="just">
-              <a:lnSpc>
-                <a:spcPct val="100000"/>
-              </a:lnSpc>
-            </a:pPr>
             <a:r>
               <a:rPr b="1" lang="en-US" sz="2200" spc="-1" strike="noStrike">
                 <a:solidFill>
@@ -13728,59 +14047,12 @@
                 <a:latin typeface="微软雅黑"/>
                 <a:ea typeface="微软雅黑"/>
               </a:rPr>
-              <a:t>团队精神</a:t>
+              <a:t>交流</a:t>
             </a:r>
-            <a:endParaRPr b="0" lang="en-US" sz="1800" spc="-1" strike="noStrike">
-              <a:solidFill>
-                <a:srgbClr val="000000"/>
-              </a:solidFill>
-              <a:uFill>
-                <a:solidFill>
-                  <a:srgbClr val="ffffff"/>
-                </a:solidFill>
-              </a:uFill>
-              <a:latin typeface="Arial"/>
-            </a:endParaRPr>
-          </a:p>
-        </p:txBody>
-      </p:sp>
-      <p:sp>
-        <p:nvSpPr>
-          <p:cNvPr id="295" name="CustomShape 16"/>
-          <p:cNvSpPr/>
-          <p:nvPr/>
-        </p:nvSpPr>
-        <p:spPr>
-          <a:xfrm>
-            <a:off x="2354040" y="5609880"/>
-            <a:ext cx="8694720" cy="819360"/>
-          </a:xfrm>
-          <a:prstGeom prst="rect">
-            <a:avLst/>
-          </a:prstGeom>
-          <a:noFill/>
-          <a:ln>
-            <a:noFill/>
-          </a:ln>
-        </p:spPr>
-        <p:style>
-          <a:lnRef idx="0"/>
-          <a:fillRef idx="0"/>
-          <a:effectRef idx="0"/>
-          <a:fontRef idx="minor"/>
-        </p:style>
-        <p:txBody>
-          <a:bodyPr lIns="90000" rIns="90000" tIns="45000" bIns="45000"/>
-          <a:p>
-            <a:pPr algn="just">
-              <a:lnSpc>
-                <a:spcPct val="100000"/>
-              </a:lnSpc>
-            </a:pPr>
             <a:r>
-              <a:rPr b="0" lang="en-US" sz="1600" spc="-1" strike="noStrike">
-                <a:solidFill>
-                  <a:srgbClr val="595959"/>
+              <a:rPr b="1" lang="en-US" sz="2200" spc="-1" strike="noStrike">
+                <a:solidFill>
+                  <a:srgbClr val="136083"/>
                 </a:solidFill>
                 <a:uFill>
                   <a:solidFill>
@@ -13790,7 +14062,7 @@
                 <a:latin typeface="微软雅黑"/>
                 <a:ea typeface="微软雅黑"/>
               </a:rPr>
-              <a:t>责任是工作的第一要点，不仅要保质保量的完成自己的任务，还需要在别人遇到麻烦的时候挺身而出，提出自己的见解和方案；遇到问题的时候，也不能互相推诿，应该积极去处理问题和解决问题，总结事故原因，避免下次再犯。</a:t>
+              <a:t>沟通</a:t>
             </a:r>
             <a:endParaRPr b="0" lang="en-US" sz="1800" spc="-1" strike="noStrike">
               <a:solidFill>
@@ -13808,42 +14080,14 @@
       </p:sp>
       <p:sp>
         <p:nvSpPr>
-          <p:cNvPr id="296" name="Line 17"/>
-          <p:cNvSpPr/>
-          <p:nvPr/>
-        </p:nvSpPr>
-        <p:spPr>
-          <a:xfrm>
-            <a:off x="1824120" y="2276280"/>
-            <a:ext cx="360" cy="1144080"/>
-          </a:xfrm>
-          <a:prstGeom prst="line">
-            <a:avLst/>
-          </a:prstGeom>
-          <a:ln w="19080">
-            <a:solidFill>
-              <a:srgbClr val="00b0f0"/>
-            </a:solidFill>
-            <a:round/>
-          </a:ln>
-        </p:spPr>
-        <p:style>
-          <a:lnRef idx="0"/>
-          <a:fillRef idx="0"/>
-          <a:effectRef idx="0"/>
-          <a:fontRef idx="minor"/>
-        </p:style>
-      </p:sp>
-      <p:sp>
-        <p:nvSpPr>
-          <p:cNvPr id="297" name="CustomShape 18"/>
-          <p:cNvSpPr/>
-          <p:nvPr/>
-        </p:nvSpPr>
-        <p:spPr>
-          <a:xfrm>
-            <a:off x="2354040" y="1380960"/>
-            <a:ext cx="2405160" cy="424440"/>
+          <p:cNvPr id="298" name="CustomShape 16"/>
+          <p:cNvSpPr/>
+          <p:nvPr/>
+        </p:nvSpPr>
+        <p:spPr>
+          <a:xfrm>
+            <a:off x="2354040" y="5609880"/>
+            <a:ext cx="8694360" cy="819000"/>
           </a:xfrm>
           <a:prstGeom prst="rect">
             <a:avLst/>
@@ -13868,9 +14112,9 @@
               </a:lnSpc>
             </a:pPr>
             <a:r>
-              <a:rPr b="1" lang="en-US" sz="2200" spc="-1" strike="noStrike">
-                <a:solidFill>
-                  <a:srgbClr val="136083"/>
+              <a:rPr b="0" lang="en-US" sz="1600" spc="-1" strike="noStrike">
+                <a:solidFill>
+                  <a:srgbClr val="595959"/>
                 </a:solidFill>
                 <a:uFill>
                   <a:solidFill>
@@ -13880,55 +14124,8 @@
                 <a:latin typeface="微软雅黑"/>
                 <a:ea typeface="微软雅黑"/>
               </a:rPr>
-              <a:t>更深的技术追求</a:t>
+              <a:t>主动承担更多的开发任务</a:t>
             </a:r>
-            <a:endParaRPr b="0" lang="en-US" sz="1800" spc="-1" strike="noStrike">
-              <a:solidFill>
-                <a:srgbClr val="000000"/>
-              </a:solidFill>
-              <a:uFill>
-                <a:solidFill>
-                  <a:srgbClr val="ffffff"/>
-                </a:solidFill>
-              </a:uFill>
-              <a:latin typeface="Arial"/>
-            </a:endParaRPr>
-          </a:p>
-        </p:txBody>
-      </p:sp>
-      <p:sp>
-        <p:nvSpPr>
-          <p:cNvPr id="298" name="CustomShape 19"/>
-          <p:cNvSpPr/>
-          <p:nvPr/>
-        </p:nvSpPr>
-        <p:spPr>
-          <a:xfrm>
-            <a:off x="2354040" y="3767760"/>
-            <a:ext cx="8694720" cy="576000"/>
-          </a:xfrm>
-          <a:prstGeom prst="rect">
-            <a:avLst/>
-          </a:prstGeom>
-          <a:noFill/>
-          <a:ln>
-            <a:noFill/>
-          </a:ln>
-        </p:spPr>
-        <p:style>
-          <a:lnRef idx="0"/>
-          <a:fillRef idx="0"/>
-          <a:effectRef idx="0"/>
-          <a:fontRef idx="minor"/>
-        </p:style>
-        <p:txBody>
-          <a:bodyPr lIns="90000" rIns="90000" tIns="45000" bIns="45000"/>
-          <a:p>
-            <a:pPr algn="just">
-              <a:lnSpc>
-                <a:spcPct val="100000"/>
-              </a:lnSpc>
-            </a:pPr>
             <a:r>
               <a:rPr b="0" lang="en-US" sz="1600" spc="-1" strike="noStrike">
                 <a:solidFill>
@@ -13942,7 +14139,52 @@
                 <a:latin typeface="微软雅黑"/>
                 <a:ea typeface="微软雅黑"/>
               </a:rPr>
-              <a:t>工作之中，每个人都是关键，一定要发挥好团队中的作用，结合好现有的资源，让整个团队更好，更出色。</a:t>
+              <a:t>。跳出做任务的思维，培养</a:t>
+            </a:r>
+            <a:r>
+              <a:rPr b="0" lang="en-US" sz="1600" spc="-1" strike="noStrike">
+                <a:solidFill>
+                  <a:srgbClr val="595959"/>
+                </a:solidFill>
+                <a:uFill>
+                  <a:solidFill>
+                    <a:srgbClr val="ffffff"/>
+                  </a:solidFill>
+                </a:uFill>
+                <a:latin typeface="微软雅黑"/>
+                <a:ea typeface="微软雅黑"/>
+              </a:rPr>
+              <a:t>Owner</a:t>
+            </a:r>
+            <a:r>
+              <a:rPr b="0" lang="en-US" sz="1600" spc="-1" strike="noStrike">
+                <a:solidFill>
+                  <a:srgbClr val="595959"/>
+                </a:solidFill>
+                <a:uFill>
+                  <a:solidFill>
+                    <a:srgbClr val="ffffff"/>
+                  </a:solidFill>
+                </a:uFill>
+                <a:latin typeface="微软雅黑"/>
+                <a:ea typeface="微软雅黑"/>
+              </a:rPr>
+              <a:t>意识</a:t>
+            </a:r>
+            <a:r>
+              <a:rPr b="0" lang="en-US" sz="1600" spc="-1" strike="noStrike">
+                <a:solidFill>
+                  <a:srgbClr val="595959"/>
+                </a:solidFill>
+                <a:uFill>
+                  <a:solidFill>
+                    <a:srgbClr val="ffffff"/>
+                  </a:solidFill>
+                </a:uFill>
+                <a:latin typeface="微软雅黑"/>
+                <a:ea typeface="微软雅黑"/>
+              </a:rPr>
+              <a:t>，</a:t>
             </a:r>
             <a:endParaRPr b="0" lang="en-US" sz="1800" spc="-1" strike="noStrike">
               <a:solidFill>
@@ -13956,18 +14198,284 @@
               <a:latin typeface="Arial"/>
             </a:endParaRPr>
           </a:p>
+          <a:p>
+            <a:pPr algn="just">
+              <a:lnSpc>
+                <a:spcPct val="100000"/>
+              </a:lnSpc>
+            </a:pPr>
+            <a:r>
+              <a:rPr b="0" lang="en-US" sz="1600" spc="-1" strike="noStrike">
+                <a:solidFill>
+                  <a:srgbClr val="595959"/>
+                </a:solidFill>
+                <a:uFill>
+                  <a:solidFill>
+                    <a:srgbClr val="ffffff"/>
+                  </a:solidFill>
+                </a:uFill>
+                <a:latin typeface="微软雅黑"/>
+                <a:ea typeface="微软雅黑"/>
+              </a:rPr>
+              <a:t>思考如何协调项目资源，如何合理安排计划排期，如何优化项目，</a:t>
+            </a:r>
+            <a:endParaRPr b="0" lang="en-US" sz="1800" spc="-1" strike="noStrike">
+              <a:solidFill>
+                <a:srgbClr val="000000"/>
+              </a:solidFill>
+              <a:uFill>
+                <a:solidFill>
+                  <a:srgbClr val="ffffff"/>
+                </a:solidFill>
+              </a:uFill>
+              <a:latin typeface="Arial"/>
+            </a:endParaRPr>
+          </a:p>
+          <a:p>
+            <a:pPr algn="just">
+              <a:lnSpc>
+                <a:spcPct val="100000"/>
+              </a:lnSpc>
+            </a:pPr>
+            <a:r>
+              <a:rPr b="0" lang="en-US" sz="1600" spc="-1" strike="noStrike">
+                <a:solidFill>
+                  <a:srgbClr val="595959"/>
+                </a:solidFill>
+                <a:uFill>
+                  <a:solidFill>
+                    <a:srgbClr val="ffffff"/>
+                  </a:solidFill>
+                </a:uFill>
+                <a:latin typeface="微软雅黑"/>
+                <a:ea typeface="微软雅黑"/>
+              </a:rPr>
+              <a:t>如何快速定位解决问题，如何加强项目稳定性建设。</a:t>
+            </a:r>
+            <a:endParaRPr b="0" lang="en-US" sz="1800" spc="-1" strike="noStrike">
+              <a:solidFill>
+                <a:srgbClr val="000000"/>
+              </a:solidFill>
+              <a:uFill>
+                <a:solidFill>
+                  <a:srgbClr val="ffffff"/>
+                </a:solidFill>
+              </a:uFill>
+              <a:latin typeface="Arial"/>
+            </a:endParaRPr>
+          </a:p>
         </p:txBody>
       </p:sp>
       <p:sp>
         <p:nvSpPr>
-          <p:cNvPr id="299" name="CustomShape 20"/>
+          <p:cNvPr id="299" name="Line 17"/>
+          <p:cNvSpPr/>
+          <p:nvPr/>
+        </p:nvSpPr>
+        <p:spPr>
+          <a:xfrm>
+            <a:off x="1824120" y="2276280"/>
+            <a:ext cx="360" cy="1144080"/>
+          </a:xfrm>
+          <a:prstGeom prst="line">
+            <a:avLst/>
+          </a:prstGeom>
+          <a:ln w="19080">
+            <a:solidFill>
+              <a:srgbClr val="00b0f0"/>
+            </a:solidFill>
+            <a:round/>
+          </a:ln>
+        </p:spPr>
+        <p:style>
+          <a:lnRef idx="0"/>
+          <a:fillRef idx="0"/>
+          <a:effectRef idx="0"/>
+          <a:fontRef idx="minor"/>
+        </p:style>
+      </p:sp>
+      <p:sp>
+        <p:nvSpPr>
+          <p:cNvPr id="300" name="CustomShape 18"/>
+          <p:cNvSpPr/>
+          <p:nvPr/>
+        </p:nvSpPr>
+        <p:spPr>
+          <a:xfrm>
+            <a:off x="2354040" y="1380960"/>
+            <a:ext cx="2404800" cy="424080"/>
+          </a:xfrm>
+          <a:prstGeom prst="rect">
+            <a:avLst/>
+          </a:prstGeom>
+          <a:noFill/>
+          <a:ln>
+            <a:noFill/>
+          </a:ln>
+        </p:spPr>
+        <p:style>
+          <a:lnRef idx="0"/>
+          <a:fillRef idx="0"/>
+          <a:effectRef idx="0"/>
+          <a:fontRef idx="minor"/>
+        </p:style>
+        <p:txBody>
+          <a:bodyPr lIns="90000" rIns="90000" tIns="45000" bIns="45000"/>
+          <a:p>
+            <a:pPr algn="just">
+              <a:lnSpc>
+                <a:spcPct val="100000"/>
+              </a:lnSpc>
+            </a:pPr>
+            <a:r>
+              <a:rPr b="1" lang="en-US" sz="2200" spc="-1" strike="noStrike">
+                <a:solidFill>
+                  <a:srgbClr val="136083"/>
+                </a:solidFill>
+                <a:uFill>
+                  <a:solidFill>
+                    <a:srgbClr val="ffffff"/>
+                  </a:solidFill>
+                </a:uFill>
+                <a:latin typeface="微软雅黑"/>
+                <a:ea typeface="微软雅黑"/>
+              </a:rPr>
+              <a:t>追求</a:t>
+            </a:r>
+            <a:r>
+              <a:rPr b="1" lang="en-US" sz="2200" spc="-1" strike="noStrike">
+                <a:solidFill>
+                  <a:srgbClr val="136083"/>
+                </a:solidFill>
+                <a:uFill>
+                  <a:solidFill>
+                    <a:srgbClr val="ffffff"/>
+                  </a:solidFill>
+                </a:uFill>
+                <a:latin typeface="微软雅黑"/>
+                <a:ea typeface="微软雅黑"/>
+              </a:rPr>
+              <a:t>更深的技术</a:t>
+            </a:r>
+            <a:endParaRPr b="0" lang="en-US" sz="1800" spc="-1" strike="noStrike">
+              <a:solidFill>
+                <a:srgbClr val="000000"/>
+              </a:solidFill>
+              <a:uFill>
+                <a:solidFill>
+                  <a:srgbClr val="ffffff"/>
+                </a:solidFill>
+              </a:uFill>
+              <a:latin typeface="Arial"/>
+            </a:endParaRPr>
+          </a:p>
+        </p:txBody>
+      </p:sp>
+      <p:sp>
+        <p:nvSpPr>
+          <p:cNvPr id="301" name="CustomShape 19"/>
+          <p:cNvSpPr/>
+          <p:nvPr/>
+        </p:nvSpPr>
+        <p:spPr>
+          <a:xfrm>
+            <a:off x="2354040" y="3767760"/>
+            <a:ext cx="8694360" cy="575640"/>
+          </a:xfrm>
+          <a:prstGeom prst="rect">
+            <a:avLst/>
+          </a:prstGeom>
+          <a:noFill/>
+          <a:ln>
+            <a:noFill/>
+          </a:ln>
+        </p:spPr>
+        <p:style>
+          <a:lnRef idx="0"/>
+          <a:fillRef idx="0"/>
+          <a:effectRef idx="0"/>
+          <a:fontRef idx="minor"/>
+        </p:style>
+        <p:txBody>
+          <a:bodyPr lIns="90000" rIns="90000" tIns="45000" bIns="45000"/>
+          <a:p>
+            <a:pPr algn="just">
+              <a:lnSpc>
+                <a:spcPct val="100000"/>
+              </a:lnSpc>
+            </a:pPr>
+            <a:r>
+              <a:rPr b="0" lang="en-US" sz="1600" spc="-1" strike="noStrike">
+                <a:solidFill>
+                  <a:srgbClr val="595959"/>
+                </a:solidFill>
+                <a:uFill>
+                  <a:solidFill>
+                    <a:srgbClr val="ffffff"/>
+                  </a:solidFill>
+                </a:uFill>
+                <a:latin typeface="微软雅黑"/>
+                <a:ea typeface="微软雅黑"/>
+              </a:rPr>
+              <a:t>和开发多交流项目情况，分享技术知识。</a:t>
+            </a:r>
+            <a:endParaRPr b="0" lang="en-US" sz="1800" spc="-1" strike="noStrike">
+              <a:solidFill>
+                <a:srgbClr val="000000"/>
+              </a:solidFill>
+              <a:uFill>
+                <a:solidFill>
+                  <a:srgbClr val="ffffff"/>
+                </a:solidFill>
+              </a:uFill>
+              <a:latin typeface="Arial"/>
+            </a:endParaRPr>
+          </a:p>
+          <a:p>
+            <a:pPr algn="just">
+              <a:lnSpc>
+                <a:spcPct val="100000"/>
+              </a:lnSpc>
+            </a:pPr>
+            <a:r>
+              <a:rPr b="0" lang="en-US" sz="1600" spc="-1" strike="noStrike">
+                <a:solidFill>
+                  <a:srgbClr val="595959"/>
+                </a:solidFill>
+                <a:uFill>
+                  <a:solidFill>
+                    <a:srgbClr val="ffffff"/>
+                  </a:solidFill>
+                </a:uFill>
+                <a:latin typeface="微软雅黑"/>
+                <a:ea typeface="微软雅黑"/>
+              </a:rPr>
+              <a:t>和产品多沟通，思考业务现状，培养产品意识。</a:t>
+            </a:r>
+            <a:endParaRPr b="0" lang="en-US" sz="1800" spc="-1" strike="noStrike">
+              <a:solidFill>
+                <a:srgbClr val="000000"/>
+              </a:solidFill>
+              <a:uFill>
+                <a:solidFill>
+                  <a:srgbClr val="ffffff"/>
+                </a:solidFill>
+              </a:uFill>
+              <a:latin typeface="Arial"/>
+            </a:endParaRPr>
+          </a:p>
+        </p:txBody>
+      </p:sp>
+      <p:sp>
+        <p:nvSpPr>
+          <p:cNvPr id="302" name="CustomShape 20"/>
           <p:cNvSpPr/>
           <p:nvPr/>
         </p:nvSpPr>
         <p:spPr>
           <a:xfrm>
             <a:off x="2354040" y="5144040"/>
-            <a:ext cx="2070000" cy="425160"/>
+            <a:ext cx="2069640" cy="424800"/>
           </a:xfrm>
           <a:prstGeom prst="rect">
             <a:avLst/>
@@ -14005,6 +14513,62 @@
                 <a:ea typeface="微软雅黑"/>
               </a:rPr>
               <a:t>责任感</a:t>
+            </a:r>
+            <a:endParaRPr b="0" lang="en-US" sz="1800" spc="-1" strike="noStrike">
+              <a:solidFill>
+                <a:srgbClr val="000000"/>
+              </a:solidFill>
+              <a:uFill>
+                <a:solidFill>
+                  <a:srgbClr val="ffffff"/>
+                </a:solidFill>
+              </a:uFill>
+              <a:latin typeface="Arial"/>
+            </a:endParaRPr>
+          </a:p>
+        </p:txBody>
+      </p:sp>
+      <p:sp>
+        <p:nvSpPr>
+          <p:cNvPr id="303" name="TextShape 21"/>
+          <p:cNvSpPr txBox="1"/>
+          <p:nvPr/>
+        </p:nvSpPr>
+        <p:spPr>
+          <a:xfrm>
+            <a:off x="2402640" y="1837800"/>
+            <a:ext cx="5805360" cy="876600"/>
+          </a:xfrm>
+          <a:prstGeom prst="rect">
+            <a:avLst/>
+          </a:prstGeom>
+          <a:noFill/>
+          <a:ln>
+            <a:noFill/>
+          </a:ln>
+        </p:spPr>
+        <p:txBody>
+          <a:bodyPr lIns="90000" rIns="90000" tIns="45000" bIns="45000"/>
+          <a:p>
+            <a:pPr algn="just">
+              <a:lnSpc>
+                <a:spcPct val="100000"/>
+              </a:lnSpc>
+            </a:pPr>
+            <a:r>
+              <a:rPr b="0" lang="en-US" sz="1600" spc="-1" strike="noStrike">
+                <a:solidFill>
+                  <a:srgbClr val="595959"/>
+                </a:solidFill>
+                <a:uFill>
+                  <a:solidFill>
+                    <a:srgbClr val="ffffff"/>
+                  </a:solidFill>
+                </a:uFill>
+                <a:latin typeface="微软雅黑"/>
+                <a:ea typeface="微软雅黑"/>
+              </a:rPr>
+              <a:t>注意代码细节，思考有没有更高效的方法，有没有优化的点，有没有不合理的地方。多学习新技术，多思考其应用场景，是否能对现有项目有所提升。</a:t>
             </a:r>
             <a:endParaRPr b="0" lang="en-US" sz="1800" spc="-1" strike="noStrike">
               <a:solidFill>
@@ -14071,14 +14635,14 @@
       </p:grpSpPr>
       <p:sp>
         <p:nvSpPr>
-          <p:cNvPr id="300" name="CustomShape 1"/>
+          <p:cNvPr id="304" name="CustomShape 1"/>
           <p:cNvSpPr/>
           <p:nvPr/>
         </p:nvSpPr>
         <p:spPr>
           <a:xfrm>
             <a:off x="0" y="205200"/>
-            <a:ext cx="12191400" cy="600120"/>
+            <a:ext cx="12191040" cy="599760"/>
           </a:xfrm>
           <a:prstGeom prst="rect">
             <a:avLst/>
@@ -14107,14 +14671,14 @@
       </p:sp>
       <p:sp>
         <p:nvSpPr>
-          <p:cNvPr id="301" name="CustomShape 2"/>
+          <p:cNvPr id="305" name="CustomShape 2"/>
           <p:cNvSpPr/>
           <p:nvPr/>
         </p:nvSpPr>
         <p:spPr>
           <a:xfrm flipH="1">
             <a:off x="265680" y="806040"/>
-            <a:ext cx="311400" cy="88560"/>
+            <a:ext cx="311040" cy="88200"/>
           </a:xfrm>
           <a:custGeom>
             <a:avLst/>
@@ -14166,14 +14730,14 @@
       </p:sp>
       <p:sp>
         <p:nvSpPr>
-          <p:cNvPr id="302" name="CustomShape 3"/>
+          <p:cNvPr id="306" name="CustomShape 3"/>
           <p:cNvSpPr/>
           <p:nvPr/>
         </p:nvSpPr>
         <p:spPr>
           <a:xfrm flipV="1">
-            <a:off x="1457280" y="115560"/>
-            <a:ext cx="311400" cy="88560"/>
+            <a:off x="1457280" y="114840"/>
+            <a:ext cx="311040" cy="88200"/>
           </a:xfrm>
           <a:custGeom>
             <a:avLst/>
@@ -14225,14 +14789,14 @@
       </p:sp>
       <p:sp>
         <p:nvSpPr>
-          <p:cNvPr id="303" name="CustomShape 4"/>
+          <p:cNvPr id="307" name="CustomShape 4"/>
           <p:cNvSpPr/>
           <p:nvPr/>
         </p:nvSpPr>
         <p:spPr>
           <a:xfrm flipH="1">
             <a:off x="311760" y="116280"/>
-            <a:ext cx="1402200" cy="778680"/>
+            <a:ext cx="1401840" cy="778320"/>
           </a:xfrm>
           <a:prstGeom prst="parallelogram">
             <a:avLst>
@@ -14263,14 +14827,14 @@
       </p:sp>
       <p:sp>
         <p:nvSpPr>
-          <p:cNvPr id="304" name="CustomShape 5"/>
+          <p:cNvPr id="308" name="CustomShape 5"/>
           <p:cNvSpPr/>
           <p:nvPr/>
         </p:nvSpPr>
         <p:spPr>
           <a:xfrm>
             <a:off x="302040" y="244080"/>
-            <a:ext cx="1323360" cy="516600"/>
+            <a:ext cx="1323000" cy="516240"/>
           </a:xfrm>
           <a:prstGeom prst="rect">
             <a:avLst/>
@@ -14325,14 +14889,14 @@
       </p:sp>
       <p:sp>
         <p:nvSpPr>
-          <p:cNvPr id="305" name="CustomShape 6"/>
+          <p:cNvPr id="309" name="CustomShape 6"/>
           <p:cNvSpPr/>
           <p:nvPr/>
         </p:nvSpPr>
         <p:spPr>
           <a:xfrm>
             <a:off x="2002320" y="244080"/>
-            <a:ext cx="2894040" cy="515880"/>
+            <a:ext cx="2893680" cy="515520"/>
           </a:xfrm>
           <a:prstGeom prst="rect">
             <a:avLst/>
@@ -14357,7 +14921,7 @@
               </a:lnSpc>
             </a:pPr>
             <a:r>
-              <a:rPr b="0" lang="en-US" sz="2800" spc="296" strike="noStrike">
+              <a:rPr b="0" lang="en-US" sz="2800" spc="293" strike="noStrike">
                 <a:solidFill>
                   <a:srgbClr val="ffffff"/>
                 </a:solidFill>
@@ -14387,14 +14951,14 @@
       </p:sp>
       <p:sp>
         <p:nvSpPr>
-          <p:cNvPr id="306" name="CustomShape 7"/>
+          <p:cNvPr id="310" name="CustomShape 7"/>
           <p:cNvSpPr/>
           <p:nvPr/>
         </p:nvSpPr>
         <p:spPr>
           <a:xfrm>
             <a:off x="2859840" y="1715040"/>
-            <a:ext cx="2655360" cy="825480"/>
+            <a:ext cx="2655000" cy="825120"/>
           </a:xfrm>
           <a:prstGeom prst="rightArrow">
             <a:avLst>
@@ -14433,14 +14997,14 @@
       </p:sp>
       <p:sp>
         <p:nvSpPr>
-          <p:cNvPr id="307" name="CustomShape 8"/>
+          <p:cNvPr id="311" name="CustomShape 8"/>
           <p:cNvSpPr/>
           <p:nvPr/>
         </p:nvSpPr>
         <p:spPr>
           <a:xfrm>
             <a:off x="2859840" y="2883240"/>
-            <a:ext cx="2655360" cy="825480"/>
+            <a:ext cx="2655000" cy="825120"/>
           </a:xfrm>
           <a:prstGeom prst="rightArrow">
             <a:avLst>
@@ -14479,14 +15043,14 @@
       </p:sp>
       <p:sp>
         <p:nvSpPr>
-          <p:cNvPr id="308" name="CustomShape 9"/>
+          <p:cNvPr id="312" name="CustomShape 9"/>
           <p:cNvSpPr/>
           <p:nvPr/>
         </p:nvSpPr>
         <p:spPr>
           <a:xfrm>
             <a:off x="2859840" y="4051080"/>
-            <a:ext cx="2655360" cy="823320"/>
+            <a:ext cx="2655000" cy="822960"/>
           </a:xfrm>
           <a:prstGeom prst="rightArrow">
             <a:avLst>
@@ -14525,14 +15089,14 @@
       </p:sp>
       <p:sp>
         <p:nvSpPr>
-          <p:cNvPr id="309" name="CustomShape 10"/>
+          <p:cNvPr id="313" name="CustomShape 10"/>
           <p:cNvSpPr/>
           <p:nvPr/>
         </p:nvSpPr>
         <p:spPr>
           <a:xfrm>
             <a:off x="2859840" y="5217120"/>
-            <a:ext cx="2655360" cy="825480"/>
+            <a:ext cx="2655000" cy="825120"/>
           </a:xfrm>
           <a:prstGeom prst="rightArrow">
             <a:avLst>
@@ -14571,14 +15135,14 @@
       </p:sp>
       <p:sp>
         <p:nvSpPr>
-          <p:cNvPr id="310" name="CustomShape 11"/>
+          <p:cNvPr id="314" name="CustomShape 11"/>
           <p:cNvSpPr/>
           <p:nvPr/>
         </p:nvSpPr>
         <p:spPr>
           <a:xfrm flipV="1">
-            <a:off x="3916080" y="2412360"/>
-            <a:ext cx="139320" cy="127440"/>
+            <a:off x="3916080" y="2411640"/>
+            <a:ext cx="138960" cy="127080"/>
           </a:xfrm>
           <a:prstGeom prst="rtTriangle">
             <a:avLst/>
@@ -14607,14 +15171,14 @@
       </p:sp>
       <p:sp>
         <p:nvSpPr>
-          <p:cNvPr id="311" name="CustomShape 12"/>
+          <p:cNvPr id="315" name="CustomShape 12"/>
           <p:cNvSpPr/>
           <p:nvPr/>
         </p:nvSpPr>
         <p:spPr>
           <a:xfrm>
             <a:off x="3916080" y="1715040"/>
-            <a:ext cx="139320" cy="127440"/>
+            <a:ext cx="138960" cy="127080"/>
           </a:xfrm>
           <a:prstGeom prst="rtTriangle">
             <a:avLst/>
@@ -14643,14 +15207,14 @@
       </p:sp>
       <p:sp>
         <p:nvSpPr>
-          <p:cNvPr id="312" name="CustomShape 13"/>
+          <p:cNvPr id="316" name="CustomShape 13"/>
           <p:cNvSpPr/>
           <p:nvPr/>
         </p:nvSpPr>
         <p:spPr>
           <a:xfrm>
             <a:off x="1547640" y="1715040"/>
-            <a:ext cx="2367360" cy="825480"/>
+            <a:ext cx="2367000" cy="825120"/>
           </a:xfrm>
           <a:prstGeom prst="rect">
             <a:avLst/>
@@ -14715,14 +15279,14 @@
       </p:sp>
       <p:sp>
         <p:nvSpPr>
-          <p:cNvPr id="313" name="CustomShape 14"/>
+          <p:cNvPr id="317" name="CustomShape 14"/>
           <p:cNvSpPr/>
           <p:nvPr/>
         </p:nvSpPr>
         <p:spPr>
           <a:xfrm flipV="1">
-            <a:off x="3916080" y="3580560"/>
-            <a:ext cx="139320" cy="127440"/>
+            <a:off x="3916080" y="3579840"/>
+            <a:ext cx="138960" cy="127080"/>
           </a:xfrm>
           <a:prstGeom prst="rtTriangle">
             <a:avLst/>
@@ -14751,14 +15315,14 @@
       </p:sp>
       <p:sp>
         <p:nvSpPr>
-          <p:cNvPr id="314" name="CustomShape 15"/>
+          <p:cNvPr id="318" name="CustomShape 15"/>
           <p:cNvSpPr/>
           <p:nvPr/>
         </p:nvSpPr>
         <p:spPr>
           <a:xfrm>
             <a:off x="3916080" y="2883240"/>
-            <a:ext cx="139320" cy="127440"/>
+            <a:ext cx="138960" cy="127080"/>
           </a:xfrm>
           <a:prstGeom prst="rtTriangle">
             <a:avLst/>
@@ -14787,14 +15351,14 @@
       </p:sp>
       <p:sp>
         <p:nvSpPr>
-          <p:cNvPr id="315" name="CustomShape 16"/>
+          <p:cNvPr id="319" name="CustomShape 16"/>
           <p:cNvSpPr/>
           <p:nvPr/>
         </p:nvSpPr>
         <p:spPr>
           <a:xfrm>
             <a:off x="1547640" y="2883240"/>
-            <a:ext cx="2367360" cy="825480"/>
+            <a:ext cx="2367000" cy="825120"/>
           </a:xfrm>
           <a:prstGeom prst="rect">
             <a:avLst/>
@@ -14859,14 +15423,14 @@
       </p:sp>
       <p:sp>
         <p:nvSpPr>
-          <p:cNvPr id="316" name="CustomShape 17"/>
+          <p:cNvPr id="320" name="CustomShape 17"/>
           <p:cNvSpPr/>
           <p:nvPr/>
         </p:nvSpPr>
         <p:spPr>
           <a:xfrm flipV="1">
-            <a:off x="3916080" y="4746600"/>
-            <a:ext cx="139320" cy="127440"/>
+            <a:off x="3916080" y="4745880"/>
+            <a:ext cx="138960" cy="127080"/>
           </a:xfrm>
           <a:prstGeom prst="rtTriangle">
             <a:avLst/>
@@ -14895,14 +15459,14 @@
       </p:sp>
       <p:sp>
         <p:nvSpPr>
-          <p:cNvPr id="317" name="CustomShape 18"/>
+          <p:cNvPr id="321" name="CustomShape 18"/>
           <p:cNvSpPr/>
           <p:nvPr/>
         </p:nvSpPr>
         <p:spPr>
           <a:xfrm>
             <a:off x="3916080" y="4051080"/>
-            <a:ext cx="139320" cy="125280"/>
+            <a:ext cx="138960" cy="124920"/>
           </a:xfrm>
           <a:prstGeom prst="rtTriangle">
             <a:avLst/>
@@ -14931,14 +15495,14 @@
       </p:sp>
       <p:sp>
         <p:nvSpPr>
-          <p:cNvPr id="318" name="CustomShape 19"/>
+          <p:cNvPr id="322" name="CustomShape 19"/>
           <p:cNvSpPr/>
           <p:nvPr/>
         </p:nvSpPr>
         <p:spPr>
           <a:xfrm>
             <a:off x="1547640" y="4051080"/>
-            <a:ext cx="2367360" cy="823320"/>
+            <a:ext cx="2367000" cy="822960"/>
           </a:xfrm>
           <a:prstGeom prst="rect">
             <a:avLst/>
@@ -15003,14 +15567,14 @@
       </p:sp>
       <p:sp>
         <p:nvSpPr>
-          <p:cNvPr id="319" name="CustomShape 20"/>
+          <p:cNvPr id="323" name="CustomShape 20"/>
           <p:cNvSpPr/>
           <p:nvPr/>
         </p:nvSpPr>
         <p:spPr>
           <a:xfrm flipV="1">
-            <a:off x="3916080" y="5914440"/>
-            <a:ext cx="139320" cy="127440"/>
+            <a:off x="3916080" y="5913720"/>
+            <a:ext cx="138960" cy="127080"/>
           </a:xfrm>
           <a:prstGeom prst="rtTriangle">
             <a:avLst/>
@@ -15039,14 +15603,14 @@
       </p:sp>
       <p:sp>
         <p:nvSpPr>
-          <p:cNvPr id="320" name="CustomShape 21"/>
+          <p:cNvPr id="324" name="CustomShape 21"/>
           <p:cNvSpPr/>
           <p:nvPr/>
         </p:nvSpPr>
         <p:spPr>
           <a:xfrm>
             <a:off x="3916080" y="5217120"/>
-            <a:ext cx="139320" cy="127440"/>
+            <a:ext cx="138960" cy="127080"/>
           </a:xfrm>
           <a:prstGeom prst="rtTriangle">
             <a:avLst/>
@@ -15075,14 +15639,14 @@
       </p:sp>
       <p:sp>
         <p:nvSpPr>
-          <p:cNvPr id="321" name="CustomShape 22"/>
+          <p:cNvPr id="325" name="CustomShape 22"/>
           <p:cNvSpPr/>
           <p:nvPr/>
         </p:nvSpPr>
         <p:spPr>
           <a:xfrm>
             <a:off x="1547640" y="5217120"/>
-            <a:ext cx="2367360" cy="825480"/>
+            <a:ext cx="2367000" cy="825120"/>
           </a:xfrm>
           <a:prstGeom prst="rect">
             <a:avLst/>
@@ -15147,14 +15711,14 @@
       </p:sp>
       <p:sp>
         <p:nvSpPr>
-          <p:cNvPr id="322" name="CustomShape 23"/>
+          <p:cNvPr id="326" name="CustomShape 23"/>
           <p:cNvSpPr/>
           <p:nvPr/>
         </p:nvSpPr>
         <p:spPr>
           <a:xfrm>
             <a:off x="5724000" y="1661040"/>
-            <a:ext cx="5075640" cy="921240"/>
+            <a:ext cx="5075280" cy="920880"/>
           </a:xfrm>
           <a:prstGeom prst="rect">
             <a:avLst/>
@@ -15209,14 +15773,14 @@
       </p:sp>
       <p:sp>
         <p:nvSpPr>
-          <p:cNvPr id="323" name="CustomShape 24"/>
+          <p:cNvPr id="327" name="CustomShape 24"/>
           <p:cNvSpPr/>
           <p:nvPr/>
         </p:nvSpPr>
         <p:spPr>
           <a:xfrm>
             <a:off x="5724000" y="2825280"/>
-            <a:ext cx="5075640" cy="937440"/>
+            <a:ext cx="5075280" cy="937080"/>
           </a:xfrm>
           <a:prstGeom prst="rect">
             <a:avLst/>
@@ -15235,14 +15799,14 @@
       </p:sp>
       <p:sp>
         <p:nvSpPr>
-          <p:cNvPr id="324" name="CustomShape 25"/>
+          <p:cNvPr id="328" name="CustomShape 25"/>
           <p:cNvSpPr/>
           <p:nvPr/>
         </p:nvSpPr>
         <p:spPr>
           <a:xfrm>
             <a:off x="5724000" y="3999240"/>
-            <a:ext cx="5075640" cy="817200"/>
+            <a:ext cx="5075280" cy="816840"/>
           </a:xfrm>
           <a:prstGeom prst="rect">
             <a:avLst/>
@@ -15297,14 +15861,14 @@
       </p:sp>
       <p:sp>
         <p:nvSpPr>
-          <p:cNvPr id="325" name="CustomShape 26"/>
+          <p:cNvPr id="329" name="CustomShape 26"/>
           <p:cNvSpPr/>
           <p:nvPr/>
         </p:nvSpPr>
         <p:spPr>
           <a:xfrm>
             <a:off x="5724000" y="4985280"/>
-            <a:ext cx="5075640" cy="1325160"/>
+            <a:ext cx="5075280" cy="1324800"/>
           </a:xfrm>
           <a:prstGeom prst="rect">
             <a:avLst/>
@@ -15359,14 +15923,14 @@
       </p:sp>
       <p:sp>
         <p:nvSpPr>
-          <p:cNvPr id="326" name="CustomShape 27"/>
+          <p:cNvPr id="330" name="CustomShape 27"/>
           <p:cNvSpPr/>
           <p:nvPr/>
         </p:nvSpPr>
         <p:spPr>
           <a:xfrm>
             <a:off x="5724000" y="2833560"/>
-            <a:ext cx="5075640" cy="921240"/>
+            <a:ext cx="5075280" cy="920880"/>
           </a:xfrm>
           <a:prstGeom prst="rect">
             <a:avLst/>
@@ -15470,14 +16034,14 @@
       </p:grpSpPr>
       <p:sp>
         <p:nvSpPr>
-          <p:cNvPr id="327" name="CustomShape 1"/>
+          <p:cNvPr id="331" name="CustomShape 1"/>
           <p:cNvSpPr/>
           <p:nvPr/>
         </p:nvSpPr>
         <p:spPr>
           <a:xfrm>
             <a:off x="0" y="0"/>
-            <a:ext cx="12191400" cy="3528720"/>
+            <a:ext cx="12191040" cy="3528360"/>
           </a:xfrm>
           <a:prstGeom prst="rect">
             <a:avLst/>
@@ -15506,7 +16070,7 @@
       </p:sp>
       <p:pic>
         <p:nvPicPr>
-          <p:cNvPr id="328" name="图片 42" descr=""/>
+          <p:cNvPr id="332" name="图片 42" descr=""/>
           <p:cNvPicPr/>
           <p:nvPr/>
         </p:nvPicPr>
@@ -15517,7 +16081,7 @@
         <p:spPr>
           <a:xfrm>
             <a:off x="1066680" y="345960"/>
-            <a:ext cx="10057680" cy="5086440"/>
+            <a:ext cx="10057320" cy="5086080"/>
           </a:xfrm>
           <a:prstGeom prst="rect">
             <a:avLst/>
@@ -15529,14 +16093,14 @@
       </p:pic>
       <p:sp>
         <p:nvSpPr>
-          <p:cNvPr id="329" name="CustomShape 2"/>
+          <p:cNvPr id="333" name="CustomShape 2"/>
           <p:cNvSpPr/>
           <p:nvPr/>
         </p:nvSpPr>
         <p:spPr>
           <a:xfrm>
             <a:off x="0" y="3522600"/>
-            <a:ext cx="12191400" cy="3334680"/>
+            <a:ext cx="12191040" cy="3334320"/>
           </a:xfrm>
           <a:prstGeom prst="rect">
             <a:avLst/>
@@ -15565,14 +16129,14 @@
       </p:sp>
       <p:sp>
         <p:nvSpPr>
-          <p:cNvPr id="330" name="CustomShape 3"/>
+          <p:cNvPr id="334" name="CustomShape 3"/>
           <p:cNvSpPr/>
           <p:nvPr/>
         </p:nvSpPr>
         <p:spPr>
           <a:xfrm>
             <a:off x="3459600" y="1377360"/>
-            <a:ext cx="5156280" cy="1552320"/>
+            <a:ext cx="5155920" cy="1551960"/>
           </a:xfrm>
           <a:prstGeom prst="rect">
             <a:avLst/>
@@ -15627,14 +16191,14 @@
       </p:sp>
       <p:sp>
         <p:nvSpPr>
-          <p:cNvPr id="331" name="CustomShape 4"/>
+          <p:cNvPr id="335" name="CustomShape 4"/>
           <p:cNvSpPr/>
           <p:nvPr/>
         </p:nvSpPr>
         <p:spPr>
           <a:xfrm>
             <a:off x="5222520" y="4392000"/>
-            <a:ext cx="1833120" cy="333360"/>
+            <a:ext cx="1832760" cy="333000"/>
           </a:xfrm>
           <a:prstGeom prst="rect">
             <a:avLst/>
@@ -15653,14 +16217,14 @@
       </p:sp>
       <p:sp>
         <p:nvSpPr>
-          <p:cNvPr id="332" name="CustomShape 5"/>
+          <p:cNvPr id="336" name="CustomShape 5"/>
           <p:cNvSpPr/>
           <p:nvPr/>
         </p:nvSpPr>
         <p:spPr>
           <a:xfrm>
             <a:off x="-360" y="3462840"/>
-            <a:ext cx="12191400" cy="3528720"/>
+            <a:ext cx="12191040" cy="3528360"/>
           </a:xfrm>
           <a:prstGeom prst="rect">
             <a:avLst/>
@@ -15689,14 +16253,14 @@
       </p:sp>
       <p:sp>
         <p:nvSpPr>
-          <p:cNvPr id="333" name="CustomShape 6"/>
+          <p:cNvPr id="337" name="CustomShape 6"/>
           <p:cNvSpPr/>
           <p:nvPr/>
         </p:nvSpPr>
         <p:spPr>
           <a:xfrm>
             <a:off x="3688200" y="3637440"/>
-            <a:ext cx="5156280" cy="1552320"/>
+            <a:ext cx="5155920" cy="1551960"/>
           </a:xfrm>
           <a:prstGeom prst="rect">
             <a:avLst/>
@@ -15810,7 +16374,7 @@
         <p:spPr>
           <a:xfrm>
             <a:off x="0" y="0"/>
-            <a:ext cx="12191400" cy="2336040"/>
+            <a:ext cx="12191040" cy="2335680"/>
           </a:xfrm>
           <a:prstGeom prst="rect">
             <a:avLst/>
@@ -15851,7 +16415,7 @@
         <p:spPr>
           <a:xfrm>
             <a:off x="1066680" y="345960"/>
-            <a:ext cx="10057680" cy="1937160"/>
+            <a:ext cx="10057320" cy="1936800"/>
           </a:xfrm>
           <a:prstGeom prst="rect">
             <a:avLst/>
@@ -15870,7 +16434,7 @@
         <p:spPr>
           <a:xfrm>
             <a:off x="0" y="2283840"/>
-            <a:ext cx="12191400" cy="4573440"/>
+            <a:ext cx="12191040" cy="4573080"/>
           </a:xfrm>
           <a:prstGeom prst="rect">
             <a:avLst/>
@@ -15906,7 +16470,7 @@
         <p:spPr>
           <a:xfrm>
             <a:off x="785160" y="391680"/>
-            <a:ext cx="2999160" cy="946440"/>
+            <a:ext cx="2998800" cy="946080"/>
           </a:xfrm>
           <a:prstGeom prst="rect">
             <a:avLst/>
@@ -16013,7 +16577,7 @@
         <p:spPr>
           <a:xfrm>
             <a:off x="1479600" y="3281760"/>
-            <a:ext cx="1131480" cy="1205640"/>
+            <a:ext cx="1131120" cy="1205280"/>
           </a:xfrm>
           <a:custGeom>
             <a:avLst/>
@@ -16147,7 +16711,7 @@
         <p:spPr>
           <a:xfrm>
             <a:off x="4179960" y="3281760"/>
-            <a:ext cx="1131480" cy="1205640"/>
+            <a:ext cx="1131120" cy="1205280"/>
           </a:xfrm>
           <a:custGeom>
             <a:avLst/>
@@ -16281,7 +16845,7 @@
         <p:spPr>
           <a:xfrm>
             <a:off x="6879960" y="3281760"/>
-            <a:ext cx="1131480" cy="1205640"/>
+            <a:ext cx="1131120" cy="1205280"/>
           </a:xfrm>
           <a:custGeom>
             <a:avLst/>
@@ -16415,7 +16979,7 @@
         <p:spPr>
           <a:xfrm>
             <a:off x="9580320" y="3281760"/>
-            <a:ext cx="1131480" cy="1205640"/>
+            <a:ext cx="1131120" cy="1205280"/>
           </a:xfrm>
           <a:custGeom>
             <a:avLst/>
@@ -16549,7 +17113,7 @@
         <p:spPr>
           <a:xfrm>
             <a:off x="941400" y="4760640"/>
-            <a:ext cx="2042280" cy="455760"/>
+            <a:ext cx="2041920" cy="455400"/>
           </a:xfrm>
           <a:prstGeom prst="rect">
             <a:avLst/>
@@ -16611,7 +17175,7 @@
         <p:spPr>
           <a:xfrm>
             <a:off x="3673800" y="4760640"/>
-            <a:ext cx="2079360" cy="455040"/>
+            <a:ext cx="2079000" cy="454680"/>
           </a:xfrm>
           <a:prstGeom prst="rect">
             <a:avLst/>
@@ -16673,7 +17237,7 @@
         <p:spPr>
           <a:xfrm>
             <a:off x="6407640" y="4760640"/>
-            <a:ext cx="2079360" cy="455760"/>
+            <a:ext cx="2079000" cy="455400"/>
           </a:xfrm>
           <a:prstGeom prst="rect">
             <a:avLst/>
@@ -16735,7 +17299,7 @@
         <p:spPr>
           <a:xfrm>
             <a:off x="9123480" y="4760640"/>
-            <a:ext cx="2079360" cy="455760"/>
+            <a:ext cx="2079000" cy="455400"/>
           </a:xfrm>
           <a:prstGeom prst="rect">
             <a:avLst/>
@@ -16846,7 +17410,7 @@
         <p:spPr>
           <a:xfrm>
             <a:off x="0" y="2462040"/>
-            <a:ext cx="12191400" cy="1895040"/>
+            <a:ext cx="12191040" cy="1894680"/>
           </a:xfrm>
           <a:prstGeom prst="rect">
             <a:avLst/>
@@ -16880,7 +17444,7 @@
         <p:spPr>
           <a:xfrm>
             <a:off x="3714120" y="2202480"/>
-            <a:ext cx="257760" cy="258840"/>
+            <a:ext cx="257400" cy="258480"/>
           </a:xfrm>
           <a:custGeom>
             <a:avLst/>
@@ -16933,7 +17497,7 @@
         <p:spPr>
           <a:xfrm flipV="1">
             <a:off x="510120" y="4356720"/>
-            <a:ext cx="262800" cy="263880"/>
+            <a:ext cx="262440" cy="263520"/>
           </a:xfrm>
           <a:custGeom>
             <a:avLst/>
@@ -16986,7 +17550,7 @@
         <p:spPr>
           <a:xfrm>
             <a:off x="639000" y="2203200"/>
-            <a:ext cx="3208680" cy="2412360"/>
+            <a:ext cx="3208320" cy="2412000"/>
           </a:xfrm>
           <a:prstGeom prst="parallelogram">
             <a:avLst>
@@ -17024,7 +17588,7 @@
         <p:spPr>
           <a:xfrm>
             <a:off x="1487520" y="2531520"/>
-            <a:ext cx="1762200" cy="1715760"/>
+            <a:ext cx="1761840" cy="1715400"/>
           </a:xfrm>
           <a:prstGeom prst="rect">
             <a:avLst/>
@@ -17086,7 +17650,7 @@
         <p:spPr>
           <a:xfrm>
             <a:off x="4446720" y="2957760"/>
-            <a:ext cx="6733080" cy="913680"/>
+            <a:ext cx="6732720" cy="913320"/>
           </a:xfrm>
           <a:prstGeom prst="rect">
             <a:avLst/>
@@ -17197,7 +17761,7 @@
         <p:spPr>
           <a:xfrm>
             <a:off x="0" y="205200"/>
-            <a:ext cx="12191400" cy="600120"/>
+            <a:ext cx="12191040" cy="599760"/>
           </a:xfrm>
           <a:prstGeom prst="rect">
             <a:avLst/>
@@ -17233,7 +17797,7 @@
         <p:spPr>
           <a:xfrm flipH="1">
             <a:off x="265680" y="806040"/>
-            <a:ext cx="311400" cy="88560"/>
+            <a:ext cx="311040" cy="88200"/>
           </a:xfrm>
           <a:custGeom>
             <a:avLst/>
@@ -17291,8 +17855,8 @@
         </p:nvSpPr>
         <p:spPr>
           <a:xfrm flipV="1">
-            <a:off x="1457280" y="115560"/>
-            <a:ext cx="311400" cy="88560"/>
+            <a:off x="1457280" y="114840"/>
+            <a:ext cx="311040" cy="88200"/>
           </a:xfrm>
           <a:custGeom>
             <a:avLst/>
@@ -17351,7 +17915,7 @@
         <p:spPr>
           <a:xfrm flipH="1">
             <a:off x="311760" y="116280"/>
-            <a:ext cx="1402200" cy="778680"/>
+            <a:ext cx="1401840" cy="778320"/>
           </a:xfrm>
           <a:prstGeom prst="parallelogram">
             <a:avLst>
@@ -17389,7 +17953,7 @@
         <p:spPr>
           <a:xfrm>
             <a:off x="302040" y="244080"/>
-            <a:ext cx="1323360" cy="516600"/>
+            <a:ext cx="1323000" cy="516240"/>
           </a:xfrm>
           <a:prstGeom prst="rect">
             <a:avLst/>
@@ -17451,7 +18015,7 @@
         <p:spPr>
           <a:xfrm>
             <a:off x="2002320" y="244080"/>
-            <a:ext cx="2894040" cy="515880"/>
+            <a:ext cx="2893680" cy="515520"/>
           </a:xfrm>
           <a:prstGeom prst="rect">
             <a:avLst/>
@@ -17476,7 +18040,7 @@
               </a:lnSpc>
             </a:pPr>
             <a:r>
-              <a:rPr b="0" lang="en-US" sz="2800" spc="296" strike="noStrike">
+              <a:rPr b="0" lang="en-US" sz="2800" spc="293" strike="noStrike">
                 <a:solidFill>
                   <a:srgbClr val="ffffff"/>
                 </a:solidFill>
@@ -17513,7 +18077,7 @@
         <p:spPr>
           <a:xfrm>
             <a:off x="1035360" y="2648160"/>
-            <a:ext cx="2940480" cy="2456280"/>
+            <a:ext cx="2940120" cy="2455920"/>
           </a:xfrm>
           <a:prstGeom prst="round2DiagRect">
             <a:avLst>
@@ -17646,7 +18210,7 @@
         <p:spPr>
           <a:xfrm>
             <a:off x="5236920" y="1711440"/>
-            <a:ext cx="3887640" cy="4067640"/>
+            <a:ext cx="3887280" cy="4067280"/>
           </a:xfrm>
           <a:prstGeom prst="rect">
             <a:avLst/>
@@ -17686,7 +18250,7 @@
         <p:spPr>
           <a:xfrm>
             <a:off x="5596920" y="1993680"/>
-            <a:ext cx="5736960" cy="516600"/>
+            <a:ext cx="5736600" cy="516240"/>
           </a:xfrm>
           <a:prstGeom prst="rect">
             <a:avLst/>
@@ -17712,7 +18276,7 @@
         <p:spPr>
           <a:xfrm>
             <a:off x="5004000" y="2044440"/>
-            <a:ext cx="465480" cy="488880"/>
+            <a:ext cx="465120" cy="488520"/>
           </a:xfrm>
           <a:prstGeom prst="rect">
             <a:avLst/>
@@ -17784,7 +18348,7 @@
         <p:spPr>
           <a:xfrm>
             <a:off x="5004000" y="3040920"/>
-            <a:ext cx="465480" cy="488880"/>
+            <a:ext cx="465120" cy="488520"/>
           </a:xfrm>
           <a:prstGeom prst="rect">
             <a:avLst/>
@@ -17856,7 +18420,7 @@
         <p:spPr>
           <a:xfrm>
             <a:off x="5586120" y="3941280"/>
-            <a:ext cx="5595480" cy="516600"/>
+            <a:ext cx="5595120" cy="516240"/>
           </a:xfrm>
           <a:prstGeom prst="rect">
             <a:avLst/>
@@ -17918,7 +18482,7 @@
         <p:spPr>
           <a:xfrm>
             <a:off x="5004000" y="3994920"/>
-            <a:ext cx="465480" cy="488880"/>
+            <a:ext cx="465120" cy="488520"/>
           </a:xfrm>
           <a:prstGeom prst="rect">
             <a:avLst/>
@@ -17990,7 +18554,7 @@
         <p:spPr>
           <a:xfrm>
             <a:off x="5596920" y="4823280"/>
-            <a:ext cx="5584680" cy="516600"/>
+            <a:ext cx="5584320" cy="516240"/>
           </a:xfrm>
           <a:prstGeom prst="rect">
             <a:avLst/>
@@ -18016,7 +18580,7 @@
         <p:spPr>
           <a:xfrm>
             <a:off x="5004000" y="4948920"/>
-            <a:ext cx="465480" cy="488880"/>
+            <a:ext cx="465120" cy="488520"/>
           </a:xfrm>
           <a:prstGeom prst="rect">
             <a:avLst/>
@@ -18088,7 +18652,7 @@
         <p:spPr>
           <a:xfrm>
             <a:off x="5586120" y="3941280"/>
-            <a:ext cx="5595480" cy="516600"/>
+            <a:ext cx="5595120" cy="516240"/>
           </a:xfrm>
           <a:prstGeom prst="rect">
             <a:avLst/>
@@ -18114,7 +18678,7 @@
         <p:spPr>
           <a:xfrm>
             <a:off x="5586120" y="3941280"/>
-            <a:ext cx="5595480" cy="516600"/>
+            <a:ext cx="5595120" cy="516240"/>
           </a:xfrm>
           <a:prstGeom prst="rect">
             <a:avLst/>
@@ -18140,7 +18704,7 @@
         <p:spPr>
           <a:xfrm>
             <a:off x="5616000" y="4896000"/>
-            <a:ext cx="5595480" cy="516600"/>
+            <a:ext cx="5595120" cy="516240"/>
           </a:xfrm>
           <a:prstGeom prst="rect">
             <a:avLst/>
@@ -18195,14 +18759,14 @@
       </p:sp>
       <p:sp>
         <p:nvSpPr>
-          <p:cNvPr id="140" name="TextShape 19"/>
-          <p:cNvSpPr txBox="1"/>
+          <p:cNvPr id="140" name="CustomShape 19"/>
+          <p:cNvSpPr/>
           <p:nvPr/>
         </p:nvSpPr>
         <p:spPr>
           <a:xfrm>
             <a:off x="5596920" y="1993680"/>
-            <a:ext cx="1600920" cy="552600"/>
+            <a:ext cx="1600560" cy="552240"/>
           </a:xfrm>
           <a:prstGeom prst="rect">
             <a:avLst/>
@@ -18212,6 +18776,12 @@
             <a:noFill/>
           </a:ln>
         </p:spPr>
+        <p:style>
+          <a:lnRef idx="0"/>
+          <a:fillRef idx="0"/>
+          <a:effectRef idx="0"/>
+          <a:fontRef idx="minor"/>
+        </p:style>
         <p:txBody>
           <a:bodyPr lIns="90000" rIns="90000" tIns="45000" bIns="45000"/>
           <a:p>
@@ -18235,31 +18805,30 @@
               </a:rPr>
               <a:t>业务学习</a:t>
             </a:r>
-            <a:endParaRPr b="0" lang="en-US" sz="2800" spc="-1" strike="noStrike">
-              <a:solidFill>
-                <a:srgbClr val="404040"/>
-              </a:solidFill>
-              <a:uFill>
-                <a:solidFill>
-                  <a:srgbClr val="ffffff"/>
-                </a:solidFill>
-              </a:uFill>
-              <a:latin typeface="微软雅黑"/>
-              <a:ea typeface="微软雅黑"/>
+            <a:endParaRPr b="0" lang="en-US" sz="1800" spc="-1" strike="noStrike">
+              <a:solidFill>
+                <a:srgbClr val="000000"/>
+              </a:solidFill>
+              <a:uFill>
+                <a:solidFill>
+                  <a:srgbClr val="ffffff"/>
+                </a:solidFill>
+              </a:uFill>
+              <a:latin typeface="Arial"/>
             </a:endParaRPr>
           </a:p>
         </p:txBody>
       </p:sp>
       <p:sp>
         <p:nvSpPr>
-          <p:cNvPr id="141" name="TextShape 20"/>
-          <p:cNvSpPr txBox="1"/>
+          <p:cNvPr id="141" name="CustomShape 20"/>
+          <p:cNvSpPr/>
           <p:nvPr/>
         </p:nvSpPr>
         <p:spPr>
           <a:xfrm>
             <a:off x="5599080" y="2975400"/>
-            <a:ext cx="1600920" cy="552600"/>
+            <a:ext cx="1600560" cy="552240"/>
           </a:xfrm>
           <a:prstGeom prst="rect">
             <a:avLst/>
@@ -18269,6 +18838,12 @@
             <a:noFill/>
           </a:ln>
         </p:spPr>
+        <p:style>
+          <a:lnRef idx="0"/>
+          <a:fillRef idx="0"/>
+          <a:effectRef idx="0"/>
+          <a:fontRef idx="minor"/>
+        </p:style>
         <p:txBody>
           <a:bodyPr lIns="90000" rIns="90000" tIns="45000" bIns="45000"/>
           <a:p>
@@ -18292,17 +18867,16 @@
               </a:rPr>
               <a:t>需求开发</a:t>
             </a:r>
-            <a:endParaRPr b="0" lang="en-US" sz="2800" spc="-1" strike="noStrike">
-              <a:solidFill>
-                <a:srgbClr val="404040"/>
-              </a:solidFill>
-              <a:uFill>
-                <a:solidFill>
-                  <a:srgbClr val="ffffff"/>
-                </a:solidFill>
-              </a:uFill>
-              <a:latin typeface="微软雅黑"/>
-              <a:ea typeface="微软雅黑"/>
+            <a:endParaRPr b="0" lang="en-US" sz="1800" spc="-1" strike="noStrike">
+              <a:solidFill>
+                <a:srgbClr val="000000"/>
+              </a:solidFill>
+              <a:uFill>
+                <a:solidFill>
+                  <a:srgbClr val="ffffff"/>
+                </a:solidFill>
+              </a:uFill>
+              <a:latin typeface="Arial"/>
             </a:endParaRPr>
           </a:p>
         </p:txBody>
@@ -18365,7 +18939,7 @@
         <p:spPr>
           <a:xfrm>
             <a:off x="0" y="205200"/>
-            <a:ext cx="12191400" cy="600120"/>
+            <a:ext cx="12191040" cy="599760"/>
           </a:xfrm>
           <a:prstGeom prst="rect">
             <a:avLst/>
@@ -18401,7 +18975,7 @@
         <p:spPr>
           <a:xfrm flipH="1">
             <a:off x="265680" y="806040"/>
-            <a:ext cx="311400" cy="88560"/>
+            <a:ext cx="311040" cy="88200"/>
           </a:xfrm>
           <a:custGeom>
             <a:avLst/>
@@ -18459,8 +19033,8 @@
         </p:nvSpPr>
         <p:spPr>
           <a:xfrm flipV="1">
-            <a:off x="1457280" y="115560"/>
-            <a:ext cx="311400" cy="88560"/>
+            <a:off x="1457280" y="114840"/>
+            <a:ext cx="311040" cy="88200"/>
           </a:xfrm>
           <a:custGeom>
             <a:avLst/>
@@ -18519,7 +19093,7 @@
         <p:spPr>
           <a:xfrm flipH="1">
             <a:off x="311760" y="116280"/>
-            <a:ext cx="1402200" cy="778680"/>
+            <a:ext cx="1401840" cy="778320"/>
           </a:xfrm>
           <a:prstGeom prst="parallelogram">
             <a:avLst>
@@ -18557,7 +19131,7 @@
         <p:spPr>
           <a:xfrm>
             <a:off x="302040" y="244080"/>
-            <a:ext cx="1323360" cy="516600"/>
+            <a:ext cx="1323000" cy="516240"/>
           </a:xfrm>
           <a:prstGeom prst="rect">
             <a:avLst/>
@@ -18619,7 +19193,7 @@
         <p:spPr>
           <a:xfrm>
             <a:off x="2021400" y="244080"/>
-            <a:ext cx="2500560" cy="515880"/>
+            <a:ext cx="2500200" cy="515520"/>
           </a:xfrm>
           <a:prstGeom prst="rect">
             <a:avLst/>
@@ -18644,7 +19218,7 @@
               </a:lnSpc>
             </a:pPr>
             <a:r>
-              <a:rPr b="0" lang="en-US" sz="2800" spc="296" strike="noStrike">
+              <a:rPr b="0" lang="en-US" sz="2800" spc="293" strike="noStrike">
                 <a:solidFill>
                   <a:srgbClr val="ffffff"/>
                 </a:solidFill>
@@ -18681,7 +19255,7 @@
         <p:spPr>
           <a:xfrm>
             <a:off x="2649240" y="1383480"/>
-            <a:ext cx="7070400" cy="957600"/>
+            <a:ext cx="7070040" cy="957240"/>
           </a:xfrm>
           <a:prstGeom prst="rect">
             <a:avLst/>
@@ -18718,7 +19292,7 @@
                 <a:latin typeface="微软雅黑"/>
                 <a:ea typeface="微软雅黑"/>
               </a:rPr>
-              <a:t>已经完成：开发任务</a:t>
+              <a:t>完成了</a:t>
             </a:r>
             <a:r>
               <a:rPr b="0" lang="en-US" sz="1400" spc="-1" strike="noStrike">
@@ -18748,7 +19322,7 @@
                 <a:latin typeface="微软雅黑"/>
                 <a:ea typeface="微软雅黑"/>
               </a:rPr>
-              <a:t>个左右，维护任务 </a:t>
+              <a:t>个任务的开发，其中需求</a:t>
             </a:r>
             <a:r>
               <a:rPr b="0" lang="en-US" sz="1400" spc="-1" strike="noStrike">
@@ -18763,7 +19337,7 @@
                 <a:latin typeface="微软雅黑"/>
                 <a:ea typeface="微软雅黑"/>
               </a:rPr>
-              <a:t>10</a:t>
+              <a:t>5</a:t>
             </a:r>
             <a:r>
               <a:rPr b="0" lang="en-US" sz="1400" spc="-1" strike="noStrike">
@@ -18778,7 +19352,7 @@
                 <a:latin typeface="微软雅黑"/>
                 <a:ea typeface="微软雅黑"/>
               </a:rPr>
-              <a:t>个左右，重构任务</a:t>
+              <a:t>个，重构任务</a:t>
             </a:r>
             <a:r>
               <a:rPr b="0" lang="en-US" sz="1400" spc="-1" strike="noStrike">
@@ -18808,345 +19382,7 @@
                 <a:latin typeface="微软雅黑"/>
                 <a:ea typeface="微软雅黑"/>
               </a:rPr>
-              <a:t>个，学习任务</a:t>
-            </a:r>
-            <a:r>
-              <a:rPr b="0" lang="en-US" sz="1400" spc="-1" strike="noStrike">
-                <a:solidFill>
-                  <a:srgbClr val="404040"/>
-                </a:solidFill>
-                <a:uFill>
-                  <a:solidFill>
-                    <a:srgbClr val="ffffff"/>
-                  </a:solidFill>
-                </a:uFill>
-                <a:latin typeface="微软雅黑"/>
-                <a:ea typeface="微软雅黑"/>
-              </a:rPr>
-              <a:t>17</a:t>
-            </a:r>
-            <a:r>
-              <a:rPr b="0" lang="en-US" sz="1400" spc="-1" strike="noStrike">
-                <a:solidFill>
-                  <a:srgbClr val="404040"/>
-                </a:solidFill>
-                <a:uFill>
-                  <a:solidFill>
-                    <a:srgbClr val="ffffff"/>
-                  </a:solidFill>
-                </a:uFill>
-                <a:latin typeface="微软雅黑"/>
-                <a:ea typeface="微软雅黑"/>
-              </a:rPr>
-              <a:t>个</a:t>
-            </a:r>
-            <a:endParaRPr b="0" lang="en-US" sz="1800" spc="-1" strike="noStrike">
-              <a:solidFill>
-                <a:srgbClr val="000000"/>
-              </a:solidFill>
-              <a:uFill>
-                <a:solidFill>
-                  <a:srgbClr val="ffffff"/>
-                </a:solidFill>
-              </a:uFill>
-              <a:latin typeface="Arial"/>
-            </a:endParaRPr>
-          </a:p>
-          <a:p>
-            <a:pPr>
-              <a:lnSpc>
-                <a:spcPct val="150000"/>
-              </a:lnSpc>
-            </a:pPr>
-            <a:r>
-              <a:rPr b="0" lang="en-US" sz="1400" spc="-1" strike="noStrike">
-                <a:solidFill>
-                  <a:srgbClr val="404040"/>
-                </a:solidFill>
-                <a:uFill>
-                  <a:solidFill>
-                    <a:srgbClr val="ffffff"/>
-                  </a:solidFill>
-                </a:uFill>
-                <a:latin typeface="微软雅黑"/>
-                <a:ea typeface="微软雅黑"/>
-              </a:rPr>
-              <a:t>正在完成 ：转发功能任务的收尾工作，和底层页重构任务的开发工作</a:t>
-            </a:r>
-            <a:endParaRPr b="0" lang="en-US" sz="1800" spc="-1" strike="noStrike">
-              <a:solidFill>
-                <a:srgbClr val="000000"/>
-              </a:solidFill>
-              <a:uFill>
-                <a:solidFill>
-                  <a:srgbClr val="ffffff"/>
-                </a:solidFill>
-              </a:uFill>
-              <a:latin typeface="Arial"/>
-            </a:endParaRPr>
-          </a:p>
-          <a:p>
-            <a:pPr>
-              <a:lnSpc>
-                <a:spcPct val="150000"/>
-              </a:lnSpc>
-            </a:pPr>
-            <a:endParaRPr b="0" lang="en-US" sz="1800" spc="-1" strike="noStrike">
-              <a:solidFill>
-                <a:srgbClr val="000000"/>
-              </a:solidFill>
-              <a:uFill>
-                <a:solidFill>
-                  <a:srgbClr val="ffffff"/>
-                </a:solidFill>
-              </a:uFill>
-              <a:latin typeface="Arial"/>
-            </a:endParaRPr>
-          </a:p>
-        </p:txBody>
-      </p:sp>
-      <p:sp>
-        <p:nvSpPr>
-          <p:cNvPr id="149" name="CustomShape 8"/>
-          <p:cNvSpPr/>
-          <p:nvPr/>
-        </p:nvSpPr>
-        <p:spPr>
-          <a:xfrm>
-            <a:off x="1457640" y="1433880"/>
-            <a:ext cx="936360" cy="488880"/>
-          </a:xfrm>
-          <a:prstGeom prst="rect">
-            <a:avLst/>
-          </a:prstGeom>
-          <a:solidFill>
-            <a:srgbClr val="2aaae2"/>
-          </a:solidFill>
-          <a:ln w="28440">
-            <a:noFill/>
-          </a:ln>
-        </p:spPr>
-        <p:style>
-          <a:lnRef idx="2">
-            <a:schemeClr val="accent1">
-              <a:shade val="50000"/>
-            </a:schemeClr>
-          </a:lnRef>
-          <a:fillRef idx="1">
-            <a:schemeClr val="accent1"/>
-          </a:fillRef>
-          <a:effectRef idx="0">
-            <a:schemeClr val="accent1"/>
-          </a:effectRef>
-          <a:fontRef idx="minor"/>
-        </p:style>
-        <p:txBody>
-          <a:bodyPr lIns="90000" rIns="90000" tIns="45000" bIns="45000" anchor="ctr"/>
-          <a:p>
-            <a:pPr algn="ctr">
-              <a:lnSpc>
-                <a:spcPct val="100000"/>
-              </a:lnSpc>
-            </a:pPr>
-            <a:r>
-              <a:rPr b="0" lang="en-US" sz="3200" spc="-1" strike="noStrike">
-                <a:solidFill>
-                  <a:srgbClr val="ffffff"/>
-                </a:solidFill>
-                <a:uFill>
-                  <a:solidFill>
-                    <a:srgbClr val="ffffff"/>
-                  </a:solidFill>
-                </a:uFill>
-                <a:latin typeface="微软雅黑"/>
-                <a:ea typeface="微软雅黑"/>
-              </a:rPr>
-              <a:t>1</a:t>
-            </a:r>
-            <a:endParaRPr b="0" lang="en-US" sz="1800" spc="-1" strike="noStrike">
-              <a:solidFill>
-                <a:srgbClr val="000000"/>
-              </a:solidFill>
-              <a:uFill>
-                <a:solidFill>
-                  <a:srgbClr val="ffffff"/>
-                </a:solidFill>
-              </a:uFill>
-              <a:latin typeface="Arial"/>
-            </a:endParaRPr>
-          </a:p>
-        </p:txBody>
-      </p:sp>
-      <p:sp>
-        <p:nvSpPr>
-          <p:cNvPr id="150" name="CustomShape 9"/>
-          <p:cNvSpPr/>
-          <p:nvPr/>
-        </p:nvSpPr>
-        <p:spPr>
-          <a:xfrm>
-            <a:off x="2638440" y="2499120"/>
-            <a:ext cx="7226640" cy="1277280"/>
-          </a:xfrm>
-          <a:prstGeom prst="rect">
-            <a:avLst/>
-          </a:prstGeom>
-          <a:noFill/>
-          <a:ln>
-            <a:noFill/>
-          </a:ln>
-        </p:spPr>
-        <p:style>
-          <a:lnRef idx="0"/>
-          <a:fillRef idx="0"/>
-          <a:effectRef idx="0"/>
-          <a:fontRef idx="minor"/>
-        </p:style>
-        <p:txBody>
-          <a:bodyPr lIns="90000" rIns="90000" tIns="45000" bIns="45000"/>
-          <a:p>
-            <a:pPr>
-              <a:lnSpc>
-                <a:spcPct val="150000"/>
-              </a:lnSpc>
-            </a:pPr>
-            <a:r>
-              <a:rPr b="0" lang="en-US" sz="1400" spc="-1" strike="noStrike">
-                <a:solidFill>
-                  <a:srgbClr val="404040"/>
-                </a:solidFill>
-                <a:uFill>
-                  <a:solidFill>
-                    <a:srgbClr val="ffffff"/>
-                  </a:solidFill>
-                </a:uFill>
-                <a:latin typeface="微软雅黑"/>
-                <a:ea typeface="微软雅黑"/>
-              </a:rPr>
-              <a:t>涉及项目：</a:t>
-            </a:r>
-            <a:r>
-              <a:rPr b="0" lang="en-US" sz="1400" spc="-1" strike="noStrike">
-                <a:solidFill>
-                  <a:srgbClr val="404040"/>
-                </a:solidFill>
-                <a:uFill>
-                  <a:solidFill>
-                    <a:srgbClr val="ffffff"/>
-                  </a:solidFill>
-                </a:uFill>
-                <a:latin typeface="微软雅黑"/>
-                <a:ea typeface="微软雅黑"/>
-              </a:rPr>
-              <a:t>8</a:t>
-            </a:r>
-            <a:r>
-              <a:rPr b="0" lang="en-US" sz="1400" spc="-1" strike="noStrike">
-                <a:solidFill>
-                  <a:srgbClr val="404040"/>
-                </a:solidFill>
-                <a:uFill>
-                  <a:solidFill>
-                    <a:srgbClr val="ffffff"/>
-                  </a:solidFill>
-                </a:uFill>
-                <a:latin typeface="微软雅黑"/>
-                <a:ea typeface="微软雅黑"/>
-              </a:rPr>
-              <a:t>个，不仅包括社区的，还有资讯的；除了</a:t>
-            </a:r>
-            <a:r>
-              <a:rPr b="0" lang="en-US" sz="1400" spc="-1" strike="noStrike">
-                <a:solidFill>
-                  <a:srgbClr val="404040"/>
-                </a:solidFill>
-                <a:uFill>
-                  <a:solidFill>
-                    <a:srgbClr val="ffffff"/>
-                  </a:solidFill>
-                </a:uFill>
-                <a:latin typeface="微软雅黑"/>
-                <a:ea typeface="微软雅黑"/>
-              </a:rPr>
-              <a:t>vue</a:t>
-            </a:r>
-            <a:r>
-              <a:rPr b="0" lang="en-US" sz="1400" spc="-1" strike="noStrike">
-                <a:solidFill>
-                  <a:srgbClr val="404040"/>
-                </a:solidFill>
-                <a:uFill>
-                  <a:solidFill>
-                    <a:srgbClr val="ffffff"/>
-                  </a:solidFill>
-                </a:uFill>
-                <a:latin typeface="微软雅黑"/>
-                <a:ea typeface="微软雅黑"/>
-              </a:rPr>
-              <a:t>项目外，还涉及</a:t>
-            </a:r>
-            <a:r>
-              <a:rPr b="0" lang="en-US" sz="1400" spc="-1" strike="noStrike">
-                <a:solidFill>
-                  <a:srgbClr val="404040"/>
-                </a:solidFill>
-                <a:uFill>
-                  <a:solidFill>
-                    <a:srgbClr val="ffffff"/>
-                  </a:solidFill>
-                </a:uFill>
-                <a:latin typeface="微软雅黑"/>
-                <a:ea typeface="微软雅黑"/>
-              </a:rPr>
-              <a:t>php</a:t>
-            </a:r>
-            <a:r>
-              <a:rPr b="0" lang="en-US" sz="1400" spc="-1" strike="noStrike">
-                <a:solidFill>
-                  <a:srgbClr val="404040"/>
-                </a:solidFill>
-                <a:uFill>
-                  <a:solidFill>
-                    <a:srgbClr val="ffffff"/>
-                  </a:solidFill>
-                </a:uFill>
-                <a:latin typeface="微软雅黑"/>
-                <a:ea typeface="微软雅黑"/>
-              </a:rPr>
-              <a:t>项目；</a:t>
-            </a:r>
-            <a:endParaRPr b="0" lang="en-US" sz="1800" spc="-1" strike="noStrike">
-              <a:solidFill>
-                <a:srgbClr val="000000"/>
-              </a:solidFill>
-              <a:uFill>
-                <a:solidFill>
-                  <a:srgbClr val="ffffff"/>
-                </a:solidFill>
-              </a:uFill>
-              <a:latin typeface="Arial"/>
-            </a:endParaRPr>
-          </a:p>
-          <a:p>
-            <a:pPr>
-              <a:lnSpc>
-                <a:spcPct val="150000"/>
-              </a:lnSpc>
-            </a:pPr>
-            <a:r>
-              <a:rPr b="0" lang="en-US" sz="1400" spc="-1" strike="noStrike">
-                <a:solidFill>
-                  <a:srgbClr val="404040"/>
-                </a:solidFill>
-                <a:uFill>
-                  <a:solidFill>
-                    <a:srgbClr val="ffffff"/>
-                  </a:solidFill>
-                </a:uFill>
-                <a:latin typeface="微软雅黑"/>
-                <a:ea typeface="微软雅黑"/>
-              </a:rPr>
-              <a:t>完成时间：平均</a:t>
+              <a:t>个，工具任务</a:t>
             </a:r>
             <a:r>
               <a:rPr b="0" lang="en-US" sz="1400" spc="-1" strike="noStrike">
@@ -19176,7 +19412,7 @@
                 <a:latin typeface="微软雅黑"/>
                 <a:ea typeface="微软雅黑"/>
               </a:rPr>
-              <a:t>－</a:t>
+              <a:t>个。业务面覆盖评论，互动消息，用户中心，抽样，运营后台，</a:t>
             </a:r>
             <a:r>
               <a:rPr b="0" lang="en-US" sz="1400" spc="-1" strike="noStrike">
@@ -19191,7 +19427,7 @@
                 <a:latin typeface="微软雅黑"/>
                 <a:ea typeface="微软雅黑"/>
               </a:rPr>
-              <a:t>5</a:t>
+              <a:t>SNS</a:t>
             </a:r>
             <a:r>
               <a:rPr b="0" lang="en-US" sz="1400" spc="-1" strike="noStrike">
@@ -19206,7 +19442,237 @@
                 <a:latin typeface="微软雅黑"/>
                 <a:ea typeface="微软雅黑"/>
               </a:rPr>
-              <a:t>天一个任务，最短的不到半天，最长的一个多月；</a:t>
+              <a:t>创作平台，审核对接等。</a:t>
+            </a:r>
+            <a:endParaRPr b="0" lang="en-US" sz="1800" spc="-1" strike="noStrike">
+              <a:solidFill>
+                <a:srgbClr val="000000"/>
+              </a:solidFill>
+              <a:uFill>
+                <a:solidFill>
+                  <a:srgbClr val="ffffff"/>
+                </a:solidFill>
+              </a:uFill>
+              <a:latin typeface="Arial"/>
+            </a:endParaRPr>
+          </a:p>
+          <a:p>
+            <a:pPr>
+              <a:lnSpc>
+                <a:spcPct val="150000"/>
+              </a:lnSpc>
+            </a:pPr>
+            <a:endParaRPr b="0" lang="en-US" sz="1800" spc="-1" strike="noStrike">
+              <a:solidFill>
+                <a:srgbClr val="000000"/>
+              </a:solidFill>
+              <a:uFill>
+                <a:solidFill>
+                  <a:srgbClr val="ffffff"/>
+                </a:solidFill>
+              </a:uFill>
+              <a:latin typeface="Arial"/>
+            </a:endParaRPr>
+          </a:p>
+          <a:p>
+            <a:pPr>
+              <a:lnSpc>
+                <a:spcPct val="150000"/>
+              </a:lnSpc>
+            </a:pPr>
+            <a:endParaRPr b="0" lang="en-US" sz="1800" spc="-1" strike="noStrike">
+              <a:solidFill>
+                <a:srgbClr val="000000"/>
+              </a:solidFill>
+              <a:uFill>
+                <a:solidFill>
+                  <a:srgbClr val="ffffff"/>
+                </a:solidFill>
+              </a:uFill>
+              <a:latin typeface="Arial"/>
+            </a:endParaRPr>
+          </a:p>
+        </p:txBody>
+      </p:sp>
+      <p:sp>
+        <p:nvSpPr>
+          <p:cNvPr id="149" name="CustomShape 8"/>
+          <p:cNvSpPr/>
+          <p:nvPr/>
+        </p:nvSpPr>
+        <p:spPr>
+          <a:xfrm>
+            <a:off x="1457640" y="1433880"/>
+            <a:ext cx="936000" cy="488520"/>
+          </a:xfrm>
+          <a:prstGeom prst="rect">
+            <a:avLst/>
+          </a:prstGeom>
+          <a:solidFill>
+            <a:srgbClr val="2aaae2"/>
+          </a:solidFill>
+          <a:ln w="28440">
+            <a:noFill/>
+          </a:ln>
+        </p:spPr>
+        <p:style>
+          <a:lnRef idx="2">
+            <a:schemeClr val="accent1">
+              <a:shade val="50000"/>
+            </a:schemeClr>
+          </a:lnRef>
+          <a:fillRef idx="1">
+            <a:schemeClr val="accent1"/>
+          </a:fillRef>
+          <a:effectRef idx="0">
+            <a:schemeClr val="accent1"/>
+          </a:effectRef>
+          <a:fontRef idx="minor"/>
+        </p:style>
+        <p:txBody>
+          <a:bodyPr lIns="90000" rIns="90000" tIns="45000" bIns="45000" anchor="ctr"/>
+          <a:p>
+            <a:pPr algn="ctr">
+              <a:lnSpc>
+                <a:spcPct val="100000"/>
+              </a:lnSpc>
+            </a:pPr>
+            <a:r>
+              <a:rPr b="0" lang="en-US" sz="3200" spc="-1" strike="noStrike">
+                <a:solidFill>
+                  <a:srgbClr val="ffffff"/>
+                </a:solidFill>
+                <a:uFill>
+                  <a:solidFill>
+                    <a:srgbClr val="ffffff"/>
+                  </a:solidFill>
+                </a:uFill>
+                <a:latin typeface="微软雅黑"/>
+                <a:ea typeface="微软雅黑"/>
+              </a:rPr>
+              <a:t>1</a:t>
+            </a:r>
+            <a:endParaRPr b="0" lang="en-US" sz="1800" spc="-1" strike="noStrike">
+              <a:solidFill>
+                <a:srgbClr val="000000"/>
+              </a:solidFill>
+              <a:uFill>
+                <a:solidFill>
+                  <a:srgbClr val="ffffff"/>
+                </a:solidFill>
+              </a:uFill>
+              <a:latin typeface="Arial"/>
+            </a:endParaRPr>
+          </a:p>
+        </p:txBody>
+      </p:sp>
+      <p:sp>
+        <p:nvSpPr>
+          <p:cNvPr id="150" name="CustomShape 9"/>
+          <p:cNvSpPr/>
+          <p:nvPr/>
+        </p:nvSpPr>
+        <p:spPr>
+          <a:xfrm>
+            <a:off x="2638440" y="2715120"/>
+            <a:ext cx="7226280" cy="740880"/>
+          </a:xfrm>
+          <a:prstGeom prst="rect">
+            <a:avLst/>
+          </a:prstGeom>
+          <a:noFill/>
+          <a:ln>
+            <a:noFill/>
+          </a:ln>
+        </p:spPr>
+        <p:style>
+          <a:lnRef idx="0"/>
+          <a:fillRef idx="0"/>
+          <a:effectRef idx="0"/>
+          <a:fontRef idx="minor"/>
+        </p:style>
+        <p:txBody>
+          <a:bodyPr lIns="90000" rIns="90000" tIns="45000" bIns="45000"/>
+          <a:p>
+            <a:pPr>
+              <a:lnSpc>
+                <a:spcPct val="150000"/>
+              </a:lnSpc>
+            </a:pPr>
+            <a:r>
+              <a:rPr b="0" lang="en-US" sz="1400" spc="-1" strike="noStrike">
+                <a:solidFill>
+                  <a:srgbClr val="404040"/>
+                </a:solidFill>
+                <a:uFill>
+                  <a:solidFill>
+                    <a:srgbClr val="ffffff"/>
+                  </a:solidFill>
+                </a:uFill>
+                <a:latin typeface="微软雅黑"/>
+                <a:ea typeface="微软雅黑"/>
+              </a:rPr>
+              <a:t>大部分任务在</a:t>
+            </a:r>
+            <a:r>
+              <a:rPr b="0" lang="en-US" sz="1400" spc="-1" strike="noStrike">
+                <a:solidFill>
+                  <a:srgbClr val="404040"/>
+                </a:solidFill>
+                <a:uFill>
+                  <a:solidFill>
+                    <a:srgbClr val="ffffff"/>
+                  </a:solidFill>
+                </a:uFill>
+                <a:latin typeface="微软雅黑"/>
+                <a:ea typeface="微软雅黑"/>
+              </a:rPr>
+              <a:t>1</a:t>
+            </a:r>
+            <a:r>
+              <a:rPr b="0" lang="en-US" sz="1400" spc="-1" strike="noStrike">
+                <a:solidFill>
+                  <a:srgbClr val="404040"/>
+                </a:solidFill>
+                <a:uFill>
+                  <a:solidFill>
+                    <a:srgbClr val="ffffff"/>
+                  </a:solidFill>
+                </a:uFill>
+                <a:latin typeface="微软雅黑"/>
+                <a:ea typeface="微软雅黑"/>
+              </a:rPr>
+              <a:t>周左右完成，小部分任务因为任务量或者排期需要</a:t>
+            </a:r>
+            <a:r>
+              <a:rPr b="0" lang="en-US" sz="1400" spc="-1" strike="noStrike">
+                <a:solidFill>
+                  <a:srgbClr val="404040"/>
+                </a:solidFill>
+                <a:uFill>
+                  <a:solidFill>
+                    <a:srgbClr val="ffffff"/>
+                  </a:solidFill>
+                </a:uFill>
+                <a:latin typeface="微软雅黑"/>
+                <a:ea typeface="微软雅黑"/>
+              </a:rPr>
+              <a:t>2</a:t>
+            </a:r>
+            <a:r>
+              <a:rPr b="0" lang="en-US" sz="1400" spc="-1" strike="noStrike">
+                <a:solidFill>
+                  <a:srgbClr val="404040"/>
+                </a:solidFill>
+                <a:uFill>
+                  <a:solidFill>
+                    <a:srgbClr val="ffffff"/>
+                  </a:solidFill>
+                </a:uFill>
+                <a:latin typeface="微软雅黑"/>
+                <a:ea typeface="微软雅黑"/>
+              </a:rPr>
+              <a:t>周。</a:t>
             </a:r>
             <a:endParaRPr b="0" lang="en-US" sz="1800" spc="-1" strike="noStrike">
               <a:solidFill>
@@ -19269,7 +19735,7 @@
                 <a:latin typeface="微软雅黑"/>
                 <a:ea typeface="微软雅黑"/>
               </a:rPr>
-              <a:t>4</a:t>
+              <a:t>3</a:t>
             </a:r>
             <a:r>
               <a:rPr b="0" lang="en-US" sz="1400" spc="-1" strike="noStrike">
@@ -19326,8 +19792,8 @@
         </p:nvSpPr>
         <p:spPr>
           <a:xfrm>
-            <a:off x="1457640" y="2624760"/>
-            <a:ext cx="945000" cy="488880"/>
+            <a:off x="1457640" y="2732760"/>
+            <a:ext cx="944640" cy="488520"/>
           </a:xfrm>
           <a:prstGeom prst="rect">
             <a:avLst/>
@@ -19398,8 +19864,8 @@
         </p:nvSpPr>
         <p:spPr>
           <a:xfrm>
-            <a:off x="2638440" y="3934440"/>
-            <a:ext cx="7226640" cy="972720"/>
+            <a:off x="2638440" y="4006440"/>
+            <a:ext cx="7226280" cy="972360"/>
           </a:xfrm>
           <a:prstGeom prst="rect">
             <a:avLst/>
@@ -19494,7 +19960,7 @@
         <p:spPr>
           <a:xfrm>
             <a:off x="1457640" y="4060080"/>
-            <a:ext cx="945000" cy="488880"/>
+            <a:ext cx="944640" cy="488520"/>
           </a:xfrm>
           <a:prstGeom prst="rect">
             <a:avLst/>
@@ -19607,7 +20073,7 @@
         <p:spPr>
           <a:xfrm>
             <a:off x="0" y="205200"/>
-            <a:ext cx="12191400" cy="600120"/>
+            <a:ext cx="12191040" cy="599760"/>
           </a:xfrm>
           <a:prstGeom prst="rect">
             <a:avLst/>
@@ -19643,7 +20109,7 @@
         <p:spPr>
           <a:xfrm flipH="1">
             <a:off x="265680" y="806040"/>
-            <a:ext cx="311400" cy="88560"/>
+            <a:ext cx="311040" cy="88200"/>
           </a:xfrm>
           <a:custGeom>
             <a:avLst/>
@@ -19701,8 +20167,8 @@
         </p:nvSpPr>
         <p:spPr>
           <a:xfrm flipV="1">
-            <a:off x="1457280" y="115560"/>
-            <a:ext cx="311400" cy="88560"/>
+            <a:off x="1457280" y="114840"/>
+            <a:ext cx="311040" cy="88200"/>
           </a:xfrm>
           <a:custGeom>
             <a:avLst/>
@@ -19761,7 +20227,7 @@
         <p:spPr>
           <a:xfrm flipH="1">
             <a:off x="311760" y="116280"/>
-            <a:ext cx="1402200" cy="778680"/>
+            <a:ext cx="1401840" cy="778320"/>
           </a:xfrm>
           <a:prstGeom prst="parallelogram">
             <a:avLst>
@@ -19799,7 +20265,7 @@
         <p:spPr>
           <a:xfrm>
             <a:off x="302040" y="244080"/>
-            <a:ext cx="1323360" cy="516600"/>
+            <a:ext cx="1323000" cy="516240"/>
           </a:xfrm>
           <a:prstGeom prst="rect">
             <a:avLst/>
@@ -19861,7 +20327,7 @@
         <p:spPr>
           <a:xfrm>
             <a:off x="2021400" y="244080"/>
-            <a:ext cx="2500560" cy="515880"/>
+            <a:ext cx="2500200" cy="515520"/>
           </a:xfrm>
           <a:prstGeom prst="rect">
             <a:avLst/>
@@ -19886,7 +20352,7 @@
               </a:lnSpc>
             </a:pPr>
             <a:r>
-              <a:rPr b="0" lang="en-US" sz="2800" spc="296" strike="noStrike">
+              <a:rPr b="0" lang="en-US" sz="2800" spc="293" strike="noStrike">
                 <a:solidFill>
                   <a:srgbClr val="ffffff"/>
                 </a:solidFill>
@@ -19922,7 +20388,7 @@
         </p:nvGraphicFramePr>
         <p:xfrm>
           <a:off x="1981080" y="1168560"/>
-          <a:ext cx="8228880" cy="4520520"/>
+          <a:ext cx="8228520" cy="4520160"/>
         </p:xfrm>
         <a:graphic>
           <a:graphicData uri="http://schemas.openxmlformats.org/drawingml/2006/chart">
@@ -19939,7 +20405,7 @@
         <p:spPr>
           <a:xfrm>
             <a:off x="4727520" y="1168560"/>
-            <a:ext cx="3999240" cy="515880"/>
+            <a:ext cx="3998880" cy="515520"/>
           </a:xfrm>
           <a:prstGeom prst="rect">
             <a:avLst/>
@@ -20052,7 +20518,7 @@
         <p:spPr>
           <a:xfrm>
             <a:off x="0" y="2462040"/>
-            <a:ext cx="12191400" cy="1895040"/>
+            <a:ext cx="12191040" cy="1894680"/>
           </a:xfrm>
           <a:prstGeom prst="rect">
             <a:avLst/>
@@ -20086,7 +20552,7 @@
         <p:spPr>
           <a:xfrm>
             <a:off x="3714120" y="2202480"/>
-            <a:ext cx="257760" cy="258840"/>
+            <a:ext cx="257400" cy="258480"/>
           </a:xfrm>
           <a:custGeom>
             <a:avLst/>
@@ -20139,7 +20605,7 @@
         <p:spPr>
           <a:xfrm flipV="1">
             <a:off x="510120" y="4356720"/>
-            <a:ext cx="262800" cy="263880"/>
+            <a:ext cx="262440" cy="263520"/>
           </a:xfrm>
           <a:custGeom>
             <a:avLst/>
@@ -20192,7 +20658,7 @@
         <p:spPr>
           <a:xfrm>
             <a:off x="639000" y="2203200"/>
-            <a:ext cx="3208680" cy="2412360"/>
+            <a:ext cx="3208320" cy="2412000"/>
           </a:xfrm>
           <a:prstGeom prst="parallelogram">
             <a:avLst>
@@ -20230,7 +20696,7 @@
         <p:spPr>
           <a:xfrm>
             <a:off x="1487520" y="2531520"/>
-            <a:ext cx="1762200" cy="1715760"/>
+            <a:ext cx="1761840" cy="1715400"/>
           </a:xfrm>
           <a:prstGeom prst="rect">
             <a:avLst/>
@@ -20292,7 +20758,7 @@
         <p:spPr>
           <a:xfrm>
             <a:off x="4446720" y="2928960"/>
-            <a:ext cx="6733080" cy="913680"/>
+            <a:ext cx="6732720" cy="913320"/>
           </a:xfrm>
           <a:prstGeom prst="rect">
             <a:avLst/>
@@ -20403,7 +20869,7 @@
         <p:spPr>
           <a:xfrm>
             <a:off x="0" y="205200"/>
-            <a:ext cx="12191400" cy="600120"/>
+            <a:ext cx="12191040" cy="599760"/>
           </a:xfrm>
           <a:prstGeom prst="rect">
             <a:avLst/>
@@ -20439,7 +20905,7 @@
         <p:spPr>
           <a:xfrm flipH="1">
             <a:off x="265680" y="806040"/>
-            <a:ext cx="311400" cy="88560"/>
+            <a:ext cx="311040" cy="88200"/>
           </a:xfrm>
           <a:custGeom>
             <a:avLst/>
@@ -20497,8 +20963,8 @@
         </p:nvSpPr>
         <p:spPr>
           <a:xfrm flipV="1">
-            <a:off x="1457280" y="115560"/>
-            <a:ext cx="311400" cy="88560"/>
+            <a:off x="1457280" y="114840"/>
+            <a:ext cx="311040" cy="88200"/>
           </a:xfrm>
           <a:custGeom>
             <a:avLst/>
@@ -20557,7 +21023,7 @@
         <p:spPr>
           <a:xfrm flipH="1">
             <a:off x="311760" y="116280"/>
-            <a:ext cx="1402200" cy="778680"/>
+            <a:ext cx="1401840" cy="778320"/>
           </a:xfrm>
           <a:prstGeom prst="parallelogram">
             <a:avLst>
@@ -20595,7 +21061,7 @@
         <p:spPr>
           <a:xfrm>
             <a:off x="302040" y="244080"/>
-            <a:ext cx="1323360" cy="516600"/>
+            <a:ext cx="1323000" cy="516240"/>
           </a:xfrm>
           <a:prstGeom prst="rect">
             <a:avLst/>
@@ -20657,7 +21123,7 @@
         <p:spPr>
           <a:xfrm>
             <a:off x="2021400" y="244080"/>
-            <a:ext cx="2500560" cy="515880"/>
+            <a:ext cx="2500200" cy="515520"/>
           </a:xfrm>
           <a:prstGeom prst="rect">
             <a:avLst/>
@@ -20682,7 +21148,7 @@
               </a:lnSpc>
             </a:pPr>
             <a:r>
-              <a:rPr b="0" lang="en-US" sz="2800" spc="296" strike="noStrike">
+              <a:rPr b="0" lang="en-US" sz="2800" spc="293" strike="noStrike">
                 <a:solidFill>
                   <a:srgbClr val="ffffff"/>
                 </a:solidFill>
@@ -20719,7 +21185,7 @@
         <p:spPr>
           <a:xfrm>
             <a:off x="650520" y="3221640"/>
-            <a:ext cx="3458160" cy="869040"/>
+            <a:ext cx="3457800" cy="868680"/>
           </a:xfrm>
           <a:custGeom>
             <a:avLst/>
@@ -20865,7 +21331,7 @@
         <p:spPr>
           <a:xfrm>
             <a:off x="4964400" y="1837440"/>
-            <a:ext cx="4955040" cy="425880"/>
+            <a:ext cx="4954680" cy="425520"/>
           </a:xfrm>
           <a:prstGeom prst="rect">
             <a:avLst/>
@@ -20886,7 +21352,7 @@
           <a:p>
             <a:pPr algn="just">
               <a:lnSpc>
-                <a:spcPts val="249"/>
+                <a:spcPts val="88"/>
               </a:lnSpc>
             </a:pPr>
             <a:r>
@@ -20927,7 +21393,7 @@
         <p:spPr>
           <a:xfrm>
             <a:off x="644760" y="1529640"/>
-            <a:ext cx="3458160" cy="869040"/>
+            <a:ext cx="3457800" cy="868680"/>
           </a:xfrm>
           <a:custGeom>
             <a:avLst/>
@@ -21073,7 +21539,7 @@
         <p:spPr>
           <a:xfrm>
             <a:off x="669600" y="4987440"/>
-            <a:ext cx="3458160" cy="869040"/>
+            <a:ext cx="3457800" cy="868680"/>
           </a:xfrm>
           <a:custGeom>
             <a:avLst/>
@@ -21219,7 +21685,7 @@
         <p:spPr>
           <a:xfrm>
             <a:off x="1290960" y="1754640"/>
-            <a:ext cx="2297520" cy="447120"/>
+            <a:ext cx="2297160" cy="446760"/>
           </a:xfrm>
           <a:prstGeom prst="rect">
             <a:avLst/>
@@ -21281,7 +21747,7 @@
         <p:spPr>
           <a:xfrm>
             <a:off x="1297080" y="3430800"/>
-            <a:ext cx="2297520" cy="447120"/>
+            <a:ext cx="2297160" cy="446760"/>
           </a:xfrm>
           <a:prstGeom prst="rect">
             <a:avLst/>
@@ -21343,7 +21809,7 @@
         <p:spPr>
           <a:xfrm>
             <a:off x="1278000" y="5234760"/>
-            <a:ext cx="2297520" cy="447120"/>
+            <a:ext cx="2297160" cy="446760"/>
           </a:xfrm>
           <a:prstGeom prst="rect">
             <a:avLst/>
@@ -21404,13 +21870,13 @@
         </p:nvPicPr>
         <p:blipFill>
           <a:blip r:embed="rId1"/>
-          <a:srcRect l="17316" t="24131" r="20304" b="10600"/>
+          <a:srcRect l="17319" t="24134" r="20308" b="10602"/>
           <a:stretch/>
         </p:blipFill>
         <p:spPr>
           <a:xfrm rot="16200000">
-            <a:off x="6336000" y="3242160"/>
-            <a:ext cx="2164320" cy="4907520"/>
+            <a:off x="6336000" y="3242520"/>
+            <a:ext cx="2163960" cy="4907160"/>
           </a:xfrm>
           <a:prstGeom prst="rect">
             <a:avLst/>
@@ -21429,7 +21895,7 @@
         <p:spPr>
           <a:xfrm>
             <a:off x="4964400" y="3017880"/>
-            <a:ext cx="5589000" cy="1369080"/>
+            <a:ext cx="5588640" cy="1368720"/>
           </a:xfrm>
           <a:prstGeom prst="rect">
             <a:avLst/>
@@ -21621,7 +22087,7 @@
         <p:spPr>
           <a:xfrm>
             <a:off x="0" y="205200"/>
-            <a:ext cx="12191400" cy="600120"/>
+            <a:ext cx="12191040" cy="599760"/>
           </a:xfrm>
           <a:prstGeom prst="rect">
             <a:avLst/>
@@ -21657,7 +22123,7 @@
         <p:spPr>
           <a:xfrm flipH="1">
             <a:off x="265680" y="806040"/>
-            <a:ext cx="311400" cy="88560"/>
+            <a:ext cx="311040" cy="88200"/>
           </a:xfrm>
           <a:custGeom>
             <a:avLst/>
@@ -21715,8 +22181,8 @@
         </p:nvSpPr>
         <p:spPr>
           <a:xfrm flipV="1">
-            <a:off x="1457280" y="115560"/>
-            <a:ext cx="311400" cy="88560"/>
+            <a:off x="1457280" y="114840"/>
+            <a:ext cx="311040" cy="88200"/>
           </a:xfrm>
           <a:custGeom>
             <a:avLst/>
@@ -21775,7 +22241,7 @@
         <p:spPr>
           <a:xfrm flipH="1">
             <a:off x="311760" y="116280"/>
-            <a:ext cx="1402200" cy="778680"/>
+            <a:ext cx="1401840" cy="778320"/>
           </a:xfrm>
           <a:prstGeom prst="parallelogram">
             <a:avLst>
@@ -21813,7 +22279,7 @@
         <p:spPr>
           <a:xfrm>
             <a:off x="302040" y="244080"/>
-            <a:ext cx="1323360" cy="516600"/>
+            <a:ext cx="1323000" cy="516240"/>
           </a:xfrm>
           <a:prstGeom prst="rect">
             <a:avLst/>
@@ -21875,7 +22341,7 @@
         <p:spPr>
           <a:xfrm>
             <a:off x="1964880" y="244080"/>
-            <a:ext cx="3680280" cy="515880"/>
+            <a:ext cx="3679920" cy="515520"/>
           </a:xfrm>
           <a:prstGeom prst="rect">
             <a:avLst/>
@@ -21900,7 +22366,7 @@
               </a:lnSpc>
             </a:pPr>
             <a:r>
-              <a:rPr b="0" lang="en-US" sz="2800" spc="296" strike="noStrike">
+              <a:rPr b="0" lang="en-US" sz="2800" spc="293" strike="noStrike">
                 <a:solidFill>
                   <a:srgbClr val="ffffff"/>
                 </a:solidFill>
@@ -21937,7 +22403,7 @@
         <p:spPr>
           <a:xfrm>
             <a:off x="502920" y="1266840"/>
-            <a:ext cx="4440240" cy="4868280"/>
+            <a:ext cx="4439880" cy="4867920"/>
           </a:xfrm>
           <a:prstGeom prst="rect">
             <a:avLst/>
@@ -21979,7 +22445,7 @@
         <p:spPr>
           <a:xfrm>
             <a:off x="652320" y="1390680"/>
-            <a:ext cx="4159440" cy="4239720"/>
+            <a:ext cx="4159080" cy="4239360"/>
           </a:xfrm>
           <a:prstGeom prst="rect">
             <a:avLst/>
@@ -22295,8 +22761,8 @@
         </p:nvSpPr>
         <p:spPr>
           <a:xfrm rot="5400000">
-            <a:off x="5624280" y="2895480"/>
-            <a:ext cx="801720" cy="1828080"/>
+            <a:off x="5624640" y="2895480"/>
+            <a:ext cx="801360" cy="1827720"/>
           </a:xfrm>
           <a:custGeom>
             <a:avLst/>
@@ -22361,7 +22827,7 @@
         <p:spPr>
           <a:xfrm>
             <a:off x="5203080" y="3601800"/>
-            <a:ext cx="1400040" cy="455040"/>
+            <a:ext cx="1399680" cy="454680"/>
           </a:xfrm>
           <a:prstGeom prst="rect">
             <a:avLst/>
@@ -22423,7 +22889,7 @@
         <p:spPr>
           <a:xfrm>
             <a:off x="8012880" y="1492200"/>
-            <a:ext cx="3397320" cy="982800"/>
+            <a:ext cx="3396960" cy="982440"/>
           </a:xfrm>
           <a:prstGeom prst="rect">
             <a:avLst/>
@@ -22518,7 +22984,7 @@
         <p:spPr>
           <a:xfrm>
             <a:off x="7419960" y="1614600"/>
-            <a:ext cx="465480" cy="488880"/>
+            <a:ext cx="465120" cy="488520"/>
           </a:xfrm>
           <a:prstGeom prst="rect">
             <a:avLst/>
@@ -22590,7 +23056,7 @@
         <p:spPr>
           <a:xfrm>
             <a:off x="8002080" y="2526120"/>
-            <a:ext cx="3408120" cy="1651680"/>
+            <a:ext cx="3407760" cy="1651320"/>
           </a:xfrm>
           <a:prstGeom prst="rect">
             <a:avLst/>
@@ -22685,7 +23151,7 @@
         <p:spPr>
           <a:xfrm>
             <a:off x="7419960" y="2651760"/>
-            <a:ext cx="465480" cy="488880"/>
+            <a:ext cx="465120" cy="488520"/>
           </a:xfrm>
           <a:prstGeom prst="rect">
             <a:avLst/>
@@ -22757,7 +23223,7 @@
         <p:spPr>
           <a:xfrm>
             <a:off x="8002080" y="4188600"/>
-            <a:ext cx="3408120" cy="1986480"/>
+            <a:ext cx="3407760" cy="1986120"/>
           </a:xfrm>
           <a:prstGeom prst="rect">
             <a:avLst/>
@@ -22942,7 +23408,7 @@
         <p:spPr>
           <a:xfrm>
             <a:off x="7419960" y="4314240"/>
-            <a:ext cx="465480" cy="488880"/>
+            <a:ext cx="465120" cy="488520"/>
           </a:xfrm>
           <a:prstGeom prst="rect">
             <a:avLst/>

--- a/doc/zzdb.pptx
+++ b/doc/zzdb.pptx
@@ -39,7 +39,7 @@
 </p:cmAuthorLst>
 </file>
 
-<file path=ppt/charts/chart57.xml><?xml version="1.0" encoding="utf-8"?>
+<file path=ppt/charts/chart20.xml><?xml version="1.0" encoding="utf-8"?>
 <c:chartSpace xmlns:c="http://schemas.openxmlformats.org/drawingml/2006/chart" xmlns:a="http://schemas.openxmlformats.org/drawingml/2006/main" xmlns:r="http://schemas.openxmlformats.org/officeDocument/2006/relationships">
   <c:lang val="en-US"/>
   <c:roundedCorners val="0"/>
@@ -372,11 +372,11 @@
           </c:spPr>
         </c:hiLowLines>
         <c:marker val="1"/>
-        <c:axId val="35384815"/>
-        <c:axId val="75738139"/>
+        <c:axId val="8880380"/>
+        <c:axId val="93577480"/>
       </c:lineChart>
       <c:catAx>
-        <c:axId val="35384815"/>
+        <c:axId val="8880380"/>
         <c:scaling>
           <c:orientation val="minMax"/>
         </c:scaling>
@@ -413,14 +413,14 @@
             </a:pPr>
           </a:p>
         </c:txPr>
-        <c:crossAx val="75738139"/>
+        <c:crossAx val="93577480"/>
         <c:crosses val="autoZero"/>
         <c:auto val="1"/>
         <c:lblAlgn val="ctr"/>
         <c:lblOffset val="100"/>
       </c:catAx>
       <c:valAx>
-        <c:axId val="75738139"/>
+        <c:axId val="93577480"/>
         <c:scaling>
           <c:orientation val="minMax"/>
         </c:scaling>
@@ -464,7 +464,7 @@
             </a:pPr>
           </a:p>
         </c:txPr>
-        <c:crossAx val="35384815"/>
+        <c:crossAx val="8880380"/>
         <c:crosses val="autoZero"/>
         <c:crossBetween val="midCat"/>
       </c:valAx>
@@ -747,7 +747,7 @@
           <a:bodyPr lIns="0" rIns="0" tIns="0" bIns="0" anchor="b"/>
           <a:p>
             <a:pPr algn="r"/>
-            <a:fld id="{3B041334-9E1B-48A3-B6A6-9012740F4AC3}" type="slidenum">
+            <a:fld id="{D0B07676-3DF1-454D-A069-AD2CB1A74AA5}" type="slidenum">
               <a:rPr b="0" lang="en-US" sz="1400" spc="-1" strike="noStrike">
                 <a:solidFill>
                   <a:srgbClr val="000000"/>
@@ -800,7 +800,7 @@
       </p:grpSpPr>
       <p:sp>
         <p:nvSpPr>
-          <p:cNvPr id="338" name="PlaceHolder 1"/>
+          <p:cNvPr id="322" name="PlaceHolder 1"/>
           <p:cNvSpPr>
             <a:spLocks noGrp="1"/>
           </p:cNvSpPr>
@@ -811,7 +811,7 @@
         <p:spPr>
           <a:xfrm>
             <a:off x="685800" y="4400640"/>
-            <a:ext cx="5485320" cy="3599280"/>
+            <a:ext cx="5484960" cy="3598920"/>
           </a:xfrm>
           <a:prstGeom prst="rect">
             <a:avLst/>
@@ -836,14 +836,14 @@
       </p:sp>
       <p:sp>
         <p:nvSpPr>
-          <p:cNvPr id="339" name="CustomShape 2"/>
+          <p:cNvPr id="323" name="CustomShape 2"/>
           <p:cNvSpPr/>
           <p:nvPr/>
         </p:nvSpPr>
         <p:spPr>
           <a:xfrm>
             <a:off x="3884760" y="8685360"/>
-            <a:ext cx="2970720" cy="457560"/>
+            <a:ext cx="2970360" cy="457200"/>
           </a:xfrm>
           <a:prstGeom prst="rect">
             <a:avLst/>
@@ -884,7 +884,7 @@
       </p:grpSpPr>
       <p:sp>
         <p:nvSpPr>
-          <p:cNvPr id="354" name="PlaceHolder 1"/>
+          <p:cNvPr id="338" name="PlaceHolder 1"/>
           <p:cNvSpPr>
             <a:spLocks noGrp="1"/>
           </p:cNvSpPr>
@@ -895,7 +895,7 @@
         <p:spPr>
           <a:xfrm>
             <a:off x="685800" y="4400640"/>
-            <a:ext cx="5485320" cy="3599280"/>
+            <a:ext cx="5484960" cy="3598920"/>
           </a:xfrm>
           <a:prstGeom prst="rect">
             <a:avLst/>
@@ -920,14 +920,14 @@
       </p:sp>
       <p:sp>
         <p:nvSpPr>
-          <p:cNvPr id="355" name="CustomShape 2"/>
+          <p:cNvPr id="339" name="CustomShape 2"/>
           <p:cNvSpPr/>
           <p:nvPr/>
         </p:nvSpPr>
         <p:spPr>
           <a:xfrm>
             <a:off x="3884760" y="8685360"/>
-            <a:ext cx="2970720" cy="457560"/>
+            <a:ext cx="2970360" cy="457200"/>
           </a:xfrm>
           <a:prstGeom prst="rect">
             <a:avLst/>
@@ -968,7 +968,7 @@
       </p:grpSpPr>
       <p:sp>
         <p:nvSpPr>
-          <p:cNvPr id="356" name="PlaceHolder 1"/>
+          <p:cNvPr id="340" name="PlaceHolder 1"/>
           <p:cNvSpPr>
             <a:spLocks noGrp="1"/>
           </p:cNvSpPr>
@@ -979,7 +979,7 @@
         <p:spPr>
           <a:xfrm>
             <a:off x="685800" y="4400640"/>
-            <a:ext cx="5485320" cy="3599280"/>
+            <a:ext cx="5484960" cy="3598920"/>
           </a:xfrm>
           <a:prstGeom prst="rect">
             <a:avLst/>
@@ -1004,14 +1004,14 @@
       </p:sp>
       <p:sp>
         <p:nvSpPr>
-          <p:cNvPr id="357" name="CustomShape 2"/>
+          <p:cNvPr id="341" name="CustomShape 2"/>
           <p:cNvSpPr/>
           <p:nvPr/>
         </p:nvSpPr>
         <p:spPr>
           <a:xfrm>
             <a:off x="3884760" y="8685360"/>
-            <a:ext cx="2970720" cy="457560"/>
+            <a:ext cx="2970360" cy="457200"/>
           </a:xfrm>
           <a:prstGeom prst="rect">
             <a:avLst/>
@@ -1052,7 +1052,7 @@
       </p:grpSpPr>
       <p:sp>
         <p:nvSpPr>
-          <p:cNvPr id="358" name="PlaceHolder 1"/>
+          <p:cNvPr id="342" name="PlaceHolder 1"/>
           <p:cNvSpPr>
             <a:spLocks noGrp="1"/>
           </p:cNvSpPr>
@@ -1063,7 +1063,7 @@
         <p:spPr>
           <a:xfrm>
             <a:off x="685800" y="4400640"/>
-            <a:ext cx="5485320" cy="3599280"/>
+            <a:ext cx="5484960" cy="3598920"/>
           </a:xfrm>
           <a:prstGeom prst="rect">
             <a:avLst/>
@@ -1088,14 +1088,14 @@
       </p:sp>
       <p:sp>
         <p:nvSpPr>
-          <p:cNvPr id="359" name="CustomShape 2"/>
+          <p:cNvPr id="343" name="CustomShape 2"/>
           <p:cNvSpPr/>
           <p:nvPr/>
         </p:nvSpPr>
         <p:spPr>
           <a:xfrm>
             <a:off x="3884760" y="8685360"/>
-            <a:ext cx="2970720" cy="457560"/>
+            <a:ext cx="2970360" cy="457200"/>
           </a:xfrm>
           <a:prstGeom prst="rect">
             <a:avLst/>
@@ -1136,7 +1136,7 @@
       </p:grpSpPr>
       <p:sp>
         <p:nvSpPr>
-          <p:cNvPr id="360" name="PlaceHolder 1"/>
+          <p:cNvPr id="344" name="PlaceHolder 1"/>
           <p:cNvSpPr>
             <a:spLocks noGrp="1"/>
           </p:cNvSpPr>
@@ -1147,7 +1147,7 @@
         <p:spPr>
           <a:xfrm>
             <a:off x="685800" y="4400640"/>
-            <a:ext cx="5485320" cy="3599280"/>
+            <a:ext cx="5484960" cy="3598920"/>
           </a:xfrm>
           <a:prstGeom prst="rect">
             <a:avLst/>
@@ -1172,14 +1172,14 @@
       </p:sp>
       <p:sp>
         <p:nvSpPr>
-          <p:cNvPr id="361" name="CustomShape 2"/>
+          <p:cNvPr id="345" name="CustomShape 2"/>
           <p:cNvSpPr/>
           <p:nvPr/>
         </p:nvSpPr>
         <p:spPr>
           <a:xfrm>
             <a:off x="3884760" y="8685360"/>
-            <a:ext cx="2970720" cy="457560"/>
+            <a:ext cx="2970360" cy="457200"/>
           </a:xfrm>
           <a:prstGeom prst="rect">
             <a:avLst/>
@@ -1220,7 +1220,7 @@
       </p:grpSpPr>
       <p:sp>
         <p:nvSpPr>
-          <p:cNvPr id="362" name="PlaceHolder 1"/>
+          <p:cNvPr id="346" name="PlaceHolder 1"/>
           <p:cNvSpPr>
             <a:spLocks noGrp="1"/>
           </p:cNvSpPr>
@@ -1231,7 +1231,7 @@
         <p:spPr>
           <a:xfrm>
             <a:off x="685800" y="4400640"/>
-            <a:ext cx="5485320" cy="3599280"/>
+            <a:ext cx="5484960" cy="3598920"/>
           </a:xfrm>
           <a:prstGeom prst="rect">
             <a:avLst/>
@@ -1256,14 +1256,14 @@
       </p:sp>
       <p:sp>
         <p:nvSpPr>
-          <p:cNvPr id="363" name="CustomShape 2"/>
+          <p:cNvPr id="347" name="CustomShape 2"/>
           <p:cNvSpPr/>
           <p:nvPr/>
         </p:nvSpPr>
         <p:spPr>
           <a:xfrm>
             <a:off x="3884760" y="8685360"/>
-            <a:ext cx="2970720" cy="457560"/>
+            <a:ext cx="2970360" cy="457200"/>
           </a:xfrm>
           <a:prstGeom prst="rect">
             <a:avLst/>
@@ -1304,7 +1304,7 @@
       </p:grpSpPr>
       <p:sp>
         <p:nvSpPr>
-          <p:cNvPr id="364" name="PlaceHolder 1"/>
+          <p:cNvPr id="348" name="PlaceHolder 1"/>
           <p:cNvSpPr>
             <a:spLocks noGrp="1"/>
           </p:cNvSpPr>
@@ -1315,7 +1315,7 @@
         <p:spPr>
           <a:xfrm>
             <a:off x="685800" y="4400640"/>
-            <a:ext cx="5485320" cy="3599280"/>
+            <a:ext cx="5484960" cy="3598920"/>
           </a:xfrm>
           <a:prstGeom prst="rect">
             <a:avLst/>
@@ -1340,14 +1340,14 @@
       </p:sp>
       <p:sp>
         <p:nvSpPr>
-          <p:cNvPr id="365" name="CustomShape 2"/>
+          <p:cNvPr id="349" name="CustomShape 2"/>
           <p:cNvSpPr/>
           <p:nvPr/>
         </p:nvSpPr>
         <p:spPr>
           <a:xfrm>
             <a:off x="3884760" y="8685360"/>
-            <a:ext cx="2970720" cy="457560"/>
+            <a:ext cx="2970360" cy="457200"/>
           </a:xfrm>
           <a:prstGeom prst="rect">
             <a:avLst/>
@@ -1388,7 +1388,7 @@
       </p:grpSpPr>
       <p:sp>
         <p:nvSpPr>
-          <p:cNvPr id="366" name="PlaceHolder 1"/>
+          <p:cNvPr id="350" name="PlaceHolder 1"/>
           <p:cNvSpPr>
             <a:spLocks noGrp="1"/>
           </p:cNvSpPr>
@@ -1399,7 +1399,7 @@
         <p:spPr>
           <a:xfrm>
             <a:off x="685800" y="4400640"/>
-            <a:ext cx="5485320" cy="3599280"/>
+            <a:ext cx="5484960" cy="3598920"/>
           </a:xfrm>
           <a:prstGeom prst="rect">
             <a:avLst/>
@@ -1424,14 +1424,14 @@
       </p:sp>
       <p:sp>
         <p:nvSpPr>
-          <p:cNvPr id="367" name="CustomShape 2"/>
+          <p:cNvPr id="351" name="CustomShape 2"/>
           <p:cNvSpPr/>
           <p:nvPr/>
         </p:nvSpPr>
         <p:spPr>
           <a:xfrm>
             <a:off x="3884760" y="8685360"/>
-            <a:ext cx="2970720" cy="457560"/>
+            <a:ext cx="2970360" cy="457200"/>
           </a:xfrm>
           <a:prstGeom prst="rect">
             <a:avLst/>
@@ -1472,7 +1472,7 @@
       </p:grpSpPr>
       <p:sp>
         <p:nvSpPr>
-          <p:cNvPr id="368" name="PlaceHolder 1"/>
+          <p:cNvPr id="352" name="PlaceHolder 1"/>
           <p:cNvSpPr>
             <a:spLocks noGrp="1"/>
           </p:cNvSpPr>
@@ -1483,7 +1483,7 @@
         <p:spPr>
           <a:xfrm>
             <a:off x="685800" y="4400640"/>
-            <a:ext cx="5485320" cy="3599280"/>
+            <a:ext cx="5484960" cy="3598920"/>
           </a:xfrm>
           <a:prstGeom prst="rect">
             <a:avLst/>
@@ -1508,14 +1508,14 @@
       </p:sp>
       <p:sp>
         <p:nvSpPr>
-          <p:cNvPr id="369" name="CustomShape 2"/>
+          <p:cNvPr id="353" name="CustomShape 2"/>
           <p:cNvSpPr/>
           <p:nvPr/>
         </p:nvSpPr>
         <p:spPr>
           <a:xfrm>
             <a:off x="3884760" y="8685360"/>
-            <a:ext cx="2970720" cy="457560"/>
+            <a:ext cx="2970360" cy="457200"/>
           </a:xfrm>
           <a:prstGeom prst="rect">
             <a:avLst/>
@@ -1556,7 +1556,7 @@
       </p:grpSpPr>
       <p:sp>
         <p:nvSpPr>
-          <p:cNvPr id="370" name="PlaceHolder 1"/>
+          <p:cNvPr id="354" name="PlaceHolder 1"/>
           <p:cNvSpPr>
             <a:spLocks noGrp="1"/>
           </p:cNvSpPr>
@@ -1567,7 +1567,7 @@
         <p:spPr>
           <a:xfrm>
             <a:off x="685800" y="4400640"/>
-            <a:ext cx="5485320" cy="3599280"/>
+            <a:ext cx="5484960" cy="3598920"/>
           </a:xfrm>
           <a:prstGeom prst="rect">
             <a:avLst/>
@@ -1592,14 +1592,14 @@
       </p:sp>
       <p:sp>
         <p:nvSpPr>
-          <p:cNvPr id="371" name="CustomShape 2"/>
+          <p:cNvPr id="355" name="CustomShape 2"/>
           <p:cNvSpPr/>
           <p:nvPr/>
         </p:nvSpPr>
         <p:spPr>
           <a:xfrm>
             <a:off x="3884760" y="8685360"/>
-            <a:ext cx="2970720" cy="457560"/>
+            <a:ext cx="2970360" cy="457200"/>
           </a:xfrm>
           <a:prstGeom prst="rect">
             <a:avLst/>
@@ -1640,7 +1640,7 @@
       </p:grpSpPr>
       <p:sp>
         <p:nvSpPr>
-          <p:cNvPr id="340" name="PlaceHolder 1"/>
+          <p:cNvPr id="324" name="PlaceHolder 1"/>
           <p:cNvSpPr>
             <a:spLocks noGrp="1"/>
           </p:cNvSpPr>
@@ -1651,7 +1651,7 @@
         <p:spPr>
           <a:xfrm>
             <a:off x="685800" y="4400640"/>
-            <a:ext cx="5485320" cy="3599280"/>
+            <a:ext cx="5484960" cy="3598920"/>
           </a:xfrm>
           <a:prstGeom prst="rect">
             <a:avLst/>
@@ -1676,14 +1676,14 @@
       </p:sp>
       <p:sp>
         <p:nvSpPr>
-          <p:cNvPr id="341" name="CustomShape 2"/>
+          <p:cNvPr id="325" name="CustomShape 2"/>
           <p:cNvSpPr/>
           <p:nvPr/>
         </p:nvSpPr>
         <p:spPr>
           <a:xfrm>
             <a:off x="3884760" y="8685360"/>
-            <a:ext cx="2970720" cy="457560"/>
+            <a:ext cx="2970360" cy="457200"/>
           </a:xfrm>
           <a:prstGeom prst="rect">
             <a:avLst/>
@@ -1724,7 +1724,7 @@
       </p:grpSpPr>
       <p:sp>
         <p:nvSpPr>
-          <p:cNvPr id="342" name="PlaceHolder 1"/>
+          <p:cNvPr id="326" name="PlaceHolder 1"/>
           <p:cNvSpPr>
             <a:spLocks noGrp="1"/>
           </p:cNvSpPr>
@@ -1735,7 +1735,7 @@
         <p:spPr>
           <a:xfrm>
             <a:off x="685800" y="4400640"/>
-            <a:ext cx="5485320" cy="3599280"/>
+            <a:ext cx="5484960" cy="3598920"/>
           </a:xfrm>
           <a:prstGeom prst="rect">
             <a:avLst/>
@@ -1760,14 +1760,14 @@
       </p:sp>
       <p:sp>
         <p:nvSpPr>
-          <p:cNvPr id="343" name="CustomShape 2"/>
+          <p:cNvPr id="327" name="CustomShape 2"/>
           <p:cNvSpPr/>
           <p:nvPr/>
         </p:nvSpPr>
         <p:spPr>
           <a:xfrm>
             <a:off x="3884760" y="8685360"/>
-            <a:ext cx="2970720" cy="457560"/>
+            <a:ext cx="2970360" cy="457200"/>
           </a:xfrm>
           <a:prstGeom prst="rect">
             <a:avLst/>
@@ -1808,7 +1808,7 @@
       </p:grpSpPr>
       <p:sp>
         <p:nvSpPr>
-          <p:cNvPr id="344" name="PlaceHolder 1"/>
+          <p:cNvPr id="328" name="PlaceHolder 1"/>
           <p:cNvSpPr>
             <a:spLocks noGrp="1"/>
           </p:cNvSpPr>
@@ -1819,7 +1819,7 @@
         <p:spPr>
           <a:xfrm>
             <a:off x="685800" y="4400640"/>
-            <a:ext cx="5485320" cy="3599280"/>
+            <a:ext cx="5484960" cy="3598920"/>
           </a:xfrm>
           <a:prstGeom prst="rect">
             <a:avLst/>
@@ -1844,14 +1844,14 @@
       </p:sp>
       <p:sp>
         <p:nvSpPr>
-          <p:cNvPr id="345" name="CustomShape 2"/>
+          <p:cNvPr id="329" name="CustomShape 2"/>
           <p:cNvSpPr/>
           <p:nvPr/>
         </p:nvSpPr>
         <p:spPr>
           <a:xfrm>
             <a:off x="3884760" y="8685360"/>
-            <a:ext cx="2970720" cy="457560"/>
+            <a:ext cx="2970360" cy="457200"/>
           </a:xfrm>
           <a:prstGeom prst="rect">
             <a:avLst/>
@@ -1892,7 +1892,7 @@
       </p:grpSpPr>
       <p:sp>
         <p:nvSpPr>
-          <p:cNvPr id="346" name="PlaceHolder 1"/>
+          <p:cNvPr id="330" name="PlaceHolder 1"/>
           <p:cNvSpPr>
             <a:spLocks noGrp="1"/>
           </p:cNvSpPr>
@@ -1903,7 +1903,7 @@
         <p:spPr>
           <a:xfrm>
             <a:off x="685800" y="4400640"/>
-            <a:ext cx="5485320" cy="3599280"/>
+            <a:ext cx="5484960" cy="3598920"/>
           </a:xfrm>
           <a:prstGeom prst="rect">
             <a:avLst/>
@@ -1928,14 +1928,14 @@
       </p:sp>
       <p:sp>
         <p:nvSpPr>
-          <p:cNvPr id="347" name="CustomShape 2"/>
+          <p:cNvPr id="331" name="CustomShape 2"/>
           <p:cNvSpPr/>
           <p:nvPr/>
         </p:nvSpPr>
         <p:spPr>
           <a:xfrm>
             <a:off x="3884760" y="8685360"/>
-            <a:ext cx="2970720" cy="457560"/>
+            <a:ext cx="2970360" cy="457200"/>
           </a:xfrm>
           <a:prstGeom prst="rect">
             <a:avLst/>
@@ -1976,7 +1976,7 @@
       </p:grpSpPr>
       <p:sp>
         <p:nvSpPr>
-          <p:cNvPr id="348" name="PlaceHolder 1"/>
+          <p:cNvPr id="332" name="PlaceHolder 1"/>
           <p:cNvSpPr>
             <a:spLocks noGrp="1"/>
           </p:cNvSpPr>
@@ -1987,7 +1987,7 @@
         <p:spPr>
           <a:xfrm>
             <a:off x="685800" y="4400640"/>
-            <a:ext cx="5485320" cy="3599280"/>
+            <a:ext cx="5484960" cy="3598920"/>
           </a:xfrm>
           <a:prstGeom prst="rect">
             <a:avLst/>
@@ -2012,14 +2012,14 @@
       </p:sp>
       <p:sp>
         <p:nvSpPr>
-          <p:cNvPr id="349" name="CustomShape 2"/>
+          <p:cNvPr id="333" name="CustomShape 2"/>
           <p:cNvSpPr/>
           <p:nvPr/>
         </p:nvSpPr>
         <p:spPr>
           <a:xfrm>
             <a:off x="3884760" y="8685360"/>
-            <a:ext cx="2970720" cy="457560"/>
+            <a:ext cx="2970360" cy="457200"/>
           </a:xfrm>
           <a:prstGeom prst="rect">
             <a:avLst/>
@@ -2060,7 +2060,7 @@
       </p:grpSpPr>
       <p:sp>
         <p:nvSpPr>
-          <p:cNvPr id="350" name="PlaceHolder 1"/>
+          <p:cNvPr id="334" name="PlaceHolder 1"/>
           <p:cNvSpPr>
             <a:spLocks noGrp="1"/>
           </p:cNvSpPr>
@@ -2071,7 +2071,7 @@
         <p:spPr>
           <a:xfrm>
             <a:off x="685800" y="4400640"/>
-            <a:ext cx="5485320" cy="3599280"/>
+            <a:ext cx="5484960" cy="3598920"/>
           </a:xfrm>
           <a:prstGeom prst="rect">
             <a:avLst/>
@@ -2096,14 +2096,14 @@
       </p:sp>
       <p:sp>
         <p:nvSpPr>
-          <p:cNvPr id="351" name="CustomShape 2"/>
+          <p:cNvPr id="335" name="CustomShape 2"/>
           <p:cNvSpPr/>
           <p:nvPr/>
         </p:nvSpPr>
         <p:spPr>
           <a:xfrm>
             <a:off x="3884760" y="8685360"/>
-            <a:ext cx="2970720" cy="457560"/>
+            <a:ext cx="2970360" cy="457200"/>
           </a:xfrm>
           <a:prstGeom prst="rect">
             <a:avLst/>
@@ -2144,7 +2144,7 @@
       </p:grpSpPr>
       <p:sp>
         <p:nvSpPr>
-          <p:cNvPr id="352" name="PlaceHolder 1"/>
+          <p:cNvPr id="336" name="PlaceHolder 1"/>
           <p:cNvSpPr>
             <a:spLocks noGrp="1"/>
           </p:cNvSpPr>
@@ -2155,7 +2155,7 @@
         <p:spPr>
           <a:xfrm>
             <a:off x="685800" y="4400640"/>
-            <a:ext cx="5485320" cy="3599280"/>
+            <a:ext cx="5484960" cy="3598920"/>
           </a:xfrm>
           <a:prstGeom prst="rect">
             <a:avLst/>
@@ -2180,14 +2180,14 @@
       </p:sp>
       <p:sp>
         <p:nvSpPr>
-          <p:cNvPr id="353" name="CustomShape 2"/>
+          <p:cNvPr id="337" name="CustomShape 2"/>
           <p:cNvSpPr/>
           <p:nvPr/>
         </p:nvSpPr>
         <p:spPr>
           <a:xfrm>
             <a:off x="3884760" y="8685360"/>
-            <a:ext cx="2970720" cy="457560"/>
+            <a:ext cx="2970360" cy="457200"/>
           </a:xfrm>
           <a:prstGeom prst="rect">
             <a:avLst/>
@@ -5909,7 +5909,7 @@
         <p:spPr>
           <a:xfrm>
             <a:off x="0" y="0"/>
-            <a:ext cx="12191040" cy="3528360"/>
+            <a:ext cx="12190680" cy="3528000"/>
           </a:xfrm>
           <a:prstGeom prst="rect">
             <a:avLst/>
@@ -5949,7 +5949,7 @@
         <p:spPr>
           <a:xfrm>
             <a:off x="1066680" y="345960"/>
-            <a:ext cx="10057320" cy="5086080"/>
+            <a:ext cx="10056960" cy="5085720"/>
           </a:xfrm>
           <a:prstGeom prst="rect">
             <a:avLst/>
@@ -5968,7 +5968,7 @@
         <p:spPr>
           <a:xfrm rot="21595200">
             <a:off x="2160" y="2990880"/>
-            <a:ext cx="12191400" cy="3334320"/>
+            <a:ext cx="12191040" cy="3333960"/>
           </a:xfrm>
           <a:prstGeom prst="rect">
             <a:avLst/>
@@ -6004,7 +6004,7 @@
         <p:spPr>
           <a:xfrm>
             <a:off x="2207160" y="3845880"/>
-            <a:ext cx="1140120" cy="1140120"/>
+            <a:ext cx="1139760" cy="1139760"/>
           </a:xfrm>
           <a:prstGeom prst="rect">
             <a:avLst/>
@@ -6017,7 +6017,7 @@
               </a:schemeClr>
             </a:solidFill>
             <a:custDash>
-              <a:ds d="1700000" sp="100000"/>
+              <a:ds d="3300000" sp="100000"/>
             </a:custDash>
             <a:round/>
           </a:ln>
@@ -6058,7 +6058,7 @@
               </a:schemeClr>
             </a:solidFill>
             <a:custDash>
-              <a:ds d="800000" sp="100000"/>
+              <a:ds d="1000000" sp="100000"/>
             </a:custDash>
             <a:round/>
           </a:ln>
@@ -6097,7 +6097,7 @@
               </a:schemeClr>
             </a:solidFill>
             <a:custDash>
-              <a:ds d="800000" sp="100000"/>
+              <a:ds d="1000000" sp="100000"/>
             </a:custDash>
             <a:round/>
           </a:ln>
@@ -6124,7 +6124,7 @@
         <p:spPr>
           <a:xfrm>
             <a:off x="3534480" y="3845880"/>
-            <a:ext cx="1140120" cy="1140120"/>
+            <a:ext cx="1139760" cy="1139760"/>
           </a:xfrm>
           <a:prstGeom prst="rect">
             <a:avLst/>
@@ -6137,7 +6137,7 @@
               </a:schemeClr>
             </a:solidFill>
             <a:custDash>
-              <a:ds d="1700000" sp="100000"/>
+              <a:ds d="3300000" sp="100000"/>
             </a:custDash>
             <a:round/>
           </a:ln>
@@ -6178,7 +6178,7 @@
               </a:schemeClr>
             </a:solidFill>
             <a:custDash>
-              <a:ds d="800000" sp="100000"/>
+              <a:ds d="1000000" sp="100000"/>
             </a:custDash>
             <a:round/>
           </a:ln>
@@ -6217,7 +6217,7 @@
               </a:schemeClr>
             </a:solidFill>
             <a:custDash>
-              <a:ds d="800000" sp="100000"/>
+              <a:ds d="1000000" sp="100000"/>
             </a:custDash>
             <a:round/>
           </a:ln>
@@ -6244,7 +6244,7 @@
         <p:spPr>
           <a:xfrm>
             <a:off x="4861800" y="3845880"/>
-            <a:ext cx="1140120" cy="1140120"/>
+            <a:ext cx="1139760" cy="1139760"/>
           </a:xfrm>
           <a:prstGeom prst="rect">
             <a:avLst/>
@@ -6257,7 +6257,7 @@
               </a:schemeClr>
             </a:solidFill>
             <a:custDash>
-              <a:ds d="1700000" sp="100000"/>
+              <a:ds d="3300000" sp="100000"/>
             </a:custDash>
             <a:round/>
           </a:ln>
@@ -6298,7 +6298,7 @@
               </a:schemeClr>
             </a:solidFill>
             <a:custDash>
-              <a:ds d="800000" sp="100000"/>
+              <a:ds d="1000000" sp="100000"/>
             </a:custDash>
             <a:round/>
           </a:ln>
@@ -6337,7 +6337,7 @@
               </a:schemeClr>
             </a:solidFill>
             <a:custDash>
-              <a:ds d="800000" sp="100000"/>
+              <a:ds d="1000000" sp="100000"/>
             </a:custDash>
             <a:round/>
           </a:ln>
@@ -6364,7 +6364,7 @@
         <p:spPr>
           <a:xfrm>
             <a:off x="6189120" y="3845880"/>
-            <a:ext cx="1140120" cy="1140120"/>
+            <a:ext cx="1139760" cy="1139760"/>
           </a:xfrm>
           <a:prstGeom prst="rect">
             <a:avLst/>
@@ -6377,7 +6377,7 @@
               </a:schemeClr>
             </a:solidFill>
             <a:custDash>
-              <a:ds d="1700000" sp="100000"/>
+              <a:ds d="3300000" sp="100000"/>
             </a:custDash>
             <a:round/>
           </a:ln>
@@ -6418,7 +6418,7 @@
               </a:schemeClr>
             </a:solidFill>
             <a:custDash>
-              <a:ds d="800000" sp="100000"/>
+              <a:ds d="1000000" sp="100000"/>
             </a:custDash>
             <a:round/>
           </a:ln>
@@ -6457,7 +6457,7 @@
               </a:schemeClr>
             </a:solidFill>
             <a:custDash>
-              <a:ds d="800000" sp="100000"/>
+              <a:ds d="1000000" sp="100000"/>
             </a:custDash>
             <a:round/>
           </a:ln>
@@ -6484,7 +6484,7 @@
         <p:spPr>
           <a:xfrm>
             <a:off x="7516440" y="3845880"/>
-            <a:ext cx="1140120" cy="1140120"/>
+            <a:ext cx="1139760" cy="1139760"/>
           </a:xfrm>
           <a:prstGeom prst="rect">
             <a:avLst/>
@@ -6497,7 +6497,7 @@
               </a:schemeClr>
             </a:solidFill>
             <a:custDash>
-              <a:ds d="1700000" sp="100000"/>
+              <a:ds d="3300000" sp="100000"/>
             </a:custDash>
             <a:round/>
           </a:ln>
@@ -6538,7 +6538,7 @@
               </a:schemeClr>
             </a:solidFill>
             <a:custDash>
-              <a:ds d="800000" sp="100000"/>
+              <a:ds d="1000000" sp="100000"/>
             </a:custDash>
             <a:round/>
           </a:ln>
@@ -6577,7 +6577,7 @@
               </a:schemeClr>
             </a:solidFill>
             <a:custDash>
-              <a:ds d="800000" sp="100000"/>
+              <a:ds d="1000000" sp="100000"/>
             </a:custDash>
             <a:round/>
           </a:ln>
@@ -6604,7 +6604,7 @@
         <p:spPr>
           <a:xfrm>
             <a:off x="8843760" y="3845880"/>
-            <a:ext cx="1140120" cy="1140120"/>
+            <a:ext cx="1139760" cy="1139760"/>
           </a:xfrm>
           <a:prstGeom prst="rect">
             <a:avLst/>
@@ -6617,7 +6617,7 @@
               </a:schemeClr>
             </a:solidFill>
             <a:custDash>
-              <a:ds d="1700000" sp="100000"/>
+              <a:ds d="3300000" sp="100000"/>
             </a:custDash>
             <a:round/>
           </a:ln>
@@ -6658,7 +6658,7 @@
               </a:schemeClr>
             </a:solidFill>
             <a:custDash>
-              <a:ds d="800000" sp="100000"/>
+              <a:ds d="1000000" sp="100000"/>
             </a:custDash>
             <a:round/>
           </a:ln>
@@ -6697,7 +6697,7 @@
               </a:schemeClr>
             </a:solidFill>
             <a:custDash>
-              <a:ds d="800000" sp="100000"/>
+              <a:ds d="1000000" sp="100000"/>
             </a:custDash>
             <a:round/>
           </a:ln>
@@ -6723,8 +6723,8 @@
         </p:nvSpPr>
         <p:spPr>
           <a:xfrm rot="12600">
-            <a:off x="2241000" y="3685680"/>
-            <a:ext cx="8010720" cy="1287360"/>
+            <a:off x="2241000" y="3685320"/>
+            <a:ext cx="8010360" cy="1287000"/>
           </a:xfrm>
           <a:prstGeom prst="rect">
             <a:avLst/>
@@ -6749,7 +6749,7 @@
               </a:lnSpc>
             </a:pPr>
             <a:r>
-              <a:rPr b="1" lang="en-US" sz="8000" spc="2192" strike="noStrike">
+              <a:rPr b="1" lang="en-US" sz="8000" spc="2189" strike="noStrike">
                 <a:solidFill>
                   <a:srgbClr val="136083"/>
                 </a:solidFill>
@@ -6786,7 +6786,7 @@
         <p:spPr>
           <a:xfrm>
             <a:off x="4656600" y="5534640"/>
-            <a:ext cx="349200" cy="350640"/>
+            <a:ext cx="348840" cy="350280"/>
           </a:xfrm>
           <a:custGeom>
             <a:avLst/>
@@ -6974,7 +6974,7 @@
         <p:spPr>
           <a:xfrm>
             <a:off x="5106600" y="5551200"/>
-            <a:ext cx="1832760" cy="333000"/>
+            <a:ext cx="1832400" cy="332640"/>
           </a:xfrm>
           <a:prstGeom prst="rect">
             <a:avLst/>
@@ -7036,7 +7036,7 @@
         <p:spPr>
           <a:xfrm>
             <a:off x="4443840" y="1223280"/>
-            <a:ext cx="3303360" cy="1551960"/>
+            <a:ext cx="3303000" cy="1551600"/>
           </a:xfrm>
           <a:prstGeom prst="rect">
             <a:avLst/>
@@ -7098,7 +7098,7 @@
         <p:spPr>
           <a:xfrm>
             <a:off x="3805560" y="6123600"/>
-            <a:ext cx="3769560" cy="241920"/>
+            <a:ext cx="3769200" cy="241560"/>
           </a:xfrm>
           <a:prstGeom prst="rect">
             <a:avLst/>
@@ -7124,7 +7124,7 @@
         <p:spPr>
           <a:xfrm>
             <a:off x="7675920" y="5875560"/>
-            <a:ext cx="3027960" cy="364320"/>
+            <a:ext cx="3027600" cy="363960"/>
           </a:xfrm>
           <a:prstGeom prst="rect">
             <a:avLst/>
@@ -7306,14 +7306,14 @@
       </p:grpSpPr>
       <p:sp>
         <p:nvSpPr>
-          <p:cNvPr id="199" name="CustomShape 1"/>
+          <p:cNvPr id="187" name="CustomShape 1"/>
           <p:cNvSpPr/>
           <p:nvPr/>
         </p:nvSpPr>
         <p:spPr>
           <a:xfrm>
             <a:off x="0" y="205200"/>
-            <a:ext cx="12191040" cy="599760"/>
+            <a:ext cx="12190680" cy="599400"/>
           </a:xfrm>
           <a:prstGeom prst="rect">
             <a:avLst/>
@@ -7342,14 +7342,14 @@
       </p:sp>
       <p:sp>
         <p:nvSpPr>
-          <p:cNvPr id="200" name="CustomShape 2"/>
+          <p:cNvPr id="188" name="CustomShape 2"/>
           <p:cNvSpPr/>
           <p:nvPr/>
         </p:nvSpPr>
         <p:spPr>
           <a:xfrm flipH="1">
-            <a:off x="265680" y="806040"/>
-            <a:ext cx="311040" cy="88200"/>
+            <a:off x="264960" y="806040"/>
+            <a:ext cx="310680" cy="87840"/>
           </a:xfrm>
           <a:custGeom>
             <a:avLst/>
@@ -7401,14 +7401,14 @@
       </p:sp>
       <p:sp>
         <p:nvSpPr>
-          <p:cNvPr id="201" name="CustomShape 3"/>
+          <p:cNvPr id="189" name="CustomShape 3"/>
           <p:cNvSpPr/>
           <p:nvPr/>
         </p:nvSpPr>
         <p:spPr>
           <a:xfrm flipV="1">
             <a:off x="1457280" y="114840"/>
-            <a:ext cx="311040" cy="88200"/>
+            <a:ext cx="310680" cy="87840"/>
           </a:xfrm>
           <a:custGeom>
             <a:avLst/>
@@ -7460,14 +7460,14 @@
       </p:sp>
       <p:sp>
         <p:nvSpPr>
-          <p:cNvPr id="202" name="CustomShape 4"/>
+          <p:cNvPr id="190" name="CustomShape 4"/>
           <p:cNvSpPr/>
           <p:nvPr/>
         </p:nvSpPr>
         <p:spPr>
           <a:xfrm flipH="1">
-            <a:off x="311760" y="116280"/>
-            <a:ext cx="1401840" cy="778320"/>
+            <a:off x="311040" y="116280"/>
+            <a:ext cx="1401480" cy="777960"/>
           </a:xfrm>
           <a:prstGeom prst="parallelogram">
             <a:avLst>
@@ -7498,14 +7498,14 @@
       </p:sp>
       <p:sp>
         <p:nvSpPr>
-          <p:cNvPr id="203" name="CustomShape 5"/>
+          <p:cNvPr id="191" name="CustomShape 5"/>
           <p:cNvSpPr/>
           <p:nvPr/>
         </p:nvSpPr>
         <p:spPr>
           <a:xfrm>
             <a:off x="302040" y="244080"/>
-            <a:ext cx="1323000" cy="516240"/>
+            <a:ext cx="1322640" cy="515880"/>
           </a:xfrm>
           <a:prstGeom prst="rect">
             <a:avLst/>
@@ -7560,14 +7560,14 @@
       </p:sp>
       <p:sp>
         <p:nvSpPr>
-          <p:cNvPr id="204" name="CustomShape 6"/>
+          <p:cNvPr id="192" name="CustomShape 6"/>
           <p:cNvSpPr/>
           <p:nvPr/>
         </p:nvSpPr>
         <p:spPr>
           <a:xfrm>
             <a:off x="2021400" y="244080"/>
-            <a:ext cx="2500200" cy="515520"/>
+            <a:ext cx="2499840" cy="515160"/>
           </a:xfrm>
           <a:prstGeom prst="rect">
             <a:avLst/>
@@ -7592,7 +7592,7 @@
               </a:lnSpc>
             </a:pPr>
             <a:r>
-              <a:rPr b="0" lang="en-US" sz="2800" spc="293" strike="noStrike">
+              <a:rPr b="0" lang="en-US" sz="2800" spc="290" strike="noStrike">
                 <a:solidFill>
                   <a:srgbClr val="ffffff"/>
                 </a:solidFill>
@@ -7604,7 +7604,7 @@
                 <a:latin typeface="微软雅黑"/>
                 <a:ea typeface="微软雅黑"/>
               </a:rPr>
-              <a:t>兴趣课程学习</a:t>
+              <a:t>对部门的建议</a:t>
             </a:r>
             <a:endParaRPr b="0" lang="en-US" sz="1800" spc="-1" strike="noStrike">
               <a:solidFill>
@@ -7622,14 +7622,14 @@
       </p:sp>
       <p:sp>
         <p:nvSpPr>
-          <p:cNvPr id="205" name="CustomShape 7"/>
-          <p:cNvSpPr/>
-          <p:nvPr/>
-        </p:nvSpPr>
-        <p:spPr>
-          <a:xfrm>
-            <a:off x="2963880" y="4393080"/>
-            <a:ext cx="2312640" cy="1985040"/>
+          <p:cNvPr id="193" name="CustomShape 7"/>
+          <p:cNvSpPr/>
+          <p:nvPr/>
+        </p:nvSpPr>
+        <p:spPr>
+          <a:xfrm>
+            <a:off x="3240000" y="2088000"/>
+            <a:ext cx="4212000" cy="868320"/>
           </a:xfrm>
           <a:custGeom>
             <a:avLst/>
@@ -7637,192 +7637,124 @@
             <a:ahLst/>
             <a:rect l="l" t="t" r="r" b="b"/>
             <a:pathLst>
-              <a:path w="1845056" h="1583767">
+              <a:path w="5192450" h="1305562">
                 <a:moveTo>
-                  <a:pt x="0" y="791884"/>
+                  <a:pt x="648072" y="0"/>
                 </a:moveTo>
                 <a:lnTo>
-                  <a:pt x="395942" y="0"/>
-                </a:lnTo>
-                <a:lnTo>
-                  <a:pt x="1449114" y="0"/>
-                </a:lnTo>
-                <a:lnTo>
-                  <a:pt x="1845056" y="791884"/>
-                </a:lnTo>
-                <a:lnTo>
-                  <a:pt x="1449114" y="1583767"/>
-                </a:lnTo>
-                <a:lnTo>
-                  <a:pt x="395942" y="1583767"/>
-                </a:lnTo>
-                <a:lnTo>
-                  <a:pt x="0" y="791884"/>
+                  <a:pt x="4680520" y="0"/>
+                </a:lnTo>
+                <a:lnTo>
+                  <a:pt x="4680520" y="534"/>
+                </a:lnTo>
+                <a:lnTo>
+                  <a:pt x="4756983" y="534"/>
+                </a:lnTo>
+                <a:cubicBezTo>
+                  <a:pt x="4781822" y="0"/>
+                  <a:pt x="4807189" y="5871"/>
+                  <a:pt x="4830442" y="19749"/>
+                </a:cubicBezTo>
+                <a:cubicBezTo>
+                  <a:pt x="4852109" y="32025"/>
+                  <a:pt x="4869549" y="49639"/>
+                  <a:pt x="4881176" y="70456"/>
+                </a:cubicBezTo>
+                <a:lnTo>
+                  <a:pt x="5172368" y="579657"/>
+                </a:lnTo>
+                <a:cubicBezTo>
+                  <a:pt x="5185051" y="601007"/>
+                  <a:pt x="5192450" y="626093"/>
+                  <a:pt x="5192450" y="652781"/>
+                </a:cubicBezTo>
+                <a:cubicBezTo>
+                  <a:pt x="5192450" y="680003"/>
+                  <a:pt x="5185051" y="705089"/>
+                  <a:pt x="5171839" y="726439"/>
+                </a:cubicBezTo>
+                <a:lnTo>
+                  <a:pt x="4881176" y="1235640"/>
+                </a:lnTo>
+                <a:cubicBezTo>
+                  <a:pt x="4869021" y="1255923"/>
+                  <a:pt x="4852109" y="1273537"/>
+                  <a:pt x="4830442" y="1286347"/>
+                </a:cubicBezTo>
+                <a:cubicBezTo>
+                  <a:pt x="4807717" y="1299691"/>
+                  <a:pt x="4782879" y="1305562"/>
+                  <a:pt x="4758040" y="1305028"/>
+                </a:cubicBezTo>
+                <a:lnTo>
+                  <a:pt x="4680520" y="1305028"/>
+                </a:lnTo>
+                <a:lnTo>
+                  <a:pt x="4680520" y="1305562"/>
+                </a:lnTo>
+                <a:lnTo>
+                  <a:pt x="648072" y="1305562"/>
+                </a:lnTo>
+                <a:lnTo>
+                  <a:pt x="648072" y="1305028"/>
+                </a:lnTo>
+                <a:lnTo>
+                  <a:pt x="431239" y="1305028"/>
+                </a:lnTo>
+                <a:cubicBezTo>
+                  <a:pt x="407986" y="1305028"/>
+                  <a:pt x="383676" y="1299157"/>
+                  <a:pt x="362008" y="1286347"/>
+                </a:cubicBezTo>
+                <a:cubicBezTo>
+                  <a:pt x="340341" y="1273537"/>
+                  <a:pt x="322901" y="1255923"/>
+                  <a:pt x="311274" y="1235107"/>
+                </a:cubicBezTo>
+                <a:lnTo>
+                  <a:pt x="19025" y="723770"/>
+                </a:lnTo>
+                <a:cubicBezTo>
+                  <a:pt x="6870" y="702954"/>
+                  <a:pt x="0" y="678935"/>
+                  <a:pt x="0" y="652781"/>
+                </a:cubicBezTo>
+                <a:cubicBezTo>
+                  <a:pt x="0" y="626627"/>
+                  <a:pt x="6870" y="602608"/>
+                  <a:pt x="19025" y="581258"/>
+                </a:cubicBezTo>
+                <a:lnTo>
+                  <a:pt x="310217" y="72057"/>
+                </a:lnTo>
+                <a:cubicBezTo>
+                  <a:pt x="322372" y="51240"/>
+                  <a:pt x="339812" y="32559"/>
+                  <a:pt x="362008" y="19749"/>
+                </a:cubicBezTo>
+                <a:cubicBezTo>
+                  <a:pt x="382619" y="7473"/>
+                  <a:pt x="405344" y="1068"/>
+                  <a:pt x="428068" y="534"/>
+                </a:cubicBezTo>
+                <a:lnTo>
+                  <a:pt x="648072" y="534"/>
                 </a:lnTo>
                 <a:close/>
               </a:path>
             </a:pathLst>
           </a:custGeom>
           <a:solidFill>
-            <a:srgbClr val="00b0f0"/>
-          </a:solidFill>
-          <a:ln>
-            <a:noFill/>
-          </a:ln>
-        </p:spPr>
-        <p:style>
-          <a:lnRef idx="2"/>
-          <a:fillRef idx="0"/>
-          <a:effectRef idx="0">
-            <a:schemeClr val="accent1">
-              <a:hueOff val="0"/>
-              <a:satOff val="0"/>
-              <a:lumOff val="0"/>
-              <a:alphaOff val="0"/>
-            </a:schemeClr>
-          </a:effectRef>
-          <a:fontRef idx="minor"/>
-        </p:style>
-        <p:txBody>
-          <a:bodyPr lIns="302400" rIns="302400" tIns="286560" bIns="286560" anchor="ctr"/>
-          <a:p>
-            <a:pPr algn="ctr">
-              <a:lnSpc>
-                <a:spcPct val="90000"/>
-              </a:lnSpc>
-            </a:pPr>
-            <a:r>
-              <a:rPr b="0" lang="en-US" sz="2400" spc="-1" strike="noStrike">
-                <a:solidFill>
-                  <a:srgbClr val="ffffff"/>
-                </a:solidFill>
-                <a:uFill>
-                  <a:solidFill>
-                    <a:srgbClr val="ffffff"/>
-                  </a:solidFill>
-                </a:uFill>
-                <a:latin typeface="微软雅黑"/>
-                <a:ea typeface="微软雅黑"/>
-              </a:rPr>
-              <a:t>金融知识</a:t>
-            </a:r>
-            <a:endParaRPr b="0" lang="en-US" sz="1800" spc="-1" strike="noStrike">
-              <a:solidFill>
-                <a:srgbClr val="000000"/>
-              </a:solidFill>
-              <a:uFill>
-                <a:solidFill>
-                  <a:srgbClr val="ffffff"/>
-                </a:solidFill>
-              </a:uFill>
-              <a:latin typeface="Arial"/>
-            </a:endParaRPr>
-          </a:p>
-        </p:txBody>
-      </p:sp>
-      <p:sp>
-        <p:nvSpPr>
-          <p:cNvPr id="206" name="CustomShape 8"/>
-          <p:cNvSpPr/>
-          <p:nvPr/>
-        </p:nvSpPr>
-        <p:spPr>
-          <a:xfrm>
-            <a:off x="4897800" y="3332160"/>
-            <a:ext cx="2312640" cy="1985040"/>
-          </a:xfrm>
-          <a:custGeom>
-            <a:avLst/>
-            <a:gdLst/>
-            <a:ahLst/>
-            <a:rect l="l" t="t" r="r" b="b"/>
-            <a:pathLst>
-              <a:path w="1845056" h="1583767">
-                <a:moveTo>
-                  <a:pt x="0" y="791884"/>
-                </a:moveTo>
-                <a:lnTo>
-                  <a:pt x="395942" y="0"/>
-                </a:lnTo>
-                <a:lnTo>
-                  <a:pt x="1449114" y="0"/>
-                </a:lnTo>
-                <a:lnTo>
-                  <a:pt x="1845056" y="791884"/>
-                </a:lnTo>
-                <a:lnTo>
-                  <a:pt x="1449114" y="1583767"/>
-                </a:lnTo>
-                <a:lnTo>
-                  <a:pt x="395942" y="1583767"/>
-                </a:lnTo>
-                <a:lnTo>
-                  <a:pt x="0" y="791884"/>
-                </a:lnTo>
-                <a:close/>
-              </a:path>
-            </a:pathLst>
-          </a:custGeom>
-          <a:blipFill>
-            <a:blip r:embed="rId1"/>
-            <a:stretch>
-              <a:fillRect/>
-            </a:stretch>
-          </a:blipFill>
-          <a:ln>
-            <a:noFill/>
-          </a:ln>
-        </p:spPr>
-        <p:style>
-          <a:lnRef idx="2"/>
-          <a:fillRef idx="0"/>
-          <a:effectRef idx="0">
-            <a:schemeClr val="accent1">
-              <a:hueOff val="0"/>
-              <a:satOff val="0"/>
-              <a:lumOff val="0"/>
-              <a:alphaOff val="0"/>
-            </a:schemeClr>
-          </a:effectRef>
-          <a:fontRef idx="minor"/>
-        </p:style>
-      </p:sp>
-      <p:sp>
-        <p:nvSpPr>
-          <p:cNvPr id="207" name="CustomShape 9"/>
-          <p:cNvSpPr/>
-          <p:nvPr/>
-        </p:nvSpPr>
-        <p:spPr>
-          <a:xfrm>
-            <a:off x="6879240" y="4389840"/>
-            <a:ext cx="2312640" cy="1985040"/>
-          </a:xfrm>
-          <a:prstGeom prst="hexagon">
-            <a:avLst>
-              <a:gd name="adj" fmla="val 25000"/>
-              <a:gd name="vf" fmla="val 115470"/>
-            </a:avLst>
-          </a:prstGeom>
-          <a:solidFill>
             <a:srgbClr val="136083"/>
           </a:solidFill>
-          <a:ln>
-            <a:noFill/>
-          </a:ln>
-        </p:spPr>
-        <p:style>
-          <a:lnRef idx="2"/>
+          <a:ln w="9360">
+            <a:noFill/>
+          </a:ln>
+        </p:spPr>
+        <p:style>
+          <a:lnRef idx="0"/>
           <a:fillRef idx="0"/>
-          <a:effectRef idx="0">
-            <a:schemeClr val="lt1">
-              <a:alpha val="90000"/>
-              <a:hueOff val="0"/>
-              <a:satOff val="0"/>
-              <a:lumOff val="0"/>
-              <a:alphaOff val="0"/>
-            </a:schemeClr>
-          </a:effectRef>
+          <a:effectRef idx="0"/>
           <a:fontRef idx="minor"/>
         </p:style>
         <p:txBody>
@@ -7834,7 +7766,7 @@
               </a:lnSpc>
             </a:pPr>
             <a:r>
-              <a:rPr b="0" lang="en-US" sz="2400" spc="-1" strike="noStrike">
+              <a:rPr b="0" lang="en-US" sz="3200" spc="-1" strike="noStrike">
                 <a:solidFill>
                   <a:srgbClr val="ffffff"/>
                 </a:solidFill>
@@ -7843,10 +7775,10 @@
                     <a:srgbClr val="ffffff"/>
                   </a:solidFill>
                 </a:uFill>
-                <a:latin typeface="微软雅黑"/>
-                <a:ea typeface="微软雅黑"/>
+                <a:latin typeface="Calibri"/>
+                <a:ea typeface="DejaVu Sans"/>
               </a:rPr>
-              <a:t>稳定性建设</a:t>
+              <a:t>新人培养</a:t>
             </a:r>
             <a:endParaRPr b="0" lang="en-US" sz="1800" spc="-1" strike="noStrike">
               <a:solidFill>
@@ -7864,64 +7796,50 @@
       </p:sp>
       <p:sp>
         <p:nvSpPr>
-          <p:cNvPr id="208" name="CustomShape 10"/>
-          <p:cNvSpPr/>
-          <p:nvPr/>
-        </p:nvSpPr>
-        <p:spPr>
-          <a:xfrm>
-            <a:off x="4868640" y="1190520"/>
-            <a:ext cx="2312640" cy="1985040"/>
-          </a:xfrm>
-          <a:prstGeom prst="hexagon">
-            <a:avLst>
-              <a:gd name="adj" fmla="val 25000"/>
-              <a:gd name="vf" fmla="val 115470"/>
-            </a:avLst>
+          <p:cNvPr id="194" name="CustomShape 8"/>
+          <p:cNvSpPr/>
+          <p:nvPr/>
+        </p:nvSpPr>
+        <p:spPr>
+          <a:xfrm>
+            <a:off x="3312000" y="3384000"/>
+            <a:ext cx="4248000" cy="864000"/>
+          </a:xfrm>
+          <a:prstGeom prst="rect">
+            <a:avLst/>
           </a:prstGeom>
           <a:solidFill>
-            <a:srgbClr val="00b0f0"/>
+            <a:srgbClr val="00ccff"/>
           </a:solidFill>
           <a:ln>
-            <a:noFill/>
-          </a:ln>
-        </p:spPr>
-        <p:style>
-          <a:lnRef idx="2"/>
+            <a:solidFill>
+              <a:srgbClr val="3465a4"/>
+            </a:solidFill>
+          </a:ln>
+        </p:spPr>
+        <p:style>
+          <a:lnRef idx="0"/>
           <a:fillRef idx="0"/>
-          <a:effectRef idx="0">
-            <a:schemeClr val="lt1">
-              <a:alpha val="90000"/>
-              <a:hueOff val="0"/>
-              <a:satOff val="0"/>
-              <a:lumOff val="0"/>
-              <a:alphaOff val="0"/>
-            </a:schemeClr>
-          </a:effectRef>
+          <a:effectRef idx="0"/>
           <a:fontRef idx="minor"/>
         </p:style>
         <p:txBody>
-          <a:bodyPr lIns="90000" rIns="90000" tIns="45000" bIns="45000" anchor="ctr"/>
-          <a:p>
-            <a:pPr algn="ctr">
-              <a:lnSpc>
-                <a:spcPct val="100000"/>
-              </a:lnSpc>
-            </a:pPr>
+          <a:bodyPr wrap="none" lIns="90000" rIns="90000" tIns="45000" bIns="45000" anchor="ctr"/>
+          <a:p>
+            <a:pPr algn="ctr"/>
             <a:r>
-              <a:rPr b="0" lang="en-US" sz="2400" spc="-1" strike="noStrike">
-                <a:solidFill>
-                  <a:srgbClr val="ffffff"/>
+              <a:rPr b="0" lang="en-US" sz="1800" spc="-1" strike="noStrike">
+                <a:solidFill>
+                  <a:srgbClr val="000000"/>
                 </a:solidFill>
                 <a:uFill>
                   <a:solidFill>
                     <a:srgbClr val="ffffff"/>
                   </a:solidFill>
                 </a:uFill>
-                <a:latin typeface="微软雅黑"/>
-                <a:ea typeface="微软雅黑"/>
+                <a:latin typeface="Arial"/>
               </a:rPr>
-              <a:t>社区业务</a:t>
+              <a:t>对新人提供系统的介绍，包括组织结</a:t>
             </a:r>
             <a:endParaRPr b="0" lang="en-US" sz="1800" spc="-1" strike="noStrike">
               <a:solidFill>
@@ -7935,161 +7853,35 @@
               <a:latin typeface="Arial"/>
             </a:endParaRPr>
           </a:p>
-        </p:txBody>
-      </p:sp>
-      <p:sp>
-        <p:nvSpPr>
-          <p:cNvPr id="209" name="CustomShape 11"/>
-          <p:cNvSpPr/>
-          <p:nvPr/>
-        </p:nvSpPr>
-        <p:spPr>
-          <a:xfrm>
-            <a:off x="6818400" y="2272680"/>
-            <a:ext cx="2312640" cy="1985040"/>
-          </a:xfrm>
-          <a:prstGeom prst="hexagon">
-            <a:avLst>
-              <a:gd name="adj" fmla="val 25000"/>
-              <a:gd name="vf" fmla="val 115470"/>
-            </a:avLst>
-          </a:prstGeom>
-          <a:solidFill>
-            <a:srgbClr val="136083"/>
-          </a:solidFill>
-          <a:ln>
-            <a:noFill/>
-          </a:ln>
-        </p:spPr>
-        <p:style>
-          <a:lnRef idx="2"/>
-          <a:fillRef idx="0"/>
-          <a:effectRef idx="0">
-            <a:schemeClr val="lt1">
-              <a:alpha val="90000"/>
-              <a:hueOff val="0"/>
-              <a:satOff val="0"/>
-              <a:lumOff val="0"/>
-              <a:alphaOff val="0"/>
-            </a:schemeClr>
-          </a:effectRef>
-          <a:fontRef idx="minor"/>
-        </p:style>
-        <p:txBody>
-          <a:bodyPr lIns="90000" rIns="90000" tIns="45000" bIns="45000" anchor="ctr"/>
-          <a:p>
-            <a:pPr algn="ctr">
-              <a:lnSpc>
-                <a:spcPct val="100000"/>
-              </a:lnSpc>
-            </a:pPr>
+          <a:p>
+            <a:pPr algn="ctr"/>
             <a:r>
-              <a:rPr b="0" lang="en-US" sz="2400" spc="-1" strike="noStrike">
-                <a:solidFill>
-                  <a:srgbClr val="ffffff"/>
+              <a:rPr b="0" lang="en-US" sz="1800" spc="-1" strike="noStrike">
+                <a:solidFill>
+                  <a:srgbClr val="000000"/>
                 </a:solidFill>
                 <a:uFill>
                   <a:solidFill>
                     <a:srgbClr val="ffffff"/>
                   </a:solidFill>
                 </a:uFill>
-                <a:latin typeface="微软雅黑"/>
-                <a:ea typeface="微软雅黑"/>
+                <a:latin typeface="Arial"/>
               </a:rPr>
-              <a:t>架构设计</a:t>
+              <a:t>  </a:t>
             </a:r>
-            <a:endParaRPr b="0" lang="en-US" sz="1800" spc="-1" strike="noStrike">
-              <a:solidFill>
-                <a:srgbClr val="000000"/>
-              </a:solidFill>
-              <a:uFill>
-                <a:solidFill>
-                  <a:srgbClr val="ffffff"/>
-                </a:solidFill>
-              </a:uFill>
-              <a:latin typeface="Arial"/>
-            </a:endParaRPr>
-          </a:p>
-        </p:txBody>
-      </p:sp>
-      <p:sp>
-        <p:nvSpPr>
-          <p:cNvPr id="210" name="CustomShape 12"/>
-          <p:cNvSpPr/>
-          <p:nvPr/>
-        </p:nvSpPr>
-        <p:spPr>
-          <a:xfrm>
-            <a:off x="2882160" y="2305080"/>
-            <a:ext cx="2312640" cy="1985040"/>
-          </a:xfrm>
-          <a:custGeom>
-            <a:avLst/>
-            <a:gdLst/>
-            <a:ahLst/>
-            <a:rect l="l" t="t" r="r" b="b"/>
-            <a:pathLst>
-              <a:path w="1845056" h="1583767">
-                <a:moveTo>
-                  <a:pt x="0" y="791884"/>
-                </a:moveTo>
-                <a:lnTo>
-                  <a:pt x="395942" y="0"/>
-                </a:lnTo>
-                <a:lnTo>
-                  <a:pt x="1449114" y="0"/>
-                </a:lnTo>
-                <a:lnTo>
-                  <a:pt x="1845056" y="791884"/>
-                </a:lnTo>
-                <a:lnTo>
-                  <a:pt x="1449114" y="1583767"/>
-                </a:lnTo>
-                <a:lnTo>
-                  <a:pt x="395942" y="1583767"/>
-                </a:lnTo>
-                <a:lnTo>
-                  <a:pt x="0" y="791884"/>
-                </a:lnTo>
-                <a:close/>
-              </a:path>
-            </a:pathLst>
-          </a:custGeom>
-          <a:solidFill>
-            <a:srgbClr val="00b0f0"/>
-          </a:solidFill>
-          <a:ln>
-            <a:noFill/>
-          </a:ln>
-        </p:spPr>
-        <p:style>
-          <a:lnRef idx="0"/>
-          <a:fillRef idx="0"/>
-          <a:effectRef idx="0"/>
-          <a:fontRef idx="minor"/>
-        </p:style>
-        <p:txBody>
-          <a:bodyPr lIns="302400" rIns="302400" tIns="286560" bIns="286560" anchor="ctr"/>
-          <a:p>
-            <a:pPr algn="ctr">
-              <a:lnSpc>
-                <a:spcPct val="90000"/>
-              </a:lnSpc>
-            </a:pPr>
             <a:r>
-              <a:rPr b="0" lang="en-US" sz="2400" spc="-1" strike="noStrike">
-                <a:solidFill>
-                  <a:srgbClr val="ffffff"/>
+              <a:rPr b="0" lang="en-US" sz="1800" spc="-1" strike="noStrike">
+                <a:solidFill>
+                  <a:srgbClr val="000000"/>
                 </a:solidFill>
                 <a:uFill>
                   <a:solidFill>
                     <a:srgbClr val="ffffff"/>
                   </a:solidFill>
                 </a:uFill>
-                <a:latin typeface="微软雅黑"/>
-                <a:ea typeface="微软雅黑"/>
+                <a:latin typeface="Arial"/>
               </a:rPr>
-              <a:t>后端技术</a:t>
+              <a:t>构，项目架构，业务现状，流程规范等。</a:t>
             </a:r>
             <a:endParaRPr b="0" lang="en-US" sz="1800" spc="-1" strike="noStrike">
               <a:solidFill>
@@ -8156,14 +7948,14 @@
       </p:grpSpPr>
       <p:sp>
         <p:nvSpPr>
-          <p:cNvPr id="211" name="CustomShape 1"/>
+          <p:cNvPr id="195" name="CustomShape 1"/>
           <p:cNvSpPr/>
           <p:nvPr/>
         </p:nvSpPr>
         <p:spPr>
           <a:xfrm>
             <a:off x="0" y="2462040"/>
-            <a:ext cx="12191040" cy="1894680"/>
+            <a:ext cx="12190680" cy="1894320"/>
           </a:xfrm>
           <a:prstGeom prst="rect">
             <a:avLst/>
@@ -8190,14 +7982,14 @@
       </p:sp>
       <p:sp>
         <p:nvSpPr>
-          <p:cNvPr id="212" name="CustomShape 2"/>
+          <p:cNvPr id="196" name="CustomShape 2"/>
           <p:cNvSpPr/>
           <p:nvPr/>
         </p:nvSpPr>
         <p:spPr>
           <a:xfrm>
             <a:off x="3714120" y="2202480"/>
-            <a:ext cx="257400" cy="258480"/>
+            <a:ext cx="257040" cy="258120"/>
           </a:xfrm>
           <a:custGeom>
             <a:avLst/>
@@ -8243,14 +8035,14 @@
       </p:sp>
       <p:sp>
         <p:nvSpPr>
-          <p:cNvPr id="213" name="CustomShape 3"/>
+          <p:cNvPr id="197" name="CustomShape 3"/>
           <p:cNvSpPr/>
           <p:nvPr/>
         </p:nvSpPr>
         <p:spPr>
           <a:xfrm flipV="1">
-            <a:off x="510120" y="4356720"/>
-            <a:ext cx="262440" cy="263520"/>
+            <a:off x="510120" y="4356000"/>
+            <a:ext cx="262080" cy="263160"/>
           </a:xfrm>
           <a:custGeom>
             <a:avLst/>
@@ -8296,14 +8088,14 @@
       </p:sp>
       <p:sp>
         <p:nvSpPr>
-          <p:cNvPr id="214" name="CustomShape 4"/>
+          <p:cNvPr id="198" name="CustomShape 4"/>
           <p:cNvSpPr/>
           <p:nvPr/>
         </p:nvSpPr>
         <p:spPr>
           <a:xfrm>
             <a:off x="639000" y="2203200"/>
-            <a:ext cx="3208320" cy="2412000"/>
+            <a:ext cx="3207960" cy="2411640"/>
           </a:xfrm>
           <a:prstGeom prst="parallelogram">
             <a:avLst>
@@ -8334,14 +8126,14 @@
       </p:sp>
       <p:sp>
         <p:nvSpPr>
-          <p:cNvPr id="215" name="CustomShape 5"/>
+          <p:cNvPr id="199" name="CustomShape 5"/>
           <p:cNvSpPr/>
           <p:nvPr/>
         </p:nvSpPr>
         <p:spPr>
           <a:xfrm>
             <a:off x="1487520" y="2531520"/>
-            <a:ext cx="1761840" cy="1715400"/>
+            <a:ext cx="1761480" cy="1715040"/>
           </a:xfrm>
           <a:prstGeom prst="rect">
             <a:avLst/>
@@ -8396,14 +8188,14 @@
       </p:sp>
       <p:sp>
         <p:nvSpPr>
-          <p:cNvPr id="216" name="CustomShape 6"/>
+          <p:cNvPr id="200" name="CustomShape 6"/>
           <p:cNvSpPr/>
           <p:nvPr/>
         </p:nvSpPr>
         <p:spPr>
           <a:xfrm>
             <a:off x="4446720" y="2890800"/>
-            <a:ext cx="6732720" cy="913320"/>
+            <a:ext cx="6732360" cy="912960"/>
           </a:xfrm>
           <a:prstGeom prst="rect">
             <a:avLst/>
@@ -8507,14 +8299,14 @@
       </p:grpSpPr>
       <p:sp>
         <p:nvSpPr>
-          <p:cNvPr id="217" name="CustomShape 1"/>
+          <p:cNvPr id="201" name="CustomShape 1"/>
           <p:cNvSpPr/>
           <p:nvPr/>
         </p:nvSpPr>
         <p:spPr>
           <a:xfrm>
             <a:off x="0" y="205200"/>
-            <a:ext cx="12191040" cy="599760"/>
+            <a:ext cx="12190680" cy="599400"/>
           </a:xfrm>
           <a:prstGeom prst="rect">
             <a:avLst/>
@@ -8543,14 +8335,14 @@
       </p:sp>
       <p:sp>
         <p:nvSpPr>
-          <p:cNvPr id="218" name="CustomShape 2"/>
+          <p:cNvPr id="202" name="CustomShape 2"/>
           <p:cNvSpPr/>
           <p:nvPr/>
         </p:nvSpPr>
         <p:spPr>
           <a:xfrm flipH="1">
-            <a:off x="265680" y="806040"/>
-            <a:ext cx="311040" cy="88200"/>
+            <a:off x="264960" y="806040"/>
+            <a:ext cx="310680" cy="87840"/>
           </a:xfrm>
           <a:custGeom>
             <a:avLst/>
@@ -8602,14 +8394,14 @@
       </p:sp>
       <p:sp>
         <p:nvSpPr>
-          <p:cNvPr id="219" name="CustomShape 3"/>
+          <p:cNvPr id="203" name="CustomShape 3"/>
           <p:cNvSpPr/>
           <p:nvPr/>
         </p:nvSpPr>
         <p:spPr>
           <a:xfrm flipV="1">
             <a:off x="1457280" y="114840"/>
-            <a:ext cx="311040" cy="88200"/>
+            <a:ext cx="310680" cy="87840"/>
           </a:xfrm>
           <a:custGeom>
             <a:avLst/>
@@ -8661,14 +8453,14 @@
       </p:sp>
       <p:sp>
         <p:nvSpPr>
-          <p:cNvPr id="220" name="CustomShape 4"/>
+          <p:cNvPr id="204" name="CustomShape 4"/>
           <p:cNvSpPr/>
           <p:nvPr/>
         </p:nvSpPr>
         <p:spPr>
           <a:xfrm flipH="1">
-            <a:off x="311760" y="116280"/>
-            <a:ext cx="1401840" cy="778320"/>
+            <a:off x="311040" y="116280"/>
+            <a:ext cx="1401480" cy="777960"/>
           </a:xfrm>
           <a:prstGeom prst="parallelogram">
             <a:avLst>
@@ -8699,14 +8491,14 @@
       </p:sp>
       <p:sp>
         <p:nvSpPr>
-          <p:cNvPr id="221" name="CustomShape 5"/>
+          <p:cNvPr id="205" name="CustomShape 5"/>
           <p:cNvSpPr/>
           <p:nvPr/>
         </p:nvSpPr>
         <p:spPr>
           <a:xfrm>
             <a:off x="302040" y="244080"/>
-            <a:ext cx="1323000" cy="516240"/>
+            <a:ext cx="1322640" cy="515880"/>
           </a:xfrm>
           <a:prstGeom prst="rect">
             <a:avLst/>
@@ -8761,14 +8553,14 @@
       </p:sp>
       <p:sp>
         <p:nvSpPr>
-          <p:cNvPr id="222" name="CustomShape 6"/>
+          <p:cNvPr id="206" name="CustomShape 6"/>
           <p:cNvSpPr/>
           <p:nvPr/>
         </p:nvSpPr>
         <p:spPr>
           <a:xfrm>
             <a:off x="2058840" y="244080"/>
-            <a:ext cx="1713600" cy="515520"/>
+            <a:ext cx="1713240" cy="515160"/>
           </a:xfrm>
           <a:prstGeom prst="rect">
             <a:avLst/>
@@ -8793,7 +8585,7 @@
               </a:lnSpc>
             </a:pPr>
             <a:r>
-              <a:rPr b="0" lang="en-US" sz="2800" spc="293" strike="noStrike">
+              <a:rPr b="0" lang="en-US" sz="2800" spc="290" strike="noStrike">
                 <a:solidFill>
                   <a:srgbClr val="ffffff"/>
                 </a:solidFill>
@@ -8823,14 +8615,14 @@
       </p:sp>
       <p:sp>
         <p:nvSpPr>
-          <p:cNvPr id="223" name="CustomShape 7"/>
+          <p:cNvPr id="207" name="CustomShape 7"/>
           <p:cNvSpPr/>
           <p:nvPr/>
         </p:nvSpPr>
         <p:spPr>
           <a:xfrm>
             <a:off x="3147840" y="1794960"/>
-            <a:ext cx="4555800" cy="868680"/>
+            <a:ext cx="4555440" cy="868320"/>
           </a:xfrm>
           <a:custGeom>
             <a:avLst/>
@@ -8997,14 +8789,14 @@
       </p:sp>
       <p:sp>
         <p:nvSpPr>
-          <p:cNvPr id="224" name="CustomShape 8"/>
+          <p:cNvPr id="208" name="CustomShape 8"/>
           <p:cNvSpPr/>
           <p:nvPr/>
         </p:nvSpPr>
         <p:spPr>
           <a:xfrm>
             <a:off x="3166560" y="3312000"/>
-            <a:ext cx="4537080" cy="868680"/>
+            <a:ext cx="4536720" cy="868320"/>
           </a:xfrm>
           <a:custGeom>
             <a:avLst/>
@@ -9171,14 +8963,14 @@
       </p:sp>
       <p:sp>
         <p:nvSpPr>
-          <p:cNvPr id="225" name="CustomShape 9"/>
+          <p:cNvPr id="209" name="CustomShape 9"/>
           <p:cNvSpPr/>
           <p:nvPr/>
         </p:nvSpPr>
         <p:spPr>
           <a:xfrm>
             <a:off x="2751840" y="1844280"/>
-            <a:ext cx="726840" cy="726840"/>
+            <a:ext cx="726480" cy="726480"/>
           </a:xfrm>
           <a:prstGeom prst="ellipse">
             <a:avLst/>
@@ -9235,14 +9027,14 @@
       </p:sp>
       <p:sp>
         <p:nvSpPr>
-          <p:cNvPr id="226" name="CustomShape 10"/>
+          <p:cNvPr id="210" name="CustomShape 10"/>
           <p:cNvSpPr/>
           <p:nvPr/>
         </p:nvSpPr>
         <p:spPr>
           <a:xfrm>
             <a:off x="2770560" y="3403080"/>
-            <a:ext cx="726840" cy="726840"/>
+            <a:ext cx="726480" cy="726480"/>
           </a:xfrm>
           <a:prstGeom prst="ellipse">
             <a:avLst/>
@@ -9299,14 +9091,14 @@
       </p:sp>
       <p:sp>
         <p:nvSpPr>
-          <p:cNvPr id="227" name="CustomShape 11"/>
+          <p:cNvPr id="211" name="CustomShape 11"/>
           <p:cNvSpPr/>
           <p:nvPr/>
         </p:nvSpPr>
         <p:spPr>
           <a:xfrm>
             <a:off x="3238560" y="4824000"/>
-            <a:ext cx="4465080" cy="868680"/>
+            <a:ext cx="4464720" cy="868320"/>
           </a:xfrm>
           <a:custGeom>
             <a:avLst/>
@@ -9473,14 +9265,14 @@
       </p:sp>
       <p:sp>
         <p:nvSpPr>
-          <p:cNvPr id="228" name="CustomShape 12"/>
+          <p:cNvPr id="212" name="CustomShape 12"/>
           <p:cNvSpPr/>
           <p:nvPr/>
         </p:nvSpPr>
         <p:spPr>
           <a:xfrm>
             <a:off x="2770920" y="3403440"/>
-            <a:ext cx="726840" cy="726840"/>
+            <a:ext cx="726480" cy="726480"/>
           </a:xfrm>
           <a:prstGeom prst="ellipse">
             <a:avLst/>
@@ -9537,14 +9329,14 @@
       </p:sp>
       <p:sp>
         <p:nvSpPr>
-          <p:cNvPr id="229" name="CustomShape 13"/>
+          <p:cNvPr id="213" name="CustomShape 13"/>
           <p:cNvSpPr/>
           <p:nvPr/>
         </p:nvSpPr>
         <p:spPr>
           <a:xfrm>
             <a:off x="2770920" y="3403440"/>
-            <a:ext cx="726840" cy="726840"/>
+            <a:ext cx="726480" cy="726480"/>
           </a:xfrm>
           <a:prstGeom prst="ellipse">
             <a:avLst/>
@@ -9601,14 +9393,14 @@
       </p:sp>
       <p:sp>
         <p:nvSpPr>
-          <p:cNvPr id="230" name="CustomShape 14"/>
+          <p:cNvPr id="214" name="CustomShape 14"/>
           <p:cNvSpPr/>
           <p:nvPr/>
         </p:nvSpPr>
         <p:spPr>
           <a:xfrm>
             <a:off x="2808000" y="4888800"/>
-            <a:ext cx="726840" cy="726840"/>
+            <a:ext cx="726480" cy="726480"/>
           </a:xfrm>
           <a:prstGeom prst="ellipse">
             <a:avLst/>
@@ -9714,14 +9506,14 @@
       </p:grpSpPr>
       <p:sp>
         <p:nvSpPr>
-          <p:cNvPr id="231" name="CustomShape 1"/>
+          <p:cNvPr id="215" name="CustomShape 1"/>
           <p:cNvSpPr/>
           <p:nvPr/>
         </p:nvSpPr>
         <p:spPr>
           <a:xfrm>
             <a:off x="0" y="205200"/>
-            <a:ext cx="12191040" cy="599760"/>
+            <a:ext cx="12190680" cy="599400"/>
           </a:xfrm>
           <a:prstGeom prst="rect">
             <a:avLst/>
@@ -9750,14 +9542,14 @@
       </p:sp>
       <p:sp>
         <p:nvSpPr>
-          <p:cNvPr id="232" name="CustomShape 2"/>
+          <p:cNvPr id="216" name="CustomShape 2"/>
           <p:cNvSpPr/>
           <p:nvPr/>
         </p:nvSpPr>
         <p:spPr>
           <a:xfrm flipH="1">
-            <a:off x="265680" y="806040"/>
-            <a:ext cx="311040" cy="88200"/>
+            <a:off x="264960" y="806040"/>
+            <a:ext cx="310680" cy="87840"/>
           </a:xfrm>
           <a:custGeom>
             <a:avLst/>
@@ -9809,14 +9601,14 @@
       </p:sp>
       <p:sp>
         <p:nvSpPr>
-          <p:cNvPr id="233" name="CustomShape 3"/>
+          <p:cNvPr id="217" name="CustomShape 3"/>
           <p:cNvSpPr/>
           <p:nvPr/>
         </p:nvSpPr>
         <p:spPr>
           <a:xfrm flipV="1">
             <a:off x="1457280" y="114840"/>
-            <a:ext cx="311040" cy="88200"/>
+            <a:ext cx="310680" cy="87840"/>
           </a:xfrm>
           <a:custGeom>
             <a:avLst/>
@@ -9868,14 +9660,14 @@
       </p:sp>
       <p:sp>
         <p:nvSpPr>
-          <p:cNvPr id="234" name="CustomShape 4"/>
+          <p:cNvPr id="218" name="CustomShape 4"/>
           <p:cNvSpPr/>
           <p:nvPr/>
         </p:nvSpPr>
         <p:spPr>
           <a:xfrm flipH="1">
-            <a:off x="311760" y="116280"/>
-            <a:ext cx="1401840" cy="778320"/>
+            <a:off x="311040" y="116280"/>
+            <a:ext cx="1401480" cy="777960"/>
           </a:xfrm>
           <a:prstGeom prst="parallelogram">
             <a:avLst>
@@ -9906,14 +9698,14 @@
       </p:sp>
       <p:sp>
         <p:nvSpPr>
-          <p:cNvPr id="235" name="CustomShape 5"/>
+          <p:cNvPr id="219" name="CustomShape 5"/>
           <p:cNvSpPr/>
           <p:nvPr/>
         </p:nvSpPr>
         <p:spPr>
           <a:xfrm>
             <a:off x="302040" y="244080"/>
-            <a:ext cx="1323000" cy="516240"/>
+            <a:ext cx="1322640" cy="515880"/>
           </a:xfrm>
           <a:prstGeom prst="rect">
             <a:avLst/>
@@ -9968,14 +9760,14 @@
       </p:sp>
       <p:sp>
         <p:nvSpPr>
-          <p:cNvPr id="236" name="CustomShape 6"/>
+          <p:cNvPr id="220" name="CustomShape 6"/>
           <p:cNvSpPr/>
           <p:nvPr/>
         </p:nvSpPr>
         <p:spPr>
           <a:xfrm>
             <a:off x="2058840" y="244080"/>
-            <a:ext cx="1713600" cy="515520"/>
+            <a:ext cx="1713240" cy="515160"/>
           </a:xfrm>
           <a:prstGeom prst="rect">
             <a:avLst/>
@@ -10000,7 +9792,7 @@
               </a:lnSpc>
             </a:pPr>
             <a:r>
-              <a:rPr b="0" lang="en-US" sz="2800" spc="293" strike="noStrike">
+              <a:rPr b="0" lang="en-US" sz="2800" spc="290" strike="noStrike">
                 <a:solidFill>
                   <a:srgbClr val="ffffff"/>
                 </a:solidFill>
@@ -10030,14 +9822,14 @@
       </p:sp>
       <p:sp>
         <p:nvSpPr>
-          <p:cNvPr id="237" name="CustomShape 7"/>
+          <p:cNvPr id="221" name="CustomShape 7"/>
           <p:cNvSpPr/>
           <p:nvPr/>
         </p:nvSpPr>
         <p:spPr>
           <a:xfrm>
             <a:off x="1527840" y="1794960"/>
-            <a:ext cx="3763800" cy="868680"/>
+            <a:ext cx="3763440" cy="868320"/>
           </a:xfrm>
           <a:custGeom>
             <a:avLst/>
@@ -10204,14 +9996,14 @@
       </p:sp>
       <p:sp>
         <p:nvSpPr>
-          <p:cNvPr id="238" name="CustomShape 8"/>
+          <p:cNvPr id="222" name="CustomShape 8"/>
           <p:cNvSpPr/>
           <p:nvPr/>
         </p:nvSpPr>
         <p:spPr>
           <a:xfrm>
             <a:off x="1546560" y="3312000"/>
-            <a:ext cx="3817080" cy="868680"/>
+            <a:ext cx="3816720" cy="868320"/>
           </a:xfrm>
           <a:custGeom>
             <a:avLst/>
@@ -10378,14 +10170,14 @@
       </p:sp>
       <p:sp>
         <p:nvSpPr>
-          <p:cNvPr id="239" name="CustomShape 9"/>
+          <p:cNvPr id="223" name="CustomShape 9"/>
           <p:cNvSpPr/>
           <p:nvPr/>
         </p:nvSpPr>
         <p:spPr>
           <a:xfrm>
             <a:off x="1131840" y="1844280"/>
-            <a:ext cx="726840" cy="726840"/>
+            <a:ext cx="726480" cy="726480"/>
           </a:xfrm>
           <a:prstGeom prst="ellipse">
             <a:avLst/>
@@ -10442,14 +10234,14 @@
       </p:sp>
       <p:sp>
         <p:nvSpPr>
-          <p:cNvPr id="240" name="CustomShape 10"/>
+          <p:cNvPr id="224" name="CustomShape 10"/>
           <p:cNvSpPr/>
           <p:nvPr/>
         </p:nvSpPr>
         <p:spPr>
           <a:xfrm>
             <a:off x="1150560" y="3403080"/>
-            <a:ext cx="726840" cy="726840"/>
+            <a:ext cx="726480" cy="726480"/>
           </a:xfrm>
           <a:prstGeom prst="ellipse">
             <a:avLst/>
@@ -10506,14 +10298,14 @@
       </p:sp>
       <p:sp>
         <p:nvSpPr>
-          <p:cNvPr id="241" name="CustomShape 11"/>
+          <p:cNvPr id="225" name="CustomShape 11"/>
           <p:cNvSpPr/>
           <p:nvPr/>
         </p:nvSpPr>
         <p:spPr>
           <a:xfrm>
             <a:off x="1618560" y="4824000"/>
-            <a:ext cx="3817080" cy="868680"/>
+            <a:ext cx="3816720" cy="868320"/>
           </a:xfrm>
           <a:custGeom>
             <a:avLst/>
@@ -10680,14 +10472,14 @@
       </p:sp>
       <p:sp>
         <p:nvSpPr>
-          <p:cNvPr id="242" name="CustomShape 12"/>
+          <p:cNvPr id="226" name="CustomShape 12"/>
           <p:cNvSpPr/>
           <p:nvPr/>
         </p:nvSpPr>
         <p:spPr>
           <a:xfrm>
             <a:off x="1150920" y="3403440"/>
-            <a:ext cx="726840" cy="726840"/>
+            <a:ext cx="726480" cy="726480"/>
           </a:xfrm>
           <a:prstGeom prst="ellipse">
             <a:avLst/>
@@ -10744,14 +10536,14 @@
       </p:sp>
       <p:sp>
         <p:nvSpPr>
-          <p:cNvPr id="243" name="CustomShape 13"/>
+          <p:cNvPr id="227" name="CustomShape 13"/>
           <p:cNvSpPr/>
           <p:nvPr/>
         </p:nvSpPr>
         <p:spPr>
           <a:xfrm>
             <a:off x="1150920" y="3403440"/>
-            <a:ext cx="726840" cy="726840"/>
+            <a:ext cx="726480" cy="726480"/>
           </a:xfrm>
           <a:prstGeom prst="ellipse">
             <a:avLst/>
@@ -10808,14 +10600,14 @@
       </p:sp>
       <p:sp>
         <p:nvSpPr>
-          <p:cNvPr id="244" name="CustomShape 14"/>
+          <p:cNvPr id="228" name="CustomShape 14"/>
           <p:cNvSpPr/>
           <p:nvPr/>
         </p:nvSpPr>
         <p:spPr>
           <a:xfrm>
             <a:off x="1188000" y="4888800"/>
-            <a:ext cx="726840" cy="726840"/>
+            <a:ext cx="726480" cy="726480"/>
           </a:xfrm>
           <a:prstGeom prst="ellipse">
             <a:avLst/>
@@ -10872,14 +10664,14 @@
       </p:sp>
       <p:sp>
         <p:nvSpPr>
-          <p:cNvPr id="245" name="CustomShape 15"/>
+          <p:cNvPr id="229" name="CustomShape 15"/>
           <p:cNvSpPr/>
           <p:nvPr/>
         </p:nvSpPr>
         <p:spPr>
           <a:xfrm>
             <a:off x="5652000" y="3456000"/>
-            <a:ext cx="1511640" cy="647640"/>
+            <a:ext cx="1511280" cy="647280"/>
           </a:xfrm>
           <a:custGeom>
             <a:avLst/>
@@ -10969,14 +10761,14 @@
       </p:sp>
       <p:sp>
         <p:nvSpPr>
-          <p:cNvPr id="246" name="CustomShape 16"/>
+          <p:cNvPr id="230" name="CustomShape 16"/>
           <p:cNvSpPr/>
           <p:nvPr/>
         </p:nvSpPr>
         <p:spPr>
           <a:xfrm>
             <a:off x="7560000" y="1872000"/>
-            <a:ext cx="575640" cy="575640"/>
+            <a:ext cx="575280" cy="575280"/>
           </a:xfrm>
           <a:prstGeom prst="rect">
             <a:avLst/>
@@ -11035,14 +10827,14 @@
       </p:sp>
       <p:sp>
         <p:nvSpPr>
-          <p:cNvPr id="247" name="CustomShape 17"/>
+          <p:cNvPr id="231" name="CustomShape 17"/>
           <p:cNvSpPr/>
           <p:nvPr/>
         </p:nvSpPr>
         <p:spPr>
           <a:xfrm>
             <a:off x="8273880" y="1800000"/>
-            <a:ext cx="2237760" cy="681120"/>
+            <a:ext cx="2237400" cy="680760"/>
           </a:xfrm>
           <a:prstGeom prst="rect">
             <a:avLst/>
@@ -11072,6 +10864,7 @@
                   </a:solidFill>
                 </a:uFill>
                 <a:latin typeface="Arial"/>
+                <a:ea typeface="DejaVu Sans"/>
               </a:rPr>
               <a:t>及时更新流程状态，</a:t>
             </a:r>
@@ -11099,6 +10892,7 @@
                   </a:solidFill>
                 </a:uFill>
                 <a:latin typeface="Arial"/>
+                <a:ea typeface="DejaVu Sans"/>
               </a:rPr>
               <a:t>快速和各方同步</a:t>
             </a:r>
@@ -11118,14 +10912,14 @@
       </p:sp>
       <p:sp>
         <p:nvSpPr>
-          <p:cNvPr id="248" name="CustomShape 18"/>
+          <p:cNvPr id="232" name="CustomShape 18"/>
           <p:cNvSpPr/>
           <p:nvPr/>
         </p:nvSpPr>
         <p:spPr>
           <a:xfrm>
             <a:off x="7560000" y="3456000"/>
-            <a:ext cx="575640" cy="575640"/>
+            <a:ext cx="575280" cy="575280"/>
           </a:xfrm>
           <a:prstGeom prst="rect">
             <a:avLst/>
@@ -11184,14 +10978,14 @@
       </p:sp>
       <p:sp>
         <p:nvSpPr>
-          <p:cNvPr id="249" name="CustomShape 19"/>
+          <p:cNvPr id="233" name="CustomShape 19"/>
           <p:cNvSpPr/>
           <p:nvPr/>
         </p:nvSpPr>
         <p:spPr>
           <a:xfrm>
             <a:off x="8136000" y="3422520"/>
-            <a:ext cx="3609360" cy="681120"/>
+            <a:ext cx="3609000" cy="680760"/>
           </a:xfrm>
           <a:prstGeom prst="rect">
             <a:avLst/>
@@ -11221,6 +11015,7 @@
                   </a:solidFill>
                 </a:uFill>
                 <a:latin typeface="Arial"/>
+                <a:ea typeface="DejaVu Sans"/>
               </a:rPr>
               <a:t>任务过程中给出全面详细的文档，</a:t>
             </a:r>
@@ -11248,6 +11043,7 @@
                   </a:solidFill>
                 </a:uFill>
                 <a:latin typeface="Arial"/>
+                <a:ea typeface="DejaVu Sans"/>
               </a:rPr>
               <a:t>方便后续其他人员了解业务。</a:t>
             </a:r>
@@ -11267,14 +11063,14 @@
       </p:sp>
       <p:sp>
         <p:nvSpPr>
-          <p:cNvPr id="250" name="CustomShape 20"/>
+          <p:cNvPr id="234" name="CustomShape 20"/>
           <p:cNvSpPr/>
           <p:nvPr/>
         </p:nvSpPr>
         <p:spPr>
           <a:xfrm>
             <a:off x="7596000" y="4968000"/>
-            <a:ext cx="575640" cy="575640"/>
+            <a:ext cx="575280" cy="575280"/>
           </a:xfrm>
           <a:prstGeom prst="rect">
             <a:avLst/>
@@ -11333,14 +11129,14 @@
       </p:sp>
       <p:sp>
         <p:nvSpPr>
-          <p:cNvPr id="251" name="CustomShape 21"/>
+          <p:cNvPr id="235" name="CustomShape 21"/>
           <p:cNvSpPr/>
           <p:nvPr/>
         </p:nvSpPr>
         <p:spPr>
           <a:xfrm>
             <a:off x="8174880" y="4896000"/>
-            <a:ext cx="3609360" cy="681120"/>
+            <a:ext cx="3609000" cy="680760"/>
           </a:xfrm>
           <a:prstGeom prst="rect">
             <a:avLst/>
@@ -11370,6 +11166,7 @@
                   </a:solidFill>
                 </a:uFill>
                 <a:latin typeface="Arial"/>
+                <a:ea typeface="DejaVu Sans"/>
               </a:rPr>
               <a:t>开发前多思考需求的合理性以及影</a:t>
             </a:r>
@@ -11397,6 +11194,7 @@
                   </a:solidFill>
                 </a:uFill>
                 <a:latin typeface="Arial"/>
+                <a:ea typeface="DejaVu Sans"/>
               </a:rPr>
               <a:t>响面，多问多交流，避免理解偏差</a:t>
             </a:r>
@@ -11465,14 +11263,14 @@
       </p:grpSpPr>
       <p:sp>
         <p:nvSpPr>
-          <p:cNvPr id="252" name="CustomShape 1"/>
+          <p:cNvPr id="236" name="CustomShape 1"/>
           <p:cNvSpPr/>
           <p:nvPr/>
         </p:nvSpPr>
         <p:spPr>
           <a:xfrm>
             <a:off x="0" y="2462040"/>
-            <a:ext cx="12191040" cy="1894680"/>
+            <a:ext cx="12190680" cy="1894320"/>
           </a:xfrm>
           <a:prstGeom prst="rect">
             <a:avLst/>
@@ -11499,14 +11297,14 @@
       </p:sp>
       <p:sp>
         <p:nvSpPr>
-          <p:cNvPr id="253" name="CustomShape 2"/>
+          <p:cNvPr id="237" name="CustomShape 2"/>
           <p:cNvSpPr/>
           <p:nvPr/>
         </p:nvSpPr>
         <p:spPr>
           <a:xfrm>
             <a:off x="3714120" y="2202480"/>
-            <a:ext cx="257400" cy="258480"/>
+            <a:ext cx="257040" cy="258120"/>
           </a:xfrm>
           <a:custGeom>
             <a:avLst/>
@@ -11552,14 +11350,14 @@
       </p:sp>
       <p:sp>
         <p:nvSpPr>
-          <p:cNvPr id="254" name="CustomShape 3"/>
+          <p:cNvPr id="238" name="CustomShape 3"/>
           <p:cNvSpPr/>
           <p:nvPr/>
         </p:nvSpPr>
         <p:spPr>
           <a:xfrm flipV="1">
-            <a:off x="510120" y="4356720"/>
-            <a:ext cx="262440" cy="263520"/>
+            <a:off x="510120" y="4356000"/>
+            <a:ext cx="262080" cy="263160"/>
           </a:xfrm>
           <a:custGeom>
             <a:avLst/>
@@ -11605,14 +11403,14 @@
       </p:sp>
       <p:sp>
         <p:nvSpPr>
-          <p:cNvPr id="255" name="CustomShape 4"/>
+          <p:cNvPr id="239" name="CustomShape 4"/>
           <p:cNvSpPr/>
           <p:nvPr/>
         </p:nvSpPr>
         <p:spPr>
           <a:xfrm>
             <a:off x="639000" y="2203200"/>
-            <a:ext cx="3208320" cy="2412000"/>
+            <a:ext cx="3207960" cy="2411640"/>
           </a:xfrm>
           <a:prstGeom prst="parallelogram">
             <a:avLst>
@@ -11643,14 +11441,14 @@
       </p:sp>
       <p:sp>
         <p:nvSpPr>
-          <p:cNvPr id="256" name="CustomShape 5"/>
+          <p:cNvPr id="240" name="CustomShape 5"/>
           <p:cNvSpPr/>
           <p:nvPr/>
         </p:nvSpPr>
         <p:spPr>
           <a:xfrm>
             <a:off x="1487520" y="2531520"/>
-            <a:ext cx="1761840" cy="1715400"/>
+            <a:ext cx="1761480" cy="1715040"/>
           </a:xfrm>
           <a:prstGeom prst="rect">
             <a:avLst/>
@@ -11705,14 +11503,14 @@
       </p:sp>
       <p:sp>
         <p:nvSpPr>
-          <p:cNvPr id="257" name="CustomShape 6"/>
+          <p:cNvPr id="241" name="CustomShape 6"/>
           <p:cNvSpPr/>
           <p:nvPr/>
         </p:nvSpPr>
         <p:spPr>
           <a:xfrm>
             <a:off x="4446720" y="2766960"/>
-            <a:ext cx="6732720" cy="913320"/>
+            <a:ext cx="6732360" cy="912960"/>
           </a:xfrm>
           <a:prstGeom prst="rect">
             <a:avLst/>
@@ -11767,14 +11565,14 @@
       </p:sp>
       <p:sp>
         <p:nvSpPr>
-          <p:cNvPr id="258" name="CustomShape 7"/>
+          <p:cNvPr id="242" name="CustomShape 7"/>
           <p:cNvSpPr/>
           <p:nvPr/>
         </p:nvSpPr>
         <p:spPr>
           <a:xfrm>
             <a:off x="4446720" y="3692880"/>
-            <a:ext cx="4100040" cy="456840"/>
+            <a:ext cx="4099680" cy="456480"/>
           </a:xfrm>
           <a:prstGeom prst="rect">
             <a:avLst/>
@@ -11842,14 +11640,14 @@
       </p:grpSpPr>
       <p:sp>
         <p:nvSpPr>
-          <p:cNvPr id="259" name="CustomShape 1"/>
+          <p:cNvPr id="243" name="CustomShape 1"/>
           <p:cNvSpPr/>
           <p:nvPr/>
         </p:nvSpPr>
         <p:spPr>
           <a:xfrm>
             <a:off x="0" y="205200"/>
-            <a:ext cx="12191040" cy="599760"/>
+            <a:ext cx="12190680" cy="599400"/>
           </a:xfrm>
           <a:prstGeom prst="rect">
             <a:avLst/>
@@ -11878,14 +11676,14 @@
       </p:sp>
       <p:sp>
         <p:nvSpPr>
-          <p:cNvPr id="260" name="CustomShape 2"/>
+          <p:cNvPr id="244" name="CustomShape 2"/>
           <p:cNvSpPr/>
           <p:nvPr/>
         </p:nvSpPr>
         <p:spPr>
           <a:xfrm flipH="1">
-            <a:off x="265680" y="806040"/>
-            <a:ext cx="311040" cy="88200"/>
+            <a:off x="264960" y="806040"/>
+            <a:ext cx="310680" cy="87840"/>
           </a:xfrm>
           <a:custGeom>
             <a:avLst/>
@@ -11937,14 +11735,14 @@
       </p:sp>
       <p:sp>
         <p:nvSpPr>
-          <p:cNvPr id="261" name="CustomShape 3"/>
+          <p:cNvPr id="245" name="CustomShape 3"/>
           <p:cNvSpPr/>
           <p:nvPr/>
         </p:nvSpPr>
         <p:spPr>
           <a:xfrm flipV="1">
             <a:off x="1457280" y="114840"/>
-            <a:ext cx="311040" cy="88200"/>
+            <a:ext cx="310680" cy="87840"/>
           </a:xfrm>
           <a:custGeom>
             <a:avLst/>
@@ -11996,14 +11794,14 @@
       </p:sp>
       <p:sp>
         <p:nvSpPr>
-          <p:cNvPr id="262" name="CustomShape 4"/>
+          <p:cNvPr id="246" name="CustomShape 4"/>
           <p:cNvSpPr/>
           <p:nvPr/>
         </p:nvSpPr>
         <p:spPr>
           <a:xfrm flipH="1">
-            <a:off x="311760" y="116280"/>
-            <a:ext cx="1401840" cy="778320"/>
+            <a:off x="311040" y="116280"/>
+            <a:ext cx="1401480" cy="777960"/>
           </a:xfrm>
           <a:prstGeom prst="parallelogram">
             <a:avLst>
@@ -12034,14 +11832,14 @@
       </p:sp>
       <p:sp>
         <p:nvSpPr>
-          <p:cNvPr id="263" name="CustomShape 5"/>
+          <p:cNvPr id="247" name="CustomShape 5"/>
           <p:cNvSpPr/>
           <p:nvPr/>
         </p:nvSpPr>
         <p:spPr>
           <a:xfrm>
             <a:off x="302040" y="244080"/>
-            <a:ext cx="1323000" cy="516240"/>
+            <a:ext cx="1322640" cy="515880"/>
           </a:xfrm>
           <a:prstGeom prst="rect">
             <a:avLst/>
@@ -12096,14 +11894,14 @@
       </p:sp>
       <p:sp>
         <p:nvSpPr>
-          <p:cNvPr id="264" name="CustomShape 6"/>
+          <p:cNvPr id="248" name="CustomShape 6"/>
           <p:cNvSpPr/>
           <p:nvPr/>
         </p:nvSpPr>
         <p:spPr>
           <a:xfrm>
             <a:off x="2021400" y="244080"/>
-            <a:ext cx="2500200" cy="515520"/>
+            <a:ext cx="2499840" cy="515160"/>
           </a:xfrm>
           <a:prstGeom prst="rect">
             <a:avLst/>
@@ -12128,7 +11926,7 @@
               </a:lnSpc>
             </a:pPr>
             <a:r>
-              <a:rPr b="0" lang="en-US" sz="2800" spc="293" strike="noStrike">
+              <a:rPr b="0" lang="en-US" sz="2800" spc="290" strike="noStrike">
                 <a:solidFill>
                   <a:srgbClr val="ffffff"/>
                 </a:solidFill>
@@ -12158,14 +11956,14 @@
       </p:sp>
       <p:sp>
         <p:nvSpPr>
-          <p:cNvPr id="265" name="CustomShape 7"/>
+          <p:cNvPr id="249" name="CustomShape 7"/>
           <p:cNvSpPr/>
           <p:nvPr/>
         </p:nvSpPr>
         <p:spPr>
           <a:xfrm>
             <a:off x="5044320" y="3888000"/>
-            <a:ext cx="1435320" cy="1438920"/>
+            <a:ext cx="1434960" cy="1438560"/>
           </a:xfrm>
           <a:prstGeom prst="ellipse">
             <a:avLst/>
@@ -12222,14 +12020,14 @@
       </p:sp>
       <p:sp>
         <p:nvSpPr>
-          <p:cNvPr id="266" name="CustomShape 8"/>
+          <p:cNvPr id="250" name="CustomShape 8"/>
           <p:cNvSpPr/>
           <p:nvPr/>
         </p:nvSpPr>
         <p:spPr>
           <a:xfrm>
             <a:off x="7087320" y="2520720"/>
-            <a:ext cx="1437120" cy="1438920"/>
+            <a:ext cx="1436760" cy="1438560"/>
           </a:xfrm>
           <a:prstGeom prst="ellipse">
             <a:avLst/>
@@ -12286,14 +12084,14 @@
       </p:sp>
       <p:sp>
         <p:nvSpPr>
-          <p:cNvPr id="267" name="CustomShape 9"/>
+          <p:cNvPr id="251" name="CustomShape 9"/>
           <p:cNvSpPr/>
           <p:nvPr/>
         </p:nvSpPr>
         <p:spPr>
           <a:xfrm>
             <a:off x="9362520" y="1152000"/>
-            <a:ext cx="1437120" cy="1438920"/>
+            <a:ext cx="1436760" cy="1438560"/>
           </a:xfrm>
           <a:prstGeom prst="ellipse">
             <a:avLst/>
@@ -12380,14 +12178,14 @@
       </p:sp>
       <p:sp>
         <p:nvSpPr>
-          <p:cNvPr id="268" name="CustomShape 10"/>
+          <p:cNvPr id="252" name="CustomShape 10"/>
           <p:cNvSpPr/>
           <p:nvPr/>
         </p:nvSpPr>
         <p:spPr>
           <a:xfrm>
             <a:off x="4608000" y="2709000"/>
-            <a:ext cx="6583320" cy="4020480"/>
+            <a:ext cx="6582960" cy="4020120"/>
           </a:xfrm>
           <a:custGeom>
             <a:avLst/>
@@ -12488,14 +12286,14 @@
       </p:sp>
       <p:sp>
         <p:nvSpPr>
-          <p:cNvPr id="269" name="CustomShape 11"/>
+          <p:cNvPr id="253" name="CustomShape 11"/>
           <p:cNvSpPr/>
           <p:nvPr/>
         </p:nvSpPr>
         <p:spPr>
           <a:xfrm>
             <a:off x="7592760" y="1645560"/>
-            <a:ext cx="1036440" cy="699480"/>
+            <a:ext cx="1036080" cy="699120"/>
           </a:xfrm>
           <a:prstGeom prst="rect">
             <a:avLst/>
@@ -12514,14 +12312,14 @@
       </p:sp>
       <p:sp>
         <p:nvSpPr>
-          <p:cNvPr id="270" name="CustomShape 12"/>
+          <p:cNvPr id="254" name="CustomShape 12"/>
           <p:cNvSpPr/>
           <p:nvPr/>
         </p:nvSpPr>
         <p:spPr>
           <a:xfrm>
             <a:off x="5690880" y="3061440"/>
-            <a:ext cx="1013400" cy="699480"/>
+            <a:ext cx="1013040" cy="699120"/>
           </a:xfrm>
           <a:prstGeom prst="rect">
             <a:avLst/>
@@ -12540,14 +12338,14 @@
       </p:sp>
       <p:sp>
         <p:nvSpPr>
-          <p:cNvPr id="271" name="CustomShape 13"/>
+          <p:cNvPr id="255" name="CustomShape 13"/>
           <p:cNvSpPr/>
           <p:nvPr/>
         </p:nvSpPr>
         <p:spPr>
           <a:xfrm>
             <a:off x="3579840" y="4448160"/>
-            <a:ext cx="1224720" cy="699480"/>
+            <a:ext cx="1224360" cy="699120"/>
           </a:xfrm>
           <a:prstGeom prst="rect">
             <a:avLst/>
@@ -12566,14 +12364,14 @@
       </p:sp>
       <p:sp>
         <p:nvSpPr>
-          <p:cNvPr id="272" name="CustomShape 14"/>
+          <p:cNvPr id="256" name="CustomShape 14"/>
           <p:cNvSpPr/>
           <p:nvPr/>
         </p:nvSpPr>
         <p:spPr>
           <a:xfrm>
             <a:off x="5184000" y="5832000"/>
-            <a:ext cx="1198440" cy="394560"/>
+            <a:ext cx="1198080" cy="394200"/>
           </a:xfrm>
           <a:prstGeom prst="rect">
             <a:avLst/>
@@ -12628,14 +12426,14 @@
       </p:sp>
       <p:sp>
         <p:nvSpPr>
-          <p:cNvPr id="273" name="CustomShape 15"/>
+          <p:cNvPr id="257" name="CustomShape 15"/>
           <p:cNvSpPr/>
           <p:nvPr/>
         </p:nvSpPr>
         <p:spPr>
           <a:xfrm>
             <a:off x="7344000" y="4464000"/>
-            <a:ext cx="1198440" cy="394560"/>
+            <a:ext cx="1198080" cy="394200"/>
           </a:xfrm>
           <a:prstGeom prst="rect">
             <a:avLst/>
@@ -12690,14 +12488,14 @@
       </p:sp>
       <p:sp>
         <p:nvSpPr>
-          <p:cNvPr id="274" name="CustomShape 16"/>
+          <p:cNvPr id="258" name="CustomShape 16"/>
           <p:cNvSpPr/>
           <p:nvPr/>
         </p:nvSpPr>
         <p:spPr>
           <a:xfrm>
             <a:off x="9576000" y="3096000"/>
-            <a:ext cx="1198440" cy="394560"/>
+            <a:ext cx="1198080" cy="394200"/>
           </a:xfrm>
           <a:prstGeom prst="rect">
             <a:avLst/>
@@ -12752,14 +12550,14 @@
       </p:sp>
       <p:sp>
         <p:nvSpPr>
-          <p:cNvPr id="275" name="CustomShape 17"/>
+          <p:cNvPr id="259" name="CustomShape 17"/>
           <p:cNvSpPr/>
           <p:nvPr/>
         </p:nvSpPr>
         <p:spPr>
           <a:xfrm>
             <a:off x="3191040" y="2709000"/>
-            <a:ext cx="3998880" cy="515520"/>
+            <a:ext cx="3998520" cy="515160"/>
           </a:xfrm>
           <a:prstGeom prst="rect">
             <a:avLst/>
@@ -12778,14 +12576,14 @@
       </p:sp>
       <p:sp>
         <p:nvSpPr>
-          <p:cNvPr id="276" name="Line 18"/>
+          <p:cNvPr id="260" name="Line 18"/>
           <p:cNvSpPr/>
           <p:nvPr/>
         </p:nvSpPr>
         <p:spPr>
           <a:xfrm flipH="1">
             <a:off x="5518800" y="1799640"/>
-            <a:ext cx="3590640" cy="0"/>
+            <a:ext cx="3590640" cy="360"/>
           </a:xfrm>
           <a:prstGeom prst="line">
             <a:avLst/>
@@ -12808,7 +12606,7 @@
       </p:sp>
       <p:sp>
         <p:nvSpPr>
-          <p:cNvPr id="277" name="Line 19"/>
+          <p:cNvPr id="261" name="Line 19"/>
           <p:cNvSpPr/>
           <p:nvPr/>
         </p:nvSpPr>
@@ -12838,14 +12636,14 @@
       </p:sp>
       <p:sp>
         <p:nvSpPr>
-          <p:cNvPr id="278" name="Line 20"/>
+          <p:cNvPr id="262" name="Line 20"/>
           <p:cNvSpPr/>
           <p:nvPr/>
         </p:nvSpPr>
         <p:spPr>
           <a:xfrm flipH="1">
             <a:off x="4109400" y="4680000"/>
-            <a:ext cx="786600" cy="0"/>
+            <a:ext cx="786600" cy="360"/>
           </a:xfrm>
           <a:prstGeom prst="line">
             <a:avLst/>
@@ -12868,14 +12666,14 @@
       </p:sp>
       <p:sp>
         <p:nvSpPr>
-          <p:cNvPr id="279" name="CustomShape 21"/>
+          <p:cNvPr id="263" name="CustomShape 21"/>
           <p:cNvSpPr/>
           <p:nvPr/>
         </p:nvSpPr>
         <p:spPr>
           <a:xfrm>
             <a:off x="1296000" y="4464000"/>
-            <a:ext cx="1198440" cy="425520"/>
+            <a:ext cx="1198080" cy="425160"/>
           </a:xfrm>
           <a:prstGeom prst="rect">
             <a:avLst/>
@@ -12894,14 +12692,14 @@
       </p:sp>
       <p:sp>
         <p:nvSpPr>
-          <p:cNvPr id="280" name="TextShape 22"/>
-          <p:cNvSpPr txBox="1"/>
+          <p:cNvPr id="264" name="CustomShape 22"/>
+          <p:cNvSpPr/>
           <p:nvPr/>
         </p:nvSpPr>
         <p:spPr>
           <a:xfrm>
             <a:off x="1159920" y="1402200"/>
-            <a:ext cx="4366800" cy="785880"/>
+            <a:ext cx="4366440" cy="785520"/>
           </a:xfrm>
           <a:prstGeom prst="rect">
             <a:avLst/>
@@ -12911,6 +12709,12 @@
             <a:noFill/>
           </a:ln>
         </p:spPr>
+        <p:style>
+          <a:lnRef idx="0"/>
+          <a:fillRef idx="0"/>
+          <a:effectRef idx="0"/>
+          <a:fontRef idx="minor"/>
+        </p:style>
         <p:txBody>
           <a:bodyPr lIns="90000" rIns="90000" tIns="45000" bIns="45000"/>
           <a:p>
@@ -13013,14 +12817,14 @@
       </p:sp>
       <p:sp>
         <p:nvSpPr>
-          <p:cNvPr id="281" name="TextShape 23"/>
-          <p:cNvSpPr txBox="1"/>
+          <p:cNvPr id="265" name="CustomShape 23"/>
+          <p:cNvSpPr/>
           <p:nvPr/>
         </p:nvSpPr>
         <p:spPr>
           <a:xfrm>
             <a:off x="1191600" y="2628000"/>
-            <a:ext cx="3704400" cy="1095840"/>
+            <a:ext cx="3704040" cy="1095480"/>
           </a:xfrm>
           <a:prstGeom prst="rect">
             <a:avLst/>
@@ -13030,6 +12834,12 @@
             <a:noFill/>
           </a:ln>
         </p:spPr>
+        <p:style>
+          <a:lnRef idx="0"/>
+          <a:fillRef idx="0"/>
+          <a:effectRef idx="0"/>
+          <a:fontRef idx="minor"/>
+        </p:style>
         <p:txBody>
           <a:bodyPr lIns="90000" rIns="90000" tIns="45000" bIns="45000"/>
           <a:p>
@@ -13180,14 +12990,14 @@
       </p:sp>
       <p:sp>
         <p:nvSpPr>
-          <p:cNvPr id="282" name="TextShape 24"/>
-          <p:cNvSpPr txBox="1"/>
+          <p:cNvPr id="266" name="CustomShape 24"/>
+          <p:cNvSpPr/>
           <p:nvPr/>
         </p:nvSpPr>
         <p:spPr>
           <a:xfrm>
             <a:off x="1227600" y="4032000"/>
-            <a:ext cx="2768400" cy="1766160"/>
+            <a:ext cx="2768040" cy="1765800"/>
           </a:xfrm>
           <a:prstGeom prst="rect">
             <a:avLst/>
@@ -13197,6 +13007,12 @@
             <a:noFill/>
           </a:ln>
         </p:spPr>
+        <p:style>
+          <a:lnRef idx="0"/>
+          <a:fillRef idx="0"/>
+          <a:effectRef idx="0"/>
+          <a:fontRef idx="minor"/>
+        </p:style>
         <p:txBody>
           <a:bodyPr lIns="90000" rIns="90000" tIns="45000" bIns="45000"/>
           <a:p>
@@ -13348,14 +13164,14 @@
       </p:grpSpPr>
       <p:sp>
         <p:nvSpPr>
-          <p:cNvPr id="283" name="CustomShape 1"/>
+          <p:cNvPr id="267" name="CustomShape 1"/>
           <p:cNvSpPr/>
           <p:nvPr/>
         </p:nvSpPr>
         <p:spPr>
           <a:xfrm>
             <a:off x="0" y="205200"/>
-            <a:ext cx="12191040" cy="599760"/>
+            <a:ext cx="12190680" cy="599400"/>
           </a:xfrm>
           <a:prstGeom prst="rect">
             <a:avLst/>
@@ -13384,14 +13200,14 @@
       </p:sp>
       <p:sp>
         <p:nvSpPr>
-          <p:cNvPr id="284" name="CustomShape 2"/>
+          <p:cNvPr id="268" name="CustomShape 2"/>
           <p:cNvSpPr/>
           <p:nvPr/>
         </p:nvSpPr>
         <p:spPr>
           <a:xfrm flipH="1">
-            <a:off x="265680" y="806040"/>
-            <a:ext cx="311040" cy="88200"/>
+            <a:off x="264960" y="806040"/>
+            <a:ext cx="310680" cy="87840"/>
           </a:xfrm>
           <a:custGeom>
             <a:avLst/>
@@ -13443,14 +13259,14 @@
       </p:sp>
       <p:sp>
         <p:nvSpPr>
-          <p:cNvPr id="285" name="CustomShape 3"/>
+          <p:cNvPr id="269" name="CustomShape 3"/>
           <p:cNvSpPr/>
           <p:nvPr/>
         </p:nvSpPr>
         <p:spPr>
           <a:xfrm flipV="1">
             <a:off x="1457280" y="114840"/>
-            <a:ext cx="311040" cy="88200"/>
+            <a:ext cx="310680" cy="87840"/>
           </a:xfrm>
           <a:custGeom>
             <a:avLst/>
@@ -13502,14 +13318,14 @@
       </p:sp>
       <p:sp>
         <p:nvSpPr>
-          <p:cNvPr id="286" name="CustomShape 4"/>
+          <p:cNvPr id="270" name="CustomShape 4"/>
           <p:cNvSpPr/>
           <p:nvPr/>
         </p:nvSpPr>
         <p:spPr>
           <a:xfrm flipH="1">
-            <a:off x="311760" y="116280"/>
-            <a:ext cx="1401840" cy="778320"/>
+            <a:off x="311040" y="116280"/>
+            <a:ext cx="1401480" cy="777960"/>
           </a:xfrm>
           <a:prstGeom prst="parallelogram">
             <a:avLst>
@@ -13540,14 +13356,14 @@
       </p:sp>
       <p:sp>
         <p:nvSpPr>
-          <p:cNvPr id="287" name="CustomShape 5"/>
+          <p:cNvPr id="271" name="CustomShape 5"/>
           <p:cNvSpPr/>
           <p:nvPr/>
         </p:nvSpPr>
         <p:spPr>
           <a:xfrm>
             <a:off x="302040" y="244080"/>
-            <a:ext cx="1323000" cy="516240"/>
+            <a:ext cx="1322640" cy="515880"/>
           </a:xfrm>
           <a:prstGeom prst="rect">
             <a:avLst/>
@@ -13602,14 +13418,14 @@
       </p:sp>
       <p:sp>
         <p:nvSpPr>
-          <p:cNvPr id="288" name="CustomShape 6"/>
+          <p:cNvPr id="272" name="CustomShape 6"/>
           <p:cNvSpPr/>
           <p:nvPr/>
         </p:nvSpPr>
         <p:spPr>
           <a:xfrm>
             <a:off x="2002320" y="244080"/>
-            <a:ext cx="2893680" cy="515520"/>
+            <a:ext cx="2893320" cy="515160"/>
           </a:xfrm>
           <a:prstGeom prst="rect">
             <a:avLst/>
@@ -13634,7 +13450,7 @@
               </a:lnSpc>
             </a:pPr>
             <a:r>
-              <a:rPr b="0" lang="en-US" sz="2800" spc="293" strike="noStrike">
+              <a:rPr b="0" lang="en-US" sz="2800" spc="290" strike="noStrike">
                 <a:solidFill>
                   <a:srgbClr val="ffffff"/>
                 </a:solidFill>
@@ -13664,14 +13480,14 @@
       </p:sp>
       <p:sp>
         <p:nvSpPr>
-          <p:cNvPr id="289" name="CustomShape 7"/>
+          <p:cNvPr id="273" name="CustomShape 7"/>
           <p:cNvSpPr/>
           <p:nvPr/>
         </p:nvSpPr>
         <p:spPr>
           <a:xfrm>
             <a:off x="1418040" y="1471320"/>
-            <a:ext cx="798840" cy="798840"/>
+            <a:ext cx="798480" cy="798480"/>
           </a:xfrm>
           <a:prstGeom prst="ellipse">
             <a:avLst/>
@@ -13692,14 +13508,14 @@
       </p:sp>
       <p:sp>
         <p:nvSpPr>
-          <p:cNvPr id="290" name="CustomShape 8"/>
+          <p:cNvPr id="274" name="CustomShape 8"/>
           <p:cNvSpPr/>
           <p:nvPr/>
         </p:nvSpPr>
         <p:spPr>
           <a:xfrm>
             <a:off x="1451160" y="1578960"/>
-            <a:ext cx="681840" cy="576360"/>
+            <a:ext cx="681480" cy="576000"/>
           </a:xfrm>
           <a:prstGeom prst="rect">
             <a:avLst/>
@@ -13754,14 +13570,14 @@
       </p:sp>
       <p:sp>
         <p:nvSpPr>
-          <p:cNvPr id="291" name="CustomShape 9"/>
+          <p:cNvPr id="275" name="CustomShape 9"/>
           <p:cNvSpPr/>
           <p:nvPr/>
         </p:nvSpPr>
         <p:spPr>
           <a:xfrm>
             <a:off x="1418040" y="3407400"/>
-            <a:ext cx="798840" cy="798840"/>
+            <a:ext cx="798480" cy="798480"/>
           </a:xfrm>
           <a:prstGeom prst="ellipse">
             <a:avLst/>
@@ -13782,14 +13598,14 @@
       </p:sp>
       <p:sp>
         <p:nvSpPr>
-          <p:cNvPr id="292" name="CustomShape 10"/>
+          <p:cNvPr id="276" name="CustomShape 10"/>
           <p:cNvSpPr/>
           <p:nvPr/>
         </p:nvSpPr>
         <p:spPr>
           <a:xfrm>
             <a:off x="1451160" y="3515040"/>
-            <a:ext cx="681840" cy="576360"/>
+            <a:ext cx="681480" cy="576000"/>
           </a:xfrm>
           <a:prstGeom prst="rect">
             <a:avLst/>
@@ -13844,14 +13660,14 @@
       </p:sp>
       <p:sp>
         <p:nvSpPr>
-          <p:cNvPr id="293" name="CustomShape 11"/>
+          <p:cNvPr id="277" name="CustomShape 11"/>
           <p:cNvSpPr/>
           <p:nvPr/>
         </p:nvSpPr>
         <p:spPr>
           <a:xfrm>
             <a:off x="1418040" y="5396760"/>
-            <a:ext cx="798840" cy="798840"/>
+            <a:ext cx="798480" cy="798480"/>
           </a:xfrm>
           <a:prstGeom prst="ellipse">
             <a:avLst/>
@@ -13872,14 +13688,14 @@
       </p:sp>
       <p:sp>
         <p:nvSpPr>
-          <p:cNvPr id="294" name="CustomShape 12"/>
+          <p:cNvPr id="278" name="CustomShape 12"/>
           <p:cNvSpPr/>
           <p:nvPr/>
         </p:nvSpPr>
         <p:spPr>
           <a:xfrm>
             <a:off x="1451160" y="5504400"/>
-            <a:ext cx="681840" cy="576360"/>
+            <a:ext cx="681480" cy="576000"/>
           </a:xfrm>
           <a:prstGeom prst="rect">
             <a:avLst/>
@@ -13934,7 +13750,7 @@
       </p:sp>
       <p:sp>
         <p:nvSpPr>
-          <p:cNvPr id="295" name="Line 13"/>
+          <p:cNvPr id="279" name="Line 13"/>
           <p:cNvSpPr/>
           <p:nvPr/>
         </p:nvSpPr>
@@ -13962,14 +13778,14 @@
       </p:sp>
       <p:sp>
         <p:nvSpPr>
-          <p:cNvPr id="296" name="CustomShape 14"/>
+          <p:cNvPr id="280" name="CustomShape 14"/>
           <p:cNvSpPr/>
           <p:nvPr/>
         </p:nvSpPr>
         <p:spPr>
           <a:xfrm>
             <a:off x="2354040" y="1837800"/>
-            <a:ext cx="8694360" cy="576360"/>
+            <a:ext cx="8694000" cy="576000"/>
           </a:xfrm>
           <a:prstGeom prst="rect">
             <a:avLst/>
@@ -13988,14 +13804,14 @@
       </p:sp>
       <p:sp>
         <p:nvSpPr>
-          <p:cNvPr id="297" name="CustomShape 15"/>
+          <p:cNvPr id="281" name="CustomShape 15"/>
           <p:cNvSpPr/>
           <p:nvPr/>
         </p:nvSpPr>
         <p:spPr>
           <a:xfrm>
             <a:off x="2354040" y="3299760"/>
-            <a:ext cx="2325960" cy="424800"/>
+            <a:ext cx="2325600" cy="424440"/>
           </a:xfrm>
           <a:prstGeom prst="rect">
             <a:avLst/>
@@ -14032,12 +13848,59 @@
                 <a:latin typeface="微软雅黑"/>
                 <a:ea typeface="微软雅黑"/>
               </a:rPr>
-              <a:t>多</a:t>
+              <a:t>多交流沟通</a:t>
             </a:r>
+            <a:endParaRPr b="0" lang="en-US" sz="1800" spc="-1" strike="noStrike">
+              <a:solidFill>
+                <a:srgbClr val="000000"/>
+              </a:solidFill>
+              <a:uFill>
+                <a:solidFill>
+                  <a:srgbClr val="ffffff"/>
+                </a:solidFill>
+              </a:uFill>
+              <a:latin typeface="Arial"/>
+            </a:endParaRPr>
+          </a:p>
+        </p:txBody>
+      </p:sp>
+      <p:sp>
+        <p:nvSpPr>
+          <p:cNvPr id="282" name="CustomShape 16"/>
+          <p:cNvSpPr/>
+          <p:nvPr/>
+        </p:nvSpPr>
+        <p:spPr>
+          <a:xfrm>
+            <a:off x="2354040" y="5609880"/>
+            <a:ext cx="8694000" cy="818640"/>
+          </a:xfrm>
+          <a:prstGeom prst="rect">
+            <a:avLst/>
+          </a:prstGeom>
+          <a:noFill/>
+          <a:ln>
+            <a:noFill/>
+          </a:ln>
+        </p:spPr>
+        <p:style>
+          <a:lnRef idx="0"/>
+          <a:fillRef idx="0"/>
+          <a:effectRef idx="0"/>
+          <a:fontRef idx="minor"/>
+        </p:style>
+        <p:txBody>
+          <a:bodyPr lIns="90000" rIns="90000" tIns="45000" bIns="45000"/>
+          <a:p>
+            <a:pPr algn="just">
+              <a:lnSpc>
+                <a:spcPct val="100000"/>
+              </a:lnSpc>
+            </a:pPr>
             <a:r>
-              <a:rPr b="1" lang="en-US" sz="2200" spc="-1" strike="noStrike">
-                <a:solidFill>
-                  <a:srgbClr val="136083"/>
+              <a:rPr b="0" lang="en-US" sz="1600" spc="-1" strike="noStrike">
+                <a:solidFill>
+                  <a:srgbClr val="595959"/>
                 </a:solidFill>
                 <a:uFill>
                   <a:solidFill>
@@ -14047,99 +13910,7 @@
                 <a:latin typeface="微软雅黑"/>
                 <a:ea typeface="微软雅黑"/>
               </a:rPr>
-              <a:t>交流</a:t>
-            </a:r>
-            <a:r>
-              <a:rPr b="1" lang="en-US" sz="2200" spc="-1" strike="noStrike">
-                <a:solidFill>
-                  <a:srgbClr val="136083"/>
-                </a:solidFill>
-                <a:uFill>
-                  <a:solidFill>
-                    <a:srgbClr val="ffffff"/>
-                  </a:solidFill>
-                </a:uFill>
-                <a:latin typeface="微软雅黑"/>
-                <a:ea typeface="微软雅黑"/>
-              </a:rPr>
-              <a:t>沟通</a:t>
-            </a:r>
-            <a:endParaRPr b="0" lang="en-US" sz="1800" spc="-1" strike="noStrike">
-              <a:solidFill>
-                <a:srgbClr val="000000"/>
-              </a:solidFill>
-              <a:uFill>
-                <a:solidFill>
-                  <a:srgbClr val="ffffff"/>
-                </a:solidFill>
-              </a:uFill>
-              <a:latin typeface="Arial"/>
-            </a:endParaRPr>
-          </a:p>
-        </p:txBody>
-      </p:sp>
-      <p:sp>
-        <p:nvSpPr>
-          <p:cNvPr id="298" name="CustomShape 16"/>
-          <p:cNvSpPr/>
-          <p:nvPr/>
-        </p:nvSpPr>
-        <p:spPr>
-          <a:xfrm>
-            <a:off x="2354040" y="5609880"/>
-            <a:ext cx="8694360" cy="819000"/>
-          </a:xfrm>
-          <a:prstGeom prst="rect">
-            <a:avLst/>
-          </a:prstGeom>
-          <a:noFill/>
-          <a:ln>
-            <a:noFill/>
-          </a:ln>
-        </p:spPr>
-        <p:style>
-          <a:lnRef idx="0"/>
-          <a:fillRef idx="0"/>
-          <a:effectRef idx="0"/>
-          <a:fontRef idx="minor"/>
-        </p:style>
-        <p:txBody>
-          <a:bodyPr lIns="90000" rIns="90000" tIns="45000" bIns="45000"/>
-          <a:p>
-            <a:pPr algn="just">
-              <a:lnSpc>
-                <a:spcPct val="100000"/>
-              </a:lnSpc>
-            </a:pPr>
-            <a:r>
-              <a:rPr b="0" lang="en-US" sz="1600" spc="-1" strike="noStrike">
-                <a:solidFill>
-                  <a:srgbClr val="595959"/>
-                </a:solidFill>
-                <a:uFill>
-                  <a:solidFill>
-                    <a:srgbClr val="ffffff"/>
-                  </a:solidFill>
-                </a:uFill>
-                <a:latin typeface="微软雅黑"/>
-                <a:ea typeface="微软雅黑"/>
-              </a:rPr>
-              <a:t>主动承担更多的开发任务</a:t>
-            </a:r>
-            <a:r>
-              <a:rPr b="0" lang="en-US" sz="1600" spc="-1" strike="noStrike">
-                <a:solidFill>
-                  <a:srgbClr val="595959"/>
-                </a:solidFill>
-                <a:uFill>
-                  <a:solidFill>
-                    <a:srgbClr val="ffffff"/>
-                  </a:solidFill>
-                </a:uFill>
-                <a:latin typeface="微软雅黑"/>
-                <a:ea typeface="微软雅黑"/>
-              </a:rPr>
-              <a:t>。跳出做任务的思维，培养</a:t>
+              <a:t>主动承担更多的开发任务。跳出做任务的思维，培养</a:t>
             </a:r>
             <a:r>
               <a:rPr b="0" lang="en-US" sz="1600" spc="-1" strike="noStrike">
@@ -14169,22 +13940,7 @@
                 <a:latin typeface="微软雅黑"/>
                 <a:ea typeface="微软雅黑"/>
               </a:rPr>
-              <a:t>意识</a:t>
-            </a:r>
-            <a:r>
-              <a:rPr b="0" lang="en-US" sz="1600" spc="-1" strike="noStrike">
-                <a:solidFill>
-                  <a:srgbClr val="595959"/>
-                </a:solidFill>
-                <a:uFill>
-                  <a:solidFill>
-                    <a:srgbClr val="ffffff"/>
-                  </a:solidFill>
-                </a:uFill>
-                <a:latin typeface="微软雅黑"/>
-                <a:ea typeface="微软雅黑"/>
-              </a:rPr>
-              <a:t>，</a:t>
+              <a:t>意识，</a:t>
             </a:r>
             <a:endParaRPr b="0" lang="en-US" sz="1800" spc="-1" strike="noStrike">
               <a:solidFill>
@@ -14268,7 +14024,7 @@
       </p:sp>
       <p:sp>
         <p:nvSpPr>
-          <p:cNvPr id="299" name="Line 17"/>
+          <p:cNvPr id="283" name="Line 17"/>
           <p:cNvSpPr/>
           <p:nvPr/>
         </p:nvSpPr>
@@ -14296,14 +14052,14 @@
       </p:sp>
       <p:sp>
         <p:nvSpPr>
-          <p:cNvPr id="300" name="CustomShape 18"/>
+          <p:cNvPr id="284" name="CustomShape 18"/>
           <p:cNvSpPr/>
           <p:nvPr/>
         </p:nvSpPr>
         <p:spPr>
           <a:xfrm>
             <a:off x="2354040" y="1380960"/>
-            <a:ext cx="2404800" cy="424080"/>
+            <a:ext cx="2404440" cy="423720"/>
           </a:xfrm>
           <a:prstGeom prst="rect">
             <a:avLst/>
@@ -14340,22 +14096,7 @@
                 <a:latin typeface="微软雅黑"/>
                 <a:ea typeface="微软雅黑"/>
               </a:rPr>
-              <a:t>追求</a:t>
-            </a:r>
-            <a:r>
-              <a:rPr b="1" lang="en-US" sz="2200" spc="-1" strike="noStrike">
-                <a:solidFill>
-                  <a:srgbClr val="136083"/>
-                </a:solidFill>
-                <a:uFill>
-                  <a:solidFill>
-                    <a:srgbClr val="ffffff"/>
-                  </a:solidFill>
-                </a:uFill>
-                <a:latin typeface="微软雅黑"/>
-                <a:ea typeface="微软雅黑"/>
-              </a:rPr>
-              <a:t>更深的技术</a:t>
+              <a:t>追求更深的技术</a:t>
             </a:r>
             <a:endParaRPr b="0" lang="en-US" sz="1800" spc="-1" strike="noStrike">
               <a:solidFill>
@@ -14373,14 +14114,14 @@
       </p:sp>
       <p:sp>
         <p:nvSpPr>
-          <p:cNvPr id="301" name="CustomShape 19"/>
+          <p:cNvPr id="285" name="CustomShape 19"/>
           <p:cNvSpPr/>
           <p:nvPr/>
         </p:nvSpPr>
         <p:spPr>
           <a:xfrm>
             <a:off x="2354040" y="3767760"/>
-            <a:ext cx="8694360" cy="575640"/>
+            <a:ext cx="8694000" cy="575280"/>
           </a:xfrm>
           <a:prstGeom prst="rect">
             <a:avLst/>
@@ -14468,14 +14209,14 @@
       </p:sp>
       <p:sp>
         <p:nvSpPr>
-          <p:cNvPr id="302" name="CustomShape 20"/>
+          <p:cNvPr id="286" name="CustomShape 20"/>
           <p:cNvSpPr/>
           <p:nvPr/>
         </p:nvSpPr>
         <p:spPr>
           <a:xfrm>
             <a:off x="2354040" y="5144040"/>
-            <a:ext cx="2069640" cy="424800"/>
+            <a:ext cx="2069280" cy="424440"/>
           </a:xfrm>
           <a:prstGeom prst="rect">
             <a:avLst/>
@@ -14530,14 +14271,14 @@
       </p:sp>
       <p:sp>
         <p:nvSpPr>
-          <p:cNvPr id="303" name="TextShape 21"/>
-          <p:cNvSpPr txBox="1"/>
+          <p:cNvPr id="287" name="CustomShape 21"/>
+          <p:cNvSpPr/>
           <p:nvPr/>
         </p:nvSpPr>
         <p:spPr>
           <a:xfrm>
             <a:off x="2402640" y="1837800"/>
-            <a:ext cx="5805360" cy="876600"/>
+            <a:ext cx="5805000" cy="876240"/>
           </a:xfrm>
           <a:prstGeom prst="rect">
             <a:avLst/>
@@ -14547,6 +14288,12 @@
             <a:noFill/>
           </a:ln>
         </p:spPr>
+        <p:style>
+          <a:lnRef idx="0"/>
+          <a:fillRef idx="0"/>
+          <a:effectRef idx="0"/>
+          <a:fontRef idx="minor"/>
+        </p:style>
         <p:txBody>
           <a:bodyPr lIns="90000" rIns="90000" tIns="45000" bIns="45000"/>
           <a:p>
@@ -14635,14 +14382,14 @@
       </p:grpSpPr>
       <p:sp>
         <p:nvSpPr>
-          <p:cNvPr id="304" name="CustomShape 1"/>
+          <p:cNvPr id="288" name="CustomShape 1"/>
           <p:cNvSpPr/>
           <p:nvPr/>
         </p:nvSpPr>
         <p:spPr>
           <a:xfrm>
             <a:off x="0" y="205200"/>
-            <a:ext cx="12191040" cy="599760"/>
+            <a:ext cx="12190680" cy="599400"/>
           </a:xfrm>
           <a:prstGeom prst="rect">
             <a:avLst/>
@@ -14671,14 +14418,14 @@
       </p:sp>
       <p:sp>
         <p:nvSpPr>
-          <p:cNvPr id="305" name="CustomShape 2"/>
+          <p:cNvPr id="289" name="CustomShape 2"/>
           <p:cNvSpPr/>
           <p:nvPr/>
         </p:nvSpPr>
         <p:spPr>
           <a:xfrm flipH="1">
-            <a:off x="265680" y="806040"/>
-            <a:ext cx="311040" cy="88200"/>
+            <a:off x="264960" y="806040"/>
+            <a:ext cx="310680" cy="87840"/>
           </a:xfrm>
           <a:custGeom>
             <a:avLst/>
@@ -14730,14 +14477,14 @@
       </p:sp>
       <p:sp>
         <p:nvSpPr>
-          <p:cNvPr id="306" name="CustomShape 3"/>
+          <p:cNvPr id="290" name="CustomShape 3"/>
           <p:cNvSpPr/>
           <p:nvPr/>
         </p:nvSpPr>
         <p:spPr>
           <a:xfrm flipV="1">
             <a:off x="1457280" y="114840"/>
-            <a:ext cx="311040" cy="88200"/>
+            <a:ext cx="310680" cy="87840"/>
           </a:xfrm>
           <a:custGeom>
             <a:avLst/>
@@ -14789,14 +14536,14 @@
       </p:sp>
       <p:sp>
         <p:nvSpPr>
-          <p:cNvPr id="307" name="CustomShape 4"/>
+          <p:cNvPr id="291" name="CustomShape 4"/>
           <p:cNvSpPr/>
           <p:nvPr/>
         </p:nvSpPr>
         <p:spPr>
           <a:xfrm flipH="1">
-            <a:off x="311760" y="116280"/>
-            <a:ext cx="1401840" cy="778320"/>
+            <a:off x="311040" y="116280"/>
+            <a:ext cx="1401480" cy="777960"/>
           </a:xfrm>
           <a:prstGeom prst="parallelogram">
             <a:avLst>
@@ -14827,14 +14574,14 @@
       </p:sp>
       <p:sp>
         <p:nvSpPr>
-          <p:cNvPr id="308" name="CustomShape 5"/>
+          <p:cNvPr id="292" name="CustomShape 5"/>
           <p:cNvSpPr/>
           <p:nvPr/>
         </p:nvSpPr>
         <p:spPr>
           <a:xfrm>
             <a:off x="302040" y="244080"/>
-            <a:ext cx="1323000" cy="516240"/>
+            <a:ext cx="1322640" cy="515880"/>
           </a:xfrm>
           <a:prstGeom prst="rect">
             <a:avLst/>
@@ -14889,14 +14636,14 @@
       </p:sp>
       <p:sp>
         <p:nvSpPr>
-          <p:cNvPr id="309" name="CustomShape 6"/>
+          <p:cNvPr id="293" name="CustomShape 6"/>
           <p:cNvSpPr/>
           <p:nvPr/>
         </p:nvSpPr>
         <p:spPr>
           <a:xfrm>
             <a:off x="2002320" y="244080"/>
-            <a:ext cx="2893680" cy="515520"/>
+            <a:ext cx="2893320" cy="515160"/>
           </a:xfrm>
           <a:prstGeom prst="rect">
             <a:avLst/>
@@ -14921,7 +14668,7 @@
               </a:lnSpc>
             </a:pPr>
             <a:r>
-              <a:rPr b="0" lang="en-US" sz="2800" spc="293" strike="noStrike">
+              <a:rPr b="0" lang="en-US" sz="2800" spc="290" strike="noStrike">
                 <a:solidFill>
                   <a:srgbClr val="ffffff"/>
                 </a:solidFill>
@@ -14951,14 +14698,14 @@
       </p:sp>
       <p:sp>
         <p:nvSpPr>
-          <p:cNvPr id="310" name="CustomShape 7"/>
+          <p:cNvPr id="294" name="CustomShape 7"/>
           <p:cNvSpPr/>
           <p:nvPr/>
         </p:nvSpPr>
         <p:spPr>
           <a:xfrm>
             <a:off x="2859840" y="1715040"/>
-            <a:ext cx="2655000" cy="825120"/>
+            <a:ext cx="2654640" cy="824760"/>
           </a:xfrm>
           <a:prstGeom prst="rightArrow">
             <a:avLst>
@@ -14997,14 +14744,14 @@
       </p:sp>
       <p:sp>
         <p:nvSpPr>
-          <p:cNvPr id="311" name="CustomShape 8"/>
+          <p:cNvPr id="295" name="CustomShape 8"/>
           <p:cNvSpPr/>
           <p:nvPr/>
         </p:nvSpPr>
         <p:spPr>
           <a:xfrm>
             <a:off x="2859840" y="2883240"/>
-            <a:ext cx="2655000" cy="825120"/>
+            <a:ext cx="2654640" cy="824760"/>
           </a:xfrm>
           <a:prstGeom prst="rightArrow">
             <a:avLst>
@@ -15043,14 +14790,14 @@
       </p:sp>
       <p:sp>
         <p:nvSpPr>
-          <p:cNvPr id="312" name="CustomShape 9"/>
+          <p:cNvPr id="296" name="CustomShape 9"/>
           <p:cNvSpPr/>
           <p:nvPr/>
         </p:nvSpPr>
         <p:spPr>
           <a:xfrm>
             <a:off x="2859840" y="4051080"/>
-            <a:ext cx="2655000" cy="822960"/>
+            <a:ext cx="2654640" cy="822600"/>
           </a:xfrm>
           <a:prstGeom prst="rightArrow">
             <a:avLst>
@@ -15089,14 +14836,14 @@
       </p:sp>
       <p:sp>
         <p:nvSpPr>
-          <p:cNvPr id="313" name="CustomShape 10"/>
+          <p:cNvPr id="297" name="CustomShape 10"/>
           <p:cNvSpPr/>
           <p:nvPr/>
         </p:nvSpPr>
         <p:spPr>
           <a:xfrm>
             <a:off x="2859840" y="5217120"/>
-            <a:ext cx="2655000" cy="825120"/>
+            <a:ext cx="2654640" cy="824760"/>
           </a:xfrm>
           <a:prstGeom prst="rightArrow">
             <a:avLst>
@@ -15135,14 +14882,14 @@
       </p:sp>
       <p:sp>
         <p:nvSpPr>
-          <p:cNvPr id="314" name="CustomShape 11"/>
+          <p:cNvPr id="298" name="CustomShape 11"/>
           <p:cNvSpPr/>
           <p:nvPr/>
         </p:nvSpPr>
         <p:spPr>
           <a:xfrm flipV="1">
             <a:off x="3916080" y="2411640"/>
-            <a:ext cx="138960" cy="127080"/>
+            <a:ext cx="138600" cy="126720"/>
           </a:xfrm>
           <a:prstGeom prst="rtTriangle">
             <a:avLst/>
@@ -15171,14 +14918,14 @@
       </p:sp>
       <p:sp>
         <p:nvSpPr>
-          <p:cNvPr id="315" name="CustomShape 12"/>
+          <p:cNvPr id="299" name="CustomShape 12"/>
           <p:cNvSpPr/>
           <p:nvPr/>
         </p:nvSpPr>
         <p:spPr>
           <a:xfrm>
             <a:off x="3916080" y="1715040"/>
-            <a:ext cx="138960" cy="127080"/>
+            <a:ext cx="138600" cy="126720"/>
           </a:xfrm>
           <a:prstGeom prst="rtTriangle">
             <a:avLst/>
@@ -15207,14 +14954,14 @@
       </p:sp>
       <p:sp>
         <p:nvSpPr>
-          <p:cNvPr id="316" name="CustomShape 13"/>
+          <p:cNvPr id="300" name="CustomShape 13"/>
           <p:cNvSpPr/>
           <p:nvPr/>
         </p:nvSpPr>
         <p:spPr>
           <a:xfrm>
             <a:off x="1547640" y="1715040"/>
-            <a:ext cx="2367000" cy="825120"/>
+            <a:ext cx="2366640" cy="824760"/>
           </a:xfrm>
           <a:prstGeom prst="rect">
             <a:avLst/>
@@ -15279,14 +15026,14 @@
       </p:sp>
       <p:sp>
         <p:nvSpPr>
-          <p:cNvPr id="317" name="CustomShape 14"/>
+          <p:cNvPr id="301" name="CustomShape 14"/>
           <p:cNvSpPr/>
           <p:nvPr/>
         </p:nvSpPr>
         <p:spPr>
           <a:xfrm flipV="1">
             <a:off x="3916080" y="3579840"/>
-            <a:ext cx="138960" cy="127080"/>
+            <a:ext cx="138600" cy="126720"/>
           </a:xfrm>
           <a:prstGeom prst="rtTriangle">
             <a:avLst/>
@@ -15315,14 +15062,14 @@
       </p:sp>
       <p:sp>
         <p:nvSpPr>
-          <p:cNvPr id="318" name="CustomShape 15"/>
+          <p:cNvPr id="302" name="CustomShape 15"/>
           <p:cNvSpPr/>
           <p:nvPr/>
         </p:nvSpPr>
         <p:spPr>
           <a:xfrm>
             <a:off x="3916080" y="2883240"/>
-            <a:ext cx="138960" cy="127080"/>
+            <a:ext cx="138600" cy="126720"/>
           </a:xfrm>
           <a:prstGeom prst="rtTriangle">
             <a:avLst/>
@@ -15351,14 +15098,14 @@
       </p:sp>
       <p:sp>
         <p:nvSpPr>
-          <p:cNvPr id="319" name="CustomShape 16"/>
+          <p:cNvPr id="303" name="CustomShape 16"/>
           <p:cNvSpPr/>
           <p:nvPr/>
         </p:nvSpPr>
         <p:spPr>
           <a:xfrm>
             <a:off x="1547640" y="2883240"/>
-            <a:ext cx="2367000" cy="825120"/>
+            <a:ext cx="2366640" cy="824760"/>
           </a:xfrm>
           <a:prstGeom prst="rect">
             <a:avLst/>
@@ -15423,14 +15170,14 @@
       </p:sp>
       <p:sp>
         <p:nvSpPr>
-          <p:cNvPr id="320" name="CustomShape 17"/>
+          <p:cNvPr id="304" name="CustomShape 17"/>
           <p:cNvSpPr/>
           <p:nvPr/>
         </p:nvSpPr>
         <p:spPr>
           <a:xfrm flipV="1">
             <a:off x="3916080" y="4745880"/>
-            <a:ext cx="138960" cy="127080"/>
+            <a:ext cx="138600" cy="126720"/>
           </a:xfrm>
           <a:prstGeom prst="rtTriangle">
             <a:avLst/>
@@ -15459,14 +15206,14 @@
       </p:sp>
       <p:sp>
         <p:nvSpPr>
-          <p:cNvPr id="321" name="CustomShape 18"/>
+          <p:cNvPr id="305" name="CustomShape 18"/>
           <p:cNvSpPr/>
           <p:nvPr/>
         </p:nvSpPr>
         <p:spPr>
           <a:xfrm>
             <a:off x="3916080" y="4051080"/>
-            <a:ext cx="138960" cy="124920"/>
+            <a:ext cx="138600" cy="124560"/>
           </a:xfrm>
           <a:prstGeom prst="rtTriangle">
             <a:avLst/>
@@ -15495,14 +15242,14 @@
       </p:sp>
       <p:sp>
         <p:nvSpPr>
-          <p:cNvPr id="322" name="CustomShape 19"/>
+          <p:cNvPr id="306" name="CustomShape 19"/>
           <p:cNvSpPr/>
           <p:nvPr/>
         </p:nvSpPr>
         <p:spPr>
           <a:xfrm>
             <a:off x="1547640" y="4051080"/>
-            <a:ext cx="2367000" cy="822960"/>
+            <a:ext cx="2366640" cy="822600"/>
           </a:xfrm>
           <a:prstGeom prst="rect">
             <a:avLst/>
@@ -15567,14 +15314,14 @@
       </p:sp>
       <p:sp>
         <p:nvSpPr>
-          <p:cNvPr id="323" name="CustomShape 20"/>
+          <p:cNvPr id="307" name="CustomShape 20"/>
           <p:cNvSpPr/>
           <p:nvPr/>
         </p:nvSpPr>
         <p:spPr>
           <a:xfrm flipV="1">
             <a:off x="3916080" y="5913720"/>
-            <a:ext cx="138960" cy="127080"/>
+            <a:ext cx="138600" cy="126720"/>
           </a:xfrm>
           <a:prstGeom prst="rtTriangle">
             <a:avLst/>
@@ -15603,14 +15350,14 @@
       </p:sp>
       <p:sp>
         <p:nvSpPr>
-          <p:cNvPr id="324" name="CustomShape 21"/>
+          <p:cNvPr id="308" name="CustomShape 21"/>
           <p:cNvSpPr/>
           <p:nvPr/>
         </p:nvSpPr>
         <p:spPr>
           <a:xfrm>
             <a:off x="3916080" y="5217120"/>
-            <a:ext cx="138960" cy="127080"/>
+            <a:ext cx="138600" cy="126720"/>
           </a:xfrm>
           <a:prstGeom prst="rtTriangle">
             <a:avLst/>
@@ -15639,14 +15386,14 @@
       </p:sp>
       <p:sp>
         <p:nvSpPr>
-          <p:cNvPr id="325" name="CustomShape 22"/>
+          <p:cNvPr id="309" name="CustomShape 22"/>
           <p:cNvSpPr/>
           <p:nvPr/>
         </p:nvSpPr>
         <p:spPr>
           <a:xfrm>
             <a:off x="1547640" y="5217120"/>
-            <a:ext cx="2367000" cy="825120"/>
+            <a:ext cx="2366640" cy="824760"/>
           </a:xfrm>
           <a:prstGeom prst="rect">
             <a:avLst/>
@@ -15711,14 +15458,14 @@
       </p:sp>
       <p:sp>
         <p:nvSpPr>
-          <p:cNvPr id="326" name="CustomShape 23"/>
+          <p:cNvPr id="310" name="CustomShape 23"/>
           <p:cNvSpPr/>
           <p:nvPr/>
         </p:nvSpPr>
         <p:spPr>
           <a:xfrm>
             <a:off x="5724000" y="1661040"/>
-            <a:ext cx="5075280" cy="920880"/>
+            <a:ext cx="5074920" cy="920520"/>
           </a:xfrm>
           <a:prstGeom prst="rect">
             <a:avLst/>
@@ -15773,14 +15520,14 @@
       </p:sp>
       <p:sp>
         <p:nvSpPr>
-          <p:cNvPr id="327" name="CustomShape 24"/>
+          <p:cNvPr id="311" name="CustomShape 24"/>
           <p:cNvSpPr/>
           <p:nvPr/>
         </p:nvSpPr>
         <p:spPr>
           <a:xfrm>
             <a:off x="5724000" y="2825280"/>
-            <a:ext cx="5075280" cy="937080"/>
+            <a:ext cx="5074920" cy="936720"/>
           </a:xfrm>
           <a:prstGeom prst="rect">
             <a:avLst/>
@@ -15799,14 +15546,14 @@
       </p:sp>
       <p:sp>
         <p:nvSpPr>
-          <p:cNvPr id="328" name="CustomShape 25"/>
+          <p:cNvPr id="312" name="CustomShape 25"/>
           <p:cNvSpPr/>
           <p:nvPr/>
         </p:nvSpPr>
         <p:spPr>
           <a:xfrm>
             <a:off x="5724000" y="3999240"/>
-            <a:ext cx="5075280" cy="816840"/>
+            <a:ext cx="5074920" cy="816480"/>
           </a:xfrm>
           <a:prstGeom prst="rect">
             <a:avLst/>
@@ -15861,14 +15608,14 @@
       </p:sp>
       <p:sp>
         <p:nvSpPr>
-          <p:cNvPr id="329" name="CustomShape 26"/>
+          <p:cNvPr id="313" name="CustomShape 26"/>
           <p:cNvSpPr/>
           <p:nvPr/>
         </p:nvSpPr>
         <p:spPr>
           <a:xfrm>
             <a:off x="5724000" y="4985280"/>
-            <a:ext cx="5075280" cy="1324800"/>
+            <a:ext cx="5074920" cy="1324440"/>
           </a:xfrm>
           <a:prstGeom prst="rect">
             <a:avLst/>
@@ -15923,14 +15670,14 @@
       </p:sp>
       <p:sp>
         <p:nvSpPr>
-          <p:cNvPr id="330" name="CustomShape 27"/>
+          <p:cNvPr id="314" name="CustomShape 27"/>
           <p:cNvSpPr/>
           <p:nvPr/>
         </p:nvSpPr>
         <p:spPr>
           <a:xfrm>
             <a:off x="5724000" y="2833560"/>
-            <a:ext cx="5075280" cy="920880"/>
+            <a:ext cx="5074920" cy="920520"/>
           </a:xfrm>
           <a:prstGeom prst="rect">
             <a:avLst/>
@@ -16034,14 +15781,14 @@
       </p:grpSpPr>
       <p:sp>
         <p:nvSpPr>
-          <p:cNvPr id="331" name="CustomShape 1"/>
+          <p:cNvPr id="315" name="CustomShape 1"/>
           <p:cNvSpPr/>
           <p:nvPr/>
         </p:nvSpPr>
         <p:spPr>
           <a:xfrm>
             <a:off x="0" y="0"/>
-            <a:ext cx="12191040" cy="3528360"/>
+            <a:ext cx="12190680" cy="3528000"/>
           </a:xfrm>
           <a:prstGeom prst="rect">
             <a:avLst/>
@@ -16070,7 +15817,7 @@
       </p:sp>
       <p:pic>
         <p:nvPicPr>
-          <p:cNvPr id="332" name="图片 42" descr=""/>
+          <p:cNvPr id="316" name="图片 42" descr=""/>
           <p:cNvPicPr/>
           <p:nvPr/>
         </p:nvPicPr>
@@ -16081,7 +15828,7 @@
         <p:spPr>
           <a:xfrm>
             <a:off x="1066680" y="345960"/>
-            <a:ext cx="10057320" cy="5086080"/>
+            <a:ext cx="10056960" cy="5085720"/>
           </a:xfrm>
           <a:prstGeom prst="rect">
             <a:avLst/>
@@ -16093,14 +15840,14 @@
       </p:pic>
       <p:sp>
         <p:nvSpPr>
-          <p:cNvPr id="333" name="CustomShape 2"/>
+          <p:cNvPr id="317" name="CustomShape 2"/>
           <p:cNvSpPr/>
           <p:nvPr/>
         </p:nvSpPr>
         <p:spPr>
           <a:xfrm>
             <a:off x="0" y="3522600"/>
-            <a:ext cx="12191040" cy="3334320"/>
+            <a:ext cx="12190680" cy="3333960"/>
           </a:xfrm>
           <a:prstGeom prst="rect">
             <a:avLst/>
@@ -16129,14 +15876,14 @@
       </p:sp>
       <p:sp>
         <p:nvSpPr>
-          <p:cNvPr id="334" name="CustomShape 3"/>
+          <p:cNvPr id="318" name="CustomShape 3"/>
           <p:cNvSpPr/>
           <p:nvPr/>
         </p:nvSpPr>
         <p:spPr>
           <a:xfrm>
             <a:off x="3459600" y="1377360"/>
-            <a:ext cx="5155920" cy="1551960"/>
+            <a:ext cx="5155560" cy="1551600"/>
           </a:xfrm>
           <a:prstGeom prst="rect">
             <a:avLst/>
@@ -16191,14 +15938,14 @@
       </p:sp>
       <p:sp>
         <p:nvSpPr>
-          <p:cNvPr id="335" name="CustomShape 4"/>
+          <p:cNvPr id="319" name="CustomShape 4"/>
           <p:cNvSpPr/>
           <p:nvPr/>
         </p:nvSpPr>
         <p:spPr>
           <a:xfrm>
             <a:off x="5222520" y="4392000"/>
-            <a:ext cx="1832760" cy="333000"/>
+            <a:ext cx="1832400" cy="332640"/>
           </a:xfrm>
           <a:prstGeom prst="rect">
             <a:avLst/>
@@ -16217,14 +15964,14 @@
       </p:sp>
       <p:sp>
         <p:nvSpPr>
-          <p:cNvPr id="336" name="CustomShape 5"/>
+          <p:cNvPr id="320" name="CustomShape 5"/>
           <p:cNvSpPr/>
           <p:nvPr/>
         </p:nvSpPr>
         <p:spPr>
           <a:xfrm>
             <a:off x="-360" y="3462840"/>
-            <a:ext cx="12191040" cy="3528360"/>
+            <a:ext cx="12190680" cy="3528000"/>
           </a:xfrm>
           <a:prstGeom prst="rect">
             <a:avLst/>
@@ -16253,14 +16000,14 @@
       </p:sp>
       <p:sp>
         <p:nvSpPr>
-          <p:cNvPr id="337" name="CustomShape 6"/>
+          <p:cNvPr id="321" name="CustomShape 6"/>
           <p:cNvSpPr/>
           <p:nvPr/>
         </p:nvSpPr>
         <p:spPr>
           <a:xfrm>
             <a:off x="3688200" y="3637440"/>
-            <a:ext cx="5155920" cy="1551960"/>
+            <a:ext cx="5155560" cy="1551600"/>
           </a:xfrm>
           <a:prstGeom prst="rect">
             <a:avLst/>
@@ -16374,7 +16121,7 @@
         <p:spPr>
           <a:xfrm>
             <a:off x="0" y="0"/>
-            <a:ext cx="12191040" cy="2335680"/>
+            <a:ext cx="12190680" cy="2335320"/>
           </a:xfrm>
           <a:prstGeom prst="rect">
             <a:avLst/>
@@ -16415,7 +16162,7 @@
         <p:spPr>
           <a:xfrm>
             <a:off x="1066680" y="345960"/>
-            <a:ext cx="10057320" cy="1936800"/>
+            <a:ext cx="10056960" cy="1936440"/>
           </a:xfrm>
           <a:prstGeom prst="rect">
             <a:avLst/>
@@ -16434,7 +16181,7 @@
         <p:spPr>
           <a:xfrm>
             <a:off x="0" y="2283840"/>
-            <a:ext cx="12191040" cy="4573080"/>
+            <a:ext cx="12190680" cy="4572720"/>
           </a:xfrm>
           <a:prstGeom prst="rect">
             <a:avLst/>
@@ -16470,7 +16217,7 @@
         <p:spPr>
           <a:xfrm>
             <a:off x="785160" y="391680"/>
-            <a:ext cx="2998800" cy="946080"/>
+            <a:ext cx="2998440" cy="945720"/>
           </a:xfrm>
           <a:prstGeom prst="rect">
             <a:avLst/>
@@ -16577,7 +16324,7 @@
         <p:spPr>
           <a:xfrm>
             <a:off x="1479600" y="3281760"/>
-            <a:ext cx="1131120" cy="1205280"/>
+            <a:ext cx="1130760" cy="1204920"/>
           </a:xfrm>
           <a:custGeom>
             <a:avLst/>
@@ -16711,7 +16458,7 @@
         <p:spPr>
           <a:xfrm>
             <a:off x="4179960" y="3281760"/>
-            <a:ext cx="1131120" cy="1205280"/>
+            <a:ext cx="1130760" cy="1204920"/>
           </a:xfrm>
           <a:custGeom>
             <a:avLst/>
@@ -16845,7 +16592,7 @@
         <p:spPr>
           <a:xfrm>
             <a:off x="6879960" y="3281760"/>
-            <a:ext cx="1131120" cy="1205280"/>
+            <a:ext cx="1130760" cy="1204920"/>
           </a:xfrm>
           <a:custGeom>
             <a:avLst/>
@@ -16979,7 +16726,7 @@
         <p:spPr>
           <a:xfrm>
             <a:off x="9580320" y="3281760"/>
-            <a:ext cx="1131120" cy="1205280"/>
+            <a:ext cx="1130760" cy="1204920"/>
           </a:xfrm>
           <a:custGeom>
             <a:avLst/>
@@ -17113,7 +16860,7 @@
         <p:spPr>
           <a:xfrm>
             <a:off x="941400" y="4760640"/>
-            <a:ext cx="2041920" cy="455400"/>
+            <a:ext cx="2041560" cy="455040"/>
           </a:xfrm>
           <a:prstGeom prst="rect">
             <a:avLst/>
@@ -17175,7 +16922,7 @@
         <p:spPr>
           <a:xfrm>
             <a:off x="3673800" y="4760640"/>
-            <a:ext cx="2079000" cy="454680"/>
+            <a:ext cx="2078640" cy="454320"/>
           </a:xfrm>
           <a:prstGeom prst="rect">
             <a:avLst/>
@@ -17212,7 +16959,7 @@
                 <a:latin typeface="微软雅黑"/>
                 <a:ea typeface="微软雅黑"/>
               </a:rPr>
-              <a:t>成长收获</a:t>
+              <a:t>工作体会</a:t>
             </a:r>
             <a:endParaRPr b="0" lang="en-US" sz="1800" spc="-1" strike="noStrike">
               <a:solidFill>
@@ -17237,7 +16984,7 @@
         <p:spPr>
           <a:xfrm>
             <a:off x="6407640" y="4760640"/>
-            <a:ext cx="2079000" cy="455400"/>
+            <a:ext cx="2078640" cy="455040"/>
           </a:xfrm>
           <a:prstGeom prst="rect">
             <a:avLst/>
@@ -17299,7 +17046,7 @@
         <p:spPr>
           <a:xfrm>
             <a:off x="9123480" y="4760640"/>
-            <a:ext cx="2079000" cy="455400"/>
+            <a:ext cx="2078640" cy="455040"/>
           </a:xfrm>
           <a:prstGeom prst="rect">
             <a:avLst/>
@@ -17410,7 +17157,7 @@
         <p:spPr>
           <a:xfrm>
             <a:off x="0" y="2462040"/>
-            <a:ext cx="12191040" cy="1894680"/>
+            <a:ext cx="12190680" cy="1894320"/>
           </a:xfrm>
           <a:prstGeom prst="rect">
             <a:avLst/>
@@ -17444,7 +17191,7 @@
         <p:spPr>
           <a:xfrm>
             <a:off x="3714120" y="2202480"/>
-            <a:ext cx="257400" cy="258480"/>
+            <a:ext cx="257040" cy="258120"/>
           </a:xfrm>
           <a:custGeom>
             <a:avLst/>
@@ -17496,8 +17243,8 @@
         </p:nvSpPr>
         <p:spPr>
           <a:xfrm flipV="1">
-            <a:off x="510120" y="4356720"/>
-            <a:ext cx="262440" cy="263520"/>
+            <a:off x="510120" y="4356000"/>
+            <a:ext cx="262080" cy="263160"/>
           </a:xfrm>
           <a:custGeom>
             <a:avLst/>
@@ -17550,7 +17297,7 @@
         <p:spPr>
           <a:xfrm>
             <a:off x="639000" y="2203200"/>
-            <a:ext cx="3208320" cy="2412000"/>
+            <a:ext cx="3207960" cy="2411640"/>
           </a:xfrm>
           <a:prstGeom prst="parallelogram">
             <a:avLst>
@@ -17588,7 +17335,7 @@
         <p:spPr>
           <a:xfrm>
             <a:off x="1487520" y="2531520"/>
-            <a:ext cx="1761840" cy="1715400"/>
+            <a:ext cx="1761480" cy="1715040"/>
           </a:xfrm>
           <a:prstGeom prst="rect">
             <a:avLst/>
@@ -17650,7 +17397,7 @@
         <p:spPr>
           <a:xfrm>
             <a:off x="4446720" y="2957760"/>
-            <a:ext cx="6732720" cy="913320"/>
+            <a:ext cx="6732360" cy="912960"/>
           </a:xfrm>
           <a:prstGeom prst="rect">
             <a:avLst/>
@@ -17761,7 +17508,7 @@
         <p:spPr>
           <a:xfrm>
             <a:off x="0" y="205200"/>
-            <a:ext cx="12191040" cy="599760"/>
+            <a:ext cx="12190680" cy="599400"/>
           </a:xfrm>
           <a:prstGeom prst="rect">
             <a:avLst/>
@@ -17796,8 +17543,8 @@
         </p:nvSpPr>
         <p:spPr>
           <a:xfrm flipH="1">
-            <a:off x="265680" y="806040"/>
-            <a:ext cx="311040" cy="88200"/>
+            <a:off x="264960" y="806040"/>
+            <a:ext cx="310680" cy="87840"/>
           </a:xfrm>
           <a:custGeom>
             <a:avLst/>
@@ -17856,7 +17603,7 @@
         <p:spPr>
           <a:xfrm flipV="1">
             <a:off x="1457280" y="114840"/>
-            <a:ext cx="311040" cy="88200"/>
+            <a:ext cx="310680" cy="87840"/>
           </a:xfrm>
           <a:custGeom>
             <a:avLst/>
@@ -17914,8 +17661,8 @@
         </p:nvSpPr>
         <p:spPr>
           <a:xfrm flipH="1">
-            <a:off x="311760" y="116280"/>
-            <a:ext cx="1401840" cy="778320"/>
+            <a:off x="311040" y="116280"/>
+            <a:ext cx="1401480" cy="777960"/>
           </a:xfrm>
           <a:prstGeom prst="parallelogram">
             <a:avLst>
@@ -17953,7 +17700,7 @@
         <p:spPr>
           <a:xfrm>
             <a:off x="302040" y="244080"/>
-            <a:ext cx="1323000" cy="516240"/>
+            <a:ext cx="1322640" cy="515880"/>
           </a:xfrm>
           <a:prstGeom prst="rect">
             <a:avLst/>
@@ -18015,7 +17762,7 @@
         <p:spPr>
           <a:xfrm>
             <a:off x="2002320" y="244080"/>
-            <a:ext cx="2893680" cy="515520"/>
+            <a:ext cx="2893320" cy="515160"/>
           </a:xfrm>
           <a:prstGeom prst="rect">
             <a:avLst/>
@@ -18040,7 +17787,7 @@
               </a:lnSpc>
             </a:pPr>
             <a:r>
-              <a:rPr b="0" lang="en-US" sz="2800" spc="293" strike="noStrike">
+              <a:rPr b="0" lang="en-US" sz="2800" spc="290" strike="noStrike">
                 <a:solidFill>
                   <a:srgbClr val="ffffff"/>
                 </a:solidFill>
@@ -18077,7 +17824,7 @@
         <p:spPr>
           <a:xfrm>
             <a:off x="1035360" y="2648160"/>
-            <a:ext cx="2940120" cy="2455920"/>
+            <a:ext cx="2939760" cy="2455560"/>
           </a:xfrm>
           <a:prstGeom prst="round2DiagRect">
             <a:avLst>
@@ -18210,7 +17957,7 @@
         <p:spPr>
           <a:xfrm>
             <a:off x="5236920" y="1711440"/>
-            <a:ext cx="3887280" cy="4067280"/>
+            <a:ext cx="3886920" cy="4066920"/>
           </a:xfrm>
           <a:prstGeom prst="rect">
             <a:avLst/>
@@ -18250,7 +17997,7 @@
         <p:spPr>
           <a:xfrm>
             <a:off x="5596920" y="1993680"/>
-            <a:ext cx="5736600" cy="516240"/>
+            <a:ext cx="5736240" cy="515880"/>
           </a:xfrm>
           <a:prstGeom prst="rect">
             <a:avLst/>
@@ -18276,7 +18023,7 @@
         <p:spPr>
           <a:xfrm>
             <a:off x="5004000" y="2044440"/>
-            <a:ext cx="465120" cy="488520"/>
+            <a:ext cx="464760" cy="488160"/>
           </a:xfrm>
           <a:prstGeom prst="rect">
             <a:avLst/>
@@ -18348,7 +18095,7 @@
         <p:spPr>
           <a:xfrm>
             <a:off x="5004000" y="3040920"/>
-            <a:ext cx="465120" cy="488520"/>
+            <a:ext cx="464760" cy="488160"/>
           </a:xfrm>
           <a:prstGeom prst="rect">
             <a:avLst/>
@@ -18420,7 +18167,7 @@
         <p:spPr>
           <a:xfrm>
             <a:off x="5586120" y="3941280"/>
-            <a:ext cx="5595120" cy="516240"/>
+            <a:ext cx="5594760" cy="515880"/>
           </a:xfrm>
           <a:prstGeom prst="rect">
             <a:avLst/>
@@ -18482,7 +18229,7 @@
         <p:spPr>
           <a:xfrm>
             <a:off x="5004000" y="3994920"/>
-            <a:ext cx="465120" cy="488520"/>
+            <a:ext cx="464760" cy="488160"/>
           </a:xfrm>
           <a:prstGeom prst="rect">
             <a:avLst/>
@@ -18554,7 +18301,7 @@
         <p:spPr>
           <a:xfrm>
             <a:off x="5596920" y="4823280"/>
-            <a:ext cx="5584320" cy="516240"/>
+            <a:ext cx="5583960" cy="515880"/>
           </a:xfrm>
           <a:prstGeom prst="rect">
             <a:avLst/>
@@ -18580,7 +18327,7 @@
         <p:spPr>
           <a:xfrm>
             <a:off x="5004000" y="4948920"/>
-            <a:ext cx="465120" cy="488520"/>
+            <a:ext cx="464760" cy="488160"/>
           </a:xfrm>
           <a:prstGeom prst="rect">
             <a:avLst/>
@@ -18652,7 +18399,7 @@
         <p:spPr>
           <a:xfrm>
             <a:off x="5586120" y="3941280"/>
-            <a:ext cx="5595120" cy="516240"/>
+            <a:ext cx="5594760" cy="515880"/>
           </a:xfrm>
           <a:prstGeom prst="rect">
             <a:avLst/>
@@ -18678,7 +18425,7 @@
         <p:spPr>
           <a:xfrm>
             <a:off x="5586120" y="3941280"/>
-            <a:ext cx="5595120" cy="516240"/>
+            <a:ext cx="5594760" cy="515880"/>
           </a:xfrm>
           <a:prstGeom prst="rect">
             <a:avLst/>
@@ -18704,7 +18451,7 @@
         <p:spPr>
           <a:xfrm>
             <a:off x="5616000" y="4896000"/>
-            <a:ext cx="5595120" cy="516240"/>
+            <a:ext cx="5594760" cy="515880"/>
           </a:xfrm>
           <a:prstGeom prst="rect">
             <a:avLst/>
@@ -18766,7 +18513,7 @@
         <p:spPr>
           <a:xfrm>
             <a:off x="5596920" y="1993680"/>
-            <a:ext cx="1600560" cy="552240"/>
+            <a:ext cx="1600200" cy="551880"/>
           </a:xfrm>
           <a:prstGeom prst="rect">
             <a:avLst/>
@@ -18828,7 +18575,7 @@
         <p:spPr>
           <a:xfrm>
             <a:off x="5599080" y="2975400"/>
-            <a:ext cx="1600560" cy="552240"/>
+            <a:ext cx="1600200" cy="551880"/>
           </a:xfrm>
           <a:prstGeom prst="rect">
             <a:avLst/>
@@ -18939,7 +18686,7 @@
         <p:spPr>
           <a:xfrm>
             <a:off x="0" y="205200"/>
-            <a:ext cx="12191040" cy="599760"/>
+            <a:ext cx="12190680" cy="599400"/>
           </a:xfrm>
           <a:prstGeom prst="rect">
             <a:avLst/>
@@ -18974,8 +18721,8 @@
         </p:nvSpPr>
         <p:spPr>
           <a:xfrm flipH="1">
-            <a:off x="265680" y="806040"/>
-            <a:ext cx="311040" cy="88200"/>
+            <a:off x="264960" y="806040"/>
+            <a:ext cx="310680" cy="87840"/>
           </a:xfrm>
           <a:custGeom>
             <a:avLst/>
@@ -19034,7 +18781,7 @@
         <p:spPr>
           <a:xfrm flipV="1">
             <a:off x="1457280" y="114840"/>
-            <a:ext cx="311040" cy="88200"/>
+            <a:ext cx="310680" cy="87840"/>
           </a:xfrm>
           <a:custGeom>
             <a:avLst/>
@@ -19092,8 +18839,8 @@
         </p:nvSpPr>
         <p:spPr>
           <a:xfrm flipH="1">
-            <a:off x="311760" y="116280"/>
-            <a:ext cx="1401840" cy="778320"/>
+            <a:off x="311040" y="116280"/>
+            <a:ext cx="1401480" cy="777960"/>
           </a:xfrm>
           <a:prstGeom prst="parallelogram">
             <a:avLst>
@@ -19131,7 +18878,7 @@
         <p:spPr>
           <a:xfrm>
             <a:off x="302040" y="244080"/>
-            <a:ext cx="1323000" cy="516240"/>
+            <a:ext cx="1322640" cy="515880"/>
           </a:xfrm>
           <a:prstGeom prst="rect">
             <a:avLst/>
@@ -19193,7 +18940,7 @@
         <p:spPr>
           <a:xfrm>
             <a:off x="2021400" y="244080"/>
-            <a:ext cx="2500200" cy="515520"/>
+            <a:ext cx="2499840" cy="515160"/>
           </a:xfrm>
           <a:prstGeom prst="rect">
             <a:avLst/>
@@ -19218,7 +18965,7 @@
               </a:lnSpc>
             </a:pPr>
             <a:r>
-              <a:rPr b="0" lang="en-US" sz="2800" spc="293" strike="noStrike">
+              <a:rPr b="0" lang="en-US" sz="2800" spc="290" strike="noStrike">
                 <a:solidFill>
                   <a:srgbClr val="ffffff"/>
                 </a:solidFill>
@@ -19255,7 +19002,7 @@
         <p:spPr>
           <a:xfrm>
             <a:off x="2649240" y="1383480"/>
-            <a:ext cx="7070040" cy="957240"/>
+            <a:ext cx="7069680" cy="956880"/>
           </a:xfrm>
           <a:prstGeom prst="rect">
             <a:avLst/>
@@ -19503,7 +19250,7 @@
         <p:spPr>
           <a:xfrm>
             <a:off x="1457640" y="1433880"/>
-            <a:ext cx="936000" cy="488520"/>
+            <a:ext cx="935640" cy="488160"/>
           </a:xfrm>
           <a:prstGeom prst="rect">
             <a:avLst/>
@@ -19575,7 +19322,7 @@
         <p:spPr>
           <a:xfrm>
             <a:off x="2638440" y="2715120"/>
-            <a:ext cx="7226280" cy="740880"/>
+            <a:ext cx="7225920" cy="740520"/>
           </a:xfrm>
           <a:prstGeom prst="rect">
             <a:avLst/>
@@ -19793,7 +19540,7 @@
         <p:spPr>
           <a:xfrm>
             <a:off x="1457640" y="2732760"/>
-            <a:ext cx="944640" cy="488520"/>
+            <a:ext cx="944280" cy="488160"/>
           </a:xfrm>
           <a:prstGeom prst="rect">
             <a:avLst/>
@@ -19865,7 +19612,7 @@
         <p:spPr>
           <a:xfrm>
             <a:off x="2638440" y="4006440"/>
-            <a:ext cx="7226280" cy="972360"/>
+            <a:ext cx="7225920" cy="972000"/>
           </a:xfrm>
           <a:prstGeom prst="rect">
             <a:avLst/>
@@ -19960,7 +19707,7 @@
         <p:spPr>
           <a:xfrm>
             <a:off x="1457640" y="4060080"/>
-            <a:ext cx="944640" cy="488520"/>
+            <a:ext cx="944280" cy="488160"/>
           </a:xfrm>
           <a:prstGeom prst="rect">
             <a:avLst/>
@@ -20073,7 +19820,7 @@
         <p:spPr>
           <a:xfrm>
             <a:off x="0" y="205200"/>
-            <a:ext cx="12191040" cy="599760"/>
+            <a:ext cx="12190680" cy="599400"/>
           </a:xfrm>
           <a:prstGeom prst="rect">
             <a:avLst/>
@@ -20108,8 +19855,8 @@
         </p:nvSpPr>
         <p:spPr>
           <a:xfrm flipH="1">
-            <a:off x="265680" y="806040"/>
-            <a:ext cx="311040" cy="88200"/>
+            <a:off x="264960" y="806040"/>
+            <a:ext cx="310680" cy="87840"/>
           </a:xfrm>
           <a:custGeom>
             <a:avLst/>
@@ -20168,7 +19915,7 @@
         <p:spPr>
           <a:xfrm flipV="1">
             <a:off x="1457280" y="114840"/>
-            <a:ext cx="311040" cy="88200"/>
+            <a:ext cx="310680" cy="87840"/>
           </a:xfrm>
           <a:custGeom>
             <a:avLst/>
@@ -20226,8 +19973,8 @@
         </p:nvSpPr>
         <p:spPr>
           <a:xfrm flipH="1">
-            <a:off x="311760" y="116280"/>
-            <a:ext cx="1401840" cy="778320"/>
+            <a:off x="311040" y="116280"/>
+            <a:ext cx="1401480" cy="777960"/>
           </a:xfrm>
           <a:prstGeom prst="parallelogram">
             <a:avLst>
@@ -20265,7 +20012,7 @@
         <p:spPr>
           <a:xfrm>
             <a:off x="302040" y="244080"/>
-            <a:ext cx="1323000" cy="516240"/>
+            <a:ext cx="1322640" cy="515880"/>
           </a:xfrm>
           <a:prstGeom prst="rect">
             <a:avLst/>
@@ -20327,7 +20074,7 @@
         <p:spPr>
           <a:xfrm>
             <a:off x="2021400" y="244080"/>
-            <a:ext cx="2500200" cy="515520"/>
+            <a:ext cx="2499840" cy="515160"/>
           </a:xfrm>
           <a:prstGeom prst="rect">
             <a:avLst/>
@@ -20352,7 +20099,7 @@
               </a:lnSpc>
             </a:pPr>
             <a:r>
-              <a:rPr b="0" lang="en-US" sz="2800" spc="293" strike="noStrike">
+              <a:rPr b="0" lang="en-US" sz="2800" spc="290" strike="noStrike">
                 <a:solidFill>
                   <a:srgbClr val="ffffff"/>
                 </a:solidFill>
@@ -20388,7 +20135,7 @@
         </p:nvGraphicFramePr>
         <p:xfrm>
           <a:off x="1981080" y="1168560"/>
-          <a:ext cx="8228520" cy="4520160"/>
+          <a:ext cx="8228160" cy="4519800"/>
         </p:xfrm>
         <a:graphic>
           <a:graphicData uri="http://schemas.openxmlformats.org/drawingml/2006/chart">
@@ -20405,7 +20152,7 @@
         <p:spPr>
           <a:xfrm>
             <a:off x="4727520" y="1168560"/>
-            <a:ext cx="3998880" cy="515520"/>
+            <a:ext cx="3998520" cy="515160"/>
           </a:xfrm>
           <a:prstGeom prst="rect">
             <a:avLst/>
@@ -20518,7 +20265,7 @@
         <p:spPr>
           <a:xfrm>
             <a:off x="0" y="2462040"/>
-            <a:ext cx="12191040" cy="1894680"/>
+            <a:ext cx="12190680" cy="1894320"/>
           </a:xfrm>
           <a:prstGeom prst="rect">
             <a:avLst/>
@@ -20552,7 +20299,7 @@
         <p:spPr>
           <a:xfrm>
             <a:off x="3714120" y="2202480"/>
-            <a:ext cx="257400" cy="258480"/>
+            <a:ext cx="257040" cy="258120"/>
           </a:xfrm>
           <a:custGeom>
             <a:avLst/>
@@ -20604,8 +20351,8 @@
         </p:nvSpPr>
         <p:spPr>
           <a:xfrm flipV="1">
-            <a:off x="510120" y="4356720"/>
-            <a:ext cx="262440" cy="263520"/>
+            <a:off x="510120" y="4356000"/>
+            <a:ext cx="262080" cy="263160"/>
           </a:xfrm>
           <a:custGeom>
             <a:avLst/>
@@ -20658,7 +20405,7 @@
         <p:spPr>
           <a:xfrm>
             <a:off x="639000" y="2203200"/>
-            <a:ext cx="3208320" cy="2412000"/>
+            <a:ext cx="3207960" cy="2411640"/>
           </a:xfrm>
           <a:prstGeom prst="parallelogram">
             <a:avLst>
@@ -20696,7 +20443,7 @@
         <p:spPr>
           <a:xfrm>
             <a:off x="1487520" y="2531520"/>
-            <a:ext cx="1761840" cy="1715400"/>
+            <a:ext cx="1761480" cy="1715040"/>
           </a:xfrm>
           <a:prstGeom prst="rect">
             <a:avLst/>
@@ -20758,7 +20505,7 @@
         <p:spPr>
           <a:xfrm>
             <a:off x="4446720" y="2928960"/>
-            <a:ext cx="6732720" cy="913320"/>
+            <a:ext cx="6732360" cy="912960"/>
           </a:xfrm>
           <a:prstGeom prst="rect">
             <a:avLst/>
@@ -20795,7 +20542,7 @@
                 <a:latin typeface="微软雅黑"/>
                 <a:ea typeface="微软雅黑"/>
               </a:rPr>
-              <a:t>成长收获</a:t>
+              <a:t>工作体会</a:t>
             </a:r>
             <a:endParaRPr b="0" lang="en-US" sz="1800" spc="-1" strike="noStrike">
               <a:solidFill>
@@ -20869,7 +20616,7 @@
         <p:spPr>
           <a:xfrm>
             <a:off x="0" y="205200"/>
-            <a:ext cx="12191040" cy="599760"/>
+            <a:ext cx="12190680" cy="599400"/>
           </a:xfrm>
           <a:prstGeom prst="rect">
             <a:avLst/>
@@ -20904,8 +20651,8 @@
         </p:nvSpPr>
         <p:spPr>
           <a:xfrm flipH="1">
-            <a:off x="265680" y="806040"/>
-            <a:ext cx="311040" cy="88200"/>
+            <a:off x="264960" y="806040"/>
+            <a:ext cx="310680" cy="87840"/>
           </a:xfrm>
           <a:custGeom>
             <a:avLst/>
@@ -20964,7 +20711,7 @@
         <p:spPr>
           <a:xfrm flipV="1">
             <a:off x="1457280" y="114840"/>
-            <a:ext cx="311040" cy="88200"/>
+            <a:ext cx="310680" cy="87840"/>
           </a:xfrm>
           <a:custGeom>
             <a:avLst/>
@@ -21022,8 +20769,8 @@
         </p:nvSpPr>
         <p:spPr>
           <a:xfrm flipH="1">
-            <a:off x="311760" y="116280"/>
-            <a:ext cx="1401840" cy="778320"/>
+            <a:off x="311040" y="116280"/>
+            <a:ext cx="1401480" cy="777960"/>
           </a:xfrm>
           <a:prstGeom prst="parallelogram">
             <a:avLst>
@@ -21061,7 +20808,7 @@
         <p:spPr>
           <a:xfrm>
             <a:off x="302040" y="244080"/>
-            <a:ext cx="1323000" cy="516240"/>
+            <a:ext cx="1322640" cy="515880"/>
           </a:xfrm>
           <a:prstGeom prst="rect">
             <a:avLst/>
@@ -21122,8 +20869,8 @@
         </p:nvSpPr>
         <p:spPr>
           <a:xfrm>
-            <a:off x="2021400" y="244080"/>
-            <a:ext cx="2500200" cy="515520"/>
+            <a:off x="1964880" y="244080"/>
+            <a:ext cx="3679560" cy="515160"/>
           </a:xfrm>
           <a:prstGeom prst="rect">
             <a:avLst/>
@@ -21148,7 +20895,7 @@
               </a:lnSpc>
             </a:pPr>
             <a:r>
-              <a:rPr b="0" lang="en-US" sz="2800" spc="293" strike="noStrike">
+              <a:rPr b="0" lang="en-US" sz="2800" spc="290" strike="noStrike">
                 <a:solidFill>
                   <a:srgbClr val="ffffff"/>
                 </a:solidFill>
@@ -21160,7 +20907,7 @@
                 <a:latin typeface="微软雅黑"/>
                 <a:ea typeface="微软雅黑"/>
               </a:rPr>
-              <a:t>开发设计构思</a:t>
+              <a:t>心得收获</a:t>
             </a:r>
             <a:endParaRPr b="0" lang="en-US" sz="1800" spc="-1" strike="noStrike">
               <a:solidFill>
@@ -21184,154 +20931,8 @@
         </p:nvSpPr>
         <p:spPr>
           <a:xfrm>
-            <a:off x="650520" y="3221640"/>
-            <a:ext cx="3457800" cy="868680"/>
-          </a:xfrm>
-          <a:custGeom>
-            <a:avLst/>
-            <a:gdLst/>
-            <a:ahLst/>
-            <a:rect l="l" t="t" r="r" b="b"/>
-            <a:pathLst>
-              <a:path w="5192450" h="1305562">
-                <a:moveTo>
-                  <a:pt x="648072" y="0"/>
-                </a:moveTo>
-                <a:lnTo>
-                  <a:pt x="4680520" y="0"/>
-                </a:lnTo>
-                <a:lnTo>
-                  <a:pt x="4680520" y="534"/>
-                </a:lnTo>
-                <a:lnTo>
-                  <a:pt x="4756983" y="534"/>
-                </a:lnTo>
-                <a:cubicBezTo>
-                  <a:pt x="4781822" y="0"/>
-                  <a:pt x="4807189" y="5871"/>
-                  <a:pt x="4830442" y="19749"/>
-                </a:cubicBezTo>
-                <a:cubicBezTo>
-                  <a:pt x="4852109" y="32025"/>
-                  <a:pt x="4869549" y="49639"/>
-                  <a:pt x="4881176" y="70456"/>
-                </a:cubicBezTo>
-                <a:lnTo>
-                  <a:pt x="5172368" y="579657"/>
-                </a:lnTo>
-                <a:cubicBezTo>
-                  <a:pt x="5185051" y="601007"/>
-                  <a:pt x="5192450" y="626093"/>
-                  <a:pt x="5192450" y="652781"/>
-                </a:cubicBezTo>
-                <a:cubicBezTo>
-                  <a:pt x="5192450" y="680003"/>
-                  <a:pt x="5185051" y="705089"/>
-                  <a:pt x="5171839" y="726439"/>
-                </a:cubicBezTo>
-                <a:lnTo>
-                  <a:pt x="4881176" y="1235640"/>
-                </a:lnTo>
-                <a:cubicBezTo>
-                  <a:pt x="4869021" y="1255923"/>
-                  <a:pt x="4852109" y="1273537"/>
-                  <a:pt x="4830442" y="1286347"/>
-                </a:cubicBezTo>
-                <a:cubicBezTo>
-                  <a:pt x="4807717" y="1299691"/>
-                  <a:pt x="4782879" y="1305562"/>
-                  <a:pt x="4758040" y="1305028"/>
-                </a:cubicBezTo>
-                <a:lnTo>
-                  <a:pt x="4680520" y="1305028"/>
-                </a:lnTo>
-                <a:lnTo>
-                  <a:pt x="4680520" y="1305562"/>
-                </a:lnTo>
-                <a:lnTo>
-                  <a:pt x="648072" y="1305562"/>
-                </a:lnTo>
-                <a:lnTo>
-                  <a:pt x="648072" y="1305028"/>
-                </a:lnTo>
-                <a:lnTo>
-                  <a:pt x="431239" y="1305028"/>
-                </a:lnTo>
-                <a:cubicBezTo>
-                  <a:pt x="407986" y="1305028"/>
-                  <a:pt x="383676" y="1299157"/>
-                  <a:pt x="362008" y="1286347"/>
-                </a:cubicBezTo>
-                <a:cubicBezTo>
-                  <a:pt x="340341" y="1273537"/>
-                  <a:pt x="322901" y="1255923"/>
-                  <a:pt x="311274" y="1235107"/>
-                </a:cubicBezTo>
-                <a:lnTo>
-                  <a:pt x="19025" y="723770"/>
-                </a:lnTo>
-                <a:cubicBezTo>
-                  <a:pt x="6870" y="702954"/>
-                  <a:pt x="0" y="678935"/>
-                  <a:pt x="0" y="652781"/>
-                </a:cubicBezTo>
-                <a:cubicBezTo>
-                  <a:pt x="0" y="626627"/>
-                  <a:pt x="6870" y="602608"/>
-                  <a:pt x="19025" y="581258"/>
-                </a:cubicBezTo>
-                <a:lnTo>
-                  <a:pt x="310217" y="72057"/>
-                </a:lnTo>
-                <a:cubicBezTo>
-                  <a:pt x="322372" y="51240"/>
-                  <a:pt x="339812" y="32559"/>
-                  <a:pt x="362008" y="19749"/>
-                </a:cubicBezTo>
-                <a:cubicBezTo>
-                  <a:pt x="382619" y="7473"/>
-                  <a:pt x="405344" y="1068"/>
-                  <a:pt x="428068" y="534"/>
-                </a:cubicBezTo>
-                <a:lnTo>
-                  <a:pt x="648072" y="534"/>
-                </a:lnTo>
-                <a:close/>
-              </a:path>
-            </a:pathLst>
-          </a:custGeom>
-          <a:solidFill>
-            <a:srgbClr val="136083"/>
-          </a:solidFill>
-          <a:ln w="9360">
-            <a:noFill/>
-          </a:ln>
-        </p:spPr>
-        <p:style>
-          <a:lnRef idx="2">
-            <a:schemeClr val="accent1">
-              <a:shade val="50000"/>
-            </a:schemeClr>
-          </a:lnRef>
-          <a:fillRef idx="1">
-            <a:schemeClr val="accent1"/>
-          </a:fillRef>
-          <a:effectRef idx="0">
-            <a:schemeClr val="accent1"/>
-          </a:effectRef>
-          <a:fontRef idx="minor"/>
-        </p:style>
-      </p:sp>
-      <p:sp>
-        <p:nvSpPr>
-          <p:cNvPr id="175" name="CustomShape 8"/>
-          <p:cNvSpPr/>
-          <p:nvPr/>
-        </p:nvSpPr>
-        <p:spPr>
-          <a:xfrm>
-            <a:off x="4964400" y="1837440"/>
-            <a:ext cx="4954680" cy="425520"/>
+            <a:off x="8002080" y="4188600"/>
+            <a:ext cx="3407400" cy="1985760"/>
           </a:xfrm>
           <a:prstGeom prst="rect">
             <a:avLst/>
@@ -21347,687 +20948,6 @@
           <a:effectRef idx="0"/>
           <a:fontRef idx="minor"/>
         </p:style>
-        <p:txBody>
-          <a:bodyPr lIns="0" rIns="0" tIns="0" bIns="0"/>
-          <a:p>
-            <a:pPr algn="just">
-              <a:lnSpc>
-                <a:spcPts val="88"/>
-              </a:lnSpc>
-            </a:pPr>
-            <a:r>
-              <a:rPr b="0" lang="en-US" sz="2800" spc="-1" strike="noStrike">
-                <a:solidFill>
-                  <a:srgbClr val="000000"/>
-                </a:solidFill>
-                <a:uFill>
-                  <a:solidFill>
-                    <a:srgbClr val="ffffff"/>
-                  </a:solidFill>
-                </a:uFill>
-                <a:latin typeface="Calibri"/>
-                <a:ea typeface="DejaVu Sans"/>
-              </a:rPr>
-              <a:t>转发评论开发</a:t>
-            </a:r>
-            <a:endParaRPr b="0" lang="en-US" sz="1800" spc="-1" strike="noStrike">
-              <a:solidFill>
-                <a:srgbClr val="000000"/>
-              </a:solidFill>
-              <a:uFill>
-                <a:solidFill>
-                  <a:srgbClr val="ffffff"/>
-                </a:solidFill>
-              </a:uFill>
-              <a:latin typeface="Arial"/>
-            </a:endParaRPr>
-          </a:p>
-        </p:txBody>
-      </p:sp>
-      <p:sp>
-        <p:nvSpPr>
-          <p:cNvPr id="176" name="CustomShape 9"/>
-          <p:cNvSpPr/>
-          <p:nvPr/>
-        </p:nvSpPr>
-        <p:spPr>
-          <a:xfrm>
-            <a:off x="644760" y="1529640"/>
-            <a:ext cx="3457800" cy="868680"/>
-          </a:xfrm>
-          <a:custGeom>
-            <a:avLst/>
-            <a:gdLst/>
-            <a:ahLst/>
-            <a:rect l="l" t="t" r="r" b="b"/>
-            <a:pathLst>
-              <a:path w="5192450" h="1305562">
-                <a:moveTo>
-                  <a:pt x="648072" y="0"/>
-                </a:moveTo>
-                <a:lnTo>
-                  <a:pt x="4680520" y="0"/>
-                </a:lnTo>
-                <a:lnTo>
-                  <a:pt x="4680520" y="534"/>
-                </a:lnTo>
-                <a:lnTo>
-                  <a:pt x="4756983" y="534"/>
-                </a:lnTo>
-                <a:cubicBezTo>
-                  <a:pt x="4781822" y="0"/>
-                  <a:pt x="4807189" y="5871"/>
-                  <a:pt x="4830442" y="19749"/>
-                </a:cubicBezTo>
-                <a:cubicBezTo>
-                  <a:pt x="4852109" y="32025"/>
-                  <a:pt x="4869549" y="49639"/>
-                  <a:pt x="4881176" y="70456"/>
-                </a:cubicBezTo>
-                <a:lnTo>
-                  <a:pt x="5172368" y="579657"/>
-                </a:lnTo>
-                <a:cubicBezTo>
-                  <a:pt x="5185051" y="601007"/>
-                  <a:pt x="5192450" y="626093"/>
-                  <a:pt x="5192450" y="652781"/>
-                </a:cubicBezTo>
-                <a:cubicBezTo>
-                  <a:pt x="5192450" y="680003"/>
-                  <a:pt x="5185051" y="705089"/>
-                  <a:pt x="5171839" y="726439"/>
-                </a:cubicBezTo>
-                <a:lnTo>
-                  <a:pt x="4881176" y="1235640"/>
-                </a:lnTo>
-                <a:cubicBezTo>
-                  <a:pt x="4869021" y="1255923"/>
-                  <a:pt x="4852109" y="1273537"/>
-                  <a:pt x="4830442" y="1286347"/>
-                </a:cubicBezTo>
-                <a:cubicBezTo>
-                  <a:pt x="4807717" y="1299691"/>
-                  <a:pt x="4782879" y="1305562"/>
-                  <a:pt x="4758040" y="1305028"/>
-                </a:cubicBezTo>
-                <a:lnTo>
-                  <a:pt x="4680520" y="1305028"/>
-                </a:lnTo>
-                <a:lnTo>
-                  <a:pt x="4680520" y="1305562"/>
-                </a:lnTo>
-                <a:lnTo>
-                  <a:pt x="648072" y="1305562"/>
-                </a:lnTo>
-                <a:lnTo>
-                  <a:pt x="648072" y="1305028"/>
-                </a:lnTo>
-                <a:lnTo>
-                  <a:pt x="431239" y="1305028"/>
-                </a:lnTo>
-                <a:cubicBezTo>
-                  <a:pt x="407986" y="1305028"/>
-                  <a:pt x="383676" y="1299157"/>
-                  <a:pt x="362008" y="1286347"/>
-                </a:cubicBezTo>
-                <a:cubicBezTo>
-                  <a:pt x="340341" y="1273537"/>
-                  <a:pt x="322901" y="1255923"/>
-                  <a:pt x="311274" y="1235107"/>
-                </a:cubicBezTo>
-                <a:lnTo>
-                  <a:pt x="19025" y="723770"/>
-                </a:lnTo>
-                <a:cubicBezTo>
-                  <a:pt x="6870" y="702954"/>
-                  <a:pt x="0" y="678935"/>
-                  <a:pt x="0" y="652781"/>
-                </a:cubicBezTo>
-                <a:cubicBezTo>
-                  <a:pt x="0" y="626627"/>
-                  <a:pt x="6870" y="602608"/>
-                  <a:pt x="19025" y="581258"/>
-                </a:cubicBezTo>
-                <a:lnTo>
-                  <a:pt x="310217" y="72057"/>
-                </a:lnTo>
-                <a:cubicBezTo>
-                  <a:pt x="322372" y="51240"/>
-                  <a:pt x="339812" y="32559"/>
-                  <a:pt x="362008" y="19749"/>
-                </a:cubicBezTo>
-                <a:cubicBezTo>
-                  <a:pt x="382619" y="7473"/>
-                  <a:pt x="405344" y="1068"/>
-                  <a:pt x="428068" y="534"/>
-                </a:cubicBezTo>
-                <a:lnTo>
-                  <a:pt x="648072" y="534"/>
-                </a:lnTo>
-                <a:close/>
-              </a:path>
-            </a:pathLst>
-          </a:custGeom>
-          <a:solidFill>
-            <a:srgbClr val="136083"/>
-          </a:solidFill>
-          <a:ln w="9360">
-            <a:noFill/>
-          </a:ln>
-        </p:spPr>
-        <p:style>
-          <a:lnRef idx="2">
-            <a:schemeClr val="accent1">
-              <a:shade val="50000"/>
-            </a:schemeClr>
-          </a:lnRef>
-          <a:fillRef idx="1">
-            <a:schemeClr val="accent1"/>
-          </a:fillRef>
-          <a:effectRef idx="0">
-            <a:schemeClr val="accent1"/>
-          </a:effectRef>
-          <a:fontRef idx="minor"/>
-        </p:style>
-      </p:sp>
-      <p:sp>
-        <p:nvSpPr>
-          <p:cNvPr id="177" name="CustomShape 10"/>
-          <p:cNvSpPr/>
-          <p:nvPr/>
-        </p:nvSpPr>
-        <p:spPr>
-          <a:xfrm>
-            <a:off x="669600" y="4987440"/>
-            <a:ext cx="3457800" cy="868680"/>
-          </a:xfrm>
-          <a:custGeom>
-            <a:avLst/>
-            <a:gdLst/>
-            <a:ahLst/>
-            <a:rect l="l" t="t" r="r" b="b"/>
-            <a:pathLst>
-              <a:path w="5192450" h="1305562">
-                <a:moveTo>
-                  <a:pt x="648072" y="0"/>
-                </a:moveTo>
-                <a:lnTo>
-                  <a:pt x="4680520" y="0"/>
-                </a:lnTo>
-                <a:lnTo>
-                  <a:pt x="4680520" y="534"/>
-                </a:lnTo>
-                <a:lnTo>
-                  <a:pt x="4756983" y="534"/>
-                </a:lnTo>
-                <a:cubicBezTo>
-                  <a:pt x="4781822" y="0"/>
-                  <a:pt x="4807189" y="5871"/>
-                  <a:pt x="4830442" y="19749"/>
-                </a:cubicBezTo>
-                <a:cubicBezTo>
-                  <a:pt x="4852109" y="32025"/>
-                  <a:pt x="4869549" y="49639"/>
-                  <a:pt x="4881176" y="70456"/>
-                </a:cubicBezTo>
-                <a:lnTo>
-                  <a:pt x="5172368" y="579657"/>
-                </a:lnTo>
-                <a:cubicBezTo>
-                  <a:pt x="5185051" y="601007"/>
-                  <a:pt x="5192450" y="626093"/>
-                  <a:pt x="5192450" y="652781"/>
-                </a:cubicBezTo>
-                <a:cubicBezTo>
-                  <a:pt x="5192450" y="680003"/>
-                  <a:pt x="5185051" y="705089"/>
-                  <a:pt x="5171839" y="726439"/>
-                </a:cubicBezTo>
-                <a:lnTo>
-                  <a:pt x="4881176" y="1235640"/>
-                </a:lnTo>
-                <a:cubicBezTo>
-                  <a:pt x="4869021" y="1255923"/>
-                  <a:pt x="4852109" y="1273537"/>
-                  <a:pt x="4830442" y="1286347"/>
-                </a:cubicBezTo>
-                <a:cubicBezTo>
-                  <a:pt x="4807717" y="1299691"/>
-                  <a:pt x="4782879" y="1305562"/>
-                  <a:pt x="4758040" y="1305028"/>
-                </a:cubicBezTo>
-                <a:lnTo>
-                  <a:pt x="4680520" y="1305028"/>
-                </a:lnTo>
-                <a:lnTo>
-                  <a:pt x="4680520" y="1305562"/>
-                </a:lnTo>
-                <a:lnTo>
-                  <a:pt x="648072" y="1305562"/>
-                </a:lnTo>
-                <a:lnTo>
-                  <a:pt x="648072" y="1305028"/>
-                </a:lnTo>
-                <a:lnTo>
-                  <a:pt x="431239" y="1305028"/>
-                </a:lnTo>
-                <a:cubicBezTo>
-                  <a:pt x="407986" y="1305028"/>
-                  <a:pt x="383676" y="1299157"/>
-                  <a:pt x="362008" y="1286347"/>
-                </a:cubicBezTo>
-                <a:cubicBezTo>
-                  <a:pt x="340341" y="1273537"/>
-                  <a:pt x="322901" y="1255923"/>
-                  <a:pt x="311274" y="1235107"/>
-                </a:cubicBezTo>
-                <a:lnTo>
-                  <a:pt x="19025" y="723770"/>
-                </a:lnTo>
-                <a:cubicBezTo>
-                  <a:pt x="6870" y="702954"/>
-                  <a:pt x="0" y="678935"/>
-                  <a:pt x="0" y="652781"/>
-                </a:cubicBezTo>
-                <a:cubicBezTo>
-                  <a:pt x="0" y="626627"/>
-                  <a:pt x="6870" y="602608"/>
-                  <a:pt x="19025" y="581258"/>
-                </a:cubicBezTo>
-                <a:lnTo>
-                  <a:pt x="310217" y="72057"/>
-                </a:lnTo>
-                <a:cubicBezTo>
-                  <a:pt x="322372" y="51240"/>
-                  <a:pt x="339812" y="32559"/>
-                  <a:pt x="362008" y="19749"/>
-                </a:cubicBezTo>
-                <a:cubicBezTo>
-                  <a:pt x="382619" y="7473"/>
-                  <a:pt x="405344" y="1068"/>
-                  <a:pt x="428068" y="534"/>
-                </a:cubicBezTo>
-                <a:lnTo>
-                  <a:pt x="648072" y="534"/>
-                </a:lnTo>
-                <a:close/>
-              </a:path>
-            </a:pathLst>
-          </a:custGeom>
-          <a:solidFill>
-            <a:srgbClr val="136083"/>
-          </a:solidFill>
-          <a:ln w="9360">
-            <a:noFill/>
-          </a:ln>
-        </p:spPr>
-        <p:style>
-          <a:lnRef idx="2">
-            <a:schemeClr val="accent1">
-              <a:shade val="50000"/>
-            </a:schemeClr>
-          </a:lnRef>
-          <a:fillRef idx="1">
-            <a:schemeClr val="accent1"/>
-          </a:fillRef>
-          <a:effectRef idx="0">
-            <a:schemeClr val="accent1"/>
-          </a:effectRef>
-          <a:fontRef idx="minor"/>
-        </p:style>
-      </p:sp>
-      <p:sp>
-        <p:nvSpPr>
-          <p:cNvPr id="178" name="CustomShape 11"/>
-          <p:cNvSpPr/>
-          <p:nvPr/>
-        </p:nvSpPr>
-        <p:spPr>
-          <a:xfrm>
-            <a:off x="1290960" y="1754640"/>
-            <a:ext cx="2297160" cy="446760"/>
-          </a:xfrm>
-          <a:prstGeom prst="rect">
-            <a:avLst/>
-          </a:prstGeom>
-          <a:noFill/>
-          <a:ln>
-            <a:noFill/>
-          </a:ln>
-        </p:spPr>
-        <p:style>
-          <a:lnRef idx="0"/>
-          <a:fillRef idx="0"/>
-          <a:effectRef idx="0"/>
-          <a:fontRef idx="minor"/>
-        </p:style>
-        <p:txBody>
-          <a:bodyPr lIns="0" rIns="0" tIns="0" bIns="0"/>
-          <a:p>
-            <a:pPr algn="ctr">
-              <a:lnSpc>
-                <a:spcPct val="100000"/>
-              </a:lnSpc>
-            </a:pPr>
-            <a:r>
-              <a:rPr b="1" lang="en-US" sz="2939" spc="-1" strike="noStrike">
-                <a:solidFill>
-                  <a:srgbClr val="ffffff"/>
-                </a:solidFill>
-                <a:uFill>
-                  <a:solidFill>
-                    <a:srgbClr val="ffffff"/>
-                  </a:solidFill>
-                </a:uFill>
-                <a:latin typeface="微软雅黑"/>
-                <a:ea typeface="微软雅黑"/>
-              </a:rPr>
-              <a:t>案例</a:t>
-            </a:r>
-            <a:endParaRPr b="0" lang="en-US" sz="1800" spc="-1" strike="noStrike">
-              <a:solidFill>
-                <a:srgbClr val="000000"/>
-              </a:solidFill>
-              <a:uFill>
-                <a:solidFill>
-                  <a:srgbClr val="ffffff"/>
-                </a:solidFill>
-              </a:uFill>
-              <a:latin typeface="Arial"/>
-            </a:endParaRPr>
-          </a:p>
-        </p:txBody>
-      </p:sp>
-      <p:sp>
-        <p:nvSpPr>
-          <p:cNvPr id="179" name="CustomShape 12"/>
-          <p:cNvSpPr/>
-          <p:nvPr/>
-        </p:nvSpPr>
-        <p:spPr>
-          <a:xfrm>
-            <a:off x="1297080" y="3430800"/>
-            <a:ext cx="2297160" cy="446760"/>
-          </a:xfrm>
-          <a:prstGeom prst="rect">
-            <a:avLst/>
-          </a:prstGeom>
-          <a:noFill/>
-          <a:ln>
-            <a:noFill/>
-          </a:ln>
-        </p:spPr>
-        <p:style>
-          <a:lnRef idx="0"/>
-          <a:fillRef idx="0"/>
-          <a:effectRef idx="0"/>
-          <a:fontRef idx="minor"/>
-        </p:style>
-        <p:txBody>
-          <a:bodyPr lIns="0" rIns="0" tIns="0" bIns="0"/>
-          <a:p>
-            <a:pPr algn="ctr">
-              <a:lnSpc>
-                <a:spcPct val="100000"/>
-              </a:lnSpc>
-            </a:pPr>
-            <a:r>
-              <a:rPr b="1" lang="en-US" sz="2939" spc="-1" strike="noStrike">
-                <a:solidFill>
-                  <a:srgbClr val="ffffff"/>
-                </a:solidFill>
-                <a:uFill>
-                  <a:solidFill>
-                    <a:srgbClr val="ffffff"/>
-                  </a:solidFill>
-                </a:uFill>
-                <a:latin typeface="微软雅黑"/>
-                <a:ea typeface="微软雅黑"/>
-              </a:rPr>
-              <a:t>困难</a:t>
-            </a:r>
-            <a:endParaRPr b="0" lang="en-US" sz="1800" spc="-1" strike="noStrike">
-              <a:solidFill>
-                <a:srgbClr val="000000"/>
-              </a:solidFill>
-              <a:uFill>
-                <a:solidFill>
-                  <a:srgbClr val="ffffff"/>
-                </a:solidFill>
-              </a:uFill>
-              <a:latin typeface="Arial"/>
-            </a:endParaRPr>
-          </a:p>
-        </p:txBody>
-      </p:sp>
-      <p:sp>
-        <p:nvSpPr>
-          <p:cNvPr id="180" name="CustomShape 13"/>
-          <p:cNvSpPr/>
-          <p:nvPr/>
-        </p:nvSpPr>
-        <p:spPr>
-          <a:xfrm>
-            <a:off x="1278000" y="5234760"/>
-            <a:ext cx="2297160" cy="446760"/>
-          </a:xfrm>
-          <a:prstGeom prst="rect">
-            <a:avLst/>
-          </a:prstGeom>
-          <a:noFill/>
-          <a:ln>
-            <a:noFill/>
-          </a:ln>
-        </p:spPr>
-        <p:style>
-          <a:lnRef idx="0"/>
-          <a:fillRef idx="0"/>
-          <a:effectRef idx="0"/>
-          <a:fontRef idx="minor"/>
-        </p:style>
-        <p:txBody>
-          <a:bodyPr lIns="0" rIns="0" tIns="0" bIns="0"/>
-          <a:p>
-            <a:pPr algn="ctr">
-              <a:lnSpc>
-                <a:spcPct val="100000"/>
-              </a:lnSpc>
-            </a:pPr>
-            <a:r>
-              <a:rPr b="1" lang="en-US" sz="2939" spc="-1" strike="noStrike">
-                <a:solidFill>
-                  <a:srgbClr val="ffffff"/>
-                </a:solidFill>
-                <a:uFill>
-                  <a:solidFill>
-                    <a:srgbClr val="ffffff"/>
-                  </a:solidFill>
-                </a:uFill>
-                <a:latin typeface="微软雅黑"/>
-                <a:ea typeface="微软雅黑"/>
-              </a:rPr>
-              <a:t>解决</a:t>
-            </a:r>
-            <a:endParaRPr b="0" lang="en-US" sz="1800" spc="-1" strike="noStrike">
-              <a:solidFill>
-                <a:srgbClr val="000000"/>
-              </a:solidFill>
-              <a:uFill>
-                <a:solidFill>
-                  <a:srgbClr val="ffffff"/>
-                </a:solidFill>
-              </a:uFill>
-              <a:latin typeface="Arial"/>
-            </a:endParaRPr>
-          </a:p>
-        </p:txBody>
-      </p:sp>
-      <p:pic>
-        <p:nvPicPr>
-          <p:cNvPr id="181" name="图片 2097156" descr=""/>
-          <p:cNvPicPr/>
-          <p:nvPr/>
-        </p:nvPicPr>
-        <p:blipFill>
-          <a:blip r:embed="rId1"/>
-          <a:srcRect l="17319" t="24134" r="20308" b="10602"/>
-          <a:stretch/>
-        </p:blipFill>
-        <p:spPr>
-          <a:xfrm rot="16200000">
-            <a:off x="6336000" y="3242520"/>
-            <a:ext cx="2163960" cy="4907160"/>
-          </a:xfrm>
-          <a:prstGeom prst="rect">
-            <a:avLst/>
-          </a:prstGeom>
-          <a:ln>
-            <a:noFill/>
-          </a:ln>
-        </p:spPr>
-      </p:pic>
-      <p:sp>
-        <p:nvSpPr>
-          <p:cNvPr id="182" name="CustomShape 14"/>
-          <p:cNvSpPr/>
-          <p:nvPr/>
-        </p:nvSpPr>
-        <p:spPr>
-          <a:xfrm>
-            <a:off x="4964400" y="3017880"/>
-            <a:ext cx="5588640" cy="1368720"/>
-          </a:xfrm>
-          <a:prstGeom prst="rect">
-            <a:avLst/>
-          </a:prstGeom>
-          <a:noFill/>
-          <a:ln>
-            <a:noFill/>
-          </a:ln>
-        </p:spPr>
-        <p:style>
-          <a:lnRef idx="0"/>
-          <a:fillRef idx="0"/>
-          <a:effectRef idx="0"/>
-          <a:fontRef idx="minor"/>
-        </p:style>
-        <p:txBody>
-          <a:bodyPr lIns="90000" rIns="90000" tIns="45000" bIns="45000"/>
-          <a:p>
-            <a:pPr>
-              <a:lnSpc>
-                <a:spcPct val="100000"/>
-              </a:lnSpc>
-            </a:pPr>
-            <a:r>
-              <a:rPr b="0" lang="en-US" sz="2800" spc="-1" strike="noStrike">
-                <a:solidFill>
-                  <a:srgbClr val="000000"/>
-                </a:solidFill>
-                <a:uFill>
-                  <a:solidFill>
-                    <a:srgbClr val="ffffff"/>
-                  </a:solidFill>
-                </a:uFill>
-                <a:latin typeface="Calibri"/>
-                <a:ea typeface="DejaVu Sans"/>
-              </a:rPr>
-              <a:t>Vue2 + TS </a:t>
-            </a:r>
-            <a:r>
-              <a:rPr b="0" lang="en-US" sz="2800" spc="-1" strike="noStrike">
-                <a:solidFill>
-                  <a:srgbClr val="000000"/>
-                </a:solidFill>
-                <a:uFill>
-                  <a:solidFill>
-                    <a:srgbClr val="ffffff"/>
-                  </a:solidFill>
-                </a:uFill>
-                <a:latin typeface="Calibri"/>
-                <a:ea typeface="DejaVu Sans"/>
-              </a:rPr>
-              <a:t>构建的新项目；</a:t>
-            </a:r>
-            <a:endParaRPr b="0" lang="en-US" sz="1800" spc="-1" strike="noStrike">
-              <a:solidFill>
-                <a:srgbClr val="000000"/>
-              </a:solidFill>
-              <a:uFill>
-                <a:solidFill>
-                  <a:srgbClr val="ffffff"/>
-                </a:solidFill>
-              </a:uFill>
-              <a:latin typeface="Arial"/>
-            </a:endParaRPr>
-          </a:p>
-          <a:p>
-            <a:pPr>
-              <a:lnSpc>
-                <a:spcPct val="100000"/>
-              </a:lnSpc>
-            </a:pPr>
-            <a:r>
-              <a:rPr b="0" lang="en-US" sz="2800" spc="-1" strike="noStrike">
-                <a:solidFill>
-                  <a:srgbClr val="000000"/>
-                </a:solidFill>
-                <a:uFill>
-                  <a:solidFill>
-                    <a:srgbClr val="ffffff"/>
-                  </a:solidFill>
-                </a:uFill>
-                <a:latin typeface="Calibri"/>
-                <a:ea typeface="DejaVu Sans"/>
-              </a:rPr>
-              <a:t>重用现有的组件；</a:t>
-            </a:r>
-            <a:endParaRPr b="0" lang="en-US" sz="1800" spc="-1" strike="noStrike">
-              <a:solidFill>
-                <a:srgbClr val="000000"/>
-              </a:solidFill>
-              <a:uFill>
-                <a:solidFill>
-                  <a:srgbClr val="ffffff"/>
-                </a:solidFill>
-              </a:uFill>
-              <a:latin typeface="Arial"/>
-            </a:endParaRPr>
-          </a:p>
-          <a:p>
-            <a:pPr>
-              <a:lnSpc>
-                <a:spcPct val="100000"/>
-              </a:lnSpc>
-            </a:pPr>
-            <a:r>
-              <a:rPr b="0" lang="en-US" sz="2800" spc="-1" strike="noStrike">
-                <a:solidFill>
-                  <a:srgbClr val="000000"/>
-                </a:solidFill>
-                <a:uFill>
-                  <a:solidFill>
-                    <a:srgbClr val="ffffff"/>
-                  </a:solidFill>
-                </a:uFill>
-                <a:latin typeface="Calibri"/>
-                <a:ea typeface="DejaVu Sans"/>
-              </a:rPr>
-              <a:t>区分公用组件和业务组件开发； </a:t>
-            </a:r>
-            <a:endParaRPr b="0" lang="en-US" sz="1800" spc="-1" strike="noStrike">
-              <a:solidFill>
-                <a:srgbClr val="000000"/>
-              </a:solidFill>
-              <a:uFill>
-                <a:solidFill>
-                  <a:srgbClr val="ffffff"/>
-                </a:solidFill>
-              </a:uFill>
-              <a:latin typeface="Arial"/>
-            </a:endParaRPr>
-          </a:p>
-        </p:txBody>
       </p:sp>
     </p:spTree>
   </p:cSld>
@@ -22080,14 +21000,14 @@
       </p:grpSpPr>
       <p:sp>
         <p:nvSpPr>
-          <p:cNvPr id="183" name="CustomShape 1"/>
+          <p:cNvPr id="175" name="CustomShape 1"/>
           <p:cNvSpPr/>
           <p:nvPr/>
         </p:nvSpPr>
         <p:spPr>
           <a:xfrm>
             <a:off x="0" y="205200"/>
-            <a:ext cx="12191040" cy="599760"/>
+            <a:ext cx="12190680" cy="599400"/>
           </a:xfrm>
           <a:prstGeom prst="rect">
             <a:avLst/>
@@ -22116,14 +21036,14 @@
       </p:sp>
       <p:sp>
         <p:nvSpPr>
-          <p:cNvPr id="184" name="CustomShape 2"/>
+          <p:cNvPr id="176" name="CustomShape 2"/>
           <p:cNvSpPr/>
           <p:nvPr/>
         </p:nvSpPr>
         <p:spPr>
           <a:xfrm flipH="1">
-            <a:off x="265680" y="806040"/>
-            <a:ext cx="311040" cy="88200"/>
+            <a:off x="264960" y="806040"/>
+            <a:ext cx="310680" cy="87840"/>
           </a:xfrm>
           <a:custGeom>
             <a:avLst/>
@@ -22175,14 +21095,14 @@
       </p:sp>
       <p:sp>
         <p:nvSpPr>
-          <p:cNvPr id="185" name="CustomShape 3"/>
+          <p:cNvPr id="177" name="CustomShape 3"/>
           <p:cNvSpPr/>
           <p:nvPr/>
         </p:nvSpPr>
         <p:spPr>
           <a:xfrm flipV="1">
             <a:off x="1457280" y="114840"/>
-            <a:ext cx="311040" cy="88200"/>
+            <a:ext cx="310680" cy="87840"/>
           </a:xfrm>
           <a:custGeom>
             <a:avLst/>
@@ -22234,14 +21154,14 @@
       </p:sp>
       <p:sp>
         <p:nvSpPr>
-          <p:cNvPr id="186" name="CustomShape 4"/>
+          <p:cNvPr id="178" name="CustomShape 4"/>
           <p:cNvSpPr/>
           <p:nvPr/>
         </p:nvSpPr>
         <p:spPr>
           <a:xfrm flipH="1">
-            <a:off x="311760" y="116280"/>
-            <a:ext cx="1401840" cy="778320"/>
+            <a:off x="311040" y="116280"/>
+            <a:ext cx="1401480" cy="777960"/>
           </a:xfrm>
           <a:prstGeom prst="parallelogram">
             <a:avLst>
@@ -22272,14 +21192,14 @@
       </p:sp>
       <p:sp>
         <p:nvSpPr>
-          <p:cNvPr id="187" name="CustomShape 5"/>
+          <p:cNvPr id="179" name="CustomShape 5"/>
           <p:cNvSpPr/>
           <p:nvPr/>
         </p:nvSpPr>
         <p:spPr>
           <a:xfrm>
             <a:off x="302040" y="244080"/>
-            <a:ext cx="1323000" cy="516240"/>
+            <a:ext cx="1322640" cy="515880"/>
           </a:xfrm>
           <a:prstGeom prst="rect">
             <a:avLst/>
@@ -22334,14 +21254,14 @@
       </p:sp>
       <p:sp>
         <p:nvSpPr>
-          <p:cNvPr id="188" name="CustomShape 6"/>
-          <p:cNvSpPr/>
-          <p:nvPr/>
-        </p:nvSpPr>
-        <p:spPr>
-          <a:xfrm>
-            <a:off x="1964880" y="244080"/>
-            <a:ext cx="3679920" cy="515520"/>
+          <p:cNvPr id="180" name="CustomShape 6"/>
+          <p:cNvSpPr/>
+          <p:nvPr/>
+        </p:nvSpPr>
+        <p:spPr>
+          <a:xfrm>
+            <a:off x="2021400" y="244080"/>
+            <a:ext cx="2499840" cy="515160"/>
           </a:xfrm>
           <a:prstGeom prst="rect">
             <a:avLst/>
@@ -22366,7 +21286,7 @@
               </a:lnSpc>
             </a:pPr>
             <a:r>
-              <a:rPr b="0" lang="en-US" sz="2800" spc="293" strike="noStrike">
+              <a:rPr b="0" lang="en-US" sz="2800" spc="290" strike="noStrike">
                 <a:solidFill>
                   <a:srgbClr val="ffffff"/>
                 </a:solidFill>
@@ -22378,7 +21298,7 @@
                 <a:latin typeface="微软雅黑"/>
                 <a:ea typeface="微软雅黑"/>
               </a:rPr>
-              <a:t>业务与展示代码分离</a:t>
+              <a:t>兴趣课程学习</a:t>
             </a:r>
             <a:endParaRPr b="0" lang="en-US" sz="1800" spc="-1" strike="noStrike">
               <a:solidFill>
@@ -22396,81 +21316,77 @@
       </p:sp>
       <p:sp>
         <p:nvSpPr>
-          <p:cNvPr id="189" name="CustomShape 7"/>
-          <p:cNvSpPr/>
-          <p:nvPr/>
-        </p:nvSpPr>
-        <p:spPr>
-          <a:xfrm>
-            <a:off x="502920" y="1266840"/>
-            <a:ext cx="4439880" cy="4867920"/>
-          </a:xfrm>
-          <a:prstGeom prst="rect">
-            <a:avLst/>
-          </a:prstGeom>
+          <p:cNvPr id="181" name="CustomShape 7"/>
+          <p:cNvSpPr/>
+          <p:nvPr/>
+        </p:nvSpPr>
+        <p:spPr>
+          <a:xfrm>
+            <a:off x="2963880" y="4393080"/>
+            <a:ext cx="2312280" cy="1984680"/>
+          </a:xfrm>
+          <a:custGeom>
+            <a:avLst/>
+            <a:gdLst/>
+            <a:ahLst/>
+            <a:rect l="l" t="t" r="r" b="b"/>
+            <a:pathLst>
+              <a:path w="1845056" h="1583767">
+                <a:moveTo>
+                  <a:pt x="0" y="791884"/>
+                </a:moveTo>
+                <a:lnTo>
+                  <a:pt x="395942" y="0"/>
+                </a:lnTo>
+                <a:lnTo>
+                  <a:pt x="1449114" y="0"/>
+                </a:lnTo>
+                <a:lnTo>
+                  <a:pt x="1845056" y="791884"/>
+                </a:lnTo>
+                <a:lnTo>
+                  <a:pt x="1449114" y="1583767"/>
+                </a:lnTo>
+                <a:lnTo>
+                  <a:pt x="395942" y="1583767"/>
+                </a:lnTo>
+                <a:lnTo>
+                  <a:pt x="0" y="791884"/>
+                </a:lnTo>
+                <a:close/>
+              </a:path>
+            </a:pathLst>
+          </a:custGeom>
           <a:solidFill>
-            <a:srgbClr val="136083"/>
+            <a:srgbClr val="00b0f0"/>
           </a:solidFill>
-          <a:ln w="19080">
-            <a:solidFill>
-              <a:srgbClr val="1d6295"/>
-            </a:solidFill>
-            <a:custDash>
-              <a:ds d="100000" sp="100000"/>
-            </a:custDash>
-            <a:round/>
-          </a:ln>
-        </p:spPr>
-        <p:style>
-          <a:lnRef idx="2">
+          <a:ln>
+            <a:noFill/>
+          </a:ln>
+        </p:spPr>
+        <p:style>
+          <a:lnRef idx="2"/>
+          <a:fillRef idx="0"/>
+          <a:effectRef idx="0">
             <a:schemeClr val="accent1">
-              <a:shade val="50000"/>
+              <a:hueOff val="0"/>
+              <a:satOff val="0"/>
+              <a:lumOff val="0"/>
+              <a:alphaOff val="0"/>
             </a:schemeClr>
-          </a:lnRef>
-          <a:fillRef idx="1">
-            <a:schemeClr val="accent1"/>
-          </a:fillRef>
-          <a:effectRef idx="0">
-            <a:schemeClr val="accent1"/>
           </a:effectRef>
           <a:fontRef idx="minor"/>
         </p:style>
-      </p:sp>
-      <p:sp>
-        <p:nvSpPr>
-          <p:cNvPr id="190" name="CustomShape 8"/>
-          <p:cNvSpPr/>
-          <p:nvPr/>
-        </p:nvSpPr>
-        <p:spPr>
-          <a:xfrm>
-            <a:off x="652320" y="1390680"/>
-            <a:ext cx="4159080" cy="4239360"/>
-          </a:xfrm>
-          <a:prstGeom prst="rect">
-            <a:avLst/>
-          </a:prstGeom>
-          <a:noFill/>
-          <a:ln>
-            <a:noFill/>
-          </a:ln>
-        </p:spPr>
-        <p:style>
-          <a:lnRef idx="0"/>
-          <a:fillRef idx="0"/>
-          <a:effectRef idx="0"/>
-          <a:fontRef idx="minor"/>
-        </p:style>
         <p:txBody>
-          <a:bodyPr lIns="68400" rIns="68400" tIns="34200" bIns="34200"/>
-          <a:p>
-            <a:pPr>
+          <a:bodyPr lIns="302400" rIns="302400" tIns="286560" bIns="286560" anchor="ctr"/>
+          <a:p>
+            <a:pPr algn="ctr">
               <a:lnSpc>
-                <a:spcPct val="150000"/>
+                <a:spcPct val="90000"/>
               </a:lnSpc>
             </a:pPr>
             <a:r>
-              <a:rPr b="1" lang="en-US" sz="2000" spc="-1" strike="noStrike">
+              <a:rPr b="0" lang="en-US" sz="2400" spc="-1" strike="noStrike">
                 <a:solidFill>
                   <a:srgbClr val="ffffff"/>
                 </a:solidFill>
@@ -22482,10 +21398,137 @@
                 <a:latin typeface="微软雅黑"/>
                 <a:ea typeface="微软雅黑"/>
               </a:rPr>
-              <a:t>案例</a:t>
+              <a:t>金融知识</a:t>
             </a:r>
+            <a:endParaRPr b="0" lang="en-US" sz="1800" spc="-1" strike="noStrike">
+              <a:solidFill>
+                <a:srgbClr val="000000"/>
+              </a:solidFill>
+              <a:uFill>
+                <a:solidFill>
+                  <a:srgbClr val="ffffff"/>
+                </a:solidFill>
+              </a:uFill>
+              <a:latin typeface="Arial"/>
+            </a:endParaRPr>
+          </a:p>
+        </p:txBody>
+      </p:sp>
+      <p:sp>
+        <p:nvSpPr>
+          <p:cNvPr id="182" name="CustomShape 8"/>
+          <p:cNvSpPr/>
+          <p:nvPr/>
+        </p:nvSpPr>
+        <p:spPr>
+          <a:xfrm>
+            <a:off x="4897800" y="3332160"/>
+            <a:ext cx="2312280" cy="1984680"/>
+          </a:xfrm>
+          <a:custGeom>
+            <a:avLst/>
+            <a:gdLst/>
+            <a:ahLst/>
+            <a:rect l="l" t="t" r="r" b="b"/>
+            <a:pathLst>
+              <a:path w="1845056" h="1583767">
+                <a:moveTo>
+                  <a:pt x="0" y="791884"/>
+                </a:moveTo>
+                <a:lnTo>
+                  <a:pt x="395942" y="0"/>
+                </a:lnTo>
+                <a:lnTo>
+                  <a:pt x="1449114" y="0"/>
+                </a:lnTo>
+                <a:lnTo>
+                  <a:pt x="1845056" y="791884"/>
+                </a:lnTo>
+                <a:lnTo>
+                  <a:pt x="1449114" y="1583767"/>
+                </a:lnTo>
+                <a:lnTo>
+                  <a:pt x="395942" y="1583767"/>
+                </a:lnTo>
+                <a:lnTo>
+                  <a:pt x="0" y="791884"/>
+                </a:lnTo>
+                <a:close/>
+              </a:path>
+            </a:pathLst>
+          </a:custGeom>
+          <a:blipFill>
+            <a:blip r:embed="rId1"/>
+            <a:stretch>
+              <a:fillRect/>
+            </a:stretch>
+          </a:blipFill>
+          <a:ln>
+            <a:noFill/>
+          </a:ln>
+        </p:spPr>
+        <p:style>
+          <a:lnRef idx="2"/>
+          <a:fillRef idx="0"/>
+          <a:effectRef idx="0">
+            <a:schemeClr val="accent1">
+              <a:hueOff val="0"/>
+              <a:satOff val="0"/>
+              <a:lumOff val="0"/>
+              <a:alphaOff val="0"/>
+            </a:schemeClr>
+          </a:effectRef>
+          <a:fontRef idx="minor"/>
+        </p:style>
+      </p:sp>
+      <p:sp>
+        <p:nvSpPr>
+          <p:cNvPr id="183" name="CustomShape 9"/>
+          <p:cNvSpPr/>
+          <p:nvPr/>
+        </p:nvSpPr>
+        <p:spPr>
+          <a:xfrm>
+            <a:off x="6879240" y="4389840"/>
+            <a:ext cx="2312280" cy="1984680"/>
+          </a:xfrm>
+          <a:prstGeom prst="hexagon">
+            <a:avLst>
+              <a:gd name="adj" fmla="val 25000"/>
+              <a:gd name="vf" fmla="val 115470"/>
+            </a:avLst>
+          </a:prstGeom>
+          <a:solidFill>
+            <a:srgbClr val="136083"/>
+          </a:solidFill>
+          <a:ln>
+            <a:noFill/>
+          </a:ln>
+        </p:spPr>
+        <p:style>
+          <a:lnRef idx="2"/>
+          <a:fillRef idx="0"/>
+          <a:effectRef idx="0">
+            <a:schemeClr val="lt1">
+              <a:alpha val="90000"/>
+              <a:hueOff val="0"/>
+              <a:satOff val="0"/>
+              <a:lumOff val="0"/>
+              <a:alphaOff val="0"/>
+            </a:schemeClr>
+          </a:effectRef>
+          <a:fontRef idx="minor"/>
+        </p:style>
+        <p:txBody>
+          <a:bodyPr lIns="90000" rIns="90000" tIns="45000" bIns="45000" anchor="ctr"/>
+          <a:p>
+            <a:pPr algn="ctr">
+              <a:lnSpc>
+                <a:spcPct val="100000"/>
+              </a:lnSpc>
+            </a:pPr>
             <a:r>
-              <a:rPr b="1" lang="en-US" sz="2000" spc="-1" strike="noStrike">
+              <a:rPr b="0" lang="en-US" sz="2400" spc="-1" strike="noStrike">
                 <a:solidFill>
                   <a:srgbClr val="ffffff"/>
                 </a:solidFill>
@@ -22497,10 +21540,70 @@
                 <a:latin typeface="微软雅黑"/>
                 <a:ea typeface="微软雅黑"/>
               </a:rPr>
-              <a:t>1</a:t>
+              <a:t>稳定性建设</a:t>
             </a:r>
+            <a:endParaRPr b="0" lang="en-US" sz="1800" spc="-1" strike="noStrike">
+              <a:solidFill>
+                <a:srgbClr val="000000"/>
+              </a:solidFill>
+              <a:uFill>
+                <a:solidFill>
+                  <a:srgbClr val="ffffff"/>
+                </a:solidFill>
+              </a:uFill>
+              <a:latin typeface="Arial"/>
+            </a:endParaRPr>
+          </a:p>
+        </p:txBody>
+      </p:sp>
+      <p:sp>
+        <p:nvSpPr>
+          <p:cNvPr id="184" name="CustomShape 10"/>
+          <p:cNvSpPr/>
+          <p:nvPr/>
+        </p:nvSpPr>
+        <p:spPr>
+          <a:xfrm>
+            <a:off x="4868640" y="1190520"/>
+            <a:ext cx="2312280" cy="1984680"/>
+          </a:xfrm>
+          <a:prstGeom prst="hexagon">
+            <a:avLst>
+              <a:gd name="adj" fmla="val 25000"/>
+              <a:gd name="vf" fmla="val 115470"/>
+            </a:avLst>
+          </a:prstGeom>
+          <a:solidFill>
+            <a:srgbClr val="00b0f0"/>
+          </a:solidFill>
+          <a:ln>
+            <a:noFill/>
+          </a:ln>
+        </p:spPr>
+        <p:style>
+          <a:lnRef idx="2"/>
+          <a:fillRef idx="0"/>
+          <a:effectRef idx="0">
+            <a:schemeClr val="lt1">
+              <a:alpha val="90000"/>
+              <a:hueOff val="0"/>
+              <a:satOff val="0"/>
+              <a:lumOff val="0"/>
+              <a:alphaOff val="0"/>
+            </a:schemeClr>
+          </a:effectRef>
+          <a:fontRef idx="minor"/>
+        </p:style>
+        <p:txBody>
+          <a:bodyPr lIns="90000" rIns="90000" tIns="45000" bIns="45000" anchor="ctr"/>
+          <a:p>
+            <a:pPr algn="ctr">
+              <a:lnSpc>
+                <a:spcPct val="100000"/>
+              </a:lnSpc>
+            </a:pPr>
             <a:r>
-              <a:rPr b="1" lang="en-US" sz="2000" spc="-1" strike="noStrike">
+              <a:rPr b="0" lang="en-US" sz="2400" spc="-1" strike="noStrike">
                 <a:solidFill>
                   <a:srgbClr val="ffffff"/>
                 </a:solidFill>
@@ -22512,7 +21615,7 @@
                 <a:latin typeface="微软雅黑"/>
                 <a:ea typeface="微软雅黑"/>
               </a:rPr>
-              <a:t>：公共图片组件调用</a:t>
+              <a:t>社区业务</a:t>
             </a:r>
             <a:endParaRPr b="0" lang="en-US" sz="1800" spc="-1" strike="noStrike">
               <a:solidFill>
@@ -22526,16 +21629,58 @@
               <a:latin typeface="Arial"/>
             </a:endParaRPr>
           </a:p>
-          <a:p>
-            <a:pPr>
+        </p:txBody>
+      </p:sp>
+      <p:sp>
+        <p:nvSpPr>
+          <p:cNvPr id="185" name="CustomShape 11"/>
+          <p:cNvSpPr/>
+          <p:nvPr/>
+        </p:nvSpPr>
+        <p:spPr>
+          <a:xfrm>
+            <a:off x="6818400" y="2272680"/>
+            <a:ext cx="2312280" cy="1984680"/>
+          </a:xfrm>
+          <a:prstGeom prst="hexagon">
+            <a:avLst>
+              <a:gd name="adj" fmla="val 25000"/>
+              <a:gd name="vf" fmla="val 115470"/>
+            </a:avLst>
+          </a:prstGeom>
+          <a:solidFill>
+            <a:srgbClr val="136083"/>
+          </a:solidFill>
+          <a:ln>
+            <a:noFill/>
+          </a:ln>
+        </p:spPr>
+        <p:style>
+          <a:lnRef idx="2"/>
+          <a:fillRef idx="0"/>
+          <a:effectRef idx="0">
+            <a:schemeClr val="lt1">
+              <a:alpha val="90000"/>
+              <a:hueOff val="0"/>
+              <a:satOff val="0"/>
+              <a:lumOff val="0"/>
+              <a:alphaOff val="0"/>
+            </a:schemeClr>
+          </a:effectRef>
+          <a:fontRef idx="minor"/>
+        </p:style>
+        <p:txBody>
+          <a:bodyPr lIns="90000" rIns="90000" tIns="45000" bIns="45000" anchor="ctr"/>
+          <a:p>
+            <a:pPr algn="ctr">
               <a:lnSpc>
-                <a:spcPct val="150000"/>
+                <a:spcPct val="100000"/>
               </a:lnSpc>
             </a:pPr>
             <a:r>
-              <a:rPr b="0" lang="en-US" sz="1600" spc="-1" strike="noStrike">
-                <a:solidFill>
-                  <a:srgbClr val="c0c0c0"/>
+              <a:rPr b="0" lang="en-US" sz="2400" spc="-1" strike="noStrike">
+                <a:solidFill>
+                  <a:srgbClr val="ffffff"/>
                 </a:solidFill>
                 <a:uFill>
                   <a:solidFill>
@@ -22545,7 +21690,7 @@
                 <a:latin typeface="微软雅黑"/>
                 <a:ea typeface="微软雅黑"/>
               </a:rPr>
-              <a:t>转发功能中，样式较大不同，准备自己重写一个；</a:t>
+              <a:t>架构设计</a:t>
             </a:r>
             <a:endParaRPr b="0" lang="en-US" sz="1800" spc="-1" strike="noStrike">
               <a:solidFill>
@@ -22559,14 +21704,74 @@
               <a:latin typeface="Arial"/>
             </a:endParaRPr>
           </a:p>
-          <a:p>
-            <a:pPr>
+        </p:txBody>
+      </p:sp>
+      <p:sp>
+        <p:nvSpPr>
+          <p:cNvPr id="186" name="CustomShape 12"/>
+          <p:cNvSpPr/>
+          <p:nvPr/>
+        </p:nvSpPr>
+        <p:spPr>
+          <a:xfrm>
+            <a:off x="2882160" y="2305080"/>
+            <a:ext cx="2312280" cy="1984680"/>
+          </a:xfrm>
+          <a:custGeom>
+            <a:avLst/>
+            <a:gdLst/>
+            <a:ahLst/>
+            <a:rect l="l" t="t" r="r" b="b"/>
+            <a:pathLst>
+              <a:path w="1845056" h="1583767">
+                <a:moveTo>
+                  <a:pt x="0" y="791884"/>
+                </a:moveTo>
+                <a:lnTo>
+                  <a:pt x="395942" y="0"/>
+                </a:lnTo>
+                <a:lnTo>
+                  <a:pt x="1449114" y="0"/>
+                </a:lnTo>
+                <a:lnTo>
+                  <a:pt x="1845056" y="791884"/>
+                </a:lnTo>
+                <a:lnTo>
+                  <a:pt x="1449114" y="1583767"/>
+                </a:lnTo>
+                <a:lnTo>
+                  <a:pt x="395942" y="1583767"/>
+                </a:lnTo>
+                <a:lnTo>
+                  <a:pt x="0" y="791884"/>
+                </a:lnTo>
+                <a:close/>
+              </a:path>
+            </a:pathLst>
+          </a:custGeom>
+          <a:solidFill>
+            <a:srgbClr val="00b0f0"/>
+          </a:solidFill>
+          <a:ln>
+            <a:noFill/>
+          </a:ln>
+        </p:spPr>
+        <p:style>
+          <a:lnRef idx="0"/>
+          <a:fillRef idx="0"/>
+          <a:effectRef idx="0"/>
+          <a:fontRef idx="minor"/>
+        </p:style>
+        <p:txBody>
+          <a:bodyPr lIns="302400" rIns="302400" tIns="286560" bIns="286560" anchor="ctr"/>
+          <a:p>
+            <a:pPr algn="ctr">
               <a:lnSpc>
-                <a:spcPct val="150000"/>
+                <a:spcPct val="90000"/>
               </a:lnSpc>
             </a:pPr>
             <a:r>
-              <a:rPr b="1" lang="en-US" sz="2000" spc="-1" strike="noStrike">
+              <a:rPr b="0" lang="en-US" sz="2400" spc="-1" strike="noStrike">
                 <a:solidFill>
                   <a:srgbClr val="ffffff"/>
                 </a:solidFill>
@@ -22578,884 +21783,7 @@
                 <a:latin typeface="微软雅黑"/>
                 <a:ea typeface="微软雅黑"/>
               </a:rPr>
-              <a:t>案例</a:t>
-            </a:r>
-            <a:r>
-              <a:rPr b="1" lang="en-US" sz="2000" spc="-1" strike="noStrike">
-                <a:solidFill>
-                  <a:srgbClr val="ffffff"/>
-                </a:solidFill>
-                <a:uFill>
-                  <a:solidFill>
-                    <a:srgbClr val="ffffff"/>
-                  </a:solidFill>
-                </a:uFill>
-                <a:latin typeface="微软雅黑"/>
-                <a:ea typeface="微软雅黑"/>
-              </a:rPr>
-              <a:t>2</a:t>
-            </a:r>
-            <a:r>
-              <a:rPr b="1" lang="en-US" sz="2000" spc="-1" strike="noStrike">
-                <a:solidFill>
-                  <a:srgbClr val="ffffff"/>
-                </a:solidFill>
-                <a:uFill>
-                  <a:solidFill>
-                    <a:srgbClr val="ffffff"/>
-                  </a:solidFill>
-                </a:uFill>
-                <a:latin typeface="微软雅黑"/>
-                <a:ea typeface="微软雅黑"/>
-              </a:rPr>
-              <a:t>：转发评论中图片的埋点</a:t>
-            </a:r>
-            <a:endParaRPr b="0" lang="en-US" sz="1800" spc="-1" strike="noStrike">
-              <a:solidFill>
-                <a:srgbClr val="000000"/>
-              </a:solidFill>
-              <a:uFill>
-                <a:solidFill>
-                  <a:srgbClr val="ffffff"/>
-                </a:solidFill>
-              </a:uFill>
-              <a:latin typeface="Arial"/>
-            </a:endParaRPr>
-          </a:p>
-          <a:p>
-            <a:pPr>
-              <a:lnSpc>
-                <a:spcPct val="150000"/>
-              </a:lnSpc>
-            </a:pPr>
-            <a:r>
-              <a:rPr b="0" lang="en-US" sz="1600" spc="-1" strike="noStrike">
-                <a:solidFill>
-                  <a:srgbClr val="c0c0c0"/>
-                </a:solidFill>
-                <a:uFill>
-                  <a:solidFill>
-                    <a:srgbClr val="ffffff"/>
-                  </a:solidFill>
-                </a:uFill>
-                <a:latin typeface="微软雅黑"/>
-                <a:ea typeface="微软雅黑"/>
-              </a:rPr>
-              <a:t>图片组件，与图片相关的埋点，写在一起，比写在上层更好</a:t>
-            </a:r>
-            <a:endParaRPr b="0" lang="en-US" sz="1800" spc="-1" strike="noStrike">
-              <a:solidFill>
-                <a:srgbClr val="000000"/>
-              </a:solidFill>
-              <a:uFill>
-                <a:solidFill>
-                  <a:srgbClr val="ffffff"/>
-                </a:solidFill>
-              </a:uFill>
-              <a:latin typeface="Arial"/>
-            </a:endParaRPr>
-          </a:p>
-          <a:p>
-            <a:pPr>
-              <a:lnSpc>
-                <a:spcPct val="150000"/>
-              </a:lnSpc>
-            </a:pPr>
-            <a:r>
-              <a:rPr b="1" lang="en-US" sz="2000" spc="-1" strike="noStrike">
-                <a:solidFill>
-                  <a:srgbClr val="ffffff"/>
-                </a:solidFill>
-                <a:uFill>
-                  <a:solidFill>
-                    <a:srgbClr val="ffffff"/>
-                  </a:solidFill>
-                </a:uFill>
-                <a:latin typeface="微软雅黑"/>
-                <a:ea typeface="微软雅黑"/>
-              </a:rPr>
-              <a:t>案例</a:t>
-            </a:r>
-            <a:r>
-              <a:rPr b="1" lang="en-US" sz="2000" spc="-1" strike="noStrike">
-                <a:solidFill>
-                  <a:srgbClr val="ffffff"/>
-                </a:solidFill>
-                <a:uFill>
-                  <a:solidFill>
-                    <a:srgbClr val="ffffff"/>
-                  </a:solidFill>
-                </a:uFill>
-                <a:latin typeface="微软雅黑"/>
-                <a:ea typeface="微软雅黑"/>
-              </a:rPr>
-              <a:t>3</a:t>
-            </a:r>
-            <a:r>
-              <a:rPr b="1" lang="en-US" sz="2000" spc="-1" strike="noStrike">
-                <a:solidFill>
-                  <a:srgbClr val="ffffff"/>
-                </a:solidFill>
-                <a:uFill>
-                  <a:solidFill>
-                    <a:srgbClr val="ffffff"/>
-                  </a:solidFill>
-                </a:uFill>
-                <a:latin typeface="微软雅黑"/>
-                <a:ea typeface="微软雅黑"/>
-              </a:rPr>
-              <a:t>：评论的发布器调用，抽离登录和展示功能</a:t>
-            </a:r>
-            <a:endParaRPr b="0" lang="en-US" sz="1800" spc="-1" strike="noStrike">
-              <a:solidFill>
-                <a:srgbClr val="000000"/>
-              </a:solidFill>
-              <a:uFill>
-                <a:solidFill>
-                  <a:srgbClr val="ffffff"/>
-                </a:solidFill>
-              </a:uFill>
-              <a:latin typeface="Arial"/>
-            </a:endParaRPr>
-          </a:p>
-          <a:p>
-            <a:pPr>
-              <a:lnSpc>
-                <a:spcPct val="150000"/>
-              </a:lnSpc>
-            </a:pPr>
-            <a:r>
-              <a:rPr b="0" lang="en-US" sz="1600" spc="-1" strike="noStrike">
-                <a:solidFill>
-                  <a:srgbClr val="c0c0c0"/>
-                </a:solidFill>
-                <a:uFill>
-                  <a:solidFill>
-                    <a:srgbClr val="ffffff"/>
-                  </a:solidFill>
-                </a:uFill>
-                <a:latin typeface="微软雅黑"/>
-                <a:ea typeface="微软雅黑"/>
-              </a:rPr>
-              <a:t>调用发布器都有相同的逻辑，可以抽离出公共部分；</a:t>
-            </a:r>
-            <a:endParaRPr b="0" lang="en-US" sz="1800" spc="-1" strike="noStrike">
-              <a:solidFill>
-                <a:srgbClr val="000000"/>
-              </a:solidFill>
-              <a:uFill>
-                <a:solidFill>
-                  <a:srgbClr val="ffffff"/>
-                </a:solidFill>
-              </a:uFill>
-              <a:latin typeface="Arial"/>
-            </a:endParaRPr>
-          </a:p>
-        </p:txBody>
-      </p:sp>
-      <p:sp>
-        <p:nvSpPr>
-          <p:cNvPr id="191" name="CustomShape 9"/>
-          <p:cNvSpPr/>
-          <p:nvPr/>
-        </p:nvSpPr>
-        <p:spPr>
-          <a:xfrm rot="5400000">
-            <a:off x="5624640" y="2895480"/>
-            <a:ext cx="801360" cy="1827720"/>
-          </a:xfrm>
-          <a:custGeom>
-            <a:avLst/>
-            <a:gdLst/>
-            <a:ahLst/>
-            <a:rect l="l" t="t" r="r" b="b"/>
-            <a:pathLst>
-              <a:path w="601905" h="927659">
-                <a:moveTo>
-                  <a:pt x="0" y="218999"/>
-                </a:moveTo>
-                <a:lnTo>
-                  <a:pt x="300953" y="0"/>
-                </a:lnTo>
-                <a:lnTo>
-                  <a:pt x="601905" y="218999"/>
-                </a:lnTo>
-                <a:lnTo>
-                  <a:pt x="522142" y="218999"/>
-                </a:lnTo>
-                <a:lnTo>
-                  <a:pt x="522142" y="927659"/>
-                </a:lnTo>
-                <a:lnTo>
-                  <a:pt x="123001" y="927659"/>
-                </a:lnTo>
-                <a:lnTo>
-                  <a:pt x="123001" y="218999"/>
-                </a:lnTo>
-                <a:close/>
-              </a:path>
-            </a:pathLst>
-          </a:custGeom>
-          <a:solidFill>
-            <a:srgbClr val="00b0f0"/>
-          </a:solidFill>
-          <a:ln>
-            <a:noFill/>
-          </a:ln>
-        </p:spPr>
-        <p:style>
-          <a:lnRef idx="2">
-            <a:schemeClr val="accent1">
-              <a:shade val="50000"/>
-            </a:schemeClr>
-          </a:lnRef>
-          <a:fillRef idx="1">
-            <a:schemeClr val="accent1"/>
-          </a:fillRef>
-          <a:effectRef idx="0">
-            <a:schemeClr val="accent1"/>
-          </a:effectRef>
-          <a:fontRef idx="minor"/>
-        </p:style>
-      </p:sp>
-      <p:sp>
-        <p:nvSpPr>
-          <p:cNvPr id="192" name="CustomShape 10"/>
-          <p:cNvSpPr/>
-          <p:nvPr/>
-        </p:nvSpPr>
-        <p:spPr>
-          <a:xfrm>
-            <a:off x="5203080" y="3601800"/>
-            <a:ext cx="1399680" cy="454680"/>
-          </a:xfrm>
-          <a:prstGeom prst="rect">
-            <a:avLst/>
-          </a:prstGeom>
-          <a:noFill/>
-          <a:ln>
-            <a:noFill/>
-          </a:ln>
-        </p:spPr>
-        <p:style>
-          <a:lnRef idx="0"/>
-          <a:fillRef idx="0"/>
-          <a:effectRef idx="0"/>
-          <a:fontRef idx="minor"/>
-        </p:style>
-        <p:txBody>
-          <a:bodyPr wrap="none" lIns="90000" rIns="90000" tIns="45000" bIns="45000"/>
-          <a:p>
-            <a:pPr algn="ctr">
-              <a:lnSpc>
-                <a:spcPct val="100000"/>
-              </a:lnSpc>
-            </a:pPr>
-            <a:r>
-              <a:rPr b="0" lang="en-US" sz="2400" spc="-1" strike="noStrike">
-                <a:solidFill>
-                  <a:srgbClr val="fffdfb"/>
-                </a:solidFill>
-                <a:uFill>
-                  <a:solidFill>
-                    <a:srgbClr val="ffffff"/>
-                  </a:solidFill>
-                </a:uFill>
-                <a:latin typeface="微软雅黑"/>
-                <a:ea typeface="微软雅黑"/>
-              </a:rPr>
-              <a:t>改进收获</a:t>
-            </a:r>
-            <a:endParaRPr b="0" lang="en-US" sz="1800" spc="-1" strike="noStrike">
-              <a:solidFill>
-                <a:srgbClr val="000000"/>
-              </a:solidFill>
-              <a:uFill>
-                <a:solidFill>
-                  <a:srgbClr val="ffffff"/>
-                </a:solidFill>
-              </a:uFill>
-              <a:latin typeface="Arial"/>
-            </a:endParaRPr>
-          </a:p>
-        </p:txBody>
-      </p:sp>
-      <p:sp>
-        <p:nvSpPr>
-          <p:cNvPr id="193" name="CustomShape 11"/>
-          <p:cNvSpPr/>
-          <p:nvPr/>
-        </p:nvSpPr>
-        <p:spPr>
-          <a:xfrm>
-            <a:off x="8012880" y="1492200"/>
-            <a:ext cx="3396960" cy="982440"/>
-          </a:xfrm>
-          <a:prstGeom prst="rect">
-            <a:avLst/>
-          </a:prstGeom>
-          <a:noFill/>
-          <a:ln>
-            <a:noFill/>
-          </a:ln>
-        </p:spPr>
-        <p:style>
-          <a:lnRef idx="0"/>
-          <a:fillRef idx="0"/>
-          <a:effectRef idx="0"/>
-          <a:fontRef idx="minor"/>
-        </p:style>
-        <p:txBody>
-          <a:bodyPr lIns="90000" rIns="90000" tIns="45000" bIns="45000"/>
-          <a:p>
-            <a:pPr>
-              <a:lnSpc>
-                <a:spcPct val="150000"/>
-              </a:lnSpc>
-            </a:pPr>
-            <a:r>
-              <a:rPr b="0" lang="en-US" sz="1469" spc="-1" strike="noStrike">
-                <a:solidFill>
-                  <a:srgbClr val="404040"/>
-                </a:solidFill>
-                <a:uFill>
-                  <a:solidFill>
-                    <a:srgbClr val="ffffff"/>
-                  </a:solidFill>
-                </a:uFill>
-                <a:latin typeface="微软雅黑"/>
-                <a:ea typeface="微软雅黑"/>
-              </a:rPr>
-              <a:t>公共组件可以试用所有情况；</a:t>
-            </a:r>
-            <a:endParaRPr b="0" lang="en-US" sz="1800" spc="-1" strike="noStrike">
-              <a:solidFill>
-                <a:srgbClr val="000000"/>
-              </a:solidFill>
-              <a:uFill>
-                <a:solidFill>
-                  <a:srgbClr val="ffffff"/>
-                </a:solidFill>
-              </a:uFill>
-              <a:latin typeface="Arial"/>
-            </a:endParaRPr>
-          </a:p>
-          <a:p>
-            <a:pPr>
-              <a:lnSpc>
-                <a:spcPct val="150000"/>
-              </a:lnSpc>
-            </a:pPr>
-            <a:r>
-              <a:rPr b="0" lang="en-US" sz="1469" spc="-1" strike="noStrike">
-                <a:solidFill>
-                  <a:srgbClr val="404040"/>
-                </a:solidFill>
-                <a:uFill>
-                  <a:solidFill>
-                    <a:srgbClr val="ffffff"/>
-                  </a:solidFill>
-                </a:uFill>
-                <a:latin typeface="微软雅黑"/>
-                <a:ea typeface="微软雅黑"/>
-              </a:rPr>
-              <a:t>在不能应用上的情况下，应尽可能完善公共组件，而不是自己再写一个；</a:t>
-            </a:r>
-            <a:endParaRPr b="0" lang="en-US" sz="1800" spc="-1" strike="noStrike">
-              <a:solidFill>
-                <a:srgbClr val="000000"/>
-              </a:solidFill>
-              <a:uFill>
-                <a:solidFill>
-                  <a:srgbClr val="ffffff"/>
-                </a:solidFill>
-              </a:uFill>
-              <a:latin typeface="Arial"/>
-            </a:endParaRPr>
-          </a:p>
-        </p:txBody>
-      </p:sp>
-      <p:sp>
-        <p:nvSpPr>
-          <p:cNvPr id="194" name="CustomShape 12"/>
-          <p:cNvSpPr/>
-          <p:nvPr/>
-        </p:nvSpPr>
-        <p:spPr>
-          <a:xfrm>
-            <a:off x="7419960" y="1614600"/>
-            <a:ext cx="465120" cy="488520"/>
-          </a:xfrm>
-          <a:prstGeom prst="rect">
-            <a:avLst/>
-          </a:prstGeom>
-          <a:solidFill>
-            <a:srgbClr val="00b0f0"/>
-          </a:solidFill>
-          <a:ln w="28440">
-            <a:noFill/>
-          </a:ln>
-        </p:spPr>
-        <p:style>
-          <a:lnRef idx="2">
-            <a:schemeClr val="accent1">
-              <a:shade val="50000"/>
-            </a:schemeClr>
-          </a:lnRef>
-          <a:fillRef idx="1">
-            <a:schemeClr val="accent1"/>
-          </a:fillRef>
-          <a:effectRef idx="0">
-            <a:schemeClr val="accent1"/>
-          </a:effectRef>
-          <a:fontRef idx="minor"/>
-        </p:style>
-        <p:txBody>
-          <a:bodyPr lIns="90000" rIns="90000" tIns="45000" bIns="45000" anchor="ctr"/>
-          <a:p>
-            <a:pPr algn="ctr">
-              <a:lnSpc>
-                <a:spcPct val="100000"/>
-              </a:lnSpc>
-            </a:pPr>
-            <a:r>
-              <a:rPr b="0" lang="en-US" sz="3200" spc="-1" strike="noStrike">
-                <a:solidFill>
-                  <a:srgbClr val="ffffff"/>
-                </a:solidFill>
-                <a:uFill>
-                  <a:solidFill>
-                    <a:srgbClr val="ffffff"/>
-                  </a:solidFill>
-                </a:uFill>
-                <a:latin typeface="微软雅黑"/>
-                <a:ea typeface="微软雅黑"/>
-              </a:rPr>
-              <a:t>1</a:t>
-            </a:r>
-            <a:endParaRPr b="0" lang="en-US" sz="1800" spc="-1" strike="noStrike">
-              <a:solidFill>
-                <a:srgbClr val="000000"/>
-              </a:solidFill>
-              <a:uFill>
-                <a:solidFill>
-                  <a:srgbClr val="ffffff"/>
-                </a:solidFill>
-              </a:uFill>
-              <a:latin typeface="Arial"/>
-            </a:endParaRPr>
-          </a:p>
-        </p:txBody>
-      </p:sp>
-      <p:sp>
-        <p:nvSpPr>
-          <p:cNvPr id="195" name="CustomShape 13"/>
-          <p:cNvSpPr/>
-          <p:nvPr/>
-        </p:nvSpPr>
-        <p:spPr>
-          <a:xfrm>
-            <a:off x="8002080" y="2526120"/>
-            <a:ext cx="3407760" cy="1651320"/>
-          </a:xfrm>
-          <a:prstGeom prst="rect">
-            <a:avLst/>
-          </a:prstGeom>
-          <a:noFill/>
-          <a:ln>
-            <a:noFill/>
-          </a:ln>
-        </p:spPr>
-        <p:style>
-          <a:lnRef idx="0"/>
-          <a:fillRef idx="0"/>
-          <a:effectRef idx="0"/>
-          <a:fontRef idx="minor"/>
-        </p:style>
-        <p:txBody>
-          <a:bodyPr lIns="90000" rIns="90000" tIns="45000" bIns="45000"/>
-          <a:p>
-            <a:pPr>
-              <a:lnSpc>
-                <a:spcPct val="150000"/>
-              </a:lnSpc>
-            </a:pPr>
-            <a:r>
-              <a:rPr b="0" lang="en-US" sz="1469" spc="-1" strike="noStrike">
-                <a:solidFill>
-                  <a:srgbClr val="404040"/>
-                </a:solidFill>
-                <a:uFill>
-                  <a:solidFill>
-                    <a:srgbClr val="ffffff"/>
-                  </a:solidFill>
-                </a:uFill>
-                <a:latin typeface="微软雅黑"/>
-                <a:ea typeface="微软雅黑"/>
-              </a:rPr>
-              <a:t>业务相关的组件非必要都应该写在上层，最好是最上层；</a:t>
-            </a:r>
-            <a:endParaRPr b="0" lang="en-US" sz="1800" spc="-1" strike="noStrike">
-              <a:solidFill>
-                <a:srgbClr val="000000"/>
-              </a:solidFill>
-              <a:uFill>
-                <a:solidFill>
-                  <a:srgbClr val="ffffff"/>
-                </a:solidFill>
-              </a:uFill>
-              <a:latin typeface="Arial"/>
-            </a:endParaRPr>
-          </a:p>
-          <a:p>
-            <a:pPr>
-              <a:lnSpc>
-                <a:spcPct val="150000"/>
-              </a:lnSpc>
-            </a:pPr>
-            <a:r>
-              <a:rPr b="0" lang="en-US" sz="1469" spc="-1" strike="noStrike">
-                <a:solidFill>
-                  <a:srgbClr val="404040"/>
-                </a:solidFill>
-                <a:uFill>
-                  <a:solidFill>
-                    <a:srgbClr val="ffffff"/>
-                  </a:solidFill>
-                </a:uFill>
-                <a:latin typeface="微软雅黑"/>
-                <a:ea typeface="微软雅黑"/>
-              </a:rPr>
-              <a:t>只要一个组件被多个地方调用，业务功能就会不同，写死在展示组件上，会给维护带来麻烦；</a:t>
-            </a:r>
-            <a:endParaRPr b="0" lang="en-US" sz="1800" spc="-1" strike="noStrike">
-              <a:solidFill>
-                <a:srgbClr val="000000"/>
-              </a:solidFill>
-              <a:uFill>
-                <a:solidFill>
-                  <a:srgbClr val="ffffff"/>
-                </a:solidFill>
-              </a:uFill>
-              <a:latin typeface="Arial"/>
-            </a:endParaRPr>
-          </a:p>
-        </p:txBody>
-      </p:sp>
-      <p:sp>
-        <p:nvSpPr>
-          <p:cNvPr id="196" name="CustomShape 14"/>
-          <p:cNvSpPr/>
-          <p:nvPr/>
-        </p:nvSpPr>
-        <p:spPr>
-          <a:xfrm>
-            <a:off x="7419960" y="2651760"/>
-            <a:ext cx="465120" cy="488520"/>
-          </a:xfrm>
-          <a:prstGeom prst="rect">
-            <a:avLst/>
-          </a:prstGeom>
-          <a:solidFill>
-            <a:srgbClr val="00b0f0"/>
-          </a:solidFill>
-          <a:ln w="28440">
-            <a:noFill/>
-          </a:ln>
-        </p:spPr>
-        <p:style>
-          <a:lnRef idx="2">
-            <a:schemeClr val="accent1">
-              <a:shade val="50000"/>
-            </a:schemeClr>
-          </a:lnRef>
-          <a:fillRef idx="1">
-            <a:schemeClr val="accent1"/>
-          </a:fillRef>
-          <a:effectRef idx="0">
-            <a:schemeClr val="accent1"/>
-          </a:effectRef>
-          <a:fontRef idx="minor"/>
-        </p:style>
-        <p:txBody>
-          <a:bodyPr lIns="90000" rIns="90000" tIns="45000" bIns="45000" anchor="ctr"/>
-          <a:p>
-            <a:pPr algn="ctr">
-              <a:lnSpc>
-                <a:spcPct val="100000"/>
-              </a:lnSpc>
-            </a:pPr>
-            <a:r>
-              <a:rPr b="0" lang="en-US" sz="3200" spc="-1" strike="noStrike">
-                <a:solidFill>
-                  <a:srgbClr val="ffffff"/>
-                </a:solidFill>
-                <a:uFill>
-                  <a:solidFill>
-                    <a:srgbClr val="ffffff"/>
-                  </a:solidFill>
-                </a:uFill>
-                <a:latin typeface="微软雅黑"/>
-                <a:ea typeface="微软雅黑"/>
-              </a:rPr>
-              <a:t>2</a:t>
-            </a:r>
-            <a:endParaRPr b="0" lang="en-US" sz="1800" spc="-1" strike="noStrike">
-              <a:solidFill>
-                <a:srgbClr val="000000"/>
-              </a:solidFill>
-              <a:uFill>
-                <a:solidFill>
-                  <a:srgbClr val="ffffff"/>
-                </a:solidFill>
-              </a:uFill>
-              <a:latin typeface="Arial"/>
-            </a:endParaRPr>
-          </a:p>
-        </p:txBody>
-      </p:sp>
-      <p:sp>
-        <p:nvSpPr>
-          <p:cNvPr id="197" name="CustomShape 15"/>
-          <p:cNvSpPr/>
-          <p:nvPr/>
-        </p:nvSpPr>
-        <p:spPr>
-          <a:xfrm>
-            <a:off x="8002080" y="4188600"/>
-            <a:ext cx="3407760" cy="1986120"/>
-          </a:xfrm>
-          <a:prstGeom prst="rect">
-            <a:avLst/>
-          </a:prstGeom>
-          <a:noFill/>
-          <a:ln>
-            <a:noFill/>
-          </a:ln>
-        </p:spPr>
-        <p:style>
-          <a:lnRef idx="0"/>
-          <a:fillRef idx="0"/>
-          <a:effectRef idx="0"/>
-          <a:fontRef idx="minor"/>
-        </p:style>
-        <p:txBody>
-          <a:bodyPr lIns="90000" rIns="90000" tIns="45000" bIns="45000"/>
-          <a:p>
-            <a:pPr>
-              <a:lnSpc>
-                <a:spcPct val="150000"/>
-              </a:lnSpc>
-            </a:pPr>
-            <a:r>
-              <a:rPr b="0" lang="en-US" sz="1469" spc="-1" strike="noStrike">
-                <a:solidFill>
-                  <a:srgbClr val="404040"/>
-                </a:solidFill>
-                <a:uFill>
-                  <a:solidFill>
-                    <a:srgbClr val="ffffff"/>
-                  </a:solidFill>
-                </a:uFill>
-                <a:latin typeface="微软雅黑"/>
-                <a:ea typeface="微软雅黑"/>
-              </a:rPr>
-              <a:t>公共函数抽离，需要考虑不同类型文件的使用；</a:t>
-            </a:r>
-            <a:endParaRPr b="0" lang="en-US" sz="1800" spc="-1" strike="noStrike">
-              <a:solidFill>
-                <a:srgbClr val="000000"/>
-              </a:solidFill>
-              <a:uFill>
-                <a:solidFill>
-                  <a:srgbClr val="ffffff"/>
-                </a:solidFill>
-              </a:uFill>
-              <a:latin typeface="Arial"/>
-            </a:endParaRPr>
-          </a:p>
-          <a:p>
-            <a:pPr>
-              <a:lnSpc>
-                <a:spcPct val="150000"/>
-              </a:lnSpc>
-            </a:pPr>
-            <a:r>
-              <a:rPr b="0" lang="en-US" sz="1469" spc="-1" strike="noStrike">
-                <a:solidFill>
-                  <a:srgbClr val="404040"/>
-                </a:solidFill>
-                <a:uFill>
-                  <a:solidFill>
-                    <a:srgbClr val="ffffff"/>
-                  </a:solidFill>
-                </a:uFill>
-                <a:latin typeface="微软雅黑"/>
-                <a:ea typeface="微软雅黑"/>
-              </a:rPr>
-              <a:t>函数里面</a:t>
-            </a:r>
-            <a:r>
-              <a:rPr b="0" lang="en-US" sz="1469" spc="-1" strike="noStrike">
-                <a:solidFill>
-                  <a:srgbClr val="404040"/>
-                </a:solidFill>
-                <a:uFill>
-                  <a:solidFill>
-                    <a:srgbClr val="ffffff"/>
-                  </a:solidFill>
-                </a:uFill>
-                <a:latin typeface="微软雅黑"/>
-                <a:ea typeface="微软雅黑"/>
-              </a:rPr>
-              <a:t>this</a:t>
-            </a:r>
-            <a:r>
-              <a:rPr b="0" lang="en-US" sz="1469" spc="-1" strike="noStrike">
-                <a:solidFill>
-                  <a:srgbClr val="404040"/>
-                </a:solidFill>
-                <a:uFill>
-                  <a:solidFill>
-                    <a:srgbClr val="ffffff"/>
-                  </a:solidFill>
-                </a:uFill>
-                <a:latin typeface="微软雅黑"/>
-                <a:ea typeface="微软雅黑"/>
-              </a:rPr>
-              <a:t>如果指向</a:t>
-            </a:r>
-            <a:r>
-              <a:rPr b="0" lang="en-US" sz="1469" spc="-1" strike="noStrike">
-                <a:solidFill>
-                  <a:srgbClr val="404040"/>
-                </a:solidFill>
-                <a:uFill>
-                  <a:solidFill>
-                    <a:srgbClr val="ffffff"/>
-                  </a:solidFill>
-                </a:uFill>
-                <a:latin typeface="微软雅黑"/>
-                <a:ea typeface="微软雅黑"/>
-              </a:rPr>
-              <a:t>Vue</a:t>
-            </a:r>
-            <a:r>
-              <a:rPr b="0" lang="en-US" sz="1469" spc="-1" strike="noStrike">
-                <a:solidFill>
-                  <a:srgbClr val="404040"/>
-                </a:solidFill>
-                <a:uFill>
-                  <a:solidFill>
-                    <a:srgbClr val="ffffff"/>
-                  </a:solidFill>
-                </a:uFill>
-                <a:latin typeface="微软雅黑"/>
-                <a:ea typeface="微软雅黑"/>
-              </a:rPr>
-              <a:t>实例，那么放在公共</a:t>
-            </a:r>
-            <a:r>
-              <a:rPr b="0" lang="en-US" sz="1469" spc="-1" strike="noStrike">
-                <a:solidFill>
-                  <a:srgbClr val="404040"/>
-                </a:solidFill>
-                <a:uFill>
-                  <a:solidFill>
-                    <a:srgbClr val="ffffff"/>
-                  </a:solidFill>
-                </a:uFill>
-                <a:latin typeface="微软雅黑"/>
-                <a:ea typeface="微软雅黑"/>
-              </a:rPr>
-              <a:t>js</a:t>
-            </a:r>
-            <a:r>
-              <a:rPr b="0" lang="en-US" sz="1469" spc="-1" strike="noStrike">
-                <a:solidFill>
-                  <a:srgbClr val="404040"/>
-                </a:solidFill>
-                <a:uFill>
-                  <a:solidFill>
-                    <a:srgbClr val="ffffff"/>
-                  </a:solidFill>
-                </a:uFill>
-                <a:latin typeface="微软雅黑"/>
-                <a:ea typeface="微软雅黑"/>
-              </a:rPr>
-              <a:t>文件中，就很容易被其他人误用；这个时候通过组件继承的方式更好；</a:t>
-            </a:r>
-            <a:endParaRPr b="0" lang="en-US" sz="1800" spc="-1" strike="noStrike">
-              <a:solidFill>
-                <a:srgbClr val="000000"/>
-              </a:solidFill>
-              <a:uFill>
-                <a:solidFill>
-                  <a:srgbClr val="ffffff"/>
-                </a:solidFill>
-              </a:uFill>
-              <a:latin typeface="Arial"/>
-            </a:endParaRPr>
-          </a:p>
-        </p:txBody>
-      </p:sp>
-      <p:sp>
-        <p:nvSpPr>
-          <p:cNvPr id="198" name="CustomShape 16"/>
-          <p:cNvSpPr/>
-          <p:nvPr/>
-        </p:nvSpPr>
-        <p:spPr>
-          <a:xfrm>
-            <a:off x="7419960" y="4314240"/>
-            <a:ext cx="465120" cy="488520"/>
-          </a:xfrm>
-          <a:prstGeom prst="rect">
-            <a:avLst/>
-          </a:prstGeom>
-          <a:solidFill>
-            <a:srgbClr val="00b0f0"/>
-          </a:solidFill>
-          <a:ln w="28440">
-            <a:noFill/>
-          </a:ln>
-        </p:spPr>
-        <p:style>
-          <a:lnRef idx="2">
-            <a:schemeClr val="accent1">
-              <a:shade val="50000"/>
-            </a:schemeClr>
-          </a:lnRef>
-          <a:fillRef idx="1">
-            <a:schemeClr val="accent1"/>
-          </a:fillRef>
-          <a:effectRef idx="0">
-            <a:schemeClr val="accent1"/>
-          </a:effectRef>
-          <a:fontRef idx="minor"/>
-        </p:style>
-        <p:txBody>
-          <a:bodyPr lIns="90000" rIns="90000" tIns="45000" bIns="45000" anchor="ctr"/>
-          <a:p>
-            <a:pPr algn="ctr">
-              <a:lnSpc>
-                <a:spcPct val="100000"/>
-              </a:lnSpc>
-            </a:pPr>
-            <a:r>
-              <a:rPr b="0" lang="en-US" sz="3200" spc="-1" strike="noStrike">
-                <a:solidFill>
-                  <a:srgbClr val="ffffff"/>
-                </a:solidFill>
-                <a:uFill>
-                  <a:solidFill>
-                    <a:srgbClr val="ffffff"/>
-                  </a:solidFill>
-                </a:uFill>
-                <a:latin typeface="微软雅黑"/>
-                <a:ea typeface="微软雅黑"/>
-              </a:rPr>
-              <a:t>3</a:t>
+              <a:t>后端技术</a:t>
             </a:r>
             <a:endParaRPr b="0" lang="en-US" sz="1800" spc="-1" strike="noStrike">
               <a:solidFill>

--- a/doc/zzdb.pptx
+++ b/doc/zzdb.pptx
@@ -39,7 +39,7 @@
 </p:cmAuthorLst>
 </file>
 
-<file path=ppt/charts/chart20.xml><?xml version="1.0" encoding="utf-8"?>
+<file path=ppt/charts/chart2.xml><?xml version="1.0" encoding="utf-8"?>
 <c:chartSpace xmlns:c="http://schemas.openxmlformats.org/drawingml/2006/chart" xmlns:a="http://schemas.openxmlformats.org/drawingml/2006/main" xmlns:r="http://schemas.openxmlformats.org/officeDocument/2006/relationships">
   <c:lang val="en-US"/>
   <c:roundedCorners val="0"/>
@@ -372,11 +372,11 @@
           </c:spPr>
         </c:hiLowLines>
         <c:marker val="1"/>
-        <c:axId val="8880380"/>
-        <c:axId val="93577480"/>
+        <c:axId val="80183367"/>
+        <c:axId val="76"/>
       </c:lineChart>
       <c:catAx>
-        <c:axId val="8880380"/>
+        <c:axId val="80183367"/>
         <c:scaling>
           <c:orientation val="minMax"/>
         </c:scaling>
@@ -413,14 +413,14 @@
             </a:pPr>
           </a:p>
         </c:txPr>
-        <c:crossAx val="93577480"/>
+        <c:crossAx val="76"/>
         <c:crosses val="autoZero"/>
         <c:auto val="1"/>
         <c:lblAlgn val="ctr"/>
         <c:lblOffset val="100"/>
       </c:catAx>
       <c:valAx>
-        <c:axId val="93577480"/>
+        <c:axId val="76"/>
         <c:scaling>
           <c:orientation val="minMax"/>
         </c:scaling>
@@ -464,7 +464,7 @@
             </a:pPr>
           </a:p>
         </c:txPr>
-        <c:crossAx val="8880380"/>
+        <c:crossAx val="80183367"/>
         <c:crosses val="autoZero"/>
         <c:crossBetween val="midCat"/>
       </c:valAx>
@@ -747,7 +747,7 @@
           <a:bodyPr lIns="0" rIns="0" tIns="0" bIns="0" anchor="b"/>
           <a:p>
             <a:pPr algn="r"/>
-            <a:fld id="{D0B07676-3DF1-454D-A069-AD2CB1A74AA5}" type="slidenum">
+            <a:fld id="{ED0DBACA-9D31-4FA3-84DB-363875F92886}" type="slidenum">
               <a:rPr b="0" lang="en-US" sz="1400" spc="-1" strike="noStrike">
                 <a:solidFill>
                   <a:srgbClr val="000000"/>
@@ -811,7 +811,7 @@
         <p:spPr>
           <a:xfrm>
             <a:off x="685800" y="4400640"/>
-            <a:ext cx="5484960" cy="3598920"/>
+            <a:ext cx="5484600" cy="3598560"/>
           </a:xfrm>
           <a:prstGeom prst="rect">
             <a:avLst/>
@@ -843,7 +843,7 @@
         <p:spPr>
           <a:xfrm>
             <a:off x="3884760" y="8685360"/>
-            <a:ext cx="2970360" cy="457200"/>
+            <a:ext cx="2970000" cy="456840"/>
           </a:xfrm>
           <a:prstGeom prst="rect">
             <a:avLst/>
@@ -895,7 +895,7 @@
         <p:spPr>
           <a:xfrm>
             <a:off x="685800" y="4400640"/>
-            <a:ext cx="5484960" cy="3598920"/>
+            <a:ext cx="5484600" cy="3598560"/>
           </a:xfrm>
           <a:prstGeom prst="rect">
             <a:avLst/>
@@ -927,7 +927,7 @@
         <p:spPr>
           <a:xfrm>
             <a:off x="3884760" y="8685360"/>
-            <a:ext cx="2970360" cy="457200"/>
+            <a:ext cx="2970000" cy="456840"/>
           </a:xfrm>
           <a:prstGeom prst="rect">
             <a:avLst/>
@@ -979,7 +979,7 @@
         <p:spPr>
           <a:xfrm>
             <a:off x="685800" y="4400640"/>
-            <a:ext cx="5484960" cy="3598920"/>
+            <a:ext cx="5484600" cy="3598560"/>
           </a:xfrm>
           <a:prstGeom prst="rect">
             <a:avLst/>
@@ -1011,7 +1011,7 @@
         <p:spPr>
           <a:xfrm>
             <a:off x="3884760" y="8685360"/>
-            <a:ext cx="2970360" cy="457200"/>
+            <a:ext cx="2970000" cy="456840"/>
           </a:xfrm>
           <a:prstGeom prst="rect">
             <a:avLst/>
@@ -1063,7 +1063,7 @@
         <p:spPr>
           <a:xfrm>
             <a:off x="685800" y="4400640"/>
-            <a:ext cx="5484960" cy="3598920"/>
+            <a:ext cx="5484600" cy="3598560"/>
           </a:xfrm>
           <a:prstGeom prst="rect">
             <a:avLst/>
@@ -1095,7 +1095,7 @@
         <p:spPr>
           <a:xfrm>
             <a:off x="3884760" y="8685360"/>
-            <a:ext cx="2970360" cy="457200"/>
+            <a:ext cx="2970000" cy="456840"/>
           </a:xfrm>
           <a:prstGeom prst="rect">
             <a:avLst/>
@@ -1147,7 +1147,7 @@
         <p:spPr>
           <a:xfrm>
             <a:off x="685800" y="4400640"/>
-            <a:ext cx="5484960" cy="3598920"/>
+            <a:ext cx="5484600" cy="3598560"/>
           </a:xfrm>
           <a:prstGeom prst="rect">
             <a:avLst/>
@@ -1179,7 +1179,7 @@
         <p:spPr>
           <a:xfrm>
             <a:off x="3884760" y="8685360"/>
-            <a:ext cx="2970360" cy="457200"/>
+            <a:ext cx="2970000" cy="456840"/>
           </a:xfrm>
           <a:prstGeom prst="rect">
             <a:avLst/>
@@ -1231,7 +1231,7 @@
         <p:spPr>
           <a:xfrm>
             <a:off x="685800" y="4400640"/>
-            <a:ext cx="5484960" cy="3598920"/>
+            <a:ext cx="5484600" cy="3598560"/>
           </a:xfrm>
           <a:prstGeom prst="rect">
             <a:avLst/>
@@ -1263,7 +1263,7 @@
         <p:spPr>
           <a:xfrm>
             <a:off x="3884760" y="8685360"/>
-            <a:ext cx="2970360" cy="457200"/>
+            <a:ext cx="2970000" cy="456840"/>
           </a:xfrm>
           <a:prstGeom prst="rect">
             <a:avLst/>
@@ -1315,7 +1315,7 @@
         <p:spPr>
           <a:xfrm>
             <a:off x="685800" y="4400640"/>
-            <a:ext cx="5484960" cy="3598920"/>
+            <a:ext cx="5484600" cy="3598560"/>
           </a:xfrm>
           <a:prstGeom prst="rect">
             <a:avLst/>
@@ -1347,7 +1347,7 @@
         <p:spPr>
           <a:xfrm>
             <a:off x="3884760" y="8685360"/>
-            <a:ext cx="2970360" cy="457200"/>
+            <a:ext cx="2970000" cy="456840"/>
           </a:xfrm>
           <a:prstGeom prst="rect">
             <a:avLst/>
@@ -1399,7 +1399,7 @@
         <p:spPr>
           <a:xfrm>
             <a:off x="685800" y="4400640"/>
-            <a:ext cx="5484960" cy="3598920"/>
+            <a:ext cx="5484600" cy="3598560"/>
           </a:xfrm>
           <a:prstGeom prst="rect">
             <a:avLst/>
@@ -1431,7 +1431,7 @@
         <p:spPr>
           <a:xfrm>
             <a:off x="3884760" y="8685360"/>
-            <a:ext cx="2970360" cy="457200"/>
+            <a:ext cx="2970000" cy="456840"/>
           </a:xfrm>
           <a:prstGeom prst="rect">
             <a:avLst/>
@@ -1483,7 +1483,7 @@
         <p:spPr>
           <a:xfrm>
             <a:off x="685800" y="4400640"/>
-            <a:ext cx="5484960" cy="3598920"/>
+            <a:ext cx="5484600" cy="3598560"/>
           </a:xfrm>
           <a:prstGeom prst="rect">
             <a:avLst/>
@@ -1515,7 +1515,7 @@
         <p:spPr>
           <a:xfrm>
             <a:off x="3884760" y="8685360"/>
-            <a:ext cx="2970360" cy="457200"/>
+            <a:ext cx="2970000" cy="456840"/>
           </a:xfrm>
           <a:prstGeom prst="rect">
             <a:avLst/>
@@ -1567,7 +1567,7 @@
         <p:spPr>
           <a:xfrm>
             <a:off x="685800" y="4400640"/>
-            <a:ext cx="5484960" cy="3598920"/>
+            <a:ext cx="5484600" cy="3598560"/>
           </a:xfrm>
           <a:prstGeom prst="rect">
             <a:avLst/>
@@ -1599,7 +1599,7 @@
         <p:spPr>
           <a:xfrm>
             <a:off x="3884760" y="8685360"/>
-            <a:ext cx="2970360" cy="457200"/>
+            <a:ext cx="2970000" cy="456840"/>
           </a:xfrm>
           <a:prstGeom prst="rect">
             <a:avLst/>
@@ -1651,7 +1651,7 @@
         <p:spPr>
           <a:xfrm>
             <a:off x="685800" y="4400640"/>
-            <a:ext cx="5484960" cy="3598920"/>
+            <a:ext cx="5484600" cy="3598560"/>
           </a:xfrm>
           <a:prstGeom prst="rect">
             <a:avLst/>
@@ -1683,7 +1683,7 @@
         <p:spPr>
           <a:xfrm>
             <a:off x="3884760" y="8685360"/>
-            <a:ext cx="2970360" cy="457200"/>
+            <a:ext cx="2970000" cy="456840"/>
           </a:xfrm>
           <a:prstGeom prst="rect">
             <a:avLst/>
@@ -1735,7 +1735,7 @@
         <p:spPr>
           <a:xfrm>
             <a:off x="685800" y="4400640"/>
-            <a:ext cx="5484960" cy="3598920"/>
+            <a:ext cx="5484600" cy="3598560"/>
           </a:xfrm>
           <a:prstGeom prst="rect">
             <a:avLst/>
@@ -1767,7 +1767,7 @@
         <p:spPr>
           <a:xfrm>
             <a:off x="3884760" y="8685360"/>
-            <a:ext cx="2970360" cy="457200"/>
+            <a:ext cx="2970000" cy="456840"/>
           </a:xfrm>
           <a:prstGeom prst="rect">
             <a:avLst/>
@@ -1819,7 +1819,7 @@
         <p:spPr>
           <a:xfrm>
             <a:off x="685800" y="4400640"/>
-            <a:ext cx="5484960" cy="3598920"/>
+            <a:ext cx="5484600" cy="3598560"/>
           </a:xfrm>
           <a:prstGeom prst="rect">
             <a:avLst/>
@@ -1851,7 +1851,7 @@
         <p:spPr>
           <a:xfrm>
             <a:off x="3884760" y="8685360"/>
-            <a:ext cx="2970360" cy="457200"/>
+            <a:ext cx="2970000" cy="456840"/>
           </a:xfrm>
           <a:prstGeom prst="rect">
             <a:avLst/>
@@ -1903,7 +1903,7 @@
         <p:spPr>
           <a:xfrm>
             <a:off x="685800" y="4400640"/>
-            <a:ext cx="5484960" cy="3598920"/>
+            <a:ext cx="5484600" cy="3598560"/>
           </a:xfrm>
           <a:prstGeom prst="rect">
             <a:avLst/>
@@ -1935,7 +1935,7 @@
         <p:spPr>
           <a:xfrm>
             <a:off x="3884760" y="8685360"/>
-            <a:ext cx="2970360" cy="457200"/>
+            <a:ext cx="2970000" cy="456840"/>
           </a:xfrm>
           <a:prstGeom prst="rect">
             <a:avLst/>
@@ -1987,7 +1987,7 @@
         <p:spPr>
           <a:xfrm>
             <a:off x="685800" y="4400640"/>
-            <a:ext cx="5484960" cy="3598920"/>
+            <a:ext cx="5484600" cy="3598560"/>
           </a:xfrm>
           <a:prstGeom prst="rect">
             <a:avLst/>
@@ -2019,7 +2019,7 @@
         <p:spPr>
           <a:xfrm>
             <a:off x="3884760" y="8685360"/>
-            <a:ext cx="2970360" cy="457200"/>
+            <a:ext cx="2970000" cy="456840"/>
           </a:xfrm>
           <a:prstGeom prst="rect">
             <a:avLst/>
@@ -2071,7 +2071,7 @@
         <p:spPr>
           <a:xfrm>
             <a:off x="685800" y="4400640"/>
-            <a:ext cx="5484960" cy="3598920"/>
+            <a:ext cx="5484600" cy="3598560"/>
           </a:xfrm>
           <a:prstGeom prst="rect">
             <a:avLst/>
@@ -2103,7 +2103,7 @@
         <p:spPr>
           <a:xfrm>
             <a:off x="3884760" y="8685360"/>
-            <a:ext cx="2970360" cy="457200"/>
+            <a:ext cx="2970000" cy="456840"/>
           </a:xfrm>
           <a:prstGeom prst="rect">
             <a:avLst/>
@@ -2155,7 +2155,7 @@
         <p:spPr>
           <a:xfrm>
             <a:off x="685800" y="4400640"/>
-            <a:ext cx="5484960" cy="3598920"/>
+            <a:ext cx="5484600" cy="3598560"/>
           </a:xfrm>
           <a:prstGeom prst="rect">
             <a:avLst/>
@@ -2187,7 +2187,7 @@
         <p:spPr>
           <a:xfrm>
             <a:off x="3884760" y="8685360"/>
-            <a:ext cx="2970360" cy="457200"/>
+            <a:ext cx="2970000" cy="456840"/>
           </a:xfrm>
           <a:prstGeom prst="rect">
             <a:avLst/>
@@ -5909,7 +5909,7 @@
         <p:spPr>
           <a:xfrm>
             <a:off x="0" y="0"/>
-            <a:ext cx="12190680" cy="3528000"/>
+            <a:ext cx="12190320" cy="3527640"/>
           </a:xfrm>
           <a:prstGeom prst="rect">
             <a:avLst/>
@@ -5949,7 +5949,7 @@
         <p:spPr>
           <a:xfrm>
             <a:off x="1066680" y="345960"/>
-            <a:ext cx="10056960" cy="5085720"/>
+            <a:ext cx="10056600" cy="5085360"/>
           </a:xfrm>
           <a:prstGeom prst="rect">
             <a:avLst/>
@@ -5968,7 +5968,7 @@
         <p:spPr>
           <a:xfrm rot="21595200">
             <a:off x="2160" y="2990880"/>
-            <a:ext cx="12191040" cy="3333960"/>
+            <a:ext cx="12190680" cy="3333600"/>
           </a:xfrm>
           <a:prstGeom prst="rect">
             <a:avLst/>
@@ -6004,7 +6004,7 @@
         <p:spPr>
           <a:xfrm>
             <a:off x="2207160" y="3845880"/>
-            <a:ext cx="1139760" cy="1139760"/>
+            <a:ext cx="1139400" cy="1139400"/>
           </a:xfrm>
           <a:prstGeom prst="rect">
             <a:avLst/>
@@ -6017,7 +6017,7 @@
               </a:schemeClr>
             </a:solidFill>
             <a:custDash>
-              <a:ds d="3300000" sp="100000"/>
+              <a:ds d="6400000" sp="100000"/>
             </a:custDash>
             <a:round/>
           </a:ln>
@@ -6058,7 +6058,7 @@
               </a:schemeClr>
             </a:solidFill>
             <a:custDash>
-              <a:ds d="1000000" sp="100000"/>
+              <a:ds d="1300000" sp="100000"/>
             </a:custDash>
             <a:round/>
           </a:ln>
@@ -6097,7 +6097,7 @@
               </a:schemeClr>
             </a:solidFill>
             <a:custDash>
-              <a:ds d="1000000" sp="100000"/>
+              <a:ds d="1300000" sp="100000"/>
             </a:custDash>
             <a:round/>
           </a:ln>
@@ -6124,7 +6124,7 @@
         <p:spPr>
           <a:xfrm>
             <a:off x="3534480" y="3845880"/>
-            <a:ext cx="1139760" cy="1139760"/>
+            <a:ext cx="1139400" cy="1139400"/>
           </a:xfrm>
           <a:prstGeom prst="rect">
             <a:avLst/>
@@ -6137,7 +6137,7 @@
               </a:schemeClr>
             </a:solidFill>
             <a:custDash>
-              <a:ds d="3300000" sp="100000"/>
+              <a:ds d="6400000" sp="100000"/>
             </a:custDash>
             <a:round/>
           </a:ln>
@@ -6178,7 +6178,7 @@
               </a:schemeClr>
             </a:solidFill>
             <a:custDash>
-              <a:ds d="1000000" sp="100000"/>
+              <a:ds d="1300000" sp="100000"/>
             </a:custDash>
             <a:round/>
           </a:ln>
@@ -6217,7 +6217,7 @@
               </a:schemeClr>
             </a:solidFill>
             <a:custDash>
-              <a:ds d="1000000" sp="100000"/>
+              <a:ds d="1300000" sp="100000"/>
             </a:custDash>
             <a:round/>
           </a:ln>
@@ -6244,7 +6244,7 @@
         <p:spPr>
           <a:xfrm>
             <a:off x="4861800" y="3845880"/>
-            <a:ext cx="1139760" cy="1139760"/>
+            <a:ext cx="1139400" cy="1139400"/>
           </a:xfrm>
           <a:prstGeom prst="rect">
             <a:avLst/>
@@ -6257,7 +6257,7 @@
               </a:schemeClr>
             </a:solidFill>
             <a:custDash>
-              <a:ds d="3300000" sp="100000"/>
+              <a:ds d="6400000" sp="100000"/>
             </a:custDash>
             <a:round/>
           </a:ln>
@@ -6298,7 +6298,7 @@
               </a:schemeClr>
             </a:solidFill>
             <a:custDash>
-              <a:ds d="1000000" sp="100000"/>
+              <a:ds d="1300000" sp="100000"/>
             </a:custDash>
             <a:round/>
           </a:ln>
@@ -6337,7 +6337,7 @@
               </a:schemeClr>
             </a:solidFill>
             <a:custDash>
-              <a:ds d="1000000" sp="100000"/>
+              <a:ds d="1300000" sp="100000"/>
             </a:custDash>
             <a:round/>
           </a:ln>
@@ -6364,7 +6364,7 @@
         <p:spPr>
           <a:xfrm>
             <a:off x="6189120" y="3845880"/>
-            <a:ext cx="1139760" cy="1139760"/>
+            <a:ext cx="1139400" cy="1139400"/>
           </a:xfrm>
           <a:prstGeom prst="rect">
             <a:avLst/>
@@ -6377,7 +6377,7 @@
               </a:schemeClr>
             </a:solidFill>
             <a:custDash>
-              <a:ds d="3300000" sp="100000"/>
+              <a:ds d="6400000" sp="100000"/>
             </a:custDash>
             <a:round/>
           </a:ln>
@@ -6418,7 +6418,7 @@
               </a:schemeClr>
             </a:solidFill>
             <a:custDash>
-              <a:ds d="1000000" sp="100000"/>
+              <a:ds d="1300000" sp="100000"/>
             </a:custDash>
             <a:round/>
           </a:ln>
@@ -6457,7 +6457,7 @@
               </a:schemeClr>
             </a:solidFill>
             <a:custDash>
-              <a:ds d="1000000" sp="100000"/>
+              <a:ds d="1300000" sp="100000"/>
             </a:custDash>
             <a:round/>
           </a:ln>
@@ -6484,7 +6484,7 @@
         <p:spPr>
           <a:xfrm>
             <a:off x="7516440" y="3845880"/>
-            <a:ext cx="1139760" cy="1139760"/>
+            <a:ext cx="1139400" cy="1139400"/>
           </a:xfrm>
           <a:prstGeom prst="rect">
             <a:avLst/>
@@ -6497,7 +6497,7 @@
               </a:schemeClr>
             </a:solidFill>
             <a:custDash>
-              <a:ds d="3300000" sp="100000"/>
+              <a:ds d="6400000" sp="100000"/>
             </a:custDash>
             <a:round/>
           </a:ln>
@@ -6538,7 +6538,7 @@
               </a:schemeClr>
             </a:solidFill>
             <a:custDash>
-              <a:ds d="1000000" sp="100000"/>
+              <a:ds d="1300000" sp="100000"/>
             </a:custDash>
             <a:round/>
           </a:ln>
@@ -6577,7 +6577,7 @@
               </a:schemeClr>
             </a:solidFill>
             <a:custDash>
-              <a:ds d="1000000" sp="100000"/>
+              <a:ds d="1300000" sp="100000"/>
             </a:custDash>
             <a:round/>
           </a:ln>
@@ -6604,7 +6604,7 @@
         <p:spPr>
           <a:xfrm>
             <a:off x="8843760" y="3845880"/>
-            <a:ext cx="1139760" cy="1139760"/>
+            <a:ext cx="1139400" cy="1139400"/>
           </a:xfrm>
           <a:prstGeom prst="rect">
             <a:avLst/>
@@ -6617,7 +6617,7 @@
               </a:schemeClr>
             </a:solidFill>
             <a:custDash>
-              <a:ds d="3300000" sp="100000"/>
+              <a:ds d="6400000" sp="100000"/>
             </a:custDash>
             <a:round/>
           </a:ln>
@@ -6658,7 +6658,7 @@
               </a:schemeClr>
             </a:solidFill>
             <a:custDash>
-              <a:ds d="1000000" sp="100000"/>
+              <a:ds d="1300000" sp="100000"/>
             </a:custDash>
             <a:round/>
           </a:ln>
@@ -6697,7 +6697,7 @@
               </a:schemeClr>
             </a:solidFill>
             <a:custDash>
-              <a:ds d="1000000" sp="100000"/>
+              <a:ds d="1300000" sp="100000"/>
             </a:custDash>
             <a:round/>
           </a:ln>
@@ -6723,8 +6723,8 @@
         </p:nvSpPr>
         <p:spPr>
           <a:xfrm rot="12600">
-            <a:off x="2241000" y="3685320"/>
-            <a:ext cx="8010360" cy="1287000"/>
+            <a:off x="2241000" y="3684960"/>
+            <a:ext cx="8010000" cy="1286640"/>
           </a:xfrm>
           <a:prstGeom prst="rect">
             <a:avLst/>
@@ -6749,7 +6749,7 @@
               </a:lnSpc>
             </a:pPr>
             <a:r>
-              <a:rPr b="1" lang="en-US" sz="8000" spc="2189" strike="noStrike">
+              <a:rPr b="1" lang="en-US" sz="8000" spc="2186" strike="noStrike">
                 <a:solidFill>
                   <a:srgbClr val="136083"/>
                 </a:solidFill>
@@ -6786,7 +6786,7 @@
         <p:spPr>
           <a:xfrm>
             <a:off x="4656600" y="5534640"/>
-            <a:ext cx="348840" cy="350280"/>
+            <a:ext cx="348480" cy="349920"/>
           </a:xfrm>
           <a:custGeom>
             <a:avLst/>
@@ -6974,7 +6974,7 @@
         <p:spPr>
           <a:xfrm>
             <a:off x="5106600" y="5551200"/>
-            <a:ext cx="1832400" cy="332640"/>
+            <a:ext cx="1832040" cy="332280"/>
           </a:xfrm>
           <a:prstGeom prst="rect">
             <a:avLst/>
@@ -7036,7 +7036,7 @@
         <p:spPr>
           <a:xfrm>
             <a:off x="4443840" y="1223280"/>
-            <a:ext cx="3303000" cy="1551600"/>
+            <a:ext cx="3302640" cy="1551240"/>
           </a:xfrm>
           <a:prstGeom prst="rect">
             <a:avLst/>
@@ -7098,7 +7098,7 @@
         <p:spPr>
           <a:xfrm>
             <a:off x="3805560" y="6123600"/>
-            <a:ext cx="3769200" cy="241560"/>
+            <a:ext cx="3768840" cy="241200"/>
           </a:xfrm>
           <a:prstGeom prst="rect">
             <a:avLst/>
@@ -7124,7 +7124,7 @@
         <p:spPr>
           <a:xfrm>
             <a:off x="7675920" y="5875560"/>
-            <a:ext cx="3027600" cy="363960"/>
+            <a:ext cx="3027240" cy="363600"/>
           </a:xfrm>
           <a:prstGeom prst="rect">
             <a:avLst/>
@@ -7313,7 +7313,7 @@
         <p:spPr>
           <a:xfrm>
             <a:off x="0" y="205200"/>
-            <a:ext cx="12190680" cy="599400"/>
+            <a:ext cx="12190320" cy="599040"/>
           </a:xfrm>
           <a:prstGeom prst="rect">
             <a:avLst/>
@@ -7349,7 +7349,7 @@
         <p:spPr>
           <a:xfrm flipH="1">
             <a:off x="264960" y="806040"/>
-            <a:ext cx="310680" cy="87840"/>
+            <a:ext cx="310320" cy="87480"/>
           </a:xfrm>
           <a:custGeom>
             <a:avLst/>
@@ -7407,8 +7407,8 @@
         </p:nvSpPr>
         <p:spPr>
           <a:xfrm flipV="1">
-            <a:off x="1457280" y="114840"/>
-            <a:ext cx="310680" cy="87840"/>
+            <a:off x="1457280" y="114120"/>
+            <a:ext cx="310320" cy="87480"/>
           </a:xfrm>
           <a:custGeom>
             <a:avLst/>
@@ -7467,7 +7467,7 @@
         <p:spPr>
           <a:xfrm flipH="1">
             <a:off x="311040" y="116280"/>
-            <a:ext cx="1401480" cy="777960"/>
+            <a:ext cx="1401120" cy="777600"/>
           </a:xfrm>
           <a:prstGeom prst="parallelogram">
             <a:avLst>
@@ -7505,7 +7505,7 @@
         <p:spPr>
           <a:xfrm>
             <a:off x="302040" y="244080"/>
-            <a:ext cx="1322640" cy="515880"/>
+            <a:ext cx="1322280" cy="515520"/>
           </a:xfrm>
           <a:prstGeom prst="rect">
             <a:avLst/>
@@ -7567,7 +7567,7 @@
         <p:spPr>
           <a:xfrm>
             <a:off x="2021400" y="244080"/>
-            <a:ext cx="2499840" cy="515160"/>
+            <a:ext cx="2499480" cy="514800"/>
           </a:xfrm>
           <a:prstGeom prst="rect">
             <a:avLst/>
@@ -7592,7 +7592,7 @@
               </a:lnSpc>
             </a:pPr>
             <a:r>
-              <a:rPr b="0" lang="en-US" sz="2800" spc="290" strike="noStrike">
+              <a:rPr b="0" lang="en-US" sz="2800" spc="287" strike="noStrike">
                 <a:solidFill>
                   <a:srgbClr val="ffffff"/>
                 </a:solidFill>
@@ -7629,7 +7629,7 @@
         <p:spPr>
           <a:xfrm>
             <a:off x="3240000" y="2088000"/>
-            <a:ext cx="4212000" cy="868320"/>
+            <a:ext cx="4211640" cy="867960"/>
           </a:xfrm>
           <a:custGeom>
             <a:avLst/>
@@ -7803,7 +7803,7 @@
         <p:spPr>
           <a:xfrm>
             <a:off x="3312000" y="3384000"/>
-            <a:ext cx="4248000" cy="864000"/>
+            <a:ext cx="4247640" cy="863640"/>
           </a:xfrm>
           <a:prstGeom prst="rect">
             <a:avLst/>
@@ -7826,7 +7826,11 @@
         <p:txBody>
           <a:bodyPr wrap="none" lIns="90000" rIns="90000" tIns="45000" bIns="45000" anchor="ctr"/>
           <a:p>
-            <a:pPr algn="ctr"/>
+            <a:pPr algn="ctr">
+              <a:lnSpc>
+                <a:spcPct val="100000"/>
+              </a:lnSpc>
+            </a:pPr>
             <a:r>
               <a:rPr b="0" lang="en-US" sz="1800" spc="-1" strike="noStrike">
                 <a:solidFill>
@@ -7838,6 +7842,7 @@
                   </a:solidFill>
                 </a:uFill>
                 <a:latin typeface="Arial"/>
+                <a:ea typeface="DejaVu Sans"/>
               </a:rPr>
               <a:t>对新人提供系统的介绍，包括组织结</a:t>
             </a:r>
@@ -7854,7 +7859,11 @@
             </a:endParaRPr>
           </a:p>
           <a:p>
-            <a:pPr algn="ctr"/>
+            <a:pPr algn="ctr">
+              <a:lnSpc>
+                <a:spcPct val="100000"/>
+              </a:lnSpc>
+            </a:pPr>
             <a:r>
               <a:rPr b="0" lang="en-US" sz="1800" spc="-1" strike="noStrike">
                 <a:solidFill>
@@ -7866,6 +7875,7 @@
                   </a:solidFill>
                 </a:uFill>
                 <a:latin typeface="Arial"/>
+                <a:ea typeface="DejaVu Sans"/>
               </a:rPr>
               <a:t>  </a:t>
             </a:r>
@@ -7880,6 +7890,7 @@
                   </a:solidFill>
                 </a:uFill>
                 <a:latin typeface="Arial"/>
+                <a:ea typeface="DejaVu Sans"/>
               </a:rPr>
               <a:t>构，项目架构，业务现状，流程规范等。</a:t>
             </a:r>
@@ -7955,7 +7966,7 @@
         <p:spPr>
           <a:xfrm>
             <a:off x="0" y="2462040"/>
-            <a:ext cx="12190680" cy="1894320"/>
+            <a:ext cx="12190320" cy="1893960"/>
           </a:xfrm>
           <a:prstGeom prst="rect">
             <a:avLst/>
@@ -7989,7 +8000,7 @@
         <p:spPr>
           <a:xfrm>
             <a:off x="3714120" y="2202480"/>
-            <a:ext cx="257040" cy="258120"/>
+            <a:ext cx="256680" cy="257760"/>
           </a:xfrm>
           <a:custGeom>
             <a:avLst/>
@@ -8042,7 +8053,7 @@
         <p:spPr>
           <a:xfrm flipV="1">
             <a:off x="510120" y="4356000"/>
-            <a:ext cx="262080" cy="263160"/>
+            <a:ext cx="261720" cy="262800"/>
           </a:xfrm>
           <a:custGeom>
             <a:avLst/>
@@ -8095,7 +8106,7 @@
         <p:spPr>
           <a:xfrm>
             <a:off x="639000" y="2203200"/>
-            <a:ext cx="3207960" cy="2411640"/>
+            <a:ext cx="3207600" cy="2411280"/>
           </a:xfrm>
           <a:prstGeom prst="parallelogram">
             <a:avLst>
@@ -8133,7 +8144,7 @@
         <p:spPr>
           <a:xfrm>
             <a:off x="1487520" y="2531520"/>
-            <a:ext cx="1761480" cy="1715040"/>
+            <a:ext cx="1761120" cy="1714680"/>
           </a:xfrm>
           <a:prstGeom prst="rect">
             <a:avLst/>
@@ -8195,7 +8206,7 @@
         <p:spPr>
           <a:xfrm>
             <a:off x="4446720" y="2890800"/>
-            <a:ext cx="6732360" cy="912960"/>
+            <a:ext cx="6732000" cy="912600"/>
           </a:xfrm>
           <a:prstGeom prst="rect">
             <a:avLst/>
@@ -8306,7 +8317,7 @@
         <p:spPr>
           <a:xfrm>
             <a:off x="0" y="205200"/>
-            <a:ext cx="12190680" cy="599400"/>
+            <a:ext cx="12190320" cy="599040"/>
           </a:xfrm>
           <a:prstGeom prst="rect">
             <a:avLst/>
@@ -8342,7 +8353,7 @@
         <p:spPr>
           <a:xfrm flipH="1">
             <a:off x="264960" y="806040"/>
-            <a:ext cx="310680" cy="87840"/>
+            <a:ext cx="310320" cy="87480"/>
           </a:xfrm>
           <a:custGeom>
             <a:avLst/>
@@ -8400,8 +8411,8 @@
         </p:nvSpPr>
         <p:spPr>
           <a:xfrm flipV="1">
-            <a:off x="1457280" y="114840"/>
-            <a:ext cx="310680" cy="87840"/>
+            <a:off x="1457280" y="114120"/>
+            <a:ext cx="310320" cy="87480"/>
           </a:xfrm>
           <a:custGeom>
             <a:avLst/>
@@ -8460,7 +8471,7 @@
         <p:spPr>
           <a:xfrm flipH="1">
             <a:off x="311040" y="116280"/>
-            <a:ext cx="1401480" cy="777960"/>
+            <a:ext cx="1401120" cy="777600"/>
           </a:xfrm>
           <a:prstGeom prst="parallelogram">
             <a:avLst>
@@ -8498,7 +8509,7 @@
         <p:spPr>
           <a:xfrm>
             <a:off x="302040" y="244080"/>
-            <a:ext cx="1322640" cy="515880"/>
+            <a:ext cx="1322280" cy="515520"/>
           </a:xfrm>
           <a:prstGeom prst="rect">
             <a:avLst/>
@@ -8560,7 +8571,7 @@
         <p:spPr>
           <a:xfrm>
             <a:off x="2058840" y="244080"/>
-            <a:ext cx="1713240" cy="515160"/>
+            <a:ext cx="1712880" cy="514800"/>
           </a:xfrm>
           <a:prstGeom prst="rect">
             <a:avLst/>
@@ -8585,7 +8596,7 @@
               </a:lnSpc>
             </a:pPr>
             <a:r>
-              <a:rPr b="0" lang="en-US" sz="2800" spc="290" strike="noStrike">
+              <a:rPr b="0" lang="en-US" sz="2800" spc="287" strike="noStrike">
                 <a:solidFill>
                   <a:srgbClr val="ffffff"/>
                 </a:solidFill>
@@ -8622,7 +8633,7 @@
         <p:spPr>
           <a:xfrm>
             <a:off x="3147840" y="1794960"/>
-            <a:ext cx="4555440" cy="868320"/>
+            <a:ext cx="4555080" cy="867960"/>
           </a:xfrm>
           <a:custGeom>
             <a:avLst/>
@@ -8796,7 +8807,7 @@
         <p:spPr>
           <a:xfrm>
             <a:off x="3166560" y="3312000"/>
-            <a:ext cx="4536720" cy="868320"/>
+            <a:ext cx="4536360" cy="867960"/>
           </a:xfrm>
           <a:custGeom>
             <a:avLst/>
@@ -8970,7 +8981,7 @@
         <p:spPr>
           <a:xfrm>
             <a:off x="2751840" y="1844280"/>
-            <a:ext cx="726480" cy="726480"/>
+            <a:ext cx="726120" cy="726120"/>
           </a:xfrm>
           <a:prstGeom prst="ellipse">
             <a:avLst/>
@@ -9034,7 +9045,7 @@
         <p:spPr>
           <a:xfrm>
             <a:off x="2770560" y="3403080"/>
-            <a:ext cx="726480" cy="726480"/>
+            <a:ext cx="726120" cy="726120"/>
           </a:xfrm>
           <a:prstGeom prst="ellipse">
             <a:avLst/>
@@ -9098,7 +9109,7 @@
         <p:spPr>
           <a:xfrm>
             <a:off x="3238560" y="4824000"/>
-            <a:ext cx="4464720" cy="868320"/>
+            <a:ext cx="4464360" cy="867960"/>
           </a:xfrm>
           <a:custGeom>
             <a:avLst/>
@@ -9272,7 +9283,7 @@
         <p:spPr>
           <a:xfrm>
             <a:off x="2770920" y="3403440"/>
-            <a:ext cx="726480" cy="726480"/>
+            <a:ext cx="726120" cy="726120"/>
           </a:xfrm>
           <a:prstGeom prst="ellipse">
             <a:avLst/>
@@ -9336,7 +9347,7 @@
         <p:spPr>
           <a:xfrm>
             <a:off x="2770920" y="3403440"/>
-            <a:ext cx="726480" cy="726480"/>
+            <a:ext cx="726120" cy="726120"/>
           </a:xfrm>
           <a:prstGeom prst="ellipse">
             <a:avLst/>
@@ -9400,7 +9411,7 @@
         <p:spPr>
           <a:xfrm>
             <a:off x="2808000" y="4888800"/>
-            <a:ext cx="726480" cy="726480"/>
+            <a:ext cx="726120" cy="726120"/>
           </a:xfrm>
           <a:prstGeom prst="ellipse">
             <a:avLst/>
@@ -9513,7 +9524,7 @@
         <p:spPr>
           <a:xfrm>
             <a:off x="0" y="205200"/>
-            <a:ext cx="12190680" cy="599400"/>
+            <a:ext cx="12190320" cy="599040"/>
           </a:xfrm>
           <a:prstGeom prst="rect">
             <a:avLst/>
@@ -9549,7 +9560,7 @@
         <p:spPr>
           <a:xfrm flipH="1">
             <a:off x="264960" y="806040"/>
-            <a:ext cx="310680" cy="87840"/>
+            <a:ext cx="310320" cy="87480"/>
           </a:xfrm>
           <a:custGeom>
             <a:avLst/>
@@ -9607,8 +9618,8 @@
         </p:nvSpPr>
         <p:spPr>
           <a:xfrm flipV="1">
-            <a:off x="1457280" y="114840"/>
-            <a:ext cx="310680" cy="87840"/>
+            <a:off x="1457280" y="114120"/>
+            <a:ext cx="310320" cy="87480"/>
           </a:xfrm>
           <a:custGeom>
             <a:avLst/>
@@ -9667,7 +9678,7 @@
         <p:spPr>
           <a:xfrm flipH="1">
             <a:off x="311040" y="116280"/>
-            <a:ext cx="1401480" cy="777960"/>
+            <a:ext cx="1401120" cy="777600"/>
           </a:xfrm>
           <a:prstGeom prst="parallelogram">
             <a:avLst>
@@ -9705,7 +9716,7 @@
         <p:spPr>
           <a:xfrm>
             <a:off x="302040" y="244080"/>
-            <a:ext cx="1322640" cy="515880"/>
+            <a:ext cx="1322280" cy="515520"/>
           </a:xfrm>
           <a:prstGeom prst="rect">
             <a:avLst/>
@@ -9767,7 +9778,7 @@
         <p:spPr>
           <a:xfrm>
             <a:off x="2058840" y="244080"/>
-            <a:ext cx="1713240" cy="515160"/>
+            <a:ext cx="1712880" cy="514800"/>
           </a:xfrm>
           <a:prstGeom prst="rect">
             <a:avLst/>
@@ -9792,7 +9803,7 @@
               </a:lnSpc>
             </a:pPr>
             <a:r>
-              <a:rPr b="0" lang="en-US" sz="2800" spc="290" strike="noStrike">
+              <a:rPr b="0" lang="en-US" sz="2800" spc="287" strike="noStrike">
                 <a:solidFill>
                   <a:srgbClr val="ffffff"/>
                 </a:solidFill>
@@ -9829,7 +9840,7 @@
         <p:spPr>
           <a:xfrm>
             <a:off x="1527840" y="1794960"/>
-            <a:ext cx="3763440" cy="868320"/>
+            <a:ext cx="3763080" cy="867960"/>
           </a:xfrm>
           <a:custGeom>
             <a:avLst/>
@@ -10003,7 +10014,7 @@
         <p:spPr>
           <a:xfrm>
             <a:off x="1546560" y="3312000"/>
-            <a:ext cx="3816720" cy="868320"/>
+            <a:ext cx="3816360" cy="867960"/>
           </a:xfrm>
           <a:custGeom>
             <a:avLst/>
@@ -10177,7 +10188,7 @@
         <p:spPr>
           <a:xfrm>
             <a:off x="1131840" y="1844280"/>
-            <a:ext cx="726480" cy="726480"/>
+            <a:ext cx="726120" cy="726120"/>
           </a:xfrm>
           <a:prstGeom prst="ellipse">
             <a:avLst/>
@@ -10241,7 +10252,7 @@
         <p:spPr>
           <a:xfrm>
             <a:off x="1150560" y="3403080"/>
-            <a:ext cx="726480" cy="726480"/>
+            <a:ext cx="726120" cy="726120"/>
           </a:xfrm>
           <a:prstGeom prst="ellipse">
             <a:avLst/>
@@ -10305,7 +10316,7 @@
         <p:spPr>
           <a:xfrm>
             <a:off x="1618560" y="4824000"/>
-            <a:ext cx="3816720" cy="868320"/>
+            <a:ext cx="3816360" cy="867960"/>
           </a:xfrm>
           <a:custGeom>
             <a:avLst/>
@@ -10479,7 +10490,7 @@
         <p:spPr>
           <a:xfrm>
             <a:off x="1150920" y="3403440"/>
-            <a:ext cx="726480" cy="726480"/>
+            <a:ext cx="726120" cy="726120"/>
           </a:xfrm>
           <a:prstGeom prst="ellipse">
             <a:avLst/>
@@ -10543,7 +10554,7 @@
         <p:spPr>
           <a:xfrm>
             <a:off x="1150920" y="3403440"/>
-            <a:ext cx="726480" cy="726480"/>
+            <a:ext cx="726120" cy="726120"/>
           </a:xfrm>
           <a:prstGeom prst="ellipse">
             <a:avLst/>
@@ -10607,7 +10618,7 @@
         <p:spPr>
           <a:xfrm>
             <a:off x="1188000" y="4888800"/>
-            <a:ext cx="726480" cy="726480"/>
+            <a:ext cx="726120" cy="726120"/>
           </a:xfrm>
           <a:prstGeom prst="ellipse">
             <a:avLst/>
@@ -10671,7 +10682,7 @@
         <p:spPr>
           <a:xfrm>
             <a:off x="5652000" y="3456000"/>
-            <a:ext cx="1511280" cy="647280"/>
+            <a:ext cx="1510920" cy="646920"/>
           </a:xfrm>
           <a:custGeom>
             <a:avLst/>
@@ -10768,7 +10779,7 @@
         <p:spPr>
           <a:xfrm>
             <a:off x="7560000" y="1872000"/>
-            <a:ext cx="575280" cy="575280"/>
+            <a:ext cx="574920" cy="574920"/>
           </a:xfrm>
           <a:prstGeom prst="rect">
             <a:avLst/>
@@ -10834,7 +10845,7 @@
         <p:spPr>
           <a:xfrm>
             <a:off x="8273880" y="1800000"/>
-            <a:ext cx="2237400" cy="680760"/>
+            <a:ext cx="2237040" cy="680400"/>
           </a:xfrm>
           <a:prstGeom prst="rect">
             <a:avLst/>
@@ -10919,7 +10930,7 @@
         <p:spPr>
           <a:xfrm>
             <a:off x="7560000" y="3456000"/>
-            <a:ext cx="575280" cy="575280"/>
+            <a:ext cx="574920" cy="574920"/>
           </a:xfrm>
           <a:prstGeom prst="rect">
             <a:avLst/>
@@ -10985,7 +10996,7 @@
         <p:spPr>
           <a:xfrm>
             <a:off x="8136000" y="3422520"/>
-            <a:ext cx="3609000" cy="680760"/>
+            <a:ext cx="3608640" cy="680400"/>
           </a:xfrm>
           <a:prstGeom prst="rect">
             <a:avLst/>
@@ -11070,7 +11081,7 @@
         <p:spPr>
           <a:xfrm>
             <a:off x="7596000" y="4968000"/>
-            <a:ext cx="575280" cy="575280"/>
+            <a:ext cx="574920" cy="574920"/>
           </a:xfrm>
           <a:prstGeom prst="rect">
             <a:avLst/>
@@ -11136,7 +11147,7 @@
         <p:spPr>
           <a:xfrm>
             <a:off x="8174880" y="4896000"/>
-            <a:ext cx="3609000" cy="680760"/>
+            <a:ext cx="3608640" cy="680400"/>
           </a:xfrm>
           <a:prstGeom prst="rect">
             <a:avLst/>
@@ -11270,7 +11281,7 @@
         <p:spPr>
           <a:xfrm>
             <a:off x="0" y="2462040"/>
-            <a:ext cx="12190680" cy="1894320"/>
+            <a:ext cx="12190320" cy="1893960"/>
           </a:xfrm>
           <a:prstGeom prst="rect">
             <a:avLst/>
@@ -11304,7 +11315,7 @@
         <p:spPr>
           <a:xfrm>
             <a:off x="3714120" y="2202480"/>
-            <a:ext cx="257040" cy="258120"/>
+            <a:ext cx="256680" cy="257760"/>
           </a:xfrm>
           <a:custGeom>
             <a:avLst/>
@@ -11357,7 +11368,7 @@
         <p:spPr>
           <a:xfrm flipV="1">
             <a:off x="510120" y="4356000"/>
-            <a:ext cx="262080" cy="263160"/>
+            <a:ext cx="261720" cy="262800"/>
           </a:xfrm>
           <a:custGeom>
             <a:avLst/>
@@ -11410,7 +11421,7 @@
         <p:spPr>
           <a:xfrm>
             <a:off x="639000" y="2203200"/>
-            <a:ext cx="3207960" cy="2411640"/>
+            <a:ext cx="3207600" cy="2411280"/>
           </a:xfrm>
           <a:prstGeom prst="parallelogram">
             <a:avLst>
@@ -11448,7 +11459,7 @@
         <p:spPr>
           <a:xfrm>
             <a:off x="1487520" y="2531520"/>
-            <a:ext cx="1761480" cy="1715040"/>
+            <a:ext cx="1761120" cy="1714680"/>
           </a:xfrm>
           <a:prstGeom prst="rect">
             <a:avLst/>
@@ -11510,7 +11521,7 @@
         <p:spPr>
           <a:xfrm>
             <a:off x="4446720" y="2766960"/>
-            <a:ext cx="6732360" cy="912960"/>
+            <a:ext cx="6732000" cy="912600"/>
           </a:xfrm>
           <a:prstGeom prst="rect">
             <a:avLst/>
@@ -11572,7 +11583,7 @@
         <p:spPr>
           <a:xfrm>
             <a:off x="4446720" y="3692880"/>
-            <a:ext cx="4099680" cy="456480"/>
+            <a:ext cx="4099320" cy="456120"/>
           </a:xfrm>
           <a:prstGeom prst="rect">
             <a:avLst/>
@@ -11647,7 +11658,7 @@
         <p:spPr>
           <a:xfrm>
             <a:off x="0" y="205200"/>
-            <a:ext cx="12190680" cy="599400"/>
+            <a:ext cx="12190320" cy="599040"/>
           </a:xfrm>
           <a:prstGeom prst="rect">
             <a:avLst/>
@@ -11683,7 +11694,7 @@
         <p:spPr>
           <a:xfrm flipH="1">
             <a:off x="264960" y="806040"/>
-            <a:ext cx="310680" cy="87840"/>
+            <a:ext cx="310320" cy="87480"/>
           </a:xfrm>
           <a:custGeom>
             <a:avLst/>
@@ -11741,8 +11752,8 @@
         </p:nvSpPr>
         <p:spPr>
           <a:xfrm flipV="1">
-            <a:off x="1457280" y="114840"/>
-            <a:ext cx="310680" cy="87840"/>
+            <a:off x="1457280" y="114120"/>
+            <a:ext cx="310320" cy="87480"/>
           </a:xfrm>
           <a:custGeom>
             <a:avLst/>
@@ -11801,7 +11812,7 @@
         <p:spPr>
           <a:xfrm flipH="1">
             <a:off x="311040" y="116280"/>
-            <a:ext cx="1401480" cy="777960"/>
+            <a:ext cx="1401120" cy="777600"/>
           </a:xfrm>
           <a:prstGeom prst="parallelogram">
             <a:avLst>
@@ -11839,7 +11850,7 @@
         <p:spPr>
           <a:xfrm>
             <a:off x="302040" y="244080"/>
-            <a:ext cx="1322640" cy="515880"/>
+            <a:ext cx="1322280" cy="515520"/>
           </a:xfrm>
           <a:prstGeom prst="rect">
             <a:avLst/>
@@ -11901,7 +11912,7 @@
         <p:spPr>
           <a:xfrm>
             <a:off x="2021400" y="244080"/>
-            <a:ext cx="2499840" cy="515160"/>
+            <a:ext cx="2499480" cy="514800"/>
           </a:xfrm>
           <a:prstGeom prst="rect">
             <a:avLst/>
@@ -11926,7 +11937,7 @@
               </a:lnSpc>
             </a:pPr>
             <a:r>
-              <a:rPr b="0" lang="en-US" sz="2800" spc="290" strike="noStrike">
+              <a:rPr b="0" lang="en-US" sz="2800" spc="287" strike="noStrike">
                 <a:solidFill>
                   <a:srgbClr val="ffffff"/>
                 </a:solidFill>
@@ -11963,7 +11974,7 @@
         <p:spPr>
           <a:xfrm>
             <a:off x="5044320" y="3888000"/>
-            <a:ext cx="1434960" cy="1438560"/>
+            <a:ext cx="1434600" cy="1438200"/>
           </a:xfrm>
           <a:prstGeom prst="ellipse">
             <a:avLst/>
@@ -12027,7 +12038,7 @@
         <p:spPr>
           <a:xfrm>
             <a:off x="7087320" y="2520720"/>
-            <a:ext cx="1436760" cy="1438560"/>
+            <a:ext cx="1436400" cy="1438200"/>
           </a:xfrm>
           <a:prstGeom prst="ellipse">
             <a:avLst/>
@@ -12091,7 +12102,7 @@
         <p:spPr>
           <a:xfrm>
             <a:off x="9362520" y="1152000"/>
-            <a:ext cx="1436760" cy="1438560"/>
+            <a:ext cx="1436400" cy="1438200"/>
           </a:xfrm>
           <a:prstGeom prst="ellipse">
             <a:avLst/>
@@ -12185,7 +12196,7 @@
         <p:spPr>
           <a:xfrm>
             <a:off x="4608000" y="2709000"/>
-            <a:ext cx="6582960" cy="4020120"/>
+            <a:ext cx="6582600" cy="4019760"/>
           </a:xfrm>
           <a:custGeom>
             <a:avLst/>
@@ -12293,7 +12304,7 @@
         <p:spPr>
           <a:xfrm>
             <a:off x="7592760" y="1645560"/>
-            <a:ext cx="1036080" cy="699120"/>
+            <a:ext cx="1035720" cy="698760"/>
           </a:xfrm>
           <a:prstGeom prst="rect">
             <a:avLst/>
@@ -12319,7 +12330,7 @@
         <p:spPr>
           <a:xfrm>
             <a:off x="5690880" y="3061440"/>
-            <a:ext cx="1013040" cy="699120"/>
+            <a:ext cx="1012680" cy="698760"/>
           </a:xfrm>
           <a:prstGeom prst="rect">
             <a:avLst/>
@@ -12345,7 +12356,7 @@
         <p:spPr>
           <a:xfrm>
             <a:off x="3579840" y="4448160"/>
-            <a:ext cx="1224360" cy="699120"/>
+            <a:ext cx="1224000" cy="698760"/>
           </a:xfrm>
           <a:prstGeom prst="rect">
             <a:avLst/>
@@ -12371,7 +12382,7 @@
         <p:spPr>
           <a:xfrm>
             <a:off x="5184000" y="5832000"/>
-            <a:ext cx="1198080" cy="394200"/>
+            <a:ext cx="1197720" cy="393840"/>
           </a:xfrm>
           <a:prstGeom prst="rect">
             <a:avLst/>
@@ -12433,7 +12444,7 @@
         <p:spPr>
           <a:xfrm>
             <a:off x="7344000" y="4464000"/>
-            <a:ext cx="1198080" cy="394200"/>
+            <a:ext cx="1197720" cy="393840"/>
           </a:xfrm>
           <a:prstGeom prst="rect">
             <a:avLst/>
@@ -12495,7 +12506,7 @@
         <p:spPr>
           <a:xfrm>
             <a:off x="9576000" y="3096000"/>
-            <a:ext cx="1198080" cy="394200"/>
+            <a:ext cx="1197720" cy="393840"/>
           </a:xfrm>
           <a:prstGeom prst="rect">
             <a:avLst/>
@@ -12557,7 +12568,7 @@
         <p:spPr>
           <a:xfrm>
             <a:off x="3191040" y="2709000"/>
-            <a:ext cx="3998520" cy="515160"/>
+            <a:ext cx="3998160" cy="514800"/>
           </a:xfrm>
           <a:prstGeom prst="rect">
             <a:avLst/>
@@ -12673,7 +12684,7 @@
         <p:spPr>
           <a:xfrm>
             <a:off x="1296000" y="4464000"/>
-            <a:ext cx="1198080" cy="425160"/>
+            <a:ext cx="1197720" cy="424800"/>
           </a:xfrm>
           <a:prstGeom prst="rect">
             <a:avLst/>
@@ -12699,7 +12710,7 @@
         <p:spPr>
           <a:xfrm>
             <a:off x="1159920" y="1402200"/>
-            <a:ext cx="4366440" cy="785520"/>
+            <a:ext cx="4366080" cy="785160"/>
           </a:xfrm>
           <a:prstGeom prst="rect">
             <a:avLst/>
@@ -12824,7 +12835,7 @@
         <p:spPr>
           <a:xfrm>
             <a:off x="1191600" y="2628000"/>
-            <a:ext cx="3704040" cy="1095480"/>
+            <a:ext cx="3703680" cy="1095120"/>
           </a:xfrm>
           <a:prstGeom prst="rect">
             <a:avLst/>
@@ -12997,7 +13008,7 @@
         <p:spPr>
           <a:xfrm>
             <a:off x="1227600" y="4032000"/>
-            <a:ext cx="2768040" cy="1765800"/>
+            <a:ext cx="2767680" cy="1765440"/>
           </a:xfrm>
           <a:prstGeom prst="rect">
             <a:avLst/>
@@ -13171,7 +13182,7 @@
         <p:spPr>
           <a:xfrm>
             <a:off x="0" y="205200"/>
-            <a:ext cx="12190680" cy="599400"/>
+            <a:ext cx="12190320" cy="599040"/>
           </a:xfrm>
           <a:prstGeom prst="rect">
             <a:avLst/>
@@ -13207,7 +13218,7 @@
         <p:spPr>
           <a:xfrm flipH="1">
             <a:off x="264960" y="806040"/>
-            <a:ext cx="310680" cy="87840"/>
+            <a:ext cx="310320" cy="87480"/>
           </a:xfrm>
           <a:custGeom>
             <a:avLst/>
@@ -13265,8 +13276,8 @@
         </p:nvSpPr>
         <p:spPr>
           <a:xfrm flipV="1">
-            <a:off x="1457280" y="114840"/>
-            <a:ext cx="310680" cy="87840"/>
+            <a:off x="1457280" y="114120"/>
+            <a:ext cx="310320" cy="87480"/>
           </a:xfrm>
           <a:custGeom>
             <a:avLst/>
@@ -13325,7 +13336,7 @@
         <p:spPr>
           <a:xfrm flipH="1">
             <a:off x="311040" y="116280"/>
-            <a:ext cx="1401480" cy="777960"/>
+            <a:ext cx="1401120" cy="777600"/>
           </a:xfrm>
           <a:prstGeom prst="parallelogram">
             <a:avLst>
@@ -13363,7 +13374,7 @@
         <p:spPr>
           <a:xfrm>
             <a:off x="302040" y="244080"/>
-            <a:ext cx="1322640" cy="515880"/>
+            <a:ext cx="1322280" cy="515520"/>
           </a:xfrm>
           <a:prstGeom prst="rect">
             <a:avLst/>
@@ -13425,7 +13436,7 @@
         <p:spPr>
           <a:xfrm>
             <a:off x="2002320" y="244080"/>
-            <a:ext cx="2893320" cy="515160"/>
+            <a:ext cx="2892960" cy="514800"/>
           </a:xfrm>
           <a:prstGeom prst="rect">
             <a:avLst/>
@@ -13450,7 +13461,7 @@
               </a:lnSpc>
             </a:pPr>
             <a:r>
-              <a:rPr b="0" lang="en-US" sz="2800" spc="290" strike="noStrike">
+              <a:rPr b="0" lang="en-US" sz="2800" spc="287" strike="noStrike">
                 <a:solidFill>
                   <a:srgbClr val="ffffff"/>
                 </a:solidFill>
@@ -13487,7 +13498,7 @@
         <p:spPr>
           <a:xfrm>
             <a:off x="1418040" y="1471320"/>
-            <a:ext cx="798480" cy="798480"/>
+            <a:ext cx="798120" cy="798120"/>
           </a:xfrm>
           <a:prstGeom prst="ellipse">
             <a:avLst/>
@@ -13515,7 +13526,7 @@
         <p:spPr>
           <a:xfrm>
             <a:off x="1451160" y="1578960"/>
-            <a:ext cx="681480" cy="576000"/>
+            <a:ext cx="681120" cy="575640"/>
           </a:xfrm>
           <a:prstGeom prst="rect">
             <a:avLst/>
@@ -13577,7 +13588,7 @@
         <p:spPr>
           <a:xfrm>
             <a:off x="1418040" y="3407400"/>
-            <a:ext cx="798480" cy="798480"/>
+            <a:ext cx="798120" cy="798120"/>
           </a:xfrm>
           <a:prstGeom prst="ellipse">
             <a:avLst/>
@@ -13605,7 +13616,7 @@
         <p:spPr>
           <a:xfrm>
             <a:off x="1451160" y="3515040"/>
-            <a:ext cx="681480" cy="576000"/>
+            <a:ext cx="681120" cy="575640"/>
           </a:xfrm>
           <a:prstGeom prst="rect">
             <a:avLst/>
@@ -13667,7 +13678,7 @@
         <p:spPr>
           <a:xfrm>
             <a:off x="1418040" y="5396760"/>
-            <a:ext cx="798480" cy="798480"/>
+            <a:ext cx="798120" cy="798120"/>
           </a:xfrm>
           <a:prstGeom prst="ellipse">
             <a:avLst/>
@@ -13695,7 +13706,7 @@
         <p:spPr>
           <a:xfrm>
             <a:off x="1451160" y="5504400"/>
-            <a:ext cx="681480" cy="576000"/>
+            <a:ext cx="681120" cy="575640"/>
           </a:xfrm>
           <a:prstGeom prst="rect">
             <a:avLst/>
@@ -13785,7 +13796,7 @@
         <p:spPr>
           <a:xfrm>
             <a:off x="2354040" y="1837800"/>
-            <a:ext cx="8694000" cy="576000"/>
+            <a:ext cx="8693640" cy="575640"/>
           </a:xfrm>
           <a:prstGeom prst="rect">
             <a:avLst/>
@@ -13811,7 +13822,7 @@
         <p:spPr>
           <a:xfrm>
             <a:off x="2354040" y="3299760"/>
-            <a:ext cx="2325600" cy="424440"/>
+            <a:ext cx="2325240" cy="424080"/>
           </a:xfrm>
           <a:prstGeom prst="rect">
             <a:avLst/>
@@ -13873,7 +13884,7 @@
         <p:spPr>
           <a:xfrm>
             <a:off x="2354040" y="5609880"/>
-            <a:ext cx="8694000" cy="818640"/>
+            <a:ext cx="8693640" cy="818280"/>
           </a:xfrm>
           <a:prstGeom prst="rect">
             <a:avLst/>
@@ -14059,7 +14070,7 @@
         <p:spPr>
           <a:xfrm>
             <a:off x="2354040" y="1380960"/>
-            <a:ext cx="2404440" cy="423720"/>
+            <a:ext cx="2404080" cy="423360"/>
           </a:xfrm>
           <a:prstGeom prst="rect">
             <a:avLst/>
@@ -14121,7 +14132,7 @@
         <p:spPr>
           <a:xfrm>
             <a:off x="2354040" y="3767760"/>
-            <a:ext cx="8694000" cy="575280"/>
+            <a:ext cx="8693640" cy="574920"/>
           </a:xfrm>
           <a:prstGeom prst="rect">
             <a:avLst/>
@@ -14216,7 +14227,7 @@
         <p:spPr>
           <a:xfrm>
             <a:off x="2354040" y="5144040"/>
-            <a:ext cx="2069280" cy="424440"/>
+            <a:ext cx="2068920" cy="424080"/>
           </a:xfrm>
           <a:prstGeom prst="rect">
             <a:avLst/>
@@ -14278,7 +14289,7 @@
         <p:spPr>
           <a:xfrm>
             <a:off x="2402640" y="1837800"/>
-            <a:ext cx="5805000" cy="876240"/>
+            <a:ext cx="5804640" cy="875880"/>
           </a:xfrm>
           <a:prstGeom prst="rect">
             <a:avLst/>
@@ -14389,7 +14400,7 @@
         <p:spPr>
           <a:xfrm>
             <a:off x="0" y="205200"/>
-            <a:ext cx="12190680" cy="599400"/>
+            <a:ext cx="12190320" cy="599040"/>
           </a:xfrm>
           <a:prstGeom prst="rect">
             <a:avLst/>
@@ -14425,7 +14436,7 @@
         <p:spPr>
           <a:xfrm flipH="1">
             <a:off x="264960" y="806040"/>
-            <a:ext cx="310680" cy="87840"/>
+            <a:ext cx="310320" cy="87480"/>
           </a:xfrm>
           <a:custGeom>
             <a:avLst/>
@@ -14483,8 +14494,8 @@
         </p:nvSpPr>
         <p:spPr>
           <a:xfrm flipV="1">
-            <a:off x="1457280" y="114840"/>
-            <a:ext cx="310680" cy="87840"/>
+            <a:off x="1457280" y="114120"/>
+            <a:ext cx="310320" cy="87480"/>
           </a:xfrm>
           <a:custGeom>
             <a:avLst/>
@@ -14543,7 +14554,7 @@
         <p:spPr>
           <a:xfrm flipH="1">
             <a:off x="311040" y="116280"/>
-            <a:ext cx="1401480" cy="777960"/>
+            <a:ext cx="1401120" cy="777600"/>
           </a:xfrm>
           <a:prstGeom prst="parallelogram">
             <a:avLst>
@@ -14581,7 +14592,7 @@
         <p:spPr>
           <a:xfrm>
             <a:off x="302040" y="244080"/>
-            <a:ext cx="1322640" cy="515880"/>
+            <a:ext cx="1322280" cy="515520"/>
           </a:xfrm>
           <a:prstGeom prst="rect">
             <a:avLst/>
@@ -14643,7 +14654,7 @@
         <p:spPr>
           <a:xfrm>
             <a:off x="2002320" y="244080"/>
-            <a:ext cx="2893320" cy="515160"/>
+            <a:ext cx="2892960" cy="514800"/>
           </a:xfrm>
           <a:prstGeom prst="rect">
             <a:avLst/>
@@ -14668,7 +14679,7 @@
               </a:lnSpc>
             </a:pPr>
             <a:r>
-              <a:rPr b="0" lang="en-US" sz="2800" spc="290" strike="noStrike">
+              <a:rPr b="0" lang="en-US" sz="2800" spc="287" strike="noStrike">
                 <a:solidFill>
                   <a:srgbClr val="ffffff"/>
                 </a:solidFill>
@@ -14705,7 +14716,7 @@
         <p:spPr>
           <a:xfrm>
             <a:off x="2859840" y="1715040"/>
-            <a:ext cx="2654640" cy="824760"/>
+            <a:ext cx="2654280" cy="824400"/>
           </a:xfrm>
           <a:prstGeom prst="rightArrow">
             <a:avLst>
@@ -14751,7 +14762,7 @@
         <p:spPr>
           <a:xfrm>
             <a:off x="2859840" y="2883240"/>
-            <a:ext cx="2654640" cy="824760"/>
+            <a:ext cx="2654280" cy="824400"/>
           </a:xfrm>
           <a:prstGeom prst="rightArrow">
             <a:avLst>
@@ -14797,7 +14808,7 @@
         <p:spPr>
           <a:xfrm>
             <a:off x="2859840" y="4051080"/>
-            <a:ext cx="2654640" cy="822600"/>
+            <a:ext cx="2654280" cy="822240"/>
           </a:xfrm>
           <a:prstGeom prst="rightArrow">
             <a:avLst>
@@ -14843,7 +14854,7 @@
         <p:spPr>
           <a:xfrm>
             <a:off x="2859840" y="5217120"/>
-            <a:ext cx="2654640" cy="824760"/>
+            <a:ext cx="2654280" cy="824400"/>
           </a:xfrm>
           <a:prstGeom prst="rightArrow">
             <a:avLst>
@@ -14888,8 +14899,8 @@
         </p:nvSpPr>
         <p:spPr>
           <a:xfrm flipV="1">
-            <a:off x="3916080" y="2411640"/>
-            <a:ext cx="138600" cy="126720"/>
+            <a:off x="3916080" y="2410920"/>
+            <a:ext cx="138240" cy="126360"/>
           </a:xfrm>
           <a:prstGeom prst="rtTriangle">
             <a:avLst/>
@@ -14925,7 +14936,7 @@
         <p:spPr>
           <a:xfrm>
             <a:off x="3916080" y="1715040"/>
-            <a:ext cx="138600" cy="126720"/>
+            <a:ext cx="138240" cy="126360"/>
           </a:xfrm>
           <a:prstGeom prst="rtTriangle">
             <a:avLst/>
@@ -14961,7 +14972,7 @@
         <p:spPr>
           <a:xfrm>
             <a:off x="1547640" y="1715040"/>
-            <a:ext cx="2366640" cy="824760"/>
+            <a:ext cx="2366280" cy="824400"/>
           </a:xfrm>
           <a:prstGeom prst="rect">
             <a:avLst/>
@@ -15032,8 +15043,8 @@
         </p:nvSpPr>
         <p:spPr>
           <a:xfrm flipV="1">
-            <a:off x="3916080" y="3579840"/>
-            <a:ext cx="138600" cy="126720"/>
+            <a:off x="3916080" y="3579120"/>
+            <a:ext cx="138240" cy="126360"/>
           </a:xfrm>
           <a:prstGeom prst="rtTriangle">
             <a:avLst/>
@@ -15069,7 +15080,7 @@
         <p:spPr>
           <a:xfrm>
             <a:off x="3916080" y="2883240"/>
-            <a:ext cx="138600" cy="126720"/>
+            <a:ext cx="138240" cy="126360"/>
           </a:xfrm>
           <a:prstGeom prst="rtTriangle">
             <a:avLst/>
@@ -15105,7 +15116,7 @@
         <p:spPr>
           <a:xfrm>
             <a:off x="1547640" y="2883240"/>
-            <a:ext cx="2366640" cy="824760"/>
+            <a:ext cx="2366280" cy="824400"/>
           </a:xfrm>
           <a:prstGeom prst="rect">
             <a:avLst/>
@@ -15176,8 +15187,8 @@
         </p:nvSpPr>
         <p:spPr>
           <a:xfrm flipV="1">
-            <a:off x="3916080" y="4745880"/>
-            <a:ext cx="138600" cy="126720"/>
+            <a:off x="3916080" y="4745160"/>
+            <a:ext cx="138240" cy="126360"/>
           </a:xfrm>
           <a:prstGeom prst="rtTriangle">
             <a:avLst/>
@@ -15213,7 +15224,7 @@
         <p:spPr>
           <a:xfrm>
             <a:off x="3916080" y="4051080"/>
-            <a:ext cx="138600" cy="124560"/>
+            <a:ext cx="138240" cy="124200"/>
           </a:xfrm>
           <a:prstGeom prst="rtTriangle">
             <a:avLst/>
@@ -15249,7 +15260,7 @@
         <p:spPr>
           <a:xfrm>
             <a:off x="1547640" y="4051080"/>
-            <a:ext cx="2366640" cy="822600"/>
+            <a:ext cx="2366280" cy="822240"/>
           </a:xfrm>
           <a:prstGeom prst="rect">
             <a:avLst/>
@@ -15320,8 +15331,8 @@
         </p:nvSpPr>
         <p:spPr>
           <a:xfrm flipV="1">
-            <a:off x="3916080" y="5913720"/>
-            <a:ext cx="138600" cy="126720"/>
+            <a:off x="3916080" y="5913000"/>
+            <a:ext cx="138240" cy="126360"/>
           </a:xfrm>
           <a:prstGeom prst="rtTriangle">
             <a:avLst/>
@@ -15357,7 +15368,7 @@
         <p:spPr>
           <a:xfrm>
             <a:off x="3916080" y="5217120"/>
-            <a:ext cx="138600" cy="126720"/>
+            <a:ext cx="138240" cy="126360"/>
           </a:xfrm>
           <a:prstGeom prst="rtTriangle">
             <a:avLst/>
@@ -15393,7 +15404,7 @@
         <p:spPr>
           <a:xfrm>
             <a:off x="1547640" y="5217120"/>
-            <a:ext cx="2366640" cy="824760"/>
+            <a:ext cx="2366280" cy="824400"/>
           </a:xfrm>
           <a:prstGeom prst="rect">
             <a:avLst/>
@@ -15465,7 +15476,7 @@
         <p:spPr>
           <a:xfrm>
             <a:off x="5724000" y="1661040"/>
-            <a:ext cx="5074920" cy="920520"/>
+            <a:ext cx="5074560" cy="920160"/>
           </a:xfrm>
           <a:prstGeom prst="rect">
             <a:avLst/>
@@ -15527,7 +15538,7 @@
         <p:spPr>
           <a:xfrm>
             <a:off x="5724000" y="2825280"/>
-            <a:ext cx="5074920" cy="936720"/>
+            <a:ext cx="5074560" cy="936360"/>
           </a:xfrm>
           <a:prstGeom prst="rect">
             <a:avLst/>
@@ -15553,7 +15564,7 @@
         <p:spPr>
           <a:xfrm>
             <a:off x="5724000" y="3999240"/>
-            <a:ext cx="5074920" cy="816480"/>
+            <a:ext cx="5074560" cy="816120"/>
           </a:xfrm>
           <a:prstGeom prst="rect">
             <a:avLst/>
@@ -15615,7 +15626,7 @@
         <p:spPr>
           <a:xfrm>
             <a:off x="5724000" y="4985280"/>
-            <a:ext cx="5074920" cy="1324440"/>
+            <a:ext cx="5074560" cy="1324080"/>
           </a:xfrm>
           <a:prstGeom prst="rect">
             <a:avLst/>
@@ -15677,7 +15688,7 @@
         <p:spPr>
           <a:xfrm>
             <a:off x="5724000" y="2833560"/>
-            <a:ext cx="5074920" cy="920520"/>
+            <a:ext cx="5074560" cy="920160"/>
           </a:xfrm>
           <a:prstGeom prst="rect">
             <a:avLst/>
@@ -15788,7 +15799,7 @@
         <p:spPr>
           <a:xfrm>
             <a:off x="0" y="0"/>
-            <a:ext cx="12190680" cy="3528000"/>
+            <a:ext cx="12190320" cy="3527640"/>
           </a:xfrm>
           <a:prstGeom prst="rect">
             <a:avLst/>
@@ -15828,7 +15839,7 @@
         <p:spPr>
           <a:xfrm>
             <a:off x="1066680" y="345960"/>
-            <a:ext cx="10056960" cy="5085720"/>
+            <a:ext cx="10056600" cy="5085360"/>
           </a:xfrm>
           <a:prstGeom prst="rect">
             <a:avLst/>
@@ -15847,7 +15858,7 @@
         <p:spPr>
           <a:xfrm>
             <a:off x="0" y="3522600"/>
-            <a:ext cx="12190680" cy="3333960"/>
+            <a:ext cx="12190320" cy="3333600"/>
           </a:xfrm>
           <a:prstGeom prst="rect">
             <a:avLst/>
@@ -15883,7 +15894,7 @@
         <p:spPr>
           <a:xfrm>
             <a:off x="3459600" y="1377360"/>
-            <a:ext cx="5155560" cy="1551600"/>
+            <a:ext cx="5155200" cy="1551240"/>
           </a:xfrm>
           <a:prstGeom prst="rect">
             <a:avLst/>
@@ -15945,7 +15956,7 @@
         <p:spPr>
           <a:xfrm>
             <a:off x="5222520" y="4392000"/>
-            <a:ext cx="1832400" cy="332640"/>
+            <a:ext cx="1832040" cy="332280"/>
           </a:xfrm>
           <a:prstGeom prst="rect">
             <a:avLst/>
@@ -15971,7 +15982,7 @@
         <p:spPr>
           <a:xfrm>
             <a:off x="-360" y="3462840"/>
-            <a:ext cx="12190680" cy="3528000"/>
+            <a:ext cx="12190320" cy="3527640"/>
           </a:xfrm>
           <a:prstGeom prst="rect">
             <a:avLst/>
@@ -16007,7 +16018,7 @@
         <p:spPr>
           <a:xfrm>
             <a:off x="3688200" y="3637440"/>
-            <a:ext cx="5155560" cy="1551600"/>
+            <a:ext cx="5155200" cy="1551240"/>
           </a:xfrm>
           <a:prstGeom prst="rect">
             <a:avLst/>
@@ -16121,7 +16132,7 @@
         <p:spPr>
           <a:xfrm>
             <a:off x="0" y="0"/>
-            <a:ext cx="12190680" cy="2335320"/>
+            <a:ext cx="12190320" cy="2334960"/>
           </a:xfrm>
           <a:prstGeom prst="rect">
             <a:avLst/>
@@ -16162,7 +16173,7 @@
         <p:spPr>
           <a:xfrm>
             <a:off x="1066680" y="345960"/>
-            <a:ext cx="10056960" cy="1936440"/>
+            <a:ext cx="10056600" cy="1936080"/>
           </a:xfrm>
           <a:prstGeom prst="rect">
             <a:avLst/>
@@ -16181,7 +16192,7 @@
         <p:spPr>
           <a:xfrm>
             <a:off x="0" y="2283840"/>
-            <a:ext cx="12190680" cy="4572720"/>
+            <a:ext cx="12190320" cy="4572360"/>
           </a:xfrm>
           <a:prstGeom prst="rect">
             <a:avLst/>
@@ -16217,7 +16228,7 @@
         <p:spPr>
           <a:xfrm>
             <a:off x="785160" y="391680"/>
-            <a:ext cx="2998440" cy="945720"/>
+            <a:ext cx="2998080" cy="945360"/>
           </a:xfrm>
           <a:prstGeom prst="rect">
             <a:avLst/>
@@ -16324,7 +16335,7 @@
         <p:spPr>
           <a:xfrm>
             <a:off x="1479600" y="3281760"/>
-            <a:ext cx="1130760" cy="1204920"/>
+            <a:ext cx="1130400" cy="1204560"/>
           </a:xfrm>
           <a:custGeom>
             <a:avLst/>
@@ -16458,7 +16469,7 @@
         <p:spPr>
           <a:xfrm>
             <a:off x="4179960" y="3281760"/>
-            <a:ext cx="1130760" cy="1204920"/>
+            <a:ext cx="1130400" cy="1204560"/>
           </a:xfrm>
           <a:custGeom>
             <a:avLst/>
@@ -16592,7 +16603,7 @@
         <p:spPr>
           <a:xfrm>
             <a:off x="6879960" y="3281760"/>
-            <a:ext cx="1130760" cy="1204920"/>
+            <a:ext cx="1130400" cy="1204560"/>
           </a:xfrm>
           <a:custGeom>
             <a:avLst/>
@@ -16726,7 +16737,7 @@
         <p:spPr>
           <a:xfrm>
             <a:off x="9580320" y="3281760"/>
-            <a:ext cx="1130760" cy="1204920"/>
+            <a:ext cx="1130400" cy="1204560"/>
           </a:xfrm>
           <a:custGeom>
             <a:avLst/>
@@ -16860,7 +16871,7 @@
         <p:spPr>
           <a:xfrm>
             <a:off x="941400" y="4760640"/>
-            <a:ext cx="2041560" cy="455040"/>
+            <a:ext cx="2041200" cy="454680"/>
           </a:xfrm>
           <a:prstGeom prst="rect">
             <a:avLst/>
@@ -16922,7 +16933,7 @@
         <p:spPr>
           <a:xfrm>
             <a:off x="3673800" y="4760640"/>
-            <a:ext cx="2078640" cy="454320"/>
+            <a:ext cx="2078280" cy="453960"/>
           </a:xfrm>
           <a:prstGeom prst="rect">
             <a:avLst/>
@@ -16984,7 +16995,7 @@
         <p:spPr>
           <a:xfrm>
             <a:off x="6407640" y="4760640"/>
-            <a:ext cx="2078640" cy="455040"/>
+            <a:ext cx="2078280" cy="454680"/>
           </a:xfrm>
           <a:prstGeom prst="rect">
             <a:avLst/>
@@ -17046,7 +17057,7 @@
         <p:spPr>
           <a:xfrm>
             <a:off x="9123480" y="4760640"/>
-            <a:ext cx="2078640" cy="455040"/>
+            <a:ext cx="2078280" cy="454680"/>
           </a:xfrm>
           <a:prstGeom prst="rect">
             <a:avLst/>
@@ -17157,7 +17168,7 @@
         <p:spPr>
           <a:xfrm>
             <a:off x="0" y="2462040"/>
-            <a:ext cx="12190680" cy="1894320"/>
+            <a:ext cx="12190320" cy="1893960"/>
           </a:xfrm>
           <a:prstGeom prst="rect">
             <a:avLst/>
@@ -17191,7 +17202,7 @@
         <p:spPr>
           <a:xfrm>
             <a:off x="3714120" y="2202480"/>
-            <a:ext cx="257040" cy="258120"/>
+            <a:ext cx="256680" cy="257760"/>
           </a:xfrm>
           <a:custGeom>
             <a:avLst/>
@@ -17244,7 +17255,7 @@
         <p:spPr>
           <a:xfrm flipV="1">
             <a:off x="510120" y="4356000"/>
-            <a:ext cx="262080" cy="263160"/>
+            <a:ext cx="261720" cy="262800"/>
           </a:xfrm>
           <a:custGeom>
             <a:avLst/>
@@ -17297,7 +17308,7 @@
         <p:spPr>
           <a:xfrm>
             <a:off x="639000" y="2203200"/>
-            <a:ext cx="3207960" cy="2411640"/>
+            <a:ext cx="3207600" cy="2411280"/>
           </a:xfrm>
           <a:prstGeom prst="parallelogram">
             <a:avLst>
@@ -17335,7 +17346,7 @@
         <p:spPr>
           <a:xfrm>
             <a:off x="1487520" y="2531520"/>
-            <a:ext cx="1761480" cy="1715040"/>
+            <a:ext cx="1761120" cy="1714680"/>
           </a:xfrm>
           <a:prstGeom prst="rect">
             <a:avLst/>
@@ -17397,7 +17408,7 @@
         <p:spPr>
           <a:xfrm>
             <a:off x="4446720" y="2957760"/>
-            <a:ext cx="6732360" cy="912960"/>
+            <a:ext cx="6732000" cy="912600"/>
           </a:xfrm>
           <a:prstGeom prst="rect">
             <a:avLst/>
@@ -17508,7 +17519,7 @@
         <p:spPr>
           <a:xfrm>
             <a:off x="0" y="205200"/>
-            <a:ext cx="12190680" cy="599400"/>
+            <a:ext cx="12190320" cy="599040"/>
           </a:xfrm>
           <a:prstGeom prst="rect">
             <a:avLst/>
@@ -17544,7 +17555,7 @@
         <p:spPr>
           <a:xfrm flipH="1">
             <a:off x="264960" y="806040"/>
-            <a:ext cx="310680" cy="87840"/>
+            <a:ext cx="310320" cy="87480"/>
           </a:xfrm>
           <a:custGeom>
             <a:avLst/>
@@ -17602,8 +17613,8 @@
         </p:nvSpPr>
         <p:spPr>
           <a:xfrm flipV="1">
-            <a:off x="1457280" y="114840"/>
-            <a:ext cx="310680" cy="87840"/>
+            <a:off x="1457280" y="114120"/>
+            <a:ext cx="310320" cy="87480"/>
           </a:xfrm>
           <a:custGeom>
             <a:avLst/>
@@ -17662,7 +17673,7 @@
         <p:spPr>
           <a:xfrm flipH="1">
             <a:off x="311040" y="116280"/>
-            <a:ext cx="1401480" cy="777960"/>
+            <a:ext cx="1401120" cy="777600"/>
           </a:xfrm>
           <a:prstGeom prst="parallelogram">
             <a:avLst>
@@ -17700,7 +17711,7 @@
         <p:spPr>
           <a:xfrm>
             <a:off x="302040" y="244080"/>
-            <a:ext cx="1322640" cy="515880"/>
+            <a:ext cx="1322280" cy="515520"/>
           </a:xfrm>
           <a:prstGeom prst="rect">
             <a:avLst/>
@@ -17762,7 +17773,7 @@
         <p:spPr>
           <a:xfrm>
             <a:off x="2002320" y="244080"/>
-            <a:ext cx="2893320" cy="515160"/>
+            <a:ext cx="2892960" cy="514800"/>
           </a:xfrm>
           <a:prstGeom prst="rect">
             <a:avLst/>
@@ -17787,7 +17798,7 @@
               </a:lnSpc>
             </a:pPr>
             <a:r>
-              <a:rPr b="0" lang="en-US" sz="2800" spc="290" strike="noStrike">
+              <a:rPr b="0" lang="en-US" sz="2800" spc="287" strike="noStrike">
                 <a:solidFill>
                   <a:srgbClr val="ffffff"/>
                 </a:solidFill>
@@ -17824,7 +17835,7 @@
         <p:spPr>
           <a:xfrm>
             <a:off x="1035360" y="2648160"/>
-            <a:ext cx="2939760" cy="2455560"/>
+            <a:ext cx="2939400" cy="2455200"/>
           </a:xfrm>
           <a:prstGeom prst="round2DiagRect">
             <a:avLst>
@@ -17957,7 +17968,7 @@
         <p:spPr>
           <a:xfrm>
             <a:off x="5236920" y="1711440"/>
-            <a:ext cx="3886920" cy="4066920"/>
+            <a:ext cx="3886560" cy="4066560"/>
           </a:xfrm>
           <a:prstGeom prst="rect">
             <a:avLst/>
@@ -17997,7 +18008,7 @@
         <p:spPr>
           <a:xfrm>
             <a:off x="5596920" y="1993680"/>
-            <a:ext cx="5736240" cy="515880"/>
+            <a:ext cx="5735880" cy="515520"/>
           </a:xfrm>
           <a:prstGeom prst="rect">
             <a:avLst/>
@@ -18023,7 +18034,7 @@
         <p:spPr>
           <a:xfrm>
             <a:off x="5004000" y="2044440"/>
-            <a:ext cx="464760" cy="488160"/>
+            <a:ext cx="464400" cy="487800"/>
           </a:xfrm>
           <a:prstGeom prst="rect">
             <a:avLst/>
@@ -18095,7 +18106,7 @@
         <p:spPr>
           <a:xfrm>
             <a:off x="5004000" y="3040920"/>
-            <a:ext cx="464760" cy="488160"/>
+            <a:ext cx="464400" cy="487800"/>
           </a:xfrm>
           <a:prstGeom prst="rect">
             <a:avLst/>
@@ -18167,7 +18178,7 @@
         <p:spPr>
           <a:xfrm>
             <a:off x="5586120" y="3941280"/>
-            <a:ext cx="5594760" cy="515880"/>
+            <a:ext cx="5594400" cy="515520"/>
           </a:xfrm>
           <a:prstGeom prst="rect">
             <a:avLst/>
@@ -18229,7 +18240,7 @@
         <p:spPr>
           <a:xfrm>
             <a:off x="5004000" y="3994920"/>
-            <a:ext cx="464760" cy="488160"/>
+            <a:ext cx="464400" cy="487800"/>
           </a:xfrm>
           <a:prstGeom prst="rect">
             <a:avLst/>
@@ -18301,7 +18312,7 @@
         <p:spPr>
           <a:xfrm>
             <a:off x="5596920" y="4823280"/>
-            <a:ext cx="5583960" cy="515880"/>
+            <a:ext cx="5583600" cy="515520"/>
           </a:xfrm>
           <a:prstGeom prst="rect">
             <a:avLst/>
@@ -18327,7 +18338,7 @@
         <p:spPr>
           <a:xfrm>
             <a:off x="5004000" y="4948920"/>
-            <a:ext cx="464760" cy="488160"/>
+            <a:ext cx="464400" cy="487800"/>
           </a:xfrm>
           <a:prstGeom prst="rect">
             <a:avLst/>
@@ -18399,7 +18410,7 @@
         <p:spPr>
           <a:xfrm>
             <a:off x="5586120" y="3941280"/>
-            <a:ext cx="5594760" cy="515880"/>
+            <a:ext cx="5594400" cy="515520"/>
           </a:xfrm>
           <a:prstGeom prst="rect">
             <a:avLst/>
@@ -18425,7 +18436,7 @@
         <p:spPr>
           <a:xfrm>
             <a:off x="5586120" y="3941280"/>
-            <a:ext cx="5594760" cy="515880"/>
+            <a:ext cx="5594400" cy="515520"/>
           </a:xfrm>
           <a:prstGeom prst="rect">
             <a:avLst/>
@@ -18451,7 +18462,7 @@
         <p:spPr>
           <a:xfrm>
             <a:off x="5616000" y="4896000"/>
-            <a:ext cx="5594760" cy="515880"/>
+            <a:ext cx="5594400" cy="515520"/>
           </a:xfrm>
           <a:prstGeom prst="rect">
             <a:avLst/>
@@ -18513,7 +18524,7 @@
         <p:spPr>
           <a:xfrm>
             <a:off x="5596920" y="1993680"/>
-            <a:ext cx="1600200" cy="551880"/>
+            <a:ext cx="1599840" cy="551520"/>
           </a:xfrm>
           <a:prstGeom prst="rect">
             <a:avLst/>
@@ -18575,7 +18586,7 @@
         <p:spPr>
           <a:xfrm>
             <a:off x="5599080" y="2975400"/>
-            <a:ext cx="1600200" cy="551880"/>
+            <a:ext cx="1599840" cy="551520"/>
           </a:xfrm>
           <a:prstGeom prst="rect">
             <a:avLst/>
@@ -18686,7 +18697,7 @@
         <p:spPr>
           <a:xfrm>
             <a:off x="0" y="205200"/>
-            <a:ext cx="12190680" cy="599400"/>
+            <a:ext cx="12190320" cy="599040"/>
           </a:xfrm>
           <a:prstGeom prst="rect">
             <a:avLst/>
@@ -18722,7 +18733,7 @@
         <p:spPr>
           <a:xfrm flipH="1">
             <a:off x="264960" y="806040"/>
-            <a:ext cx="310680" cy="87840"/>
+            <a:ext cx="310320" cy="87480"/>
           </a:xfrm>
           <a:custGeom>
             <a:avLst/>
@@ -18780,8 +18791,8 @@
         </p:nvSpPr>
         <p:spPr>
           <a:xfrm flipV="1">
-            <a:off x="1457280" y="114840"/>
-            <a:ext cx="310680" cy="87840"/>
+            <a:off x="1457280" y="114120"/>
+            <a:ext cx="310320" cy="87480"/>
           </a:xfrm>
           <a:custGeom>
             <a:avLst/>
@@ -18840,7 +18851,7 @@
         <p:spPr>
           <a:xfrm flipH="1">
             <a:off x="311040" y="116280"/>
-            <a:ext cx="1401480" cy="777960"/>
+            <a:ext cx="1401120" cy="777600"/>
           </a:xfrm>
           <a:prstGeom prst="parallelogram">
             <a:avLst>
@@ -18878,7 +18889,7 @@
         <p:spPr>
           <a:xfrm>
             <a:off x="302040" y="244080"/>
-            <a:ext cx="1322640" cy="515880"/>
+            <a:ext cx="1322280" cy="515520"/>
           </a:xfrm>
           <a:prstGeom prst="rect">
             <a:avLst/>
@@ -18940,7 +18951,7 @@
         <p:spPr>
           <a:xfrm>
             <a:off x="2021400" y="244080"/>
-            <a:ext cx="2499840" cy="515160"/>
+            <a:ext cx="2499480" cy="514800"/>
           </a:xfrm>
           <a:prstGeom prst="rect">
             <a:avLst/>
@@ -18965,7 +18976,7 @@
               </a:lnSpc>
             </a:pPr>
             <a:r>
-              <a:rPr b="0" lang="en-US" sz="2800" spc="290" strike="noStrike">
+              <a:rPr b="0" lang="en-US" sz="2800" spc="287" strike="noStrike">
                 <a:solidFill>
                   <a:srgbClr val="ffffff"/>
                 </a:solidFill>
@@ -19002,7 +19013,7 @@
         <p:spPr>
           <a:xfrm>
             <a:off x="2649240" y="1383480"/>
-            <a:ext cx="7069680" cy="956880"/>
+            <a:ext cx="7069320" cy="956520"/>
           </a:xfrm>
           <a:prstGeom prst="rect">
             <a:avLst/>
@@ -19250,7 +19261,7 @@
         <p:spPr>
           <a:xfrm>
             <a:off x="1457640" y="1433880"/>
-            <a:ext cx="935640" cy="488160"/>
+            <a:ext cx="935280" cy="487800"/>
           </a:xfrm>
           <a:prstGeom prst="rect">
             <a:avLst/>
@@ -19322,7 +19333,7 @@
         <p:spPr>
           <a:xfrm>
             <a:off x="2638440" y="2715120"/>
-            <a:ext cx="7225920" cy="740520"/>
+            <a:ext cx="7225560" cy="740160"/>
           </a:xfrm>
           <a:prstGeom prst="rect">
             <a:avLst/>
@@ -19540,7 +19551,7 @@
         <p:spPr>
           <a:xfrm>
             <a:off x="1457640" y="2732760"/>
-            <a:ext cx="944280" cy="488160"/>
+            <a:ext cx="943920" cy="487800"/>
           </a:xfrm>
           <a:prstGeom prst="rect">
             <a:avLst/>
@@ -19612,7 +19623,7 @@
         <p:spPr>
           <a:xfrm>
             <a:off x="2638440" y="4006440"/>
-            <a:ext cx="7225920" cy="972000"/>
+            <a:ext cx="7225560" cy="971640"/>
           </a:xfrm>
           <a:prstGeom prst="rect">
             <a:avLst/>
@@ -19707,7 +19718,7 @@
         <p:spPr>
           <a:xfrm>
             <a:off x="1457640" y="4060080"/>
-            <a:ext cx="944280" cy="488160"/>
+            <a:ext cx="943920" cy="487800"/>
           </a:xfrm>
           <a:prstGeom prst="rect">
             <a:avLst/>
@@ -19820,7 +19831,7 @@
         <p:spPr>
           <a:xfrm>
             <a:off x="0" y="205200"/>
-            <a:ext cx="12190680" cy="599400"/>
+            <a:ext cx="12190320" cy="599040"/>
           </a:xfrm>
           <a:prstGeom prst="rect">
             <a:avLst/>
@@ -19856,7 +19867,7 @@
         <p:spPr>
           <a:xfrm flipH="1">
             <a:off x="264960" y="806040"/>
-            <a:ext cx="310680" cy="87840"/>
+            <a:ext cx="310320" cy="87480"/>
           </a:xfrm>
           <a:custGeom>
             <a:avLst/>
@@ -19914,8 +19925,8 @@
         </p:nvSpPr>
         <p:spPr>
           <a:xfrm flipV="1">
-            <a:off x="1457280" y="114840"/>
-            <a:ext cx="310680" cy="87840"/>
+            <a:off x="1457280" y="114120"/>
+            <a:ext cx="310320" cy="87480"/>
           </a:xfrm>
           <a:custGeom>
             <a:avLst/>
@@ -19974,7 +19985,7 @@
         <p:spPr>
           <a:xfrm flipH="1">
             <a:off x="311040" y="116280"/>
-            <a:ext cx="1401480" cy="777960"/>
+            <a:ext cx="1401120" cy="777600"/>
           </a:xfrm>
           <a:prstGeom prst="parallelogram">
             <a:avLst>
@@ -20012,7 +20023,7 @@
         <p:spPr>
           <a:xfrm>
             <a:off x="302040" y="244080"/>
-            <a:ext cx="1322640" cy="515880"/>
+            <a:ext cx="1322280" cy="515520"/>
           </a:xfrm>
           <a:prstGeom prst="rect">
             <a:avLst/>
@@ -20074,7 +20085,7 @@
         <p:spPr>
           <a:xfrm>
             <a:off x="2021400" y="244080"/>
-            <a:ext cx="2499840" cy="515160"/>
+            <a:ext cx="2499480" cy="514800"/>
           </a:xfrm>
           <a:prstGeom prst="rect">
             <a:avLst/>
@@ -20099,7 +20110,7 @@
               </a:lnSpc>
             </a:pPr>
             <a:r>
-              <a:rPr b="0" lang="en-US" sz="2800" spc="290" strike="noStrike">
+              <a:rPr b="0" lang="en-US" sz="2800" spc="287" strike="noStrike">
                 <a:solidFill>
                   <a:srgbClr val="ffffff"/>
                 </a:solidFill>
@@ -20135,7 +20146,7 @@
         </p:nvGraphicFramePr>
         <p:xfrm>
           <a:off x="1981080" y="1168560"/>
-          <a:ext cx="8228160" cy="4519800"/>
+          <a:ext cx="8227800" cy="4519440"/>
         </p:xfrm>
         <a:graphic>
           <a:graphicData uri="http://schemas.openxmlformats.org/drawingml/2006/chart">
@@ -20152,7 +20163,7 @@
         <p:spPr>
           <a:xfrm>
             <a:off x="4727520" y="1168560"/>
-            <a:ext cx="3998520" cy="515160"/>
+            <a:ext cx="3998160" cy="514800"/>
           </a:xfrm>
           <a:prstGeom prst="rect">
             <a:avLst/>
@@ -20265,7 +20276,7 @@
         <p:spPr>
           <a:xfrm>
             <a:off x="0" y="2462040"/>
-            <a:ext cx="12190680" cy="1894320"/>
+            <a:ext cx="12190320" cy="1893960"/>
           </a:xfrm>
           <a:prstGeom prst="rect">
             <a:avLst/>
@@ -20299,7 +20310,7 @@
         <p:spPr>
           <a:xfrm>
             <a:off x="3714120" y="2202480"/>
-            <a:ext cx="257040" cy="258120"/>
+            <a:ext cx="256680" cy="257760"/>
           </a:xfrm>
           <a:custGeom>
             <a:avLst/>
@@ -20352,7 +20363,7 @@
         <p:spPr>
           <a:xfrm flipV="1">
             <a:off x="510120" y="4356000"/>
-            <a:ext cx="262080" cy="263160"/>
+            <a:ext cx="261720" cy="262800"/>
           </a:xfrm>
           <a:custGeom>
             <a:avLst/>
@@ -20405,7 +20416,7 @@
         <p:spPr>
           <a:xfrm>
             <a:off x="639000" y="2203200"/>
-            <a:ext cx="3207960" cy="2411640"/>
+            <a:ext cx="3207600" cy="2411280"/>
           </a:xfrm>
           <a:prstGeom prst="parallelogram">
             <a:avLst>
@@ -20443,7 +20454,7 @@
         <p:spPr>
           <a:xfrm>
             <a:off x="1487520" y="2531520"/>
-            <a:ext cx="1761480" cy="1715040"/>
+            <a:ext cx="1761120" cy="1714680"/>
           </a:xfrm>
           <a:prstGeom prst="rect">
             <a:avLst/>
@@ -20505,7 +20516,7 @@
         <p:spPr>
           <a:xfrm>
             <a:off x="4446720" y="2928960"/>
-            <a:ext cx="6732360" cy="912960"/>
+            <a:ext cx="6732000" cy="912600"/>
           </a:xfrm>
           <a:prstGeom prst="rect">
             <a:avLst/>
@@ -20616,7 +20627,7 @@
         <p:spPr>
           <a:xfrm>
             <a:off x="0" y="205200"/>
-            <a:ext cx="12190680" cy="599400"/>
+            <a:ext cx="12190320" cy="599040"/>
           </a:xfrm>
           <a:prstGeom prst="rect">
             <a:avLst/>
@@ -20652,7 +20663,7 @@
         <p:spPr>
           <a:xfrm flipH="1">
             <a:off x="264960" y="806040"/>
-            <a:ext cx="310680" cy="87840"/>
+            <a:ext cx="310320" cy="87480"/>
           </a:xfrm>
           <a:custGeom>
             <a:avLst/>
@@ -20710,8 +20721,8 @@
         </p:nvSpPr>
         <p:spPr>
           <a:xfrm flipV="1">
-            <a:off x="1457280" y="114840"/>
-            <a:ext cx="310680" cy="87840"/>
+            <a:off x="1457280" y="114120"/>
+            <a:ext cx="310320" cy="87480"/>
           </a:xfrm>
           <a:custGeom>
             <a:avLst/>
@@ -20770,7 +20781,7 @@
         <p:spPr>
           <a:xfrm flipH="1">
             <a:off x="311040" y="116280"/>
-            <a:ext cx="1401480" cy="777960"/>
+            <a:ext cx="1401120" cy="777600"/>
           </a:xfrm>
           <a:prstGeom prst="parallelogram">
             <a:avLst>
@@ -20808,7 +20819,7 @@
         <p:spPr>
           <a:xfrm>
             <a:off x="302040" y="244080"/>
-            <a:ext cx="1322640" cy="515880"/>
+            <a:ext cx="1322280" cy="515520"/>
           </a:xfrm>
           <a:prstGeom prst="rect">
             <a:avLst/>
@@ -20870,7 +20881,7 @@
         <p:spPr>
           <a:xfrm>
             <a:off x="1964880" y="244080"/>
-            <a:ext cx="3679560" cy="515160"/>
+            <a:ext cx="3679200" cy="514800"/>
           </a:xfrm>
           <a:prstGeom prst="rect">
             <a:avLst/>
@@ -20895,7 +20906,7 @@
               </a:lnSpc>
             </a:pPr>
             <a:r>
-              <a:rPr b="0" lang="en-US" sz="2800" spc="290" strike="noStrike">
+              <a:rPr b="0" lang="en-US" sz="2800" spc="287" strike="noStrike">
                 <a:solidFill>
                   <a:srgbClr val="ffffff"/>
                 </a:solidFill>
@@ -20932,7 +20943,7 @@
         <p:spPr>
           <a:xfrm>
             <a:off x="8002080" y="4188600"/>
-            <a:ext cx="3407400" cy="1985760"/>
+            <a:ext cx="3407040" cy="1985400"/>
           </a:xfrm>
           <a:prstGeom prst="rect">
             <a:avLst/>
@@ -21007,7 +21018,7 @@
         <p:spPr>
           <a:xfrm>
             <a:off x="0" y="205200"/>
-            <a:ext cx="12190680" cy="599400"/>
+            <a:ext cx="12190320" cy="599040"/>
           </a:xfrm>
           <a:prstGeom prst="rect">
             <a:avLst/>
@@ -21043,7 +21054,7 @@
         <p:spPr>
           <a:xfrm flipH="1">
             <a:off x="264960" y="806040"/>
-            <a:ext cx="310680" cy="87840"/>
+            <a:ext cx="310320" cy="87480"/>
           </a:xfrm>
           <a:custGeom>
             <a:avLst/>
@@ -21101,8 +21112,8 @@
         </p:nvSpPr>
         <p:spPr>
           <a:xfrm flipV="1">
-            <a:off x="1457280" y="114840"/>
-            <a:ext cx="310680" cy="87840"/>
+            <a:off x="1457280" y="114120"/>
+            <a:ext cx="310320" cy="87480"/>
           </a:xfrm>
           <a:custGeom>
             <a:avLst/>
@@ -21161,7 +21172,7 @@
         <p:spPr>
           <a:xfrm flipH="1">
             <a:off x="311040" y="116280"/>
-            <a:ext cx="1401480" cy="777960"/>
+            <a:ext cx="1401120" cy="777600"/>
           </a:xfrm>
           <a:prstGeom prst="parallelogram">
             <a:avLst>
@@ -21199,7 +21210,7 @@
         <p:spPr>
           <a:xfrm>
             <a:off x="302040" y="244080"/>
-            <a:ext cx="1322640" cy="515880"/>
+            <a:ext cx="1322280" cy="515520"/>
           </a:xfrm>
           <a:prstGeom prst="rect">
             <a:avLst/>
@@ -21261,7 +21272,7 @@
         <p:spPr>
           <a:xfrm>
             <a:off x="2021400" y="244080"/>
-            <a:ext cx="2499840" cy="515160"/>
+            <a:ext cx="2499480" cy="514800"/>
           </a:xfrm>
           <a:prstGeom prst="rect">
             <a:avLst/>
@@ -21286,7 +21297,7 @@
               </a:lnSpc>
             </a:pPr>
             <a:r>
-              <a:rPr b="0" lang="en-US" sz="2800" spc="290" strike="noStrike">
+              <a:rPr b="0" lang="en-US" sz="2800" spc="287" strike="noStrike">
                 <a:solidFill>
                   <a:srgbClr val="ffffff"/>
                 </a:solidFill>
@@ -21323,7 +21334,7 @@
         <p:spPr>
           <a:xfrm>
             <a:off x="2963880" y="4393080"/>
-            <a:ext cx="2312280" cy="1984680"/>
+            <a:ext cx="2311920" cy="1984320"/>
           </a:xfrm>
           <a:custGeom>
             <a:avLst/>
@@ -21423,7 +21434,7 @@
         <p:spPr>
           <a:xfrm>
             <a:off x="4897800" y="3332160"/>
-            <a:ext cx="2312280" cy="1984680"/>
+            <a:ext cx="2311920" cy="1984320"/>
           </a:xfrm>
           <a:custGeom>
             <a:avLst/>
@@ -21490,7 +21501,7 @@
         <p:spPr>
           <a:xfrm>
             <a:off x="6879240" y="4389840"/>
-            <a:ext cx="2312280" cy="1984680"/>
+            <a:ext cx="2311920" cy="1984320"/>
           </a:xfrm>
           <a:prstGeom prst="hexagon">
             <a:avLst>
@@ -21565,7 +21576,7 @@
         <p:spPr>
           <a:xfrm>
             <a:off x="4868640" y="1190520"/>
-            <a:ext cx="2312280" cy="1984680"/>
+            <a:ext cx="2311920" cy="1984320"/>
           </a:xfrm>
           <a:prstGeom prst="hexagon">
             <a:avLst>
@@ -21640,7 +21651,7 @@
         <p:spPr>
           <a:xfrm>
             <a:off x="6818400" y="2272680"/>
-            <a:ext cx="2312280" cy="1984680"/>
+            <a:ext cx="2311920" cy="1984320"/>
           </a:xfrm>
           <a:prstGeom prst="hexagon">
             <a:avLst>
@@ -21715,7 +21726,7 @@
         <p:spPr>
           <a:xfrm>
             <a:off x="2882160" y="2305080"/>
-            <a:ext cx="2312280" cy="1984680"/>
+            <a:ext cx="2311920" cy="1984320"/>
           </a:xfrm>
           <a:custGeom>
             <a:avLst/>

--- a/doc/zzdb.pptx
+++ b/doc/zzdb.pptx
@@ -26,20 +26,13 @@
     <p:sldId id="270" r:id="rId19"/>
     <p:sldId id="271" r:id="rId20"/>
     <p:sldId id="272" r:id="rId21"/>
-    <p:sldId id="273" r:id="rId22"/>
   </p:sldIdLst>
   <p:sldSz cx="12192000" cy="6858000"/>
   <p:notesSz cx="6858000" cy="9144000"/>
 </p:presentation>
 </file>
 
-<file path=ppt/commentAuthors.xml><?xml version="1.0" encoding="utf-8"?>
-<p:cmAuthorLst xmlns:p="http://schemas.openxmlformats.org/presentationml/2006/main">
-  <p:cmAuthor id="0" name="Microsoft Office User" initials="MOU" lastIdx="1" clrIdx="0"/>
-</p:cmAuthorLst>
-</file>
-
-<file path=ppt/charts/chart2.xml><?xml version="1.0" encoding="utf-8"?>
+<file path=ppt/charts/chart19.xml><?xml version="1.0" encoding="utf-8"?>
 <c:chartSpace xmlns:c="http://schemas.openxmlformats.org/drawingml/2006/chart" xmlns:a="http://schemas.openxmlformats.org/drawingml/2006/main" xmlns:r="http://schemas.openxmlformats.org/officeDocument/2006/relationships">
   <c:lang val="en-US"/>
   <c:roundedCorners val="0"/>
@@ -372,11 +365,11 @@
           </c:spPr>
         </c:hiLowLines>
         <c:marker val="1"/>
-        <c:axId val="80183367"/>
-        <c:axId val="76"/>
+        <c:axId val="23192605"/>
+        <c:axId val="30358971"/>
       </c:lineChart>
       <c:catAx>
-        <c:axId val="80183367"/>
+        <c:axId val="23192605"/>
         <c:scaling>
           <c:orientation val="minMax"/>
         </c:scaling>
@@ -413,14 +406,14 @@
             </a:pPr>
           </a:p>
         </c:txPr>
-        <c:crossAx val="76"/>
+        <c:crossAx val="30358971"/>
         <c:crosses val="autoZero"/>
         <c:auto val="1"/>
         <c:lblAlgn val="ctr"/>
         <c:lblOffset val="100"/>
       </c:catAx>
       <c:valAx>
-        <c:axId val="76"/>
+        <c:axId val="30358971"/>
         <c:scaling>
           <c:orientation val="minMax"/>
         </c:scaling>
@@ -464,7 +457,7 @@
             </a:pPr>
           </a:p>
         </c:txPr>
-        <c:crossAx val="80183367"/>
+        <c:crossAx val="23192605"/>
         <c:crosses val="autoZero"/>
         <c:crossBetween val="midCat"/>
       </c:valAx>
@@ -497,15 +490,6 @@
 </c:chartSpace>
 </file>
 
-<file path=ppt/comments/comment2.xml><?xml version="1.0" encoding="utf-8"?>
-<p:cmLst xmlns:p="http://schemas.openxmlformats.org/presentationml/2006/main">
-  <p:cm authorId="0" dt="2022-06-19T22:18:55.182000000" idx="1">
-    <p:pos x="6838" y="360"/>
-    <p:text/>
-  </p:cm>
-</p:cmLst>
-</file>
-
 <file path=ppt/notesMasters/notesMaster1.xml><?xml version="1.0" encoding="utf-8"?>
 <p:notesMaster xmlns:a="http://schemas.openxmlformats.org/drawingml/2006/main" xmlns:p="http://schemas.openxmlformats.org/presentationml/2006/main" xmlns:r="http://schemas.openxmlformats.org/officeDocument/2006/relationships" xmlns:p14="http://schemas.microsoft.com/office/powerpoint/2010/main" xmlns:p15="http://schemas.microsoft.com/office/powerpoint/2012/main" xmlns:mc="http://schemas.openxmlformats.org/markup-compatibility/2006">
   <p:cSld>
@@ -747,7 +731,7 @@
           <a:bodyPr lIns="0" rIns="0" tIns="0" bIns="0" anchor="b"/>
           <a:p>
             <a:pPr algn="r"/>
-            <a:fld id="{ED0DBACA-9D31-4FA3-84DB-363875F92886}" type="slidenum">
+            <a:fld id="{054918B3-B4C3-44CF-8C5A-B417AD9F0A36}" type="slidenum">
               <a:rPr b="0" lang="en-US" sz="1400" spc="-1" strike="noStrike">
                 <a:solidFill>
                   <a:srgbClr val="000000"/>
@@ -800,7 +784,7 @@
       </p:grpSpPr>
       <p:sp>
         <p:nvSpPr>
-          <p:cNvPr id="322" name="PlaceHolder 1"/>
+          <p:cNvPr id="315" name="PlaceHolder 1"/>
           <p:cNvSpPr>
             <a:spLocks noGrp="1"/>
           </p:cNvSpPr>
@@ -811,7 +795,7 @@
         <p:spPr>
           <a:xfrm>
             <a:off x="685800" y="4400640"/>
-            <a:ext cx="5484600" cy="3598560"/>
+            <a:ext cx="5484240" cy="3598200"/>
           </a:xfrm>
           <a:prstGeom prst="rect">
             <a:avLst/>
@@ -836,14 +820,14 @@
       </p:sp>
       <p:sp>
         <p:nvSpPr>
-          <p:cNvPr id="323" name="CustomShape 2"/>
+          <p:cNvPr id="316" name="CustomShape 2"/>
           <p:cNvSpPr/>
           <p:nvPr/>
         </p:nvSpPr>
         <p:spPr>
           <a:xfrm>
             <a:off x="3884760" y="8685360"/>
-            <a:ext cx="2970000" cy="456840"/>
+            <a:ext cx="2969640" cy="456480"/>
           </a:xfrm>
           <a:prstGeom prst="rect">
             <a:avLst/>
@@ -884,7 +868,7 @@
       </p:grpSpPr>
       <p:sp>
         <p:nvSpPr>
-          <p:cNvPr id="338" name="PlaceHolder 1"/>
+          <p:cNvPr id="331" name="PlaceHolder 1"/>
           <p:cNvSpPr>
             <a:spLocks noGrp="1"/>
           </p:cNvSpPr>
@@ -895,7 +879,7 @@
         <p:spPr>
           <a:xfrm>
             <a:off x="685800" y="4400640"/>
-            <a:ext cx="5484600" cy="3598560"/>
+            <a:ext cx="5484240" cy="3598200"/>
           </a:xfrm>
           <a:prstGeom prst="rect">
             <a:avLst/>
@@ -920,14 +904,14 @@
       </p:sp>
       <p:sp>
         <p:nvSpPr>
-          <p:cNvPr id="339" name="CustomShape 2"/>
+          <p:cNvPr id="332" name="CustomShape 2"/>
           <p:cNvSpPr/>
           <p:nvPr/>
         </p:nvSpPr>
         <p:spPr>
           <a:xfrm>
             <a:off x="3884760" y="8685360"/>
-            <a:ext cx="2970000" cy="456840"/>
+            <a:ext cx="2969640" cy="456480"/>
           </a:xfrm>
           <a:prstGeom prst="rect">
             <a:avLst/>
@@ -968,7 +952,7 @@
       </p:grpSpPr>
       <p:sp>
         <p:nvSpPr>
-          <p:cNvPr id="340" name="PlaceHolder 1"/>
+          <p:cNvPr id="333" name="PlaceHolder 1"/>
           <p:cNvSpPr>
             <a:spLocks noGrp="1"/>
           </p:cNvSpPr>
@@ -979,7 +963,7 @@
         <p:spPr>
           <a:xfrm>
             <a:off x="685800" y="4400640"/>
-            <a:ext cx="5484600" cy="3598560"/>
+            <a:ext cx="5484240" cy="3598200"/>
           </a:xfrm>
           <a:prstGeom prst="rect">
             <a:avLst/>
@@ -1004,14 +988,14 @@
       </p:sp>
       <p:sp>
         <p:nvSpPr>
-          <p:cNvPr id="341" name="CustomShape 2"/>
+          <p:cNvPr id="334" name="CustomShape 2"/>
           <p:cNvSpPr/>
           <p:nvPr/>
         </p:nvSpPr>
         <p:spPr>
           <a:xfrm>
             <a:off x="3884760" y="8685360"/>
-            <a:ext cx="2970000" cy="456840"/>
+            <a:ext cx="2969640" cy="456480"/>
           </a:xfrm>
           <a:prstGeom prst="rect">
             <a:avLst/>
@@ -1052,7 +1036,7 @@
       </p:grpSpPr>
       <p:sp>
         <p:nvSpPr>
-          <p:cNvPr id="342" name="PlaceHolder 1"/>
+          <p:cNvPr id="335" name="PlaceHolder 1"/>
           <p:cNvSpPr>
             <a:spLocks noGrp="1"/>
           </p:cNvSpPr>
@@ -1063,7 +1047,7 @@
         <p:spPr>
           <a:xfrm>
             <a:off x="685800" y="4400640"/>
-            <a:ext cx="5484600" cy="3598560"/>
+            <a:ext cx="5484240" cy="3598200"/>
           </a:xfrm>
           <a:prstGeom prst="rect">
             <a:avLst/>
@@ -1088,14 +1072,14 @@
       </p:sp>
       <p:sp>
         <p:nvSpPr>
-          <p:cNvPr id="343" name="CustomShape 2"/>
+          <p:cNvPr id="336" name="CustomShape 2"/>
           <p:cNvSpPr/>
           <p:nvPr/>
         </p:nvSpPr>
         <p:spPr>
           <a:xfrm>
             <a:off x="3884760" y="8685360"/>
-            <a:ext cx="2970000" cy="456840"/>
+            <a:ext cx="2969640" cy="456480"/>
           </a:xfrm>
           <a:prstGeom prst="rect">
             <a:avLst/>
@@ -1136,7 +1120,7 @@
       </p:grpSpPr>
       <p:sp>
         <p:nvSpPr>
-          <p:cNvPr id="344" name="PlaceHolder 1"/>
+          <p:cNvPr id="337" name="PlaceHolder 1"/>
           <p:cNvSpPr>
             <a:spLocks noGrp="1"/>
           </p:cNvSpPr>
@@ -1147,7 +1131,7 @@
         <p:spPr>
           <a:xfrm>
             <a:off x="685800" y="4400640"/>
-            <a:ext cx="5484600" cy="3598560"/>
+            <a:ext cx="5484240" cy="3598200"/>
           </a:xfrm>
           <a:prstGeom prst="rect">
             <a:avLst/>
@@ -1172,14 +1156,14 @@
       </p:sp>
       <p:sp>
         <p:nvSpPr>
-          <p:cNvPr id="345" name="CustomShape 2"/>
+          <p:cNvPr id="338" name="CustomShape 2"/>
           <p:cNvSpPr/>
           <p:nvPr/>
         </p:nvSpPr>
         <p:spPr>
           <a:xfrm>
             <a:off x="3884760" y="8685360"/>
-            <a:ext cx="2970000" cy="456840"/>
+            <a:ext cx="2969640" cy="456480"/>
           </a:xfrm>
           <a:prstGeom prst="rect">
             <a:avLst/>
@@ -1220,7 +1204,7 @@
       </p:grpSpPr>
       <p:sp>
         <p:nvSpPr>
-          <p:cNvPr id="346" name="PlaceHolder 1"/>
+          <p:cNvPr id="339" name="PlaceHolder 1"/>
           <p:cNvSpPr>
             <a:spLocks noGrp="1"/>
           </p:cNvSpPr>
@@ -1231,7 +1215,7 @@
         <p:spPr>
           <a:xfrm>
             <a:off x="685800" y="4400640"/>
-            <a:ext cx="5484600" cy="3598560"/>
+            <a:ext cx="5484240" cy="3598200"/>
           </a:xfrm>
           <a:prstGeom prst="rect">
             <a:avLst/>
@@ -1256,14 +1240,14 @@
       </p:sp>
       <p:sp>
         <p:nvSpPr>
-          <p:cNvPr id="347" name="CustomShape 2"/>
+          <p:cNvPr id="340" name="CustomShape 2"/>
           <p:cNvSpPr/>
           <p:nvPr/>
         </p:nvSpPr>
         <p:spPr>
           <a:xfrm>
             <a:off x="3884760" y="8685360"/>
-            <a:ext cx="2970000" cy="456840"/>
+            <a:ext cx="2969640" cy="456480"/>
           </a:xfrm>
           <a:prstGeom prst="rect">
             <a:avLst/>
@@ -1304,7 +1288,7 @@
       </p:grpSpPr>
       <p:sp>
         <p:nvSpPr>
-          <p:cNvPr id="348" name="PlaceHolder 1"/>
+          <p:cNvPr id="341" name="PlaceHolder 1"/>
           <p:cNvSpPr>
             <a:spLocks noGrp="1"/>
           </p:cNvSpPr>
@@ -1315,7 +1299,7 @@
         <p:spPr>
           <a:xfrm>
             <a:off x="685800" y="4400640"/>
-            <a:ext cx="5484600" cy="3598560"/>
+            <a:ext cx="5484240" cy="3598200"/>
           </a:xfrm>
           <a:prstGeom prst="rect">
             <a:avLst/>
@@ -1340,14 +1324,14 @@
       </p:sp>
       <p:sp>
         <p:nvSpPr>
-          <p:cNvPr id="349" name="CustomShape 2"/>
+          <p:cNvPr id="342" name="CustomShape 2"/>
           <p:cNvSpPr/>
           <p:nvPr/>
         </p:nvSpPr>
         <p:spPr>
           <a:xfrm>
             <a:off x="3884760" y="8685360"/>
-            <a:ext cx="2970000" cy="456840"/>
+            <a:ext cx="2969640" cy="456480"/>
           </a:xfrm>
           <a:prstGeom prst="rect">
             <a:avLst/>
@@ -1388,7 +1372,7 @@
       </p:grpSpPr>
       <p:sp>
         <p:nvSpPr>
-          <p:cNvPr id="350" name="PlaceHolder 1"/>
+          <p:cNvPr id="343" name="PlaceHolder 1"/>
           <p:cNvSpPr>
             <a:spLocks noGrp="1"/>
           </p:cNvSpPr>
@@ -1399,7 +1383,7 @@
         <p:spPr>
           <a:xfrm>
             <a:off x="685800" y="4400640"/>
-            <a:ext cx="5484600" cy="3598560"/>
+            <a:ext cx="5484240" cy="3598200"/>
           </a:xfrm>
           <a:prstGeom prst="rect">
             <a:avLst/>
@@ -1424,14 +1408,14 @@
       </p:sp>
       <p:sp>
         <p:nvSpPr>
-          <p:cNvPr id="351" name="CustomShape 2"/>
+          <p:cNvPr id="344" name="CustomShape 2"/>
           <p:cNvSpPr/>
           <p:nvPr/>
         </p:nvSpPr>
         <p:spPr>
           <a:xfrm>
             <a:off x="3884760" y="8685360"/>
-            <a:ext cx="2970000" cy="456840"/>
+            <a:ext cx="2969640" cy="456480"/>
           </a:xfrm>
           <a:prstGeom prst="rect">
             <a:avLst/>
@@ -1472,7 +1456,7 @@
       </p:grpSpPr>
       <p:sp>
         <p:nvSpPr>
-          <p:cNvPr id="352" name="PlaceHolder 1"/>
+          <p:cNvPr id="345" name="PlaceHolder 1"/>
           <p:cNvSpPr>
             <a:spLocks noGrp="1"/>
           </p:cNvSpPr>
@@ -1483,7 +1467,7 @@
         <p:spPr>
           <a:xfrm>
             <a:off x="685800" y="4400640"/>
-            <a:ext cx="5484600" cy="3598560"/>
+            <a:ext cx="5484240" cy="3598200"/>
           </a:xfrm>
           <a:prstGeom prst="rect">
             <a:avLst/>
@@ -1508,98 +1492,14 @@
       </p:sp>
       <p:sp>
         <p:nvSpPr>
-          <p:cNvPr id="353" name="CustomShape 2"/>
+          <p:cNvPr id="346" name="CustomShape 2"/>
           <p:cNvSpPr/>
           <p:nvPr/>
         </p:nvSpPr>
         <p:spPr>
           <a:xfrm>
             <a:off x="3884760" y="8685360"/>
-            <a:ext cx="2970000" cy="456840"/>
-          </a:xfrm>
-          <a:prstGeom prst="rect">
-            <a:avLst/>
-          </a:prstGeom>
-          <a:noFill/>
-          <a:ln>
-            <a:noFill/>
-          </a:ln>
-        </p:spPr>
-        <p:style>
-          <a:lnRef idx="0"/>
-          <a:fillRef idx="0"/>
-          <a:effectRef idx="0"/>
-          <a:fontRef idx="minor"/>
-        </p:style>
-      </p:sp>
-    </p:spTree>
-  </p:cSld>
-</p:notes>
-</file>
-
-<file path=ppt/notesSlides/notesSlide18.xml><?xml version="1.0" encoding="utf-8"?>
-<p:notes xmlns:a="http://schemas.openxmlformats.org/drawingml/2006/main" xmlns:p="http://schemas.openxmlformats.org/presentationml/2006/main" xmlns:r="http://schemas.openxmlformats.org/officeDocument/2006/relationships" xmlns:p14="http://schemas.microsoft.com/office/powerpoint/2010/main" xmlns:p15="http://schemas.microsoft.com/office/powerpoint/2012/main" xmlns:mc="http://schemas.openxmlformats.org/markup-compatibility/2006">
-  <p:cSld>
-    <p:spTree>
-      <p:nvGrpSpPr>
-        <p:cNvPr id="1" name=""/>
-        <p:cNvGrpSpPr/>
-        <p:nvPr/>
-      </p:nvGrpSpPr>
-      <p:grpSpPr>
-        <a:xfrm>
-          <a:off x="0" y="0"/>
-          <a:ext cx="0" cy="0"/>
-          <a:chOff x="0" y="0"/>
-          <a:chExt cx="0" cy="0"/>
-        </a:xfrm>
-      </p:grpSpPr>
-      <p:sp>
-        <p:nvSpPr>
-          <p:cNvPr id="354" name="PlaceHolder 1"/>
-          <p:cNvSpPr>
-            <a:spLocks noGrp="1"/>
-          </p:cNvSpPr>
-          <p:nvPr>
-            <p:ph type="body"/>
-          </p:nvPr>
-        </p:nvSpPr>
-        <p:spPr>
-          <a:xfrm>
-            <a:off x="685800" y="4400640"/>
-            <a:ext cx="5484600" cy="3598560"/>
-          </a:xfrm>
-          <a:prstGeom prst="rect">
-            <a:avLst/>
-          </a:prstGeom>
-        </p:spPr>
-        <p:txBody>
-          <a:bodyPr lIns="0" rIns="0" tIns="0" bIns="0"/>
-          <a:p>
-            <a:endParaRPr b="0" lang="en-US" sz="2000" spc="-1" strike="noStrike">
-              <a:solidFill>
-                <a:srgbClr val="000000"/>
-              </a:solidFill>
-              <a:uFill>
-                <a:solidFill>
-                  <a:srgbClr val="ffffff"/>
-                </a:solidFill>
-              </a:uFill>
-              <a:latin typeface="Arial"/>
-            </a:endParaRPr>
-          </a:p>
-        </p:txBody>
-      </p:sp>
-      <p:sp>
-        <p:nvSpPr>
-          <p:cNvPr id="355" name="CustomShape 2"/>
-          <p:cNvSpPr/>
-          <p:nvPr/>
-        </p:nvSpPr>
-        <p:spPr>
-          <a:xfrm>
-            <a:off x="3884760" y="8685360"/>
-            <a:ext cx="2970000" cy="456840"/>
+            <a:ext cx="2969640" cy="456480"/>
           </a:xfrm>
           <a:prstGeom prst="rect">
             <a:avLst/>
@@ -1640,7 +1540,7 @@
       </p:grpSpPr>
       <p:sp>
         <p:nvSpPr>
-          <p:cNvPr id="324" name="PlaceHolder 1"/>
+          <p:cNvPr id="317" name="PlaceHolder 1"/>
           <p:cNvSpPr>
             <a:spLocks noGrp="1"/>
           </p:cNvSpPr>
@@ -1651,7 +1551,7 @@
         <p:spPr>
           <a:xfrm>
             <a:off x="685800" y="4400640"/>
-            <a:ext cx="5484600" cy="3598560"/>
+            <a:ext cx="5484240" cy="3598200"/>
           </a:xfrm>
           <a:prstGeom prst="rect">
             <a:avLst/>
@@ -1676,14 +1576,14 @@
       </p:sp>
       <p:sp>
         <p:nvSpPr>
-          <p:cNvPr id="325" name="CustomShape 2"/>
+          <p:cNvPr id="318" name="CustomShape 2"/>
           <p:cNvSpPr/>
           <p:nvPr/>
         </p:nvSpPr>
         <p:spPr>
           <a:xfrm>
             <a:off x="3884760" y="8685360"/>
-            <a:ext cx="2970000" cy="456840"/>
+            <a:ext cx="2969640" cy="456480"/>
           </a:xfrm>
           <a:prstGeom prst="rect">
             <a:avLst/>
@@ -1724,7 +1624,7 @@
       </p:grpSpPr>
       <p:sp>
         <p:nvSpPr>
-          <p:cNvPr id="326" name="PlaceHolder 1"/>
+          <p:cNvPr id="319" name="PlaceHolder 1"/>
           <p:cNvSpPr>
             <a:spLocks noGrp="1"/>
           </p:cNvSpPr>
@@ -1735,7 +1635,7 @@
         <p:spPr>
           <a:xfrm>
             <a:off x="685800" y="4400640"/>
-            <a:ext cx="5484600" cy="3598560"/>
+            <a:ext cx="5484240" cy="3598200"/>
           </a:xfrm>
           <a:prstGeom prst="rect">
             <a:avLst/>
@@ -1760,14 +1660,14 @@
       </p:sp>
       <p:sp>
         <p:nvSpPr>
-          <p:cNvPr id="327" name="CustomShape 2"/>
+          <p:cNvPr id="320" name="CustomShape 2"/>
           <p:cNvSpPr/>
           <p:nvPr/>
         </p:nvSpPr>
         <p:spPr>
           <a:xfrm>
             <a:off x="3884760" y="8685360"/>
-            <a:ext cx="2970000" cy="456840"/>
+            <a:ext cx="2969640" cy="456480"/>
           </a:xfrm>
           <a:prstGeom prst="rect">
             <a:avLst/>
@@ -1808,7 +1708,7 @@
       </p:grpSpPr>
       <p:sp>
         <p:nvSpPr>
-          <p:cNvPr id="328" name="PlaceHolder 1"/>
+          <p:cNvPr id="321" name="PlaceHolder 1"/>
           <p:cNvSpPr>
             <a:spLocks noGrp="1"/>
           </p:cNvSpPr>
@@ -1819,7 +1719,7 @@
         <p:spPr>
           <a:xfrm>
             <a:off x="685800" y="4400640"/>
-            <a:ext cx="5484600" cy="3598560"/>
+            <a:ext cx="5484240" cy="3598200"/>
           </a:xfrm>
           <a:prstGeom prst="rect">
             <a:avLst/>
@@ -1844,14 +1744,14 @@
       </p:sp>
       <p:sp>
         <p:nvSpPr>
-          <p:cNvPr id="329" name="CustomShape 2"/>
+          <p:cNvPr id="322" name="CustomShape 2"/>
           <p:cNvSpPr/>
           <p:nvPr/>
         </p:nvSpPr>
         <p:spPr>
           <a:xfrm>
             <a:off x="3884760" y="8685360"/>
-            <a:ext cx="2970000" cy="456840"/>
+            <a:ext cx="2969640" cy="456480"/>
           </a:xfrm>
           <a:prstGeom prst="rect">
             <a:avLst/>
@@ -1892,7 +1792,7 @@
       </p:grpSpPr>
       <p:sp>
         <p:nvSpPr>
-          <p:cNvPr id="330" name="PlaceHolder 1"/>
+          <p:cNvPr id="323" name="PlaceHolder 1"/>
           <p:cNvSpPr>
             <a:spLocks noGrp="1"/>
           </p:cNvSpPr>
@@ -1903,7 +1803,7 @@
         <p:spPr>
           <a:xfrm>
             <a:off x="685800" y="4400640"/>
-            <a:ext cx="5484600" cy="3598560"/>
+            <a:ext cx="5484240" cy="3598200"/>
           </a:xfrm>
           <a:prstGeom prst="rect">
             <a:avLst/>
@@ -1928,14 +1828,14 @@
       </p:sp>
       <p:sp>
         <p:nvSpPr>
-          <p:cNvPr id="331" name="CustomShape 2"/>
+          <p:cNvPr id="324" name="CustomShape 2"/>
           <p:cNvSpPr/>
           <p:nvPr/>
         </p:nvSpPr>
         <p:spPr>
           <a:xfrm>
             <a:off x="3884760" y="8685360"/>
-            <a:ext cx="2970000" cy="456840"/>
+            <a:ext cx="2969640" cy="456480"/>
           </a:xfrm>
           <a:prstGeom prst="rect">
             <a:avLst/>
@@ -1976,7 +1876,7 @@
       </p:grpSpPr>
       <p:sp>
         <p:nvSpPr>
-          <p:cNvPr id="332" name="PlaceHolder 1"/>
+          <p:cNvPr id="325" name="PlaceHolder 1"/>
           <p:cNvSpPr>
             <a:spLocks noGrp="1"/>
           </p:cNvSpPr>
@@ -1987,7 +1887,7 @@
         <p:spPr>
           <a:xfrm>
             <a:off x="685800" y="4400640"/>
-            <a:ext cx="5484600" cy="3598560"/>
+            <a:ext cx="5484240" cy="3598200"/>
           </a:xfrm>
           <a:prstGeom prst="rect">
             <a:avLst/>
@@ -2012,14 +1912,14 @@
       </p:sp>
       <p:sp>
         <p:nvSpPr>
-          <p:cNvPr id="333" name="CustomShape 2"/>
+          <p:cNvPr id="326" name="CustomShape 2"/>
           <p:cNvSpPr/>
           <p:nvPr/>
         </p:nvSpPr>
         <p:spPr>
           <a:xfrm>
             <a:off x="3884760" y="8685360"/>
-            <a:ext cx="2970000" cy="456840"/>
+            <a:ext cx="2969640" cy="456480"/>
           </a:xfrm>
           <a:prstGeom prst="rect">
             <a:avLst/>
@@ -2060,7 +1960,7 @@
       </p:grpSpPr>
       <p:sp>
         <p:nvSpPr>
-          <p:cNvPr id="334" name="PlaceHolder 1"/>
+          <p:cNvPr id="327" name="PlaceHolder 1"/>
           <p:cNvSpPr>
             <a:spLocks noGrp="1"/>
           </p:cNvSpPr>
@@ -2071,7 +1971,7 @@
         <p:spPr>
           <a:xfrm>
             <a:off x="685800" y="4400640"/>
-            <a:ext cx="5484600" cy="3598560"/>
+            <a:ext cx="5484240" cy="3598200"/>
           </a:xfrm>
           <a:prstGeom prst="rect">
             <a:avLst/>
@@ -2096,14 +1996,14 @@
       </p:sp>
       <p:sp>
         <p:nvSpPr>
-          <p:cNvPr id="335" name="CustomShape 2"/>
+          <p:cNvPr id="328" name="CustomShape 2"/>
           <p:cNvSpPr/>
           <p:nvPr/>
         </p:nvSpPr>
         <p:spPr>
           <a:xfrm>
             <a:off x="3884760" y="8685360"/>
-            <a:ext cx="2970000" cy="456840"/>
+            <a:ext cx="2969640" cy="456480"/>
           </a:xfrm>
           <a:prstGeom prst="rect">
             <a:avLst/>
@@ -2144,7 +2044,7 @@
       </p:grpSpPr>
       <p:sp>
         <p:nvSpPr>
-          <p:cNvPr id="336" name="PlaceHolder 1"/>
+          <p:cNvPr id="329" name="PlaceHolder 1"/>
           <p:cNvSpPr>
             <a:spLocks noGrp="1"/>
           </p:cNvSpPr>
@@ -2155,7 +2055,7 @@
         <p:spPr>
           <a:xfrm>
             <a:off x="685800" y="4400640"/>
-            <a:ext cx="5484600" cy="3598560"/>
+            <a:ext cx="5484240" cy="3598200"/>
           </a:xfrm>
           <a:prstGeom prst="rect">
             <a:avLst/>
@@ -2180,14 +2080,14 @@
       </p:sp>
       <p:sp>
         <p:nvSpPr>
-          <p:cNvPr id="337" name="CustomShape 2"/>
+          <p:cNvPr id="330" name="CustomShape 2"/>
           <p:cNvSpPr/>
           <p:nvPr/>
         </p:nvSpPr>
         <p:spPr>
           <a:xfrm>
             <a:off x="3884760" y="8685360"/>
-            <a:ext cx="2970000" cy="456840"/>
+            <a:ext cx="2969640" cy="456480"/>
           </a:xfrm>
           <a:prstGeom prst="rect">
             <a:avLst/>
@@ -5909,7 +5809,7 @@
         <p:spPr>
           <a:xfrm>
             <a:off x="0" y="0"/>
-            <a:ext cx="12190320" cy="3527640"/>
+            <a:ext cx="12189960" cy="3527280"/>
           </a:xfrm>
           <a:prstGeom prst="rect">
             <a:avLst/>
@@ -5949,7 +5849,7 @@
         <p:spPr>
           <a:xfrm>
             <a:off x="1066680" y="345960"/>
-            <a:ext cx="10056600" cy="5085360"/>
+            <a:ext cx="10056240" cy="5085000"/>
           </a:xfrm>
           <a:prstGeom prst="rect">
             <a:avLst/>
@@ -5968,7 +5868,7 @@
         <p:spPr>
           <a:xfrm rot="21595200">
             <a:off x="2160" y="2990880"/>
-            <a:ext cx="12190680" cy="3333600"/>
+            <a:ext cx="12190320" cy="3333240"/>
           </a:xfrm>
           <a:prstGeom prst="rect">
             <a:avLst/>
@@ -6004,7 +5904,7 @@
         <p:spPr>
           <a:xfrm>
             <a:off x="2207160" y="3845880"/>
-            <a:ext cx="1139400" cy="1139400"/>
+            <a:ext cx="1139040" cy="1139040"/>
           </a:xfrm>
           <a:prstGeom prst="rect">
             <a:avLst/>
@@ -6017,7 +5917,7 @@
               </a:schemeClr>
             </a:solidFill>
             <a:custDash>
-              <a:ds d="6400000" sp="100000"/>
+              <a:ds d="12400000" sp="100000"/>
             </a:custDash>
             <a:round/>
           </a:ln>
@@ -6058,7 +5958,7 @@
               </a:schemeClr>
             </a:solidFill>
             <a:custDash>
-              <a:ds d="1300000" sp="100000"/>
+              <a:ds d="1700000" sp="100000"/>
             </a:custDash>
             <a:round/>
           </a:ln>
@@ -6097,7 +5997,7 @@
               </a:schemeClr>
             </a:solidFill>
             <a:custDash>
-              <a:ds d="1300000" sp="100000"/>
+              <a:ds d="1700000" sp="100000"/>
             </a:custDash>
             <a:round/>
           </a:ln>
@@ -6124,7 +6024,7 @@
         <p:spPr>
           <a:xfrm>
             <a:off x="3534480" y="3845880"/>
-            <a:ext cx="1139400" cy="1139400"/>
+            <a:ext cx="1139040" cy="1139040"/>
           </a:xfrm>
           <a:prstGeom prst="rect">
             <a:avLst/>
@@ -6137,7 +6037,7 @@
               </a:schemeClr>
             </a:solidFill>
             <a:custDash>
-              <a:ds d="6400000" sp="100000"/>
+              <a:ds d="12400000" sp="100000"/>
             </a:custDash>
             <a:round/>
           </a:ln>
@@ -6178,7 +6078,7 @@
               </a:schemeClr>
             </a:solidFill>
             <a:custDash>
-              <a:ds d="1300000" sp="100000"/>
+              <a:ds d="1700000" sp="100000"/>
             </a:custDash>
             <a:round/>
           </a:ln>
@@ -6217,7 +6117,7 @@
               </a:schemeClr>
             </a:solidFill>
             <a:custDash>
-              <a:ds d="1300000" sp="100000"/>
+              <a:ds d="1700000" sp="100000"/>
             </a:custDash>
             <a:round/>
           </a:ln>
@@ -6244,7 +6144,7 @@
         <p:spPr>
           <a:xfrm>
             <a:off x="4861800" y="3845880"/>
-            <a:ext cx="1139400" cy="1139400"/>
+            <a:ext cx="1139040" cy="1139040"/>
           </a:xfrm>
           <a:prstGeom prst="rect">
             <a:avLst/>
@@ -6257,7 +6157,7 @@
               </a:schemeClr>
             </a:solidFill>
             <a:custDash>
-              <a:ds d="6400000" sp="100000"/>
+              <a:ds d="12400000" sp="100000"/>
             </a:custDash>
             <a:round/>
           </a:ln>
@@ -6298,7 +6198,7 @@
               </a:schemeClr>
             </a:solidFill>
             <a:custDash>
-              <a:ds d="1300000" sp="100000"/>
+              <a:ds d="1700000" sp="100000"/>
             </a:custDash>
             <a:round/>
           </a:ln>
@@ -6337,7 +6237,7 @@
               </a:schemeClr>
             </a:solidFill>
             <a:custDash>
-              <a:ds d="1300000" sp="100000"/>
+              <a:ds d="1700000" sp="100000"/>
             </a:custDash>
             <a:round/>
           </a:ln>
@@ -6364,7 +6264,7 @@
         <p:spPr>
           <a:xfrm>
             <a:off x="6189120" y="3845880"/>
-            <a:ext cx="1139400" cy="1139400"/>
+            <a:ext cx="1139040" cy="1139040"/>
           </a:xfrm>
           <a:prstGeom prst="rect">
             <a:avLst/>
@@ -6377,7 +6277,7 @@
               </a:schemeClr>
             </a:solidFill>
             <a:custDash>
-              <a:ds d="6400000" sp="100000"/>
+              <a:ds d="12400000" sp="100000"/>
             </a:custDash>
             <a:round/>
           </a:ln>
@@ -6418,7 +6318,7 @@
               </a:schemeClr>
             </a:solidFill>
             <a:custDash>
-              <a:ds d="1300000" sp="100000"/>
+              <a:ds d="1700000" sp="100000"/>
             </a:custDash>
             <a:round/>
           </a:ln>
@@ -6457,7 +6357,7 @@
               </a:schemeClr>
             </a:solidFill>
             <a:custDash>
-              <a:ds d="1300000" sp="100000"/>
+              <a:ds d="1700000" sp="100000"/>
             </a:custDash>
             <a:round/>
           </a:ln>
@@ -6484,7 +6384,7 @@
         <p:spPr>
           <a:xfrm>
             <a:off x="7516440" y="3845880"/>
-            <a:ext cx="1139400" cy="1139400"/>
+            <a:ext cx="1139040" cy="1139040"/>
           </a:xfrm>
           <a:prstGeom prst="rect">
             <a:avLst/>
@@ -6497,7 +6397,7 @@
               </a:schemeClr>
             </a:solidFill>
             <a:custDash>
-              <a:ds d="6400000" sp="100000"/>
+              <a:ds d="12400000" sp="100000"/>
             </a:custDash>
             <a:round/>
           </a:ln>
@@ -6538,7 +6438,7 @@
               </a:schemeClr>
             </a:solidFill>
             <a:custDash>
-              <a:ds d="1300000" sp="100000"/>
+              <a:ds d="1700000" sp="100000"/>
             </a:custDash>
             <a:round/>
           </a:ln>
@@ -6577,7 +6477,7 @@
               </a:schemeClr>
             </a:solidFill>
             <a:custDash>
-              <a:ds d="1300000" sp="100000"/>
+              <a:ds d="1700000" sp="100000"/>
             </a:custDash>
             <a:round/>
           </a:ln>
@@ -6604,7 +6504,7 @@
         <p:spPr>
           <a:xfrm>
             <a:off x="8843760" y="3845880"/>
-            <a:ext cx="1139400" cy="1139400"/>
+            <a:ext cx="1139040" cy="1139040"/>
           </a:xfrm>
           <a:prstGeom prst="rect">
             <a:avLst/>
@@ -6617,7 +6517,7 @@
               </a:schemeClr>
             </a:solidFill>
             <a:custDash>
-              <a:ds d="6400000" sp="100000"/>
+              <a:ds d="12400000" sp="100000"/>
             </a:custDash>
             <a:round/>
           </a:ln>
@@ -6658,7 +6558,7 @@
               </a:schemeClr>
             </a:solidFill>
             <a:custDash>
-              <a:ds d="1300000" sp="100000"/>
+              <a:ds d="1700000" sp="100000"/>
             </a:custDash>
             <a:round/>
           </a:ln>
@@ -6697,7 +6597,7 @@
               </a:schemeClr>
             </a:solidFill>
             <a:custDash>
-              <a:ds d="1300000" sp="100000"/>
+              <a:ds d="1700000" sp="100000"/>
             </a:custDash>
             <a:round/>
           </a:ln>
@@ -6723,8 +6623,8 @@
         </p:nvSpPr>
         <p:spPr>
           <a:xfrm rot="12600">
-            <a:off x="2241000" y="3684960"/>
-            <a:ext cx="8010000" cy="1286640"/>
+            <a:off x="2241000" y="3684600"/>
+            <a:ext cx="8009640" cy="1286280"/>
           </a:xfrm>
           <a:prstGeom prst="rect">
             <a:avLst/>
@@ -6749,7 +6649,7 @@
               </a:lnSpc>
             </a:pPr>
             <a:r>
-              <a:rPr b="1" lang="en-US" sz="8000" spc="2186" strike="noStrike">
+              <a:rPr b="1" lang="en-US" sz="8000" spc="2184" strike="noStrike">
                 <a:solidFill>
                   <a:srgbClr val="136083"/>
                 </a:solidFill>
@@ -6786,7 +6686,7 @@
         <p:spPr>
           <a:xfrm>
             <a:off x="4656600" y="5534640"/>
-            <a:ext cx="348480" cy="349920"/>
+            <a:ext cx="348120" cy="349560"/>
           </a:xfrm>
           <a:custGeom>
             <a:avLst/>
@@ -6974,7 +6874,7 @@
         <p:spPr>
           <a:xfrm>
             <a:off x="5106600" y="5551200"/>
-            <a:ext cx="1832040" cy="332280"/>
+            <a:ext cx="1831680" cy="331920"/>
           </a:xfrm>
           <a:prstGeom prst="rect">
             <a:avLst/>
@@ -7036,7 +6936,7 @@
         <p:spPr>
           <a:xfrm>
             <a:off x="4443840" y="1223280"/>
-            <a:ext cx="3302640" cy="1551240"/>
+            <a:ext cx="3302280" cy="1550880"/>
           </a:xfrm>
           <a:prstGeom prst="rect">
             <a:avLst/>
@@ -7098,7 +6998,7 @@
         <p:spPr>
           <a:xfrm>
             <a:off x="3805560" y="6123600"/>
-            <a:ext cx="3768840" cy="241200"/>
+            <a:ext cx="3768480" cy="240840"/>
           </a:xfrm>
           <a:prstGeom prst="rect">
             <a:avLst/>
@@ -7123,8 +7023,8 @@
         </p:nvSpPr>
         <p:spPr>
           <a:xfrm>
-            <a:off x="7675920" y="5875560"/>
-            <a:ext cx="3027240" cy="363600"/>
+            <a:off x="7416000" y="5875560"/>
+            <a:ext cx="3286800" cy="363240"/>
           </a:xfrm>
           <a:prstGeom prst="rect">
             <a:avLst/>
@@ -7148,6 +7048,21 @@
                 <a:spcPct val="100000"/>
               </a:lnSpc>
             </a:pPr>
+            <a:r>
+              <a:rPr b="0" lang="en-US" sz="1800" spc="-1" strike="noStrike">
+                <a:solidFill>
+                  <a:srgbClr val="000000"/>
+                </a:solidFill>
+                <a:uFill>
+                  <a:solidFill>
+                    <a:srgbClr val="ffffff"/>
+                  </a:solidFill>
+                </a:uFill>
+                <a:latin typeface="Arial"/>
+                <a:ea typeface="DejaVu Sans"/>
+              </a:rPr>
+              <a:t>入职时间：</a:t>
+            </a:r>
             <a:r>
               <a:rPr b="0" lang="en-US" sz="1800" spc="-1" strike="noStrike">
                 <a:solidFill>
@@ -7236,7 +7151,7 @@
                 <a:latin typeface="Arial"/>
                 <a:ea typeface="DejaVu Sans"/>
               </a:rPr>
-              <a:t>号入职社区</a:t>
+              <a:t>号</a:t>
             </a:r>
             <a:endParaRPr b="0" lang="en-US" sz="1800" spc="-1" strike="noStrike">
               <a:solidFill>
@@ -7306,14 +7221,14 @@
       </p:grpSpPr>
       <p:sp>
         <p:nvSpPr>
-          <p:cNvPr id="187" name="CustomShape 1"/>
+          <p:cNvPr id="201" name="CustomShape 1"/>
           <p:cNvSpPr/>
           <p:nvPr/>
         </p:nvSpPr>
         <p:spPr>
           <a:xfrm>
             <a:off x="0" y="205200"/>
-            <a:ext cx="12190320" cy="599040"/>
+            <a:ext cx="12189960" cy="598680"/>
           </a:xfrm>
           <a:prstGeom prst="rect">
             <a:avLst/>
@@ -7342,14 +7257,14 @@
       </p:sp>
       <p:sp>
         <p:nvSpPr>
-          <p:cNvPr id="188" name="CustomShape 2"/>
+          <p:cNvPr id="202" name="CustomShape 2"/>
           <p:cNvSpPr/>
           <p:nvPr/>
         </p:nvSpPr>
         <p:spPr>
           <a:xfrm flipH="1">
-            <a:off x="264960" y="806040"/>
-            <a:ext cx="310320" cy="87480"/>
+            <a:off x="264240" y="806040"/>
+            <a:ext cx="309960" cy="87120"/>
           </a:xfrm>
           <a:custGeom>
             <a:avLst/>
@@ -7401,14 +7316,14 @@
       </p:sp>
       <p:sp>
         <p:nvSpPr>
-          <p:cNvPr id="189" name="CustomShape 3"/>
+          <p:cNvPr id="203" name="CustomShape 3"/>
           <p:cNvSpPr/>
           <p:nvPr/>
         </p:nvSpPr>
         <p:spPr>
           <a:xfrm flipV="1">
             <a:off x="1457280" y="114120"/>
-            <a:ext cx="310320" cy="87480"/>
+            <a:ext cx="309960" cy="87120"/>
           </a:xfrm>
           <a:custGeom>
             <a:avLst/>
@@ -7460,14 +7375,14 @@
       </p:sp>
       <p:sp>
         <p:nvSpPr>
-          <p:cNvPr id="190" name="CustomShape 4"/>
+          <p:cNvPr id="204" name="CustomShape 4"/>
           <p:cNvSpPr/>
           <p:nvPr/>
         </p:nvSpPr>
         <p:spPr>
           <a:xfrm flipH="1">
-            <a:off x="311040" y="116280"/>
-            <a:ext cx="1401120" cy="777600"/>
+            <a:off x="310320" y="116280"/>
+            <a:ext cx="1400760" cy="777240"/>
           </a:xfrm>
           <a:prstGeom prst="parallelogram">
             <a:avLst>
@@ -7498,14 +7413,14 @@
       </p:sp>
       <p:sp>
         <p:nvSpPr>
-          <p:cNvPr id="191" name="CustomShape 5"/>
+          <p:cNvPr id="205" name="CustomShape 5"/>
           <p:cNvSpPr/>
           <p:nvPr/>
         </p:nvSpPr>
         <p:spPr>
           <a:xfrm>
             <a:off x="302040" y="244080"/>
-            <a:ext cx="1322280" cy="515520"/>
+            <a:ext cx="1321920" cy="515160"/>
           </a:xfrm>
           <a:prstGeom prst="rect">
             <a:avLst/>
@@ -7560,14 +7475,14 @@
       </p:sp>
       <p:sp>
         <p:nvSpPr>
-          <p:cNvPr id="192" name="CustomShape 6"/>
+          <p:cNvPr id="206" name="CustomShape 6"/>
           <p:cNvSpPr/>
           <p:nvPr/>
         </p:nvSpPr>
         <p:spPr>
           <a:xfrm>
             <a:off x="2021400" y="244080"/>
-            <a:ext cx="2499480" cy="514800"/>
+            <a:ext cx="2499120" cy="514440"/>
           </a:xfrm>
           <a:prstGeom prst="rect">
             <a:avLst/>
@@ -7592,7 +7507,7 @@
               </a:lnSpc>
             </a:pPr>
             <a:r>
-              <a:rPr b="0" lang="en-US" sz="2800" spc="287" strike="noStrike">
+              <a:rPr b="0" lang="en-US" sz="2800" spc="284" strike="noStrike">
                 <a:solidFill>
                   <a:srgbClr val="ffffff"/>
                 </a:solidFill>
@@ -7622,14 +7537,14 @@
       </p:sp>
       <p:sp>
         <p:nvSpPr>
-          <p:cNvPr id="193" name="CustomShape 7"/>
+          <p:cNvPr id="207" name="CustomShape 7"/>
           <p:cNvSpPr/>
           <p:nvPr/>
         </p:nvSpPr>
         <p:spPr>
           <a:xfrm>
             <a:off x="3240000" y="2088000"/>
-            <a:ext cx="4211640" cy="867960"/>
+            <a:ext cx="4211280" cy="867600"/>
           </a:xfrm>
           <a:custGeom>
             <a:avLst/>
@@ -7796,14 +7711,14 @@
       </p:sp>
       <p:sp>
         <p:nvSpPr>
-          <p:cNvPr id="194" name="CustomShape 8"/>
+          <p:cNvPr id="208" name="CustomShape 8"/>
           <p:cNvSpPr/>
           <p:nvPr/>
         </p:nvSpPr>
         <p:spPr>
           <a:xfrm>
             <a:off x="3312000" y="3384000"/>
-            <a:ext cx="4247640" cy="863640"/>
+            <a:ext cx="4247280" cy="863280"/>
           </a:xfrm>
           <a:prstGeom prst="rect">
             <a:avLst/>
@@ -7959,14 +7874,14 @@
       </p:grpSpPr>
       <p:sp>
         <p:nvSpPr>
-          <p:cNvPr id="195" name="CustomShape 1"/>
+          <p:cNvPr id="209" name="CustomShape 1"/>
           <p:cNvSpPr/>
           <p:nvPr/>
         </p:nvSpPr>
         <p:spPr>
           <a:xfrm>
             <a:off x="0" y="2462040"/>
-            <a:ext cx="12190320" cy="1893960"/>
+            <a:ext cx="12189960" cy="1893600"/>
           </a:xfrm>
           <a:prstGeom prst="rect">
             <a:avLst/>
@@ -7993,14 +7908,14 @@
       </p:sp>
       <p:sp>
         <p:nvSpPr>
-          <p:cNvPr id="196" name="CustomShape 2"/>
+          <p:cNvPr id="210" name="CustomShape 2"/>
           <p:cNvSpPr/>
           <p:nvPr/>
         </p:nvSpPr>
         <p:spPr>
           <a:xfrm>
             <a:off x="3714120" y="2202480"/>
-            <a:ext cx="256680" cy="257760"/>
+            <a:ext cx="256320" cy="257400"/>
           </a:xfrm>
           <a:custGeom>
             <a:avLst/>
@@ -8046,14 +7961,14 @@
       </p:sp>
       <p:sp>
         <p:nvSpPr>
-          <p:cNvPr id="197" name="CustomShape 3"/>
+          <p:cNvPr id="211" name="CustomShape 3"/>
           <p:cNvSpPr/>
           <p:nvPr/>
         </p:nvSpPr>
         <p:spPr>
           <a:xfrm flipV="1">
-            <a:off x="510120" y="4356000"/>
-            <a:ext cx="261720" cy="262800"/>
+            <a:off x="510120" y="4355280"/>
+            <a:ext cx="261360" cy="262440"/>
           </a:xfrm>
           <a:custGeom>
             <a:avLst/>
@@ -8099,14 +8014,14 @@
       </p:sp>
       <p:sp>
         <p:nvSpPr>
-          <p:cNvPr id="198" name="CustomShape 4"/>
+          <p:cNvPr id="212" name="CustomShape 4"/>
           <p:cNvSpPr/>
           <p:nvPr/>
         </p:nvSpPr>
         <p:spPr>
           <a:xfrm>
             <a:off x="639000" y="2203200"/>
-            <a:ext cx="3207600" cy="2411280"/>
+            <a:ext cx="3207240" cy="2410920"/>
           </a:xfrm>
           <a:prstGeom prst="parallelogram">
             <a:avLst>
@@ -8137,14 +8052,14 @@
       </p:sp>
       <p:sp>
         <p:nvSpPr>
-          <p:cNvPr id="199" name="CustomShape 5"/>
+          <p:cNvPr id="213" name="CustomShape 5"/>
           <p:cNvSpPr/>
           <p:nvPr/>
         </p:nvSpPr>
         <p:spPr>
           <a:xfrm>
             <a:off x="1487520" y="2531520"/>
-            <a:ext cx="1761120" cy="1714680"/>
+            <a:ext cx="1760760" cy="1714320"/>
           </a:xfrm>
           <a:prstGeom prst="rect">
             <a:avLst/>
@@ -8199,14 +8114,14 @@
       </p:sp>
       <p:sp>
         <p:nvSpPr>
-          <p:cNvPr id="200" name="CustomShape 6"/>
+          <p:cNvPr id="214" name="CustomShape 6"/>
           <p:cNvSpPr/>
           <p:nvPr/>
         </p:nvSpPr>
         <p:spPr>
           <a:xfrm>
             <a:off x="4446720" y="2890800"/>
-            <a:ext cx="6732000" cy="912600"/>
+            <a:ext cx="6731640" cy="912240"/>
           </a:xfrm>
           <a:prstGeom prst="rect">
             <a:avLst/>
@@ -8310,14 +8225,14 @@
       </p:grpSpPr>
       <p:sp>
         <p:nvSpPr>
-          <p:cNvPr id="201" name="CustomShape 1"/>
+          <p:cNvPr id="215" name="CustomShape 1"/>
           <p:cNvSpPr/>
           <p:nvPr/>
         </p:nvSpPr>
         <p:spPr>
           <a:xfrm>
             <a:off x="0" y="205200"/>
-            <a:ext cx="12190320" cy="599040"/>
+            <a:ext cx="12189960" cy="598680"/>
           </a:xfrm>
           <a:prstGeom prst="rect">
             <a:avLst/>
@@ -8346,14 +8261,14 @@
       </p:sp>
       <p:sp>
         <p:nvSpPr>
-          <p:cNvPr id="202" name="CustomShape 2"/>
+          <p:cNvPr id="216" name="CustomShape 2"/>
           <p:cNvSpPr/>
           <p:nvPr/>
         </p:nvSpPr>
         <p:spPr>
           <a:xfrm flipH="1">
-            <a:off x="264960" y="806040"/>
-            <a:ext cx="310320" cy="87480"/>
+            <a:off x="264240" y="806040"/>
+            <a:ext cx="309960" cy="87120"/>
           </a:xfrm>
           <a:custGeom>
             <a:avLst/>
@@ -8405,14 +8320,14 @@
       </p:sp>
       <p:sp>
         <p:nvSpPr>
-          <p:cNvPr id="203" name="CustomShape 3"/>
+          <p:cNvPr id="217" name="CustomShape 3"/>
           <p:cNvSpPr/>
           <p:nvPr/>
         </p:nvSpPr>
         <p:spPr>
           <a:xfrm flipV="1">
             <a:off x="1457280" y="114120"/>
-            <a:ext cx="310320" cy="87480"/>
+            <a:ext cx="309960" cy="87120"/>
           </a:xfrm>
           <a:custGeom>
             <a:avLst/>
@@ -8464,14 +8379,14 @@
       </p:sp>
       <p:sp>
         <p:nvSpPr>
-          <p:cNvPr id="204" name="CustomShape 4"/>
+          <p:cNvPr id="218" name="CustomShape 4"/>
           <p:cNvSpPr/>
           <p:nvPr/>
         </p:nvSpPr>
         <p:spPr>
           <a:xfrm flipH="1">
-            <a:off x="311040" y="116280"/>
-            <a:ext cx="1401120" cy="777600"/>
+            <a:off x="310320" y="116280"/>
+            <a:ext cx="1400760" cy="777240"/>
           </a:xfrm>
           <a:prstGeom prst="parallelogram">
             <a:avLst>
@@ -8502,14 +8417,14 @@
       </p:sp>
       <p:sp>
         <p:nvSpPr>
-          <p:cNvPr id="205" name="CustomShape 5"/>
+          <p:cNvPr id="219" name="CustomShape 5"/>
           <p:cNvSpPr/>
           <p:nvPr/>
         </p:nvSpPr>
         <p:spPr>
           <a:xfrm>
             <a:off x="302040" y="244080"/>
-            <a:ext cx="1322280" cy="515520"/>
+            <a:ext cx="1321920" cy="515160"/>
           </a:xfrm>
           <a:prstGeom prst="rect">
             <a:avLst/>
@@ -8564,14 +8479,14 @@
       </p:sp>
       <p:sp>
         <p:nvSpPr>
-          <p:cNvPr id="206" name="CustomShape 6"/>
+          <p:cNvPr id="220" name="CustomShape 6"/>
           <p:cNvSpPr/>
           <p:nvPr/>
         </p:nvSpPr>
         <p:spPr>
           <a:xfrm>
             <a:off x="2058840" y="244080"/>
-            <a:ext cx="1712880" cy="514800"/>
+            <a:ext cx="1712520" cy="514440"/>
           </a:xfrm>
           <a:prstGeom prst="rect">
             <a:avLst/>
@@ -8596,7 +8511,7 @@
               </a:lnSpc>
             </a:pPr>
             <a:r>
-              <a:rPr b="0" lang="en-US" sz="2800" spc="287" strike="noStrike">
+              <a:rPr b="0" lang="en-US" sz="2800" spc="284" strike="noStrike">
                 <a:solidFill>
                   <a:srgbClr val="ffffff"/>
                 </a:solidFill>
@@ -8626,14 +8541,14 @@
       </p:sp>
       <p:sp>
         <p:nvSpPr>
-          <p:cNvPr id="207" name="CustomShape 7"/>
+          <p:cNvPr id="221" name="CustomShape 7"/>
           <p:cNvSpPr/>
           <p:nvPr/>
         </p:nvSpPr>
         <p:spPr>
           <a:xfrm>
             <a:off x="3147840" y="1794960"/>
-            <a:ext cx="4555080" cy="867960"/>
+            <a:ext cx="4554720" cy="867600"/>
           </a:xfrm>
           <a:custGeom>
             <a:avLst/>
@@ -8800,14 +8715,14 @@
       </p:sp>
       <p:sp>
         <p:nvSpPr>
-          <p:cNvPr id="208" name="CustomShape 8"/>
+          <p:cNvPr id="222" name="CustomShape 8"/>
           <p:cNvSpPr/>
           <p:nvPr/>
         </p:nvSpPr>
         <p:spPr>
           <a:xfrm>
             <a:off x="3166560" y="3312000"/>
-            <a:ext cx="4536360" cy="867960"/>
+            <a:ext cx="4536000" cy="867600"/>
           </a:xfrm>
           <a:custGeom>
             <a:avLst/>
@@ -8974,14 +8889,14 @@
       </p:sp>
       <p:sp>
         <p:nvSpPr>
-          <p:cNvPr id="209" name="CustomShape 9"/>
+          <p:cNvPr id="223" name="CustomShape 9"/>
           <p:cNvSpPr/>
           <p:nvPr/>
         </p:nvSpPr>
         <p:spPr>
           <a:xfrm>
             <a:off x="2751840" y="1844280"/>
-            <a:ext cx="726120" cy="726120"/>
+            <a:ext cx="725760" cy="725760"/>
           </a:xfrm>
           <a:prstGeom prst="ellipse">
             <a:avLst/>
@@ -9038,14 +8953,14 @@
       </p:sp>
       <p:sp>
         <p:nvSpPr>
-          <p:cNvPr id="210" name="CustomShape 10"/>
+          <p:cNvPr id="224" name="CustomShape 10"/>
           <p:cNvSpPr/>
           <p:nvPr/>
         </p:nvSpPr>
         <p:spPr>
           <a:xfrm>
             <a:off x="2770560" y="3403080"/>
-            <a:ext cx="726120" cy="726120"/>
+            <a:ext cx="725760" cy="725760"/>
           </a:xfrm>
           <a:prstGeom prst="ellipse">
             <a:avLst/>
@@ -9102,14 +9017,14 @@
       </p:sp>
       <p:sp>
         <p:nvSpPr>
-          <p:cNvPr id="211" name="CustomShape 11"/>
+          <p:cNvPr id="225" name="CustomShape 11"/>
           <p:cNvSpPr/>
           <p:nvPr/>
         </p:nvSpPr>
         <p:spPr>
           <a:xfrm>
             <a:off x="3238560" y="4824000"/>
-            <a:ext cx="4464360" cy="867960"/>
+            <a:ext cx="4464000" cy="867600"/>
           </a:xfrm>
           <a:custGeom>
             <a:avLst/>
@@ -9276,14 +9191,14 @@
       </p:sp>
       <p:sp>
         <p:nvSpPr>
-          <p:cNvPr id="212" name="CustomShape 12"/>
+          <p:cNvPr id="226" name="CustomShape 12"/>
           <p:cNvSpPr/>
           <p:nvPr/>
         </p:nvSpPr>
         <p:spPr>
           <a:xfrm>
             <a:off x="2770920" y="3403440"/>
-            <a:ext cx="726120" cy="726120"/>
+            <a:ext cx="725760" cy="725760"/>
           </a:xfrm>
           <a:prstGeom prst="ellipse">
             <a:avLst/>
@@ -9340,14 +9255,14 @@
       </p:sp>
       <p:sp>
         <p:nvSpPr>
-          <p:cNvPr id="213" name="CustomShape 13"/>
+          <p:cNvPr id="227" name="CustomShape 13"/>
           <p:cNvSpPr/>
           <p:nvPr/>
         </p:nvSpPr>
         <p:spPr>
           <a:xfrm>
             <a:off x="2770920" y="3403440"/>
-            <a:ext cx="726120" cy="726120"/>
+            <a:ext cx="725760" cy="725760"/>
           </a:xfrm>
           <a:prstGeom prst="ellipse">
             <a:avLst/>
@@ -9404,14 +9319,14 @@
       </p:sp>
       <p:sp>
         <p:nvSpPr>
-          <p:cNvPr id="214" name="CustomShape 14"/>
+          <p:cNvPr id="228" name="CustomShape 14"/>
           <p:cNvSpPr/>
           <p:nvPr/>
         </p:nvSpPr>
         <p:spPr>
           <a:xfrm>
             <a:off x="2808000" y="4888800"/>
-            <a:ext cx="726120" cy="726120"/>
+            <a:ext cx="725760" cy="725760"/>
           </a:xfrm>
           <a:prstGeom prst="ellipse">
             <a:avLst/>
@@ -9517,14 +9432,14 @@
       </p:grpSpPr>
       <p:sp>
         <p:nvSpPr>
-          <p:cNvPr id="215" name="CustomShape 1"/>
+          <p:cNvPr id="229" name="CustomShape 1"/>
           <p:cNvSpPr/>
           <p:nvPr/>
         </p:nvSpPr>
         <p:spPr>
           <a:xfrm>
             <a:off x="0" y="205200"/>
-            <a:ext cx="12190320" cy="599040"/>
+            <a:ext cx="12189960" cy="598680"/>
           </a:xfrm>
           <a:prstGeom prst="rect">
             <a:avLst/>
@@ -9553,14 +9468,14 @@
       </p:sp>
       <p:sp>
         <p:nvSpPr>
-          <p:cNvPr id="216" name="CustomShape 2"/>
+          <p:cNvPr id="230" name="CustomShape 2"/>
           <p:cNvSpPr/>
           <p:nvPr/>
         </p:nvSpPr>
         <p:spPr>
           <a:xfrm flipH="1">
-            <a:off x="264960" y="806040"/>
-            <a:ext cx="310320" cy="87480"/>
+            <a:off x="264240" y="806040"/>
+            <a:ext cx="309960" cy="87120"/>
           </a:xfrm>
           <a:custGeom>
             <a:avLst/>
@@ -9612,14 +9527,14 @@
       </p:sp>
       <p:sp>
         <p:nvSpPr>
-          <p:cNvPr id="217" name="CustomShape 3"/>
+          <p:cNvPr id="231" name="CustomShape 3"/>
           <p:cNvSpPr/>
           <p:nvPr/>
         </p:nvSpPr>
         <p:spPr>
           <a:xfrm flipV="1">
             <a:off x="1457280" y="114120"/>
-            <a:ext cx="310320" cy="87480"/>
+            <a:ext cx="309960" cy="87120"/>
           </a:xfrm>
           <a:custGeom>
             <a:avLst/>
@@ -9671,14 +9586,14 @@
       </p:sp>
       <p:sp>
         <p:nvSpPr>
-          <p:cNvPr id="218" name="CustomShape 4"/>
+          <p:cNvPr id="232" name="CustomShape 4"/>
           <p:cNvSpPr/>
           <p:nvPr/>
         </p:nvSpPr>
         <p:spPr>
           <a:xfrm flipH="1">
-            <a:off x="311040" y="116280"/>
-            <a:ext cx="1401120" cy="777600"/>
+            <a:off x="310320" y="116280"/>
+            <a:ext cx="1400760" cy="777240"/>
           </a:xfrm>
           <a:prstGeom prst="parallelogram">
             <a:avLst>
@@ -9709,14 +9624,14 @@
       </p:sp>
       <p:sp>
         <p:nvSpPr>
-          <p:cNvPr id="219" name="CustomShape 5"/>
+          <p:cNvPr id="233" name="CustomShape 5"/>
           <p:cNvSpPr/>
           <p:nvPr/>
         </p:nvSpPr>
         <p:spPr>
           <a:xfrm>
             <a:off x="302040" y="244080"/>
-            <a:ext cx="1322280" cy="515520"/>
+            <a:ext cx="1321920" cy="515160"/>
           </a:xfrm>
           <a:prstGeom prst="rect">
             <a:avLst/>
@@ -9771,14 +9686,14 @@
       </p:sp>
       <p:sp>
         <p:nvSpPr>
-          <p:cNvPr id="220" name="CustomShape 6"/>
+          <p:cNvPr id="234" name="CustomShape 6"/>
           <p:cNvSpPr/>
           <p:nvPr/>
         </p:nvSpPr>
         <p:spPr>
           <a:xfrm>
             <a:off x="2058840" y="244080"/>
-            <a:ext cx="1712880" cy="514800"/>
+            <a:ext cx="1712520" cy="514440"/>
           </a:xfrm>
           <a:prstGeom prst="rect">
             <a:avLst/>
@@ -9803,7 +9718,7 @@
               </a:lnSpc>
             </a:pPr>
             <a:r>
-              <a:rPr b="0" lang="en-US" sz="2800" spc="287" strike="noStrike">
+              <a:rPr b="0" lang="en-US" sz="2800" spc="284" strike="noStrike">
                 <a:solidFill>
                   <a:srgbClr val="ffffff"/>
                 </a:solidFill>
@@ -9833,14 +9748,14 @@
       </p:sp>
       <p:sp>
         <p:nvSpPr>
-          <p:cNvPr id="221" name="CustomShape 7"/>
+          <p:cNvPr id="235" name="CustomShape 7"/>
           <p:cNvSpPr/>
           <p:nvPr/>
         </p:nvSpPr>
         <p:spPr>
           <a:xfrm>
             <a:off x="1527840" y="1794960"/>
-            <a:ext cx="3763080" cy="867960"/>
+            <a:ext cx="3762720" cy="867600"/>
           </a:xfrm>
           <a:custGeom>
             <a:avLst/>
@@ -10007,14 +9922,14 @@
       </p:sp>
       <p:sp>
         <p:nvSpPr>
-          <p:cNvPr id="222" name="CustomShape 8"/>
+          <p:cNvPr id="236" name="CustomShape 8"/>
           <p:cNvSpPr/>
           <p:nvPr/>
         </p:nvSpPr>
         <p:spPr>
           <a:xfrm>
             <a:off x="1546560" y="3312000"/>
-            <a:ext cx="3816360" cy="867960"/>
+            <a:ext cx="3816000" cy="867600"/>
           </a:xfrm>
           <a:custGeom>
             <a:avLst/>
@@ -10181,14 +10096,14 @@
       </p:sp>
       <p:sp>
         <p:nvSpPr>
-          <p:cNvPr id="223" name="CustomShape 9"/>
+          <p:cNvPr id="237" name="CustomShape 9"/>
           <p:cNvSpPr/>
           <p:nvPr/>
         </p:nvSpPr>
         <p:spPr>
           <a:xfrm>
             <a:off x="1131840" y="1844280"/>
-            <a:ext cx="726120" cy="726120"/>
+            <a:ext cx="725760" cy="725760"/>
           </a:xfrm>
           <a:prstGeom prst="ellipse">
             <a:avLst/>
@@ -10245,14 +10160,14 @@
       </p:sp>
       <p:sp>
         <p:nvSpPr>
-          <p:cNvPr id="224" name="CustomShape 10"/>
+          <p:cNvPr id="238" name="CustomShape 10"/>
           <p:cNvSpPr/>
           <p:nvPr/>
         </p:nvSpPr>
         <p:spPr>
           <a:xfrm>
             <a:off x="1150560" y="3403080"/>
-            <a:ext cx="726120" cy="726120"/>
+            <a:ext cx="725760" cy="725760"/>
           </a:xfrm>
           <a:prstGeom prst="ellipse">
             <a:avLst/>
@@ -10309,14 +10224,14 @@
       </p:sp>
       <p:sp>
         <p:nvSpPr>
-          <p:cNvPr id="225" name="CustomShape 11"/>
+          <p:cNvPr id="239" name="CustomShape 11"/>
           <p:cNvSpPr/>
           <p:nvPr/>
         </p:nvSpPr>
         <p:spPr>
           <a:xfrm>
             <a:off x="1618560" y="4824000"/>
-            <a:ext cx="3816360" cy="867960"/>
+            <a:ext cx="3816000" cy="867600"/>
           </a:xfrm>
           <a:custGeom>
             <a:avLst/>
@@ -10483,14 +10398,14 @@
       </p:sp>
       <p:sp>
         <p:nvSpPr>
-          <p:cNvPr id="226" name="CustomShape 12"/>
+          <p:cNvPr id="240" name="CustomShape 12"/>
           <p:cNvSpPr/>
           <p:nvPr/>
         </p:nvSpPr>
         <p:spPr>
           <a:xfrm>
             <a:off x="1150920" y="3403440"/>
-            <a:ext cx="726120" cy="726120"/>
+            <a:ext cx="725760" cy="725760"/>
           </a:xfrm>
           <a:prstGeom prst="ellipse">
             <a:avLst/>
@@ -10547,14 +10462,14 @@
       </p:sp>
       <p:sp>
         <p:nvSpPr>
-          <p:cNvPr id="227" name="CustomShape 13"/>
+          <p:cNvPr id="241" name="CustomShape 13"/>
           <p:cNvSpPr/>
           <p:nvPr/>
         </p:nvSpPr>
         <p:spPr>
           <a:xfrm>
             <a:off x="1150920" y="3403440"/>
-            <a:ext cx="726120" cy="726120"/>
+            <a:ext cx="725760" cy="725760"/>
           </a:xfrm>
           <a:prstGeom prst="ellipse">
             <a:avLst/>
@@ -10611,14 +10526,14 @@
       </p:sp>
       <p:sp>
         <p:nvSpPr>
-          <p:cNvPr id="228" name="CustomShape 14"/>
+          <p:cNvPr id="242" name="CustomShape 14"/>
           <p:cNvSpPr/>
           <p:nvPr/>
         </p:nvSpPr>
         <p:spPr>
           <a:xfrm>
             <a:off x="1188000" y="4888800"/>
-            <a:ext cx="726120" cy="726120"/>
+            <a:ext cx="725760" cy="725760"/>
           </a:xfrm>
           <a:prstGeom prst="ellipse">
             <a:avLst/>
@@ -10675,14 +10590,14 @@
       </p:sp>
       <p:sp>
         <p:nvSpPr>
-          <p:cNvPr id="229" name="CustomShape 15"/>
+          <p:cNvPr id="243" name="CustomShape 15"/>
           <p:cNvSpPr/>
           <p:nvPr/>
         </p:nvSpPr>
         <p:spPr>
           <a:xfrm>
             <a:off x="5652000" y="3456000"/>
-            <a:ext cx="1510920" cy="646920"/>
+            <a:ext cx="1510560" cy="646560"/>
           </a:xfrm>
           <a:custGeom>
             <a:avLst/>
@@ -10772,14 +10687,14 @@
       </p:sp>
       <p:sp>
         <p:nvSpPr>
-          <p:cNvPr id="230" name="CustomShape 16"/>
+          <p:cNvPr id="244" name="CustomShape 16"/>
           <p:cNvSpPr/>
           <p:nvPr/>
         </p:nvSpPr>
         <p:spPr>
           <a:xfrm>
             <a:off x="7560000" y="1872000"/>
-            <a:ext cx="574920" cy="574920"/>
+            <a:ext cx="574560" cy="574560"/>
           </a:xfrm>
           <a:prstGeom prst="rect">
             <a:avLst/>
@@ -10838,14 +10753,14 @@
       </p:sp>
       <p:sp>
         <p:nvSpPr>
-          <p:cNvPr id="231" name="CustomShape 17"/>
+          <p:cNvPr id="245" name="CustomShape 17"/>
           <p:cNvSpPr/>
           <p:nvPr/>
         </p:nvSpPr>
         <p:spPr>
           <a:xfrm>
             <a:off x="8273880" y="1800000"/>
-            <a:ext cx="2237040" cy="680400"/>
+            <a:ext cx="2236680" cy="680040"/>
           </a:xfrm>
           <a:prstGeom prst="rect">
             <a:avLst/>
@@ -10923,14 +10838,14 @@
       </p:sp>
       <p:sp>
         <p:nvSpPr>
-          <p:cNvPr id="232" name="CustomShape 18"/>
+          <p:cNvPr id="246" name="CustomShape 18"/>
           <p:cNvSpPr/>
           <p:nvPr/>
         </p:nvSpPr>
         <p:spPr>
           <a:xfrm>
             <a:off x="7560000" y="3456000"/>
-            <a:ext cx="574920" cy="574920"/>
+            <a:ext cx="574560" cy="574560"/>
           </a:xfrm>
           <a:prstGeom prst="rect">
             <a:avLst/>
@@ -10989,14 +10904,14 @@
       </p:sp>
       <p:sp>
         <p:nvSpPr>
-          <p:cNvPr id="233" name="CustomShape 19"/>
+          <p:cNvPr id="247" name="CustomShape 19"/>
           <p:cNvSpPr/>
           <p:nvPr/>
         </p:nvSpPr>
         <p:spPr>
           <a:xfrm>
             <a:off x="8136000" y="3422520"/>
-            <a:ext cx="3608640" cy="680400"/>
+            <a:ext cx="3608280" cy="680040"/>
           </a:xfrm>
           <a:prstGeom prst="rect">
             <a:avLst/>
@@ -11074,14 +10989,14 @@
       </p:sp>
       <p:sp>
         <p:nvSpPr>
-          <p:cNvPr id="234" name="CustomShape 20"/>
+          <p:cNvPr id="248" name="CustomShape 20"/>
           <p:cNvSpPr/>
           <p:nvPr/>
         </p:nvSpPr>
         <p:spPr>
           <a:xfrm>
             <a:off x="7596000" y="4968000"/>
-            <a:ext cx="574920" cy="574920"/>
+            <a:ext cx="574560" cy="574560"/>
           </a:xfrm>
           <a:prstGeom prst="rect">
             <a:avLst/>
@@ -11140,14 +11055,14 @@
       </p:sp>
       <p:sp>
         <p:nvSpPr>
-          <p:cNvPr id="235" name="CustomShape 21"/>
+          <p:cNvPr id="249" name="CustomShape 21"/>
           <p:cNvSpPr/>
           <p:nvPr/>
         </p:nvSpPr>
         <p:spPr>
           <a:xfrm>
             <a:off x="8174880" y="4896000"/>
-            <a:ext cx="3608640" cy="680400"/>
+            <a:ext cx="3608280" cy="680040"/>
           </a:xfrm>
           <a:prstGeom prst="rect">
             <a:avLst/>
@@ -11274,14 +11189,14 @@
       </p:grpSpPr>
       <p:sp>
         <p:nvSpPr>
-          <p:cNvPr id="236" name="CustomShape 1"/>
+          <p:cNvPr id="250" name="CustomShape 1"/>
           <p:cNvSpPr/>
           <p:nvPr/>
         </p:nvSpPr>
         <p:spPr>
           <a:xfrm>
             <a:off x="0" y="2462040"/>
-            <a:ext cx="12190320" cy="1893960"/>
+            <a:ext cx="12189960" cy="1893600"/>
           </a:xfrm>
           <a:prstGeom prst="rect">
             <a:avLst/>
@@ -11308,14 +11223,14 @@
       </p:sp>
       <p:sp>
         <p:nvSpPr>
-          <p:cNvPr id="237" name="CustomShape 2"/>
+          <p:cNvPr id="251" name="CustomShape 2"/>
           <p:cNvSpPr/>
           <p:nvPr/>
         </p:nvSpPr>
         <p:spPr>
           <a:xfrm>
             <a:off x="3714120" y="2202480"/>
-            <a:ext cx="256680" cy="257760"/>
+            <a:ext cx="256320" cy="257400"/>
           </a:xfrm>
           <a:custGeom>
             <a:avLst/>
@@ -11361,14 +11276,14 @@
       </p:sp>
       <p:sp>
         <p:nvSpPr>
-          <p:cNvPr id="238" name="CustomShape 3"/>
+          <p:cNvPr id="252" name="CustomShape 3"/>
           <p:cNvSpPr/>
           <p:nvPr/>
         </p:nvSpPr>
         <p:spPr>
           <a:xfrm flipV="1">
-            <a:off x="510120" y="4356000"/>
-            <a:ext cx="261720" cy="262800"/>
+            <a:off x="510120" y="4355280"/>
+            <a:ext cx="261360" cy="262440"/>
           </a:xfrm>
           <a:custGeom>
             <a:avLst/>
@@ -11414,14 +11329,14 @@
       </p:sp>
       <p:sp>
         <p:nvSpPr>
-          <p:cNvPr id="239" name="CustomShape 4"/>
+          <p:cNvPr id="253" name="CustomShape 4"/>
           <p:cNvSpPr/>
           <p:nvPr/>
         </p:nvSpPr>
         <p:spPr>
           <a:xfrm>
             <a:off x="639000" y="2203200"/>
-            <a:ext cx="3207600" cy="2411280"/>
+            <a:ext cx="3207240" cy="2410920"/>
           </a:xfrm>
           <a:prstGeom prst="parallelogram">
             <a:avLst>
@@ -11452,14 +11367,14 @@
       </p:sp>
       <p:sp>
         <p:nvSpPr>
-          <p:cNvPr id="240" name="CustomShape 5"/>
+          <p:cNvPr id="254" name="CustomShape 5"/>
           <p:cNvSpPr/>
           <p:nvPr/>
         </p:nvSpPr>
         <p:spPr>
           <a:xfrm>
             <a:off x="1487520" y="2531520"/>
-            <a:ext cx="1761120" cy="1714680"/>
+            <a:ext cx="1760760" cy="1714320"/>
           </a:xfrm>
           <a:prstGeom prst="rect">
             <a:avLst/>
@@ -11514,14 +11429,14 @@
       </p:sp>
       <p:sp>
         <p:nvSpPr>
-          <p:cNvPr id="241" name="CustomShape 6"/>
+          <p:cNvPr id="255" name="CustomShape 6"/>
           <p:cNvSpPr/>
           <p:nvPr/>
         </p:nvSpPr>
         <p:spPr>
           <a:xfrm>
             <a:off x="4446720" y="2766960"/>
-            <a:ext cx="6732000" cy="912600"/>
+            <a:ext cx="6731640" cy="912240"/>
           </a:xfrm>
           <a:prstGeom prst="rect">
             <a:avLst/>
@@ -11576,14 +11491,14 @@
       </p:sp>
       <p:sp>
         <p:nvSpPr>
-          <p:cNvPr id="242" name="CustomShape 7"/>
+          <p:cNvPr id="256" name="CustomShape 7"/>
           <p:cNvSpPr/>
           <p:nvPr/>
         </p:nvSpPr>
         <p:spPr>
           <a:xfrm>
             <a:off x="4446720" y="3692880"/>
-            <a:ext cx="4099320" cy="456120"/>
+            <a:ext cx="4098960" cy="455760"/>
           </a:xfrm>
           <a:prstGeom prst="rect">
             <a:avLst/>
@@ -11651,14 +11566,14 @@
       </p:grpSpPr>
       <p:sp>
         <p:nvSpPr>
-          <p:cNvPr id="243" name="CustomShape 1"/>
+          <p:cNvPr id="257" name="CustomShape 1"/>
           <p:cNvSpPr/>
           <p:nvPr/>
         </p:nvSpPr>
         <p:spPr>
           <a:xfrm>
             <a:off x="0" y="205200"/>
-            <a:ext cx="12190320" cy="599040"/>
+            <a:ext cx="12189960" cy="598680"/>
           </a:xfrm>
           <a:prstGeom prst="rect">
             <a:avLst/>
@@ -11687,14 +11602,14 @@
       </p:sp>
       <p:sp>
         <p:nvSpPr>
-          <p:cNvPr id="244" name="CustomShape 2"/>
+          <p:cNvPr id="258" name="CustomShape 2"/>
           <p:cNvSpPr/>
           <p:nvPr/>
         </p:nvSpPr>
         <p:spPr>
           <a:xfrm flipH="1">
-            <a:off x="264960" y="806040"/>
-            <a:ext cx="310320" cy="87480"/>
+            <a:off x="264240" y="806040"/>
+            <a:ext cx="309960" cy="87120"/>
           </a:xfrm>
           <a:custGeom>
             <a:avLst/>
@@ -11746,14 +11661,14 @@
       </p:sp>
       <p:sp>
         <p:nvSpPr>
-          <p:cNvPr id="245" name="CustomShape 3"/>
+          <p:cNvPr id="259" name="CustomShape 3"/>
           <p:cNvSpPr/>
           <p:nvPr/>
         </p:nvSpPr>
         <p:spPr>
           <a:xfrm flipV="1">
             <a:off x="1457280" y="114120"/>
-            <a:ext cx="310320" cy="87480"/>
+            <a:ext cx="309960" cy="87120"/>
           </a:xfrm>
           <a:custGeom>
             <a:avLst/>
@@ -11805,14 +11720,14 @@
       </p:sp>
       <p:sp>
         <p:nvSpPr>
-          <p:cNvPr id="246" name="CustomShape 4"/>
+          <p:cNvPr id="260" name="CustomShape 4"/>
           <p:cNvSpPr/>
           <p:nvPr/>
         </p:nvSpPr>
         <p:spPr>
           <a:xfrm flipH="1">
-            <a:off x="311040" y="116280"/>
-            <a:ext cx="1401120" cy="777600"/>
+            <a:off x="310320" y="116280"/>
+            <a:ext cx="1400760" cy="777240"/>
           </a:xfrm>
           <a:prstGeom prst="parallelogram">
             <a:avLst>
@@ -11843,14 +11758,14 @@
       </p:sp>
       <p:sp>
         <p:nvSpPr>
-          <p:cNvPr id="247" name="CustomShape 5"/>
+          <p:cNvPr id="261" name="CustomShape 5"/>
           <p:cNvSpPr/>
           <p:nvPr/>
         </p:nvSpPr>
         <p:spPr>
           <a:xfrm>
             <a:off x="302040" y="244080"/>
-            <a:ext cx="1322280" cy="515520"/>
+            <a:ext cx="1321920" cy="515160"/>
           </a:xfrm>
           <a:prstGeom prst="rect">
             <a:avLst/>
@@ -11905,14 +11820,14 @@
       </p:sp>
       <p:sp>
         <p:nvSpPr>
-          <p:cNvPr id="248" name="CustomShape 6"/>
+          <p:cNvPr id="262" name="CustomShape 6"/>
           <p:cNvSpPr/>
           <p:nvPr/>
         </p:nvSpPr>
         <p:spPr>
           <a:xfrm>
             <a:off x="2021400" y="244080"/>
-            <a:ext cx="2499480" cy="514800"/>
+            <a:ext cx="2499120" cy="514440"/>
           </a:xfrm>
           <a:prstGeom prst="rect">
             <a:avLst/>
@@ -11937,7 +11852,7 @@
               </a:lnSpc>
             </a:pPr>
             <a:r>
-              <a:rPr b="0" lang="en-US" sz="2800" spc="287" strike="noStrike">
+              <a:rPr b="0" lang="en-US" sz="2800" spc="284" strike="noStrike">
                 <a:solidFill>
                   <a:srgbClr val="ffffff"/>
                 </a:solidFill>
@@ -11967,14 +11882,14 @@
       </p:sp>
       <p:sp>
         <p:nvSpPr>
-          <p:cNvPr id="249" name="CustomShape 7"/>
+          <p:cNvPr id="263" name="CustomShape 7"/>
           <p:cNvSpPr/>
           <p:nvPr/>
         </p:nvSpPr>
         <p:spPr>
           <a:xfrm>
             <a:off x="5044320" y="3888000"/>
-            <a:ext cx="1434600" cy="1438200"/>
+            <a:ext cx="1434240" cy="1437840"/>
           </a:xfrm>
           <a:prstGeom prst="ellipse">
             <a:avLst/>
@@ -12031,14 +11946,14 @@
       </p:sp>
       <p:sp>
         <p:nvSpPr>
-          <p:cNvPr id="250" name="CustomShape 8"/>
+          <p:cNvPr id="264" name="CustomShape 8"/>
           <p:cNvSpPr/>
           <p:nvPr/>
         </p:nvSpPr>
         <p:spPr>
           <a:xfrm>
             <a:off x="7087320" y="2520720"/>
-            <a:ext cx="1436400" cy="1438200"/>
+            <a:ext cx="1436040" cy="1437840"/>
           </a:xfrm>
           <a:prstGeom prst="ellipse">
             <a:avLst/>
@@ -12095,14 +12010,14 @@
       </p:sp>
       <p:sp>
         <p:nvSpPr>
-          <p:cNvPr id="251" name="CustomShape 9"/>
+          <p:cNvPr id="265" name="CustomShape 9"/>
           <p:cNvSpPr/>
           <p:nvPr/>
         </p:nvSpPr>
         <p:spPr>
           <a:xfrm>
             <a:off x="9362520" y="1152000"/>
-            <a:ext cx="1436400" cy="1438200"/>
+            <a:ext cx="1436040" cy="1437840"/>
           </a:xfrm>
           <a:prstGeom prst="ellipse">
             <a:avLst/>
@@ -12189,14 +12104,14 @@
       </p:sp>
       <p:sp>
         <p:nvSpPr>
-          <p:cNvPr id="252" name="CustomShape 10"/>
+          <p:cNvPr id="266" name="CustomShape 10"/>
           <p:cNvSpPr/>
           <p:nvPr/>
         </p:nvSpPr>
         <p:spPr>
           <a:xfrm>
             <a:off x="4608000" y="2709000"/>
-            <a:ext cx="6582600" cy="4019760"/>
+            <a:ext cx="6582240" cy="4019400"/>
           </a:xfrm>
           <a:custGeom>
             <a:avLst/>
@@ -12297,14 +12212,14 @@
       </p:sp>
       <p:sp>
         <p:nvSpPr>
-          <p:cNvPr id="253" name="CustomShape 11"/>
+          <p:cNvPr id="267" name="CustomShape 11"/>
           <p:cNvSpPr/>
           <p:nvPr/>
         </p:nvSpPr>
         <p:spPr>
           <a:xfrm>
             <a:off x="7592760" y="1645560"/>
-            <a:ext cx="1035720" cy="698760"/>
+            <a:ext cx="1035360" cy="698400"/>
           </a:xfrm>
           <a:prstGeom prst="rect">
             <a:avLst/>
@@ -12323,14 +12238,14 @@
       </p:sp>
       <p:sp>
         <p:nvSpPr>
-          <p:cNvPr id="254" name="CustomShape 12"/>
+          <p:cNvPr id="268" name="CustomShape 12"/>
           <p:cNvSpPr/>
           <p:nvPr/>
         </p:nvSpPr>
         <p:spPr>
           <a:xfrm>
             <a:off x="5690880" y="3061440"/>
-            <a:ext cx="1012680" cy="698760"/>
+            <a:ext cx="1012320" cy="698400"/>
           </a:xfrm>
           <a:prstGeom prst="rect">
             <a:avLst/>
@@ -12349,14 +12264,14 @@
       </p:sp>
       <p:sp>
         <p:nvSpPr>
-          <p:cNvPr id="255" name="CustomShape 13"/>
+          <p:cNvPr id="269" name="CustomShape 13"/>
           <p:cNvSpPr/>
           <p:nvPr/>
         </p:nvSpPr>
         <p:spPr>
           <a:xfrm>
             <a:off x="3579840" y="4448160"/>
-            <a:ext cx="1224000" cy="698760"/>
+            <a:ext cx="1223640" cy="698400"/>
           </a:xfrm>
           <a:prstGeom prst="rect">
             <a:avLst/>
@@ -12375,14 +12290,14 @@
       </p:sp>
       <p:sp>
         <p:nvSpPr>
-          <p:cNvPr id="256" name="CustomShape 14"/>
+          <p:cNvPr id="270" name="CustomShape 14"/>
           <p:cNvSpPr/>
           <p:nvPr/>
         </p:nvSpPr>
         <p:spPr>
           <a:xfrm>
             <a:off x="5184000" y="5832000"/>
-            <a:ext cx="1197720" cy="393840"/>
+            <a:ext cx="1197360" cy="393480"/>
           </a:xfrm>
           <a:prstGeom prst="rect">
             <a:avLst/>
@@ -12437,14 +12352,14 @@
       </p:sp>
       <p:sp>
         <p:nvSpPr>
-          <p:cNvPr id="257" name="CustomShape 15"/>
+          <p:cNvPr id="271" name="CustomShape 15"/>
           <p:cNvSpPr/>
           <p:nvPr/>
         </p:nvSpPr>
         <p:spPr>
           <a:xfrm>
             <a:off x="7344000" y="4464000"/>
-            <a:ext cx="1197720" cy="393840"/>
+            <a:ext cx="1197360" cy="393480"/>
           </a:xfrm>
           <a:prstGeom prst="rect">
             <a:avLst/>
@@ -12499,14 +12414,14 @@
       </p:sp>
       <p:sp>
         <p:nvSpPr>
-          <p:cNvPr id="258" name="CustomShape 16"/>
+          <p:cNvPr id="272" name="CustomShape 16"/>
           <p:cNvSpPr/>
           <p:nvPr/>
         </p:nvSpPr>
         <p:spPr>
           <a:xfrm>
             <a:off x="9576000" y="3096000"/>
-            <a:ext cx="1197720" cy="393840"/>
+            <a:ext cx="1197360" cy="393480"/>
           </a:xfrm>
           <a:prstGeom prst="rect">
             <a:avLst/>
@@ -12561,14 +12476,14 @@
       </p:sp>
       <p:sp>
         <p:nvSpPr>
-          <p:cNvPr id="259" name="CustomShape 17"/>
+          <p:cNvPr id="273" name="CustomShape 17"/>
           <p:cNvSpPr/>
           <p:nvPr/>
         </p:nvSpPr>
         <p:spPr>
           <a:xfrm>
             <a:off x="3191040" y="2709000"/>
-            <a:ext cx="3998160" cy="514800"/>
+            <a:ext cx="3997800" cy="514440"/>
           </a:xfrm>
           <a:prstGeom prst="rect">
             <a:avLst/>
@@ -12587,7 +12502,7 @@
       </p:sp>
       <p:sp>
         <p:nvSpPr>
-          <p:cNvPr id="260" name="Line 18"/>
+          <p:cNvPr id="274" name="Line 18"/>
           <p:cNvSpPr/>
           <p:nvPr/>
         </p:nvSpPr>
@@ -12617,7 +12532,7 @@
       </p:sp>
       <p:sp>
         <p:nvSpPr>
-          <p:cNvPr id="261" name="Line 19"/>
+          <p:cNvPr id="275" name="Line 19"/>
           <p:cNvSpPr/>
           <p:nvPr/>
         </p:nvSpPr>
@@ -12647,7 +12562,7 @@
       </p:sp>
       <p:sp>
         <p:nvSpPr>
-          <p:cNvPr id="262" name="Line 20"/>
+          <p:cNvPr id="276" name="Line 20"/>
           <p:cNvSpPr/>
           <p:nvPr/>
         </p:nvSpPr>
@@ -12677,14 +12592,14 @@
       </p:sp>
       <p:sp>
         <p:nvSpPr>
-          <p:cNvPr id="263" name="CustomShape 21"/>
+          <p:cNvPr id="277" name="CustomShape 21"/>
           <p:cNvSpPr/>
           <p:nvPr/>
         </p:nvSpPr>
         <p:spPr>
           <a:xfrm>
             <a:off x="1296000" y="4464000"/>
-            <a:ext cx="1197720" cy="424800"/>
+            <a:ext cx="1197360" cy="424440"/>
           </a:xfrm>
           <a:prstGeom prst="rect">
             <a:avLst/>
@@ -12703,14 +12618,14 @@
       </p:sp>
       <p:sp>
         <p:nvSpPr>
-          <p:cNvPr id="264" name="CustomShape 22"/>
+          <p:cNvPr id="278" name="CustomShape 22"/>
           <p:cNvSpPr/>
           <p:nvPr/>
         </p:nvSpPr>
         <p:spPr>
           <a:xfrm>
             <a:off x="1159920" y="1402200"/>
-            <a:ext cx="4366080" cy="785160"/>
+            <a:ext cx="4365720" cy="784800"/>
           </a:xfrm>
           <a:prstGeom prst="rect">
             <a:avLst/>
@@ -12828,14 +12743,14 @@
       </p:sp>
       <p:sp>
         <p:nvSpPr>
-          <p:cNvPr id="265" name="CustomShape 23"/>
+          <p:cNvPr id="279" name="CustomShape 23"/>
           <p:cNvSpPr/>
           <p:nvPr/>
         </p:nvSpPr>
         <p:spPr>
           <a:xfrm>
             <a:off x="1191600" y="2628000"/>
-            <a:ext cx="3703680" cy="1095120"/>
+            <a:ext cx="3703320" cy="1094760"/>
           </a:xfrm>
           <a:prstGeom prst="rect">
             <a:avLst/>
@@ -13001,14 +12916,14 @@
       </p:sp>
       <p:sp>
         <p:nvSpPr>
-          <p:cNvPr id="266" name="CustomShape 24"/>
+          <p:cNvPr id="280" name="CustomShape 24"/>
           <p:cNvSpPr/>
           <p:nvPr/>
         </p:nvSpPr>
         <p:spPr>
           <a:xfrm>
             <a:off x="1227600" y="4032000"/>
-            <a:ext cx="2767680" cy="1765440"/>
+            <a:ext cx="2767320" cy="1765080"/>
           </a:xfrm>
           <a:prstGeom prst="rect">
             <a:avLst/>
@@ -13175,14 +13090,14 @@
       </p:grpSpPr>
       <p:sp>
         <p:nvSpPr>
-          <p:cNvPr id="267" name="CustomShape 1"/>
+          <p:cNvPr id="281" name="CustomShape 1"/>
           <p:cNvSpPr/>
           <p:nvPr/>
         </p:nvSpPr>
         <p:spPr>
           <a:xfrm>
             <a:off x="0" y="205200"/>
-            <a:ext cx="12190320" cy="599040"/>
+            <a:ext cx="12189960" cy="598680"/>
           </a:xfrm>
           <a:prstGeom prst="rect">
             <a:avLst/>
@@ -13211,14 +13126,14 @@
       </p:sp>
       <p:sp>
         <p:nvSpPr>
-          <p:cNvPr id="268" name="CustomShape 2"/>
+          <p:cNvPr id="282" name="CustomShape 2"/>
           <p:cNvSpPr/>
           <p:nvPr/>
         </p:nvSpPr>
         <p:spPr>
           <a:xfrm flipH="1">
-            <a:off x="264960" y="806040"/>
-            <a:ext cx="310320" cy="87480"/>
+            <a:off x="264240" y="806040"/>
+            <a:ext cx="309960" cy="87120"/>
           </a:xfrm>
           <a:custGeom>
             <a:avLst/>
@@ -13270,14 +13185,14 @@
       </p:sp>
       <p:sp>
         <p:nvSpPr>
-          <p:cNvPr id="269" name="CustomShape 3"/>
+          <p:cNvPr id="283" name="CustomShape 3"/>
           <p:cNvSpPr/>
           <p:nvPr/>
         </p:nvSpPr>
         <p:spPr>
           <a:xfrm flipV="1">
             <a:off x="1457280" y="114120"/>
-            <a:ext cx="310320" cy="87480"/>
+            <a:ext cx="309960" cy="87120"/>
           </a:xfrm>
           <a:custGeom>
             <a:avLst/>
@@ -13329,14 +13244,14 @@
       </p:sp>
       <p:sp>
         <p:nvSpPr>
-          <p:cNvPr id="270" name="CustomShape 4"/>
+          <p:cNvPr id="284" name="CustomShape 4"/>
           <p:cNvSpPr/>
           <p:nvPr/>
         </p:nvSpPr>
         <p:spPr>
           <a:xfrm flipH="1">
-            <a:off x="311040" y="116280"/>
-            <a:ext cx="1401120" cy="777600"/>
+            <a:off x="310320" y="116280"/>
+            <a:ext cx="1400760" cy="777240"/>
           </a:xfrm>
           <a:prstGeom prst="parallelogram">
             <a:avLst>
@@ -13367,14 +13282,14 @@
       </p:sp>
       <p:sp>
         <p:nvSpPr>
-          <p:cNvPr id="271" name="CustomShape 5"/>
+          <p:cNvPr id="285" name="CustomShape 5"/>
           <p:cNvSpPr/>
           <p:nvPr/>
         </p:nvSpPr>
         <p:spPr>
           <a:xfrm>
             <a:off x="302040" y="244080"/>
-            <a:ext cx="1322280" cy="515520"/>
+            <a:ext cx="1321920" cy="515160"/>
           </a:xfrm>
           <a:prstGeom prst="rect">
             <a:avLst/>
@@ -13429,14 +13344,14 @@
       </p:sp>
       <p:sp>
         <p:nvSpPr>
-          <p:cNvPr id="272" name="CustomShape 6"/>
+          <p:cNvPr id="286" name="CustomShape 6"/>
           <p:cNvSpPr/>
           <p:nvPr/>
         </p:nvSpPr>
         <p:spPr>
           <a:xfrm>
             <a:off x="2002320" y="244080"/>
-            <a:ext cx="2892960" cy="514800"/>
+            <a:ext cx="2892600" cy="514440"/>
           </a:xfrm>
           <a:prstGeom prst="rect">
             <a:avLst/>
@@ -13461,7 +13376,7 @@
               </a:lnSpc>
             </a:pPr>
             <a:r>
-              <a:rPr b="0" lang="en-US" sz="2800" spc="287" strike="noStrike">
+              <a:rPr b="0" lang="en-US" sz="2800" spc="284" strike="noStrike">
                 <a:solidFill>
                   <a:srgbClr val="ffffff"/>
                 </a:solidFill>
@@ -13473,7 +13388,7 @@
                 <a:latin typeface="微软雅黑"/>
                 <a:ea typeface="微软雅黑"/>
               </a:rPr>
-              <a:t>下一步工作计划</a:t>
+              <a:t>实现目标的关键</a:t>
             </a:r>
             <a:endParaRPr b="0" lang="en-US" sz="1800" spc="-1" strike="noStrike">
               <a:solidFill>
@@ -13491,67 +13406,305 @@
       </p:sp>
       <p:sp>
         <p:nvSpPr>
-          <p:cNvPr id="273" name="CustomShape 7"/>
-          <p:cNvSpPr/>
-          <p:nvPr/>
-        </p:nvSpPr>
-        <p:spPr>
-          <a:xfrm>
-            <a:off x="1418040" y="1471320"/>
-            <a:ext cx="798120" cy="798120"/>
-          </a:xfrm>
-          <a:prstGeom prst="ellipse">
+          <p:cNvPr id="287" name="CustomShape 7"/>
+          <p:cNvSpPr/>
+          <p:nvPr/>
+        </p:nvSpPr>
+        <p:spPr>
+          <a:xfrm>
+            <a:off x="2859840" y="1715040"/>
+            <a:ext cx="2653920" cy="824040"/>
+          </a:xfrm>
+          <a:prstGeom prst="rightArrow">
+            <a:avLst>
+              <a:gd name="adj1" fmla="val 72581"/>
+              <a:gd name="adj2" fmla="val 46774"/>
+            </a:avLst>
+          </a:prstGeom>
+          <a:solidFill>
+            <a:schemeClr val="bg1">
+              <a:lumMod val="95000"/>
+            </a:schemeClr>
+          </a:solidFill>
+          <a:ln>
+            <a:solidFill>
+              <a:schemeClr val="bg1">
+                <a:lumMod val="75000"/>
+              </a:schemeClr>
+            </a:solidFill>
+            <a:round/>
+          </a:ln>
+        </p:spPr>
+        <p:style>
+          <a:lnRef idx="2">
+            <a:schemeClr val="accent1">
+              <a:shade val="50000"/>
+            </a:schemeClr>
+          </a:lnRef>
+          <a:fillRef idx="1">
+            <a:schemeClr val="accent1"/>
+          </a:fillRef>
+          <a:effectRef idx="0">
+            <a:schemeClr val="accent1"/>
+          </a:effectRef>
+          <a:fontRef idx="minor"/>
+        </p:style>
+      </p:sp>
+      <p:sp>
+        <p:nvSpPr>
+          <p:cNvPr id="288" name="CustomShape 8"/>
+          <p:cNvSpPr/>
+          <p:nvPr/>
+        </p:nvSpPr>
+        <p:spPr>
+          <a:xfrm>
+            <a:off x="2859840" y="2883240"/>
+            <a:ext cx="2653920" cy="824040"/>
+          </a:xfrm>
+          <a:prstGeom prst="rightArrow">
+            <a:avLst>
+              <a:gd name="adj1" fmla="val 72581"/>
+              <a:gd name="adj2" fmla="val 46774"/>
+            </a:avLst>
+          </a:prstGeom>
+          <a:solidFill>
+            <a:schemeClr val="bg1">
+              <a:lumMod val="95000"/>
+            </a:schemeClr>
+          </a:solidFill>
+          <a:ln>
+            <a:solidFill>
+              <a:schemeClr val="bg1">
+                <a:lumMod val="75000"/>
+              </a:schemeClr>
+            </a:solidFill>
+            <a:round/>
+          </a:ln>
+        </p:spPr>
+        <p:style>
+          <a:lnRef idx="2">
+            <a:schemeClr val="accent1">
+              <a:shade val="50000"/>
+            </a:schemeClr>
+          </a:lnRef>
+          <a:fillRef idx="1">
+            <a:schemeClr val="accent1"/>
+          </a:fillRef>
+          <a:effectRef idx="0">
+            <a:schemeClr val="accent1"/>
+          </a:effectRef>
+          <a:fontRef idx="minor"/>
+        </p:style>
+      </p:sp>
+      <p:sp>
+        <p:nvSpPr>
+          <p:cNvPr id="289" name="CustomShape 9"/>
+          <p:cNvSpPr/>
+          <p:nvPr/>
+        </p:nvSpPr>
+        <p:spPr>
+          <a:xfrm>
+            <a:off x="2859840" y="4051080"/>
+            <a:ext cx="2653920" cy="821880"/>
+          </a:xfrm>
+          <a:prstGeom prst="rightArrow">
+            <a:avLst>
+              <a:gd name="adj1" fmla="val 72581"/>
+              <a:gd name="adj2" fmla="val 46774"/>
+            </a:avLst>
+          </a:prstGeom>
+          <a:solidFill>
+            <a:schemeClr val="bg1">
+              <a:lumMod val="95000"/>
+            </a:schemeClr>
+          </a:solidFill>
+          <a:ln>
+            <a:solidFill>
+              <a:schemeClr val="bg1">
+                <a:lumMod val="75000"/>
+              </a:schemeClr>
+            </a:solidFill>
+            <a:round/>
+          </a:ln>
+        </p:spPr>
+        <p:style>
+          <a:lnRef idx="2">
+            <a:schemeClr val="accent1">
+              <a:shade val="50000"/>
+            </a:schemeClr>
+          </a:lnRef>
+          <a:fillRef idx="1">
+            <a:schemeClr val="accent1"/>
+          </a:fillRef>
+          <a:effectRef idx="0">
+            <a:schemeClr val="accent1"/>
+          </a:effectRef>
+          <a:fontRef idx="minor"/>
+        </p:style>
+      </p:sp>
+      <p:sp>
+        <p:nvSpPr>
+          <p:cNvPr id="290" name="CustomShape 10"/>
+          <p:cNvSpPr/>
+          <p:nvPr/>
+        </p:nvSpPr>
+        <p:spPr>
+          <a:xfrm>
+            <a:off x="2859840" y="5217120"/>
+            <a:ext cx="2653920" cy="824040"/>
+          </a:xfrm>
+          <a:prstGeom prst="rightArrow">
+            <a:avLst>
+              <a:gd name="adj1" fmla="val 72581"/>
+              <a:gd name="adj2" fmla="val 46774"/>
+            </a:avLst>
+          </a:prstGeom>
+          <a:solidFill>
+            <a:schemeClr val="bg1">
+              <a:lumMod val="95000"/>
+            </a:schemeClr>
+          </a:solidFill>
+          <a:ln>
+            <a:solidFill>
+              <a:schemeClr val="bg1">
+                <a:lumMod val="75000"/>
+              </a:schemeClr>
+            </a:solidFill>
+            <a:round/>
+          </a:ln>
+        </p:spPr>
+        <p:style>
+          <a:lnRef idx="2">
+            <a:schemeClr val="accent1">
+              <a:shade val="50000"/>
+            </a:schemeClr>
+          </a:lnRef>
+          <a:fillRef idx="1">
+            <a:schemeClr val="accent1"/>
+          </a:fillRef>
+          <a:effectRef idx="0">
+            <a:schemeClr val="accent1"/>
+          </a:effectRef>
+          <a:fontRef idx="minor"/>
+        </p:style>
+      </p:sp>
+      <p:sp>
+        <p:nvSpPr>
+          <p:cNvPr id="291" name="CustomShape 11"/>
+          <p:cNvSpPr/>
+          <p:nvPr/>
+        </p:nvSpPr>
+        <p:spPr>
+          <a:xfrm flipV="1">
+            <a:off x="3916080" y="2410920"/>
+            <a:ext cx="137880" cy="126000"/>
+          </a:xfrm>
+          <a:prstGeom prst="rtTriangle">
             <a:avLst/>
           </a:prstGeom>
           <a:solidFill>
             <a:srgbClr val="136083"/>
           </a:solidFill>
-          <a:ln w="9360">
-            <a:noFill/>
-          </a:ln>
-        </p:spPr>
-        <p:style>
-          <a:lnRef idx="0"/>
-          <a:fillRef idx="0"/>
-          <a:effectRef idx="0"/>
-          <a:fontRef idx="minor"/>
-        </p:style>
-      </p:sp>
-      <p:sp>
-        <p:nvSpPr>
-          <p:cNvPr id="274" name="CustomShape 8"/>
-          <p:cNvSpPr/>
-          <p:nvPr/>
-        </p:nvSpPr>
-        <p:spPr>
-          <a:xfrm>
-            <a:off x="1451160" y="1578960"/>
-            <a:ext cx="681120" cy="575640"/>
-          </a:xfrm>
-          <a:prstGeom prst="rect">
-            <a:avLst/>
-          </a:prstGeom>
-          <a:noFill/>
           <a:ln>
             <a:noFill/>
           </a:ln>
         </p:spPr>
         <p:style>
-          <a:lnRef idx="0"/>
-          <a:fillRef idx="0"/>
-          <a:effectRef idx="0"/>
+          <a:lnRef idx="2">
+            <a:schemeClr val="accent1">
+              <a:shade val="50000"/>
+            </a:schemeClr>
+          </a:lnRef>
+          <a:fillRef idx="1">
+            <a:schemeClr val="accent1"/>
+          </a:fillRef>
+          <a:effectRef idx="0">
+            <a:schemeClr val="accent1"/>
+          </a:effectRef>
+          <a:fontRef idx="minor"/>
+        </p:style>
+      </p:sp>
+      <p:sp>
+        <p:nvSpPr>
+          <p:cNvPr id="292" name="CustomShape 12"/>
+          <p:cNvSpPr/>
+          <p:nvPr/>
+        </p:nvSpPr>
+        <p:spPr>
+          <a:xfrm>
+            <a:off x="3916080" y="1715040"/>
+            <a:ext cx="137880" cy="126000"/>
+          </a:xfrm>
+          <a:prstGeom prst="rtTriangle">
+            <a:avLst/>
+          </a:prstGeom>
+          <a:solidFill>
+            <a:srgbClr val="136083"/>
+          </a:solidFill>
+          <a:ln>
+            <a:noFill/>
+          </a:ln>
+        </p:spPr>
+        <p:style>
+          <a:lnRef idx="2">
+            <a:schemeClr val="accent1">
+              <a:shade val="50000"/>
+            </a:schemeClr>
+          </a:lnRef>
+          <a:fillRef idx="1">
+            <a:schemeClr val="accent1"/>
+          </a:fillRef>
+          <a:effectRef idx="0">
+            <a:schemeClr val="accent1"/>
+          </a:effectRef>
+          <a:fontRef idx="minor"/>
+        </p:style>
+      </p:sp>
+      <p:sp>
+        <p:nvSpPr>
+          <p:cNvPr id="293" name="CustomShape 13"/>
+          <p:cNvSpPr/>
+          <p:nvPr/>
+        </p:nvSpPr>
+        <p:spPr>
+          <a:xfrm>
+            <a:off x="1547640" y="1715040"/>
+            <a:ext cx="2365920" cy="824040"/>
+          </a:xfrm>
+          <a:prstGeom prst="rect">
+            <a:avLst/>
+          </a:prstGeom>
+          <a:solidFill>
+            <a:srgbClr val="136083"/>
+          </a:solidFill>
+          <a:ln>
+            <a:noFill/>
+          </a:ln>
+        </p:spPr>
+        <p:style>
+          <a:lnRef idx="2">
+            <a:schemeClr val="accent1">
+              <a:shade val="50000"/>
+            </a:schemeClr>
+          </a:lnRef>
+          <a:fillRef idx="1">
+            <a:schemeClr val="accent1"/>
+          </a:fillRef>
+          <a:effectRef idx="0">
+            <a:schemeClr val="accent1"/>
+          </a:effectRef>
           <a:fontRef idx="minor"/>
         </p:style>
         <p:txBody>
-          <a:bodyPr wrap="none" lIns="90000" rIns="90000" tIns="45000" bIns="45000"/>
-          <a:p>
-            <a:pPr>
+          <a:bodyPr lIns="115200" rIns="115200" tIns="57600" bIns="57600" anchor="ctr"/>
+          <a:p>
+            <a:pPr algn="ctr">
               <a:lnSpc>
                 <a:spcPct val="100000"/>
               </a:lnSpc>
             </a:pPr>
             <a:r>
-              <a:rPr b="1" lang="en-US" sz="3200" spc="-1" strike="noStrike">
+              <a:rPr b="0" lang="en-US" sz="2539" spc="-1" strike="noStrike">
                 <a:solidFill>
                   <a:srgbClr val="ffffff"/>
                 </a:solidFill>
@@ -13563,7 +13716,7 @@
                 <a:latin typeface="微软雅黑"/>
                 <a:ea typeface="微软雅黑"/>
               </a:rPr>
-              <a:t>01</a:t>
+              <a:t>持续学习</a:t>
             </a:r>
             <a:endParaRPr b="0" lang="en-US" sz="1800" spc="-1" strike="noStrike">
               <a:solidFill>
@@ -13581,67 +13734,121 @@
       </p:sp>
       <p:sp>
         <p:nvSpPr>
-          <p:cNvPr id="275" name="CustomShape 9"/>
-          <p:cNvSpPr/>
-          <p:nvPr/>
-        </p:nvSpPr>
-        <p:spPr>
-          <a:xfrm>
-            <a:off x="1418040" y="3407400"/>
-            <a:ext cx="798120" cy="798120"/>
-          </a:xfrm>
-          <a:prstGeom prst="ellipse">
+          <p:cNvPr id="294" name="CustomShape 14"/>
+          <p:cNvSpPr/>
+          <p:nvPr/>
+        </p:nvSpPr>
+        <p:spPr>
+          <a:xfrm flipV="1">
+            <a:off x="3916080" y="3579120"/>
+            <a:ext cx="137880" cy="126000"/>
+          </a:xfrm>
+          <a:prstGeom prst="rtTriangle">
             <a:avLst/>
           </a:prstGeom>
           <a:solidFill>
             <a:srgbClr val="136083"/>
           </a:solidFill>
-          <a:ln w="9360">
-            <a:noFill/>
-          </a:ln>
-        </p:spPr>
-        <p:style>
-          <a:lnRef idx="0"/>
-          <a:fillRef idx="0"/>
-          <a:effectRef idx="0"/>
-          <a:fontRef idx="minor"/>
-        </p:style>
-      </p:sp>
-      <p:sp>
-        <p:nvSpPr>
-          <p:cNvPr id="276" name="CustomShape 10"/>
-          <p:cNvSpPr/>
-          <p:nvPr/>
-        </p:nvSpPr>
-        <p:spPr>
-          <a:xfrm>
-            <a:off x="1451160" y="3515040"/>
-            <a:ext cx="681120" cy="575640"/>
-          </a:xfrm>
-          <a:prstGeom prst="rect">
-            <a:avLst/>
-          </a:prstGeom>
-          <a:noFill/>
           <a:ln>
             <a:noFill/>
           </a:ln>
         </p:spPr>
         <p:style>
-          <a:lnRef idx="0"/>
-          <a:fillRef idx="0"/>
-          <a:effectRef idx="0"/>
+          <a:lnRef idx="2">
+            <a:schemeClr val="accent1">
+              <a:shade val="50000"/>
+            </a:schemeClr>
+          </a:lnRef>
+          <a:fillRef idx="1">
+            <a:schemeClr val="accent1"/>
+          </a:fillRef>
+          <a:effectRef idx="0">
+            <a:schemeClr val="accent1"/>
+          </a:effectRef>
+          <a:fontRef idx="minor"/>
+        </p:style>
+      </p:sp>
+      <p:sp>
+        <p:nvSpPr>
+          <p:cNvPr id="295" name="CustomShape 15"/>
+          <p:cNvSpPr/>
+          <p:nvPr/>
+        </p:nvSpPr>
+        <p:spPr>
+          <a:xfrm>
+            <a:off x="3916080" y="2883240"/>
+            <a:ext cx="137880" cy="126000"/>
+          </a:xfrm>
+          <a:prstGeom prst="rtTriangle">
+            <a:avLst/>
+          </a:prstGeom>
+          <a:solidFill>
+            <a:srgbClr val="136083"/>
+          </a:solidFill>
+          <a:ln>
+            <a:noFill/>
+          </a:ln>
+        </p:spPr>
+        <p:style>
+          <a:lnRef idx="2">
+            <a:schemeClr val="accent1">
+              <a:shade val="50000"/>
+            </a:schemeClr>
+          </a:lnRef>
+          <a:fillRef idx="1">
+            <a:schemeClr val="accent1"/>
+          </a:fillRef>
+          <a:effectRef idx="0">
+            <a:schemeClr val="accent1"/>
+          </a:effectRef>
+          <a:fontRef idx="minor"/>
+        </p:style>
+      </p:sp>
+      <p:sp>
+        <p:nvSpPr>
+          <p:cNvPr id="296" name="CustomShape 16"/>
+          <p:cNvSpPr/>
+          <p:nvPr/>
+        </p:nvSpPr>
+        <p:spPr>
+          <a:xfrm>
+            <a:off x="1547640" y="2883240"/>
+            <a:ext cx="2365920" cy="824040"/>
+          </a:xfrm>
+          <a:prstGeom prst="rect">
+            <a:avLst/>
+          </a:prstGeom>
+          <a:solidFill>
+            <a:srgbClr val="136083"/>
+          </a:solidFill>
+          <a:ln>
+            <a:noFill/>
+          </a:ln>
+        </p:spPr>
+        <p:style>
+          <a:lnRef idx="2">
+            <a:schemeClr val="accent1">
+              <a:shade val="50000"/>
+            </a:schemeClr>
+          </a:lnRef>
+          <a:fillRef idx="1">
+            <a:schemeClr val="accent1"/>
+          </a:fillRef>
+          <a:effectRef idx="0">
+            <a:schemeClr val="accent1"/>
+          </a:effectRef>
           <a:fontRef idx="minor"/>
         </p:style>
         <p:txBody>
-          <a:bodyPr wrap="none" lIns="90000" rIns="90000" tIns="45000" bIns="45000"/>
-          <a:p>
-            <a:pPr>
+          <a:bodyPr lIns="115200" rIns="115200" tIns="57600" bIns="57600" anchor="ctr"/>
+          <a:p>
+            <a:pPr algn="ctr">
               <a:lnSpc>
                 <a:spcPct val="100000"/>
               </a:lnSpc>
             </a:pPr>
             <a:r>
-              <a:rPr b="1" lang="en-US" sz="3200" spc="-1" strike="noStrike">
+              <a:rPr b="0" lang="en-US" sz="2539" spc="-1" strike="noStrike">
                 <a:solidFill>
                   <a:srgbClr val="ffffff"/>
                 </a:solidFill>
@@ -13653,7 +13860,7 @@
                 <a:latin typeface="微软雅黑"/>
                 <a:ea typeface="微软雅黑"/>
               </a:rPr>
-              <a:t>02</a:t>
+              <a:t>保持实践</a:t>
             </a:r>
             <a:endParaRPr b="0" lang="en-US" sz="1800" spc="-1" strike="noStrike">
               <a:solidFill>
@@ -13671,67 +13878,121 @@
       </p:sp>
       <p:sp>
         <p:nvSpPr>
-          <p:cNvPr id="277" name="CustomShape 11"/>
-          <p:cNvSpPr/>
-          <p:nvPr/>
-        </p:nvSpPr>
-        <p:spPr>
-          <a:xfrm>
-            <a:off x="1418040" y="5396760"/>
-            <a:ext cx="798120" cy="798120"/>
-          </a:xfrm>
-          <a:prstGeom prst="ellipse">
+          <p:cNvPr id="297" name="CustomShape 17"/>
+          <p:cNvSpPr/>
+          <p:nvPr/>
+        </p:nvSpPr>
+        <p:spPr>
+          <a:xfrm flipV="1">
+            <a:off x="3916080" y="4745160"/>
+            <a:ext cx="137880" cy="126000"/>
+          </a:xfrm>
+          <a:prstGeom prst="rtTriangle">
             <a:avLst/>
           </a:prstGeom>
           <a:solidFill>
             <a:srgbClr val="136083"/>
           </a:solidFill>
-          <a:ln w="9360">
-            <a:noFill/>
-          </a:ln>
-        </p:spPr>
-        <p:style>
-          <a:lnRef idx="0"/>
-          <a:fillRef idx="0"/>
-          <a:effectRef idx="0"/>
-          <a:fontRef idx="minor"/>
-        </p:style>
-      </p:sp>
-      <p:sp>
-        <p:nvSpPr>
-          <p:cNvPr id="278" name="CustomShape 12"/>
-          <p:cNvSpPr/>
-          <p:nvPr/>
-        </p:nvSpPr>
-        <p:spPr>
-          <a:xfrm>
-            <a:off x="1451160" y="5504400"/>
-            <a:ext cx="681120" cy="575640"/>
-          </a:xfrm>
-          <a:prstGeom prst="rect">
-            <a:avLst/>
-          </a:prstGeom>
-          <a:noFill/>
           <a:ln>
             <a:noFill/>
           </a:ln>
         </p:spPr>
         <p:style>
-          <a:lnRef idx="0"/>
-          <a:fillRef idx="0"/>
-          <a:effectRef idx="0"/>
+          <a:lnRef idx="2">
+            <a:schemeClr val="accent1">
+              <a:shade val="50000"/>
+            </a:schemeClr>
+          </a:lnRef>
+          <a:fillRef idx="1">
+            <a:schemeClr val="accent1"/>
+          </a:fillRef>
+          <a:effectRef idx="0">
+            <a:schemeClr val="accent1"/>
+          </a:effectRef>
+          <a:fontRef idx="minor"/>
+        </p:style>
+      </p:sp>
+      <p:sp>
+        <p:nvSpPr>
+          <p:cNvPr id="298" name="CustomShape 18"/>
+          <p:cNvSpPr/>
+          <p:nvPr/>
+        </p:nvSpPr>
+        <p:spPr>
+          <a:xfrm>
+            <a:off x="3916080" y="4051080"/>
+            <a:ext cx="137880" cy="123840"/>
+          </a:xfrm>
+          <a:prstGeom prst="rtTriangle">
+            <a:avLst/>
+          </a:prstGeom>
+          <a:solidFill>
+            <a:srgbClr val="136083"/>
+          </a:solidFill>
+          <a:ln>
+            <a:noFill/>
+          </a:ln>
+        </p:spPr>
+        <p:style>
+          <a:lnRef idx="2">
+            <a:schemeClr val="accent1">
+              <a:shade val="50000"/>
+            </a:schemeClr>
+          </a:lnRef>
+          <a:fillRef idx="1">
+            <a:schemeClr val="accent1"/>
+          </a:fillRef>
+          <a:effectRef idx="0">
+            <a:schemeClr val="accent1"/>
+          </a:effectRef>
+          <a:fontRef idx="minor"/>
+        </p:style>
+      </p:sp>
+      <p:sp>
+        <p:nvSpPr>
+          <p:cNvPr id="299" name="CustomShape 19"/>
+          <p:cNvSpPr/>
+          <p:nvPr/>
+        </p:nvSpPr>
+        <p:spPr>
+          <a:xfrm>
+            <a:off x="1547640" y="4051080"/>
+            <a:ext cx="2365920" cy="821880"/>
+          </a:xfrm>
+          <a:prstGeom prst="rect">
+            <a:avLst/>
+          </a:prstGeom>
+          <a:solidFill>
+            <a:srgbClr val="136083"/>
+          </a:solidFill>
+          <a:ln>
+            <a:noFill/>
+          </a:ln>
+        </p:spPr>
+        <p:style>
+          <a:lnRef idx="2">
+            <a:schemeClr val="accent1">
+              <a:shade val="50000"/>
+            </a:schemeClr>
+          </a:lnRef>
+          <a:fillRef idx="1">
+            <a:schemeClr val="accent1"/>
+          </a:fillRef>
+          <a:effectRef idx="0">
+            <a:schemeClr val="accent1"/>
+          </a:effectRef>
           <a:fontRef idx="minor"/>
         </p:style>
         <p:txBody>
-          <a:bodyPr wrap="none" lIns="90000" rIns="90000" tIns="45000" bIns="45000"/>
-          <a:p>
-            <a:pPr>
+          <a:bodyPr lIns="115200" rIns="115200" tIns="57600" bIns="57600" anchor="ctr"/>
+          <a:p>
+            <a:pPr algn="ctr">
               <a:lnSpc>
                 <a:spcPct val="100000"/>
               </a:lnSpc>
             </a:pPr>
             <a:r>
-              <a:rPr b="1" lang="en-US" sz="3200" spc="-1" strike="noStrike">
+              <a:rPr b="0" lang="en-US" sz="2539" spc="-1" strike="noStrike">
                 <a:solidFill>
                   <a:srgbClr val="ffffff"/>
                 </a:solidFill>
@@ -13743,7 +14004,7 @@
                 <a:latin typeface="微软雅黑"/>
                 <a:ea typeface="微软雅黑"/>
               </a:rPr>
-              <a:t>03</a:t>
+              <a:t>总结反思</a:t>
             </a:r>
             <a:endParaRPr b="0" lang="en-US" sz="1800" spc="-1" strike="noStrike">
               <a:solidFill>
@@ -13761,95 +14022,123 @@
       </p:sp>
       <p:sp>
         <p:nvSpPr>
-          <p:cNvPr id="279" name="Line 13"/>
-          <p:cNvSpPr/>
-          <p:nvPr/>
-        </p:nvSpPr>
-        <p:spPr>
-          <a:xfrm>
-            <a:off x="1824120" y="4215600"/>
-            <a:ext cx="360" cy="1143720"/>
-          </a:xfrm>
-          <a:prstGeom prst="line">
-            <a:avLst/>
-          </a:prstGeom>
-          <a:ln w="19080">
-            <a:solidFill>
-              <a:srgbClr val="00b0f0"/>
-            </a:solidFill>
-            <a:round/>
-          </a:ln>
-        </p:spPr>
-        <p:style>
-          <a:lnRef idx="0"/>
-          <a:fillRef idx="0"/>
-          <a:effectRef idx="0"/>
-          <a:fontRef idx="minor"/>
-        </p:style>
-      </p:sp>
-      <p:sp>
-        <p:nvSpPr>
-          <p:cNvPr id="280" name="CustomShape 14"/>
-          <p:cNvSpPr/>
-          <p:nvPr/>
-        </p:nvSpPr>
-        <p:spPr>
-          <a:xfrm>
-            <a:off x="2354040" y="1837800"/>
-            <a:ext cx="8693640" cy="575640"/>
-          </a:xfrm>
-          <a:prstGeom prst="rect">
-            <a:avLst/>
-          </a:prstGeom>
-          <a:noFill/>
+          <p:cNvPr id="300" name="CustomShape 20"/>
+          <p:cNvSpPr/>
+          <p:nvPr/>
+        </p:nvSpPr>
+        <p:spPr>
+          <a:xfrm flipV="1">
+            <a:off x="3916080" y="5913000"/>
+            <a:ext cx="137880" cy="126000"/>
+          </a:xfrm>
+          <a:prstGeom prst="rtTriangle">
+            <a:avLst/>
+          </a:prstGeom>
+          <a:solidFill>
+            <a:srgbClr val="136083"/>
+          </a:solidFill>
           <a:ln>
             <a:noFill/>
           </a:ln>
         </p:spPr>
         <p:style>
-          <a:lnRef idx="0"/>
-          <a:fillRef idx="0"/>
-          <a:effectRef idx="0"/>
-          <a:fontRef idx="minor"/>
-        </p:style>
-      </p:sp>
-      <p:sp>
-        <p:nvSpPr>
-          <p:cNvPr id="281" name="CustomShape 15"/>
-          <p:cNvSpPr/>
-          <p:nvPr/>
-        </p:nvSpPr>
-        <p:spPr>
-          <a:xfrm>
-            <a:off x="2354040" y="3299760"/>
-            <a:ext cx="2325240" cy="424080"/>
-          </a:xfrm>
-          <a:prstGeom prst="rect">
-            <a:avLst/>
-          </a:prstGeom>
-          <a:noFill/>
+          <a:lnRef idx="2">
+            <a:schemeClr val="accent1">
+              <a:shade val="50000"/>
+            </a:schemeClr>
+          </a:lnRef>
+          <a:fillRef idx="1">
+            <a:schemeClr val="accent1"/>
+          </a:fillRef>
+          <a:effectRef idx="0">
+            <a:schemeClr val="accent1"/>
+          </a:effectRef>
+          <a:fontRef idx="minor"/>
+        </p:style>
+      </p:sp>
+      <p:sp>
+        <p:nvSpPr>
+          <p:cNvPr id="301" name="CustomShape 21"/>
+          <p:cNvSpPr/>
+          <p:nvPr/>
+        </p:nvSpPr>
+        <p:spPr>
+          <a:xfrm>
+            <a:off x="3916080" y="5217120"/>
+            <a:ext cx="137880" cy="126000"/>
+          </a:xfrm>
+          <a:prstGeom prst="rtTriangle">
+            <a:avLst/>
+          </a:prstGeom>
+          <a:solidFill>
+            <a:srgbClr val="136083"/>
+          </a:solidFill>
           <a:ln>
             <a:noFill/>
           </a:ln>
         </p:spPr>
         <p:style>
-          <a:lnRef idx="0"/>
-          <a:fillRef idx="0"/>
-          <a:effectRef idx="0"/>
+          <a:lnRef idx="2">
+            <a:schemeClr val="accent1">
+              <a:shade val="50000"/>
+            </a:schemeClr>
+          </a:lnRef>
+          <a:fillRef idx="1">
+            <a:schemeClr val="accent1"/>
+          </a:fillRef>
+          <a:effectRef idx="0">
+            <a:schemeClr val="accent1"/>
+          </a:effectRef>
+          <a:fontRef idx="minor"/>
+        </p:style>
+      </p:sp>
+      <p:sp>
+        <p:nvSpPr>
+          <p:cNvPr id="302" name="CustomShape 22"/>
+          <p:cNvSpPr/>
+          <p:nvPr/>
+        </p:nvSpPr>
+        <p:spPr>
+          <a:xfrm>
+            <a:off x="1547640" y="5217120"/>
+            <a:ext cx="2365920" cy="824040"/>
+          </a:xfrm>
+          <a:prstGeom prst="rect">
+            <a:avLst/>
+          </a:prstGeom>
+          <a:solidFill>
+            <a:srgbClr val="136083"/>
+          </a:solidFill>
+          <a:ln>
+            <a:noFill/>
+          </a:ln>
+        </p:spPr>
+        <p:style>
+          <a:lnRef idx="2">
+            <a:schemeClr val="accent1">
+              <a:shade val="50000"/>
+            </a:schemeClr>
+          </a:lnRef>
+          <a:fillRef idx="1">
+            <a:schemeClr val="accent1"/>
+          </a:fillRef>
+          <a:effectRef idx="0">
+            <a:schemeClr val="accent1"/>
+          </a:effectRef>
           <a:fontRef idx="minor"/>
         </p:style>
         <p:txBody>
-          <a:bodyPr lIns="90000" rIns="90000" tIns="45000" bIns="45000"/>
-          <a:p>
-            <a:pPr algn="just">
+          <a:bodyPr lIns="115200" rIns="115200" tIns="57600" bIns="57600" anchor="ctr"/>
+          <a:p>
+            <a:pPr algn="ctr">
               <a:lnSpc>
                 <a:spcPct val="100000"/>
               </a:lnSpc>
             </a:pPr>
             <a:r>
-              <a:rPr b="1" lang="en-US" sz="2200" spc="-1" strike="noStrike">
-                <a:solidFill>
-                  <a:srgbClr val="136083"/>
+              <a:rPr b="0" lang="en-US" sz="2539" spc="-1" strike="noStrike">
+                <a:solidFill>
+                  <a:srgbClr val="ffffff"/>
                 </a:solidFill>
                 <a:uFill>
                   <a:solidFill>
@@ -13859,7 +14148,7 @@
                 <a:latin typeface="微软雅黑"/>
                 <a:ea typeface="微软雅黑"/>
               </a:rPr>
-              <a:t>多交流沟通</a:t>
+              <a:t>加强沟通</a:t>
             </a:r>
             <a:endParaRPr b="0" lang="en-US" sz="1800" spc="-1" strike="noStrike">
               <a:solidFill>
@@ -13877,14 +14166,14 @@
       </p:sp>
       <p:sp>
         <p:nvSpPr>
-          <p:cNvPr id="282" name="CustomShape 16"/>
-          <p:cNvSpPr/>
-          <p:nvPr/>
-        </p:nvSpPr>
-        <p:spPr>
-          <a:xfrm>
-            <a:off x="2354040" y="5609880"/>
-            <a:ext cx="8693640" cy="818280"/>
+          <p:cNvPr id="303" name="CustomShape 23"/>
+          <p:cNvSpPr/>
+          <p:nvPr/>
+        </p:nvSpPr>
+        <p:spPr>
+          <a:xfrm>
+            <a:off x="5724000" y="1661040"/>
+            <a:ext cx="5074200" cy="919800"/>
           </a:xfrm>
           <a:prstGeom prst="rect">
             <a:avLst/>
@@ -13901,17 +14190,17 @@
           <a:fontRef idx="minor"/>
         </p:style>
         <p:txBody>
-          <a:bodyPr lIns="90000" rIns="90000" tIns="45000" bIns="45000"/>
-          <a:p>
-            <a:pPr algn="just">
+          <a:bodyPr lIns="0" rIns="0" tIns="0" bIns="0" anchor="ctr"/>
+          <a:p>
+            <a:pPr>
               <a:lnSpc>
-                <a:spcPct val="100000"/>
+                <a:spcPct val="130000"/>
               </a:lnSpc>
             </a:pPr>
             <a:r>
               <a:rPr b="0" lang="en-US" sz="1600" spc="-1" strike="noStrike">
                 <a:solidFill>
-                  <a:srgbClr val="595959"/>
+                  <a:srgbClr val="404040"/>
                 </a:solidFill>
                 <a:uFill>
                   <a:solidFill>
@@ -13921,12 +14210,85 @@
                 <a:latin typeface="微软雅黑"/>
                 <a:ea typeface="微软雅黑"/>
               </a:rPr>
-              <a:t>主动承担更多的开发任务。跳出做任务的思维，培养</a:t>
+              <a:t>持续学习前沿技术，增加各方面实力。</a:t>
             </a:r>
+            <a:endParaRPr b="0" lang="en-US" sz="1800" spc="-1" strike="noStrike">
+              <a:solidFill>
+                <a:srgbClr val="000000"/>
+              </a:solidFill>
+              <a:uFill>
+                <a:solidFill>
+                  <a:srgbClr val="ffffff"/>
+                </a:solidFill>
+              </a:uFill>
+              <a:latin typeface="Arial"/>
+            </a:endParaRPr>
+          </a:p>
+        </p:txBody>
+      </p:sp>
+      <p:sp>
+        <p:nvSpPr>
+          <p:cNvPr id="304" name="CustomShape 24"/>
+          <p:cNvSpPr/>
+          <p:nvPr/>
+        </p:nvSpPr>
+        <p:spPr>
+          <a:xfrm>
+            <a:off x="5724000" y="2825280"/>
+            <a:ext cx="5074200" cy="936000"/>
+          </a:xfrm>
+          <a:prstGeom prst="rect">
+            <a:avLst/>
+          </a:prstGeom>
+          <a:noFill/>
+          <a:ln w="9360">
+            <a:noFill/>
+          </a:ln>
+        </p:spPr>
+        <p:style>
+          <a:lnRef idx="0"/>
+          <a:fillRef idx="0"/>
+          <a:effectRef idx="0"/>
+          <a:fontRef idx="minor"/>
+        </p:style>
+      </p:sp>
+      <p:sp>
+        <p:nvSpPr>
+          <p:cNvPr id="305" name="CustomShape 25"/>
+          <p:cNvSpPr/>
+          <p:nvPr/>
+        </p:nvSpPr>
+        <p:spPr>
+          <a:xfrm>
+            <a:off x="5724000" y="3999240"/>
+            <a:ext cx="5074200" cy="815760"/>
+          </a:xfrm>
+          <a:prstGeom prst="rect">
+            <a:avLst/>
+          </a:prstGeom>
+          <a:noFill/>
+          <a:ln w="9360">
+            <a:noFill/>
+          </a:ln>
+        </p:spPr>
+        <p:style>
+          <a:lnRef idx="0"/>
+          <a:fillRef idx="0"/>
+          <a:effectRef idx="0"/>
+          <a:fontRef idx="minor"/>
+        </p:style>
+        <p:txBody>
+          <a:bodyPr lIns="0" rIns="0" tIns="0" bIns="0" anchor="ctr"/>
+          <a:p>
+            <a:pPr>
+              <a:lnSpc>
+                <a:spcPct val="130000"/>
+              </a:lnSpc>
+            </a:pPr>
             <a:r>
               <a:rPr b="0" lang="en-US" sz="1600" spc="-1" strike="noStrike">
                 <a:solidFill>
-                  <a:srgbClr val="595959"/>
+                  <a:srgbClr val="404040"/>
                 </a:solidFill>
                 <a:uFill>
                   <a:solidFill>
@@ -13936,12 +14298,59 @@
                 <a:latin typeface="微软雅黑"/>
                 <a:ea typeface="微软雅黑"/>
               </a:rPr>
-              <a:t>Owner</a:t>
+              <a:t>记录总结遇到的困难和问题，反思并提升。</a:t>
             </a:r>
+            <a:endParaRPr b="0" lang="en-US" sz="1800" spc="-1" strike="noStrike">
+              <a:solidFill>
+                <a:srgbClr val="000000"/>
+              </a:solidFill>
+              <a:uFill>
+                <a:solidFill>
+                  <a:srgbClr val="ffffff"/>
+                </a:solidFill>
+              </a:uFill>
+              <a:latin typeface="Arial"/>
+            </a:endParaRPr>
+          </a:p>
+        </p:txBody>
+      </p:sp>
+      <p:sp>
+        <p:nvSpPr>
+          <p:cNvPr id="306" name="CustomShape 26"/>
+          <p:cNvSpPr/>
+          <p:nvPr/>
+        </p:nvSpPr>
+        <p:spPr>
+          <a:xfrm>
+            <a:off x="5724000" y="4985280"/>
+            <a:ext cx="5074200" cy="1323720"/>
+          </a:xfrm>
+          <a:prstGeom prst="rect">
+            <a:avLst/>
+          </a:prstGeom>
+          <a:noFill/>
+          <a:ln w="9360">
+            <a:noFill/>
+          </a:ln>
+        </p:spPr>
+        <p:style>
+          <a:lnRef idx="0"/>
+          <a:fillRef idx="0"/>
+          <a:effectRef idx="0"/>
+          <a:fontRef idx="minor"/>
+        </p:style>
+        <p:txBody>
+          <a:bodyPr lIns="0" rIns="0" tIns="0" bIns="0" anchor="ctr"/>
+          <a:p>
+            <a:pPr>
+              <a:lnSpc>
+                <a:spcPct val="130000"/>
+              </a:lnSpc>
+            </a:pPr>
             <a:r>
               <a:rPr b="0" lang="en-US" sz="1600" spc="-1" strike="noStrike">
                 <a:solidFill>
-                  <a:srgbClr val="595959"/>
+                  <a:srgbClr val="404040"/>
                 </a:solidFill>
                 <a:uFill>
                   <a:solidFill>
@@ -13951,7 +14360,7 @@
                 <a:latin typeface="微软雅黑"/>
                 <a:ea typeface="微软雅黑"/>
               </a:rPr>
-              <a:t>意识，</a:t>
+              <a:t>提高沟通技巧，降低交流成本，提升效率。</a:t>
             </a:r>
             <a:endParaRPr b="0" lang="en-US" sz="1800" spc="-1" strike="noStrike">
               <a:solidFill>
@@ -13965,16 +14374,45 @@
               <a:latin typeface="Arial"/>
             </a:endParaRPr>
           </a:p>
-          <a:p>
-            <a:pPr algn="just">
+        </p:txBody>
+      </p:sp>
+      <p:sp>
+        <p:nvSpPr>
+          <p:cNvPr id="307" name="CustomShape 27"/>
+          <p:cNvSpPr/>
+          <p:nvPr/>
+        </p:nvSpPr>
+        <p:spPr>
+          <a:xfrm>
+            <a:off x="5724000" y="2833560"/>
+            <a:ext cx="5074200" cy="919800"/>
+          </a:xfrm>
+          <a:prstGeom prst="rect">
+            <a:avLst/>
+          </a:prstGeom>
+          <a:noFill/>
+          <a:ln>
+            <a:noFill/>
+          </a:ln>
+        </p:spPr>
+        <p:style>
+          <a:lnRef idx="0"/>
+          <a:fillRef idx="0"/>
+          <a:effectRef idx="0"/>
+          <a:fontRef idx="minor"/>
+        </p:style>
+        <p:txBody>
+          <a:bodyPr lIns="0" rIns="0" tIns="0" bIns="0" anchor="ctr"/>
+          <a:p>
+            <a:pPr>
               <a:lnSpc>
-                <a:spcPct val="100000"/>
+                <a:spcPct val="130000"/>
               </a:lnSpc>
             </a:pPr>
             <a:r>
               <a:rPr b="0" lang="en-US" sz="1600" spc="-1" strike="noStrike">
                 <a:solidFill>
-                  <a:srgbClr val="595959"/>
+                  <a:srgbClr val="404040"/>
                 </a:solidFill>
                 <a:uFill>
                   <a:solidFill>
@@ -13984,349 +14422,7 @@
                 <a:latin typeface="微软雅黑"/>
                 <a:ea typeface="微软雅黑"/>
               </a:rPr>
-              <a:t>思考如何协调项目资源，如何合理安排计划排期，如何优化项目，</a:t>
-            </a:r>
-            <a:endParaRPr b="0" lang="en-US" sz="1800" spc="-1" strike="noStrike">
-              <a:solidFill>
-                <a:srgbClr val="000000"/>
-              </a:solidFill>
-              <a:uFill>
-                <a:solidFill>
-                  <a:srgbClr val="ffffff"/>
-                </a:solidFill>
-              </a:uFill>
-              <a:latin typeface="Arial"/>
-            </a:endParaRPr>
-          </a:p>
-          <a:p>
-            <a:pPr algn="just">
-              <a:lnSpc>
-                <a:spcPct val="100000"/>
-              </a:lnSpc>
-            </a:pPr>
-            <a:r>
-              <a:rPr b="0" lang="en-US" sz="1600" spc="-1" strike="noStrike">
-                <a:solidFill>
-                  <a:srgbClr val="595959"/>
-                </a:solidFill>
-                <a:uFill>
-                  <a:solidFill>
-                    <a:srgbClr val="ffffff"/>
-                  </a:solidFill>
-                </a:uFill>
-                <a:latin typeface="微软雅黑"/>
-                <a:ea typeface="微软雅黑"/>
-              </a:rPr>
-              <a:t>如何快速定位解决问题，如何加强项目稳定性建设。</a:t>
-            </a:r>
-            <a:endParaRPr b="0" lang="en-US" sz="1800" spc="-1" strike="noStrike">
-              <a:solidFill>
-                <a:srgbClr val="000000"/>
-              </a:solidFill>
-              <a:uFill>
-                <a:solidFill>
-                  <a:srgbClr val="ffffff"/>
-                </a:solidFill>
-              </a:uFill>
-              <a:latin typeface="Arial"/>
-            </a:endParaRPr>
-          </a:p>
-        </p:txBody>
-      </p:sp>
-      <p:sp>
-        <p:nvSpPr>
-          <p:cNvPr id="283" name="Line 17"/>
-          <p:cNvSpPr/>
-          <p:nvPr/>
-        </p:nvSpPr>
-        <p:spPr>
-          <a:xfrm>
-            <a:off x="1824120" y="2276280"/>
-            <a:ext cx="360" cy="1144080"/>
-          </a:xfrm>
-          <a:prstGeom prst="line">
-            <a:avLst/>
-          </a:prstGeom>
-          <a:ln w="19080">
-            <a:solidFill>
-              <a:srgbClr val="00b0f0"/>
-            </a:solidFill>
-            <a:round/>
-          </a:ln>
-        </p:spPr>
-        <p:style>
-          <a:lnRef idx="0"/>
-          <a:fillRef idx="0"/>
-          <a:effectRef idx="0"/>
-          <a:fontRef idx="minor"/>
-        </p:style>
-      </p:sp>
-      <p:sp>
-        <p:nvSpPr>
-          <p:cNvPr id="284" name="CustomShape 18"/>
-          <p:cNvSpPr/>
-          <p:nvPr/>
-        </p:nvSpPr>
-        <p:spPr>
-          <a:xfrm>
-            <a:off x="2354040" y="1380960"/>
-            <a:ext cx="2404080" cy="423360"/>
-          </a:xfrm>
-          <a:prstGeom prst="rect">
-            <a:avLst/>
-          </a:prstGeom>
-          <a:noFill/>
-          <a:ln>
-            <a:noFill/>
-          </a:ln>
-        </p:spPr>
-        <p:style>
-          <a:lnRef idx="0"/>
-          <a:fillRef idx="0"/>
-          <a:effectRef idx="0"/>
-          <a:fontRef idx="minor"/>
-        </p:style>
-        <p:txBody>
-          <a:bodyPr lIns="90000" rIns="90000" tIns="45000" bIns="45000"/>
-          <a:p>
-            <a:pPr algn="just">
-              <a:lnSpc>
-                <a:spcPct val="100000"/>
-              </a:lnSpc>
-            </a:pPr>
-            <a:r>
-              <a:rPr b="1" lang="en-US" sz="2200" spc="-1" strike="noStrike">
-                <a:solidFill>
-                  <a:srgbClr val="136083"/>
-                </a:solidFill>
-                <a:uFill>
-                  <a:solidFill>
-                    <a:srgbClr val="ffffff"/>
-                  </a:solidFill>
-                </a:uFill>
-                <a:latin typeface="微软雅黑"/>
-                <a:ea typeface="微软雅黑"/>
-              </a:rPr>
-              <a:t>追求更深的技术</a:t>
-            </a:r>
-            <a:endParaRPr b="0" lang="en-US" sz="1800" spc="-1" strike="noStrike">
-              <a:solidFill>
-                <a:srgbClr val="000000"/>
-              </a:solidFill>
-              <a:uFill>
-                <a:solidFill>
-                  <a:srgbClr val="ffffff"/>
-                </a:solidFill>
-              </a:uFill>
-              <a:latin typeface="Arial"/>
-            </a:endParaRPr>
-          </a:p>
-        </p:txBody>
-      </p:sp>
-      <p:sp>
-        <p:nvSpPr>
-          <p:cNvPr id="285" name="CustomShape 19"/>
-          <p:cNvSpPr/>
-          <p:nvPr/>
-        </p:nvSpPr>
-        <p:spPr>
-          <a:xfrm>
-            <a:off x="2354040" y="3767760"/>
-            <a:ext cx="8693640" cy="574920"/>
-          </a:xfrm>
-          <a:prstGeom prst="rect">
-            <a:avLst/>
-          </a:prstGeom>
-          <a:noFill/>
-          <a:ln>
-            <a:noFill/>
-          </a:ln>
-        </p:spPr>
-        <p:style>
-          <a:lnRef idx="0"/>
-          <a:fillRef idx="0"/>
-          <a:effectRef idx="0"/>
-          <a:fontRef idx="minor"/>
-        </p:style>
-        <p:txBody>
-          <a:bodyPr lIns="90000" rIns="90000" tIns="45000" bIns="45000"/>
-          <a:p>
-            <a:pPr algn="just">
-              <a:lnSpc>
-                <a:spcPct val="100000"/>
-              </a:lnSpc>
-            </a:pPr>
-            <a:r>
-              <a:rPr b="0" lang="en-US" sz="1600" spc="-1" strike="noStrike">
-                <a:solidFill>
-                  <a:srgbClr val="595959"/>
-                </a:solidFill>
-                <a:uFill>
-                  <a:solidFill>
-                    <a:srgbClr val="ffffff"/>
-                  </a:solidFill>
-                </a:uFill>
-                <a:latin typeface="微软雅黑"/>
-                <a:ea typeface="微软雅黑"/>
-              </a:rPr>
-              <a:t>和开发多交流项目情况，分享技术知识。</a:t>
-            </a:r>
-            <a:endParaRPr b="0" lang="en-US" sz="1800" spc="-1" strike="noStrike">
-              <a:solidFill>
-                <a:srgbClr val="000000"/>
-              </a:solidFill>
-              <a:uFill>
-                <a:solidFill>
-                  <a:srgbClr val="ffffff"/>
-                </a:solidFill>
-              </a:uFill>
-              <a:latin typeface="Arial"/>
-            </a:endParaRPr>
-          </a:p>
-          <a:p>
-            <a:pPr algn="just">
-              <a:lnSpc>
-                <a:spcPct val="100000"/>
-              </a:lnSpc>
-            </a:pPr>
-            <a:r>
-              <a:rPr b="0" lang="en-US" sz="1600" spc="-1" strike="noStrike">
-                <a:solidFill>
-                  <a:srgbClr val="595959"/>
-                </a:solidFill>
-                <a:uFill>
-                  <a:solidFill>
-                    <a:srgbClr val="ffffff"/>
-                  </a:solidFill>
-                </a:uFill>
-                <a:latin typeface="微软雅黑"/>
-                <a:ea typeface="微软雅黑"/>
-              </a:rPr>
-              <a:t>和产品多沟通，思考业务现状，培养产品意识。</a:t>
-            </a:r>
-            <a:endParaRPr b="0" lang="en-US" sz="1800" spc="-1" strike="noStrike">
-              <a:solidFill>
-                <a:srgbClr val="000000"/>
-              </a:solidFill>
-              <a:uFill>
-                <a:solidFill>
-                  <a:srgbClr val="ffffff"/>
-                </a:solidFill>
-              </a:uFill>
-              <a:latin typeface="Arial"/>
-            </a:endParaRPr>
-          </a:p>
-        </p:txBody>
-      </p:sp>
-      <p:sp>
-        <p:nvSpPr>
-          <p:cNvPr id="286" name="CustomShape 20"/>
-          <p:cNvSpPr/>
-          <p:nvPr/>
-        </p:nvSpPr>
-        <p:spPr>
-          <a:xfrm>
-            <a:off x="2354040" y="5144040"/>
-            <a:ext cx="2068920" cy="424080"/>
-          </a:xfrm>
-          <a:prstGeom prst="rect">
-            <a:avLst/>
-          </a:prstGeom>
-          <a:noFill/>
-          <a:ln>
-            <a:noFill/>
-          </a:ln>
-        </p:spPr>
-        <p:style>
-          <a:lnRef idx="0"/>
-          <a:fillRef idx="0"/>
-          <a:effectRef idx="0"/>
-          <a:fontRef idx="minor"/>
-        </p:style>
-        <p:txBody>
-          <a:bodyPr lIns="90000" rIns="90000" tIns="45000" bIns="45000"/>
-          <a:p>
-            <a:pPr algn="just">
-              <a:lnSpc>
-                <a:spcPct val="100000"/>
-              </a:lnSpc>
-            </a:pPr>
-            <a:r>
-              <a:rPr b="1" lang="en-US" sz="2200" spc="-1" strike="noStrike">
-                <a:solidFill>
-                  <a:srgbClr val="136083"/>
-                </a:solidFill>
-                <a:uFill>
-                  <a:solidFill>
-                    <a:srgbClr val="ffffff"/>
-                  </a:solidFill>
-                </a:uFill>
-                <a:latin typeface="微软雅黑"/>
-                <a:ea typeface="微软雅黑"/>
-              </a:rPr>
-              <a:t>责任感</a:t>
-            </a:r>
-            <a:endParaRPr b="0" lang="en-US" sz="1800" spc="-1" strike="noStrike">
-              <a:solidFill>
-                <a:srgbClr val="000000"/>
-              </a:solidFill>
-              <a:uFill>
-                <a:solidFill>
-                  <a:srgbClr val="ffffff"/>
-                </a:solidFill>
-              </a:uFill>
-              <a:latin typeface="Arial"/>
-            </a:endParaRPr>
-          </a:p>
-        </p:txBody>
-      </p:sp>
-      <p:sp>
-        <p:nvSpPr>
-          <p:cNvPr id="287" name="CustomShape 21"/>
-          <p:cNvSpPr/>
-          <p:nvPr/>
-        </p:nvSpPr>
-        <p:spPr>
-          <a:xfrm>
-            <a:off x="2402640" y="1837800"/>
-            <a:ext cx="5804640" cy="875880"/>
-          </a:xfrm>
-          <a:prstGeom prst="rect">
-            <a:avLst/>
-          </a:prstGeom>
-          <a:noFill/>
-          <a:ln>
-            <a:noFill/>
-          </a:ln>
-        </p:spPr>
-        <p:style>
-          <a:lnRef idx="0"/>
-          <a:fillRef idx="0"/>
-          <a:effectRef idx="0"/>
-          <a:fontRef idx="minor"/>
-        </p:style>
-        <p:txBody>
-          <a:bodyPr lIns="90000" rIns="90000" tIns="45000" bIns="45000"/>
-          <a:p>
-            <a:pPr algn="just">
-              <a:lnSpc>
-                <a:spcPct val="100000"/>
-              </a:lnSpc>
-            </a:pPr>
-            <a:r>
-              <a:rPr b="0" lang="en-US" sz="1600" spc="-1" strike="noStrike">
-                <a:solidFill>
-                  <a:srgbClr val="595959"/>
-                </a:solidFill>
-                <a:uFill>
-                  <a:solidFill>
-                    <a:srgbClr val="ffffff"/>
-                  </a:solidFill>
-                </a:uFill>
-                <a:latin typeface="微软雅黑"/>
-                <a:ea typeface="微软雅黑"/>
-              </a:rPr>
-              <a:t>注意代码细节，思考有没有更高效的方法，有没有优化的点，有没有不合理的地方。多学习新技术，多思考其应用场景，是否能对现有项目有所提升。</a:t>
+              <a:t>思考所学技术，优化项目架构。</a:t>
             </a:r>
             <a:endParaRPr b="0" lang="en-US" sz="1800" spc="-1" strike="noStrike">
               <a:solidFill>
@@ -14393,14 +14489,14 @@
       </p:grpSpPr>
       <p:sp>
         <p:nvSpPr>
-          <p:cNvPr id="288" name="CustomShape 1"/>
-          <p:cNvSpPr/>
-          <p:nvPr/>
-        </p:nvSpPr>
-        <p:spPr>
-          <a:xfrm>
-            <a:off x="0" y="205200"/>
-            <a:ext cx="12190320" cy="599040"/>
+          <p:cNvPr id="308" name="CustomShape 1"/>
+          <p:cNvSpPr/>
+          <p:nvPr/>
+        </p:nvSpPr>
+        <p:spPr>
+          <a:xfrm>
+            <a:off x="0" y="0"/>
+            <a:ext cx="12189960" cy="3527280"/>
           </a:xfrm>
           <a:prstGeom prst="rect">
             <a:avLst/>
@@ -14427,45 +14523,45 @@
           <a:fontRef idx="minor"/>
         </p:style>
       </p:sp>
-      <p:sp>
-        <p:nvSpPr>
-          <p:cNvPr id="289" name="CustomShape 2"/>
-          <p:cNvSpPr/>
-          <p:nvPr/>
-        </p:nvSpPr>
-        <p:spPr>
-          <a:xfrm flipH="1">
-            <a:off x="264960" y="806040"/>
-            <a:ext cx="310320" cy="87480"/>
-          </a:xfrm>
-          <a:custGeom>
-            <a:avLst/>
-            <a:gdLst/>
-            <a:ahLst/>
-            <a:rect l="l" t="t" r="r" b="b"/>
-            <a:pathLst>
-              <a:path w="1297939" h="333828">
-                <a:moveTo>
-                  <a:pt x="1297939" y="0"/>
-                </a:moveTo>
-                <a:lnTo>
-                  <a:pt x="0" y="0"/>
-                </a:lnTo>
-                <a:lnTo>
-                  <a:pt x="200297" y="333828"/>
-                </a:lnTo>
-                <a:lnTo>
-                  <a:pt x="1297939" y="333828"/>
-                </a:lnTo>
-                <a:close/>
-              </a:path>
-            </a:pathLst>
-          </a:custGeom>
+      <p:pic>
+        <p:nvPicPr>
+          <p:cNvPr id="309" name="图片 42" descr=""/>
+          <p:cNvPicPr/>
+          <p:nvPr/>
+        </p:nvPicPr>
+        <p:blipFill>
+          <a:blip r:embed="rId1"/>
+          <a:stretch/>
+        </p:blipFill>
+        <p:spPr>
+          <a:xfrm>
+            <a:off x="1066680" y="345960"/>
+            <a:ext cx="10056240" cy="5085000"/>
+          </a:xfrm>
+          <a:prstGeom prst="rect">
+            <a:avLst/>
+          </a:prstGeom>
+          <a:ln>
+            <a:noFill/>
+          </a:ln>
+        </p:spPr>
+      </p:pic>
+      <p:sp>
+        <p:nvSpPr>
+          <p:cNvPr id="310" name="CustomShape 2"/>
+          <p:cNvSpPr/>
+          <p:nvPr/>
+        </p:nvSpPr>
+        <p:spPr>
+          <a:xfrm>
+            <a:off x="0" y="3522600"/>
+            <a:ext cx="12189960" cy="3333240"/>
+          </a:xfrm>
+          <a:prstGeom prst="rect">
+            <a:avLst/>
+          </a:prstGeom>
           <a:solidFill>
-            <a:schemeClr val="tx1">
-              <a:lumMod val="65000"/>
-              <a:lumOff val="35000"/>
-            </a:schemeClr>
+            <a:schemeClr val="bg1"/>
           </a:solidFill>
           <a:ln>
             <a:noFill/>
@@ -14488,1413 +14584,14 @@
       </p:sp>
       <p:sp>
         <p:nvSpPr>
-          <p:cNvPr id="290" name="CustomShape 3"/>
-          <p:cNvSpPr/>
-          <p:nvPr/>
-        </p:nvSpPr>
-        <p:spPr>
-          <a:xfrm flipV="1">
-            <a:off x="1457280" y="114120"/>
-            <a:ext cx="310320" cy="87480"/>
-          </a:xfrm>
-          <a:custGeom>
-            <a:avLst/>
-            <a:gdLst/>
-            <a:ahLst/>
-            <a:rect l="l" t="t" r="r" b="b"/>
-            <a:pathLst>
-              <a:path w="1297939" h="333828">
-                <a:moveTo>
-                  <a:pt x="1297939" y="0"/>
-                </a:moveTo>
-                <a:lnTo>
-                  <a:pt x="0" y="0"/>
-                </a:lnTo>
-                <a:lnTo>
-                  <a:pt x="200297" y="333828"/>
-                </a:lnTo>
-                <a:lnTo>
-                  <a:pt x="1297939" y="333828"/>
-                </a:lnTo>
-                <a:close/>
-              </a:path>
-            </a:pathLst>
-          </a:custGeom>
-          <a:solidFill>
-            <a:schemeClr val="tx1">
-              <a:lumMod val="65000"/>
-              <a:lumOff val="35000"/>
-            </a:schemeClr>
-          </a:solidFill>
-          <a:ln>
-            <a:noFill/>
-          </a:ln>
-        </p:spPr>
-        <p:style>
-          <a:lnRef idx="2">
-            <a:schemeClr val="accent1">
-              <a:shade val="50000"/>
-            </a:schemeClr>
-          </a:lnRef>
-          <a:fillRef idx="1">
-            <a:schemeClr val="accent1"/>
-          </a:fillRef>
-          <a:effectRef idx="0">
-            <a:schemeClr val="accent1"/>
-          </a:effectRef>
-          <a:fontRef idx="minor"/>
-        </p:style>
-      </p:sp>
-      <p:sp>
-        <p:nvSpPr>
-          <p:cNvPr id="291" name="CustomShape 4"/>
-          <p:cNvSpPr/>
-          <p:nvPr/>
-        </p:nvSpPr>
-        <p:spPr>
-          <a:xfrm flipH="1">
-            <a:off x="311040" y="116280"/>
-            <a:ext cx="1401120" cy="777600"/>
-          </a:xfrm>
-          <a:prstGeom prst="parallelogram">
-            <a:avLst>
-              <a:gd name="adj" fmla="val 57338"/>
-            </a:avLst>
-          </a:prstGeom>
-          <a:solidFill>
-            <a:srgbClr val="00b0f0"/>
-          </a:solidFill>
-          <a:ln>
-            <a:noFill/>
-          </a:ln>
-        </p:spPr>
-        <p:style>
-          <a:lnRef idx="2">
-            <a:schemeClr val="accent1">
-              <a:shade val="50000"/>
-            </a:schemeClr>
-          </a:lnRef>
-          <a:fillRef idx="1">
-            <a:schemeClr val="accent1"/>
-          </a:fillRef>
-          <a:effectRef idx="0">
-            <a:schemeClr val="accent1"/>
-          </a:effectRef>
-          <a:fontRef idx="minor"/>
-        </p:style>
-      </p:sp>
-      <p:sp>
-        <p:nvSpPr>
-          <p:cNvPr id="292" name="CustomShape 5"/>
-          <p:cNvSpPr/>
-          <p:nvPr/>
-        </p:nvSpPr>
-        <p:spPr>
-          <a:xfrm>
-            <a:off x="302040" y="244080"/>
-            <a:ext cx="1322280" cy="515520"/>
-          </a:xfrm>
-          <a:prstGeom prst="rect">
-            <a:avLst/>
-          </a:prstGeom>
-          <a:noFill/>
-          <a:ln>
-            <a:noFill/>
-          </a:ln>
-        </p:spPr>
-        <p:style>
-          <a:lnRef idx="0"/>
-          <a:fillRef idx="0"/>
-          <a:effectRef idx="0"/>
-          <a:fontRef idx="minor"/>
-        </p:style>
-        <p:txBody>
-          <a:bodyPr lIns="90000" rIns="90000" tIns="45000" bIns="45000"/>
-          <a:p>
-            <a:pPr algn="ctr">
-              <a:lnSpc>
-                <a:spcPct val="100000"/>
-              </a:lnSpc>
-            </a:pPr>
-            <a:r>
-              <a:rPr b="1" lang="en-US" sz="2800" spc="-1" strike="noStrike">
-                <a:solidFill>
-                  <a:srgbClr val="ffffff"/>
-                </a:solidFill>
-                <a:uFill>
-                  <a:solidFill>
-                    <a:srgbClr val="ffffff"/>
-                  </a:solidFill>
-                </a:uFill>
-                <a:latin typeface="微软雅黑"/>
-                <a:ea typeface="微软雅黑"/>
-              </a:rPr>
-              <a:t>4.3</a:t>
-            </a:r>
-            <a:endParaRPr b="0" lang="en-US" sz="1800" spc="-1" strike="noStrike">
-              <a:solidFill>
-                <a:srgbClr val="000000"/>
-              </a:solidFill>
-              <a:uFill>
-                <a:solidFill>
-                  <a:srgbClr val="ffffff"/>
-                </a:solidFill>
-              </a:uFill>
-              <a:latin typeface="Arial"/>
-            </a:endParaRPr>
-          </a:p>
-        </p:txBody>
-      </p:sp>
-      <p:sp>
-        <p:nvSpPr>
-          <p:cNvPr id="293" name="CustomShape 6"/>
-          <p:cNvSpPr/>
-          <p:nvPr/>
-        </p:nvSpPr>
-        <p:spPr>
-          <a:xfrm>
-            <a:off x="2002320" y="244080"/>
-            <a:ext cx="2892960" cy="514800"/>
-          </a:xfrm>
-          <a:prstGeom prst="rect">
-            <a:avLst/>
-          </a:prstGeom>
-          <a:noFill/>
-          <a:ln>
-            <a:noFill/>
-          </a:ln>
-        </p:spPr>
-        <p:style>
-          <a:lnRef idx="0"/>
-          <a:fillRef idx="0"/>
-          <a:effectRef idx="0"/>
-          <a:fontRef idx="minor"/>
-        </p:style>
-        <p:txBody>
-          <a:bodyPr wrap="none" lIns="90000" rIns="90000" tIns="45000" bIns="45000"/>
-          <a:p>
-            <a:pPr>
-              <a:lnSpc>
-                <a:spcPct val="100000"/>
-              </a:lnSpc>
-            </a:pPr>
-            <a:r>
-              <a:rPr b="0" lang="en-US" sz="2800" spc="287" strike="noStrike">
-                <a:solidFill>
-                  <a:srgbClr val="ffffff"/>
-                </a:solidFill>
-                <a:uFill>
-                  <a:solidFill>
-                    <a:srgbClr val="ffffff"/>
-                  </a:solidFill>
-                </a:uFill>
-                <a:latin typeface="微软雅黑"/>
-                <a:ea typeface="微软雅黑"/>
-              </a:rPr>
-              <a:t>实现目标的关键</a:t>
-            </a:r>
-            <a:endParaRPr b="0" lang="en-US" sz="1800" spc="-1" strike="noStrike">
-              <a:solidFill>
-                <a:srgbClr val="000000"/>
-              </a:solidFill>
-              <a:uFill>
-                <a:solidFill>
-                  <a:srgbClr val="ffffff"/>
-                </a:solidFill>
-              </a:uFill>
-              <a:latin typeface="Arial"/>
-            </a:endParaRPr>
-          </a:p>
-        </p:txBody>
-      </p:sp>
-      <p:sp>
-        <p:nvSpPr>
-          <p:cNvPr id="294" name="CustomShape 7"/>
-          <p:cNvSpPr/>
-          <p:nvPr/>
-        </p:nvSpPr>
-        <p:spPr>
-          <a:xfrm>
-            <a:off x="2859840" y="1715040"/>
-            <a:ext cx="2654280" cy="824400"/>
-          </a:xfrm>
-          <a:prstGeom prst="rightArrow">
-            <a:avLst>
-              <a:gd name="adj1" fmla="val 72581"/>
-              <a:gd name="adj2" fmla="val 46774"/>
-            </a:avLst>
-          </a:prstGeom>
-          <a:solidFill>
-            <a:schemeClr val="bg1">
-              <a:lumMod val="95000"/>
-            </a:schemeClr>
-          </a:solidFill>
-          <a:ln>
-            <a:solidFill>
-              <a:schemeClr val="bg1">
-                <a:lumMod val="75000"/>
-              </a:schemeClr>
-            </a:solidFill>
-            <a:round/>
-          </a:ln>
-        </p:spPr>
-        <p:style>
-          <a:lnRef idx="2">
-            <a:schemeClr val="accent1">
-              <a:shade val="50000"/>
-            </a:schemeClr>
-          </a:lnRef>
-          <a:fillRef idx="1">
-            <a:schemeClr val="accent1"/>
-          </a:fillRef>
-          <a:effectRef idx="0">
-            <a:schemeClr val="accent1"/>
-          </a:effectRef>
-          <a:fontRef idx="minor"/>
-        </p:style>
-      </p:sp>
-      <p:sp>
-        <p:nvSpPr>
-          <p:cNvPr id="295" name="CustomShape 8"/>
-          <p:cNvSpPr/>
-          <p:nvPr/>
-        </p:nvSpPr>
-        <p:spPr>
-          <a:xfrm>
-            <a:off x="2859840" y="2883240"/>
-            <a:ext cx="2654280" cy="824400"/>
-          </a:xfrm>
-          <a:prstGeom prst="rightArrow">
-            <a:avLst>
-              <a:gd name="adj1" fmla="val 72581"/>
-              <a:gd name="adj2" fmla="val 46774"/>
-            </a:avLst>
-          </a:prstGeom>
-          <a:solidFill>
-            <a:schemeClr val="bg1">
-              <a:lumMod val="95000"/>
-            </a:schemeClr>
-          </a:solidFill>
-          <a:ln>
-            <a:solidFill>
-              <a:schemeClr val="bg1">
-                <a:lumMod val="75000"/>
-              </a:schemeClr>
-            </a:solidFill>
-            <a:round/>
-          </a:ln>
-        </p:spPr>
-        <p:style>
-          <a:lnRef idx="2">
-            <a:schemeClr val="accent1">
-              <a:shade val="50000"/>
-            </a:schemeClr>
-          </a:lnRef>
-          <a:fillRef idx="1">
-            <a:schemeClr val="accent1"/>
-          </a:fillRef>
-          <a:effectRef idx="0">
-            <a:schemeClr val="accent1"/>
-          </a:effectRef>
-          <a:fontRef idx="minor"/>
-        </p:style>
-      </p:sp>
-      <p:sp>
-        <p:nvSpPr>
-          <p:cNvPr id="296" name="CustomShape 9"/>
-          <p:cNvSpPr/>
-          <p:nvPr/>
-        </p:nvSpPr>
-        <p:spPr>
-          <a:xfrm>
-            <a:off x="2859840" y="4051080"/>
-            <a:ext cx="2654280" cy="822240"/>
-          </a:xfrm>
-          <a:prstGeom prst="rightArrow">
-            <a:avLst>
-              <a:gd name="adj1" fmla="val 72581"/>
-              <a:gd name="adj2" fmla="val 46774"/>
-            </a:avLst>
-          </a:prstGeom>
-          <a:solidFill>
-            <a:schemeClr val="bg1">
-              <a:lumMod val="95000"/>
-            </a:schemeClr>
-          </a:solidFill>
-          <a:ln>
-            <a:solidFill>
-              <a:schemeClr val="bg1">
-                <a:lumMod val="75000"/>
-              </a:schemeClr>
-            </a:solidFill>
-            <a:round/>
-          </a:ln>
-        </p:spPr>
-        <p:style>
-          <a:lnRef idx="2">
-            <a:schemeClr val="accent1">
-              <a:shade val="50000"/>
-            </a:schemeClr>
-          </a:lnRef>
-          <a:fillRef idx="1">
-            <a:schemeClr val="accent1"/>
-          </a:fillRef>
-          <a:effectRef idx="0">
-            <a:schemeClr val="accent1"/>
-          </a:effectRef>
-          <a:fontRef idx="minor"/>
-        </p:style>
-      </p:sp>
-      <p:sp>
-        <p:nvSpPr>
-          <p:cNvPr id="297" name="CustomShape 10"/>
-          <p:cNvSpPr/>
-          <p:nvPr/>
-        </p:nvSpPr>
-        <p:spPr>
-          <a:xfrm>
-            <a:off x="2859840" y="5217120"/>
-            <a:ext cx="2654280" cy="824400"/>
-          </a:xfrm>
-          <a:prstGeom prst="rightArrow">
-            <a:avLst>
-              <a:gd name="adj1" fmla="val 72581"/>
-              <a:gd name="adj2" fmla="val 46774"/>
-            </a:avLst>
-          </a:prstGeom>
-          <a:solidFill>
-            <a:schemeClr val="bg1">
-              <a:lumMod val="95000"/>
-            </a:schemeClr>
-          </a:solidFill>
-          <a:ln>
-            <a:solidFill>
-              <a:schemeClr val="bg1">
-                <a:lumMod val="75000"/>
-              </a:schemeClr>
-            </a:solidFill>
-            <a:round/>
-          </a:ln>
-        </p:spPr>
-        <p:style>
-          <a:lnRef idx="2">
-            <a:schemeClr val="accent1">
-              <a:shade val="50000"/>
-            </a:schemeClr>
-          </a:lnRef>
-          <a:fillRef idx="1">
-            <a:schemeClr val="accent1"/>
-          </a:fillRef>
-          <a:effectRef idx="0">
-            <a:schemeClr val="accent1"/>
-          </a:effectRef>
-          <a:fontRef idx="minor"/>
-        </p:style>
-      </p:sp>
-      <p:sp>
-        <p:nvSpPr>
-          <p:cNvPr id="298" name="CustomShape 11"/>
-          <p:cNvSpPr/>
-          <p:nvPr/>
-        </p:nvSpPr>
-        <p:spPr>
-          <a:xfrm flipV="1">
-            <a:off x="3916080" y="2410920"/>
-            <a:ext cx="138240" cy="126360"/>
-          </a:xfrm>
-          <a:prstGeom prst="rtTriangle">
-            <a:avLst/>
-          </a:prstGeom>
-          <a:solidFill>
-            <a:srgbClr val="136083"/>
-          </a:solidFill>
-          <a:ln>
-            <a:noFill/>
-          </a:ln>
-        </p:spPr>
-        <p:style>
-          <a:lnRef idx="2">
-            <a:schemeClr val="accent1">
-              <a:shade val="50000"/>
-            </a:schemeClr>
-          </a:lnRef>
-          <a:fillRef idx="1">
-            <a:schemeClr val="accent1"/>
-          </a:fillRef>
-          <a:effectRef idx="0">
-            <a:schemeClr val="accent1"/>
-          </a:effectRef>
-          <a:fontRef idx="minor"/>
-        </p:style>
-      </p:sp>
-      <p:sp>
-        <p:nvSpPr>
-          <p:cNvPr id="299" name="CustomShape 12"/>
-          <p:cNvSpPr/>
-          <p:nvPr/>
-        </p:nvSpPr>
-        <p:spPr>
-          <a:xfrm>
-            <a:off x="3916080" y="1715040"/>
-            <a:ext cx="138240" cy="126360"/>
-          </a:xfrm>
-          <a:prstGeom prst="rtTriangle">
-            <a:avLst/>
-          </a:prstGeom>
-          <a:solidFill>
-            <a:srgbClr val="136083"/>
-          </a:solidFill>
-          <a:ln>
-            <a:noFill/>
-          </a:ln>
-        </p:spPr>
-        <p:style>
-          <a:lnRef idx="2">
-            <a:schemeClr val="accent1">
-              <a:shade val="50000"/>
-            </a:schemeClr>
-          </a:lnRef>
-          <a:fillRef idx="1">
-            <a:schemeClr val="accent1"/>
-          </a:fillRef>
-          <a:effectRef idx="0">
-            <a:schemeClr val="accent1"/>
-          </a:effectRef>
-          <a:fontRef idx="minor"/>
-        </p:style>
-      </p:sp>
-      <p:sp>
-        <p:nvSpPr>
-          <p:cNvPr id="300" name="CustomShape 13"/>
-          <p:cNvSpPr/>
-          <p:nvPr/>
-        </p:nvSpPr>
-        <p:spPr>
-          <a:xfrm>
-            <a:off x="1547640" y="1715040"/>
-            <a:ext cx="2366280" cy="824400"/>
-          </a:xfrm>
-          <a:prstGeom prst="rect">
-            <a:avLst/>
-          </a:prstGeom>
-          <a:solidFill>
-            <a:srgbClr val="136083"/>
-          </a:solidFill>
-          <a:ln>
-            <a:noFill/>
-          </a:ln>
-        </p:spPr>
-        <p:style>
-          <a:lnRef idx="2">
-            <a:schemeClr val="accent1">
-              <a:shade val="50000"/>
-            </a:schemeClr>
-          </a:lnRef>
-          <a:fillRef idx="1">
-            <a:schemeClr val="accent1"/>
-          </a:fillRef>
-          <a:effectRef idx="0">
-            <a:schemeClr val="accent1"/>
-          </a:effectRef>
-          <a:fontRef idx="minor"/>
-        </p:style>
-        <p:txBody>
-          <a:bodyPr lIns="115200" rIns="115200" tIns="57600" bIns="57600" anchor="ctr"/>
-          <a:p>
-            <a:pPr algn="ctr">
-              <a:lnSpc>
-                <a:spcPct val="100000"/>
-              </a:lnSpc>
-            </a:pPr>
-            <a:r>
-              <a:rPr b="0" lang="en-US" sz="2539" spc="-1" strike="noStrike">
-                <a:solidFill>
-                  <a:srgbClr val="ffffff"/>
-                </a:solidFill>
-                <a:uFill>
-                  <a:solidFill>
-                    <a:srgbClr val="ffffff"/>
-                  </a:solidFill>
-                </a:uFill>
-                <a:latin typeface="微软雅黑"/>
-                <a:ea typeface="微软雅黑"/>
-              </a:rPr>
-              <a:t>持续学习</a:t>
-            </a:r>
-            <a:endParaRPr b="0" lang="en-US" sz="1800" spc="-1" strike="noStrike">
-              <a:solidFill>
-                <a:srgbClr val="000000"/>
-              </a:solidFill>
-              <a:uFill>
-                <a:solidFill>
-                  <a:srgbClr val="ffffff"/>
-                </a:solidFill>
-              </a:uFill>
-              <a:latin typeface="Arial"/>
-            </a:endParaRPr>
-          </a:p>
-        </p:txBody>
-      </p:sp>
-      <p:sp>
-        <p:nvSpPr>
-          <p:cNvPr id="301" name="CustomShape 14"/>
-          <p:cNvSpPr/>
-          <p:nvPr/>
-        </p:nvSpPr>
-        <p:spPr>
-          <a:xfrm flipV="1">
-            <a:off x="3916080" y="3579120"/>
-            <a:ext cx="138240" cy="126360"/>
-          </a:xfrm>
-          <a:prstGeom prst="rtTriangle">
-            <a:avLst/>
-          </a:prstGeom>
-          <a:solidFill>
-            <a:srgbClr val="136083"/>
-          </a:solidFill>
-          <a:ln>
-            <a:noFill/>
-          </a:ln>
-        </p:spPr>
-        <p:style>
-          <a:lnRef idx="2">
-            <a:schemeClr val="accent1">
-              <a:shade val="50000"/>
-            </a:schemeClr>
-          </a:lnRef>
-          <a:fillRef idx="1">
-            <a:schemeClr val="accent1"/>
-          </a:fillRef>
-          <a:effectRef idx="0">
-            <a:schemeClr val="accent1"/>
-          </a:effectRef>
-          <a:fontRef idx="minor"/>
-        </p:style>
-      </p:sp>
-      <p:sp>
-        <p:nvSpPr>
-          <p:cNvPr id="302" name="CustomShape 15"/>
-          <p:cNvSpPr/>
-          <p:nvPr/>
-        </p:nvSpPr>
-        <p:spPr>
-          <a:xfrm>
-            <a:off x="3916080" y="2883240"/>
-            <a:ext cx="138240" cy="126360"/>
-          </a:xfrm>
-          <a:prstGeom prst="rtTriangle">
-            <a:avLst/>
-          </a:prstGeom>
-          <a:solidFill>
-            <a:srgbClr val="136083"/>
-          </a:solidFill>
-          <a:ln>
-            <a:noFill/>
-          </a:ln>
-        </p:spPr>
-        <p:style>
-          <a:lnRef idx="2">
-            <a:schemeClr val="accent1">
-              <a:shade val="50000"/>
-            </a:schemeClr>
-          </a:lnRef>
-          <a:fillRef idx="1">
-            <a:schemeClr val="accent1"/>
-          </a:fillRef>
-          <a:effectRef idx="0">
-            <a:schemeClr val="accent1"/>
-          </a:effectRef>
-          <a:fontRef idx="minor"/>
-        </p:style>
-      </p:sp>
-      <p:sp>
-        <p:nvSpPr>
-          <p:cNvPr id="303" name="CustomShape 16"/>
-          <p:cNvSpPr/>
-          <p:nvPr/>
-        </p:nvSpPr>
-        <p:spPr>
-          <a:xfrm>
-            <a:off x="1547640" y="2883240"/>
-            <a:ext cx="2366280" cy="824400"/>
-          </a:xfrm>
-          <a:prstGeom prst="rect">
-            <a:avLst/>
-          </a:prstGeom>
-          <a:solidFill>
-            <a:srgbClr val="136083"/>
-          </a:solidFill>
-          <a:ln>
-            <a:noFill/>
-          </a:ln>
-        </p:spPr>
-        <p:style>
-          <a:lnRef idx="2">
-            <a:schemeClr val="accent1">
-              <a:shade val="50000"/>
-            </a:schemeClr>
-          </a:lnRef>
-          <a:fillRef idx="1">
-            <a:schemeClr val="accent1"/>
-          </a:fillRef>
-          <a:effectRef idx="0">
-            <a:schemeClr val="accent1"/>
-          </a:effectRef>
-          <a:fontRef idx="minor"/>
-        </p:style>
-        <p:txBody>
-          <a:bodyPr lIns="115200" rIns="115200" tIns="57600" bIns="57600" anchor="ctr"/>
-          <a:p>
-            <a:pPr algn="ctr">
-              <a:lnSpc>
-                <a:spcPct val="100000"/>
-              </a:lnSpc>
-            </a:pPr>
-            <a:r>
-              <a:rPr b="0" lang="en-US" sz="2539" spc="-1" strike="noStrike">
-                <a:solidFill>
-                  <a:srgbClr val="ffffff"/>
-                </a:solidFill>
-                <a:uFill>
-                  <a:solidFill>
-                    <a:srgbClr val="ffffff"/>
-                  </a:solidFill>
-                </a:uFill>
-                <a:latin typeface="微软雅黑"/>
-                <a:ea typeface="微软雅黑"/>
-              </a:rPr>
-              <a:t>保持实践</a:t>
-            </a:r>
-            <a:endParaRPr b="0" lang="en-US" sz="1800" spc="-1" strike="noStrike">
-              <a:solidFill>
-                <a:srgbClr val="000000"/>
-              </a:solidFill>
-              <a:uFill>
-                <a:solidFill>
-                  <a:srgbClr val="ffffff"/>
-                </a:solidFill>
-              </a:uFill>
-              <a:latin typeface="Arial"/>
-            </a:endParaRPr>
-          </a:p>
-        </p:txBody>
-      </p:sp>
-      <p:sp>
-        <p:nvSpPr>
-          <p:cNvPr id="304" name="CustomShape 17"/>
-          <p:cNvSpPr/>
-          <p:nvPr/>
-        </p:nvSpPr>
-        <p:spPr>
-          <a:xfrm flipV="1">
-            <a:off x="3916080" y="4745160"/>
-            <a:ext cx="138240" cy="126360"/>
-          </a:xfrm>
-          <a:prstGeom prst="rtTriangle">
-            <a:avLst/>
-          </a:prstGeom>
-          <a:solidFill>
-            <a:srgbClr val="136083"/>
-          </a:solidFill>
-          <a:ln>
-            <a:noFill/>
-          </a:ln>
-        </p:spPr>
-        <p:style>
-          <a:lnRef idx="2">
-            <a:schemeClr val="accent1">
-              <a:shade val="50000"/>
-            </a:schemeClr>
-          </a:lnRef>
-          <a:fillRef idx="1">
-            <a:schemeClr val="accent1"/>
-          </a:fillRef>
-          <a:effectRef idx="0">
-            <a:schemeClr val="accent1"/>
-          </a:effectRef>
-          <a:fontRef idx="minor"/>
-        </p:style>
-      </p:sp>
-      <p:sp>
-        <p:nvSpPr>
-          <p:cNvPr id="305" name="CustomShape 18"/>
-          <p:cNvSpPr/>
-          <p:nvPr/>
-        </p:nvSpPr>
-        <p:spPr>
-          <a:xfrm>
-            <a:off x="3916080" y="4051080"/>
-            <a:ext cx="138240" cy="124200"/>
-          </a:xfrm>
-          <a:prstGeom prst="rtTriangle">
-            <a:avLst/>
-          </a:prstGeom>
-          <a:solidFill>
-            <a:srgbClr val="136083"/>
-          </a:solidFill>
-          <a:ln>
-            <a:noFill/>
-          </a:ln>
-        </p:spPr>
-        <p:style>
-          <a:lnRef idx="2">
-            <a:schemeClr val="accent1">
-              <a:shade val="50000"/>
-            </a:schemeClr>
-          </a:lnRef>
-          <a:fillRef idx="1">
-            <a:schemeClr val="accent1"/>
-          </a:fillRef>
-          <a:effectRef idx="0">
-            <a:schemeClr val="accent1"/>
-          </a:effectRef>
-          <a:fontRef idx="minor"/>
-        </p:style>
-      </p:sp>
-      <p:sp>
-        <p:nvSpPr>
-          <p:cNvPr id="306" name="CustomShape 19"/>
-          <p:cNvSpPr/>
-          <p:nvPr/>
-        </p:nvSpPr>
-        <p:spPr>
-          <a:xfrm>
-            <a:off x="1547640" y="4051080"/>
-            <a:ext cx="2366280" cy="822240"/>
-          </a:xfrm>
-          <a:prstGeom prst="rect">
-            <a:avLst/>
-          </a:prstGeom>
-          <a:solidFill>
-            <a:srgbClr val="136083"/>
-          </a:solidFill>
-          <a:ln>
-            <a:noFill/>
-          </a:ln>
-        </p:spPr>
-        <p:style>
-          <a:lnRef idx="2">
-            <a:schemeClr val="accent1">
-              <a:shade val="50000"/>
-            </a:schemeClr>
-          </a:lnRef>
-          <a:fillRef idx="1">
-            <a:schemeClr val="accent1"/>
-          </a:fillRef>
-          <a:effectRef idx="0">
-            <a:schemeClr val="accent1"/>
-          </a:effectRef>
-          <a:fontRef idx="minor"/>
-        </p:style>
-        <p:txBody>
-          <a:bodyPr lIns="115200" rIns="115200" tIns="57600" bIns="57600" anchor="ctr"/>
-          <a:p>
-            <a:pPr algn="ctr">
-              <a:lnSpc>
-                <a:spcPct val="100000"/>
-              </a:lnSpc>
-            </a:pPr>
-            <a:r>
-              <a:rPr b="0" lang="en-US" sz="2539" spc="-1" strike="noStrike">
-                <a:solidFill>
-                  <a:srgbClr val="ffffff"/>
-                </a:solidFill>
-                <a:uFill>
-                  <a:solidFill>
-                    <a:srgbClr val="ffffff"/>
-                  </a:solidFill>
-                </a:uFill>
-                <a:latin typeface="微软雅黑"/>
-                <a:ea typeface="微软雅黑"/>
-              </a:rPr>
-              <a:t>总结反思</a:t>
-            </a:r>
-            <a:endParaRPr b="0" lang="en-US" sz="1800" spc="-1" strike="noStrike">
-              <a:solidFill>
-                <a:srgbClr val="000000"/>
-              </a:solidFill>
-              <a:uFill>
-                <a:solidFill>
-                  <a:srgbClr val="ffffff"/>
-                </a:solidFill>
-              </a:uFill>
-              <a:latin typeface="Arial"/>
-            </a:endParaRPr>
-          </a:p>
-        </p:txBody>
-      </p:sp>
-      <p:sp>
-        <p:nvSpPr>
-          <p:cNvPr id="307" name="CustomShape 20"/>
-          <p:cNvSpPr/>
-          <p:nvPr/>
-        </p:nvSpPr>
-        <p:spPr>
-          <a:xfrm flipV="1">
-            <a:off x="3916080" y="5913000"/>
-            <a:ext cx="138240" cy="126360"/>
-          </a:xfrm>
-          <a:prstGeom prst="rtTriangle">
-            <a:avLst/>
-          </a:prstGeom>
-          <a:solidFill>
-            <a:srgbClr val="136083"/>
-          </a:solidFill>
-          <a:ln>
-            <a:noFill/>
-          </a:ln>
-        </p:spPr>
-        <p:style>
-          <a:lnRef idx="2">
-            <a:schemeClr val="accent1">
-              <a:shade val="50000"/>
-            </a:schemeClr>
-          </a:lnRef>
-          <a:fillRef idx="1">
-            <a:schemeClr val="accent1"/>
-          </a:fillRef>
-          <a:effectRef idx="0">
-            <a:schemeClr val="accent1"/>
-          </a:effectRef>
-          <a:fontRef idx="minor"/>
-        </p:style>
-      </p:sp>
-      <p:sp>
-        <p:nvSpPr>
-          <p:cNvPr id="308" name="CustomShape 21"/>
-          <p:cNvSpPr/>
-          <p:nvPr/>
-        </p:nvSpPr>
-        <p:spPr>
-          <a:xfrm>
-            <a:off x="3916080" y="5217120"/>
-            <a:ext cx="138240" cy="126360"/>
-          </a:xfrm>
-          <a:prstGeom prst="rtTriangle">
-            <a:avLst/>
-          </a:prstGeom>
-          <a:solidFill>
-            <a:srgbClr val="136083"/>
-          </a:solidFill>
-          <a:ln>
-            <a:noFill/>
-          </a:ln>
-        </p:spPr>
-        <p:style>
-          <a:lnRef idx="2">
-            <a:schemeClr val="accent1">
-              <a:shade val="50000"/>
-            </a:schemeClr>
-          </a:lnRef>
-          <a:fillRef idx="1">
-            <a:schemeClr val="accent1"/>
-          </a:fillRef>
-          <a:effectRef idx="0">
-            <a:schemeClr val="accent1"/>
-          </a:effectRef>
-          <a:fontRef idx="minor"/>
-        </p:style>
-      </p:sp>
-      <p:sp>
-        <p:nvSpPr>
-          <p:cNvPr id="309" name="CustomShape 22"/>
-          <p:cNvSpPr/>
-          <p:nvPr/>
-        </p:nvSpPr>
-        <p:spPr>
-          <a:xfrm>
-            <a:off x="1547640" y="5217120"/>
-            <a:ext cx="2366280" cy="824400"/>
-          </a:xfrm>
-          <a:prstGeom prst="rect">
-            <a:avLst/>
-          </a:prstGeom>
-          <a:solidFill>
-            <a:srgbClr val="136083"/>
-          </a:solidFill>
-          <a:ln>
-            <a:noFill/>
-          </a:ln>
-        </p:spPr>
-        <p:style>
-          <a:lnRef idx="2">
-            <a:schemeClr val="accent1">
-              <a:shade val="50000"/>
-            </a:schemeClr>
-          </a:lnRef>
-          <a:fillRef idx="1">
-            <a:schemeClr val="accent1"/>
-          </a:fillRef>
-          <a:effectRef idx="0">
-            <a:schemeClr val="accent1"/>
-          </a:effectRef>
-          <a:fontRef idx="minor"/>
-        </p:style>
-        <p:txBody>
-          <a:bodyPr lIns="115200" rIns="115200" tIns="57600" bIns="57600" anchor="ctr"/>
-          <a:p>
-            <a:pPr algn="ctr">
-              <a:lnSpc>
-                <a:spcPct val="100000"/>
-              </a:lnSpc>
-            </a:pPr>
-            <a:r>
-              <a:rPr b="0" lang="en-US" sz="2539" spc="-1" strike="noStrike">
-                <a:solidFill>
-                  <a:srgbClr val="ffffff"/>
-                </a:solidFill>
-                <a:uFill>
-                  <a:solidFill>
-                    <a:srgbClr val="ffffff"/>
-                  </a:solidFill>
-                </a:uFill>
-                <a:latin typeface="微软雅黑"/>
-                <a:ea typeface="微软雅黑"/>
-              </a:rPr>
-              <a:t>加强沟通</a:t>
-            </a:r>
-            <a:endParaRPr b="0" lang="en-US" sz="1800" spc="-1" strike="noStrike">
-              <a:solidFill>
-                <a:srgbClr val="000000"/>
-              </a:solidFill>
-              <a:uFill>
-                <a:solidFill>
-                  <a:srgbClr val="ffffff"/>
-                </a:solidFill>
-              </a:uFill>
-              <a:latin typeface="Arial"/>
-            </a:endParaRPr>
-          </a:p>
-        </p:txBody>
-      </p:sp>
-      <p:sp>
-        <p:nvSpPr>
-          <p:cNvPr id="310" name="CustomShape 23"/>
-          <p:cNvSpPr/>
-          <p:nvPr/>
-        </p:nvSpPr>
-        <p:spPr>
-          <a:xfrm>
-            <a:off x="5724000" y="1661040"/>
-            <a:ext cx="5074560" cy="920160"/>
-          </a:xfrm>
-          <a:prstGeom prst="rect">
-            <a:avLst/>
-          </a:prstGeom>
-          <a:noFill/>
-          <a:ln>
-            <a:noFill/>
-          </a:ln>
-        </p:spPr>
-        <p:style>
-          <a:lnRef idx="0"/>
-          <a:fillRef idx="0"/>
-          <a:effectRef idx="0"/>
-          <a:fontRef idx="minor"/>
-        </p:style>
-        <p:txBody>
-          <a:bodyPr lIns="0" rIns="0" tIns="0" bIns="0" anchor="ctr"/>
-          <a:p>
-            <a:pPr>
-              <a:lnSpc>
-                <a:spcPct val="130000"/>
-              </a:lnSpc>
-            </a:pPr>
-            <a:r>
-              <a:rPr b="0" lang="en-US" sz="1600" spc="-1" strike="noStrike">
-                <a:solidFill>
-                  <a:srgbClr val="404040"/>
-                </a:solidFill>
-                <a:uFill>
-                  <a:solidFill>
-                    <a:srgbClr val="ffffff"/>
-                  </a:solidFill>
-                </a:uFill>
-                <a:latin typeface="微软雅黑"/>
-                <a:ea typeface="微软雅黑"/>
-              </a:rPr>
-              <a:t>持续学习前沿技术，增加各方面实力。</a:t>
-            </a:r>
-            <a:endParaRPr b="0" lang="en-US" sz="1800" spc="-1" strike="noStrike">
-              <a:solidFill>
-                <a:srgbClr val="000000"/>
-              </a:solidFill>
-              <a:uFill>
-                <a:solidFill>
-                  <a:srgbClr val="ffffff"/>
-                </a:solidFill>
-              </a:uFill>
-              <a:latin typeface="Arial"/>
-            </a:endParaRPr>
-          </a:p>
-        </p:txBody>
-      </p:sp>
-      <p:sp>
-        <p:nvSpPr>
-          <p:cNvPr id="311" name="CustomShape 24"/>
-          <p:cNvSpPr/>
-          <p:nvPr/>
-        </p:nvSpPr>
-        <p:spPr>
-          <a:xfrm>
-            <a:off x="5724000" y="2825280"/>
-            <a:ext cx="5074560" cy="936360"/>
-          </a:xfrm>
-          <a:prstGeom prst="rect">
-            <a:avLst/>
-          </a:prstGeom>
-          <a:noFill/>
-          <a:ln w="9360">
-            <a:noFill/>
-          </a:ln>
-        </p:spPr>
-        <p:style>
-          <a:lnRef idx="0"/>
-          <a:fillRef idx="0"/>
-          <a:effectRef idx="0"/>
-          <a:fontRef idx="minor"/>
-        </p:style>
-      </p:sp>
-      <p:sp>
-        <p:nvSpPr>
-          <p:cNvPr id="312" name="CustomShape 25"/>
-          <p:cNvSpPr/>
-          <p:nvPr/>
-        </p:nvSpPr>
-        <p:spPr>
-          <a:xfrm>
-            <a:off x="5724000" y="3999240"/>
-            <a:ext cx="5074560" cy="816120"/>
-          </a:xfrm>
-          <a:prstGeom prst="rect">
-            <a:avLst/>
-          </a:prstGeom>
-          <a:noFill/>
-          <a:ln w="9360">
-            <a:noFill/>
-          </a:ln>
-        </p:spPr>
-        <p:style>
-          <a:lnRef idx="0"/>
-          <a:fillRef idx="0"/>
-          <a:effectRef idx="0"/>
-          <a:fontRef idx="minor"/>
-        </p:style>
-        <p:txBody>
-          <a:bodyPr lIns="0" rIns="0" tIns="0" bIns="0" anchor="ctr"/>
-          <a:p>
-            <a:pPr>
-              <a:lnSpc>
-                <a:spcPct val="130000"/>
-              </a:lnSpc>
-            </a:pPr>
-            <a:r>
-              <a:rPr b="0" lang="en-US" sz="1600" spc="-1" strike="noStrike">
-                <a:solidFill>
-                  <a:srgbClr val="404040"/>
-                </a:solidFill>
-                <a:uFill>
-                  <a:solidFill>
-                    <a:srgbClr val="ffffff"/>
-                  </a:solidFill>
-                </a:uFill>
-                <a:latin typeface="微软雅黑"/>
-                <a:ea typeface="微软雅黑"/>
-              </a:rPr>
-              <a:t>记录总结遇到的困难和问题，反思并提升。</a:t>
-            </a:r>
-            <a:endParaRPr b="0" lang="en-US" sz="1800" spc="-1" strike="noStrike">
-              <a:solidFill>
-                <a:srgbClr val="000000"/>
-              </a:solidFill>
-              <a:uFill>
-                <a:solidFill>
-                  <a:srgbClr val="ffffff"/>
-                </a:solidFill>
-              </a:uFill>
-              <a:latin typeface="Arial"/>
-            </a:endParaRPr>
-          </a:p>
-        </p:txBody>
-      </p:sp>
-      <p:sp>
-        <p:nvSpPr>
-          <p:cNvPr id="313" name="CustomShape 26"/>
-          <p:cNvSpPr/>
-          <p:nvPr/>
-        </p:nvSpPr>
-        <p:spPr>
-          <a:xfrm>
-            <a:off x="5724000" y="4985280"/>
-            <a:ext cx="5074560" cy="1324080"/>
-          </a:xfrm>
-          <a:prstGeom prst="rect">
-            <a:avLst/>
-          </a:prstGeom>
-          <a:noFill/>
-          <a:ln w="9360">
-            <a:noFill/>
-          </a:ln>
-        </p:spPr>
-        <p:style>
-          <a:lnRef idx="0"/>
-          <a:fillRef idx="0"/>
-          <a:effectRef idx="0"/>
-          <a:fontRef idx="minor"/>
-        </p:style>
-        <p:txBody>
-          <a:bodyPr lIns="0" rIns="0" tIns="0" bIns="0" anchor="ctr"/>
-          <a:p>
-            <a:pPr>
-              <a:lnSpc>
-                <a:spcPct val="130000"/>
-              </a:lnSpc>
-            </a:pPr>
-            <a:r>
-              <a:rPr b="0" lang="en-US" sz="1600" spc="-1" strike="noStrike">
-                <a:solidFill>
-                  <a:srgbClr val="404040"/>
-                </a:solidFill>
-                <a:uFill>
-                  <a:solidFill>
-                    <a:srgbClr val="ffffff"/>
-                  </a:solidFill>
-                </a:uFill>
-                <a:latin typeface="微软雅黑"/>
-                <a:ea typeface="微软雅黑"/>
-              </a:rPr>
-              <a:t>提高沟通技巧，降低交流成本，提升效率。</a:t>
-            </a:r>
-            <a:endParaRPr b="0" lang="en-US" sz="1800" spc="-1" strike="noStrike">
-              <a:solidFill>
-                <a:srgbClr val="000000"/>
-              </a:solidFill>
-              <a:uFill>
-                <a:solidFill>
-                  <a:srgbClr val="ffffff"/>
-                </a:solidFill>
-              </a:uFill>
-              <a:latin typeface="Arial"/>
-            </a:endParaRPr>
-          </a:p>
-        </p:txBody>
-      </p:sp>
-      <p:sp>
-        <p:nvSpPr>
-          <p:cNvPr id="314" name="CustomShape 27"/>
-          <p:cNvSpPr/>
-          <p:nvPr/>
-        </p:nvSpPr>
-        <p:spPr>
-          <a:xfrm>
-            <a:off x="5724000" y="2833560"/>
-            <a:ext cx="5074560" cy="920160"/>
-          </a:xfrm>
-          <a:prstGeom prst="rect">
-            <a:avLst/>
-          </a:prstGeom>
-          <a:noFill/>
-          <a:ln>
-            <a:noFill/>
-          </a:ln>
-        </p:spPr>
-        <p:style>
-          <a:lnRef idx="0"/>
-          <a:fillRef idx="0"/>
-          <a:effectRef idx="0"/>
-          <a:fontRef idx="minor"/>
-        </p:style>
-        <p:txBody>
-          <a:bodyPr lIns="0" rIns="0" tIns="0" bIns="0" anchor="ctr"/>
-          <a:p>
-            <a:pPr>
-              <a:lnSpc>
-                <a:spcPct val="130000"/>
-              </a:lnSpc>
-            </a:pPr>
-            <a:r>
-              <a:rPr b="0" lang="en-US" sz="1600" spc="-1" strike="noStrike">
-                <a:solidFill>
-                  <a:srgbClr val="404040"/>
-                </a:solidFill>
-                <a:uFill>
-                  <a:solidFill>
-                    <a:srgbClr val="ffffff"/>
-                  </a:solidFill>
-                </a:uFill>
-                <a:latin typeface="微软雅黑"/>
-                <a:ea typeface="微软雅黑"/>
-              </a:rPr>
-              <a:t>思考所学技术，优化项目架构。</a:t>
-            </a:r>
-            <a:endParaRPr b="0" lang="en-US" sz="1800" spc="-1" strike="noStrike">
-              <a:solidFill>
-                <a:srgbClr val="000000"/>
-              </a:solidFill>
-              <a:uFill>
-                <a:solidFill>
-                  <a:srgbClr val="ffffff"/>
-                </a:solidFill>
-              </a:uFill>
-              <a:latin typeface="Arial"/>
-            </a:endParaRPr>
-          </a:p>
-        </p:txBody>
-      </p:sp>
-    </p:spTree>
-  </p:cSld>
-  <p:timing>
-    <p:tnLst>
-      <p:par>
-        <p:cTn id="33" dur="indefinite" restart="never" nodeType="tmRoot">
-          <p:childTnLst>
-            <p:seq>
-              <p:cTn id="34" nodeType="mainSeq"/>
-              <p:prevCondLst>
-                <p:cond delay="0" evt="onPrev">
-                  <p:tgtEl>
-                    <p:sldTgt/>
-                  </p:tgtEl>
-                </p:cond>
-              </p:prevCondLst>
-              <p:nextCondLst>
-                <p:cond delay="0" evt="onNext">
-                  <p:tgtEl>
-                    <p:sldTgt/>
-                  </p:tgtEl>
-                </p:cond>
-              </p:nextCondLst>
-            </p:seq>
-          </p:childTnLst>
-        </p:cTn>
-      </p:par>
-    </p:tnLst>
-  </p:timing>
-</p:sld>
-</file>
-
-<file path=ppt/slides/slide18.xml><?xml version="1.0" encoding="utf-8"?>
-<p:sld xmlns:a="http://schemas.openxmlformats.org/drawingml/2006/main" xmlns:p="http://schemas.openxmlformats.org/presentationml/2006/main" xmlns:r="http://schemas.openxmlformats.org/officeDocument/2006/relationships" xmlns:p14="http://schemas.microsoft.com/office/powerpoint/2010/main" xmlns:p15="http://schemas.microsoft.com/office/powerpoint/2012/main" xmlns:mc="http://schemas.openxmlformats.org/markup-compatibility/2006">
-  <p:cSld>
-    <p:spTree>
-      <p:nvGrpSpPr>
-        <p:cNvPr id="1" name=""/>
-        <p:cNvGrpSpPr/>
-        <p:nvPr/>
-      </p:nvGrpSpPr>
-      <p:grpSpPr>
-        <a:xfrm>
-          <a:off x="0" y="0"/>
-          <a:ext cx="0" cy="0"/>
-          <a:chOff x="0" y="0"/>
-          <a:chExt cx="0" cy="0"/>
-        </a:xfrm>
-      </p:grpSpPr>
-      <p:sp>
-        <p:nvSpPr>
-          <p:cNvPr id="315" name="CustomShape 1"/>
-          <p:cNvSpPr/>
-          <p:nvPr/>
-        </p:nvSpPr>
-        <p:spPr>
-          <a:xfrm>
-            <a:off x="0" y="0"/>
-            <a:ext cx="12190320" cy="3527640"/>
-          </a:xfrm>
-          <a:prstGeom prst="rect">
-            <a:avLst/>
-          </a:prstGeom>
-          <a:solidFill>
-            <a:srgbClr val="136083"/>
-          </a:solidFill>
-          <a:ln>
-            <a:noFill/>
-          </a:ln>
-        </p:spPr>
-        <p:style>
-          <a:lnRef idx="2">
-            <a:schemeClr val="accent1">
-              <a:shade val="50000"/>
-            </a:schemeClr>
-          </a:lnRef>
-          <a:fillRef idx="1">
-            <a:schemeClr val="accent1"/>
-          </a:fillRef>
-          <a:effectRef idx="0">
-            <a:schemeClr val="accent1"/>
-          </a:effectRef>
-          <a:fontRef idx="minor"/>
-        </p:style>
-      </p:sp>
-      <p:pic>
-        <p:nvPicPr>
-          <p:cNvPr id="316" name="图片 42" descr=""/>
-          <p:cNvPicPr/>
-          <p:nvPr/>
-        </p:nvPicPr>
-        <p:blipFill>
-          <a:blip r:embed="rId1"/>
-          <a:stretch/>
-        </p:blipFill>
-        <p:spPr>
-          <a:xfrm>
-            <a:off x="1066680" y="345960"/>
-            <a:ext cx="10056600" cy="5085360"/>
-          </a:xfrm>
-          <a:prstGeom prst="rect">
-            <a:avLst/>
-          </a:prstGeom>
-          <a:ln>
-            <a:noFill/>
-          </a:ln>
-        </p:spPr>
-      </p:pic>
-      <p:sp>
-        <p:nvSpPr>
-          <p:cNvPr id="317" name="CustomShape 2"/>
-          <p:cNvSpPr/>
-          <p:nvPr/>
-        </p:nvSpPr>
-        <p:spPr>
-          <a:xfrm>
-            <a:off x="0" y="3522600"/>
-            <a:ext cx="12190320" cy="3333600"/>
-          </a:xfrm>
-          <a:prstGeom prst="rect">
-            <a:avLst/>
-          </a:prstGeom>
-          <a:solidFill>
-            <a:schemeClr val="bg1"/>
-          </a:solidFill>
-          <a:ln>
-            <a:noFill/>
-          </a:ln>
-        </p:spPr>
-        <p:style>
-          <a:lnRef idx="2">
-            <a:schemeClr val="accent1">
-              <a:shade val="50000"/>
-            </a:schemeClr>
-          </a:lnRef>
-          <a:fillRef idx="1">
-            <a:schemeClr val="accent1"/>
-          </a:fillRef>
-          <a:effectRef idx="0">
-            <a:schemeClr val="accent1"/>
-          </a:effectRef>
-          <a:fontRef idx="minor"/>
-        </p:style>
-      </p:sp>
-      <p:sp>
-        <p:nvSpPr>
-          <p:cNvPr id="318" name="CustomShape 3"/>
+          <p:cNvPr id="311" name="CustomShape 3"/>
           <p:cNvSpPr/>
           <p:nvPr/>
         </p:nvSpPr>
         <p:spPr>
           <a:xfrm>
             <a:off x="3459600" y="1377360"/>
-            <a:ext cx="5155200" cy="1551240"/>
+            <a:ext cx="5154840" cy="1550880"/>
           </a:xfrm>
           <a:prstGeom prst="rect">
             <a:avLst/>
@@ -15949,14 +14646,14 @@
       </p:sp>
       <p:sp>
         <p:nvSpPr>
-          <p:cNvPr id="319" name="CustomShape 4"/>
+          <p:cNvPr id="312" name="CustomShape 4"/>
           <p:cNvSpPr/>
           <p:nvPr/>
         </p:nvSpPr>
         <p:spPr>
           <a:xfrm>
             <a:off x="5222520" y="4392000"/>
-            <a:ext cx="1832040" cy="332280"/>
+            <a:ext cx="1831680" cy="331920"/>
           </a:xfrm>
           <a:prstGeom prst="rect">
             <a:avLst/>
@@ -15975,14 +14672,14 @@
       </p:sp>
       <p:sp>
         <p:nvSpPr>
-          <p:cNvPr id="320" name="CustomShape 5"/>
+          <p:cNvPr id="313" name="CustomShape 5"/>
           <p:cNvSpPr/>
           <p:nvPr/>
         </p:nvSpPr>
         <p:spPr>
           <a:xfrm>
             <a:off x="-360" y="3462840"/>
-            <a:ext cx="12190320" cy="3527640"/>
+            <a:ext cx="12189960" cy="3527280"/>
           </a:xfrm>
           <a:prstGeom prst="rect">
             <a:avLst/>
@@ -16011,14 +14708,14 @@
       </p:sp>
       <p:sp>
         <p:nvSpPr>
-          <p:cNvPr id="321" name="CustomShape 6"/>
+          <p:cNvPr id="314" name="CustomShape 6"/>
           <p:cNvSpPr/>
           <p:nvPr/>
         </p:nvSpPr>
         <p:spPr>
           <a:xfrm>
             <a:off x="3688200" y="3637440"/>
-            <a:ext cx="5155200" cy="1551240"/>
+            <a:ext cx="5154840" cy="1550880"/>
           </a:xfrm>
           <a:prstGeom prst="rect">
             <a:avLst/>
@@ -16079,10 +14776,10 @@
   <p:timing>
     <p:tnLst>
       <p:par>
-        <p:cTn id="35" dur="indefinite" restart="never" nodeType="tmRoot">
+        <p:cTn id="33" dur="indefinite" restart="never" nodeType="tmRoot">
           <p:childTnLst>
             <p:seq>
-              <p:cTn id="36" nodeType="mainSeq"/>
+              <p:cTn id="34" nodeType="mainSeq"/>
               <p:prevCondLst>
                 <p:cond delay="0" evt="onPrev">
                   <p:tgtEl>
@@ -16132,7 +14829,7 @@
         <p:spPr>
           <a:xfrm>
             <a:off x="0" y="0"/>
-            <a:ext cx="12190320" cy="2334960"/>
+            <a:ext cx="12189960" cy="2334600"/>
           </a:xfrm>
           <a:prstGeom prst="rect">
             <a:avLst/>
@@ -16173,7 +14870,7 @@
         <p:spPr>
           <a:xfrm>
             <a:off x="1066680" y="345960"/>
-            <a:ext cx="10056600" cy="1936080"/>
+            <a:ext cx="10056240" cy="1935720"/>
           </a:xfrm>
           <a:prstGeom prst="rect">
             <a:avLst/>
@@ -16192,7 +14889,7 @@
         <p:spPr>
           <a:xfrm>
             <a:off x="0" y="2283840"/>
-            <a:ext cx="12190320" cy="4572360"/>
+            <a:ext cx="12189960" cy="4572000"/>
           </a:xfrm>
           <a:prstGeom prst="rect">
             <a:avLst/>
@@ -16228,7 +14925,7 @@
         <p:spPr>
           <a:xfrm>
             <a:off x="785160" y="391680"/>
-            <a:ext cx="2998080" cy="945360"/>
+            <a:ext cx="2997720" cy="945000"/>
           </a:xfrm>
           <a:prstGeom prst="rect">
             <a:avLst/>
@@ -16335,7 +15032,7 @@
         <p:spPr>
           <a:xfrm>
             <a:off x="1479600" y="3281760"/>
-            <a:ext cx="1130400" cy="1204560"/>
+            <a:ext cx="1130040" cy="1204200"/>
           </a:xfrm>
           <a:custGeom>
             <a:avLst/>
@@ -16469,7 +15166,7 @@
         <p:spPr>
           <a:xfrm>
             <a:off x="4179960" y="3281760"/>
-            <a:ext cx="1130400" cy="1204560"/>
+            <a:ext cx="1130040" cy="1204200"/>
           </a:xfrm>
           <a:custGeom>
             <a:avLst/>
@@ -16603,7 +15300,7 @@
         <p:spPr>
           <a:xfrm>
             <a:off x="6879960" y="3281760"/>
-            <a:ext cx="1130400" cy="1204560"/>
+            <a:ext cx="1130040" cy="1204200"/>
           </a:xfrm>
           <a:custGeom>
             <a:avLst/>
@@ -16737,7 +15434,7 @@
         <p:spPr>
           <a:xfrm>
             <a:off x="9580320" y="3281760"/>
-            <a:ext cx="1130400" cy="1204560"/>
+            <a:ext cx="1130040" cy="1204200"/>
           </a:xfrm>
           <a:custGeom>
             <a:avLst/>
@@ -16871,7 +15568,7 @@
         <p:spPr>
           <a:xfrm>
             <a:off x="941400" y="4760640"/>
-            <a:ext cx="2041200" cy="454680"/>
+            <a:ext cx="2040840" cy="454320"/>
           </a:xfrm>
           <a:prstGeom prst="rect">
             <a:avLst/>
@@ -16933,7 +15630,7 @@
         <p:spPr>
           <a:xfrm>
             <a:off x="3673800" y="4760640"/>
-            <a:ext cx="2078280" cy="453960"/>
+            <a:ext cx="2077920" cy="453600"/>
           </a:xfrm>
           <a:prstGeom prst="rect">
             <a:avLst/>
@@ -16995,7 +15692,7 @@
         <p:spPr>
           <a:xfrm>
             <a:off x="6407640" y="4760640"/>
-            <a:ext cx="2078280" cy="454680"/>
+            <a:ext cx="2077920" cy="454320"/>
           </a:xfrm>
           <a:prstGeom prst="rect">
             <a:avLst/>
@@ -17057,7 +15754,7 @@
         <p:spPr>
           <a:xfrm>
             <a:off x="9123480" y="4760640"/>
-            <a:ext cx="2078280" cy="454680"/>
+            <a:ext cx="2077920" cy="454320"/>
           </a:xfrm>
           <a:prstGeom prst="rect">
             <a:avLst/>
@@ -17168,7 +15865,7 @@
         <p:spPr>
           <a:xfrm>
             <a:off x="0" y="2462040"/>
-            <a:ext cx="12190320" cy="1893960"/>
+            <a:ext cx="12189960" cy="1893600"/>
           </a:xfrm>
           <a:prstGeom prst="rect">
             <a:avLst/>
@@ -17202,7 +15899,7 @@
         <p:spPr>
           <a:xfrm>
             <a:off x="3714120" y="2202480"/>
-            <a:ext cx="256680" cy="257760"/>
+            <a:ext cx="256320" cy="257400"/>
           </a:xfrm>
           <a:custGeom>
             <a:avLst/>
@@ -17254,8 +15951,8 @@
         </p:nvSpPr>
         <p:spPr>
           <a:xfrm flipV="1">
-            <a:off x="510120" y="4356000"/>
-            <a:ext cx="261720" cy="262800"/>
+            <a:off x="510120" y="4355280"/>
+            <a:ext cx="261360" cy="262440"/>
           </a:xfrm>
           <a:custGeom>
             <a:avLst/>
@@ -17308,7 +16005,7 @@
         <p:spPr>
           <a:xfrm>
             <a:off x="639000" y="2203200"/>
-            <a:ext cx="3207600" cy="2411280"/>
+            <a:ext cx="3207240" cy="2410920"/>
           </a:xfrm>
           <a:prstGeom prst="parallelogram">
             <a:avLst>
@@ -17346,7 +16043,7 @@
         <p:spPr>
           <a:xfrm>
             <a:off x="1487520" y="2531520"/>
-            <a:ext cx="1761120" cy="1714680"/>
+            <a:ext cx="1760760" cy="1714320"/>
           </a:xfrm>
           <a:prstGeom prst="rect">
             <a:avLst/>
@@ -17408,7 +16105,7 @@
         <p:spPr>
           <a:xfrm>
             <a:off x="4446720" y="2957760"/>
-            <a:ext cx="6732000" cy="912600"/>
+            <a:ext cx="6731640" cy="912240"/>
           </a:xfrm>
           <a:prstGeom prst="rect">
             <a:avLst/>
@@ -17519,7 +16216,7 @@
         <p:spPr>
           <a:xfrm>
             <a:off x="0" y="205200"/>
-            <a:ext cx="12190320" cy="599040"/>
+            <a:ext cx="12189960" cy="598680"/>
           </a:xfrm>
           <a:prstGeom prst="rect">
             <a:avLst/>
@@ -17554,8 +16251,8 @@
         </p:nvSpPr>
         <p:spPr>
           <a:xfrm flipH="1">
-            <a:off x="264960" y="806040"/>
-            <a:ext cx="310320" cy="87480"/>
+            <a:off x="264240" y="806040"/>
+            <a:ext cx="309960" cy="87120"/>
           </a:xfrm>
           <a:custGeom>
             <a:avLst/>
@@ -17614,7 +16311,7 @@
         <p:spPr>
           <a:xfrm flipV="1">
             <a:off x="1457280" y="114120"/>
-            <a:ext cx="310320" cy="87480"/>
+            <a:ext cx="309960" cy="87120"/>
           </a:xfrm>
           <a:custGeom>
             <a:avLst/>
@@ -17672,8 +16369,8 @@
         </p:nvSpPr>
         <p:spPr>
           <a:xfrm flipH="1">
-            <a:off x="311040" y="116280"/>
-            <a:ext cx="1401120" cy="777600"/>
+            <a:off x="310320" y="116280"/>
+            <a:ext cx="1400760" cy="777240"/>
           </a:xfrm>
           <a:prstGeom prst="parallelogram">
             <a:avLst>
@@ -17711,7 +16408,7 @@
         <p:spPr>
           <a:xfrm>
             <a:off x="302040" y="244080"/>
-            <a:ext cx="1322280" cy="515520"/>
+            <a:ext cx="1321920" cy="515160"/>
           </a:xfrm>
           <a:prstGeom prst="rect">
             <a:avLst/>
@@ -17773,7 +16470,7 @@
         <p:spPr>
           <a:xfrm>
             <a:off x="2002320" y="244080"/>
-            <a:ext cx="2892960" cy="514800"/>
+            <a:ext cx="2892600" cy="514440"/>
           </a:xfrm>
           <a:prstGeom prst="rect">
             <a:avLst/>
@@ -17798,7 +16495,7 @@
               </a:lnSpc>
             </a:pPr>
             <a:r>
-              <a:rPr b="0" lang="en-US" sz="2800" spc="287" strike="noStrike">
+              <a:rPr b="0" lang="en-US" sz="2800" spc="284" strike="noStrike">
                 <a:solidFill>
                   <a:srgbClr val="ffffff"/>
                 </a:solidFill>
@@ -17835,7 +16532,7 @@
         <p:spPr>
           <a:xfrm>
             <a:off x="1035360" y="2648160"/>
-            <a:ext cx="2939400" cy="2455200"/>
+            <a:ext cx="2939040" cy="2454840"/>
           </a:xfrm>
           <a:prstGeom prst="round2DiagRect">
             <a:avLst>
@@ -17968,7 +16665,7 @@
         <p:spPr>
           <a:xfrm>
             <a:off x="5236920" y="1711440"/>
-            <a:ext cx="3886560" cy="4066560"/>
+            <a:ext cx="3886200" cy="4066200"/>
           </a:xfrm>
           <a:prstGeom prst="rect">
             <a:avLst/>
@@ -18008,7 +16705,7 @@
         <p:spPr>
           <a:xfrm>
             <a:off x="5596920" y="1993680"/>
-            <a:ext cx="5735880" cy="515520"/>
+            <a:ext cx="5735520" cy="515160"/>
           </a:xfrm>
           <a:prstGeom prst="rect">
             <a:avLst/>
@@ -18034,7 +16731,7 @@
         <p:spPr>
           <a:xfrm>
             <a:off x="5004000" y="2044440"/>
-            <a:ext cx="464400" cy="487800"/>
+            <a:ext cx="464040" cy="487440"/>
           </a:xfrm>
           <a:prstGeom prst="rect">
             <a:avLst/>
@@ -18106,7 +16803,7 @@
         <p:spPr>
           <a:xfrm>
             <a:off x="5004000" y="3040920"/>
-            <a:ext cx="464400" cy="487800"/>
+            <a:ext cx="464040" cy="487440"/>
           </a:xfrm>
           <a:prstGeom prst="rect">
             <a:avLst/>
@@ -18178,7 +16875,7 @@
         <p:spPr>
           <a:xfrm>
             <a:off x="5586120" y="3941280"/>
-            <a:ext cx="5594400" cy="515520"/>
+            <a:ext cx="1757880" cy="515160"/>
           </a:xfrm>
           <a:prstGeom prst="rect">
             <a:avLst/>
@@ -18240,7 +16937,7 @@
         <p:spPr>
           <a:xfrm>
             <a:off x="5004000" y="3994920"/>
-            <a:ext cx="464400" cy="487800"/>
+            <a:ext cx="464040" cy="487440"/>
           </a:xfrm>
           <a:prstGeom prst="rect">
             <a:avLst/>
@@ -18312,7 +17009,7 @@
         <p:spPr>
           <a:xfrm>
             <a:off x="5596920" y="4823280"/>
-            <a:ext cx="5583600" cy="515520"/>
+            <a:ext cx="5583240" cy="515160"/>
           </a:xfrm>
           <a:prstGeom prst="rect">
             <a:avLst/>
@@ -18338,7 +17035,7 @@
         <p:spPr>
           <a:xfrm>
             <a:off x="5004000" y="4948920"/>
-            <a:ext cx="464400" cy="487800"/>
+            <a:ext cx="464040" cy="487440"/>
           </a:xfrm>
           <a:prstGeom prst="rect">
             <a:avLst/>
@@ -18410,7 +17107,7 @@
         <p:spPr>
           <a:xfrm>
             <a:off x="5586120" y="3941280"/>
-            <a:ext cx="5594400" cy="515520"/>
+            <a:ext cx="5594040" cy="515160"/>
           </a:xfrm>
           <a:prstGeom prst="rect">
             <a:avLst/>
@@ -18436,7 +17133,7 @@
         <p:spPr>
           <a:xfrm>
             <a:off x="5586120" y="3941280"/>
-            <a:ext cx="5594400" cy="515520"/>
+            <a:ext cx="5594040" cy="515160"/>
           </a:xfrm>
           <a:prstGeom prst="rect">
             <a:avLst/>
@@ -18462,7 +17159,7 @@
         <p:spPr>
           <a:xfrm>
             <a:off x="5616000" y="4896000"/>
-            <a:ext cx="5594400" cy="515520"/>
+            <a:ext cx="1656000" cy="515160"/>
           </a:xfrm>
           <a:prstGeom prst="rect">
             <a:avLst/>
@@ -18524,7 +17221,7 @@
         <p:spPr>
           <a:xfrm>
             <a:off x="5596920" y="1993680"/>
-            <a:ext cx="1599840" cy="551520"/>
+            <a:ext cx="1747080" cy="551160"/>
           </a:xfrm>
           <a:prstGeom prst="rect">
             <a:avLst/>
@@ -18586,7 +17283,7 @@
         <p:spPr>
           <a:xfrm>
             <a:off x="5599080" y="2975400"/>
-            <a:ext cx="1599840" cy="551520"/>
+            <a:ext cx="1672920" cy="551160"/>
           </a:xfrm>
           <a:prstGeom prst="rect">
             <a:avLst/>
@@ -18697,7 +17394,7 @@
         <p:spPr>
           <a:xfrm>
             <a:off x="0" y="205200"/>
-            <a:ext cx="12190320" cy="599040"/>
+            <a:ext cx="12189960" cy="598680"/>
           </a:xfrm>
           <a:prstGeom prst="rect">
             <a:avLst/>
@@ -18732,8 +17429,8 @@
         </p:nvSpPr>
         <p:spPr>
           <a:xfrm flipH="1">
-            <a:off x="264960" y="806040"/>
-            <a:ext cx="310320" cy="87480"/>
+            <a:off x="264240" y="806040"/>
+            <a:ext cx="309960" cy="87120"/>
           </a:xfrm>
           <a:custGeom>
             <a:avLst/>
@@ -18792,7 +17489,7 @@
         <p:spPr>
           <a:xfrm flipV="1">
             <a:off x="1457280" y="114120"/>
-            <a:ext cx="310320" cy="87480"/>
+            <a:ext cx="309960" cy="87120"/>
           </a:xfrm>
           <a:custGeom>
             <a:avLst/>
@@ -18850,8 +17547,8 @@
         </p:nvSpPr>
         <p:spPr>
           <a:xfrm flipH="1">
-            <a:off x="311040" y="116280"/>
-            <a:ext cx="1401120" cy="777600"/>
+            <a:off x="310320" y="116280"/>
+            <a:ext cx="1400760" cy="777240"/>
           </a:xfrm>
           <a:prstGeom prst="parallelogram">
             <a:avLst>
@@ -18889,7 +17586,7 @@
         <p:spPr>
           <a:xfrm>
             <a:off x="302040" y="244080"/>
-            <a:ext cx="1322280" cy="515520"/>
+            <a:ext cx="1321920" cy="515160"/>
           </a:xfrm>
           <a:prstGeom prst="rect">
             <a:avLst/>
@@ -18951,7 +17648,7 @@
         <p:spPr>
           <a:xfrm>
             <a:off x="2021400" y="244080"/>
-            <a:ext cx="2499480" cy="514800"/>
+            <a:ext cx="2499120" cy="514440"/>
           </a:xfrm>
           <a:prstGeom prst="rect">
             <a:avLst/>
@@ -18976,7 +17673,7 @@
               </a:lnSpc>
             </a:pPr>
             <a:r>
-              <a:rPr b="0" lang="en-US" sz="2800" spc="287" strike="noStrike">
+              <a:rPr b="0" lang="en-US" sz="2800" spc="284" strike="noStrike">
                 <a:solidFill>
                   <a:srgbClr val="ffffff"/>
                 </a:solidFill>
@@ -19013,7 +17710,7 @@
         <p:spPr>
           <a:xfrm>
             <a:off x="2649240" y="1383480"/>
-            <a:ext cx="7069320" cy="956520"/>
+            <a:ext cx="7068960" cy="956160"/>
           </a:xfrm>
           <a:prstGeom prst="rect">
             <a:avLst/>
@@ -19261,7 +17958,7 @@
         <p:spPr>
           <a:xfrm>
             <a:off x="1457640" y="1433880"/>
-            <a:ext cx="935280" cy="487800"/>
+            <a:ext cx="934920" cy="487440"/>
           </a:xfrm>
           <a:prstGeom prst="rect">
             <a:avLst/>
@@ -19333,7 +18030,7 @@
         <p:spPr>
           <a:xfrm>
             <a:off x="2638440" y="2715120"/>
-            <a:ext cx="7225560" cy="740160"/>
+            <a:ext cx="7225200" cy="739800"/>
           </a:xfrm>
           <a:prstGeom prst="rect">
             <a:avLst/>
@@ -19551,7 +18248,7 @@
         <p:spPr>
           <a:xfrm>
             <a:off x="1457640" y="2732760"/>
-            <a:ext cx="943920" cy="487800"/>
+            <a:ext cx="943560" cy="487440"/>
           </a:xfrm>
           <a:prstGeom prst="rect">
             <a:avLst/>
@@ -19623,7 +18320,7 @@
         <p:spPr>
           <a:xfrm>
             <a:off x="2638440" y="4006440"/>
-            <a:ext cx="7225560" cy="971640"/>
+            <a:ext cx="7225200" cy="971280"/>
           </a:xfrm>
           <a:prstGeom prst="rect">
             <a:avLst/>
@@ -19718,7 +18415,7 @@
         <p:spPr>
           <a:xfrm>
             <a:off x="1457640" y="4060080"/>
-            <a:ext cx="943920" cy="487800"/>
+            <a:ext cx="943560" cy="487440"/>
           </a:xfrm>
           <a:prstGeom prst="rect">
             <a:avLst/>
@@ -19831,7 +18528,7 @@
         <p:spPr>
           <a:xfrm>
             <a:off x="0" y="205200"/>
-            <a:ext cx="12190320" cy="599040"/>
+            <a:ext cx="12189960" cy="598680"/>
           </a:xfrm>
           <a:prstGeom prst="rect">
             <a:avLst/>
@@ -19866,8 +18563,8 @@
         </p:nvSpPr>
         <p:spPr>
           <a:xfrm flipH="1">
-            <a:off x="264960" y="806040"/>
-            <a:ext cx="310320" cy="87480"/>
+            <a:off x="264240" y="806040"/>
+            <a:ext cx="309960" cy="87120"/>
           </a:xfrm>
           <a:custGeom>
             <a:avLst/>
@@ -19926,7 +18623,7 @@
         <p:spPr>
           <a:xfrm flipV="1">
             <a:off x="1457280" y="114120"/>
-            <a:ext cx="310320" cy="87480"/>
+            <a:ext cx="309960" cy="87120"/>
           </a:xfrm>
           <a:custGeom>
             <a:avLst/>
@@ -19984,8 +18681,8 @@
         </p:nvSpPr>
         <p:spPr>
           <a:xfrm flipH="1">
-            <a:off x="311040" y="116280"/>
-            <a:ext cx="1401120" cy="777600"/>
+            <a:off x="310320" y="116280"/>
+            <a:ext cx="1400760" cy="777240"/>
           </a:xfrm>
           <a:prstGeom prst="parallelogram">
             <a:avLst>
@@ -20023,7 +18720,7 @@
         <p:spPr>
           <a:xfrm>
             <a:off x="302040" y="244080"/>
-            <a:ext cx="1322280" cy="515520"/>
+            <a:ext cx="1321920" cy="515160"/>
           </a:xfrm>
           <a:prstGeom prst="rect">
             <a:avLst/>
@@ -20085,7 +18782,7 @@
         <p:spPr>
           <a:xfrm>
             <a:off x="2021400" y="244080"/>
-            <a:ext cx="2499480" cy="514800"/>
+            <a:ext cx="2499120" cy="514440"/>
           </a:xfrm>
           <a:prstGeom prst="rect">
             <a:avLst/>
@@ -20110,7 +18807,7 @@
               </a:lnSpc>
             </a:pPr>
             <a:r>
-              <a:rPr b="0" lang="en-US" sz="2800" spc="287" strike="noStrike">
+              <a:rPr b="0" lang="en-US" sz="2800" spc="284" strike="noStrike">
                 <a:solidFill>
                   <a:srgbClr val="ffffff"/>
                 </a:solidFill>
@@ -20146,7 +18843,7 @@
         </p:nvGraphicFramePr>
         <p:xfrm>
           <a:off x="1981080" y="1168560"/>
-          <a:ext cx="8227800" cy="4519440"/>
+          <a:ext cx="8227440" cy="4519080"/>
         </p:xfrm>
         <a:graphic>
           <a:graphicData uri="http://schemas.openxmlformats.org/drawingml/2006/chart">
@@ -20163,7 +18860,7 @@
         <p:spPr>
           <a:xfrm>
             <a:off x="4727520" y="1168560"/>
-            <a:ext cx="3998160" cy="514800"/>
+            <a:ext cx="3997800" cy="514440"/>
           </a:xfrm>
           <a:prstGeom prst="rect">
             <a:avLst/>
@@ -20276,7 +18973,7 @@
         <p:spPr>
           <a:xfrm>
             <a:off x="0" y="2462040"/>
-            <a:ext cx="12190320" cy="1893960"/>
+            <a:ext cx="12189960" cy="1893600"/>
           </a:xfrm>
           <a:prstGeom prst="rect">
             <a:avLst/>
@@ -20310,7 +19007,7 @@
         <p:spPr>
           <a:xfrm>
             <a:off x="3714120" y="2202480"/>
-            <a:ext cx="256680" cy="257760"/>
+            <a:ext cx="256320" cy="257400"/>
           </a:xfrm>
           <a:custGeom>
             <a:avLst/>
@@ -20362,8 +19059,8 @@
         </p:nvSpPr>
         <p:spPr>
           <a:xfrm flipV="1">
-            <a:off x="510120" y="4356000"/>
-            <a:ext cx="261720" cy="262800"/>
+            <a:off x="510120" y="4355280"/>
+            <a:ext cx="261360" cy="262440"/>
           </a:xfrm>
           <a:custGeom>
             <a:avLst/>
@@ -20416,7 +19113,7 @@
         <p:spPr>
           <a:xfrm>
             <a:off x="639000" y="2203200"/>
-            <a:ext cx="3207600" cy="2411280"/>
+            <a:ext cx="3207240" cy="2410920"/>
           </a:xfrm>
           <a:prstGeom prst="parallelogram">
             <a:avLst>
@@ -20454,7 +19151,7 @@
         <p:spPr>
           <a:xfrm>
             <a:off x="1487520" y="2531520"/>
-            <a:ext cx="1761120" cy="1714680"/>
+            <a:ext cx="1760760" cy="1714320"/>
           </a:xfrm>
           <a:prstGeom prst="rect">
             <a:avLst/>
@@ -20516,7 +19213,7 @@
         <p:spPr>
           <a:xfrm>
             <a:off x="4446720" y="2928960"/>
-            <a:ext cx="6732000" cy="912600"/>
+            <a:ext cx="6731640" cy="912240"/>
           </a:xfrm>
           <a:prstGeom prst="rect">
             <a:avLst/>
@@ -20627,7 +19324,7 @@
         <p:spPr>
           <a:xfrm>
             <a:off x="0" y="205200"/>
-            <a:ext cx="12190320" cy="599040"/>
+            <a:ext cx="12189960" cy="598680"/>
           </a:xfrm>
           <a:prstGeom prst="rect">
             <a:avLst/>
@@ -20662,8 +19359,8 @@
         </p:nvSpPr>
         <p:spPr>
           <a:xfrm flipH="1">
-            <a:off x="264960" y="806040"/>
-            <a:ext cx="310320" cy="87480"/>
+            <a:off x="264240" y="806040"/>
+            <a:ext cx="309960" cy="87120"/>
           </a:xfrm>
           <a:custGeom>
             <a:avLst/>
@@ -20722,7 +19419,7 @@
         <p:spPr>
           <a:xfrm flipV="1">
             <a:off x="1457280" y="114120"/>
-            <a:ext cx="310320" cy="87480"/>
+            <a:ext cx="309960" cy="87120"/>
           </a:xfrm>
           <a:custGeom>
             <a:avLst/>
@@ -20780,8 +19477,8 @@
         </p:nvSpPr>
         <p:spPr>
           <a:xfrm flipH="1">
-            <a:off x="311040" y="116280"/>
-            <a:ext cx="1401120" cy="777600"/>
+            <a:off x="310320" y="116280"/>
+            <a:ext cx="1400760" cy="777240"/>
           </a:xfrm>
           <a:prstGeom prst="parallelogram">
             <a:avLst>
@@ -20819,7 +19516,7 @@
         <p:spPr>
           <a:xfrm>
             <a:off x="302040" y="244080"/>
-            <a:ext cx="1322280" cy="515520"/>
+            <a:ext cx="1321920" cy="515160"/>
           </a:xfrm>
           <a:prstGeom prst="rect">
             <a:avLst/>
@@ -20880,8 +19577,8 @@
         </p:nvSpPr>
         <p:spPr>
           <a:xfrm>
-            <a:off x="1964880" y="244080"/>
-            <a:ext cx="3679200" cy="514800"/>
+            <a:off x="2002320" y="244080"/>
+            <a:ext cx="2892600" cy="514440"/>
           </a:xfrm>
           <a:prstGeom prst="rect">
             <a:avLst/>
@@ -20906,7 +19603,7 @@
               </a:lnSpc>
             </a:pPr>
             <a:r>
-              <a:rPr b="0" lang="en-US" sz="2800" spc="287" strike="noStrike">
+              <a:rPr b="0" lang="en-US" sz="2800" spc="284" strike="noStrike">
                 <a:solidFill>
                   <a:srgbClr val="ffffff"/>
                 </a:solidFill>
@@ -20942,14 +19639,16 @@
         </p:nvSpPr>
         <p:spPr>
           <a:xfrm>
-            <a:off x="8002080" y="4188600"/>
-            <a:ext cx="3407040" cy="1985400"/>
-          </a:xfrm>
-          <a:prstGeom prst="rect">
-            <a:avLst/>
-          </a:prstGeom>
-          <a:noFill/>
-          <a:ln>
+            <a:off x="1418040" y="1471320"/>
+            <a:ext cx="797760" cy="797760"/>
+          </a:xfrm>
+          <a:prstGeom prst="ellipse">
+            <a:avLst/>
+          </a:prstGeom>
+          <a:solidFill>
+            <a:srgbClr val="136083"/>
+          </a:solidFill>
+          <a:ln w="9360">
             <a:noFill/>
           </a:ln>
         </p:spPr>
@@ -20959,6 +19658,831 @@
           <a:effectRef idx="0"/>
           <a:fontRef idx="minor"/>
         </p:style>
+      </p:sp>
+      <p:sp>
+        <p:nvSpPr>
+          <p:cNvPr id="175" name="CustomShape 8"/>
+          <p:cNvSpPr/>
+          <p:nvPr/>
+        </p:nvSpPr>
+        <p:spPr>
+          <a:xfrm>
+            <a:off x="1451160" y="1578960"/>
+            <a:ext cx="680760" cy="575280"/>
+          </a:xfrm>
+          <a:prstGeom prst="rect">
+            <a:avLst/>
+          </a:prstGeom>
+          <a:noFill/>
+          <a:ln>
+            <a:noFill/>
+          </a:ln>
+        </p:spPr>
+        <p:style>
+          <a:lnRef idx="0"/>
+          <a:fillRef idx="0"/>
+          <a:effectRef idx="0"/>
+          <a:fontRef idx="minor"/>
+        </p:style>
+        <p:txBody>
+          <a:bodyPr wrap="none" lIns="90000" rIns="90000" tIns="45000" bIns="45000"/>
+          <a:p>
+            <a:pPr>
+              <a:lnSpc>
+                <a:spcPct val="100000"/>
+              </a:lnSpc>
+            </a:pPr>
+            <a:r>
+              <a:rPr b="1" lang="en-US" sz="3200" spc="-1" strike="noStrike">
+                <a:solidFill>
+                  <a:srgbClr val="ffffff"/>
+                </a:solidFill>
+                <a:uFill>
+                  <a:solidFill>
+                    <a:srgbClr val="ffffff"/>
+                  </a:solidFill>
+                </a:uFill>
+                <a:latin typeface="微软雅黑"/>
+                <a:ea typeface="微软雅黑"/>
+              </a:rPr>
+              <a:t>01</a:t>
+            </a:r>
+            <a:endParaRPr b="0" lang="en-US" sz="1800" spc="-1" strike="noStrike">
+              <a:solidFill>
+                <a:srgbClr val="000000"/>
+              </a:solidFill>
+              <a:uFill>
+                <a:solidFill>
+                  <a:srgbClr val="ffffff"/>
+                </a:solidFill>
+              </a:uFill>
+              <a:latin typeface="Arial"/>
+            </a:endParaRPr>
+          </a:p>
+        </p:txBody>
+      </p:sp>
+      <p:sp>
+        <p:nvSpPr>
+          <p:cNvPr id="176" name="CustomShape 9"/>
+          <p:cNvSpPr/>
+          <p:nvPr/>
+        </p:nvSpPr>
+        <p:spPr>
+          <a:xfrm>
+            <a:off x="1418040" y="3407400"/>
+            <a:ext cx="797760" cy="797760"/>
+          </a:xfrm>
+          <a:prstGeom prst="ellipse">
+            <a:avLst/>
+          </a:prstGeom>
+          <a:solidFill>
+            <a:srgbClr val="136083"/>
+          </a:solidFill>
+          <a:ln w="9360">
+            <a:noFill/>
+          </a:ln>
+        </p:spPr>
+        <p:style>
+          <a:lnRef idx="0"/>
+          <a:fillRef idx="0"/>
+          <a:effectRef idx="0"/>
+          <a:fontRef idx="minor"/>
+        </p:style>
+      </p:sp>
+      <p:sp>
+        <p:nvSpPr>
+          <p:cNvPr id="177" name="CustomShape 10"/>
+          <p:cNvSpPr/>
+          <p:nvPr/>
+        </p:nvSpPr>
+        <p:spPr>
+          <a:xfrm>
+            <a:off x="1451160" y="3515040"/>
+            <a:ext cx="680760" cy="575280"/>
+          </a:xfrm>
+          <a:prstGeom prst="rect">
+            <a:avLst/>
+          </a:prstGeom>
+          <a:noFill/>
+          <a:ln>
+            <a:noFill/>
+          </a:ln>
+        </p:spPr>
+        <p:style>
+          <a:lnRef idx="0"/>
+          <a:fillRef idx="0"/>
+          <a:effectRef idx="0"/>
+          <a:fontRef idx="minor"/>
+        </p:style>
+        <p:txBody>
+          <a:bodyPr wrap="none" lIns="90000" rIns="90000" tIns="45000" bIns="45000"/>
+          <a:p>
+            <a:pPr>
+              <a:lnSpc>
+                <a:spcPct val="100000"/>
+              </a:lnSpc>
+            </a:pPr>
+            <a:r>
+              <a:rPr b="1" lang="en-US" sz="3200" spc="-1" strike="noStrike">
+                <a:solidFill>
+                  <a:srgbClr val="ffffff"/>
+                </a:solidFill>
+                <a:uFill>
+                  <a:solidFill>
+                    <a:srgbClr val="ffffff"/>
+                  </a:solidFill>
+                </a:uFill>
+                <a:latin typeface="微软雅黑"/>
+                <a:ea typeface="微软雅黑"/>
+              </a:rPr>
+              <a:t>02</a:t>
+            </a:r>
+            <a:endParaRPr b="0" lang="en-US" sz="1800" spc="-1" strike="noStrike">
+              <a:solidFill>
+                <a:srgbClr val="000000"/>
+              </a:solidFill>
+              <a:uFill>
+                <a:solidFill>
+                  <a:srgbClr val="ffffff"/>
+                </a:solidFill>
+              </a:uFill>
+              <a:latin typeface="Arial"/>
+            </a:endParaRPr>
+          </a:p>
+        </p:txBody>
+      </p:sp>
+      <p:sp>
+        <p:nvSpPr>
+          <p:cNvPr id="178" name="CustomShape 11"/>
+          <p:cNvSpPr/>
+          <p:nvPr/>
+        </p:nvSpPr>
+        <p:spPr>
+          <a:xfrm>
+            <a:off x="1418040" y="5396760"/>
+            <a:ext cx="797760" cy="797760"/>
+          </a:xfrm>
+          <a:prstGeom prst="ellipse">
+            <a:avLst/>
+          </a:prstGeom>
+          <a:solidFill>
+            <a:srgbClr val="136083"/>
+          </a:solidFill>
+          <a:ln w="9360">
+            <a:noFill/>
+          </a:ln>
+        </p:spPr>
+        <p:style>
+          <a:lnRef idx="0"/>
+          <a:fillRef idx="0"/>
+          <a:effectRef idx="0"/>
+          <a:fontRef idx="minor"/>
+        </p:style>
+      </p:sp>
+      <p:sp>
+        <p:nvSpPr>
+          <p:cNvPr id="179" name="CustomShape 12"/>
+          <p:cNvSpPr/>
+          <p:nvPr/>
+        </p:nvSpPr>
+        <p:spPr>
+          <a:xfrm>
+            <a:off x="1451160" y="5504400"/>
+            <a:ext cx="680760" cy="575280"/>
+          </a:xfrm>
+          <a:prstGeom prst="rect">
+            <a:avLst/>
+          </a:prstGeom>
+          <a:noFill/>
+          <a:ln>
+            <a:noFill/>
+          </a:ln>
+        </p:spPr>
+        <p:style>
+          <a:lnRef idx="0"/>
+          <a:fillRef idx="0"/>
+          <a:effectRef idx="0"/>
+          <a:fontRef idx="minor"/>
+        </p:style>
+        <p:txBody>
+          <a:bodyPr wrap="none" lIns="90000" rIns="90000" tIns="45000" bIns="45000"/>
+          <a:p>
+            <a:pPr>
+              <a:lnSpc>
+                <a:spcPct val="100000"/>
+              </a:lnSpc>
+            </a:pPr>
+            <a:r>
+              <a:rPr b="1" lang="en-US" sz="3200" spc="-1" strike="noStrike">
+                <a:solidFill>
+                  <a:srgbClr val="ffffff"/>
+                </a:solidFill>
+                <a:uFill>
+                  <a:solidFill>
+                    <a:srgbClr val="ffffff"/>
+                  </a:solidFill>
+                </a:uFill>
+                <a:latin typeface="微软雅黑"/>
+                <a:ea typeface="微软雅黑"/>
+              </a:rPr>
+              <a:t>03</a:t>
+            </a:r>
+            <a:endParaRPr b="0" lang="en-US" sz="1800" spc="-1" strike="noStrike">
+              <a:solidFill>
+                <a:srgbClr val="000000"/>
+              </a:solidFill>
+              <a:uFill>
+                <a:solidFill>
+                  <a:srgbClr val="ffffff"/>
+                </a:solidFill>
+              </a:uFill>
+              <a:latin typeface="Arial"/>
+            </a:endParaRPr>
+          </a:p>
+        </p:txBody>
+      </p:sp>
+      <p:sp>
+        <p:nvSpPr>
+          <p:cNvPr id="180" name="Line 13"/>
+          <p:cNvSpPr/>
+          <p:nvPr/>
+        </p:nvSpPr>
+        <p:spPr>
+          <a:xfrm>
+            <a:off x="1824120" y="4215600"/>
+            <a:ext cx="360" cy="1143720"/>
+          </a:xfrm>
+          <a:prstGeom prst="line">
+            <a:avLst/>
+          </a:prstGeom>
+          <a:ln w="19080">
+            <a:solidFill>
+              <a:srgbClr val="00b0f0"/>
+            </a:solidFill>
+            <a:round/>
+          </a:ln>
+        </p:spPr>
+        <p:style>
+          <a:lnRef idx="0"/>
+          <a:fillRef idx="0"/>
+          <a:effectRef idx="0"/>
+          <a:fontRef idx="minor"/>
+        </p:style>
+      </p:sp>
+      <p:sp>
+        <p:nvSpPr>
+          <p:cNvPr id="181" name="CustomShape 14"/>
+          <p:cNvSpPr/>
+          <p:nvPr/>
+        </p:nvSpPr>
+        <p:spPr>
+          <a:xfrm>
+            <a:off x="2354040" y="1837800"/>
+            <a:ext cx="8693280" cy="575280"/>
+          </a:xfrm>
+          <a:prstGeom prst="rect">
+            <a:avLst/>
+          </a:prstGeom>
+          <a:noFill/>
+          <a:ln>
+            <a:noFill/>
+          </a:ln>
+        </p:spPr>
+        <p:style>
+          <a:lnRef idx="0"/>
+          <a:fillRef idx="0"/>
+          <a:effectRef idx="0"/>
+          <a:fontRef idx="minor"/>
+        </p:style>
+      </p:sp>
+      <p:sp>
+        <p:nvSpPr>
+          <p:cNvPr id="182" name="CustomShape 15"/>
+          <p:cNvSpPr/>
+          <p:nvPr/>
+        </p:nvSpPr>
+        <p:spPr>
+          <a:xfrm>
+            <a:off x="2354040" y="3299760"/>
+            <a:ext cx="2324880" cy="423720"/>
+          </a:xfrm>
+          <a:prstGeom prst="rect">
+            <a:avLst/>
+          </a:prstGeom>
+          <a:noFill/>
+          <a:ln>
+            <a:noFill/>
+          </a:ln>
+        </p:spPr>
+        <p:style>
+          <a:lnRef idx="0"/>
+          <a:fillRef idx="0"/>
+          <a:effectRef idx="0"/>
+          <a:fontRef idx="minor"/>
+        </p:style>
+        <p:txBody>
+          <a:bodyPr lIns="90000" rIns="90000" tIns="45000" bIns="45000"/>
+          <a:p>
+            <a:pPr algn="just">
+              <a:lnSpc>
+                <a:spcPct val="100000"/>
+              </a:lnSpc>
+            </a:pPr>
+            <a:r>
+              <a:rPr b="1" lang="en-US" sz="2200" spc="-1" strike="noStrike">
+                <a:solidFill>
+                  <a:srgbClr val="136083"/>
+                </a:solidFill>
+                <a:uFill>
+                  <a:solidFill>
+                    <a:srgbClr val="ffffff"/>
+                  </a:solidFill>
+                </a:uFill>
+                <a:latin typeface="微软雅黑"/>
+                <a:ea typeface="微软雅黑"/>
+              </a:rPr>
+              <a:t>多交流沟通</a:t>
+            </a:r>
+            <a:endParaRPr b="0" lang="en-US" sz="1800" spc="-1" strike="noStrike">
+              <a:solidFill>
+                <a:srgbClr val="000000"/>
+              </a:solidFill>
+              <a:uFill>
+                <a:solidFill>
+                  <a:srgbClr val="ffffff"/>
+                </a:solidFill>
+              </a:uFill>
+              <a:latin typeface="Arial"/>
+            </a:endParaRPr>
+          </a:p>
+        </p:txBody>
+      </p:sp>
+      <p:sp>
+        <p:nvSpPr>
+          <p:cNvPr id="183" name="CustomShape 16"/>
+          <p:cNvSpPr/>
+          <p:nvPr/>
+        </p:nvSpPr>
+        <p:spPr>
+          <a:xfrm>
+            <a:off x="2354040" y="5609880"/>
+            <a:ext cx="8693280" cy="817920"/>
+          </a:xfrm>
+          <a:prstGeom prst="rect">
+            <a:avLst/>
+          </a:prstGeom>
+          <a:noFill/>
+          <a:ln>
+            <a:noFill/>
+          </a:ln>
+        </p:spPr>
+        <p:style>
+          <a:lnRef idx="0"/>
+          <a:fillRef idx="0"/>
+          <a:effectRef idx="0"/>
+          <a:fontRef idx="minor"/>
+        </p:style>
+        <p:txBody>
+          <a:bodyPr lIns="90000" rIns="90000" tIns="45000" bIns="45000"/>
+          <a:p>
+            <a:pPr algn="just">
+              <a:lnSpc>
+                <a:spcPct val="100000"/>
+              </a:lnSpc>
+            </a:pPr>
+            <a:r>
+              <a:rPr b="0" lang="en-US" sz="1600" spc="-1" strike="noStrike">
+                <a:solidFill>
+                  <a:srgbClr val="595959"/>
+                </a:solidFill>
+                <a:uFill>
+                  <a:solidFill>
+                    <a:srgbClr val="ffffff"/>
+                  </a:solidFill>
+                </a:uFill>
+                <a:latin typeface="微软雅黑"/>
+                <a:ea typeface="微软雅黑"/>
+              </a:rPr>
+              <a:t>主动承担更多的开发任务。跳出做任务的思维，培养</a:t>
+            </a:r>
+            <a:r>
+              <a:rPr b="0" lang="en-US" sz="1600" spc="-1" strike="noStrike">
+                <a:solidFill>
+                  <a:srgbClr val="595959"/>
+                </a:solidFill>
+                <a:uFill>
+                  <a:solidFill>
+                    <a:srgbClr val="ffffff"/>
+                  </a:solidFill>
+                </a:uFill>
+                <a:latin typeface="微软雅黑"/>
+                <a:ea typeface="微软雅黑"/>
+              </a:rPr>
+              <a:t>Owner</a:t>
+            </a:r>
+            <a:r>
+              <a:rPr b="0" lang="en-US" sz="1600" spc="-1" strike="noStrike">
+                <a:solidFill>
+                  <a:srgbClr val="595959"/>
+                </a:solidFill>
+                <a:uFill>
+                  <a:solidFill>
+                    <a:srgbClr val="ffffff"/>
+                  </a:solidFill>
+                </a:uFill>
+                <a:latin typeface="微软雅黑"/>
+                <a:ea typeface="微软雅黑"/>
+              </a:rPr>
+              <a:t>意识，</a:t>
+            </a:r>
+            <a:endParaRPr b="0" lang="en-US" sz="1800" spc="-1" strike="noStrike">
+              <a:solidFill>
+                <a:srgbClr val="000000"/>
+              </a:solidFill>
+              <a:uFill>
+                <a:solidFill>
+                  <a:srgbClr val="ffffff"/>
+                </a:solidFill>
+              </a:uFill>
+              <a:latin typeface="Arial"/>
+            </a:endParaRPr>
+          </a:p>
+          <a:p>
+            <a:pPr algn="just">
+              <a:lnSpc>
+                <a:spcPct val="100000"/>
+              </a:lnSpc>
+            </a:pPr>
+            <a:r>
+              <a:rPr b="0" lang="en-US" sz="1600" spc="-1" strike="noStrike">
+                <a:solidFill>
+                  <a:srgbClr val="595959"/>
+                </a:solidFill>
+                <a:uFill>
+                  <a:solidFill>
+                    <a:srgbClr val="ffffff"/>
+                  </a:solidFill>
+                </a:uFill>
+                <a:latin typeface="微软雅黑"/>
+                <a:ea typeface="微软雅黑"/>
+              </a:rPr>
+              <a:t>思考如何协调项目资源，如何合理安排计划排期，如何优化项目，</a:t>
+            </a:r>
+            <a:endParaRPr b="0" lang="en-US" sz="1800" spc="-1" strike="noStrike">
+              <a:solidFill>
+                <a:srgbClr val="000000"/>
+              </a:solidFill>
+              <a:uFill>
+                <a:solidFill>
+                  <a:srgbClr val="ffffff"/>
+                </a:solidFill>
+              </a:uFill>
+              <a:latin typeface="Arial"/>
+            </a:endParaRPr>
+          </a:p>
+          <a:p>
+            <a:pPr algn="just">
+              <a:lnSpc>
+                <a:spcPct val="100000"/>
+              </a:lnSpc>
+            </a:pPr>
+            <a:r>
+              <a:rPr b="0" lang="en-US" sz="1600" spc="-1" strike="noStrike">
+                <a:solidFill>
+                  <a:srgbClr val="595959"/>
+                </a:solidFill>
+                <a:uFill>
+                  <a:solidFill>
+                    <a:srgbClr val="ffffff"/>
+                  </a:solidFill>
+                </a:uFill>
+                <a:latin typeface="微软雅黑"/>
+                <a:ea typeface="微软雅黑"/>
+              </a:rPr>
+              <a:t>如何快速定位解决问题，如何加强项目稳定性建设。</a:t>
+            </a:r>
+            <a:endParaRPr b="0" lang="en-US" sz="1800" spc="-1" strike="noStrike">
+              <a:solidFill>
+                <a:srgbClr val="000000"/>
+              </a:solidFill>
+              <a:uFill>
+                <a:solidFill>
+                  <a:srgbClr val="ffffff"/>
+                </a:solidFill>
+              </a:uFill>
+              <a:latin typeface="Arial"/>
+            </a:endParaRPr>
+          </a:p>
+        </p:txBody>
+      </p:sp>
+      <p:sp>
+        <p:nvSpPr>
+          <p:cNvPr id="184" name="Line 17"/>
+          <p:cNvSpPr/>
+          <p:nvPr/>
+        </p:nvSpPr>
+        <p:spPr>
+          <a:xfrm>
+            <a:off x="1824120" y="2276280"/>
+            <a:ext cx="360" cy="1144080"/>
+          </a:xfrm>
+          <a:prstGeom prst="line">
+            <a:avLst/>
+          </a:prstGeom>
+          <a:ln w="19080">
+            <a:solidFill>
+              <a:srgbClr val="00b0f0"/>
+            </a:solidFill>
+            <a:round/>
+          </a:ln>
+        </p:spPr>
+        <p:style>
+          <a:lnRef idx="0"/>
+          <a:fillRef idx="0"/>
+          <a:effectRef idx="0"/>
+          <a:fontRef idx="minor"/>
+        </p:style>
+      </p:sp>
+      <p:sp>
+        <p:nvSpPr>
+          <p:cNvPr id="185" name="CustomShape 18"/>
+          <p:cNvSpPr/>
+          <p:nvPr/>
+        </p:nvSpPr>
+        <p:spPr>
+          <a:xfrm>
+            <a:off x="2354040" y="1380960"/>
+            <a:ext cx="2403720" cy="423000"/>
+          </a:xfrm>
+          <a:prstGeom prst="rect">
+            <a:avLst/>
+          </a:prstGeom>
+          <a:noFill/>
+          <a:ln>
+            <a:noFill/>
+          </a:ln>
+        </p:spPr>
+        <p:style>
+          <a:lnRef idx="0"/>
+          <a:fillRef idx="0"/>
+          <a:effectRef idx="0"/>
+          <a:fontRef idx="minor"/>
+        </p:style>
+        <p:txBody>
+          <a:bodyPr lIns="90000" rIns="90000" tIns="45000" bIns="45000"/>
+          <a:p>
+            <a:pPr algn="just">
+              <a:lnSpc>
+                <a:spcPct val="100000"/>
+              </a:lnSpc>
+            </a:pPr>
+            <a:r>
+              <a:rPr b="1" lang="en-US" sz="2200" spc="-1" strike="noStrike">
+                <a:solidFill>
+                  <a:srgbClr val="136083"/>
+                </a:solidFill>
+                <a:uFill>
+                  <a:solidFill>
+                    <a:srgbClr val="ffffff"/>
+                  </a:solidFill>
+                </a:uFill>
+                <a:latin typeface="微软雅黑"/>
+                <a:ea typeface="微软雅黑"/>
+              </a:rPr>
+              <a:t>追求更深的技术</a:t>
+            </a:r>
+            <a:endParaRPr b="0" lang="en-US" sz="1800" spc="-1" strike="noStrike">
+              <a:solidFill>
+                <a:srgbClr val="000000"/>
+              </a:solidFill>
+              <a:uFill>
+                <a:solidFill>
+                  <a:srgbClr val="ffffff"/>
+                </a:solidFill>
+              </a:uFill>
+              <a:latin typeface="Arial"/>
+            </a:endParaRPr>
+          </a:p>
+        </p:txBody>
+      </p:sp>
+      <p:sp>
+        <p:nvSpPr>
+          <p:cNvPr id="186" name="CustomShape 19"/>
+          <p:cNvSpPr/>
+          <p:nvPr/>
+        </p:nvSpPr>
+        <p:spPr>
+          <a:xfrm>
+            <a:off x="2354040" y="3767760"/>
+            <a:ext cx="8693280" cy="574560"/>
+          </a:xfrm>
+          <a:prstGeom prst="rect">
+            <a:avLst/>
+          </a:prstGeom>
+          <a:noFill/>
+          <a:ln>
+            <a:noFill/>
+          </a:ln>
+        </p:spPr>
+        <p:style>
+          <a:lnRef idx="0"/>
+          <a:fillRef idx="0"/>
+          <a:effectRef idx="0"/>
+          <a:fontRef idx="minor"/>
+        </p:style>
+        <p:txBody>
+          <a:bodyPr lIns="90000" rIns="90000" tIns="45000" bIns="45000"/>
+          <a:p>
+            <a:pPr algn="just">
+              <a:lnSpc>
+                <a:spcPct val="100000"/>
+              </a:lnSpc>
+            </a:pPr>
+            <a:r>
+              <a:rPr b="0" lang="en-US" sz="1600" spc="-1" strike="noStrike">
+                <a:solidFill>
+                  <a:srgbClr val="595959"/>
+                </a:solidFill>
+                <a:uFill>
+                  <a:solidFill>
+                    <a:srgbClr val="ffffff"/>
+                  </a:solidFill>
+                </a:uFill>
+                <a:latin typeface="微软雅黑"/>
+                <a:ea typeface="微软雅黑"/>
+              </a:rPr>
+              <a:t>和开发多交流项目情况，分享技术知识。</a:t>
+            </a:r>
+            <a:endParaRPr b="0" lang="en-US" sz="1800" spc="-1" strike="noStrike">
+              <a:solidFill>
+                <a:srgbClr val="000000"/>
+              </a:solidFill>
+              <a:uFill>
+                <a:solidFill>
+                  <a:srgbClr val="ffffff"/>
+                </a:solidFill>
+              </a:uFill>
+              <a:latin typeface="Arial"/>
+            </a:endParaRPr>
+          </a:p>
+          <a:p>
+            <a:pPr algn="just">
+              <a:lnSpc>
+                <a:spcPct val="100000"/>
+              </a:lnSpc>
+            </a:pPr>
+            <a:r>
+              <a:rPr b="0" lang="en-US" sz="1600" spc="-1" strike="noStrike">
+                <a:solidFill>
+                  <a:srgbClr val="595959"/>
+                </a:solidFill>
+                <a:uFill>
+                  <a:solidFill>
+                    <a:srgbClr val="ffffff"/>
+                  </a:solidFill>
+                </a:uFill>
+                <a:latin typeface="微软雅黑"/>
+                <a:ea typeface="微软雅黑"/>
+              </a:rPr>
+              <a:t>和产品多沟通，思考业务现状，培养产品意识。</a:t>
+            </a:r>
+            <a:endParaRPr b="0" lang="en-US" sz="1800" spc="-1" strike="noStrike">
+              <a:solidFill>
+                <a:srgbClr val="000000"/>
+              </a:solidFill>
+              <a:uFill>
+                <a:solidFill>
+                  <a:srgbClr val="ffffff"/>
+                </a:solidFill>
+              </a:uFill>
+              <a:latin typeface="Arial"/>
+            </a:endParaRPr>
+          </a:p>
+        </p:txBody>
+      </p:sp>
+      <p:sp>
+        <p:nvSpPr>
+          <p:cNvPr id="187" name="CustomShape 20"/>
+          <p:cNvSpPr/>
+          <p:nvPr/>
+        </p:nvSpPr>
+        <p:spPr>
+          <a:xfrm>
+            <a:off x="2354040" y="5144040"/>
+            <a:ext cx="2068560" cy="423720"/>
+          </a:xfrm>
+          <a:prstGeom prst="rect">
+            <a:avLst/>
+          </a:prstGeom>
+          <a:noFill/>
+          <a:ln>
+            <a:noFill/>
+          </a:ln>
+        </p:spPr>
+        <p:style>
+          <a:lnRef idx="0"/>
+          <a:fillRef idx="0"/>
+          <a:effectRef idx="0"/>
+          <a:fontRef idx="minor"/>
+        </p:style>
+        <p:txBody>
+          <a:bodyPr lIns="90000" rIns="90000" tIns="45000" bIns="45000"/>
+          <a:p>
+            <a:pPr algn="just">
+              <a:lnSpc>
+                <a:spcPct val="100000"/>
+              </a:lnSpc>
+            </a:pPr>
+            <a:r>
+              <a:rPr b="1" lang="en-US" sz="2200" spc="-1" strike="noStrike">
+                <a:solidFill>
+                  <a:srgbClr val="136083"/>
+                </a:solidFill>
+                <a:uFill>
+                  <a:solidFill>
+                    <a:srgbClr val="ffffff"/>
+                  </a:solidFill>
+                </a:uFill>
+                <a:latin typeface="微软雅黑"/>
+                <a:ea typeface="微软雅黑"/>
+              </a:rPr>
+              <a:t>责任感</a:t>
+            </a:r>
+            <a:endParaRPr b="0" lang="en-US" sz="1800" spc="-1" strike="noStrike">
+              <a:solidFill>
+                <a:srgbClr val="000000"/>
+              </a:solidFill>
+              <a:uFill>
+                <a:solidFill>
+                  <a:srgbClr val="ffffff"/>
+                </a:solidFill>
+              </a:uFill>
+              <a:latin typeface="Arial"/>
+            </a:endParaRPr>
+          </a:p>
+        </p:txBody>
+      </p:sp>
+      <p:sp>
+        <p:nvSpPr>
+          <p:cNvPr id="188" name="CustomShape 21"/>
+          <p:cNvSpPr/>
+          <p:nvPr/>
+        </p:nvSpPr>
+        <p:spPr>
+          <a:xfrm>
+            <a:off x="2402640" y="1837800"/>
+            <a:ext cx="5804280" cy="875520"/>
+          </a:xfrm>
+          <a:prstGeom prst="rect">
+            <a:avLst/>
+          </a:prstGeom>
+          <a:noFill/>
+          <a:ln>
+            <a:noFill/>
+          </a:ln>
+        </p:spPr>
+        <p:style>
+          <a:lnRef idx="0"/>
+          <a:fillRef idx="0"/>
+          <a:effectRef idx="0"/>
+          <a:fontRef idx="minor"/>
+        </p:style>
+        <p:txBody>
+          <a:bodyPr lIns="90000" rIns="90000" tIns="45000" bIns="45000"/>
+          <a:p>
+            <a:pPr algn="just">
+              <a:lnSpc>
+                <a:spcPct val="100000"/>
+              </a:lnSpc>
+            </a:pPr>
+            <a:r>
+              <a:rPr b="0" lang="en-US" sz="1600" spc="-1" strike="noStrike">
+                <a:solidFill>
+                  <a:srgbClr val="595959"/>
+                </a:solidFill>
+                <a:uFill>
+                  <a:solidFill>
+                    <a:srgbClr val="ffffff"/>
+                  </a:solidFill>
+                </a:uFill>
+                <a:latin typeface="微软雅黑"/>
+                <a:ea typeface="微软雅黑"/>
+              </a:rPr>
+              <a:t>注意代码细节，思考有没有更高效的方法，有没有优化的点，有没有不合理的地方。多学习新技术，多思考其应用场景，是否能对现有项目有所提升。</a:t>
+            </a:r>
+            <a:endParaRPr b="0" lang="en-US" sz="1800" spc="-1" strike="noStrike">
+              <a:solidFill>
+                <a:srgbClr val="000000"/>
+              </a:solidFill>
+              <a:uFill>
+                <a:solidFill>
+                  <a:srgbClr val="ffffff"/>
+                </a:solidFill>
+              </a:uFill>
+              <a:latin typeface="Arial"/>
+            </a:endParaRPr>
+          </a:p>
+        </p:txBody>
       </p:sp>
     </p:spTree>
   </p:cSld>
@@ -21011,14 +20535,14 @@
       </p:grpSpPr>
       <p:sp>
         <p:nvSpPr>
-          <p:cNvPr id="175" name="CustomShape 1"/>
+          <p:cNvPr id="189" name="CustomShape 1"/>
           <p:cNvSpPr/>
           <p:nvPr/>
         </p:nvSpPr>
         <p:spPr>
           <a:xfrm>
             <a:off x="0" y="205200"/>
-            <a:ext cx="12190320" cy="599040"/>
+            <a:ext cx="12189960" cy="598680"/>
           </a:xfrm>
           <a:prstGeom prst="rect">
             <a:avLst/>
@@ -21047,14 +20571,14 @@
       </p:sp>
       <p:sp>
         <p:nvSpPr>
-          <p:cNvPr id="176" name="CustomShape 2"/>
+          <p:cNvPr id="190" name="CustomShape 2"/>
           <p:cNvSpPr/>
           <p:nvPr/>
         </p:nvSpPr>
         <p:spPr>
           <a:xfrm flipH="1">
-            <a:off x="264960" y="806040"/>
-            <a:ext cx="310320" cy="87480"/>
+            <a:off x="264240" y="806040"/>
+            <a:ext cx="309960" cy="87120"/>
           </a:xfrm>
           <a:custGeom>
             <a:avLst/>
@@ -21106,14 +20630,14 @@
       </p:sp>
       <p:sp>
         <p:nvSpPr>
-          <p:cNvPr id="177" name="CustomShape 3"/>
+          <p:cNvPr id="191" name="CustomShape 3"/>
           <p:cNvSpPr/>
           <p:nvPr/>
         </p:nvSpPr>
         <p:spPr>
           <a:xfrm flipV="1">
             <a:off x="1457280" y="114120"/>
-            <a:ext cx="310320" cy="87480"/>
+            <a:ext cx="309960" cy="87120"/>
           </a:xfrm>
           <a:custGeom>
             <a:avLst/>
@@ -21165,14 +20689,14 @@
       </p:sp>
       <p:sp>
         <p:nvSpPr>
-          <p:cNvPr id="178" name="CustomShape 4"/>
+          <p:cNvPr id="192" name="CustomShape 4"/>
           <p:cNvSpPr/>
           <p:nvPr/>
         </p:nvSpPr>
         <p:spPr>
           <a:xfrm flipH="1">
-            <a:off x="311040" y="116280"/>
-            <a:ext cx="1401120" cy="777600"/>
+            <a:off x="310320" y="116280"/>
+            <a:ext cx="1400760" cy="777240"/>
           </a:xfrm>
           <a:prstGeom prst="parallelogram">
             <a:avLst>
@@ -21203,14 +20727,14 @@
       </p:sp>
       <p:sp>
         <p:nvSpPr>
-          <p:cNvPr id="179" name="CustomShape 5"/>
+          <p:cNvPr id="193" name="CustomShape 5"/>
           <p:cNvSpPr/>
           <p:nvPr/>
         </p:nvSpPr>
         <p:spPr>
           <a:xfrm>
             <a:off x="302040" y="244080"/>
-            <a:ext cx="1322280" cy="515520"/>
+            <a:ext cx="1321920" cy="515160"/>
           </a:xfrm>
           <a:prstGeom prst="rect">
             <a:avLst/>
@@ -21265,14 +20789,14 @@
       </p:sp>
       <p:sp>
         <p:nvSpPr>
-          <p:cNvPr id="180" name="CustomShape 6"/>
+          <p:cNvPr id="194" name="CustomShape 6"/>
           <p:cNvSpPr/>
           <p:nvPr/>
         </p:nvSpPr>
         <p:spPr>
           <a:xfrm>
             <a:off x="2021400" y="244080"/>
-            <a:ext cx="2499480" cy="514800"/>
+            <a:ext cx="2499120" cy="514440"/>
           </a:xfrm>
           <a:prstGeom prst="rect">
             <a:avLst/>
@@ -21297,7 +20821,7 @@
               </a:lnSpc>
             </a:pPr>
             <a:r>
-              <a:rPr b="0" lang="en-US" sz="2800" spc="287" strike="noStrike">
+              <a:rPr b="0" lang="en-US" sz="2800" spc="284" strike="noStrike">
                 <a:solidFill>
                   <a:srgbClr val="ffffff"/>
                 </a:solidFill>
@@ -21327,14 +20851,14 @@
       </p:sp>
       <p:sp>
         <p:nvSpPr>
-          <p:cNvPr id="181" name="CustomShape 7"/>
+          <p:cNvPr id="195" name="CustomShape 7"/>
           <p:cNvSpPr/>
           <p:nvPr/>
         </p:nvSpPr>
         <p:spPr>
           <a:xfrm>
             <a:off x="2963880" y="4393080"/>
-            <a:ext cx="2311920" cy="1984320"/>
+            <a:ext cx="2311560" cy="1983960"/>
           </a:xfrm>
           <a:custGeom>
             <a:avLst/>
@@ -21427,14 +20951,14 @@
       </p:sp>
       <p:sp>
         <p:nvSpPr>
-          <p:cNvPr id="182" name="CustomShape 8"/>
+          <p:cNvPr id="196" name="CustomShape 8"/>
           <p:cNvSpPr/>
           <p:nvPr/>
         </p:nvSpPr>
         <p:spPr>
           <a:xfrm>
             <a:off x="4897800" y="3332160"/>
-            <a:ext cx="2311920" cy="1984320"/>
+            <a:ext cx="2311560" cy="1983960"/>
           </a:xfrm>
           <a:custGeom>
             <a:avLst/>
@@ -21494,14 +21018,14 @@
       </p:sp>
       <p:sp>
         <p:nvSpPr>
-          <p:cNvPr id="183" name="CustomShape 9"/>
+          <p:cNvPr id="197" name="CustomShape 9"/>
           <p:cNvSpPr/>
           <p:nvPr/>
         </p:nvSpPr>
         <p:spPr>
           <a:xfrm>
             <a:off x="6879240" y="4389840"/>
-            <a:ext cx="2311920" cy="1984320"/>
+            <a:ext cx="2311560" cy="1983960"/>
           </a:xfrm>
           <a:prstGeom prst="hexagon">
             <a:avLst>
@@ -21569,14 +21093,14 @@
       </p:sp>
       <p:sp>
         <p:nvSpPr>
-          <p:cNvPr id="184" name="CustomShape 10"/>
+          <p:cNvPr id="198" name="CustomShape 10"/>
           <p:cNvSpPr/>
           <p:nvPr/>
         </p:nvSpPr>
         <p:spPr>
           <a:xfrm>
             <a:off x="4868640" y="1190520"/>
-            <a:ext cx="2311920" cy="1984320"/>
+            <a:ext cx="2311560" cy="1983960"/>
           </a:xfrm>
           <a:prstGeom prst="hexagon">
             <a:avLst>
@@ -21644,14 +21168,14 @@
       </p:sp>
       <p:sp>
         <p:nvSpPr>
-          <p:cNvPr id="185" name="CustomShape 11"/>
+          <p:cNvPr id="199" name="CustomShape 11"/>
           <p:cNvSpPr/>
           <p:nvPr/>
         </p:nvSpPr>
         <p:spPr>
           <a:xfrm>
             <a:off x="6818400" y="2272680"/>
-            <a:ext cx="2311920" cy="1984320"/>
+            <a:ext cx="2311560" cy="1983960"/>
           </a:xfrm>
           <a:prstGeom prst="hexagon">
             <a:avLst>
@@ -21719,14 +21243,14 @@
       </p:sp>
       <p:sp>
         <p:nvSpPr>
-          <p:cNvPr id="186" name="CustomShape 12"/>
+          <p:cNvPr id="200" name="CustomShape 12"/>
           <p:cNvSpPr/>
           <p:nvPr/>
         </p:nvSpPr>
         <p:spPr>
           <a:xfrm>
             <a:off x="2882160" y="2305080"/>
-            <a:ext cx="2311920" cy="1984320"/>
+            <a:ext cx="2311560" cy="1983960"/>
           </a:xfrm>
           <a:custGeom>
             <a:avLst/>

--- a/doc/zzdb.pptx
+++ b/doc/zzdb.pptx
@@ -32,7 +32,7 @@
 </p:presentation>
 </file>
 
-<file path=ppt/charts/chart19.xml><?xml version="1.0" encoding="utf-8"?>
+<file path=ppt/charts/chart23.xml><?xml version="1.0" encoding="utf-8"?>
 <c:chartSpace xmlns:c="http://schemas.openxmlformats.org/drawingml/2006/chart" xmlns:a="http://schemas.openxmlformats.org/drawingml/2006/main" xmlns:r="http://schemas.openxmlformats.org/officeDocument/2006/relationships">
   <c:lang val="en-US"/>
   <c:roundedCorners val="0"/>
@@ -365,11 +365,11 @@
           </c:spPr>
         </c:hiLowLines>
         <c:marker val="1"/>
-        <c:axId val="23192605"/>
-        <c:axId val="30358971"/>
+        <c:axId val="53583488"/>
+        <c:axId val="96462971"/>
       </c:lineChart>
       <c:catAx>
-        <c:axId val="23192605"/>
+        <c:axId val="53583488"/>
         <c:scaling>
           <c:orientation val="minMax"/>
         </c:scaling>
@@ -406,14 +406,14 @@
             </a:pPr>
           </a:p>
         </c:txPr>
-        <c:crossAx val="30358971"/>
+        <c:crossAx val="96462971"/>
         <c:crosses val="autoZero"/>
         <c:auto val="1"/>
         <c:lblAlgn val="ctr"/>
         <c:lblOffset val="100"/>
       </c:catAx>
       <c:valAx>
-        <c:axId val="30358971"/>
+        <c:axId val="96462971"/>
         <c:scaling>
           <c:orientation val="minMax"/>
         </c:scaling>
@@ -457,7 +457,7 @@
             </a:pPr>
           </a:p>
         </c:txPr>
-        <c:crossAx val="23192605"/>
+        <c:crossAx val="53583488"/>
         <c:crosses val="autoZero"/>
         <c:crossBetween val="midCat"/>
       </c:valAx>
@@ -731,7 +731,7 @@
           <a:bodyPr lIns="0" rIns="0" tIns="0" bIns="0" anchor="b"/>
           <a:p>
             <a:pPr algn="r"/>
-            <a:fld id="{054918B3-B4C3-44CF-8C5A-B417AD9F0A36}" type="slidenum">
+            <a:fld id="{89FD1564-F4A1-4F76-B000-25BCE00084C0}" type="slidenum">
               <a:rPr b="0" lang="en-US" sz="1400" spc="-1" strike="noStrike">
                 <a:solidFill>
                   <a:srgbClr val="000000"/>
@@ -795,7 +795,7 @@
         <p:spPr>
           <a:xfrm>
             <a:off x="685800" y="4400640"/>
-            <a:ext cx="5484240" cy="3598200"/>
+            <a:ext cx="5483520" cy="3597480"/>
           </a:xfrm>
           <a:prstGeom prst="rect">
             <a:avLst/>
@@ -827,7 +827,7 @@
         <p:spPr>
           <a:xfrm>
             <a:off x="3884760" y="8685360"/>
-            <a:ext cx="2969640" cy="456480"/>
+            <a:ext cx="2968920" cy="455760"/>
           </a:xfrm>
           <a:prstGeom prst="rect">
             <a:avLst/>
@@ -879,7 +879,7 @@
         <p:spPr>
           <a:xfrm>
             <a:off x="685800" y="4400640"/>
-            <a:ext cx="5484240" cy="3598200"/>
+            <a:ext cx="5483520" cy="3597480"/>
           </a:xfrm>
           <a:prstGeom prst="rect">
             <a:avLst/>
@@ -911,7 +911,7 @@
         <p:spPr>
           <a:xfrm>
             <a:off x="3884760" y="8685360"/>
-            <a:ext cx="2969640" cy="456480"/>
+            <a:ext cx="2968920" cy="455760"/>
           </a:xfrm>
           <a:prstGeom prst="rect">
             <a:avLst/>
@@ -963,7 +963,7 @@
         <p:spPr>
           <a:xfrm>
             <a:off x="685800" y="4400640"/>
-            <a:ext cx="5484240" cy="3598200"/>
+            <a:ext cx="5483520" cy="3597480"/>
           </a:xfrm>
           <a:prstGeom prst="rect">
             <a:avLst/>
@@ -995,7 +995,7 @@
         <p:spPr>
           <a:xfrm>
             <a:off x="3884760" y="8685360"/>
-            <a:ext cx="2969640" cy="456480"/>
+            <a:ext cx="2968920" cy="455760"/>
           </a:xfrm>
           <a:prstGeom prst="rect">
             <a:avLst/>
@@ -1047,7 +1047,7 @@
         <p:spPr>
           <a:xfrm>
             <a:off x="685800" y="4400640"/>
-            <a:ext cx="5484240" cy="3598200"/>
+            <a:ext cx="5483520" cy="3597480"/>
           </a:xfrm>
           <a:prstGeom prst="rect">
             <a:avLst/>
@@ -1079,7 +1079,7 @@
         <p:spPr>
           <a:xfrm>
             <a:off x="3884760" y="8685360"/>
-            <a:ext cx="2969640" cy="456480"/>
+            <a:ext cx="2968920" cy="455760"/>
           </a:xfrm>
           <a:prstGeom prst="rect">
             <a:avLst/>
@@ -1131,7 +1131,7 @@
         <p:spPr>
           <a:xfrm>
             <a:off x="685800" y="4400640"/>
-            <a:ext cx="5484240" cy="3598200"/>
+            <a:ext cx="5483520" cy="3597480"/>
           </a:xfrm>
           <a:prstGeom prst="rect">
             <a:avLst/>
@@ -1163,7 +1163,7 @@
         <p:spPr>
           <a:xfrm>
             <a:off x="3884760" y="8685360"/>
-            <a:ext cx="2969640" cy="456480"/>
+            <a:ext cx="2968920" cy="455760"/>
           </a:xfrm>
           <a:prstGeom prst="rect">
             <a:avLst/>
@@ -1215,7 +1215,7 @@
         <p:spPr>
           <a:xfrm>
             <a:off x="685800" y="4400640"/>
-            <a:ext cx="5484240" cy="3598200"/>
+            <a:ext cx="5483520" cy="3597480"/>
           </a:xfrm>
           <a:prstGeom prst="rect">
             <a:avLst/>
@@ -1247,7 +1247,7 @@
         <p:spPr>
           <a:xfrm>
             <a:off x="3884760" y="8685360"/>
-            <a:ext cx="2969640" cy="456480"/>
+            <a:ext cx="2968920" cy="455760"/>
           </a:xfrm>
           <a:prstGeom prst="rect">
             <a:avLst/>
@@ -1299,7 +1299,7 @@
         <p:spPr>
           <a:xfrm>
             <a:off x="685800" y="4400640"/>
-            <a:ext cx="5484240" cy="3598200"/>
+            <a:ext cx="5483520" cy="3597480"/>
           </a:xfrm>
           <a:prstGeom prst="rect">
             <a:avLst/>
@@ -1331,7 +1331,7 @@
         <p:spPr>
           <a:xfrm>
             <a:off x="3884760" y="8685360"/>
-            <a:ext cx="2969640" cy="456480"/>
+            <a:ext cx="2968920" cy="455760"/>
           </a:xfrm>
           <a:prstGeom prst="rect">
             <a:avLst/>
@@ -1383,7 +1383,7 @@
         <p:spPr>
           <a:xfrm>
             <a:off x="685800" y="4400640"/>
-            <a:ext cx="5484240" cy="3598200"/>
+            <a:ext cx="5483520" cy="3597480"/>
           </a:xfrm>
           <a:prstGeom prst="rect">
             <a:avLst/>
@@ -1415,7 +1415,7 @@
         <p:spPr>
           <a:xfrm>
             <a:off x="3884760" y="8685360"/>
-            <a:ext cx="2969640" cy="456480"/>
+            <a:ext cx="2968920" cy="455760"/>
           </a:xfrm>
           <a:prstGeom prst="rect">
             <a:avLst/>
@@ -1467,7 +1467,7 @@
         <p:spPr>
           <a:xfrm>
             <a:off x="685800" y="4400640"/>
-            <a:ext cx="5484240" cy="3598200"/>
+            <a:ext cx="5483520" cy="3597480"/>
           </a:xfrm>
           <a:prstGeom prst="rect">
             <a:avLst/>
@@ -1499,7 +1499,7 @@
         <p:spPr>
           <a:xfrm>
             <a:off x="3884760" y="8685360"/>
-            <a:ext cx="2969640" cy="456480"/>
+            <a:ext cx="2968920" cy="455760"/>
           </a:xfrm>
           <a:prstGeom prst="rect">
             <a:avLst/>
@@ -1551,7 +1551,7 @@
         <p:spPr>
           <a:xfrm>
             <a:off x="685800" y="4400640"/>
-            <a:ext cx="5484240" cy="3598200"/>
+            <a:ext cx="5483520" cy="3597480"/>
           </a:xfrm>
           <a:prstGeom prst="rect">
             <a:avLst/>
@@ -1583,7 +1583,7 @@
         <p:spPr>
           <a:xfrm>
             <a:off x="3884760" y="8685360"/>
-            <a:ext cx="2969640" cy="456480"/>
+            <a:ext cx="2968920" cy="455760"/>
           </a:xfrm>
           <a:prstGeom prst="rect">
             <a:avLst/>
@@ -1635,7 +1635,7 @@
         <p:spPr>
           <a:xfrm>
             <a:off x="685800" y="4400640"/>
-            <a:ext cx="5484240" cy="3598200"/>
+            <a:ext cx="5483520" cy="3597480"/>
           </a:xfrm>
           <a:prstGeom prst="rect">
             <a:avLst/>
@@ -1667,7 +1667,7 @@
         <p:spPr>
           <a:xfrm>
             <a:off x="3884760" y="8685360"/>
-            <a:ext cx="2969640" cy="456480"/>
+            <a:ext cx="2968920" cy="455760"/>
           </a:xfrm>
           <a:prstGeom prst="rect">
             <a:avLst/>
@@ -1719,7 +1719,7 @@
         <p:spPr>
           <a:xfrm>
             <a:off x="685800" y="4400640"/>
-            <a:ext cx="5484240" cy="3598200"/>
+            <a:ext cx="5483520" cy="3597480"/>
           </a:xfrm>
           <a:prstGeom prst="rect">
             <a:avLst/>
@@ -1751,7 +1751,7 @@
         <p:spPr>
           <a:xfrm>
             <a:off x="3884760" y="8685360"/>
-            <a:ext cx="2969640" cy="456480"/>
+            <a:ext cx="2968920" cy="455760"/>
           </a:xfrm>
           <a:prstGeom prst="rect">
             <a:avLst/>
@@ -1803,7 +1803,7 @@
         <p:spPr>
           <a:xfrm>
             <a:off x="685800" y="4400640"/>
-            <a:ext cx="5484240" cy="3598200"/>
+            <a:ext cx="5483520" cy="3597480"/>
           </a:xfrm>
           <a:prstGeom prst="rect">
             <a:avLst/>
@@ -1835,7 +1835,7 @@
         <p:spPr>
           <a:xfrm>
             <a:off x="3884760" y="8685360"/>
-            <a:ext cx="2969640" cy="456480"/>
+            <a:ext cx="2968920" cy="455760"/>
           </a:xfrm>
           <a:prstGeom prst="rect">
             <a:avLst/>
@@ -1887,7 +1887,7 @@
         <p:spPr>
           <a:xfrm>
             <a:off x="685800" y="4400640"/>
-            <a:ext cx="5484240" cy="3598200"/>
+            <a:ext cx="5483520" cy="3597480"/>
           </a:xfrm>
           <a:prstGeom prst="rect">
             <a:avLst/>
@@ -1919,7 +1919,7 @@
         <p:spPr>
           <a:xfrm>
             <a:off x="3884760" y="8685360"/>
-            <a:ext cx="2969640" cy="456480"/>
+            <a:ext cx="2968920" cy="455760"/>
           </a:xfrm>
           <a:prstGeom prst="rect">
             <a:avLst/>
@@ -1971,7 +1971,7 @@
         <p:spPr>
           <a:xfrm>
             <a:off x="685800" y="4400640"/>
-            <a:ext cx="5484240" cy="3598200"/>
+            <a:ext cx="5483520" cy="3597480"/>
           </a:xfrm>
           <a:prstGeom prst="rect">
             <a:avLst/>
@@ -2003,7 +2003,7 @@
         <p:spPr>
           <a:xfrm>
             <a:off x="3884760" y="8685360"/>
-            <a:ext cx="2969640" cy="456480"/>
+            <a:ext cx="2968920" cy="455760"/>
           </a:xfrm>
           <a:prstGeom prst="rect">
             <a:avLst/>
@@ -2055,7 +2055,7 @@
         <p:spPr>
           <a:xfrm>
             <a:off x="685800" y="4400640"/>
-            <a:ext cx="5484240" cy="3598200"/>
+            <a:ext cx="5483520" cy="3597480"/>
           </a:xfrm>
           <a:prstGeom prst="rect">
             <a:avLst/>
@@ -2087,7 +2087,7 @@
         <p:spPr>
           <a:xfrm>
             <a:off x="3884760" y="8685360"/>
-            <a:ext cx="2969640" cy="456480"/>
+            <a:ext cx="2968920" cy="455760"/>
           </a:xfrm>
           <a:prstGeom prst="rect">
             <a:avLst/>
@@ -5809,7 +5809,7 @@
         <p:spPr>
           <a:xfrm>
             <a:off x="0" y="0"/>
-            <a:ext cx="12189960" cy="3527280"/>
+            <a:ext cx="12189240" cy="3526560"/>
           </a:xfrm>
           <a:prstGeom prst="rect">
             <a:avLst/>
@@ -5849,7 +5849,7 @@
         <p:spPr>
           <a:xfrm>
             <a:off x="1066680" y="345960"/>
-            <a:ext cx="10056240" cy="5085000"/>
+            <a:ext cx="10055520" cy="5084280"/>
           </a:xfrm>
           <a:prstGeom prst="rect">
             <a:avLst/>
@@ -5868,7 +5868,7 @@
         <p:spPr>
           <a:xfrm rot="21595200">
             <a:off x="2160" y="2990880"/>
-            <a:ext cx="12190320" cy="3333240"/>
+            <a:ext cx="12189600" cy="3332520"/>
           </a:xfrm>
           <a:prstGeom prst="rect">
             <a:avLst/>
@@ -5904,7 +5904,7 @@
         <p:spPr>
           <a:xfrm>
             <a:off x="2207160" y="3845880"/>
-            <a:ext cx="1139040" cy="1139040"/>
+            <a:ext cx="1138320" cy="1138320"/>
           </a:xfrm>
           <a:prstGeom prst="rect">
             <a:avLst/>
@@ -5917,7 +5917,7 @@
               </a:schemeClr>
             </a:solidFill>
             <a:custDash>
-              <a:ds d="12400000" sp="100000"/>
+              <a:ds d="46800000" sp="100000"/>
             </a:custDash>
             <a:round/>
           </a:ln>
@@ -5958,7 +5958,7 @@
               </a:schemeClr>
             </a:solidFill>
             <a:custDash>
-              <a:ds d="1700000" sp="100000"/>
+              <a:ds d="2900000" sp="100000"/>
             </a:custDash>
             <a:round/>
           </a:ln>
@@ -5997,7 +5997,7 @@
               </a:schemeClr>
             </a:solidFill>
             <a:custDash>
-              <a:ds d="1700000" sp="100000"/>
+              <a:ds d="2900000" sp="100000"/>
             </a:custDash>
             <a:round/>
           </a:ln>
@@ -6024,7 +6024,7 @@
         <p:spPr>
           <a:xfrm>
             <a:off x="3534480" y="3845880"/>
-            <a:ext cx="1139040" cy="1139040"/>
+            <a:ext cx="1138320" cy="1138320"/>
           </a:xfrm>
           <a:prstGeom prst="rect">
             <a:avLst/>
@@ -6037,7 +6037,7 @@
               </a:schemeClr>
             </a:solidFill>
             <a:custDash>
-              <a:ds d="12400000" sp="100000"/>
+              <a:ds d="46800000" sp="100000"/>
             </a:custDash>
             <a:round/>
           </a:ln>
@@ -6078,7 +6078,7 @@
               </a:schemeClr>
             </a:solidFill>
             <a:custDash>
-              <a:ds d="1700000" sp="100000"/>
+              <a:ds d="2900000" sp="100000"/>
             </a:custDash>
             <a:round/>
           </a:ln>
@@ -6117,7 +6117,7 @@
               </a:schemeClr>
             </a:solidFill>
             <a:custDash>
-              <a:ds d="1700000" sp="100000"/>
+              <a:ds d="2900000" sp="100000"/>
             </a:custDash>
             <a:round/>
           </a:ln>
@@ -6144,7 +6144,7 @@
         <p:spPr>
           <a:xfrm>
             <a:off x="4861800" y="3845880"/>
-            <a:ext cx="1139040" cy="1139040"/>
+            <a:ext cx="1138320" cy="1138320"/>
           </a:xfrm>
           <a:prstGeom prst="rect">
             <a:avLst/>
@@ -6157,7 +6157,7 @@
               </a:schemeClr>
             </a:solidFill>
             <a:custDash>
-              <a:ds d="12400000" sp="100000"/>
+              <a:ds d="46800000" sp="100000"/>
             </a:custDash>
             <a:round/>
           </a:ln>
@@ -6198,7 +6198,7 @@
               </a:schemeClr>
             </a:solidFill>
             <a:custDash>
-              <a:ds d="1700000" sp="100000"/>
+              <a:ds d="2900000" sp="100000"/>
             </a:custDash>
             <a:round/>
           </a:ln>
@@ -6237,7 +6237,7 @@
               </a:schemeClr>
             </a:solidFill>
             <a:custDash>
-              <a:ds d="1700000" sp="100000"/>
+              <a:ds d="2900000" sp="100000"/>
             </a:custDash>
             <a:round/>
           </a:ln>
@@ -6264,7 +6264,7 @@
         <p:spPr>
           <a:xfrm>
             <a:off x="6189120" y="3845880"/>
-            <a:ext cx="1139040" cy="1139040"/>
+            <a:ext cx="1138320" cy="1138320"/>
           </a:xfrm>
           <a:prstGeom prst="rect">
             <a:avLst/>
@@ -6277,7 +6277,7 @@
               </a:schemeClr>
             </a:solidFill>
             <a:custDash>
-              <a:ds d="12400000" sp="100000"/>
+              <a:ds d="46800000" sp="100000"/>
             </a:custDash>
             <a:round/>
           </a:ln>
@@ -6318,7 +6318,7 @@
               </a:schemeClr>
             </a:solidFill>
             <a:custDash>
-              <a:ds d="1700000" sp="100000"/>
+              <a:ds d="2900000" sp="100000"/>
             </a:custDash>
             <a:round/>
           </a:ln>
@@ -6357,7 +6357,7 @@
               </a:schemeClr>
             </a:solidFill>
             <a:custDash>
-              <a:ds d="1700000" sp="100000"/>
+              <a:ds d="2900000" sp="100000"/>
             </a:custDash>
             <a:round/>
           </a:ln>
@@ -6384,7 +6384,7 @@
         <p:spPr>
           <a:xfrm>
             <a:off x="7516440" y="3845880"/>
-            <a:ext cx="1139040" cy="1139040"/>
+            <a:ext cx="1138320" cy="1138320"/>
           </a:xfrm>
           <a:prstGeom prst="rect">
             <a:avLst/>
@@ -6397,7 +6397,7 @@
               </a:schemeClr>
             </a:solidFill>
             <a:custDash>
-              <a:ds d="12400000" sp="100000"/>
+              <a:ds d="46800000" sp="100000"/>
             </a:custDash>
             <a:round/>
           </a:ln>
@@ -6438,7 +6438,7 @@
               </a:schemeClr>
             </a:solidFill>
             <a:custDash>
-              <a:ds d="1700000" sp="100000"/>
+              <a:ds d="2900000" sp="100000"/>
             </a:custDash>
             <a:round/>
           </a:ln>
@@ -6477,7 +6477,7 @@
               </a:schemeClr>
             </a:solidFill>
             <a:custDash>
-              <a:ds d="1700000" sp="100000"/>
+              <a:ds d="2900000" sp="100000"/>
             </a:custDash>
             <a:round/>
           </a:ln>
@@ -6504,7 +6504,7 @@
         <p:spPr>
           <a:xfrm>
             <a:off x="8843760" y="3845880"/>
-            <a:ext cx="1139040" cy="1139040"/>
+            <a:ext cx="1138320" cy="1138320"/>
           </a:xfrm>
           <a:prstGeom prst="rect">
             <a:avLst/>
@@ -6517,7 +6517,7 @@
               </a:schemeClr>
             </a:solidFill>
             <a:custDash>
-              <a:ds d="12400000" sp="100000"/>
+              <a:ds d="46800000" sp="100000"/>
             </a:custDash>
             <a:round/>
           </a:ln>
@@ -6558,7 +6558,7 @@
               </a:schemeClr>
             </a:solidFill>
             <a:custDash>
-              <a:ds d="1700000" sp="100000"/>
+              <a:ds d="2900000" sp="100000"/>
             </a:custDash>
             <a:round/>
           </a:ln>
@@ -6597,7 +6597,7 @@
               </a:schemeClr>
             </a:solidFill>
             <a:custDash>
-              <a:ds d="1700000" sp="100000"/>
+              <a:ds d="2900000" sp="100000"/>
             </a:custDash>
             <a:round/>
           </a:ln>
@@ -6623,8 +6623,8 @@
         </p:nvSpPr>
         <p:spPr>
           <a:xfrm rot="12600">
-            <a:off x="2241000" y="3684600"/>
-            <a:ext cx="8009640" cy="1286280"/>
+            <a:off x="2241000" y="3683880"/>
+            <a:ext cx="8008920" cy="1285560"/>
           </a:xfrm>
           <a:prstGeom prst="rect">
             <a:avLst/>
@@ -6649,7 +6649,7 @@
               </a:lnSpc>
             </a:pPr>
             <a:r>
-              <a:rPr b="1" lang="en-US" sz="8000" spc="2184" strike="noStrike">
+              <a:rPr b="1" lang="en-US" sz="8000" spc="2178" strike="noStrike">
                 <a:solidFill>
                   <a:srgbClr val="136083"/>
                 </a:solidFill>
@@ -6686,7 +6686,7 @@
         <p:spPr>
           <a:xfrm>
             <a:off x="4656600" y="5534640"/>
-            <a:ext cx="348120" cy="349560"/>
+            <a:ext cx="347400" cy="348840"/>
           </a:xfrm>
           <a:custGeom>
             <a:avLst/>
@@ -6874,7 +6874,7 @@
         <p:spPr>
           <a:xfrm>
             <a:off x="5106600" y="5551200"/>
-            <a:ext cx="1831680" cy="331920"/>
+            <a:ext cx="1830960" cy="331200"/>
           </a:xfrm>
           <a:prstGeom prst="rect">
             <a:avLst/>
@@ -6936,7 +6936,7 @@
         <p:spPr>
           <a:xfrm>
             <a:off x="4443840" y="1223280"/>
-            <a:ext cx="3302280" cy="1550880"/>
+            <a:ext cx="3301560" cy="1550160"/>
           </a:xfrm>
           <a:prstGeom prst="rect">
             <a:avLst/>
@@ -6998,7 +6998,7 @@
         <p:spPr>
           <a:xfrm>
             <a:off x="3805560" y="6123600"/>
-            <a:ext cx="3768480" cy="240840"/>
+            <a:ext cx="3767760" cy="240120"/>
           </a:xfrm>
           <a:prstGeom prst="rect">
             <a:avLst/>
@@ -7024,7 +7024,7 @@
         <p:spPr>
           <a:xfrm>
             <a:off x="7416000" y="5875560"/>
-            <a:ext cx="3286800" cy="363240"/>
+            <a:ext cx="3286080" cy="362520"/>
           </a:xfrm>
           <a:prstGeom prst="rect">
             <a:avLst/>
@@ -7228,7 +7228,7 @@
         <p:spPr>
           <a:xfrm>
             <a:off x="0" y="205200"/>
-            <a:ext cx="12189960" cy="598680"/>
+            <a:ext cx="12189240" cy="597960"/>
           </a:xfrm>
           <a:prstGeom prst="rect">
             <a:avLst/>
@@ -7263,8 +7263,8 @@
         </p:nvSpPr>
         <p:spPr>
           <a:xfrm flipH="1">
-            <a:off x="264240" y="806040"/>
-            <a:ext cx="309960" cy="87120"/>
+            <a:off x="263520" y="806040"/>
+            <a:ext cx="309240" cy="86400"/>
           </a:xfrm>
           <a:custGeom>
             <a:avLst/>
@@ -7322,8 +7322,8 @@
         </p:nvSpPr>
         <p:spPr>
           <a:xfrm flipV="1">
-            <a:off x="1457280" y="114120"/>
-            <a:ext cx="309960" cy="87120"/>
+            <a:off x="1457280" y="113400"/>
+            <a:ext cx="309240" cy="86400"/>
           </a:xfrm>
           <a:custGeom>
             <a:avLst/>
@@ -7381,8 +7381,8 @@
         </p:nvSpPr>
         <p:spPr>
           <a:xfrm flipH="1">
-            <a:off x="310320" y="116280"/>
-            <a:ext cx="1400760" cy="777240"/>
+            <a:off x="309600" y="116280"/>
+            <a:ext cx="1400040" cy="776520"/>
           </a:xfrm>
           <a:prstGeom prst="parallelogram">
             <a:avLst>
@@ -7420,7 +7420,7 @@
         <p:spPr>
           <a:xfrm>
             <a:off x="302040" y="244080"/>
-            <a:ext cx="1321920" cy="515160"/>
+            <a:ext cx="1321200" cy="514440"/>
           </a:xfrm>
           <a:prstGeom prst="rect">
             <a:avLst/>
@@ -7482,7 +7482,7 @@
         <p:spPr>
           <a:xfrm>
             <a:off x="2021400" y="244080"/>
-            <a:ext cx="2499120" cy="514440"/>
+            <a:ext cx="2498400" cy="513720"/>
           </a:xfrm>
           <a:prstGeom prst="rect">
             <a:avLst/>
@@ -7507,7 +7507,7 @@
               </a:lnSpc>
             </a:pPr>
             <a:r>
-              <a:rPr b="0" lang="en-US" sz="2800" spc="284" strike="noStrike">
+              <a:rPr b="0" lang="en-US" sz="2800" spc="279" strike="noStrike">
                 <a:solidFill>
                   <a:srgbClr val="ffffff"/>
                 </a:solidFill>
@@ -7544,7 +7544,7 @@
         <p:spPr>
           <a:xfrm>
             <a:off x="3240000" y="2088000"/>
-            <a:ext cx="4211280" cy="867600"/>
+            <a:ext cx="4210560" cy="866880"/>
           </a:xfrm>
           <a:custGeom>
             <a:avLst/>
@@ -7718,7 +7718,7 @@
         <p:spPr>
           <a:xfrm>
             <a:off x="3312000" y="3384000"/>
-            <a:ext cx="4247280" cy="863280"/>
+            <a:ext cx="4246560" cy="862560"/>
           </a:xfrm>
           <a:prstGeom prst="rect">
             <a:avLst/>
@@ -7881,7 +7881,7 @@
         <p:spPr>
           <a:xfrm>
             <a:off x="0" y="2462040"/>
-            <a:ext cx="12189960" cy="1893600"/>
+            <a:ext cx="12189240" cy="1892880"/>
           </a:xfrm>
           <a:prstGeom prst="rect">
             <a:avLst/>
@@ -7915,7 +7915,7 @@
         <p:spPr>
           <a:xfrm>
             <a:off x="3714120" y="2202480"/>
-            <a:ext cx="256320" cy="257400"/>
+            <a:ext cx="255600" cy="256680"/>
           </a:xfrm>
           <a:custGeom>
             <a:avLst/>
@@ -7967,8 +7967,8 @@
         </p:nvSpPr>
         <p:spPr>
           <a:xfrm flipV="1">
-            <a:off x="510120" y="4355280"/>
-            <a:ext cx="261360" cy="262440"/>
+            <a:off x="510120" y="4354560"/>
+            <a:ext cx="260640" cy="261720"/>
           </a:xfrm>
           <a:custGeom>
             <a:avLst/>
@@ -8021,7 +8021,7 @@
         <p:spPr>
           <a:xfrm>
             <a:off x="639000" y="2203200"/>
-            <a:ext cx="3207240" cy="2410920"/>
+            <a:ext cx="3206520" cy="2410200"/>
           </a:xfrm>
           <a:prstGeom prst="parallelogram">
             <a:avLst>
@@ -8059,7 +8059,7 @@
         <p:spPr>
           <a:xfrm>
             <a:off x="1487520" y="2531520"/>
-            <a:ext cx="1760760" cy="1714320"/>
+            <a:ext cx="1760040" cy="1713600"/>
           </a:xfrm>
           <a:prstGeom prst="rect">
             <a:avLst/>
@@ -8121,7 +8121,7 @@
         <p:spPr>
           <a:xfrm>
             <a:off x="4446720" y="2890800"/>
-            <a:ext cx="6731640" cy="912240"/>
+            <a:ext cx="6730920" cy="911520"/>
           </a:xfrm>
           <a:prstGeom prst="rect">
             <a:avLst/>
@@ -8232,7 +8232,7 @@
         <p:spPr>
           <a:xfrm>
             <a:off x="0" y="205200"/>
-            <a:ext cx="12189960" cy="598680"/>
+            <a:ext cx="12189240" cy="597960"/>
           </a:xfrm>
           <a:prstGeom prst="rect">
             <a:avLst/>
@@ -8267,8 +8267,8 @@
         </p:nvSpPr>
         <p:spPr>
           <a:xfrm flipH="1">
-            <a:off x="264240" y="806040"/>
-            <a:ext cx="309960" cy="87120"/>
+            <a:off x="263520" y="806040"/>
+            <a:ext cx="309240" cy="86400"/>
           </a:xfrm>
           <a:custGeom>
             <a:avLst/>
@@ -8326,8 +8326,8 @@
         </p:nvSpPr>
         <p:spPr>
           <a:xfrm flipV="1">
-            <a:off x="1457280" y="114120"/>
-            <a:ext cx="309960" cy="87120"/>
+            <a:off x="1457280" y="113400"/>
+            <a:ext cx="309240" cy="86400"/>
           </a:xfrm>
           <a:custGeom>
             <a:avLst/>
@@ -8385,8 +8385,8 @@
         </p:nvSpPr>
         <p:spPr>
           <a:xfrm flipH="1">
-            <a:off x="310320" y="116280"/>
-            <a:ext cx="1400760" cy="777240"/>
+            <a:off x="309600" y="116280"/>
+            <a:ext cx="1400040" cy="776520"/>
           </a:xfrm>
           <a:prstGeom prst="parallelogram">
             <a:avLst>
@@ -8424,7 +8424,7 @@
         <p:spPr>
           <a:xfrm>
             <a:off x="302040" y="244080"/>
-            <a:ext cx="1321920" cy="515160"/>
+            <a:ext cx="1321200" cy="514440"/>
           </a:xfrm>
           <a:prstGeom prst="rect">
             <a:avLst/>
@@ -8486,7 +8486,7 @@
         <p:spPr>
           <a:xfrm>
             <a:off x="2058840" y="244080"/>
-            <a:ext cx="1712520" cy="514440"/>
+            <a:ext cx="1711800" cy="513720"/>
           </a:xfrm>
           <a:prstGeom prst="rect">
             <a:avLst/>
@@ -8511,7 +8511,7 @@
               </a:lnSpc>
             </a:pPr>
             <a:r>
-              <a:rPr b="0" lang="en-US" sz="2800" spc="284" strike="noStrike">
+              <a:rPr b="0" lang="en-US" sz="2800" spc="279" strike="noStrike">
                 <a:solidFill>
                   <a:srgbClr val="ffffff"/>
                 </a:solidFill>
@@ -8548,7 +8548,7 @@
         <p:spPr>
           <a:xfrm>
             <a:off x="3147840" y="1794960"/>
-            <a:ext cx="4554720" cy="867600"/>
+            <a:ext cx="4554000" cy="866880"/>
           </a:xfrm>
           <a:custGeom>
             <a:avLst/>
@@ -8697,7 +8697,7 @@
                 <a:latin typeface="Calibri"/>
                 <a:ea typeface="DejaVu Sans"/>
               </a:rPr>
-              <a:t>积极主动，有责任感</a:t>
+              <a:t>积极主动，责任感强</a:t>
             </a:r>
             <a:endParaRPr b="0" lang="en-US" sz="1800" spc="-1" strike="noStrike">
               <a:solidFill>
@@ -8722,7 +8722,7 @@
         <p:spPr>
           <a:xfrm>
             <a:off x="3166560" y="3312000"/>
-            <a:ext cx="4536000" cy="867600"/>
+            <a:ext cx="4535280" cy="866880"/>
           </a:xfrm>
           <a:custGeom>
             <a:avLst/>
@@ -8896,7 +8896,7 @@
         <p:spPr>
           <a:xfrm>
             <a:off x="2751840" y="1844280"/>
-            <a:ext cx="725760" cy="725760"/>
+            <a:ext cx="725040" cy="725040"/>
           </a:xfrm>
           <a:prstGeom prst="ellipse">
             <a:avLst/>
@@ -8960,7 +8960,7 @@
         <p:spPr>
           <a:xfrm>
             <a:off x="2770560" y="3403080"/>
-            <a:ext cx="725760" cy="725760"/>
+            <a:ext cx="725040" cy="725040"/>
           </a:xfrm>
           <a:prstGeom prst="ellipse">
             <a:avLst/>
@@ -9024,7 +9024,7 @@
         <p:spPr>
           <a:xfrm>
             <a:off x="3238560" y="4824000"/>
-            <a:ext cx="4464000" cy="867600"/>
+            <a:ext cx="4463280" cy="866880"/>
           </a:xfrm>
           <a:custGeom>
             <a:avLst/>
@@ -9198,7 +9198,7 @@
         <p:spPr>
           <a:xfrm>
             <a:off x="2770920" y="3403440"/>
-            <a:ext cx="725760" cy="725760"/>
+            <a:ext cx="725040" cy="725040"/>
           </a:xfrm>
           <a:prstGeom prst="ellipse">
             <a:avLst/>
@@ -9262,7 +9262,7 @@
         <p:spPr>
           <a:xfrm>
             <a:off x="2770920" y="3403440"/>
-            <a:ext cx="725760" cy="725760"/>
+            <a:ext cx="725040" cy="725040"/>
           </a:xfrm>
           <a:prstGeom prst="ellipse">
             <a:avLst/>
@@ -9326,7 +9326,7 @@
         <p:spPr>
           <a:xfrm>
             <a:off x="2808000" y="4888800"/>
-            <a:ext cx="725760" cy="725760"/>
+            <a:ext cx="725040" cy="725040"/>
           </a:xfrm>
           <a:prstGeom prst="ellipse">
             <a:avLst/>
@@ -9439,7 +9439,7 @@
         <p:spPr>
           <a:xfrm>
             <a:off x="0" y="205200"/>
-            <a:ext cx="12189960" cy="598680"/>
+            <a:ext cx="12189240" cy="597960"/>
           </a:xfrm>
           <a:prstGeom prst="rect">
             <a:avLst/>
@@ -9474,8 +9474,8 @@
         </p:nvSpPr>
         <p:spPr>
           <a:xfrm flipH="1">
-            <a:off x="264240" y="806040"/>
-            <a:ext cx="309960" cy="87120"/>
+            <a:off x="263520" y="806040"/>
+            <a:ext cx="309240" cy="86400"/>
           </a:xfrm>
           <a:custGeom>
             <a:avLst/>
@@ -9533,8 +9533,8 @@
         </p:nvSpPr>
         <p:spPr>
           <a:xfrm flipV="1">
-            <a:off x="1457280" y="114120"/>
-            <a:ext cx="309960" cy="87120"/>
+            <a:off x="1457280" y="113400"/>
+            <a:ext cx="309240" cy="86400"/>
           </a:xfrm>
           <a:custGeom>
             <a:avLst/>
@@ -9592,8 +9592,8 @@
         </p:nvSpPr>
         <p:spPr>
           <a:xfrm flipH="1">
-            <a:off x="310320" y="116280"/>
-            <a:ext cx="1400760" cy="777240"/>
+            <a:off x="309600" y="116280"/>
+            <a:ext cx="1400040" cy="776520"/>
           </a:xfrm>
           <a:prstGeom prst="parallelogram">
             <a:avLst>
@@ -9631,7 +9631,7 @@
         <p:spPr>
           <a:xfrm>
             <a:off x="302040" y="244080"/>
-            <a:ext cx="1321920" cy="515160"/>
+            <a:ext cx="1321200" cy="514440"/>
           </a:xfrm>
           <a:prstGeom prst="rect">
             <a:avLst/>
@@ -9693,7 +9693,7 @@
         <p:spPr>
           <a:xfrm>
             <a:off x="2058840" y="244080"/>
-            <a:ext cx="1712520" cy="514440"/>
+            <a:ext cx="1711800" cy="513720"/>
           </a:xfrm>
           <a:prstGeom prst="rect">
             <a:avLst/>
@@ -9718,7 +9718,7 @@
               </a:lnSpc>
             </a:pPr>
             <a:r>
-              <a:rPr b="0" lang="en-US" sz="2800" spc="284" strike="noStrike">
+              <a:rPr b="0" lang="en-US" sz="2800" spc="279" strike="noStrike">
                 <a:solidFill>
                   <a:srgbClr val="ffffff"/>
                 </a:solidFill>
@@ -9755,7 +9755,7 @@
         <p:spPr>
           <a:xfrm>
             <a:off x="1527840" y="1794960"/>
-            <a:ext cx="3762720" cy="867600"/>
+            <a:ext cx="3762000" cy="866880"/>
           </a:xfrm>
           <a:custGeom>
             <a:avLst/>
@@ -9929,7 +9929,7 @@
         <p:spPr>
           <a:xfrm>
             <a:off x="1546560" y="3312000"/>
-            <a:ext cx="3816000" cy="867600"/>
+            <a:ext cx="3815280" cy="866880"/>
           </a:xfrm>
           <a:custGeom>
             <a:avLst/>
@@ -10103,7 +10103,7 @@
         <p:spPr>
           <a:xfrm>
             <a:off x="1131840" y="1844280"/>
-            <a:ext cx="725760" cy="725760"/>
+            <a:ext cx="725040" cy="725040"/>
           </a:xfrm>
           <a:prstGeom prst="ellipse">
             <a:avLst/>
@@ -10167,7 +10167,7 @@
         <p:spPr>
           <a:xfrm>
             <a:off x="1150560" y="3403080"/>
-            <a:ext cx="725760" cy="725760"/>
+            <a:ext cx="725040" cy="725040"/>
           </a:xfrm>
           <a:prstGeom prst="ellipse">
             <a:avLst/>
@@ -10231,7 +10231,7 @@
         <p:spPr>
           <a:xfrm>
             <a:off x="1618560" y="4824000"/>
-            <a:ext cx="3816000" cy="867600"/>
+            <a:ext cx="3815280" cy="866880"/>
           </a:xfrm>
           <a:custGeom>
             <a:avLst/>
@@ -10405,7 +10405,7 @@
         <p:spPr>
           <a:xfrm>
             <a:off x="1150920" y="3403440"/>
-            <a:ext cx="725760" cy="725760"/>
+            <a:ext cx="725040" cy="725040"/>
           </a:xfrm>
           <a:prstGeom prst="ellipse">
             <a:avLst/>
@@ -10469,7 +10469,7 @@
         <p:spPr>
           <a:xfrm>
             <a:off x="1150920" y="3403440"/>
-            <a:ext cx="725760" cy="725760"/>
+            <a:ext cx="725040" cy="725040"/>
           </a:xfrm>
           <a:prstGeom prst="ellipse">
             <a:avLst/>
@@ -10533,7 +10533,7 @@
         <p:spPr>
           <a:xfrm>
             <a:off x="1188000" y="4888800"/>
-            <a:ext cx="725760" cy="725760"/>
+            <a:ext cx="725040" cy="725040"/>
           </a:xfrm>
           <a:prstGeom prst="ellipse">
             <a:avLst/>
@@ -10597,7 +10597,7 @@
         <p:spPr>
           <a:xfrm>
             <a:off x="5652000" y="3456000"/>
-            <a:ext cx="1510560" cy="646560"/>
+            <a:ext cx="1509840" cy="645840"/>
           </a:xfrm>
           <a:custGeom>
             <a:avLst/>
@@ -10694,7 +10694,7 @@
         <p:spPr>
           <a:xfrm>
             <a:off x="7560000" y="1872000"/>
-            <a:ext cx="574560" cy="574560"/>
+            <a:ext cx="573840" cy="573840"/>
           </a:xfrm>
           <a:prstGeom prst="rect">
             <a:avLst/>
@@ -10760,7 +10760,7 @@
         <p:spPr>
           <a:xfrm>
             <a:off x="8273880" y="1800000"/>
-            <a:ext cx="2236680" cy="680040"/>
+            <a:ext cx="2885760" cy="679320"/>
           </a:xfrm>
           <a:prstGeom prst="rect">
             <a:avLst/>
@@ -10845,7 +10845,7 @@
         <p:spPr>
           <a:xfrm>
             <a:off x="7560000" y="3456000"/>
-            <a:ext cx="574560" cy="574560"/>
+            <a:ext cx="573840" cy="573840"/>
           </a:xfrm>
           <a:prstGeom prst="rect">
             <a:avLst/>
@@ -10911,7 +10911,7 @@
         <p:spPr>
           <a:xfrm>
             <a:off x="8136000" y="3422520"/>
-            <a:ext cx="3608280" cy="680040"/>
+            <a:ext cx="3607560" cy="679320"/>
           </a:xfrm>
           <a:prstGeom prst="rect">
             <a:avLst/>
@@ -10943,7 +10943,7 @@
                 <a:latin typeface="Arial"/>
                 <a:ea typeface="DejaVu Sans"/>
               </a:rPr>
-              <a:t>任务过程中给出全面详细的文档，</a:t>
+              <a:t>任务过程中给出全面详细的文档，方便后续其他人员了解业务。</a:t>
             </a:r>
             <a:endParaRPr b="0" lang="en-US" sz="1800" spc="-1" strike="noStrike">
               <a:solidFill>
@@ -10957,34 +10957,6 @@
               <a:latin typeface="Arial"/>
             </a:endParaRPr>
           </a:p>
-          <a:p>
-            <a:r>
-              <a:rPr b="0" lang="en-US" sz="1800" spc="-1" strike="noStrike">
-                <a:solidFill>
-                  <a:srgbClr val="000000"/>
-                </a:solidFill>
-                <a:uFill>
-                  <a:solidFill>
-                    <a:srgbClr val="ffffff"/>
-                  </a:solidFill>
-                </a:uFill>
-                <a:latin typeface="Arial"/>
-                <a:ea typeface="DejaVu Sans"/>
-              </a:rPr>
-              <a:t>方便后续其他人员了解业务。</a:t>
-            </a:r>
-            <a:endParaRPr b="0" lang="en-US" sz="1800" spc="-1" strike="noStrike">
-              <a:solidFill>
-                <a:srgbClr val="000000"/>
-              </a:solidFill>
-              <a:uFill>
-                <a:solidFill>
-                  <a:srgbClr val="ffffff"/>
-                </a:solidFill>
-              </a:uFill>
-              <a:latin typeface="Arial"/>
-            </a:endParaRPr>
-          </a:p>
         </p:txBody>
       </p:sp>
       <p:sp>
@@ -10996,7 +10968,7 @@
         <p:spPr>
           <a:xfrm>
             <a:off x="7596000" y="4968000"/>
-            <a:ext cx="574560" cy="574560"/>
+            <a:ext cx="573840" cy="573840"/>
           </a:xfrm>
           <a:prstGeom prst="rect">
             <a:avLst/>
@@ -11062,7 +11034,7 @@
         <p:spPr>
           <a:xfrm>
             <a:off x="8174880" y="4896000"/>
-            <a:ext cx="3608280" cy="680040"/>
+            <a:ext cx="3607560" cy="679320"/>
           </a:xfrm>
           <a:prstGeom prst="rect">
             <a:avLst/>
@@ -11094,35 +11066,7 @@
                 <a:latin typeface="Arial"/>
                 <a:ea typeface="DejaVu Sans"/>
               </a:rPr>
-              <a:t>开发前多思考需求的合理性以及影</a:t>
-            </a:r>
-            <a:endParaRPr b="0" lang="en-US" sz="1800" spc="-1" strike="noStrike">
-              <a:solidFill>
-                <a:srgbClr val="000000"/>
-              </a:solidFill>
-              <a:uFill>
-                <a:solidFill>
-                  <a:srgbClr val="ffffff"/>
-                </a:solidFill>
-              </a:uFill>
-              <a:latin typeface="Arial"/>
-            </a:endParaRPr>
-          </a:p>
-          <a:p>
-            <a:r>
-              <a:rPr b="0" lang="en-US" sz="1800" spc="-1" strike="noStrike">
-                <a:solidFill>
-                  <a:srgbClr val="000000"/>
-                </a:solidFill>
-                <a:uFill>
-                  <a:solidFill>
-                    <a:srgbClr val="ffffff"/>
-                  </a:solidFill>
-                </a:uFill>
-                <a:latin typeface="Arial"/>
-                <a:ea typeface="DejaVu Sans"/>
-              </a:rPr>
-              <a:t>响面，多问多交流，避免理解偏差</a:t>
+              <a:t>开发前多思考需求的合理性以及影响面，多问多交流，避免理解偏差</a:t>
             </a:r>
             <a:endParaRPr b="0" lang="en-US" sz="1800" spc="-1" strike="noStrike">
               <a:solidFill>
@@ -11196,7 +11140,7 @@
         <p:spPr>
           <a:xfrm>
             <a:off x="0" y="2462040"/>
-            <a:ext cx="12189960" cy="1893600"/>
+            <a:ext cx="12189240" cy="1892880"/>
           </a:xfrm>
           <a:prstGeom prst="rect">
             <a:avLst/>
@@ -11230,7 +11174,7 @@
         <p:spPr>
           <a:xfrm>
             <a:off x="3714120" y="2202480"/>
-            <a:ext cx="256320" cy="257400"/>
+            <a:ext cx="255600" cy="256680"/>
           </a:xfrm>
           <a:custGeom>
             <a:avLst/>
@@ -11282,8 +11226,8 @@
         </p:nvSpPr>
         <p:spPr>
           <a:xfrm flipV="1">
-            <a:off x="510120" y="4355280"/>
-            <a:ext cx="261360" cy="262440"/>
+            <a:off x="510120" y="4354560"/>
+            <a:ext cx="260640" cy="261720"/>
           </a:xfrm>
           <a:custGeom>
             <a:avLst/>
@@ -11336,7 +11280,7 @@
         <p:spPr>
           <a:xfrm>
             <a:off x="639000" y="2203200"/>
-            <a:ext cx="3207240" cy="2410920"/>
+            <a:ext cx="3206520" cy="2410200"/>
           </a:xfrm>
           <a:prstGeom prst="parallelogram">
             <a:avLst>
@@ -11374,7 +11318,7 @@
         <p:spPr>
           <a:xfrm>
             <a:off x="1487520" y="2531520"/>
-            <a:ext cx="1760760" cy="1714320"/>
+            <a:ext cx="1760040" cy="1713600"/>
           </a:xfrm>
           <a:prstGeom prst="rect">
             <a:avLst/>
@@ -11436,7 +11380,7 @@
         <p:spPr>
           <a:xfrm>
             <a:off x="4446720" y="2766960"/>
-            <a:ext cx="6731640" cy="912240"/>
+            <a:ext cx="6730920" cy="911520"/>
           </a:xfrm>
           <a:prstGeom prst="rect">
             <a:avLst/>
@@ -11498,7 +11442,7 @@
         <p:spPr>
           <a:xfrm>
             <a:off x="4446720" y="3692880"/>
-            <a:ext cx="4098960" cy="455760"/>
+            <a:ext cx="4098240" cy="455040"/>
           </a:xfrm>
           <a:prstGeom prst="rect">
             <a:avLst/>
@@ -11573,7 +11517,7 @@
         <p:spPr>
           <a:xfrm>
             <a:off x="0" y="205200"/>
-            <a:ext cx="12189960" cy="598680"/>
+            <a:ext cx="12189240" cy="597960"/>
           </a:xfrm>
           <a:prstGeom prst="rect">
             <a:avLst/>
@@ -11608,8 +11552,8 @@
         </p:nvSpPr>
         <p:spPr>
           <a:xfrm flipH="1">
-            <a:off x="264240" y="806040"/>
-            <a:ext cx="309960" cy="87120"/>
+            <a:off x="263520" y="806040"/>
+            <a:ext cx="309240" cy="86400"/>
           </a:xfrm>
           <a:custGeom>
             <a:avLst/>
@@ -11667,8 +11611,8 @@
         </p:nvSpPr>
         <p:spPr>
           <a:xfrm flipV="1">
-            <a:off x="1457280" y="114120"/>
-            <a:ext cx="309960" cy="87120"/>
+            <a:off x="1457280" y="113400"/>
+            <a:ext cx="309240" cy="86400"/>
           </a:xfrm>
           <a:custGeom>
             <a:avLst/>
@@ -11726,8 +11670,8 @@
         </p:nvSpPr>
         <p:spPr>
           <a:xfrm flipH="1">
-            <a:off x="310320" y="116280"/>
-            <a:ext cx="1400760" cy="777240"/>
+            <a:off x="309600" y="116280"/>
+            <a:ext cx="1400040" cy="776520"/>
           </a:xfrm>
           <a:prstGeom prst="parallelogram">
             <a:avLst>
@@ -11765,7 +11709,7 @@
         <p:spPr>
           <a:xfrm>
             <a:off x="302040" y="244080"/>
-            <a:ext cx="1321920" cy="515160"/>
+            <a:ext cx="1321200" cy="514440"/>
           </a:xfrm>
           <a:prstGeom prst="rect">
             <a:avLst/>
@@ -11827,7 +11771,7 @@
         <p:spPr>
           <a:xfrm>
             <a:off x="2021400" y="244080"/>
-            <a:ext cx="2499120" cy="514440"/>
+            <a:ext cx="2498400" cy="513720"/>
           </a:xfrm>
           <a:prstGeom prst="rect">
             <a:avLst/>
@@ -11852,7 +11796,7 @@
               </a:lnSpc>
             </a:pPr>
             <a:r>
-              <a:rPr b="0" lang="en-US" sz="2800" spc="284" strike="noStrike">
+              <a:rPr b="0" lang="en-US" sz="2800" spc="279" strike="noStrike">
                 <a:solidFill>
                   <a:srgbClr val="ffffff"/>
                 </a:solidFill>
@@ -11889,7 +11833,7 @@
         <p:spPr>
           <a:xfrm>
             <a:off x="5044320" y="3888000"/>
-            <a:ext cx="1434240" cy="1437840"/>
+            <a:ext cx="1433520" cy="1437120"/>
           </a:xfrm>
           <a:prstGeom prst="ellipse">
             <a:avLst/>
@@ -11953,7 +11897,7 @@
         <p:spPr>
           <a:xfrm>
             <a:off x="7087320" y="2520720"/>
-            <a:ext cx="1436040" cy="1437840"/>
+            <a:ext cx="1435320" cy="1437120"/>
           </a:xfrm>
           <a:prstGeom prst="ellipse">
             <a:avLst/>
@@ -12017,7 +11961,7 @@
         <p:spPr>
           <a:xfrm>
             <a:off x="9362520" y="1152000"/>
-            <a:ext cx="1436040" cy="1437840"/>
+            <a:ext cx="1435320" cy="1437120"/>
           </a:xfrm>
           <a:prstGeom prst="ellipse">
             <a:avLst/>
@@ -12111,7 +12055,7 @@
         <p:spPr>
           <a:xfrm>
             <a:off x="4608000" y="2709000"/>
-            <a:ext cx="6582240" cy="4019400"/>
+            <a:ext cx="6581520" cy="4018680"/>
           </a:xfrm>
           <a:custGeom>
             <a:avLst/>
@@ -12219,7 +12163,7 @@
         <p:spPr>
           <a:xfrm>
             <a:off x="7592760" y="1645560"/>
-            <a:ext cx="1035360" cy="698400"/>
+            <a:ext cx="1034640" cy="697680"/>
           </a:xfrm>
           <a:prstGeom prst="rect">
             <a:avLst/>
@@ -12245,7 +12189,7 @@
         <p:spPr>
           <a:xfrm>
             <a:off x="5690880" y="3061440"/>
-            <a:ext cx="1012320" cy="698400"/>
+            <a:ext cx="1011600" cy="697680"/>
           </a:xfrm>
           <a:prstGeom prst="rect">
             <a:avLst/>
@@ -12271,7 +12215,7 @@
         <p:spPr>
           <a:xfrm>
             <a:off x="3579840" y="4448160"/>
-            <a:ext cx="1223640" cy="698400"/>
+            <a:ext cx="1222920" cy="697680"/>
           </a:xfrm>
           <a:prstGeom prst="rect">
             <a:avLst/>
@@ -12297,7 +12241,7 @@
         <p:spPr>
           <a:xfrm>
             <a:off x="5184000" y="5832000"/>
-            <a:ext cx="1197360" cy="393480"/>
+            <a:ext cx="1196640" cy="392760"/>
           </a:xfrm>
           <a:prstGeom prst="rect">
             <a:avLst/>
@@ -12359,7 +12303,7 @@
         <p:spPr>
           <a:xfrm>
             <a:off x="7344000" y="4464000"/>
-            <a:ext cx="1197360" cy="393480"/>
+            <a:ext cx="1196640" cy="392760"/>
           </a:xfrm>
           <a:prstGeom prst="rect">
             <a:avLst/>
@@ -12421,7 +12365,7 @@
         <p:spPr>
           <a:xfrm>
             <a:off x="9576000" y="3096000"/>
-            <a:ext cx="1197360" cy="393480"/>
+            <a:ext cx="1196640" cy="392760"/>
           </a:xfrm>
           <a:prstGeom prst="rect">
             <a:avLst/>
@@ -12483,7 +12427,7 @@
         <p:spPr>
           <a:xfrm>
             <a:off x="3191040" y="2709000"/>
-            <a:ext cx="3997800" cy="514440"/>
+            <a:ext cx="3997080" cy="513720"/>
           </a:xfrm>
           <a:prstGeom prst="rect">
             <a:avLst/>
@@ -12599,7 +12543,7 @@
         <p:spPr>
           <a:xfrm>
             <a:off x="1296000" y="4464000"/>
-            <a:ext cx="1197360" cy="424440"/>
+            <a:ext cx="1196640" cy="423720"/>
           </a:xfrm>
           <a:prstGeom prst="rect">
             <a:avLst/>
@@ -12625,7 +12569,7 @@
         <p:spPr>
           <a:xfrm>
             <a:off x="1159920" y="1402200"/>
-            <a:ext cx="4365720" cy="784800"/>
+            <a:ext cx="4365000" cy="784080"/>
           </a:xfrm>
           <a:prstGeom prst="rect">
             <a:avLst/>
@@ -12750,7 +12694,7 @@
         <p:spPr>
           <a:xfrm>
             <a:off x="1191600" y="2628000"/>
-            <a:ext cx="3703320" cy="1094760"/>
+            <a:ext cx="3702600" cy="1094040"/>
           </a:xfrm>
           <a:prstGeom prst="rect">
             <a:avLst/>
@@ -12802,55 +12746,7 @@
                 <a:latin typeface="微软雅黑"/>
                 <a:ea typeface="微软雅黑"/>
               </a:rPr>
-              <a:t>独立负责业务模块的</a:t>
-            </a:r>
-            <a:endParaRPr b="0" lang="en-US" sz="1800" spc="-1" strike="noStrike">
-              <a:solidFill>
-                <a:srgbClr val="000000"/>
-              </a:solidFill>
-              <a:uFill>
-                <a:solidFill>
-                  <a:srgbClr val="ffffff"/>
-                </a:solidFill>
-              </a:uFill>
-              <a:latin typeface="Arial"/>
-            </a:endParaRPr>
-          </a:p>
-          <a:p>
-            <a:pPr>
-              <a:lnSpc>
-                <a:spcPct val="100000"/>
-              </a:lnSpc>
-            </a:pPr>
-            <a:r>
-              <a:rPr b="1" lang="en-US" sz="2000" spc="-1" strike="noStrike">
-                <a:solidFill>
-                  <a:srgbClr val="000000"/>
-                </a:solidFill>
-                <a:uFill>
-                  <a:solidFill>
-                    <a:srgbClr val="ffffff"/>
-                  </a:solidFill>
-                </a:uFill>
-                <a:latin typeface="微软雅黑"/>
-                <a:ea typeface="微软雅黑"/>
-              </a:rPr>
-              <a:t>   </a:t>
-            </a:r>
-            <a:r>
-              <a:rPr b="1" lang="en-US" sz="2000" spc="-1" strike="noStrike">
-                <a:solidFill>
-                  <a:srgbClr val="000000"/>
-                </a:solidFill>
-                <a:uFill>
-                  <a:solidFill>
-                    <a:srgbClr val="ffffff"/>
-                  </a:solidFill>
-                </a:uFill>
-                <a:latin typeface="微软雅黑"/>
-                <a:ea typeface="微软雅黑"/>
-              </a:rPr>
-              <a:t>计划排期，资源协调，开发</a:t>
+              <a:t>独立负责业务模块的计划排期，资源协调，开发</a:t>
             </a:r>
             <a:endParaRPr b="0" lang="en-US" sz="1800" spc="-1" strike="noStrike">
               <a:solidFill>
@@ -12923,7 +12819,7 @@
         <p:spPr>
           <a:xfrm>
             <a:off x="1227600" y="4032000"/>
-            <a:ext cx="2767320" cy="1765080"/>
+            <a:ext cx="2766600" cy="1764360"/>
           </a:xfrm>
           <a:prstGeom prst="rect">
             <a:avLst/>
@@ -13023,7 +12919,7 @@
                 <a:latin typeface="微软雅黑"/>
                 <a:ea typeface="微软雅黑"/>
               </a:rPr>
-              <a:t>了解部门的整体架构和各个业务之间的合作关系。</a:t>
+              <a:t>在技术上持续深入学习</a:t>
             </a:r>
             <a:endParaRPr b="0" lang="en-US" sz="1800" spc="-1" strike="noStrike">
               <a:solidFill>
@@ -13097,7 +12993,7 @@
         <p:spPr>
           <a:xfrm>
             <a:off x="0" y="205200"/>
-            <a:ext cx="12189960" cy="598680"/>
+            <a:ext cx="12189240" cy="597960"/>
           </a:xfrm>
           <a:prstGeom prst="rect">
             <a:avLst/>
@@ -13132,8 +13028,8 @@
         </p:nvSpPr>
         <p:spPr>
           <a:xfrm flipH="1">
-            <a:off x="264240" y="806040"/>
-            <a:ext cx="309960" cy="87120"/>
+            <a:off x="263520" y="806040"/>
+            <a:ext cx="309240" cy="86400"/>
           </a:xfrm>
           <a:custGeom>
             <a:avLst/>
@@ -13191,8 +13087,8 @@
         </p:nvSpPr>
         <p:spPr>
           <a:xfrm flipV="1">
-            <a:off x="1457280" y="114120"/>
-            <a:ext cx="309960" cy="87120"/>
+            <a:off x="1457280" y="113400"/>
+            <a:ext cx="309240" cy="86400"/>
           </a:xfrm>
           <a:custGeom>
             <a:avLst/>
@@ -13250,8 +13146,8 @@
         </p:nvSpPr>
         <p:spPr>
           <a:xfrm flipH="1">
-            <a:off x="310320" y="116280"/>
-            <a:ext cx="1400760" cy="777240"/>
+            <a:off x="309600" y="116280"/>
+            <a:ext cx="1400040" cy="776520"/>
           </a:xfrm>
           <a:prstGeom prst="parallelogram">
             <a:avLst>
@@ -13289,7 +13185,7 @@
         <p:spPr>
           <a:xfrm>
             <a:off x="302040" y="244080"/>
-            <a:ext cx="1321920" cy="515160"/>
+            <a:ext cx="1321200" cy="514440"/>
           </a:xfrm>
           <a:prstGeom prst="rect">
             <a:avLst/>
@@ -13351,7 +13247,7 @@
         <p:spPr>
           <a:xfrm>
             <a:off x="2002320" y="244080"/>
-            <a:ext cx="2892600" cy="514440"/>
+            <a:ext cx="2891880" cy="513720"/>
           </a:xfrm>
           <a:prstGeom prst="rect">
             <a:avLst/>
@@ -13376,7 +13272,7 @@
               </a:lnSpc>
             </a:pPr>
             <a:r>
-              <a:rPr b="0" lang="en-US" sz="2800" spc="284" strike="noStrike">
+              <a:rPr b="0" lang="en-US" sz="2800" spc="279" strike="noStrike">
                 <a:solidFill>
                   <a:srgbClr val="ffffff"/>
                 </a:solidFill>
@@ -13413,7 +13309,7 @@
         <p:spPr>
           <a:xfrm>
             <a:off x="2859840" y="1715040"/>
-            <a:ext cx="2653920" cy="824040"/>
+            <a:ext cx="2653200" cy="823320"/>
           </a:xfrm>
           <a:prstGeom prst="rightArrow">
             <a:avLst>
@@ -13459,7 +13355,7 @@
         <p:spPr>
           <a:xfrm>
             <a:off x="2859840" y="2883240"/>
-            <a:ext cx="2653920" cy="824040"/>
+            <a:ext cx="2653200" cy="823320"/>
           </a:xfrm>
           <a:prstGeom prst="rightArrow">
             <a:avLst>
@@ -13505,7 +13401,7 @@
         <p:spPr>
           <a:xfrm>
             <a:off x="2859840" y="4051080"/>
-            <a:ext cx="2653920" cy="821880"/>
+            <a:ext cx="2653200" cy="821160"/>
           </a:xfrm>
           <a:prstGeom prst="rightArrow">
             <a:avLst>
@@ -13551,7 +13447,7 @@
         <p:spPr>
           <a:xfrm>
             <a:off x="2859840" y="5217120"/>
-            <a:ext cx="2653920" cy="824040"/>
+            <a:ext cx="2653200" cy="823320"/>
           </a:xfrm>
           <a:prstGeom prst="rightArrow">
             <a:avLst>
@@ -13596,8 +13492,8 @@
         </p:nvSpPr>
         <p:spPr>
           <a:xfrm flipV="1">
-            <a:off x="3916080" y="2410920"/>
-            <a:ext cx="137880" cy="126000"/>
+            <a:off x="3916080" y="2410200"/>
+            <a:ext cx="137160" cy="125280"/>
           </a:xfrm>
           <a:prstGeom prst="rtTriangle">
             <a:avLst/>
@@ -13633,7 +13529,7 @@
         <p:spPr>
           <a:xfrm>
             <a:off x="3916080" y="1715040"/>
-            <a:ext cx="137880" cy="126000"/>
+            <a:ext cx="137160" cy="125280"/>
           </a:xfrm>
           <a:prstGeom prst="rtTriangle">
             <a:avLst/>
@@ -13669,7 +13565,7 @@
         <p:spPr>
           <a:xfrm>
             <a:off x="1547640" y="1715040"/>
-            <a:ext cx="2365920" cy="824040"/>
+            <a:ext cx="2365200" cy="823320"/>
           </a:xfrm>
           <a:prstGeom prst="rect">
             <a:avLst/>
@@ -13740,8 +13636,8 @@
         </p:nvSpPr>
         <p:spPr>
           <a:xfrm flipV="1">
-            <a:off x="3916080" y="3579120"/>
-            <a:ext cx="137880" cy="126000"/>
+            <a:off x="3916080" y="3578400"/>
+            <a:ext cx="137160" cy="125280"/>
           </a:xfrm>
           <a:prstGeom prst="rtTriangle">
             <a:avLst/>
@@ -13777,7 +13673,7 @@
         <p:spPr>
           <a:xfrm>
             <a:off x="3916080" y="2883240"/>
-            <a:ext cx="137880" cy="126000"/>
+            <a:ext cx="137160" cy="125280"/>
           </a:xfrm>
           <a:prstGeom prst="rtTriangle">
             <a:avLst/>
@@ -13813,7 +13709,7 @@
         <p:spPr>
           <a:xfrm>
             <a:off x="1547640" y="2883240"/>
-            <a:ext cx="2365920" cy="824040"/>
+            <a:ext cx="2365200" cy="823320"/>
           </a:xfrm>
           <a:prstGeom prst="rect">
             <a:avLst/>
@@ -13884,8 +13780,8 @@
         </p:nvSpPr>
         <p:spPr>
           <a:xfrm flipV="1">
-            <a:off x="3916080" y="4745160"/>
-            <a:ext cx="137880" cy="126000"/>
+            <a:off x="3916080" y="4744440"/>
+            <a:ext cx="137160" cy="125280"/>
           </a:xfrm>
           <a:prstGeom prst="rtTriangle">
             <a:avLst/>
@@ -13921,7 +13817,7 @@
         <p:spPr>
           <a:xfrm>
             <a:off x="3916080" y="4051080"/>
-            <a:ext cx="137880" cy="123840"/>
+            <a:ext cx="137160" cy="123120"/>
           </a:xfrm>
           <a:prstGeom prst="rtTriangle">
             <a:avLst/>
@@ -13957,7 +13853,7 @@
         <p:spPr>
           <a:xfrm>
             <a:off x="1547640" y="4051080"/>
-            <a:ext cx="2365920" cy="821880"/>
+            <a:ext cx="2365200" cy="821160"/>
           </a:xfrm>
           <a:prstGeom prst="rect">
             <a:avLst/>
@@ -14028,8 +13924,8 @@
         </p:nvSpPr>
         <p:spPr>
           <a:xfrm flipV="1">
-            <a:off x="3916080" y="5913000"/>
-            <a:ext cx="137880" cy="126000"/>
+            <a:off x="3916080" y="5912280"/>
+            <a:ext cx="137160" cy="125280"/>
           </a:xfrm>
           <a:prstGeom prst="rtTriangle">
             <a:avLst/>
@@ -14065,7 +13961,7 @@
         <p:spPr>
           <a:xfrm>
             <a:off x="3916080" y="5217120"/>
-            <a:ext cx="137880" cy="126000"/>
+            <a:ext cx="137160" cy="125280"/>
           </a:xfrm>
           <a:prstGeom prst="rtTriangle">
             <a:avLst/>
@@ -14101,7 +13997,7 @@
         <p:spPr>
           <a:xfrm>
             <a:off x="1547640" y="5217120"/>
-            <a:ext cx="2365920" cy="824040"/>
+            <a:ext cx="2365200" cy="823320"/>
           </a:xfrm>
           <a:prstGeom prst="rect">
             <a:avLst/>
@@ -14173,7 +14069,7 @@
         <p:spPr>
           <a:xfrm>
             <a:off x="5724000" y="1661040"/>
-            <a:ext cx="5074200" cy="919800"/>
+            <a:ext cx="5073480" cy="919080"/>
           </a:xfrm>
           <a:prstGeom prst="rect">
             <a:avLst/>
@@ -14210,7 +14106,7 @@
                 <a:latin typeface="微软雅黑"/>
                 <a:ea typeface="微软雅黑"/>
               </a:rPr>
-              <a:t>持续学习前沿技术，增加各方面实力。</a:t>
+              <a:t>持续学习前沿技术，增加知识储备。</a:t>
             </a:r>
             <a:endParaRPr b="0" lang="en-US" sz="1800" spc="-1" strike="noStrike">
               <a:solidFill>
@@ -14235,7 +14131,7 @@
         <p:spPr>
           <a:xfrm>
             <a:off x="5724000" y="2825280"/>
-            <a:ext cx="5074200" cy="936000"/>
+            <a:ext cx="5073480" cy="935280"/>
           </a:xfrm>
           <a:prstGeom prst="rect">
             <a:avLst/>
@@ -14261,7 +14157,7 @@
         <p:spPr>
           <a:xfrm>
             <a:off x="5724000" y="3999240"/>
-            <a:ext cx="5074200" cy="815760"/>
+            <a:ext cx="5073480" cy="815040"/>
           </a:xfrm>
           <a:prstGeom prst="rect">
             <a:avLst/>
@@ -14298,7 +14194,37 @@
                 <a:latin typeface="微软雅黑"/>
                 <a:ea typeface="微软雅黑"/>
               </a:rPr>
-              <a:t>记录总结遇到的困难和问题，反思并提升。</a:t>
+              <a:t>记录遇到的困难和问题，</a:t>
+            </a:r>
+            <a:r>
+              <a:rPr b="0" lang="en-US" sz="1600" spc="-1" strike="noStrike">
+                <a:solidFill>
+                  <a:srgbClr val="404040"/>
+                </a:solidFill>
+                <a:uFill>
+                  <a:solidFill>
+                    <a:srgbClr val="ffffff"/>
+                  </a:solidFill>
+                </a:uFill>
+                <a:latin typeface="微软雅黑"/>
+                <a:ea typeface="微软雅黑"/>
+              </a:rPr>
+              <a:t>总结</a:t>
+            </a:r>
+            <a:r>
+              <a:rPr b="0" lang="en-US" sz="1600" spc="-1" strike="noStrike">
+                <a:solidFill>
+                  <a:srgbClr val="404040"/>
+                </a:solidFill>
+                <a:uFill>
+                  <a:solidFill>
+                    <a:srgbClr val="ffffff"/>
+                  </a:solidFill>
+                </a:uFill>
+                <a:latin typeface="微软雅黑"/>
+                <a:ea typeface="微软雅黑"/>
+              </a:rPr>
+              <a:t>反思并提升。</a:t>
             </a:r>
             <a:endParaRPr b="0" lang="en-US" sz="1800" spc="-1" strike="noStrike">
               <a:solidFill>
@@ -14323,7 +14249,7 @@
         <p:spPr>
           <a:xfrm>
             <a:off x="5724000" y="4985280"/>
-            <a:ext cx="5074200" cy="1323720"/>
+            <a:ext cx="5073480" cy="1323000"/>
           </a:xfrm>
           <a:prstGeom prst="rect">
             <a:avLst/>
@@ -14385,7 +14311,7 @@
         <p:spPr>
           <a:xfrm>
             <a:off x="5724000" y="2833560"/>
-            <a:ext cx="5074200" cy="919800"/>
+            <a:ext cx="5073480" cy="919080"/>
           </a:xfrm>
           <a:prstGeom prst="rect">
             <a:avLst/>
@@ -14496,7 +14422,7 @@
         <p:spPr>
           <a:xfrm>
             <a:off x="0" y="0"/>
-            <a:ext cx="12189960" cy="3527280"/>
+            <a:ext cx="12189240" cy="3526560"/>
           </a:xfrm>
           <a:prstGeom prst="rect">
             <a:avLst/>
@@ -14536,7 +14462,7 @@
         <p:spPr>
           <a:xfrm>
             <a:off x="1066680" y="345960"/>
-            <a:ext cx="10056240" cy="5085000"/>
+            <a:ext cx="10055520" cy="5084280"/>
           </a:xfrm>
           <a:prstGeom prst="rect">
             <a:avLst/>
@@ -14555,7 +14481,7 @@
         <p:spPr>
           <a:xfrm>
             <a:off x="0" y="3522600"/>
-            <a:ext cx="12189960" cy="3333240"/>
+            <a:ext cx="12189240" cy="3332520"/>
           </a:xfrm>
           <a:prstGeom prst="rect">
             <a:avLst/>
@@ -14591,7 +14517,7 @@
         <p:spPr>
           <a:xfrm>
             <a:off x="3459600" y="1377360"/>
-            <a:ext cx="5154840" cy="1550880"/>
+            <a:ext cx="5154120" cy="1550160"/>
           </a:xfrm>
           <a:prstGeom prst="rect">
             <a:avLst/>
@@ -14653,7 +14579,7 @@
         <p:spPr>
           <a:xfrm>
             <a:off x="5222520" y="4392000"/>
-            <a:ext cx="1831680" cy="331920"/>
+            <a:ext cx="1830960" cy="331200"/>
           </a:xfrm>
           <a:prstGeom prst="rect">
             <a:avLst/>
@@ -14679,7 +14605,7 @@
         <p:spPr>
           <a:xfrm>
             <a:off x="-360" y="3462840"/>
-            <a:ext cx="12189960" cy="3527280"/>
+            <a:ext cx="12189240" cy="3526560"/>
           </a:xfrm>
           <a:prstGeom prst="rect">
             <a:avLst/>
@@ -14715,7 +14641,7 @@
         <p:spPr>
           <a:xfrm>
             <a:off x="3688200" y="3637440"/>
-            <a:ext cx="5154840" cy="1550880"/>
+            <a:ext cx="5154120" cy="1550160"/>
           </a:xfrm>
           <a:prstGeom prst="rect">
             <a:avLst/>
@@ -14829,7 +14755,7 @@
         <p:spPr>
           <a:xfrm>
             <a:off x="0" y="0"/>
-            <a:ext cx="12189960" cy="2334600"/>
+            <a:ext cx="12189240" cy="2333880"/>
           </a:xfrm>
           <a:prstGeom prst="rect">
             <a:avLst/>
@@ -14870,7 +14796,7 @@
         <p:spPr>
           <a:xfrm>
             <a:off x="1066680" y="345960"/>
-            <a:ext cx="10056240" cy="1935720"/>
+            <a:ext cx="10055520" cy="1935000"/>
           </a:xfrm>
           <a:prstGeom prst="rect">
             <a:avLst/>
@@ -14889,7 +14815,7 @@
         <p:spPr>
           <a:xfrm>
             <a:off x="0" y="2283840"/>
-            <a:ext cx="12189960" cy="4572000"/>
+            <a:ext cx="12189240" cy="4571280"/>
           </a:xfrm>
           <a:prstGeom prst="rect">
             <a:avLst/>
@@ -14925,7 +14851,7 @@
         <p:spPr>
           <a:xfrm>
             <a:off x="785160" y="391680"/>
-            <a:ext cx="2997720" cy="945000"/>
+            <a:ext cx="2997000" cy="944280"/>
           </a:xfrm>
           <a:prstGeom prst="rect">
             <a:avLst/>
@@ -15032,7 +14958,7 @@
         <p:spPr>
           <a:xfrm>
             <a:off x="1479600" y="3281760"/>
-            <a:ext cx="1130040" cy="1204200"/>
+            <a:ext cx="1129320" cy="1203480"/>
           </a:xfrm>
           <a:custGeom>
             <a:avLst/>
@@ -15166,7 +15092,7 @@
         <p:spPr>
           <a:xfrm>
             <a:off x="4179960" y="3281760"/>
-            <a:ext cx="1130040" cy="1204200"/>
+            <a:ext cx="1129320" cy="1203480"/>
           </a:xfrm>
           <a:custGeom>
             <a:avLst/>
@@ -15300,7 +15226,7 @@
         <p:spPr>
           <a:xfrm>
             <a:off x="6879960" y="3281760"/>
-            <a:ext cx="1130040" cy="1204200"/>
+            <a:ext cx="1129320" cy="1203480"/>
           </a:xfrm>
           <a:custGeom>
             <a:avLst/>
@@ -15434,7 +15360,7 @@
         <p:spPr>
           <a:xfrm>
             <a:off x="9580320" y="3281760"/>
-            <a:ext cx="1130040" cy="1204200"/>
+            <a:ext cx="1129320" cy="1203480"/>
           </a:xfrm>
           <a:custGeom>
             <a:avLst/>
@@ -15568,7 +15494,7 @@
         <p:spPr>
           <a:xfrm>
             <a:off x="941400" y="4760640"/>
-            <a:ext cx="2040840" cy="454320"/>
+            <a:ext cx="2040120" cy="453600"/>
           </a:xfrm>
           <a:prstGeom prst="rect">
             <a:avLst/>
@@ -15630,7 +15556,7 @@
         <p:spPr>
           <a:xfrm>
             <a:off x="3673800" y="4760640"/>
-            <a:ext cx="2077920" cy="453600"/>
+            <a:ext cx="2077200" cy="452880"/>
           </a:xfrm>
           <a:prstGeom prst="rect">
             <a:avLst/>
@@ -15692,7 +15618,7 @@
         <p:spPr>
           <a:xfrm>
             <a:off x="6407640" y="4760640"/>
-            <a:ext cx="2077920" cy="454320"/>
+            <a:ext cx="2077200" cy="453600"/>
           </a:xfrm>
           <a:prstGeom prst="rect">
             <a:avLst/>
@@ -15754,7 +15680,7 @@
         <p:spPr>
           <a:xfrm>
             <a:off x="9123480" y="4760640"/>
-            <a:ext cx="2077920" cy="454320"/>
+            <a:ext cx="2077200" cy="453600"/>
           </a:xfrm>
           <a:prstGeom prst="rect">
             <a:avLst/>
@@ -15865,7 +15791,7 @@
         <p:spPr>
           <a:xfrm>
             <a:off x="0" y="2462040"/>
-            <a:ext cx="12189960" cy="1893600"/>
+            <a:ext cx="12189240" cy="1892880"/>
           </a:xfrm>
           <a:prstGeom prst="rect">
             <a:avLst/>
@@ -15899,7 +15825,7 @@
         <p:spPr>
           <a:xfrm>
             <a:off x="3714120" y="2202480"/>
-            <a:ext cx="256320" cy="257400"/>
+            <a:ext cx="255600" cy="256680"/>
           </a:xfrm>
           <a:custGeom>
             <a:avLst/>
@@ -15951,8 +15877,8 @@
         </p:nvSpPr>
         <p:spPr>
           <a:xfrm flipV="1">
-            <a:off x="510120" y="4355280"/>
-            <a:ext cx="261360" cy="262440"/>
+            <a:off x="510120" y="4354560"/>
+            <a:ext cx="260640" cy="261720"/>
           </a:xfrm>
           <a:custGeom>
             <a:avLst/>
@@ -16005,7 +15931,7 @@
         <p:spPr>
           <a:xfrm>
             <a:off x="639000" y="2203200"/>
-            <a:ext cx="3207240" cy="2410920"/>
+            <a:ext cx="3206520" cy="2410200"/>
           </a:xfrm>
           <a:prstGeom prst="parallelogram">
             <a:avLst>
@@ -16043,7 +15969,7 @@
         <p:spPr>
           <a:xfrm>
             <a:off x="1487520" y="2531520"/>
-            <a:ext cx="1760760" cy="1714320"/>
+            <a:ext cx="1760040" cy="1713600"/>
           </a:xfrm>
           <a:prstGeom prst="rect">
             <a:avLst/>
@@ -16105,7 +16031,7 @@
         <p:spPr>
           <a:xfrm>
             <a:off x="4446720" y="2957760"/>
-            <a:ext cx="6731640" cy="912240"/>
+            <a:ext cx="6730920" cy="911520"/>
           </a:xfrm>
           <a:prstGeom prst="rect">
             <a:avLst/>
@@ -16216,7 +16142,7 @@
         <p:spPr>
           <a:xfrm>
             <a:off x="0" y="205200"/>
-            <a:ext cx="12189960" cy="598680"/>
+            <a:ext cx="12189240" cy="597960"/>
           </a:xfrm>
           <a:prstGeom prst="rect">
             <a:avLst/>
@@ -16251,8 +16177,8 @@
         </p:nvSpPr>
         <p:spPr>
           <a:xfrm flipH="1">
-            <a:off x="264240" y="806040"/>
-            <a:ext cx="309960" cy="87120"/>
+            <a:off x="263520" y="806040"/>
+            <a:ext cx="309240" cy="86400"/>
           </a:xfrm>
           <a:custGeom>
             <a:avLst/>
@@ -16310,8 +16236,8 @@
         </p:nvSpPr>
         <p:spPr>
           <a:xfrm flipV="1">
-            <a:off x="1457280" y="114120"/>
-            <a:ext cx="309960" cy="87120"/>
+            <a:off x="1457280" y="113400"/>
+            <a:ext cx="309240" cy="86400"/>
           </a:xfrm>
           <a:custGeom>
             <a:avLst/>
@@ -16369,8 +16295,8 @@
         </p:nvSpPr>
         <p:spPr>
           <a:xfrm flipH="1">
-            <a:off x="310320" y="116280"/>
-            <a:ext cx="1400760" cy="777240"/>
+            <a:off x="309600" y="116280"/>
+            <a:ext cx="1400040" cy="776520"/>
           </a:xfrm>
           <a:prstGeom prst="parallelogram">
             <a:avLst>
@@ -16408,7 +16334,7 @@
         <p:spPr>
           <a:xfrm>
             <a:off x="302040" y="244080"/>
-            <a:ext cx="1321920" cy="515160"/>
+            <a:ext cx="1321200" cy="514440"/>
           </a:xfrm>
           <a:prstGeom prst="rect">
             <a:avLst/>
@@ -16470,7 +16396,7 @@
         <p:spPr>
           <a:xfrm>
             <a:off x="2002320" y="244080"/>
-            <a:ext cx="2892600" cy="514440"/>
+            <a:ext cx="2891880" cy="513720"/>
           </a:xfrm>
           <a:prstGeom prst="rect">
             <a:avLst/>
@@ -16495,7 +16421,7 @@
               </a:lnSpc>
             </a:pPr>
             <a:r>
-              <a:rPr b="0" lang="en-US" sz="2800" spc="284" strike="noStrike">
+              <a:rPr b="0" lang="en-US" sz="2800" spc="279" strike="noStrike">
                 <a:solidFill>
                   <a:srgbClr val="ffffff"/>
                 </a:solidFill>
@@ -16532,7 +16458,7 @@
         <p:spPr>
           <a:xfrm>
             <a:off x="1035360" y="2648160"/>
-            <a:ext cx="2939040" cy="2454840"/>
+            <a:ext cx="2938320" cy="2454120"/>
           </a:xfrm>
           <a:prstGeom prst="round2DiagRect">
             <a:avLst>
@@ -16665,7 +16591,7 @@
         <p:spPr>
           <a:xfrm>
             <a:off x="5236920" y="1711440"/>
-            <a:ext cx="3886200" cy="4066200"/>
+            <a:ext cx="3885480" cy="4065480"/>
           </a:xfrm>
           <a:prstGeom prst="rect">
             <a:avLst/>
@@ -16705,7 +16631,7 @@
         <p:spPr>
           <a:xfrm>
             <a:off x="5596920" y="1993680"/>
-            <a:ext cx="5735520" cy="515160"/>
+            <a:ext cx="5734800" cy="514440"/>
           </a:xfrm>
           <a:prstGeom prst="rect">
             <a:avLst/>
@@ -16731,7 +16657,7 @@
         <p:spPr>
           <a:xfrm>
             <a:off x="5004000" y="2044440"/>
-            <a:ext cx="464040" cy="487440"/>
+            <a:ext cx="463320" cy="486720"/>
           </a:xfrm>
           <a:prstGeom prst="rect">
             <a:avLst/>
@@ -16803,7 +16729,7 @@
         <p:spPr>
           <a:xfrm>
             <a:off x="5004000" y="3040920"/>
-            <a:ext cx="464040" cy="487440"/>
+            <a:ext cx="463320" cy="486720"/>
           </a:xfrm>
           <a:prstGeom prst="rect">
             <a:avLst/>
@@ -16875,7 +16801,7 @@
         <p:spPr>
           <a:xfrm>
             <a:off x="5586120" y="3941280"/>
-            <a:ext cx="1757880" cy="515160"/>
+            <a:ext cx="1757160" cy="514440"/>
           </a:xfrm>
           <a:prstGeom prst="rect">
             <a:avLst/>
@@ -16937,7 +16863,7 @@
         <p:spPr>
           <a:xfrm>
             <a:off x="5004000" y="3994920"/>
-            <a:ext cx="464040" cy="487440"/>
+            <a:ext cx="463320" cy="486720"/>
           </a:xfrm>
           <a:prstGeom prst="rect">
             <a:avLst/>
@@ -17009,7 +16935,7 @@
         <p:spPr>
           <a:xfrm>
             <a:off x="5596920" y="4823280"/>
-            <a:ext cx="5583240" cy="515160"/>
+            <a:ext cx="5582520" cy="514440"/>
           </a:xfrm>
           <a:prstGeom prst="rect">
             <a:avLst/>
@@ -17035,7 +16961,7 @@
         <p:spPr>
           <a:xfrm>
             <a:off x="5004000" y="4948920"/>
-            <a:ext cx="464040" cy="487440"/>
+            <a:ext cx="463320" cy="486720"/>
           </a:xfrm>
           <a:prstGeom prst="rect">
             <a:avLst/>
@@ -17107,7 +17033,7 @@
         <p:spPr>
           <a:xfrm>
             <a:off x="5586120" y="3941280"/>
-            <a:ext cx="5594040" cy="515160"/>
+            <a:ext cx="5593320" cy="514440"/>
           </a:xfrm>
           <a:prstGeom prst="rect">
             <a:avLst/>
@@ -17133,7 +17059,7 @@
         <p:spPr>
           <a:xfrm>
             <a:off x="5586120" y="3941280"/>
-            <a:ext cx="5594040" cy="515160"/>
+            <a:ext cx="5593320" cy="514440"/>
           </a:xfrm>
           <a:prstGeom prst="rect">
             <a:avLst/>
@@ -17159,7 +17085,7 @@
         <p:spPr>
           <a:xfrm>
             <a:off x="5616000" y="4896000"/>
-            <a:ext cx="1656000" cy="515160"/>
+            <a:ext cx="1655280" cy="514440"/>
           </a:xfrm>
           <a:prstGeom prst="rect">
             <a:avLst/>
@@ -17221,7 +17147,69 @@
         <p:spPr>
           <a:xfrm>
             <a:off x="5596920" y="1993680"/>
-            <a:ext cx="1747080" cy="551160"/>
+            <a:ext cx="1746360" cy="550440"/>
+          </a:xfrm>
+          <a:prstGeom prst="rect">
+            <a:avLst/>
+          </a:prstGeom>
+          <a:noFill/>
+          <a:ln>
+            <a:noFill/>
+          </a:ln>
+        </p:spPr>
+        <p:style>
+          <a:lnRef idx="0"/>
+          <a:fillRef idx="0"/>
+          <a:effectRef idx="0"/>
+          <a:fontRef idx="minor"/>
+        </p:style>
+        <p:txBody>
+          <a:bodyPr lIns="90000" rIns="90000" tIns="45000" bIns="45000"/>
+          <a:p>
+            <a:pPr>
+              <a:lnSpc>
+                <a:spcPct val="150000"/>
+              </a:lnSpc>
+            </a:pPr>
+            <a:r>
+              <a:rPr b="0" lang="en-US" sz="2800" spc="-1" strike="noStrike">
+                <a:solidFill>
+                  <a:srgbClr val="404040"/>
+                </a:solidFill>
+                <a:uFill>
+                  <a:solidFill>
+                    <a:srgbClr val="ffffff"/>
+                  </a:solidFill>
+                </a:uFill>
+                <a:latin typeface="微软雅黑"/>
+                <a:ea typeface="微软雅黑"/>
+              </a:rPr>
+              <a:t>需求开发</a:t>
+            </a:r>
+            <a:endParaRPr b="0" lang="en-US" sz="1800" spc="-1" strike="noStrike">
+              <a:solidFill>
+                <a:srgbClr val="000000"/>
+              </a:solidFill>
+              <a:uFill>
+                <a:solidFill>
+                  <a:srgbClr val="ffffff"/>
+                </a:solidFill>
+              </a:uFill>
+              <a:latin typeface="Arial"/>
+            </a:endParaRPr>
+          </a:p>
+        </p:txBody>
+      </p:sp>
+      <p:sp>
+        <p:nvSpPr>
+          <p:cNvPr id="141" name="CustomShape 20"/>
+          <p:cNvSpPr/>
+          <p:nvPr/>
+        </p:nvSpPr>
+        <p:spPr>
+          <a:xfrm>
+            <a:off x="5599080" y="2975400"/>
+            <a:ext cx="1672200" cy="550440"/>
           </a:xfrm>
           <a:prstGeom prst="rect">
             <a:avLst/>
@@ -17259,68 +17247,6 @@
                 <a:ea typeface="微软雅黑"/>
               </a:rPr>
               <a:t>业务学习</a:t>
-            </a:r>
-            <a:endParaRPr b="0" lang="en-US" sz="1800" spc="-1" strike="noStrike">
-              <a:solidFill>
-                <a:srgbClr val="000000"/>
-              </a:solidFill>
-              <a:uFill>
-                <a:solidFill>
-                  <a:srgbClr val="ffffff"/>
-                </a:solidFill>
-              </a:uFill>
-              <a:latin typeface="Arial"/>
-            </a:endParaRPr>
-          </a:p>
-        </p:txBody>
-      </p:sp>
-      <p:sp>
-        <p:nvSpPr>
-          <p:cNvPr id="141" name="CustomShape 20"/>
-          <p:cNvSpPr/>
-          <p:nvPr/>
-        </p:nvSpPr>
-        <p:spPr>
-          <a:xfrm>
-            <a:off x="5599080" y="2975400"/>
-            <a:ext cx="1672920" cy="551160"/>
-          </a:xfrm>
-          <a:prstGeom prst="rect">
-            <a:avLst/>
-          </a:prstGeom>
-          <a:noFill/>
-          <a:ln>
-            <a:noFill/>
-          </a:ln>
-        </p:spPr>
-        <p:style>
-          <a:lnRef idx="0"/>
-          <a:fillRef idx="0"/>
-          <a:effectRef idx="0"/>
-          <a:fontRef idx="minor"/>
-        </p:style>
-        <p:txBody>
-          <a:bodyPr lIns="90000" rIns="90000" tIns="45000" bIns="45000"/>
-          <a:p>
-            <a:pPr>
-              <a:lnSpc>
-                <a:spcPct val="150000"/>
-              </a:lnSpc>
-            </a:pPr>
-            <a:r>
-              <a:rPr b="0" lang="en-US" sz="2800" spc="-1" strike="noStrike">
-                <a:solidFill>
-                  <a:srgbClr val="404040"/>
-                </a:solidFill>
-                <a:uFill>
-                  <a:solidFill>
-                    <a:srgbClr val="ffffff"/>
-                  </a:solidFill>
-                </a:uFill>
-                <a:latin typeface="微软雅黑"/>
-                <a:ea typeface="微软雅黑"/>
-              </a:rPr>
-              <a:t>需求开发</a:t>
             </a:r>
             <a:endParaRPr b="0" lang="en-US" sz="1800" spc="-1" strike="noStrike">
               <a:solidFill>
@@ -17394,7 +17320,7 @@
         <p:spPr>
           <a:xfrm>
             <a:off x="0" y="205200"/>
-            <a:ext cx="12189960" cy="598680"/>
+            <a:ext cx="12189240" cy="597960"/>
           </a:xfrm>
           <a:prstGeom prst="rect">
             <a:avLst/>
@@ -17429,8 +17355,8 @@
         </p:nvSpPr>
         <p:spPr>
           <a:xfrm flipH="1">
-            <a:off x="264240" y="806040"/>
-            <a:ext cx="309960" cy="87120"/>
+            <a:off x="263520" y="806040"/>
+            <a:ext cx="309240" cy="86400"/>
           </a:xfrm>
           <a:custGeom>
             <a:avLst/>
@@ -17488,8 +17414,8 @@
         </p:nvSpPr>
         <p:spPr>
           <a:xfrm flipV="1">
-            <a:off x="1457280" y="114120"/>
-            <a:ext cx="309960" cy="87120"/>
+            <a:off x="1457280" y="113400"/>
+            <a:ext cx="309240" cy="86400"/>
           </a:xfrm>
           <a:custGeom>
             <a:avLst/>
@@ -17547,8 +17473,8 @@
         </p:nvSpPr>
         <p:spPr>
           <a:xfrm flipH="1">
-            <a:off x="310320" y="116280"/>
-            <a:ext cx="1400760" cy="777240"/>
+            <a:off x="309600" y="116280"/>
+            <a:ext cx="1400040" cy="776520"/>
           </a:xfrm>
           <a:prstGeom prst="parallelogram">
             <a:avLst>
@@ -17586,7 +17512,7 @@
         <p:spPr>
           <a:xfrm>
             <a:off x="302040" y="244080"/>
-            <a:ext cx="1321920" cy="515160"/>
+            <a:ext cx="1321200" cy="514440"/>
           </a:xfrm>
           <a:prstGeom prst="rect">
             <a:avLst/>
@@ -17648,7 +17574,7 @@
         <p:spPr>
           <a:xfrm>
             <a:off x="2021400" y="244080"/>
-            <a:ext cx="2499120" cy="514440"/>
+            <a:ext cx="2498400" cy="513720"/>
           </a:xfrm>
           <a:prstGeom prst="rect">
             <a:avLst/>
@@ -17673,7 +17599,7 @@
               </a:lnSpc>
             </a:pPr>
             <a:r>
-              <a:rPr b="0" lang="en-US" sz="2800" spc="284" strike="noStrike">
+              <a:rPr b="0" lang="en-US" sz="2800" spc="279" strike="noStrike">
                 <a:solidFill>
                   <a:srgbClr val="ffffff"/>
                 </a:solidFill>
@@ -17710,7 +17636,7 @@
         <p:spPr>
           <a:xfrm>
             <a:off x="2649240" y="1383480"/>
-            <a:ext cx="7068960" cy="956160"/>
+            <a:ext cx="7068240" cy="955440"/>
           </a:xfrm>
           <a:prstGeom prst="rect">
             <a:avLst/>
@@ -17958,7 +17884,7 @@
         <p:spPr>
           <a:xfrm>
             <a:off x="1457640" y="1433880"/>
-            <a:ext cx="934920" cy="487440"/>
+            <a:ext cx="934200" cy="486720"/>
           </a:xfrm>
           <a:prstGeom prst="rect">
             <a:avLst/>
@@ -18030,7 +17956,7 @@
         <p:spPr>
           <a:xfrm>
             <a:off x="2638440" y="2715120"/>
-            <a:ext cx="7225200" cy="739800"/>
+            <a:ext cx="7224480" cy="739080"/>
           </a:xfrm>
           <a:prstGeom prst="rect">
             <a:avLst/>
@@ -18248,7 +18174,7 @@
         <p:spPr>
           <a:xfrm>
             <a:off x="1457640" y="2732760"/>
-            <a:ext cx="943560" cy="487440"/>
+            <a:ext cx="942840" cy="486720"/>
           </a:xfrm>
           <a:prstGeom prst="rect">
             <a:avLst/>
@@ -18320,7 +18246,7 @@
         <p:spPr>
           <a:xfrm>
             <a:off x="2638440" y="4006440"/>
-            <a:ext cx="7225200" cy="971280"/>
+            <a:ext cx="7224480" cy="970560"/>
           </a:xfrm>
           <a:prstGeom prst="rect">
             <a:avLst/>
@@ -18415,7 +18341,7 @@
         <p:spPr>
           <a:xfrm>
             <a:off x="1457640" y="4060080"/>
-            <a:ext cx="943560" cy="487440"/>
+            <a:ext cx="942840" cy="486720"/>
           </a:xfrm>
           <a:prstGeom prst="rect">
             <a:avLst/>
@@ -18528,7 +18454,7 @@
         <p:spPr>
           <a:xfrm>
             <a:off x="0" y="205200"/>
-            <a:ext cx="12189960" cy="598680"/>
+            <a:ext cx="12189240" cy="597960"/>
           </a:xfrm>
           <a:prstGeom prst="rect">
             <a:avLst/>
@@ -18563,8 +18489,8 @@
         </p:nvSpPr>
         <p:spPr>
           <a:xfrm flipH="1">
-            <a:off x="264240" y="806040"/>
-            <a:ext cx="309960" cy="87120"/>
+            <a:off x="263520" y="806040"/>
+            <a:ext cx="309240" cy="86400"/>
           </a:xfrm>
           <a:custGeom>
             <a:avLst/>
@@ -18622,8 +18548,8 @@
         </p:nvSpPr>
         <p:spPr>
           <a:xfrm flipV="1">
-            <a:off x="1457280" y="114120"/>
-            <a:ext cx="309960" cy="87120"/>
+            <a:off x="1457280" y="113400"/>
+            <a:ext cx="309240" cy="86400"/>
           </a:xfrm>
           <a:custGeom>
             <a:avLst/>
@@ -18681,8 +18607,8 @@
         </p:nvSpPr>
         <p:spPr>
           <a:xfrm flipH="1">
-            <a:off x="310320" y="116280"/>
-            <a:ext cx="1400760" cy="777240"/>
+            <a:off x="309600" y="116280"/>
+            <a:ext cx="1400040" cy="776520"/>
           </a:xfrm>
           <a:prstGeom prst="parallelogram">
             <a:avLst>
@@ -18720,7 +18646,7 @@
         <p:spPr>
           <a:xfrm>
             <a:off x="302040" y="244080"/>
-            <a:ext cx="1321920" cy="515160"/>
+            <a:ext cx="1321200" cy="514440"/>
           </a:xfrm>
           <a:prstGeom prst="rect">
             <a:avLst/>
@@ -18782,7 +18708,7 @@
         <p:spPr>
           <a:xfrm>
             <a:off x="2021400" y="244080"/>
-            <a:ext cx="2499120" cy="514440"/>
+            <a:ext cx="2498400" cy="513720"/>
           </a:xfrm>
           <a:prstGeom prst="rect">
             <a:avLst/>
@@ -18807,7 +18733,7 @@
               </a:lnSpc>
             </a:pPr>
             <a:r>
-              <a:rPr b="0" lang="en-US" sz="2800" spc="284" strike="noStrike">
+              <a:rPr b="0" lang="en-US" sz="2800" spc="279" strike="noStrike">
                 <a:solidFill>
                   <a:srgbClr val="ffffff"/>
                 </a:solidFill>
@@ -18843,7 +18769,7 @@
         </p:nvGraphicFramePr>
         <p:xfrm>
           <a:off x="1981080" y="1168560"/>
-          <a:ext cx="8227440" cy="4519080"/>
+          <a:ext cx="8226720" cy="4518360"/>
         </p:xfrm>
         <a:graphic>
           <a:graphicData uri="http://schemas.openxmlformats.org/drawingml/2006/chart">
@@ -18860,7 +18786,7 @@
         <p:spPr>
           <a:xfrm>
             <a:off x="4727520" y="1168560"/>
-            <a:ext cx="3997800" cy="514440"/>
+            <a:ext cx="3997080" cy="513720"/>
           </a:xfrm>
           <a:prstGeom prst="rect">
             <a:avLst/>
@@ -18973,7 +18899,7 @@
         <p:spPr>
           <a:xfrm>
             <a:off x="0" y="2462040"/>
-            <a:ext cx="12189960" cy="1893600"/>
+            <a:ext cx="12189240" cy="1892880"/>
           </a:xfrm>
           <a:prstGeom prst="rect">
             <a:avLst/>
@@ -19007,7 +18933,7 @@
         <p:spPr>
           <a:xfrm>
             <a:off x="3714120" y="2202480"/>
-            <a:ext cx="256320" cy="257400"/>
+            <a:ext cx="255600" cy="256680"/>
           </a:xfrm>
           <a:custGeom>
             <a:avLst/>
@@ -19059,8 +18985,8 @@
         </p:nvSpPr>
         <p:spPr>
           <a:xfrm flipV="1">
-            <a:off x="510120" y="4355280"/>
-            <a:ext cx="261360" cy="262440"/>
+            <a:off x="510120" y="4354560"/>
+            <a:ext cx="260640" cy="261720"/>
           </a:xfrm>
           <a:custGeom>
             <a:avLst/>
@@ -19113,7 +19039,7 @@
         <p:spPr>
           <a:xfrm>
             <a:off x="639000" y="2203200"/>
-            <a:ext cx="3207240" cy="2410920"/>
+            <a:ext cx="3206520" cy="2410200"/>
           </a:xfrm>
           <a:prstGeom prst="parallelogram">
             <a:avLst>
@@ -19151,7 +19077,7 @@
         <p:spPr>
           <a:xfrm>
             <a:off x="1487520" y="2531520"/>
-            <a:ext cx="1760760" cy="1714320"/>
+            <a:ext cx="1760040" cy="1713600"/>
           </a:xfrm>
           <a:prstGeom prst="rect">
             <a:avLst/>
@@ -19213,7 +19139,7 @@
         <p:spPr>
           <a:xfrm>
             <a:off x="4446720" y="2928960"/>
-            <a:ext cx="6731640" cy="912240"/>
+            <a:ext cx="6730920" cy="911520"/>
           </a:xfrm>
           <a:prstGeom prst="rect">
             <a:avLst/>
@@ -19324,7 +19250,7 @@
         <p:spPr>
           <a:xfrm>
             <a:off x="0" y="205200"/>
-            <a:ext cx="12189960" cy="598680"/>
+            <a:ext cx="12189240" cy="597960"/>
           </a:xfrm>
           <a:prstGeom prst="rect">
             <a:avLst/>
@@ -19359,8 +19285,8 @@
         </p:nvSpPr>
         <p:spPr>
           <a:xfrm flipH="1">
-            <a:off x="264240" y="806040"/>
-            <a:ext cx="309960" cy="87120"/>
+            <a:off x="263520" y="806040"/>
+            <a:ext cx="309240" cy="86400"/>
           </a:xfrm>
           <a:custGeom>
             <a:avLst/>
@@ -19418,8 +19344,8 @@
         </p:nvSpPr>
         <p:spPr>
           <a:xfrm flipV="1">
-            <a:off x="1457280" y="114120"/>
-            <a:ext cx="309960" cy="87120"/>
+            <a:off x="1457280" y="113400"/>
+            <a:ext cx="309240" cy="86400"/>
           </a:xfrm>
           <a:custGeom>
             <a:avLst/>
@@ -19477,8 +19403,8 @@
         </p:nvSpPr>
         <p:spPr>
           <a:xfrm flipH="1">
-            <a:off x="310320" y="116280"/>
-            <a:ext cx="1400760" cy="777240"/>
+            <a:off x="309600" y="116280"/>
+            <a:ext cx="1400040" cy="776520"/>
           </a:xfrm>
           <a:prstGeom prst="parallelogram">
             <a:avLst>
@@ -19516,7 +19442,7 @@
         <p:spPr>
           <a:xfrm>
             <a:off x="302040" y="244080"/>
-            <a:ext cx="1321920" cy="515160"/>
+            <a:ext cx="1321200" cy="514440"/>
           </a:xfrm>
           <a:prstGeom prst="rect">
             <a:avLst/>
@@ -19578,7 +19504,7 @@
         <p:spPr>
           <a:xfrm>
             <a:off x="2002320" y="244080"/>
-            <a:ext cx="2892600" cy="514440"/>
+            <a:ext cx="2891880" cy="513720"/>
           </a:xfrm>
           <a:prstGeom prst="rect">
             <a:avLst/>
@@ -19603,7 +19529,7 @@
               </a:lnSpc>
             </a:pPr>
             <a:r>
-              <a:rPr b="0" lang="en-US" sz="2800" spc="284" strike="noStrike">
+              <a:rPr b="0" lang="en-US" sz="2800" spc="279" strike="noStrike">
                 <a:solidFill>
                   <a:srgbClr val="ffffff"/>
                 </a:solidFill>
@@ -19640,7 +19566,7 @@
         <p:spPr>
           <a:xfrm>
             <a:off x="1418040" y="1471320"/>
-            <a:ext cx="797760" cy="797760"/>
+            <a:ext cx="797040" cy="797040"/>
           </a:xfrm>
           <a:prstGeom prst="ellipse">
             <a:avLst/>
@@ -19668,7 +19594,7 @@
         <p:spPr>
           <a:xfrm>
             <a:off x="1451160" y="1578960"/>
-            <a:ext cx="680760" cy="575280"/>
+            <a:ext cx="680040" cy="574560"/>
           </a:xfrm>
           <a:prstGeom prst="rect">
             <a:avLst/>
@@ -19730,7 +19656,7 @@
         <p:spPr>
           <a:xfrm>
             <a:off x="1418040" y="3407400"/>
-            <a:ext cx="797760" cy="797760"/>
+            <a:ext cx="797040" cy="797040"/>
           </a:xfrm>
           <a:prstGeom prst="ellipse">
             <a:avLst/>
@@ -19758,7 +19684,7 @@
         <p:spPr>
           <a:xfrm>
             <a:off x="1451160" y="3515040"/>
-            <a:ext cx="680760" cy="575280"/>
+            <a:ext cx="680040" cy="574560"/>
           </a:xfrm>
           <a:prstGeom prst="rect">
             <a:avLst/>
@@ -19820,7 +19746,7 @@
         <p:spPr>
           <a:xfrm>
             <a:off x="1418040" y="5396760"/>
-            <a:ext cx="797760" cy="797760"/>
+            <a:ext cx="797040" cy="797040"/>
           </a:xfrm>
           <a:prstGeom prst="ellipse">
             <a:avLst/>
@@ -19848,7 +19774,7 @@
         <p:spPr>
           <a:xfrm>
             <a:off x="1451160" y="5504400"/>
-            <a:ext cx="680760" cy="575280"/>
+            <a:ext cx="680040" cy="574560"/>
           </a:xfrm>
           <a:prstGeom prst="rect">
             <a:avLst/>
@@ -19938,7 +19864,7 @@
         <p:spPr>
           <a:xfrm>
             <a:off x="2354040" y="1837800"/>
-            <a:ext cx="8693280" cy="575280"/>
+            <a:ext cx="8692560" cy="574560"/>
           </a:xfrm>
           <a:prstGeom prst="rect">
             <a:avLst/>
@@ -19964,7 +19890,7 @@
         <p:spPr>
           <a:xfrm>
             <a:off x="2354040" y="3299760"/>
-            <a:ext cx="2324880" cy="423720"/>
+            <a:ext cx="2324160" cy="423000"/>
           </a:xfrm>
           <a:prstGeom prst="rect">
             <a:avLst/>
@@ -20026,7 +19952,7 @@
         <p:spPr>
           <a:xfrm>
             <a:off x="2354040" y="5609880"/>
-            <a:ext cx="8693280" cy="817920"/>
+            <a:ext cx="8692560" cy="817200"/>
           </a:xfrm>
           <a:prstGeom prst="rect">
             <a:avLst/>
@@ -20063,7 +19989,70 @@
                 <a:latin typeface="微软雅黑"/>
                 <a:ea typeface="微软雅黑"/>
               </a:rPr>
-              <a:t>主动承担更多的开发任务。跳出做任务的思维，培养</a:t>
+              <a:t>主动承担更多的开发任务</a:t>
+            </a:r>
+            <a:r>
+              <a:rPr b="0" lang="en-US" sz="1600" spc="-1" strike="noStrike">
+                <a:solidFill>
+                  <a:srgbClr val="595959"/>
+                </a:solidFill>
+                <a:uFill>
+                  <a:solidFill>
+                    <a:srgbClr val="ffffff"/>
+                  </a:solidFill>
+                </a:uFill>
+                <a:latin typeface="微软雅黑"/>
+                <a:ea typeface="微软雅黑"/>
+              </a:rPr>
+              <a:t>,</a:t>
+            </a:r>
+            <a:r>
+              <a:rPr b="0" lang="en-US" sz="1600" spc="-1" strike="noStrike">
+                <a:solidFill>
+                  <a:srgbClr val="595959"/>
+                </a:solidFill>
+                <a:uFill>
+                  <a:solidFill>
+                    <a:srgbClr val="ffffff"/>
+                  </a:solidFill>
+                </a:uFill>
+                <a:latin typeface="微软雅黑"/>
+                <a:ea typeface="微软雅黑"/>
+              </a:rPr>
+              <a:t>快速定位解决问题。跳出做任务的思维，</a:t>
+            </a:r>
+            <a:endParaRPr b="0" lang="en-US" sz="1800" spc="-1" strike="noStrike">
+              <a:solidFill>
+                <a:srgbClr val="000000"/>
+              </a:solidFill>
+              <a:uFill>
+                <a:solidFill>
+                  <a:srgbClr val="ffffff"/>
+                </a:solidFill>
+              </a:uFill>
+              <a:latin typeface="Arial"/>
+            </a:endParaRPr>
+          </a:p>
+          <a:p>
+            <a:pPr algn="just">
+              <a:lnSpc>
+                <a:spcPct val="100000"/>
+              </a:lnSpc>
+            </a:pPr>
+            <a:r>
+              <a:rPr b="0" lang="en-US" sz="1600" spc="-1" strike="noStrike">
+                <a:solidFill>
+                  <a:srgbClr val="595959"/>
+                </a:solidFill>
+                <a:uFill>
+                  <a:solidFill>
+                    <a:srgbClr val="ffffff"/>
+                  </a:solidFill>
+                </a:uFill>
+                <a:latin typeface="微软雅黑"/>
+                <a:ea typeface="微软雅黑"/>
+              </a:rPr>
+              <a:t>培养</a:t>
             </a:r>
             <a:r>
               <a:rPr b="0" lang="en-US" sz="1600" spc="-1" strike="noStrike">
@@ -20093,7 +20082,7 @@
                 <a:latin typeface="微软雅黑"/>
                 <a:ea typeface="微软雅黑"/>
               </a:rPr>
-              <a:t>意识，</a:t>
+              <a:t>意识，思考如何协调项目资源，如何合理安排计划排期，</a:t>
             </a:r>
             <a:endParaRPr b="0" lang="en-US" sz="1800" spc="-1" strike="noStrike">
               <a:solidFill>
@@ -20126,40 +20115,7 @@
                 <a:latin typeface="微软雅黑"/>
                 <a:ea typeface="微软雅黑"/>
               </a:rPr>
-              <a:t>思考如何协调项目资源，如何合理安排计划排期，如何优化项目，</a:t>
-            </a:r>
-            <a:endParaRPr b="0" lang="en-US" sz="1800" spc="-1" strike="noStrike">
-              <a:solidFill>
-                <a:srgbClr val="000000"/>
-              </a:solidFill>
-              <a:uFill>
-                <a:solidFill>
-                  <a:srgbClr val="ffffff"/>
-                </a:solidFill>
-              </a:uFill>
-              <a:latin typeface="Arial"/>
-            </a:endParaRPr>
-          </a:p>
-          <a:p>
-            <a:pPr algn="just">
-              <a:lnSpc>
-                <a:spcPct val="100000"/>
-              </a:lnSpc>
-            </a:pPr>
-            <a:r>
-              <a:rPr b="0" lang="en-US" sz="1600" spc="-1" strike="noStrike">
-                <a:solidFill>
-                  <a:srgbClr val="595959"/>
-                </a:solidFill>
-                <a:uFill>
-                  <a:solidFill>
-                    <a:srgbClr val="ffffff"/>
-                  </a:solidFill>
-                </a:uFill>
-                <a:latin typeface="微软雅黑"/>
-                <a:ea typeface="微软雅黑"/>
-              </a:rPr>
-              <a:t>如何快速定位解决问题，如何加强项目稳定性建设。</a:t>
+              <a:t>如何优化项目，如何加强项目稳定性建设。</a:t>
             </a:r>
             <a:endParaRPr b="0" lang="en-US" sz="1800" spc="-1" strike="noStrike">
               <a:solidFill>
@@ -20212,7 +20168,7 @@
         <p:spPr>
           <a:xfrm>
             <a:off x="2354040" y="1380960"/>
-            <a:ext cx="2403720" cy="423000"/>
+            <a:ext cx="2403000" cy="422280"/>
           </a:xfrm>
           <a:prstGeom prst="rect">
             <a:avLst/>
@@ -20274,7 +20230,7 @@
         <p:spPr>
           <a:xfrm>
             <a:off x="2354040" y="3767760"/>
-            <a:ext cx="8693280" cy="574560"/>
+            <a:ext cx="8692560" cy="573840"/>
           </a:xfrm>
           <a:prstGeom prst="rect">
             <a:avLst/>
@@ -20369,7 +20325,7 @@
         <p:spPr>
           <a:xfrm>
             <a:off x="2354040" y="5144040"/>
-            <a:ext cx="2068560" cy="423720"/>
+            <a:ext cx="2067840" cy="423000"/>
           </a:xfrm>
           <a:prstGeom prst="rect">
             <a:avLst/>
@@ -20431,7 +20387,7 @@
         <p:spPr>
           <a:xfrm>
             <a:off x="2402640" y="1837800"/>
-            <a:ext cx="5804280" cy="875520"/>
+            <a:ext cx="5803560" cy="874800"/>
           </a:xfrm>
           <a:prstGeom prst="rect">
             <a:avLst/>
@@ -20542,7 +20498,7 @@
         <p:spPr>
           <a:xfrm>
             <a:off x="0" y="205200"/>
-            <a:ext cx="12189960" cy="598680"/>
+            <a:ext cx="12189240" cy="597960"/>
           </a:xfrm>
           <a:prstGeom prst="rect">
             <a:avLst/>
@@ -20577,8 +20533,8 @@
         </p:nvSpPr>
         <p:spPr>
           <a:xfrm flipH="1">
-            <a:off x="264240" y="806040"/>
-            <a:ext cx="309960" cy="87120"/>
+            <a:off x="263520" y="806040"/>
+            <a:ext cx="309240" cy="86400"/>
           </a:xfrm>
           <a:custGeom>
             <a:avLst/>
@@ -20636,8 +20592,8 @@
         </p:nvSpPr>
         <p:spPr>
           <a:xfrm flipV="1">
-            <a:off x="1457280" y="114120"/>
-            <a:ext cx="309960" cy="87120"/>
+            <a:off x="1457280" y="113400"/>
+            <a:ext cx="309240" cy="86400"/>
           </a:xfrm>
           <a:custGeom>
             <a:avLst/>
@@ -20695,8 +20651,8 @@
         </p:nvSpPr>
         <p:spPr>
           <a:xfrm flipH="1">
-            <a:off x="310320" y="116280"/>
-            <a:ext cx="1400760" cy="777240"/>
+            <a:off x="309600" y="116280"/>
+            <a:ext cx="1400040" cy="776520"/>
           </a:xfrm>
           <a:prstGeom prst="parallelogram">
             <a:avLst>
@@ -20734,7 +20690,7 @@
         <p:spPr>
           <a:xfrm>
             <a:off x="302040" y="244080"/>
-            <a:ext cx="1321920" cy="515160"/>
+            <a:ext cx="1321200" cy="514440"/>
           </a:xfrm>
           <a:prstGeom prst="rect">
             <a:avLst/>
@@ -20796,7 +20752,7 @@
         <p:spPr>
           <a:xfrm>
             <a:off x="2021400" y="244080"/>
-            <a:ext cx="2499120" cy="514440"/>
+            <a:ext cx="2498400" cy="513720"/>
           </a:xfrm>
           <a:prstGeom prst="rect">
             <a:avLst/>
@@ -20821,7 +20777,7 @@
               </a:lnSpc>
             </a:pPr>
             <a:r>
-              <a:rPr b="0" lang="en-US" sz="2800" spc="284" strike="noStrike">
+              <a:rPr b="0" lang="en-US" sz="2800" spc="279" strike="noStrike">
                 <a:solidFill>
                   <a:srgbClr val="ffffff"/>
                 </a:solidFill>
@@ -20858,7 +20814,7 @@
         <p:spPr>
           <a:xfrm>
             <a:off x="2963880" y="4393080"/>
-            <a:ext cx="2311560" cy="1983960"/>
+            <a:ext cx="2310840" cy="1983240"/>
           </a:xfrm>
           <a:custGeom>
             <a:avLst/>
@@ -20914,6 +20870,148 @@
         </p:style>
         <p:txBody>
           <a:bodyPr lIns="302400" rIns="302400" tIns="286560" bIns="286560" anchor="ctr"/>
+          <a:p>
+            <a:pPr algn="ctr">
+              <a:lnSpc>
+                <a:spcPct val="100000"/>
+              </a:lnSpc>
+            </a:pPr>
+            <a:r>
+              <a:rPr b="0" lang="en-US" sz="2400" spc="-1" strike="noStrike">
+                <a:solidFill>
+                  <a:srgbClr val="ffffff"/>
+                </a:solidFill>
+                <a:uFill>
+                  <a:solidFill>
+                    <a:srgbClr val="ffffff"/>
+                  </a:solidFill>
+                </a:uFill>
+                <a:latin typeface="微软雅黑"/>
+                <a:ea typeface="微软雅黑"/>
+              </a:rPr>
+              <a:t>稳定性建设</a:t>
+            </a:r>
+            <a:endParaRPr b="0" lang="en-US" sz="1800" spc="-1" strike="noStrike">
+              <a:solidFill>
+                <a:srgbClr val="000000"/>
+              </a:solidFill>
+              <a:uFill>
+                <a:solidFill>
+                  <a:srgbClr val="ffffff"/>
+                </a:solidFill>
+              </a:uFill>
+              <a:latin typeface="Arial"/>
+            </a:endParaRPr>
+          </a:p>
+        </p:txBody>
+      </p:sp>
+      <p:sp>
+        <p:nvSpPr>
+          <p:cNvPr id="196" name="CustomShape 8"/>
+          <p:cNvSpPr/>
+          <p:nvPr/>
+        </p:nvSpPr>
+        <p:spPr>
+          <a:xfrm>
+            <a:off x="4897800" y="3332160"/>
+            <a:ext cx="2310840" cy="1983240"/>
+          </a:xfrm>
+          <a:custGeom>
+            <a:avLst/>
+            <a:gdLst/>
+            <a:ahLst/>
+            <a:rect l="l" t="t" r="r" b="b"/>
+            <a:pathLst>
+              <a:path w="1845056" h="1583767">
+                <a:moveTo>
+                  <a:pt x="0" y="791884"/>
+                </a:moveTo>
+                <a:lnTo>
+                  <a:pt x="395942" y="0"/>
+                </a:lnTo>
+                <a:lnTo>
+                  <a:pt x="1449114" y="0"/>
+                </a:lnTo>
+                <a:lnTo>
+                  <a:pt x="1845056" y="791884"/>
+                </a:lnTo>
+                <a:lnTo>
+                  <a:pt x="1449114" y="1583767"/>
+                </a:lnTo>
+                <a:lnTo>
+                  <a:pt x="395942" y="1583767"/>
+                </a:lnTo>
+                <a:lnTo>
+                  <a:pt x="0" y="791884"/>
+                </a:lnTo>
+                <a:close/>
+              </a:path>
+            </a:pathLst>
+          </a:custGeom>
+          <a:blipFill>
+            <a:blip r:embed="rId1"/>
+            <a:stretch>
+              <a:fillRect/>
+            </a:stretch>
+          </a:blipFill>
+          <a:ln>
+            <a:noFill/>
+          </a:ln>
+        </p:spPr>
+        <p:style>
+          <a:lnRef idx="2"/>
+          <a:fillRef idx="0"/>
+          <a:effectRef idx="0">
+            <a:schemeClr val="accent1">
+              <a:hueOff val="0"/>
+              <a:satOff val="0"/>
+              <a:lumOff val="0"/>
+              <a:alphaOff val="0"/>
+            </a:schemeClr>
+          </a:effectRef>
+          <a:fontRef idx="minor"/>
+        </p:style>
+      </p:sp>
+      <p:sp>
+        <p:nvSpPr>
+          <p:cNvPr id="197" name="CustomShape 9"/>
+          <p:cNvSpPr/>
+          <p:nvPr/>
+        </p:nvSpPr>
+        <p:spPr>
+          <a:xfrm>
+            <a:off x="6879240" y="4389840"/>
+            <a:ext cx="2310840" cy="1983240"/>
+          </a:xfrm>
+          <a:prstGeom prst="hexagon">
+            <a:avLst>
+              <a:gd name="adj" fmla="val 25000"/>
+              <a:gd name="vf" fmla="val 115470"/>
+            </a:avLst>
+          </a:prstGeom>
+          <a:solidFill>
+            <a:srgbClr val="136083"/>
+          </a:solidFill>
+          <a:ln>
+            <a:noFill/>
+          </a:ln>
+        </p:spPr>
+        <p:style>
+          <a:lnRef idx="2"/>
+          <a:fillRef idx="0"/>
+          <a:effectRef idx="0">
+            <a:schemeClr val="lt1">
+              <a:alpha val="90000"/>
+              <a:hueOff val="0"/>
+              <a:satOff val="0"/>
+              <a:lumOff val="0"/>
+              <a:alphaOff val="0"/>
+            </a:schemeClr>
+          </a:effectRef>
+          <a:fontRef idx="minor"/>
+        </p:style>
+        <p:txBody>
+          <a:bodyPr lIns="90000" rIns="90000" tIns="45000" bIns="45000" anchor="ctr"/>
           <a:p>
             <a:pPr algn="ctr">
               <a:lnSpc>
@@ -20951,81 +21049,14 @@
       </p:sp>
       <p:sp>
         <p:nvSpPr>
-          <p:cNvPr id="196" name="CustomShape 8"/>
-          <p:cNvSpPr/>
-          <p:nvPr/>
-        </p:nvSpPr>
-        <p:spPr>
-          <a:xfrm>
-            <a:off x="4897800" y="3332160"/>
-            <a:ext cx="2311560" cy="1983960"/>
-          </a:xfrm>
-          <a:custGeom>
-            <a:avLst/>
-            <a:gdLst/>
-            <a:ahLst/>
-            <a:rect l="l" t="t" r="r" b="b"/>
-            <a:pathLst>
-              <a:path w="1845056" h="1583767">
-                <a:moveTo>
-                  <a:pt x="0" y="791884"/>
-                </a:moveTo>
-                <a:lnTo>
-                  <a:pt x="395942" y="0"/>
-                </a:lnTo>
-                <a:lnTo>
-                  <a:pt x="1449114" y="0"/>
-                </a:lnTo>
-                <a:lnTo>
-                  <a:pt x="1845056" y="791884"/>
-                </a:lnTo>
-                <a:lnTo>
-                  <a:pt x="1449114" y="1583767"/>
-                </a:lnTo>
-                <a:lnTo>
-                  <a:pt x="395942" y="1583767"/>
-                </a:lnTo>
-                <a:lnTo>
-                  <a:pt x="0" y="791884"/>
-                </a:lnTo>
-                <a:close/>
-              </a:path>
-            </a:pathLst>
-          </a:custGeom>
-          <a:blipFill>
-            <a:blip r:embed="rId1"/>
-            <a:stretch>
-              <a:fillRect/>
-            </a:stretch>
-          </a:blipFill>
-          <a:ln>
-            <a:noFill/>
-          </a:ln>
-        </p:spPr>
-        <p:style>
-          <a:lnRef idx="2"/>
-          <a:fillRef idx="0"/>
-          <a:effectRef idx="0">
-            <a:schemeClr val="accent1">
-              <a:hueOff val="0"/>
-              <a:satOff val="0"/>
-              <a:lumOff val="0"/>
-              <a:alphaOff val="0"/>
-            </a:schemeClr>
-          </a:effectRef>
-          <a:fontRef idx="minor"/>
-        </p:style>
-      </p:sp>
-      <p:sp>
-        <p:nvSpPr>
-          <p:cNvPr id="197" name="CustomShape 9"/>
-          <p:cNvSpPr/>
-          <p:nvPr/>
-        </p:nvSpPr>
-        <p:spPr>
-          <a:xfrm>
-            <a:off x="6879240" y="4389840"/>
-            <a:ext cx="2311560" cy="1983960"/>
+          <p:cNvPr id="198" name="CustomShape 10"/>
+          <p:cNvSpPr/>
+          <p:nvPr/>
+        </p:nvSpPr>
+        <p:spPr>
+          <a:xfrm>
+            <a:off x="4868640" y="1190520"/>
+            <a:ext cx="2310840" cy="1983240"/>
           </a:xfrm>
           <a:prstGeom prst="hexagon">
             <a:avLst>
@@ -21034,7 +21065,7 @@
             </a:avLst>
           </a:prstGeom>
           <a:solidFill>
-            <a:srgbClr val="136083"/>
+            <a:srgbClr val="00b0f0"/>
           </a:solidFill>
           <a:ln>
             <a:noFill/>
@@ -21059,7 +21090,7 @@
           <a:p>
             <a:pPr algn="ctr">
               <a:lnSpc>
-                <a:spcPct val="100000"/>
+                <a:spcPct val="90000"/>
               </a:lnSpc>
             </a:pPr>
             <a:r>
@@ -21075,7 +21106,7 @@
                 <a:latin typeface="微软雅黑"/>
                 <a:ea typeface="微软雅黑"/>
               </a:rPr>
-              <a:t>稳定性建设</a:t>
+              <a:t>后端技术</a:t>
             </a:r>
             <a:endParaRPr b="0" lang="en-US" sz="1800" spc="-1" strike="noStrike">
               <a:solidFill>
@@ -21093,14 +21124,14 @@
       </p:sp>
       <p:sp>
         <p:nvSpPr>
-          <p:cNvPr id="198" name="CustomShape 10"/>
-          <p:cNvSpPr/>
-          <p:nvPr/>
-        </p:nvSpPr>
-        <p:spPr>
-          <a:xfrm>
-            <a:off x="4868640" y="1190520"/>
-            <a:ext cx="2311560" cy="1983960"/>
+          <p:cNvPr id="199" name="CustomShape 11"/>
+          <p:cNvSpPr/>
+          <p:nvPr/>
+        </p:nvSpPr>
+        <p:spPr>
+          <a:xfrm>
+            <a:off x="6818400" y="2272680"/>
+            <a:ext cx="2310840" cy="1983240"/>
           </a:xfrm>
           <a:prstGeom prst="hexagon">
             <a:avLst>
@@ -21109,7 +21140,7 @@
             </a:avLst>
           </a:prstGeom>
           <a:solidFill>
-            <a:srgbClr val="00b0f0"/>
+            <a:srgbClr val="136083"/>
           </a:solidFill>
           <a:ln>
             <a:noFill/>
@@ -21168,44 +21199,62 @@
       </p:sp>
       <p:sp>
         <p:nvSpPr>
-          <p:cNvPr id="199" name="CustomShape 11"/>
-          <p:cNvSpPr/>
-          <p:nvPr/>
-        </p:nvSpPr>
-        <p:spPr>
-          <a:xfrm>
-            <a:off x="6818400" y="2272680"/>
-            <a:ext cx="2311560" cy="1983960"/>
-          </a:xfrm>
-          <a:prstGeom prst="hexagon">
-            <a:avLst>
-              <a:gd name="adj" fmla="val 25000"/>
-              <a:gd name="vf" fmla="val 115470"/>
-            </a:avLst>
-          </a:prstGeom>
+          <p:cNvPr id="200" name="CustomShape 12"/>
+          <p:cNvSpPr/>
+          <p:nvPr/>
+        </p:nvSpPr>
+        <p:spPr>
+          <a:xfrm>
+            <a:off x="2882160" y="2305080"/>
+            <a:ext cx="2310840" cy="1983240"/>
+          </a:xfrm>
+          <a:custGeom>
+            <a:avLst/>
+            <a:gdLst/>
+            <a:ahLst/>
+            <a:rect l="l" t="t" r="r" b="b"/>
+            <a:pathLst>
+              <a:path w="1845056" h="1583767">
+                <a:moveTo>
+                  <a:pt x="0" y="791884"/>
+                </a:moveTo>
+                <a:lnTo>
+                  <a:pt x="395942" y="0"/>
+                </a:lnTo>
+                <a:lnTo>
+                  <a:pt x="1449114" y="0"/>
+                </a:lnTo>
+                <a:lnTo>
+                  <a:pt x="1845056" y="791884"/>
+                </a:lnTo>
+                <a:lnTo>
+                  <a:pt x="1449114" y="1583767"/>
+                </a:lnTo>
+                <a:lnTo>
+                  <a:pt x="395942" y="1583767"/>
+                </a:lnTo>
+                <a:lnTo>
+                  <a:pt x="0" y="791884"/>
+                </a:lnTo>
+                <a:close/>
+              </a:path>
+            </a:pathLst>
+          </a:custGeom>
           <a:solidFill>
-            <a:srgbClr val="136083"/>
+            <a:srgbClr val="00b0f0"/>
           </a:solidFill>
           <a:ln>
             <a:noFill/>
           </a:ln>
         </p:spPr>
         <p:style>
-          <a:lnRef idx="2"/>
+          <a:lnRef idx="0"/>
           <a:fillRef idx="0"/>
-          <a:effectRef idx="0">
-            <a:schemeClr val="lt1">
-              <a:alpha val="90000"/>
-              <a:hueOff val="0"/>
-              <a:satOff val="0"/>
-              <a:lumOff val="0"/>
-              <a:alphaOff val="0"/>
-            </a:schemeClr>
-          </a:effectRef>
+          <a:effectRef idx="0"/>
           <a:fontRef idx="minor"/>
         </p:style>
         <p:txBody>
-          <a:bodyPr lIns="90000" rIns="90000" tIns="45000" bIns="45000" anchor="ctr"/>
+          <a:bodyPr lIns="302400" rIns="302400" tIns="286560" bIns="286560" anchor="ctr"/>
           <a:p>
             <a:pPr algn="ctr">
               <a:lnSpc>
@@ -21226,99 +21275,6 @@
                 <a:ea typeface="微软雅黑"/>
               </a:rPr>
               <a:t>架构设计</a:t>
-            </a:r>
-            <a:endParaRPr b="0" lang="en-US" sz="1800" spc="-1" strike="noStrike">
-              <a:solidFill>
-                <a:srgbClr val="000000"/>
-              </a:solidFill>
-              <a:uFill>
-                <a:solidFill>
-                  <a:srgbClr val="ffffff"/>
-                </a:solidFill>
-              </a:uFill>
-              <a:latin typeface="Arial"/>
-            </a:endParaRPr>
-          </a:p>
-        </p:txBody>
-      </p:sp>
-      <p:sp>
-        <p:nvSpPr>
-          <p:cNvPr id="200" name="CustomShape 12"/>
-          <p:cNvSpPr/>
-          <p:nvPr/>
-        </p:nvSpPr>
-        <p:spPr>
-          <a:xfrm>
-            <a:off x="2882160" y="2305080"/>
-            <a:ext cx="2311560" cy="1983960"/>
-          </a:xfrm>
-          <a:custGeom>
-            <a:avLst/>
-            <a:gdLst/>
-            <a:ahLst/>
-            <a:rect l="l" t="t" r="r" b="b"/>
-            <a:pathLst>
-              <a:path w="1845056" h="1583767">
-                <a:moveTo>
-                  <a:pt x="0" y="791884"/>
-                </a:moveTo>
-                <a:lnTo>
-                  <a:pt x="395942" y="0"/>
-                </a:lnTo>
-                <a:lnTo>
-                  <a:pt x="1449114" y="0"/>
-                </a:lnTo>
-                <a:lnTo>
-                  <a:pt x="1845056" y="791884"/>
-                </a:lnTo>
-                <a:lnTo>
-                  <a:pt x="1449114" y="1583767"/>
-                </a:lnTo>
-                <a:lnTo>
-                  <a:pt x="395942" y="1583767"/>
-                </a:lnTo>
-                <a:lnTo>
-                  <a:pt x="0" y="791884"/>
-                </a:lnTo>
-                <a:close/>
-              </a:path>
-            </a:pathLst>
-          </a:custGeom>
-          <a:solidFill>
-            <a:srgbClr val="00b0f0"/>
-          </a:solidFill>
-          <a:ln>
-            <a:noFill/>
-          </a:ln>
-        </p:spPr>
-        <p:style>
-          <a:lnRef idx="0"/>
-          <a:fillRef idx="0"/>
-          <a:effectRef idx="0"/>
-          <a:fontRef idx="minor"/>
-        </p:style>
-        <p:txBody>
-          <a:bodyPr lIns="302400" rIns="302400" tIns="286560" bIns="286560" anchor="ctr"/>
-          <a:p>
-            <a:pPr algn="ctr">
-              <a:lnSpc>
-                <a:spcPct val="90000"/>
-              </a:lnSpc>
-            </a:pPr>
-            <a:r>
-              <a:rPr b="0" lang="en-US" sz="2400" spc="-1" strike="noStrike">
-                <a:solidFill>
-                  <a:srgbClr val="ffffff"/>
-                </a:solidFill>
-                <a:uFill>
-                  <a:solidFill>
-                    <a:srgbClr val="ffffff"/>
-                  </a:solidFill>
-                </a:uFill>
-                <a:latin typeface="微软雅黑"/>
-                <a:ea typeface="微软雅黑"/>
-              </a:rPr>
-              <a:t>后端技术</a:t>
             </a:r>
             <a:endParaRPr b="0" lang="en-US" sz="1800" spc="-1" strike="noStrike">
               <a:solidFill>

--- a/doc/zzdb.pptx
+++ b/doc/zzdb.pptx
@@ -273,7 +273,7 @@
           <a:bodyPr lIns="0" rIns="0" tIns="0" bIns="0" anchor="b"/>
           <a:p>
             <a:pPr algn="r"/>
-            <a:fld id="{A27E04A2-4077-4F05-AE60-F3A180538A6F}" type="slidenum">
+            <a:fld id="{08C2C05F-6571-4F8A-859E-0F058554FA95}" type="slidenum">
               <a:rPr b="0" lang="en-US" sz="1400" spc="-1" strike="noStrike">
                 <a:solidFill>
                   <a:srgbClr val="000000"/>
@@ -326,7 +326,7 @@
       </p:grpSpPr>
       <p:sp>
         <p:nvSpPr>
-          <p:cNvPr id="307" name="PlaceHolder 1"/>
+          <p:cNvPr id="297" name="PlaceHolder 1"/>
           <p:cNvSpPr>
             <a:spLocks noGrp="1"/>
           </p:cNvSpPr>
@@ -337,7 +337,7 @@
         <p:spPr>
           <a:xfrm>
             <a:off x="685800" y="4400640"/>
-            <a:ext cx="5480280" cy="3594240"/>
+            <a:ext cx="5479560" cy="3593520"/>
           </a:xfrm>
           <a:prstGeom prst="rect">
             <a:avLst/>
@@ -362,14 +362,14 @@
       </p:sp>
       <p:sp>
         <p:nvSpPr>
-          <p:cNvPr id="308" name="CustomShape 2"/>
+          <p:cNvPr id="298" name="CustomShape 2"/>
           <p:cNvSpPr/>
           <p:nvPr/>
         </p:nvSpPr>
         <p:spPr>
           <a:xfrm>
             <a:off x="3884760" y="8685360"/>
-            <a:ext cx="2965680" cy="452520"/>
+            <a:ext cx="2964960" cy="451800"/>
           </a:xfrm>
           <a:prstGeom prst="rect">
             <a:avLst/>
@@ -410,7 +410,7 @@
       </p:grpSpPr>
       <p:sp>
         <p:nvSpPr>
-          <p:cNvPr id="323" name="PlaceHolder 1"/>
+          <p:cNvPr id="313" name="PlaceHolder 1"/>
           <p:cNvSpPr>
             <a:spLocks noGrp="1"/>
           </p:cNvSpPr>
@@ -421,7 +421,7 @@
         <p:spPr>
           <a:xfrm>
             <a:off x="685800" y="4400640"/>
-            <a:ext cx="5480280" cy="3594240"/>
+            <a:ext cx="5479560" cy="3593520"/>
           </a:xfrm>
           <a:prstGeom prst="rect">
             <a:avLst/>
@@ -446,14 +446,14 @@
       </p:sp>
       <p:sp>
         <p:nvSpPr>
-          <p:cNvPr id="324" name="CustomShape 2"/>
+          <p:cNvPr id="314" name="CustomShape 2"/>
           <p:cNvSpPr/>
           <p:nvPr/>
         </p:nvSpPr>
         <p:spPr>
           <a:xfrm>
             <a:off x="3884760" y="8685360"/>
-            <a:ext cx="2965680" cy="452520"/>
+            <a:ext cx="2964960" cy="451800"/>
           </a:xfrm>
           <a:prstGeom prst="rect">
             <a:avLst/>
@@ -494,7 +494,7 @@
       </p:grpSpPr>
       <p:sp>
         <p:nvSpPr>
-          <p:cNvPr id="325" name="PlaceHolder 1"/>
+          <p:cNvPr id="315" name="PlaceHolder 1"/>
           <p:cNvSpPr>
             <a:spLocks noGrp="1"/>
           </p:cNvSpPr>
@@ -505,7 +505,7 @@
         <p:spPr>
           <a:xfrm>
             <a:off x="685800" y="4400640"/>
-            <a:ext cx="5480280" cy="3594240"/>
+            <a:ext cx="5479560" cy="3593520"/>
           </a:xfrm>
           <a:prstGeom prst="rect">
             <a:avLst/>
@@ -530,14 +530,14 @@
       </p:sp>
       <p:sp>
         <p:nvSpPr>
-          <p:cNvPr id="326" name="CustomShape 2"/>
+          <p:cNvPr id="316" name="CustomShape 2"/>
           <p:cNvSpPr/>
           <p:nvPr/>
         </p:nvSpPr>
         <p:spPr>
           <a:xfrm>
             <a:off x="3884760" y="8685360"/>
-            <a:ext cx="2965680" cy="452520"/>
+            <a:ext cx="2964960" cy="451800"/>
           </a:xfrm>
           <a:prstGeom prst="rect">
             <a:avLst/>
@@ -578,7 +578,7 @@
       </p:grpSpPr>
       <p:sp>
         <p:nvSpPr>
-          <p:cNvPr id="327" name="PlaceHolder 1"/>
+          <p:cNvPr id="317" name="PlaceHolder 1"/>
           <p:cNvSpPr>
             <a:spLocks noGrp="1"/>
           </p:cNvSpPr>
@@ -589,7 +589,7 @@
         <p:spPr>
           <a:xfrm>
             <a:off x="685800" y="4400640"/>
-            <a:ext cx="5480280" cy="3594240"/>
+            <a:ext cx="5479560" cy="3593520"/>
           </a:xfrm>
           <a:prstGeom prst="rect">
             <a:avLst/>
@@ -614,14 +614,14 @@
       </p:sp>
       <p:sp>
         <p:nvSpPr>
-          <p:cNvPr id="328" name="CustomShape 2"/>
+          <p:cNvPr id="318" name="CustomShape 2"/>
           <p:cNvSpPr/>
           <p:nvPr/>
         </p:nvSpPr>
         <p:spPr>
           <a:xfrm>
             <a:off x="3884760" y="8685360"/>
-            <a:ext cx="2965680" cy="452520"/>
+            <a:ext cx="2964960" cy="451800"/>
           </a:xfrm>
           <a:prstGeom prst="rect">
             <a:avLst/>
@@ -662,7 +662,7 @@
       </p:grpSpPr>
       <p:sp>
         <p:nvSpPr>
-          <p:cNvPr id="329" name="PlaceHolder 1"/>
+          <p:cNvPr id="319" name="PlaceHolder 1"/>
           <p:cNvSpPr>
             <a:spLocks noGrp="1"/>
           </p:cNvSpPr>
@@ -673,7 +673,7 @@
         <p:spPr>
           <a:xfrm>
             <a:off x="685800" y="4400640"/>
-            <a:ext cx="5480280" cy="3594240"/>
+            <a:ext cx="5479560" cy="3593520"/>
           </a:xfrm>
           <a:prstGeom prst="rect">
             <a:avLst/>
@@ -698,14 +698,14 @@
       </p:sp>
       <p:sp>
         <p:nvSpPr>
-          <p:cNvPr id="330" name="CustomShape 2"/>
+          <p:cNvPr id="320" name="CustomShape 2"/>
           <p:cNvSpPr/>
           <p:nvPr/>
         </p:nvSpPr>
         <p:spPr>
           <a:xfrm>
             <a:off x="3884760" y="8685360"/>
-            <a:ext cx="2965680" cy="452520"/>
+            <a:ext cx="2964960" cy="451800"/>
           </a:xfrm>
           <a:prstGeom prst="rect">
             <a:avLst/>
@@ -746,7 +746,7 @@
       </p:grpSpPr>
       <p:sp>
         <p:nvSpPr>
-          <p:cNvPr id="331" name="PlaceHolder 1"/>
+          <p:cNvPr id="321" name="PlaceHolder 1"/>
           <p:cNvSpPr>
             <a:spLocks noGrp="1"/>
           </p:cNvSpPr>
@@ -757,7 +757,7 @@
         <p:spPr>
           <a:xfrm>
             <a:off x="685800" y="4400640"/>
-            <a:ext cx="5480280" cy="3594240"/>
+            <a:ext cx="5479560" cy="3593520"/>
           </a:xfrm>
           <a:prstGeom prst="rect">
             <a:avLst/>
@@ -782,14 +782,14 @@
       </p:sp>
       <p:sp>
         <p:nvSpPr>
-          <p:cNvPr id="332" name="CustomShape 2"/>
+          <p:cNvPr id="322" name="CustomShape 2"/>
           <p:cNvSpPr/>
           <p:nvPr/>
         </p:nvSpPr>
         <p:spPr>
           <a:xfrm>
             <a:off x="3884760" y="8685360"/>
-            <a:ext cx="2965680" cy="452520"/>
+            <a:ext cx="2964960" cy="451800"/>
           </a:xfrm>
           <a:prstGeom prst="rect">
             <a:avLst/>
@@ -830,7 +830,7 @@
       </p:grpSpPr>
       <p:sp>
         <p:nvSpPr>
-          <p:cNvPr id="333" name="PlaceHolder 1"/>
+          <p:cNvPr id="323" name="PlaceHolder 1"/>
           <p:cNvSpPr>
             <a:spLocks noGrp="1"/>
           </p:cNvSpPr>
@@ -841,7 +841,7 @@
         <p:spPr>
           <a:xfrm>
             <a:off x="685800" y="4400640"/>
-            <a:ext cx="5480280" cy="3594240"/>
+            <a:ext cx="5479560" cy="3593520"/>
           </a:xfrm>
           <a:prstGeom prst="rect">
             <a:avLst/>
@@ -866,14 +866,14 @@
       </p:sp>
       <p:sp>
         <p:nvSpPr>
-          <p:cNvPr id="334" name="CustomShape 2"/>
+          <p:cNvPr id="324" name="CustomShape 2"/>
           <p:cNvSpPr/>
           <p:nvPr/>
         </p:nvSpPr>
         <p:spPr>
           <a:xfrm>
             <a:off x="3884760" y="8685360"/>
-            <a:ext cx="2965680" cy="452520"/>
+            <a:ext cx="2964960" cy="451800"/>
           </a:xfrm>
           <a:prstGeom prst="rect">
             <a:avLst/>
@@ -914,7 +914,7 @@
       </p:grpSpPr>
       <p:sp>
         <p:nvSpPr>
-          <p:cNvPr id="335" name="PlaceHolder 1"/>
+          <p:cNvPr id="325" name="PlaceHolder 1"/>
           <p:cNvSpPr>
             <a:spLocks noGrp="1"/>
           </p:cNvSpPr>
@@ -925,7 +925,7 @@
         <p:spPr>
           <a:xfrm>
             <a:off x="685800" y="4400640"/>
-            <a:ext cx="5480280" cy="3594240"/>
+            <a:ext cx="5479560" cy="3593520"/>
           </a:xfrm>
           <a:prstGeom prst="rect">
             <a:avLst/>
@@ -950,14 +950,14 @@
       </p:sp>
       <p:sp>
         <p:nvSpPr>
-          <p:cNvPr id="336" name="CustomShape 2"/>
+          <p:cNvPr id="326" name="CustomShape 2"/>
           <p:cNvSpPr/>
           <p:nvPr/>
         </p:nvSpPr>
         <p:spPr>
           <a:xfrm>
             <a:off x="3884760" y="8685360"/>
-            <a:ext cx="2965680" cy="452520"/>
+            <a:ext cx="2964960" cy="451800"/>
           </a:xfrm>
           <a:prstGeom prst="rect">
             <a:avLst/>
@@ -998,7 +998,7 @@
       </p:grpSpPr>
       <p:sp>
         <p:nvSpPr>
-          <p:cNvPr id="337" name="PlaceHolder 1"/>
+          <p:cNvPr id="327" name="PlaceHolder 1"/>
           <p:cNvSpPr>
             <a:spLocks noGrp="1"/>
           </p:cNvSpPr>
@@ -1009,7 +1009,7 @@
         <p:spPr>
           <a:xfrm>
             <a:off x="685800" y="4400640"/>
-            <a:ext cx="5480280" cy="3594240"/>
+            <a:ext cx="5479560" cy="3593520"/>
           </a:xfrm>
           <a:prstGeom prst="rect">
             <a:avLst/>
@@ -1034,14 +1034,14 @@
       </p:sp>
       <p:sp>
         <p:nvSpPr>
-          <p:cNvPr id="338" name="CustomShape 2"/>
+          <p:cNvPr id="328" name="CustomShape 2"/>
           <p:cNvSpPr/>
           <p:nvPr/>
         </p:nvSpPr>
         <p:spPr>
           <a:xfrm>
             <a:off x="3884760" y="8685360"/>
-            <a:ext cx="2965680" cy="452520"/>
+            <a:ext cx="2964960" cy="451800"/>
           </a:xfrm>
           <a:prstGeom prst="rect">
             <a:avLst/>
@@ -1082,7 +1082,7 @@
       </p:grpSpPr>
       <p:sp>
         <p:nvSpPr>
-          <p:cNvPr id="309" name="PlaceHolder 1"/>
+          <p:cNvPr id="299" name="PlaceHolder 1"/>
           <p:cNvSpPr>
             <a:spLocks noGrp="1"/>
           </p:cNvSpPr>
@@ -1093,7 +1093,7 @@
         <p:spPr>
           <a:xfrm>
             <a:off x="685800" y="4400640"/>
-            <a:ext cx="5480280" cy="3594240"/>
+            <a:ext cx="5479560" cy="3593520"/>
           </a:xfrm>
           <a:prstGeom prst="rect">
             <a:avLst/>
@@ -1118,14 +1118,14 @@
       </p:sp>
       <p:sp>
         <p:nvSpPr>
-          <p:cNvPr id="310" name="CustomShape 2"/>
+          <p:cNvPr id="300" name="CustomShape 2"/>
           <p:cNvSpPr/>
           <p:nvPr/>
         </p:nvSpPr>
         <p:spPr>
           <a:xfrm>
             <a:off x="3884760" y="8685360"/>
-            <a:ext cx="2965680" cy="452520"/>
+            <a:ext cx="2964960" cy="451800"/>
           </a:xfrm>
           <a:prstGeom prst="rect">
             <a:avLst/>
@@ -1166,7 +1166,7 @@
       </p:grpSpPr>
       <p:sp>
         <p:nvSpPr>
-          <p:cNvPr id="311" name="PlaceHolder 1"/>
+          <p:cNvPr id="301" name="PlaceHolder 1"/>
           <p:cNvSpPr>
             <a:spLocks noGrp="1"/>
           </p:cNvSpPr>
@@ -1177,7 +1177,7 @@
         <p:spPr>
           <a:xfrm>
             <a:off x="685800" y="4400640"/>
-            <a:ext cx="5480280" cy="3594240"/>
+            <a:ext cx="5479560" cy="3593520"/>
           </a:xfrm>
           <a:prstGeom prst="rect">
             <a:avLst/>
@@ -1202,14 +1202,14 @@
       </p:sp>
       <p:sp>
         <p:nvSpPr>
-          <p:cNvPr id="312" name="CustomShape 2"/>
+          <p:cNvPr id="302" name="CustomShape 2"/>
           <p:cNvSpPr/>
           <p:nvPr/>
         </p:nvSpPr>
         <p:spPr>
           <a:xfrm>
             <a:off x="3884760" y="8685360"/>
-            <a:ext cx="2965680" cy="452520"/>
+            <a:ext cx="2964960" cy="451800"/>
           </a:xfrm>
           <a:prstGeom prst="rect">
             <a:avLst/>
@@ -1250,7 +1250,7 @@
       </p:grpSpPr>
       <p:sp>
         <p:nvSpPr>
-          <p:cNvPr id="313" name="PlaceHolder 1"/>
+          <p:cNvPr id="303" name="PlaceHolder 1"/>
           <p:cNvSpPr>
             <a:spLocks noGrp="1"/>
           </p:cNvSpPr>
@@ -1261,7 +1261,7 @@
         <p:spPr>
           <a:xfrm>
             <a:off x="685800" y="4400640"/>
-            <a:ext cx="5480280" cy="3594240"/>
+            <a:ext cx="5479560" cy="3593520"/>
           </a:xfrm>
           <a:prstGeom prst="rect">
             <a:avLst/>
@@ -1286,14 +1286,14 @@
       </p:sp>
       <p:sp>
         <p:nvSpPr>
-          <p:cNvPr id="314" name="CustomShape 2"/>
+          <p:cNvPr id="304" name="CustomShape 2"/>
           <p:cNvSpPr/>
           <p:nvPr/>
         </p:nvSpPr>
         <p:spPr>
           <a:xfrm>
             <a:off x="3884760" y="8685360"/>
-            <a:ext cx="2965680" cy="452520"/>
+            <a:ext cx="2964960" cy="451800"/>
           </a:xfrm>
           <a:prstGeom prst="rect">
             <a:avLst/>
@@ -1334,7 +1334,7 @@
       </p:grpSpPr>
       <p:sp>
         <p:nvSpPr>
-          <p:cNvPr id="315" name="PlaceHolder 1"/>
+          <p:cNvPr id="305" name="PlaceHolder 1"/>
           <p:cNvSpPr>
             <a:spLocks noGrp="1"/>
           </p:cNvSpPr>
@@ -1345,7 +1345,7 @@
         <p:spPr>
           <a:xfrm>
             <a:off x="685800" y="4400640"/>
-            <a:ext cx="5480280" cy="3594240"/>
+            <a:ext cx="5479560" cy="3593520"/>
           </a:xfrm>
           <a:prstGeom prst="rect">
             <a:avLst/>
@@ -1370,14 +1370,14 @@
       </p:sp>
       <p:sp>
         <p:nvSpPr>
-          <p:cNvPr id="316" name="CustomShape 2"/>
+          <p:cNvPr id="306" name="CustomShape 2"/>
           <p:cNvSpPr/>
           <p:nvPr/>
         </p:nvSpPr>
         <p:spPr>
           <a:xfrm>
             <a:off x="3884760" y="8685360"/>
-            <a:ext cx="2965680" cy="452520"/>
+            <a:ext cx="2964960" cy="451800"/>
           </a:xfrm>
           <a:prstGeom prst="rect">
             <a:avLst/>
@@ -1418,7 +1418,7 @@
       </p:grpSpPr>
       <p:sp>
         <p:nvSpPr>
-          <p:cNvPr id="317" name="PlaceHolder 1"/>
+          <p:cNvPr id="307" name="PlaceHolder 1"/>
           <p:cNvSpPr>
             <a:spLocks noGrp="1"/>
           </p:cNvSpPr>
@@ -1429,7 +1429,7 @@
         <p:spPr>
           <a:xfrm>
             <a:off x="685800" y="4400640"/>
-            <a:ext cx="5480280" cy="3594240"/>
+            <a:ext cx="5479560" cy="3593520"/>
           </a:xfrm>
           <a:prstGeom prst="rect">
             <a:avLst/>
@@ -1454,14 +1454,14 @@
       </p:sp>
       <p:sp>
         <p:nvSpPr>
-          <p:cNvPr id="318" name="CustomShape 2"/>
+          <p:cNvPr id="308" name="CustomShape 2"/>
           <p:cNvSpPr/>
           <p:nvPr/>
         </p:nvSpPr>
         <p:spPr>
           <a:xfrm>
             <a:off x="3884760" y="8685360"/>
-            <a:ext cx="2965680" cy="452520"/>
+            <a:ext cx="2964960" cy="451800"/>
           </a:xfrm>
           <a:prstGeom prst="rect">
             <a:avLst/>
@@ -1502,7 +1502,7 @@
       </p:grpSpPr>
       <p:sp>
         <p:nvSpPr>
-          <p:cNvPr id="319" name="PlaceHolder 1"/>
+          <p:cNvPr id="309" name="PlaceHolder 1"/>
           <p:cNvSpPr>
             <a:spLocks noGrp="1"/>
           </p:cNvSpPr>
@@ -1513,7 +1513,7 @@
         <p:spPr>
           <a:xfrm>
             <a:off x="685800" y="4400640"/>
-            <a:ext cx="5480280" cy="3594240"/>
+            <a:ext cx="5479560" cy="3593520"/>
           </a:xfrm>
           <a:prstGeom prst="rect">
             <a:avLst/>
@@ -1538,14 +1538,14 @@
       </p:sp>
       <p:sp>
         <p:nvSpPr>
-          <p:cNvPr id="320" name="CustomShape 2"/>
+          <p:cNvPr id="310" name="CustomShape 2"/>
           <p:cNvSpPr/>
           <p:nvPr/>
         </p:nvSpPr>
         <p:spPr>
           <a:xfrm>
             <a:off x="3884760" y="8685360"/>
-            <a:ext cx="2965680" cy="452520"/>
+            <a:ext cx="2964960" cy="451800"/>
           </a:xfrm>
           <a:prstGeom prst="rect">
             <a:avLst/>
@@ -1586,7 +1586,7 @@
       </p:grpSpPr>
       <p:sp>
         <p:nvSpPr>
-          <p:cNvPr id="321" name="PlaceHolder 1"/>
+          <p:cNvPr id="311" name="PlaceHolder 1"/>
           <p:cNvSpPr>
             <a:spLocks noGrp="1"/>
           </p:cNvSpPr>
@@ -1597,7 +1597,7 @@
         <p:spPr>
           <a:xfrm>
             <a:off x="685800" y="4400640"/>
-            <a:ext cx="5480280" cy="3594240"/>
+            <a:ext cx="5479560" cy="3593520"/>
           </a:xfrm>
           <a:prstGeom prst="rect">
             <a:avLst/>
@@ -1622,14 +1622,14 @@
       </p:sp>
       <p:sp>
         <p:nvSpPr>
-          <p:cNvPr id="322" name="CustomShape 2"/>
+          <p:cNvPr id="312" name="CustomShape 2"/>
           <p:cNvSpPr/>
           <p:nvPr/>
         </p:nvSpPr>
         <p:spPr>
           <a:xfrm>
             <a:off x="3884760" y="8685360"/>
-            <a:ext cx="2965680" cy="452520"/>
+            <a:ext cx="2964960" cy="451800"/>
           </a:xfrm>
           <a:prstGeom prst="rect">
             <a:avLst/>
@@ -2151,7 +2151,7 @@
           <a:prstGeom prst="rect">
             <a:avLst/>
           </a:prstGeom>
-          <a:ln w="288000">
+          <a:ln w="216000">
             <a:noFill/>
           </a:ln>
         </p:spPr>
@@ -2174,7 +2174,7 @@
           <a:prstGeom prst="rect">
             <a:avLst/>
           </a:prstGeom>
-          <a:ln w="288000">
+          <a:ln w="216000">
             <a:noFill/>
           </a:ln>
         </p:spPr>
@@ -3721,7 +3721,7 @@
           <a:prstGeom prst="rect">
             <a:avLst/>
           </a:prstGeom>
-          <a:ln w="288000">
+          <a:ln w="216000">
             <a:noFill/>
           </a:ln>
         </p:spPr>
@@ -3744,7 +3744,7 @@
           <a:prstGeom prst="rect">
             <a:avLst/>
           </a:prstGeom>
-          <a:ln w="288000">
+          <a:ln w="216000">
             <a:noFill/>
           </a:ln>
         </p:spPr>
@@ -5351,7 +5351,7 @@
         <p:spPr>
           <a:xfrm>
             <a:off x="0" y="0"/>
-            <a:ext cx="12186000" cy="3523320"/>
+            <a:ext cx="12185280" cy="3522600"/>
           </a:xfrm>
           <a:prstGeom prst="rect">
             <a:avLst/>
@@ -5391,7 +5391,7 @@
         <p:spPr>
           <a:xfrm>
             <a:off x="1066680" y="345960"/>
-            <a:ext cx="10052280" cy="5081040"/>
+            <a:ext cx="10051560" cy="5080320"/>
           </a:xfrm>
           <a:prstGeom prst="rect">
             <a:avLst/>
@@ -5410,7 +5410,7 @@
         <p:spPr>
           <a:xfrm rot="21595200">
             <a:off x="2160" y="2990880"/>
-            <a:ext cx="12186360" cy="3329280"/>
+            <a:ext cx="12185640" cy="3328560"/>
           </a:xfrm>
           <a:prstGeom prst="rect">
             <a:avLst/>
@@ -5446,7 +5446,7 @@
         <p:spPr>
           <a:xfrm>
             <a:off x="2207160" y="3845880"/>
-            <a:ext cx="1135080" cy="1135080"/>
+            <a:ext cx="1134360" cy="1134360"/>
           </a:xfrm>
           <a:prstGeom prst="rect">
             <a:avLst/>
@@ -5500,7 +5500,7 @@
               </a:schemeClr>
             </a:solidFill>
             <a:custDash>
-              <a:ds d="41000000" sp="100000"/>
+              <a:ds d="74100000" sp="100000"/>
             </a:custDash>
             <a:round/>
           </a:ln>
@@ -5539,7 +5539,7 @@
               </a:schemeClr>
             </a:solidFill>
             <a:custDash>
-              <a:ds d="41000000" sp="100000"/>
+              <a:ds d="74100000" sp="100000"/>
             </a:custDash>
             <a:round/>
           </a:ln>
@@ -5566,7 +5566,7 @@
         <p:spPr>
           <a:xfrm>
             <a:off x="3534480" y="3845880"/>
-            <a:ext cx="1135080" cy="1135080"/>
+            <a:ext cx="1134360" cy="1134360"/>
           </a:xfrm>
           <a:prstGeom prst="rect">
             <a:avLst/>
@@ -5620,7 +5620,7 @@
               </a:schemeClr>
             </a:solidFill>
             <a:custDash>
-              <a:ds d="41000000" sp="100000"/>
+              <a:ds d="74100000" sp="100000"/>
             </a:custDash>
             <a:round/>
           </a:ln>
@@ -5659,7 +5659,7 @@
               </a:schemeClr>
             </a:solidFill>
             <a:custDash>
-              <a:ds d="41000000" sp="100000"/>
+              <a:ds d="74100000" sp="100000"/>
             </a:custDash>
             <a:round/>
           </a:ln>
@@ -5686,7 +5686,7 @@
         <p:spPr>
           <a:xfrm>
             <a:off x="4861800" y="3845880"/>
-            <a:ext cx="1135080" cy="1135080"/>
+            <a:ext cx="1134360" cy="1134360"/>
           </a:xfrm>
           <a:prstGeom prst="rect">
             <a:avLst/>
@@ -5740,7 +5740,7 @@
               </a:schemeClr>
             </a:solidFill>
             <a:custDash>
-              <a:ds d="41000000" sp="100000"/>
+              <a:ds d="74100000" sp="100000"/>
             </a:custDash>
             <a:round/>
           </a:ln>
@@ -5779,7 +5779,7 @@
               </a:schemeClr>
             </a:solidFill>
             <a:custDash>
-              <a:ds d="41000000" sp="100000"/>
+              <a:ds d="74100000" sp="100000"/>
             </a:custDash>
             <a:round/>
           </a:ln>
@@ -5806,7 +5806,7 @@
         <p:spPr>
           <a:xfrm>
             <a:off x="6189120" y="3845880"/>
-            <a:ext cx="1135080" cy="1135080"/>
+            <a:ext cx="1134360" cy="1134360"/>
           </a:xfrm>
           <a:prstGeom prst="rect">
             <a:avLst/>
@@ -5860,7 +5860,7 @@
               </a:schemeClr>
             </a:solidFill>
             <a:custDash>
-              <a:ds d="41000000" sp="100000"/>
+              <a:ds d="74100000" sp="100000"/>
             </a:custDash>
             <a:round/>
           </a:ln>
@@ -5899,7 +5899,7 @@
               </a:schemeClr>
             </a:solidFill>
             <a:custDash>
-              <a:ds d="41000000" sp="100000"/>
+              <a:ds d="74100000" sp="100000"/>
             </a:custDash>
             <a:round/>
           </a:ln>
@@ -5926,7 +5926,7 @@
         <p:spPr>
           <a:xfrm>
             <a:off x="7516440" y="3845880"/>
-            <a:ext cx="1135080" cy="1135080"/>
+            <a:ext cx="1134360" cy="1134360"/>
           </a:xfrm>
           <a:prstGeom prst="rect">
             <a:avLst/>
@@ -5980,7 +5980,7 @@
               </a:schemeClr>
             </a:solidFill>
             <a:custDash>
-              <a:ds d="41000000" sp="100000"/>
+              <a:ds d="74100000" sp="100000"/>
             </a:custDash>
             <a:round/>
           </a:ln>
@@ -6019,7 +6019,7 @@
               </a:schemeClr>
             </a:solidFill>
             <a:custDash>
-              <a:ds d="41000000" sp="100000"/>
+              <a:ds d="74100000" sp="100000"/>
             </a:custDash>
             <a:round/>
           </a:ln>
@@ -6046,7 +6046,7 @@
         <p:spPr>
           <a:xfrm>
             <a:off x="8843760" y="3845880"/>
-            <a:ext cx="1135080" cy="1135080"/>
+            <a:ext cx="1134360" cy="1134360"/>
           </a:xfrm>
           <a:prstGeom prst="rect">
             <a:avLst/>
@@ -6100,7 +6100,7 @@
               </a:schemeClr>
             </a:solidFill>
             <a:custDash>
-              <a:ds d="41000000" sp="100000"/>
+              <a:ds d="74100000" sp="100000"/>
             </a:custDash>
             <a:round/>
           </a:ln>
@@ -6139,7 +6139,7 @@
               </a:schemeClr>
             </a:solidFill>
             <a:custDash>
-              <a:ds d="41000000" sp="100000"/>
+              <a:ds d="74100000" sp="100000"/>
             </a:custDash>
             <a:round/>
           </a:ln>
@@ -6165,8 +6165,8 @@
         </p:nvSpPr>
         <p:spPr>
           <a:xfrm rot="12600">
-            <a:off x="2241000" y="3680640"/>
-            <a:ext cx="8005680" cy="1282320"/>
+            <a:off x="2241000" y="3679920"/>
+            <a:ext cx="8004960" cy="1281600"/>
           </a:xfrm>
           <a:prstGeom prst="rect">
             <a:avLst/>
@@ -6191,7 +6191,7 @@
               </a:lnSpc>
             </a:pPr>
             <a:r>
-              <a:rPr b="1" lang="en-US" sz="8000" spc="2152" strike="noStrike">
+              <a:rPr b="1" lang="en-US" sz="8000" spc="2147" strike="noStrike">
                 <a:solidFill>
                   <a:srgbClr val="136083"/>
                 </a:solidFill>
@@ -6228,7 +6228,7 @@
         <p:spPr>
           <a:xfrm>
             <a:off x="4656600" y="5534640"/>
-            <a:ext cx="344160" cy="345600"/>
+            <a:ext cx="343440" cy="344880"/>
           </a:xfrm>
           <a:custGeom>
             <a:avLst/>
@@ -6416,7 +6416,7 @@
         <p:spPr>
           <a:xfrm>
             <a:off x="5106600" y="5551200"/>
-            <a:ext cx="1827720" cy="327960"/>
+            <a:ext cx="1827000" cy="327240"/>
           </a:xfrm>
           <a:prstGeom prst="rect">
             <a:avLst/>
@@ -6478,7 +6478,7 @@
         <p:spPr>
           <a:xfrm>
             <a:off x="4443840" y="1223280"/>
-            <a:ext cx="3298320" cy="1546920"/>
+            <a:ext cx="3297600" cy="1546200"/>
           </a:xfrm>
           <a:prstGeom prst="rect">
             <a:avLst/>
@@ -6540,7 +6540,7 @@
         <p:spPr>
           <a:xfrm>
             <a:off x="3805560" y="6123600"/>
-            <a:ext cx="3764520" cy="236880"/>
+            <a:ext cx="3763800" cy="236160"/>
           </a:xfrm>
           <a:prstGeom prst="rect">
             <a:avLst/>
@@ -6566,7 +6566,7 @@
         <p:spPr>
           <a:xfrm>
             <a:off x="7416000" y="5875560"/>
-            <a:ext cx="3282840" cy="359280"/>
+            <a:ext cx="3282120" cy="358560"/>
           </a:xfrm>
           <a:prstGeom prst="rect">
             <a:avLst/>
@@ -6770,7 +6770,7 @@
         <p:spPr>
           <a:xfrm>
             <a:off x="0" y="205200"/>
-            <a:ext cx="12186000" cy="594720"/>
+            <a:ext cx="12185280" cy="594000"/>
           </a:xfrm>
           <a:prstGeom prst="rect">
             <a:avLst/>
@@ -6805,8 +6805,8 @@
         </p:nvSpPr>
         <p:spPr>
           <a:xfrm flipH="1">
-            <a:off x="260640" y="806040"/>
-            <a:ext cx="306000" cy="83160"/>
+            <a:off x="259920" y="806040"/>
+            <a:ext cx="305280" cy="82440"/>
           </a:xfrm>
           <a:custGeom>
             <a:avLst/>
@@ -6864,8 +6864,8 @@
         </p:nvSpPr>
         <p:spPr>
           <a:xfrm flipV="1">
-            <a:off x="1457280" y="109800"/>
-            <a:ext cx="306000" cy="83160"/>
+            <a:off x="1457280" y="109080"/>
+            <a:ext cx="305280" cy="82440"/>
           </a:xfrm>
           <a:custGeom>
             <a:avLst/>
@@ -6923,8 +6923,8 @@
         </p:nvSpPr>
         <p:spPr>
           <a:xfrm flipH="1">
-            <a:off x="306720" y="116280"/>
-            <a:ext cx="1396800" cy="773280"/>
+            <a:off x="306000" y="116280"/>
+            <a:ext cx="1396080" cy="772560"/>
           </a:xfrm>
           <a:prstGeom prst="parallelogram">
             <a:avLst>
@@ -6962,7 +6962,7 @@
         <p:spPr>
           <a:xfrm>
             <a:off x="302040" y="244080"/>
-            <a:ext cx="1317960" cy="511200"/>
+            <a:ext cx="1317240" cy="510480"/>
           </a:xfrm>
           <a:prstGeom prst="rect">
             <a:avLst/>
@@ -7024,7 +7024,7 @@
         <p:spPr>
           <a:xfrm>
             <a:off x="2002320" y="244080"/>
-            <a:ext cx="2888640" cy="510480"/>
+            <a:ext cx="2887920" cy="509760"/>
           </a:xfrm>
           <a:prstGeom prst="rect">
             <a:avLst/>
@@ -7049,7 +7049,7 @@
               </a:lnSpc>
             </a:pPr>
             <a:r>
-              <a:rPr b="0" lang="en-US" sz="2800" spc="253" strike="noStrike">
+              <a:rPr b="0" lang="en-US" sz="2800" spc="248" strike="noStrike">
                 <a:solidFill>
                   <a:srgbClr val="ffffff"/>
                 </a:solidFill>
@@ -7086,7 +7086,7 @@
         <p:spPr>
           <a:xfrm>
             <a:off x="1418040" y="1471320"/>
-            <a:ext cx="793800" cy="793800"/>
+            <a:ext cx="793080" cy="793080"/>
           </a:xfrm>
           <a:prstGeom prst="ellipse">
             <a:avLst/>
@@ -7114,7 +7114,7 @@
         <p:spPr>
           <a:xfrm>
             <a:off x="1451160" y="1578960"/>
-            <a:ext cx="676800" cy="571320"/>
+            <a:ext cx="676080" cy="570600"/>
           </a:xfrm>
           <a:prstGeom prst="rect">
             <a:avLst/>
@@ -7176,7 +7176,7 @@
         <p:spPr>
           <a:xfrm>
             <a:off x="1418040" y="3407400"/>
-            <a:ext cx="793800" cy="793800"/>
+            <a:ext cx="793080" cy="793080"/>
           </a:xfrm>
           <a:prstGeom prst="ellipse">
             <a:avLst/>
@@ -7204,7 +7204,7 @@
         <p:spPr>
           <a:xfrm>
             <a:off x="1451160" y="3515040"/>
-            <a:ext cx="676800" cy="571320"/>
+            <a:ext cx="676080" cy="570600"/>
           </a:xfrm>
           <a:prstGeom prst="rect">
             <a:avLst/>
@@ -7266,7 +7266,7 @@
         <p:spPr>
           <a:xfrm>
             <a:off x="1418040" y="5396760"/>
-            <a:ext cx="793800" cy="793800"/>
+            <a:ext cx="793080" cy="793080"/>
           </a:xfrm>
           <a:prstGeom prst="ellipse">
             <a:avLst/>
@@ -7294,7 +7294,7 @@
         <p:spPr>
           <a:xfrm>
             <a:off x="1451160" y="5504400"/>
-            <a:ext cx="676800" cy="571320"/>
+            <a:ext cx="676080" cy="570600"/>
           </a:xfrm>
           <a:prstGeom prst="rect">
             <a:avLst/>
@@ -7384,7 +7384,7 @@
         <p:spPr>
           <a:xfrm>
             <a:off x="2354040" y="1837800"/>
-            <a:ext cx="8689320" cy="571320"/>
+            <a:ext cx="8688600" cy="570600"/>
           </a:xfrm>
           <a:prstGeom prst="rect">
             <a:avLst/>
@@ -7410,7 +7410,7 @@
         <p:spPr>
           <a:xfrm>
             <a:off x="2354040" y="3299760"/>
-            <a:ext cx="2320920" cy="419760"/>
+            <a:ext cx="2320200" cy="419040"/>
           </a:xfrm>
           <a:prstGeom prst="rect">
             <a:avLst/>
@@ -7472,7 +7472,7 @@
         <p:spPr>
           <a:xfrm>
             <a:off x="2354040" y="5609880"/>
-            <a:ext cx="8689320" cy="813960"/>
+            <a:ext cx="8688600" cy="813240"/>
           </a:xfrm>
           <a:prstGeom prst="rect">
             <a:avLst/>
@@ -7688,7 +7688,7 @@
         <p:spPr>
           <a:xfrm>
             <a:off x="2354040" y="1380960"/>
-            <a:ext cx="2399760" cy="419040"/>
+            <a:ext cx="2399040" cy="418320"/>
           </a:xfrm>
           <a:prstGeom prst="rect">
             <a:avLst/>
@@ -7750,7 +7750,7 @@
         <p:spPr>
           <a:xfrm>
             <a:off x="2354040" y="3767760"/>
-            <a:ext cx="8689320" cy="570600"/>
+            <a:ext cx="8688600" cy="569880"/>
           </a:xfrm>
           <a:prstGeom prst="rect">
             <a:avLst/>
@@ -7845,7 +7845,7 @@
         <p:spPr>
           <a:xfrm>
             <a:off x="2354040" y="5144040"/>
-            <a:ext cx="2064600" cy="419760"/>
+            <a:ext cx="2063880" cy="419040"/>
           </a:xfrm>
           <a:prstGeom prst="rect">
             <a:avLst/>
@@ -7907,7 +7907,7 @@
         <p:spPr>
           <a:xfrm>
             <a:off x="2402640" y="1837800"/>
-            <a:ext cx="5800320" cy="871560"/>
+            <a:ext cx="5799600" cy="870840"/>
           </a:xfrm>
           <a:prstGeom prst="rect">
             <a:avLst/>
@@ -8018,7 +8018,7 @@
         <p:spPr>
           <a:xfrm>
             <a:off x="0" y="205200"/>
-            <a:ext cx="12186000" cy="594720"/>
+            <a:ext cx="12185280" cy="594000"/>
           </a:xfrm>
           <a:prstGeom prst="rect">
             <a:avLst/>
@@ -8053,8 +8053,8 @@
         </p:nvSpPr>
         <p:spPr>
           <a:xfrm flipH="1">
-            <a:off x="260640" y="806040"/>
-            <a:ext cx="306000" cy="83160"/>
+            <a:off x="259920" y="806040"/>
+            <a:ext cx="305280" cy="82440"/>
           </a:xfrm>
           <a:custGeom>
             <a:avLst/>
@@ -8112,8 +8112,8 @@
         </p:nvSpPr>
         <p:spPr>
           <a:xfrm flipV="1">
-            <a:off x="1457280" y="109800"/>
-            <a:ext cx="306000" cy="83160"/>
+            <a:off x="1457280" y="109080"/>
+            <a:ext cx="305280" cy="82440"/>
           </a:xfrm>
           <a:custGeom>
             <a:avLst/>
@@ -8171,8 +8171,8 @@
         </p:nvSpPr>
         <p:spPr>
           <a:xfrm flipH="1">
-            <a:off x="306720" y="116280"/>
-            <a:ext cx="1396800" cy="773280"/>
+            <a:off x="306000" y="116280"/>
+            <a:ext cx="1396080" cy="772560"/>
           </a:xfrm>
           <a:prstGeom prst="parallelogram">
             <a:avLst>
@@ -8210,7 +8210,7 @@
         <p:spPr>
           <a:xfrm>
             <a:off x="302040" y="244080"/>
-            <a:ext cx="1317960" cy="511200"/>
+            <a:ext cx="1317240" cy="510480"/>
           </a:xfrm>
           <a:prstGeom prst="rect">
             <a:avLst/>
@@ -8272,7 +8272,7 @@
         <p:spPr>
           <a:xfrm>
             <a:off x="2058840" y="244080"/>
-            <a:ext cx="1708560" cy="510480"/>
+            <a:ext cx="1707840" cy="509760"/>
           </a:xfrm>
           <a:prstGeom prst="rect">
             <a:avLst/>
@@ -8297,7 +8297,7 @@
               </a:lnSpc>
             </a:pPr>
             <a:r>
-              <a:rPr b="0" lang="en-US" sz="2800" spc="253" strike="noStrike">
+              <a:rPr b="0" lang="en-US" sz="2800" spc="248" strike="noStrike">
                 <a:solidFill>
                   <a:srgbClr val="ffffff"/>
                 </a:solidFill>
@@ -8325,16 +8325,874 @@
           </a:p>
         </p:txBody>
       </p:sp>
-      <p:sp>
-        <p:nvSpPr>
-          <p:cNvPr id="242" name="CustomShape 7"/>
+      <p:graphicFrame>
+        <p:nvGraphicFramePr>
+          <p:cNvPr id="242" name="Table 7"/>
+          <p:cNvGraphicFramePr/>
+          <p:nvPr/>
+        </p:nvGraphicFramePr>
+        <p:xfrm>
+          <a:off x="601560" y="1631880"/>
+          <a:ext cx="10658160" cy="3835080"/>
+        </p:xfrm>
+        <a:graphic>
+          <a:graphicData uri="http://schemas.openxmlformats.org/drawingml/2006/table">
+            <a:tbl>
+              <a:tblPr/>
+              <a:tblGrid>
+                <a:gridCol w="4135320"/>
+                <a:gridCol w="6523200"/>
+              </a:tblGrid>
+              <a:tr h="406440">
+                <a:tc>
+                  <a:txBody>
+                    <a:bodyPr/>
+                    <a:p>
+                      <a:pPr>
+                        <a:lnSpc>
+                          <a:spcPct val="100000"/>
+                        </a:lnSpc>
+                      </a:pPr>
+                      <a:r>
+                        <a:rPr b="1" lang="en-US" sz="1800" spc="-1" strike="noStrike">
+                          <a:solidFill>
+                            <a:srgbClr val="ffffff"/>
+                          </a:solidFill>
+                          <a:uFill>
+                            <a:solidFill>
+                              <a:srgbClr val="ffffff"/>
+                            </a:solidFill>
+                          </a:uFill>
+                          <a:latin typeface="等线"/>
+                        </a:rPr>
+                        <a:t>不足</a:t>
+                      </a:r>
+                      <a:endParaRPr b="0" lang="en-US" sz="1800" spc="-1" strike="noStrike">
+                        <a:solidFill>
+                          <a:srgbClr val="000000"/>
+                        </a:solidFill>
+                        <a:uFill>
+                          <a:solidFill>
+                            <a:srgbClr val="ffffff"/>
+                          </a:solidFill>
+                        </a:uFill>
+                        <a:latin typeface="Arial"/>
+                      </a:endParaRPr>
+                    </a:p>
+                  </a:txBody>
+                  <a:tcPr marL="91440" marR="91440">
+                    <a:lnL w="12240">
+                      <a:solidFill>
+                        <a:srgbClr val="ffffff"/>
+                      </a:solidFill>
+                    </a:lnL>
+                    <a:lnR w="12240">
+                      <a:solidFill>
+                        <a:srgbClr val="ffffff"/>
+                      </a:solidFill>
+                    </a:lnR>
+                    <a:lnT w="12240">
+                      <a:solidFill>
+                        <a:srgbClr val="ffffff"/>
+                      </a:solidFill>
+                    </a:lnT>
+                    <a:lnB w="38160">
+                      <a:solidFill>
+                        <a:srgbClr val="ffffff"/>
+                      </a:solidFill>
+                    </a:lnB>
+                    <a:solidFill>
+                      <a:srgbClr val="4472c4"/>
+                    </a:solidFill>
+                  </a:tcPr>
+                </a:tc>
+                <a:tc>
+                  <a:txBody>
+                    <a:bodyPr/>
+                    <a:p>
+                      <a:pPr>
+                        <a:lnSpc>
+                          <a:spcPct val="100000"/>
+                        </a:lnSpc>
+                      </a:pPr>
+                      <a:r>
+                        <a:rPr b="1" lang="en-US" sz="1800" spc="-1" strike="noStrike">
+                          <a:solidFill>
+                            <a:srgbClr val="ffffff"/>
+                          </a:solidFill>
+                          <a:uFill>
+                            <a:solidFill>
+                              <a:srgbClr val="ffffff"/>
+                            </a:solidFill>
+                          </a:uFill>
+                          <a:latin typeface="等线"/>
+                        </a:rPr>
+                        <a:t>改进措施</a:t>
+                      </a:r>
+                      <a:endParaRPr b="0" lang="en-US" sz="1800" spc="-1" strike="noStrike">
+                        <a:solidFill>
+                          <a:srgbClr val="000000"/>
+                        </a:solidFill>
+                        <a:uFill>
+                          <a:solidFill>
+                            <a:srgbClr val="ffffff"/>
+                          </a:solidFill>
+                        </a:uFill>
+                        <a:latin typeface="Arial"/>
+                      </a:endParaRPr>
+                    </a:p>
+                  </a:txBody>
+                  <a:tcPr marL="91440" marR="91440">
+                    <a:lnL w="12240">
+                      <a:solidFill>
+                        <a:srgbClr val="ffffff"/>
+                      </a:solidFill>
+                    </a:lnL>
+                    <a:lnR w="12240">
+                      <a:solidFill>
+                        <a:srgbClr val="ffffff"/>
+                      </a:solidFill>
+                    </a:lnR>
+                    <a:lnT w="12240">
+                      <a:solidFill>
+                        <a:srgbClr val="ffffff"/>
+                      </a:solidFill>
+                    </a:lnT>
+                    <a:lnB w="38160">
+                      <a:solidFill>
+                        <a:srgbClr val="ffffff"/>
+                      </a:solidFill>
+                    </a:lnB>
+                    <a:solidFill>
+                      <a:srgbClr val="4472c4"/>
+                    </a:solidFill>
+                  </a:tcPr>
+                </a:tc>
+              </a:tr>
+              <a:tr h="1087560">
+                <a:tc>
+                  <a:txBody>
+                    <a:bodyPr/>
+                    <a:p>
+                      <a:pPr>
+                        <a:lnSpc>
+                          <a:spcPct val="100000"/>
+                        </a:lnSpc>
+                      </a:pPr>
+                      <a:r>
+                        <a:rPr b="0" lang="en-US" sz="1500" spc="-1" strike="noStrike">
+                          <a:solidFill>
+                            <a:srgbClr val="000000"/>
+                          </a:solidFill>
+                          <a:uFill>
+                            <a:solidFill>
+                              <a:srgbClr val="ffffff"/>
+                            </a:solidFill>
+                          </a:uFill>
+                          <a:latin typeface="Arial"/>
+                        </a:rPr>
+                        <a:t>业务思考不够深入。</a:t>
+                      </a:r>
+                      <a:endParaRPr b="0" lang="en-US" sz="1800" spc="-1" strike="noStrike">
+                        <a:solidFill>
+                          <a:srgbClr val="000000"/>
+                        </a:solidFill>
+                        <a:uFill>
+                          <a:solidFill>
+                            <a:srgbClr val="ffffff"/>
+                          </a:solidFill>
+                        </a:uFill>
+                        <a:latin typeface="Arial"/>
+                      </a:endParaRPr>
+                    </a:p>
+                  </a:txBody>
+                  <a:tcPr marL="91440" marR="91440">
+                    <a:lnL w="12240">
+                      <a:solidFill>
+                        <a:srgbClr val="ffffff"/>
+                      </a:solidFill>
+                    </a:lnL>
+                    <a:lnR w="12240">
+                      <a:solidFill>
+                        <a:srgbClr val="ffffff"/>
+                      </a:solidFill>
+                    </a:lnR>
+                    <a:lnT w="12240">
+                      <a:solidFill>
+                        <a:srgbClr val="ffffff"/>
+                      </a:solidFill>
+                    </a:lnT>
+                    <a:lnB w="12240">
+                      <a:solidFill>
+                        <a:srgbClr val="ffffff"/>
+                      </a:solidFill>
+                    </a:lnB>
+                    <a:solidFill>
+                      <a:srgbClr val="cfd5e9"/>
+                    </a:solidFill>
+                  </a:tcPr>
+                </a:tc>
+                <a:tc>
+                  <a:txBody>
+                    <a:bodyPr/>
+                    <a:p>
+                      <a:pPr>
+                        <a:lnSpc>
+                          <a:spcPct val="100000"/>
+                        </a:lnSpc>
+                      </a:pPr>
+                      <a:r>
+                        <a:rPr b="0" lang="en-US" sz="1500" spc="-1" strike="noStrike">
+                          <a:solidFill>
+                            <a:srgbClr val="000000"/>
+                          </a:solidFill>
+                          <a:uFill>
+                            <a:solidFill>
+                              <a:srgbClr val="ffffff"/>
+                            </a:solidFill>
+                          </a:uFill>
+                          <a:latin typeface="Arial"/>
+                        </a:rPr>
+                        <a:t>持续学习业务知识。开发前多思考需求的合理性，能解决什么问题，可能带来什么问题。仔细评估影响面，多问多交流，避免理解偏差。做技术方案的时候把需求的完整链路思考清楚。过程中遇到的问题进行记录和复盘，加深思考，避免踩坑。</a:t>
+                      </a:r>
+                      <a:endParaRPr b="0" lang="en-US" sz="1800" spc="-1" strike="noStrike">
+                        <a:solidFill>
+                          <a:srgbClr val="000000"/>
+                        </a:solidFill>
+                        <a:uFill>
+                          <a:solidFill>
+                            <a:srgbClr val="ffffff"/>
+                          </a:solidFill>
+                        </a:uFill>
+                        <a:latin typeface="Arial"/>
+                      </a:endParaRPr>
+                    </a:p>
+                  </a:txBody>
+                  <a:tcPr marL="91440" marR="91440">
+                    <a:lnL w="12240">
+                      <a:solidFill>
+                        <a:srgbClr val="ffffff"/>
+                      </a:solidFill>
+                    </a:lnL>
+                    <a:lnR w="12240">
+                      <a:solidFill>
+                        <a:srgbClr val="ffffff"/>
+                      </a:solidFill>
+                    </a:lnR>
+                    <a:lnT w="12240">
+                      <a:solidFill>
+                        <a:srgbClr val="ffffff"/>
+                      </a:solidFill>
+                    </a:lnT>
+                    <a:lnB w="12240">
+                      <a:solidFill>
+                        <a:srgbClr val="ffffff"/>
+                      </a:solidFill>
+                    </a:lnB>
+                    <a:solidFill>
+                      <a:srgbClr val="cfd5e9"/>
+                    </a:solidFill>
+                  </a:tcPr>
+                </a:tc>
+              </a:tr>
+              <a:tr h="838800">
+                <a:tc>
+                  <a:txBody>
+                    <a:bodyPr/>
+                    <a:p>
+                      <a:r>
+                        <a:rPr b="0" lang="en-US" sz="1500" spc="-1" strike="noStrike">
+                          <a:solidFill>
+                            <a:srgbClr val="000000"/>
+                          </a:solidFill>
+                          <a:uFill>
+                            <a:solidFill>
+                              <a:srgbClr val="ffffff"/>
+                            </a:solidFill>
+                          </a:uFill>
+                          <a:latin typeface="Arial"/>
+                        </a:rPr>
+                        <a:t>开发流程不够规范，对</a:t>
+                      </a:r>
+                      <a:r>
+                        <a:rPr b="0" lang="en-US" sz="1500" spc="-1" strike="noStrike">
+                          <a:solidFill>
+                            <a:srgbClr val="000000"/>
+                          </a:solidFill>
+                          <a:uFill>
+                            <a:solidFill>
+                              <a:srgbClr val="ffffff"/>
+                            </a:solidFill>
+                          </a:uFill>
+                          <a:latin typeface="Arial"/>
+                        </a:rPr>
+                        <a:t>Jira</a:t>
+                      </a:r>
+                      <a:r>
+                        <a:rPr b="0" lang="en-US" sz="1500" spc="-1" strike="noStrike">
+                          <a:solidFill>
+                            <a:srgbClr val="000000"/>
+                          </a:solidFill>
+                          <a:uFill>
+                            <a:solidFill>
+                              <a:srgbClr val="ffffff"/>
+                            </a:solidFill>
+                          </a:uFill>
+                          <a:latin typeface="Arial"/>
+                        </a:rPr>
+                        <a:t>的流程状态更新不及时，备注不够详细。</a:t>
+                      </a:r>
+                      <a:endParaRPr b="0" lang="en-US" sz="1800" spc="-1" strike="noStrike">
+                        <a:solidFill>
+                          <a:srgbClr val="000000"/>
+                        </a:solidFill>
+                        <a:uFill>
+                          <a:solidFill>
+                            <a:srgbClr val="ffffff"/>
+                          </a:solidFill>
+                        </a:uFill>
+                        <a:latin typeface="Arial"/>
+                      </a:endParaRPr>
+                    </a:p>
+                  </a:txBody>
+                  <a:tcPr marL="91440" marR="91440">
+                    <a:lnL w="12240">
+                      <a:solidFill>
+                        <a:srgbClr val="ffffff"/>
+                      </a:solidFill>
+                    </a:lnL>
+                    <a:lnR w="12240">
+                      <a:solidFill>
+                        <a:srgbClr val="ffffff"/>
+                      </a:solidFill>
+                    </a:lnR>
+                    <a:lnT w="12240">
+                      <a:solidFill>
+                        <a:srgbClr val="ffffff"/>
+                      </a:solidFill>
+                    </a:lnT>
+                    <a:lnB w="12240">
+                      <a:solidFill>
+                        <a:srgbClr val="ffffff"/>
+                      </a:solidFill>
+                    </a:lnB>
+                    <a:solidFill>
+                      <a:srgbClr val="e8ebf4"/>
+                    </a:solidFill>
+                  </a:tcPr>
+                </a:tc>
+                <a:tc>
+                  <a:txBody>
+                    <a:bodyPr/>
+                    <a:p>
+                      <a:pPr>
+                        <a:lnSpc>
+                          <a:spcPct val="100000"/>
+                        </a:lnSpc>
+                      </a:pPr>
+                      <a:r>
+                        <a:rPr b="0" lang="en-US" sz="1500" spc="-1" strike="noStrike">
+                          <a:solidFill>
+                            <a:srgbClr val="000000"/>
+                          </a:solidFill>
+                          <a:uFill>
+                            <a:solidFill>
+                              <a:srgbClr val="ffffff"/>
+                            </a:solidFill>
+                          </a:uFill>
+                          <a:latin typeface="Arial"/>
+                        </a:rPr>
+                        <a:t>及时更新流程状态，同时通过办公软件快速和各方同步。对于需求开发过程中的改动和信息更新，都在</a:t>
+                      </a:r>
+                      <a:r>
+                        <a:rPr b="0" lang="en-US" sz="1500" spc="-1" strike="noStrike">
+                          <a:solidFill>
+                            <a:srgbClr val="000000"/>
+                          </a:solidFill>
+                          <a:uFill>
+                            <a:solidFill>
+                              <a:srgbClr val="ffffff"/>
+                            </a:solidFill>
+                          </a:uFill>
+                          <a:latin typeface="Arial"/>
+                        </a:rPr>
+                        <a:t>Jira</a:t>
+                      </a:r>
+                      <a:r>
+                        <a:rPr b="0" lang="en-US" sz="1500" spc="-1" strike="noStrike">
+                          <a:solidFill>
+                            <a:srgbClr val="000000"/>
+                          </a:solidFill>
+                          <a:uFill>
+                            <a:solidFill>
+                              <a:srgbClr val="ffffff"/>
+                            </a:solidFill>
+                          </a:uFill>
+                          <a:latin typeface="Arial"/>
+                        </a:rPr>
+                        <a:t>上详细备注并</a:t>
+                      </a:r>
+                      <a:r>
+                        <a:rPr b="0" lang="en-US" sz="1500" spc="-1" strike="noStrike">
+                          <a:solidFill>
+                            <a:srgbClr val="000000"/>
+                          </a:solidFill>
+                          <a:uFill>
+                            <a:solidFill>
+                              <a:srgbClr val="ffffff"/>
+                            </a:solidFill>
+                          </a:uFill>
+                          <a:latin typeface="Arial"/>
+                        </a:rPr>
+                        <a:t>@</a:t>
+                      </a:r>
+                      <a:r>
+                        <a:rPr b="0" lang="en-US" sz="1500" spc="-1" strike="noStrike">
+                          <a:solidFill>
+                            <a:srgbClr val="000000"/>
+                          </a:solidFill>
+                          <a:uFill>
+                            <a:solidFill>
+                              <a:srgbClr val="ffffff"/>
+                            </a:solidFill>
+                          </a:uFill>
+                          <a:latin typeface="Arial"/>
+                        </a:rPr>
+                        <a:t>到对应的人。对于重要讨论和会议记录，应该以邮件这种更正式的形式来同步和留痕。</a:t>
+                      </a:r>
+                      <a:r>
+                        <a:rPr b="0" lang="en-US" sz="1500" spc="-1" strike="noStrike">
+                          <a:solidFill>
+                            <a:srgbClr val="000000"/>
+                          </a:solidFill>
+                          <a:uFill>
+                            <a:solidFill>
+                              <a:srgbClr val="ffffff"/>
+                            </a:solidFill>
+                          </a:uFill>
+                          <a:latin typeface="Arial"/>
+                        </a:rPr>
+                        <a:t>需求开发过程中给出全面详细的文档并不断补充更新，方便后续人员了解业务。在了解业务的过程中，对现有的文档进行查漏补缺。</a:t>
+                      </a:r>
+                      <a:endParaRPr b="0" lang="en-US" sz="1800" spc="-1" strike="noStrike">
+                        <a:solidFill>
+                          <a:srgbClr val="000000"/>
+                        </a:solidFill>
+                        <a:uFill>
+                          <a:solidFill>
+                            <a:srgbClr val="ffffff"/>
+                          </a:solidFill>
+                        </a:uFill>
+                        <a:latin typeface="Arial"/>
+                      </a:endParaRPr>
+                    </a:p>
+                  </a:txBody>
+                  <a:tcPr marL="91440" marR="91440">
+                    <a:lnL w="12240">
+                      <a:solidFill>
+                        <a:srgbClr val="ffffff"/>
+                      </a:solidFill>
+                    </a:lnL>
+                    <a:lnR w="12240">
+                      <a:solidFill>
+                        <a:srgbClr val="ffffff"/>
+                      </a:solidFill>
+                    </a:lnR>
+                    <a:lnT w="12240">
+                      <a:solidFill>
+                        <a:srgbClr val="ffffff"/>
+                      </a:solidFill>
+                    </a:lnT>
+                    <a:lnB w="12240">
+                      <a:solidFill>
+                        <a:srgbClr val="ffffff"/>
+                      </a:solidFill>
+                    </a:lnB>
+                    <a:solidFill>
+                      <a:srgbClr val="e8ebf4"/>
+                    </a:solidFill>
+                  </a:tcPr>
+                </a:tc>
+              </a:tr>
+            </a:tbl>
+          </a:graphicData>
+        </a:graphic>
+      </p:graphicFrame>
+    </p:spTree>
+  </p:cSld>
+  <p:timing>
+    <p:tnLst>
+      <p:par>
+        <p:cTn id="21" dur="indefinite" restart="never" nodeType="tmRoot">
+          <p:childTnLst>
+            <p:seq>
+              <p:cTn id="22" nodeType="mainSeq"/>
+              <p:prevCondLst>
+                <p:cond delay="0" evt="onPrev">
+                  <p:tgtEl>
+                    <p:sldTgt/>
+                  </p:tgtEl>
+                </p:cond>
+              </p:prevCondLst>
+              <p:nextCondLst>
+                <p:cond delay="0" evt="onNext">
+                  <p:tgtEl>
+                    <p:sldTgt/>
+                  </p:tgtEl>
+                </p:cond>
+              </p:nextCondLst>
+            </p:seq>
+          </p:childTnLst>
+        </p:cTn>
+      </p:par>
+    </p:tnLst>
+  </p:timing>
+</p:sld>
+</file>
+
+<file path=ppt/slides/slide12.xml><?xml version="1.0" encoding="utf-8"?>
+<p:sld xmlns:a="http://schemas.openxmlformats.org/drawingml/2006/main" xmlns:p="http://schemas.openxmlformats.org/presentationml/2006/main" xmlns:r="http://schemas.openxmlformats.org/officeDocument/2006/relationships" xmlns:p14="http://schemas.microsoft.com/office/powerpoint/2010/main" xmlns:p15="http://schemas.microsoft.com/office/powerpoint/2012/main" xmlns:mc="http://schemas.openxmlformats.org/markup-compatibility/2006">
+  <p:cSld>
+    <p:spTree>
+      <p:nvGrpSpPr>
+        <p:cNvPr id="1" name=""/>
+        <p:cNvGrpSpPr/>
+        <p:nvPr/>
+      </p:nvGrpSpPr>
+      <p:grpSpPr>
+        <a:xfrm>
+          <a:off x="0" y="0"/>
+          <a:ext cx="0" cy="0"/>
+          <a:chOff x="0" y="0"/>
+          <a:chExt cx="0" cy="0"/>
+        </a:xfrm>
+      </p:grpSpPr>
+      <p:sp>
+        <p:nvSpPr>
+          <p:cNvPr id="243" name="CustomShape 1"/>
           <p:cNvSpPr/>
           <p:nvPr/>
         </p:nvSpPr>
         <p:spPr>
           <a:xfrm>
-            <a:off x="1527840" y="1794960"/>
-            <a:ext cx="3758760" cy="863640"/>
+            <a:off x="0" y="205200"/>
+            <a:ext cx="12185280" cy="594000"/>
+          </a:xfrm>
+          <a:prstGeom prst="rect">
+            <a:avLst/>
+          </a:prstGeom>
+          <a:solidFill>
+            <a:srgbClr val="136083"/>
+          </a:solidFill>
+          <a:ln>
+            <a:noFill/>
+          </a:ln>
+        </p:spPr>
+        <p:style>
+          <a:lnRef idx="2">
+            <a:schemeClr val="accent1">
+              <a:shade val="50000"/>
+            </a:schemeClr>
+          </a:lnRef>
+          <a:fillRef idx="1">
+            <a:schemeClr val="accent1"/>
+          </a:fillRef>
+          <a:effectRef idx="0">
+            <a:schemeClr val="accent1"/>
+          </a:effectRef>
+          <a:fontRef idx="minor"/>
+        </p:style>
+      </p:sp>
+      <p:sp>
+        <p:nvSpPr>
+          <p:cNvPr id="244" name="CustomShape 2"/>
+          <p:cNvSpPr/>
+          <p:nvPr/>
+        </p:nvSpPr>
+        <p:spPr>
+          <a:xfrm flipH="1">
+            <a:off x="259920" y="806040"/>
+            <a:ext cx="305280" cy="82440"/>
+          </a:xfrm>
+          <a:custGeom>
+            <a:avLst/>
+            <a:gdLst/>
+            <a:ahLst/>
+            <a:rect l="l" t="t" r="r" b="b"/>
+            <a:pathLst>
+              <a:path w="1297939" h="333828">
+                <a:moveTo>
+                  <a:pt x="1297939" y="0"/>
+                </a:moveTo>
+                <a:lnTo>
+                  <a:pt x="0" y="0"/>
+                </a:lnTo>
+                <a:lnTo>
+                  <a:pt x="200297" y="333828"/>
+                </a:lnTo>
+                <a:lnTo>
+                  <a:pt x="1297939" y="333828"/>
+                </a:lnTo>
+                <a:close/>
+              </a:path>
+            </a:pathLst>
+          </a:custGeom>
+          <a:solidFill>
+            <a:schemeClr val="tx1">
+              <a:lumMod val="65000"/>
+              <a:lumOff val="35000"/>
+            </a:schemeClr>
+          </a:solidFill>
+          <a:ln>
+            <a:noFill/>
+          </a:ln>
+        </p:spPr>
+        <p:style>
+          <a:lnRef idx="2">
+            <a:schemeClr val="accent1">
+              <a:shade val="50000"/>
+            </a:schemeClr>
+          </a:lnRef>
+          <a:fillRef idx="1">
+            <a:schemeClr val="accent1"/>
+          </a:fillRef>
+          <a:effectRef idx="0">
+            <a:schemeClr val="accent1"/>
+          </a:effectRef>
+          <a:fontRef idx="minor"/>
+        </p:style>
+      </p:sp>
+      <p:sp>
+        <p:nvSpPr>
+          <p:cNvPr id="245" name="CustomShape 3"/>
+          <p:cNvSpPr/>
+          <p:nvPr/>
+        </p:nvSpPr>
+        <p:spPr>
+          <a:xfrm flipV="1">
+            <a:off x="1457280" y="109080"/>
+            <a:ext cx="305280" cy="82440"/>
+          </a:xfrm>
+          <a:custGeom>
+            <a:avLst/>
+            <a:gdLst/>
+            <a:ahLst/>
+            <a:rect l="l" t="t" r="r" b="b"/>
+            <a:pathLst>
+              <a:path w="1297939" h="333828">
+                <a:moveTo>
+                  <a:pt x="1297939" y="0"/>
+                </a:moveTo>
+                <a:lnTo>
+                  <a:pt x="0" y="0"/>
+                </a:lnTo>
+                <a:lnTo>
+                  <a:pt x="200297" y="333828"/>
+                </a:lnTo>
+                <a:lnTo>
+                  <a:pt x="1297939" y="333828"/>
+                </a:lnTo>
+                <a:close/>
+              </a:path>
+            </a:pathLst>
+          </a:custGeom>
+          <a:solidFill>
+            <a:schemeClr val="tx1">
+              <a:lumMod val="65000"/>
+              <a:lumOff val="35000"/>
+            </a:schemeClr>
+          </a:solidFill>
+          <a:ln>
+            <a:noFill/>
+          </a:ln>
+        </p:spPr>
+        <p:style>
+          <a:lnRef idx="2">
+            <a:schemeClr val="accent1">
+              <a:shade val="50000"/>
+            </a:schemeClr>
+          </a:lnRef>
+          <a:fillRef idx="1">
+            <a:schemeClr val="accent1"/>
+          </a:fillRef>
+          <a:effectRef idx="0">
+            <a:schemeClr val="accent1"/>
+          </a:effectRef>
+          <a:fontRef idx="minor"/>
+        </p:style>
+      </p:sp>
+      <p:sp>
+        <p:nvSpPr>
+          <p:cNvPr id="246" name="CustomShape 4"/>
+          <p:cNvSpPr/>
+          <p:nvPr/>
+        </p:nvSpPr>
+        <p:spPr>
+          <a:xfrm flipH="1">
+            <a:off x="306000" y="116280"/>
+            <a:ext cx="1396080" cy="772560"/>
+          </a:xfrm>
+          <a:prstGeom prst="parallelogram">
+            <a:avLst>
+              <a:gd name="adj" fmla="val 57338"/>
+            </a:avLst>
+          </a:prstGeom>
+          <a:solidFill>
+            <a:srgbClr val="00b0f0"/>
+          </a:solidFill>
+          <a:ln>
+            <a:noFill/>
+          </a:ln>
+        </p:spPr>
+        <p:style>
+          <a:lnRef idx="2">
+            <a:schemeClr val="accent1">
+              <a:shade val="50000"/>
+            </a:schemeClr>
+          </a:lnRef>
+          <a:fillRef idx="1">
+            <a:schemeClr val="accent1"/>
+          </a:fillRef>
+          <a:effectRef idx="0">
+            <a:schemeClr val="accent1"/>
+          </a:effectRef>
+          <a:fontRef idx="minor"/>
+        </p:style>
+      </p:sp>
+      <p:sp>
+        <p:nvSpPr>
+          <p:cNvPr id="247" name="CustomShape 5"/>
+          <p:cNvSpPr/>
+          <p:nvPr/>
+        </p:nvSpPr>
+        <p:spPr>
+          <a:xfrm>
+            <a:off x="302040" y="244080"/>
+            <a:ext cx="1317240" cy="510480"/>
+          </a:xfrm>
+          <a:prstGeom prst="rect">
+            <a:avLst/>
+          </a:prstGeom>
+          <a:noFill/>
+          <a:ln>
+            <a:noFill/>
+          </a:ln>
+        </p:spPr>
+        <p:style>
+          <a:lnRef idx="0"/>
+          <a:fillRef idx="0"/>
+          <a:effectRef idx="0"/>
+          <a:fontRef idx="minor"/>
+        </p:style>
+        <p:txBody>
+          <a:bodyPr lIns="90000" rIns="90000" tIns="45000" bIns="45000"/>
+          <a:p>
+            <a:pPr algn="ctr">
+              <a:lnSpc>
+                <a:spcPct val="100000"/>
+              </a:lnSpc>
+            </a:pPr>
+            <a:r>
+              <a:rPr b="1" lang="en-US" sz="2800" spc="-1" strike="noStrike">
+                <a:solidFill>
+                  <a:srgbClr val="ffffff"/>
+                </a:solidFill>
+                <a:uFill>
+                  <a:solidFill>
+                    <a:srgbClr val="ffffff"/>
+                  </a:solidFill>
+                </a:uFill>
+                <a:latin typeface="微软雅黑"/>
+                <a:ea typeface="微软雅黑"/>
+              </a:rPr>
+              <a:t>2.3</a:t>
+            </a:r>
+            <a:endParaRPr b="0" lang="en-US" sz="1800" spc="-1" strike="noStrike">
+              <a:solidFill>
+                <a:srgbClr val="000000"/>
+              </a:solidFill>
+              <a:uFill>
+                <a:solidFill>
+                  <a:srgbClr val="ffffff"/>
+                </a:solidFill>
+              </a:uFill>
+              <a:latin typeface="Arial"/>
+            </a:endParaRPr>
+          </a:p>
+        </p:txBody>
+      </p:sp>
+      <p:sp>
+        <p:nvSpPr>
+          <p:cNvPr id="248" name="CustomShape 6"/>
+          <p:cNvSpPr/>
+          <p:nvPr/>
+        </p:nvSpPr>
+        <p:spPr>
+          <a:xfrm>
+            <a:off x="2021400" y="244080"/>
+            <a:ext cx="2494440" cy="509760"/>
+          </a:xfrm>
+          <a:prstGeom prst="rect">
+            <a:avLst/>
+          </a:prstGeom>
+          <a:noFill/>
+          <a:ln>
+            <a:noFill/>
+          </a:ln>
+        </p:spPr>
+        <p:style>
+          <a:lnRef idx="0"/>
+          <a:fillRef idx="0"/>
+          <a:effectRef idx="0"/>
+          <a:fontRef idx="minor"/>
+        </p:style>
+        <p:txBody>
+          <a:bodyPr wrap="none" lIns="90000" rIns="90000" tIns="45000" bIns="45000"/>
+          <a:p>
+            <a:pPr>
+              <a:lnSpc>
+                <a:spcPct val="100000"/>
+              </a:lnSpc>
+            </a:pPr>
+            <a:r>
+              <a:rPr b="0" lang="en-US" sz="2800" spc="248" strike="noStrike">
+                <a:solidFill>
+                  <a:srgbClr val="ffffff"/>
+                </a:solidFill>
+                <a:uFill>
+                  <a:solidFill>
+                    <a:srgbClr val="ffffff"/>
+                  </a:solidFill>
+                </a:uFill>
+                <a:latin typeface="微软雅黑"/>
+                <a:ea typeface="微软雅黑"/>
+              </a:rPr>
+              <a:t>对部门的建议</a:t>
+            </a:r>
+            <a:endParaRPr b="0" lang="en-US" sz="1800" spc="-1" strike="noStrike">
+              <a:solidFill>
+                <a:srgbClr val="000000"/>
+              </a:solidFill>
+              <a:uFill>
+                <a:solidFill>
+                  <a:srgbClr val="ffffff"/>
+                </a:solidFill>
+              </a:uFill>
+              <a:latin typeface="Arial"/>
+            </a:endParaRPr>
+          </a:p>
+        </p:txBody>
+      </p:sp>
+      <p:sp>
+        <p:nvSpPr>
+          <p:cNvPr id="249" name="CustomShape 7"/>
+          <p:cNvSpPr/>
+          <p:nvPr/>
+        </p:nvSpPr>
+        <p:spPr>
+          <a:xfrm>
+            <a:off x="3240000" y="2088000"/>
+            <a:ext cx="4206600" cy="862920"/>
           </a:xfrm>
           <a:custGeom>
             <a:avLst/>
@@ -8483,7 +9341,7 @@
                 <a:latin typeface="Calibri"/>
                 <a:ea typeface="DejaVu Sans"/>
               </a:rPr>
-              <a:t>开发流程不够规范</a:t>
+              <a:t>新人培养</a:t>
             </a:r>
             <a:endParaRPr b="0" lang="en-US" sz="1800" spc="-1" strike="noStrike">
               <a:solidFill>
@@ -8501,723 +9359,24 @@
       </p:sp>
       <p:sp>
         <p:nvSpPr>
-          <p:cNvPr id="243" name="CustomShape 8"/>
+          <p:cNvPr id="250" name="CustomShape 8"/>
           <p:cNvSpPr/>
           <p:nvPr/>
         </p:nvSpPr>
         <p:spPr>
           <a:xfrm>
-            <a:off x="1546560" y="3312000"/>
-            <a:ext cx="3812040" cy="863640"/>
-          </a:xfrm>
-          <a:custGeom>
-            <a:avLst/>
-            <a:gdLst/>
-            <a:ahLst/>
-            <a:rect l="l" t="t" r="r" b="b"/>
-            <a:pathLst>
-              <a:path w="5192450" h="1305562">
-                <a:moveTo>
-                  <a:pt x="648072" y="0"/>
-                </a:moveTo>
-                <a:lnTo>
-                  <a:pt x="4680520" y="0"/>
-                </a:lnTo>
-                <a:lnTo>
-                  <a:pt x="4680520" y="534"/>
-                </a:lnTo>
-                <a:lnTo>
-                  <a:pt x="4756983" y="534"/>
-                </a:lnTo>
-                <a:cubicBezTo>
-                  <a:pt x="4781822" y="0"/>
-                  <a:pt x="4807189" y="5871"/>
-                  <a:pt x="4830442" y="19749"/>
-                </a:cubicBezTo>
-                <a:cubicBezTo>
-                  <a:pt x="4852109" y="32025"/>
-                  <a:pt x="4869549" y="49639"/>
-                  <a:pt x="4881176" y="70456"/>
-                </a:cubicBezTo>
-                <a:lnTo>
-                  <a:pt x="5172368" y="579657"/>
-                </a:lnTo>
-                <a:cubicBezTo>
-                  <a:pt x="5185051" y="601007"/>
-                  <a:pt x="5192450" y="626093"/>
-                  <a:pt x="5192450" y="652781"/>
-                </a:cubicBezTo>
-                <a:cubicBezTo>
-                  <a:pt x="5192450" y="680003"/>
-                  <a:pt x="5185051" y="705089"/>
-                  <a:pt x="5171839" y="726439"/>
-                </a:cubicBezTo>
-                <a:lnTo>
-                  <a:pt x="4881176" y="1235640"/>
-                </a:lnTo>
-                <a:cubicBezTo>
-                  <a:pt x="4869021" y="1255923"/>
-                  <a:pt x="4852109" y="1273537"/>
-                  <a:pt x="4830442" y="1286347"/>
-                </a:cubicBezTo>
-                <a:cubicBezTo>
-                  <a:pt x="4807717" y="1299691"/>
-                  <a:pt x="4782879" y="1305562"/>
-                  <a:pt x="4758040" y="1305028"/>
-                </a:cubicBezTo>
-                <a:lnTo>
-                  <a:pt x="4680520" y="1305028"/>
-                </a:lnTo>
-                <a:lnTo>
-                  <a:pt x="4680520" y="1305562"/>
-                </a:lnTo>
-                <a:lnTo>
-                  <a:pt x="648072" y="1305562"/>
-                </a:lnTo>
-                <a:lnTo>
-                  <a:pt x="648072" y="1305028"/>
-                </a:lnTo>
-                <a:lnTo>
-                  <a:pt x="431239" y="1305028"/>
-                </a:lnTo>
-                <a:cubicBezTo>
-                  <a:pt x="407986" y="1305028"/>
-                  <a:pt x="383676" y="1299157"/>
-                  <a:pt x="362008" y="1286347"/>
-                </a:cubicBezTo>
-                <a:cubicBezTo>
-                  <a:pt x="340341" y="1273537"/>
-                  <a:pt x="322901" y="1255923"/>
-                  <a:pt x="311274" y="1235107"/>
-                </a:cubicBezTo>
-                <a:lnTo>
-                  <a:pt x="19025" y="723770"/>
-                </a:lnTo>
-                <a:cubicBezTo>
-                  <a:pt x="6870" y="702954"/>
-                  <a:pt x="0" y="678935"/>
-                  <a:pt x="0" y="652781"/>
-                </a:cubicBezTo>
-                <a:cubicBezTo>
-                  <a:pt x="0" y="626627"/>
-                  <a:pt x="6870" y="602608"/>
-                  <a:pt x="19025" y="581258"/>
-                </a:cubicBezTo>
-                <a:lnTo>
-                  <a:pt x="310217" y="72057"/>
-                </a:lnTo>
-                <a:cubicBezTo>
-                  <a:pt x="322372" y="51240"/>
-                  <a:pt x="339812" y="32559"/>
-                  <a:pt x="362008" y="19749"/>
-                </a:cubicBezTo>
-                <a:cubicBezTo>
-                  <a:pt x="382619" y="7473"/>
-                  <a:pt x="405344" y="1068"/>
-                  <a:pt x="428068" y="534"/>
-                </a:cubicBezTo>
-                <a:lnTo>
-                  <a:pt x="648072" y="534"/>
-                </a:lnTo>
-                <a:close/>
-              </a:path>
-            </a:pathLst>
-          </a:custGeom>
-          <a:solidFill>
-            <a:srgbClr val="136083"/>
-          </a:solidFill>
-          <a:ln w="9360">
-            <a:noFill/>
-          </a:ln>
-        </p:spPr>
-        <p:style>
-          <a:lnRef idx="0"/>
-          <a:fillRef idx="0"/>
-          <a:effectRef idx="0"/>
-          <a:fontRef idx="minor"/>
-        </p:style>
-        <p:txBody>
-          <a:bodyPr lIns="90000" rIns="90000" tIns="45000" bIns="45000" anchor="ctr"/>
-          <a:p>
-            <a:pPr algn="ctr">
-              <a:lnSpc>
-                <a:spcPct val="100000"/>
-              </a:lnSpc>
-            </a:pPr>
-            <a:r>
-              <a:rPr b="0" lang="en-US" sz="3200" spc="-1" strike="noStrike">
-                <a:solidFill>
-                  <a:srgbClr val="ffffff"/>
-                </a:solidFill>
-                <a:uFill>
-                  <a:solidFill>
-                    <a:srgbClr val="ffffff"/>
-                  </a:solidFill>
-                </a:uFill>
-                <a:latin typeface="Calibri"/>
-                <a:ea typeface="等线"/>
-              </a:rPr>
-              <a:t>文档不够详细完善</a:t>
-            </a:r>
-            <a:endParaRPr b="0" lang="en-US" sz="1800" spc="-1" strike="noStrike">
-              <a:solidFill>
-                <a:srgbClr val="000000"/>
-              </a:solidFill>
-              <a:uFill>
-                <a:solidFill>
-                  <a:srgbClr val="ffffff"/>
-                </a:solidFill>
-              </a:uFill>
-              <a:latin typeface="Arial"/>
-            </a:endParaRPr>
-          </a:p>
-        </p:txBody>
-      </p:sp>
-      <p:sp>
-        <p:nvSpPr>
-          <p:cNvPr id="244" name="CustomShape 9"/>
-          <p:cNvSpPr/>
-          <p:nvPr/>
-        </p:nvSpPr>
-        <p:spPr>
-          <a:xfrm>
-            <a:off x="1131840" y="1844280"/>
-            <a:ext cx="721800" cy="721800"/>
-          </a:xfrm>
-          <a:prstGeom prst="ellipse">
-            <a:avLst/>
-          </a:prstGeom>
-          <a:solidFill>
-            <a:srgbClr val="9999ff"/>
-          </a:solidFill>
-          <a:ln w="9360">
-            <a:noFill/>
-          </a:ln>
-        </p:spPr>
-        <p:style>
-          <a:lnRef idx="0"/>
-          <a:fillRef idx="0"/>
-          <a:effectRef idx="0"/>
-          <a:fontRef idx="minor"/>
-        </p:style>
-        <p:txBody>
-          <a:bodyPr lIns="90000" rIns="90000" tIns="45000" bIns="45000"/>
-          <a:p>
-            <a:pPr algn="ctr">
-              <a:lnSpc>
-                <a:spcPct val="100000"/>
-              </a:lnSpc>
-            </a:pPr>
-            <a:r>
-              <a:rPr b="0" lang="en-US" sz="3200" spc="-1" strike="noStrike">
-                <a:solidFill>
-                  <a:srgbClr val="ffffff"/>
-                </a:solidFill>
-                <a:uFill>
-                  <a:solidFill>
-                    <a:srgbClr val="ffffff"/>
-                  </a:solidFill>
-                </a:uFill>
-                <a:latin typeface="Calibri"/>
-                <a:ea typeface="DejaVu Sans"/>
-              </a:rPr>
-              <a:t>1</a:t>
-            </a:r>
-            <a:endParaRPr b="0" lang="en-US" sz="1800" spc="-1" strike="noStrike">
-              <a:solidFill>
-                <a:srgbClr val="000000"/>
-              </a:solidFill>
-              <a:uFill>
-                <a:solidFill>
-                  <a:srgbClr val="ffffff"/>
-                </a:solidFill>
-              </a:uFill>
-              <a:latin typeface="Arial"/>
-            </a:endParaRPr>
-          </a:p>
-        </p:txBody>
-      </p:sp>
-      <p:sp>
-        <p:nvSpPr>
-          <p:cNvPr id="245" name="CustomShape 10"/>
-          <p:cNvSpPr/>
-          <p:nvPr/>
-        </p:nvSpPr>
-        <p:spPr>
-          <a:xfrm>
-            <a:off x="1150560" y="3403080"/>
-            <a:ext cx="721800" cy="721800"/>
-          </a:xfrm>
-          <a:prstGeom prst="ellipse">
-            <a:avLst/>
-          </a:prstGeom>
-          <a:solidFill>
-            <a:srgbClr val="9999ff"/>
-          </a:solidFill>
-          <a:ln w="9360">
-            <a:noFill/>
-          </a:ln>
-        </p:spPr>
-        <p:style>
-          <a:lnRef idx="0"/>
-          <a:fillRef idx="0"/>
-          <a:effectRef idx="0"/>
-          <a:fontRef idx="minor"/>
-        </p:style>
-        <p:txBody>
-          <a:bodyPr lIns="90000" rIns="90000" tIns="45000" bIns="45000"/>
-          <a:p>
-            <a:pPr algn="ctr">
-              <a:lnSpc>
-                <a:spcPct val="100000"/>
-              </a:lnSpc>
-            </a:pPr>
-            <a:r>
-              <a:rPr b="0" lang="en-US" sz="3200" spc="-1" strike="noStrike">
-                <a:solidFill>
-                  <a:srgbClr val="ffffff"/>
-                </a:solidFill>
-                <a:uFill>
-                  <a:solidFill>
-                    <a:srgbClr val="ffffff"/>
-                  </a:solidFill>
-                </a:uFill>
-                <a:latin typeface="Calibri"/>
-                <a:ea typeface="DejaVu Sans"/>
-              </a:rPr>
-              <a:t>2</a:t>
-            </a:r>
-            <a:endParaRPr b="0" lang="en-US" sz="1800" spc="-1" strike="noStrike">
-              <a:solidFill>
-                <a:srgbClr val="000000"/>
-              </a:solidFill>
-              <a:uFill>
-                <a:solidFill>
-                  <a:srgbClr val="ffffff"/>
-                </a:solidFill>
-              </a:uFill>
-              <a:latin typeface="Arial"/>
-            </a:endParaRPr>
-          </a:p>
-        </p:txBody>
-      </p:sp>
-      <p:sp>
-        <p:nvSpPr>
-          <p:cNvPr id="246" name="CustomShape 11"/>
-          <p:cNvSpPr/>
-          <p:nvPr/>
-        </p:nvSpPr>
-        <p:spPr>
-          <a:xfrm>
-            <a:off x="1618560" y="4824000"/>
-            <a:ext cx="3812040" cy="863640"/>
-          </a:xfrm>
-          <a:custGeom>
-            <a:avLst/>
-            <a:gdLst/>
-            <a:ahLst/>
-            <a:rect l="l" t="t" r="r" b="b"/>
-            <a:pathLst>
-              <a:path w="5192450" h="1305562">
-                <a:moveTo>
-                  <a:pt x="648072" y="0"/>
-                </a:moveTo>
-                <a:lnTo>
-                  <a:pt x="4680520" y="0"/>
-                </a:lnTo>
-                <a:lnTo>
-                  <a:pt x="4680520" y="534"/>
-                </a:lnTo>
-                <a:lnTo>
-                  <a:pt x="4756983" y="534"/>
-                </a:lnTo>
-                <a:cubicBezTo>
-                  <a:pt x="4781822" y="0"/>
-                  <a:pt x="4807189" y="5871"/>
-                  <a:pt x="4830442" y="19749"/>
-                </a:cubicBezTo>
-                <a:cubicBezTo>
-                  <a:pt x="4852109" y="32025"/>
-                  <a:pt x="4869549" y="49639"/>
-                  <a:pt x="4881176" y="70456"/>
-                </a:cubicBezTo>
-                <a:lnTo>
-                  <a:pt x="5172368" y="579657"/>
-                </a:lnTo>
-                <a:cubicBezTo>
-                  <a:pt x="5185051" y="601007"/>
-                  <a:pt x="5192450" y="626093"/>
-                  <a:pt x="5192450" y="652781"/>
-                </a:cubicBezTo>
-                <a:cubicBezTo>
-                  <a:pt x="5192450" y="680003"/>
-                  <a:pt x="5185051" y="705089"/>
-                  <a:pt x="5171839" y="726439"/>
-                </a:cubicBezTo>
-                <a:lnTo>
-                  <a:pt x="4881176" y="1235640"/>
-                </a:lnTo>
-                <a:cubicBezTo>
-                  <a:pt x="4869021" y="1255923"/>
-                  <a:pt x="4852109" y="1273537"/>
-                  <a:pt x="4830442" y="1286347"/>
-                </a:cubicBezTo>
-                <a:cubicBezTo>
-                  <a:pt x="4807717" y="1299691"/>
-                  <a:pt x="4782879" y="1305562"/>
-                  <a:pt x="4758040" y="1305028"/>
-                </a:cubicBezTo>
-                <a:lnTo>
-                  <a:pt x="4680520" y="1305028"/>
-                </a:lnTo>
-                <a:lnTo>
-                  <a:pt x="4680520" y="1305562"/>
-                </a:lnTo>
-                <a:lnTo>
-                  <a:pt x="648072" y="1305562"/>
-                </a:lnTo>
-                <a:lnTo>
-                  <a:pt x="648072" y="1305028"/>
-                </a:lnTo>
-                <a:lnTo>
-                  <a:pt x="431239" y="1305028"/>
-                </a:lnTo>
-                <a:cubicBezTo>
-                  <a:pt x="407986" y="1305028"/>
-                  <a:pt x="383676" y="1299157"/>
-                  <a:pt x="362008" y="1286347"/>
-                </a:cubicBezTo>
-                <a:cubicBezTo>
-                  <a:pt x="340341" y="1273537"/>
-                  <a:pt x="322901" y="1255923"/>
-                  <a:pt x="311274" y="1235107"/>
-                </a:cubicBezTo>
-                <a:lnTo>
-                  <a:pt x="19025" y="723770"/>
-                </a:lnTo>
-                <a:cubicBezTo>
-                  <a:pt x="6870" y="702954"/>
-                  <a:pt x="0" y="678935"/>
-                  <a:pt x="0" y="652781"/>
-                </a:cubicBezTo>
-                <a:cubicBezTo>
-                  <a:pt x="0" y="626627"/>
-                  <a:pt x="6870" y="602608"/>
-                  <a:pt x="19025" y="581258"/>
-                </a:cubicBezTo>
-                <a:lnTo>
-                  <a:pt x="310217" y="72057"/>
-                </a:lnTo>
-                <a:cubicBezTo>
-                  <a:pt x="322372" y="51240"/>
-                  <a:pt x="339812" y="32559"/>
-                  <a:pt x="362008" y="19749"/>
-                </a:cubicBezTo>
-                <a:cubicBezTo>
-                  <a:pt x="382619" y="7473"/>
-                  <a:pt x="405344" y="1068"/>
-                  <a:pt x="428068" y="534"/>
-                </a:cubicBezTo>
-                <a:lnTo>
-                  <a:pt x="648072" y="534"/>
-                </a:lnTo>
-                <a:close/>
-              </a:path>
-            </a:pathLst>
-          </a:custGeom>
-          <a:solidFill>
-            <a:srgbClr val="136083"/>
-          </a:solidFill>
-          <a:ln w="9360">
-            <a:noFill/>
-          </a:ln>
-        </p:spPr>
-        <p:style>
-          <a:lnRef idx="0"/>
-          <a:fillRef idx="0"/>
-          <a:effectRef idx="0"/>
-          <a:fontRef idx="minor"/>
-        </p:style>
-        <p:txBody>
-          <a:bodyPr lIns="90000" rIns="90000" tIns="45000" bIns="45000" anchor="ctr"/>
-          <a:p>
-            <a:pPr algn="ctr">
-              <a:lnSpc>
-                <a:spcPct val="100000"/>
-              </a:lnSpc>
-            </a:pPr>
-            <a:r>
-              <a:rPr b="0" lang="en-US" sz="3200" spc="-1" strike="noStrike">
-                <a:solidFill>
-                  <a:srgbClr val="ffffff"/>
-                </a:solidFill>
-                <a:uFill>
-                  <a:solidFill>
-                    <a:srgbClr val="ffffff"/>
-                  </a:solidFill>
-                </a:uFill>
-                <a:latin typeface="Calibri"/>
-                <a:ea typeface="等线"/>
-              </a:rPr>
-              <a:t>业务思考不够深入</a:t>
-            </a:r>
-            <a:endParaRPr b="0" lang="en-US" sz="1800" spc="-1" strike="noStrike">
-              <a:solidFill>
-                <a:srgbClr val="000000"/>
-              </a:solidFill>
-              <a:uFill>
-                <a:solidFill>
-                  <a:srgbClr val="ffffff"/>
-                </a:solidFill>
-              </a:uFill>
-              <a:latin typeface="Arial"/>
-            </a:endParaRPr>
-          </a:p>
-        </p:txBody>
-      </p:sp>
-      <p:sp>
-        <p:nvSpPr>
-          <p:cNvPr id="247" name="CustomShape 12"/>
-          <p:cNvSpPr/>
-          <p:nvPr/>
-        </p:nvSpPr>
-        <p:spPr>
-          <a:xfrm>
-            <a:off x="1150920" y="3403440"/>
-            <a:ext cx="721800" cy="721800"/>
-          </a:xfrm>
-          <a:prstGeom prst="ellipse">
-            <a:avLst/>
-          </a:prstGeom>
-          <a:solidFill>
-            <a:srgbClr val="9999ff"/>
-          </a:solidFill>
-          <a:ln w="9360">
-            <a:noFill/>
-          </a:ln>
-        </p:spPr>
-        <p:style>
-          <a:lnRef idx="0"/>
-          <a:fillRef idx="0"/>
-          <a:effectRef idx="0"/>
-          <a:fontRef idx="minor"/>
-        </p:style>
-        <p:txBody>
-          <a:bodyPr lIns="90000" rIns="90000" tIns="45000" bIns="45000"/>
-          <a:p>
-            <a:pPr algn="ctr">
-              <a:lnSpc>
-                <a:spcPct val="100000"/>
-              </a:lnSpc>
-            </a:pPr>
-            <a:r>
-              <a:rPr b="0" lang="en-US" sz="3200" spc="-1" strike="noStrike">
-                <a:solidFill>
-                  <a:srgbClr val="ffffff"/>
-                </a:solidFill>
-                <a:uFill>
-                  <a:solidFill>
-                    <a:srgbClr val="ffffff"/>
-                  </a:solidFill>
-                </a:uFill>
-                <a:latin typeface="Calibri"/>
-                <a:ea typeface="DejaVu Sans"/>
-              </a:rPr>
-              <a:t>2</a:t>
-            </a:r>
-            <a:endParaRPr b="0" lang="en-US" sz="1800" spc="-1" strike="noStrike">
-              <a:solidFill>
-                <a:srgbClr val="000000"/>
-              </a:solidFill>
-              <a:uFill>
-                <a:solidFill>
-                  <a:srgbClr val="ffffff"/>
-                </a:solidFill>
-              </a:uFill>
-              <a:latin typeface="Arial"/>
-            </a:endParaRPr>
-          </a:p>
-        </p:txBody>
-      </p:sp>
-      <p:sp>
-        <p:nvSpPr>
-          <p:cNvPr id="248" name="CustomShape 13"/>
-          <p:cNvSpPr/>
-          <p:nvPr/>
-        </p:nvSpPr>
-        <p:spPr>
-          <a:xfrm>
-            <a:off x="1150920" y="3403440"/>
-            <a:ext cx="721800" cy="721800"/>
-          </a:xfrm>
-          <a:prstGeom prst="ellipse">
-            <a:avLst/>
-          </a:prstGeom>
-          <a:solidFill>
-            <a:srgbClr val="9999ff"/>
-          </a:solidFill>
-          <a:ln w="9360">
-            <a:noFill/>
-          </a:ln>
-        </p:spPr>
-        <p:style>
-          <a:lnRef idx="0"/>
-          <a:fillRef idx="0"/>
-          <a:effectRef idx="0"/>
-          <a:fontRef idx="minor"/>
-        </p:style>
-        <p:txBody>
-          <a:bodyPr lIns="90000" rIns="90000" tIns="45000" bIns="45000"/>
-          <a:p>
-            <a:pPr algn="ctr">
-              <a:lnSpc>
-                <a:spcPct val="100000"/>
-              </a:lnSpc>
-            </a:pPr>
-            <a:r>
-              <a:rPr b="0" lang="en-US" sz="3200" spc="-1" strike="noStrike">
-                <a:solidFill>
-                  <a:srgbClr val="ffffff"/>
-                </a:solidFill>
-                <a:uFill>
-                  <a:solidFill>
-                    <a:srgbClr val="ffffff"/>
-                  </a:solidFill>
-                </a:uFill>
-                <a:latin typeface="Calibri"/>
-                <a:ea typeface="DejaVu Sans"/>
-              </a:rPr>
-              <a:t>2</a:t>
-            </a:r>
-            <a:endParaRPr b="0" lang="en-US" sz="1800" spc="-1" strike="noStrike">
-              <a:solidFill>
-                <a:srgbClr val="000000"/>
-              </a:solidFill>
-              <a:uFill>
-                <a:solidFill>
-                  <a:srgbClr val="ffffff"/>
-                </a:solidFill>
-              </a:uFill>
-              <a:latin typeface="Arial"/>
-            </a:endParaRPr>
-          </a:p>
-        </p:txBody>
-      </p:sp>
-      <p:sp>
-        <p:nvSpPr>
-          <p:cNvPr id="249" name="CustomShape 14"/>
-          <p:cNvSpPr/>
-          <p:nvPr/>
-        </p:nvSpPr>
-        <p:spPr>
-          <a:xfrm>
-            <a:off x="1188000" y="4888800"/>
-            <a:ext cx="721800" cy="721800"/>
-          </a:xfrm>
-          <a:prstGeom prst="ellipse">
-            <a:avLst/>
-          </a:prstGeom>
-          <a:solidFill>
-            <a:srgbClr val="9999ff"/>
-          </a:solidFill>
-          <a:ln w="9360">
-            <a:noFill/>
-          </a:ln>
-        </p:spPr>
-        <p:style>
-          <a:lnRef idx="0"/>
-          <a:fillRef idx="0"/>
-          <a:effectRef idx="0"/>
-          <a:fontRef idx="minor"/>
-        </p:style>
-        <p:txBody>
-          <a:bodyPr lIns="90000" rIns="90000" tIns="45000" bIns="45000"/>
-          <a:p>
-            <a:pPr algn="ctr">
-              <a:lnSpc>
-                <a:spcPct val="100000"/>
-              </a:lnSpc>
-            </a:pPr>
-            <a:r>
-              <a:rPr b="0" lang="en-US" sz="3200" spc="-1" strike="noStrike">
-                <a:solidFill>
-                  <a:srgbClr val="ffffff"/>
-                </a:solidFill>
-                <a:uFill>
-                  <a:solidFill>
-                    <a:srgbClr val="ffffff"/>
-                  </a:solidFill>
-                </a:uFill>
-                <a:latin typeface="Calibri"/>
-                <a:ea typeface="DejaVu Sans"/>
-              </a:rPr>
-              <a:t>3</a:t>
-            </a:r>
-            <a:endParaRPr b="0" lang="en-US" sz="1800" spc="-1" strike="noStrike">
-              <a:solidFill>
-                <a:srgbClr val="000000"/>
-              </a:solidFill>
-              <a:uFill>
-                <a:solidFill>
-                  <a:srgbClr val="ffffff"/>
-                </a:solidFill>
-              </a:uFill>
-              <a:latin typeface="Arial"/>
-            </a:endParaRPr>
-          </a:p>
-        </p:txBody>
-      </p:sp>
-      <p:sp>
-        <p:nvSpPr>
-          <p:cNvPr id="250" name="CustomShape 15"/>
-          <p:cNvSpPr/>
-          <p:nvPr/>
-        </p:nvSpPr>
-        <p:spPr>
-          <a:xfrm>
-            <a:off x="5652000" y="3456000"/>
-            <a:ext cx="1506600" cy="642600"/>
-          </a:xfrm>
-          <a:custGeom>
-            <a:avLst/>
-            <a:gdLst/>
-            <a:ahLst/>
-            <a:rect l="l" t="t" r="r" b="b"/>
-            <a:pathLst>
-              <a:path w="4202" h="1801">
-                <a:moveTo>
-                  <a:pt x="0" y="450"/>
-                </a:moveTo>
-                <a:lnTo>
-                  <a:pt x="3150" y="450"/>
-                </a:lnTo>
-                <a:lnTo>
-                  <a:pt x="3150" y="0"/>
-                </a:lnTo>
-                <a:lnTo>
-                  <a:pt x="4201" y="900"/>
-                </a:lnTo>
-                <a:lnTo>
-                  <a:pt x="3150" y="1800"/>
-                </a:lnTo>
-                <a:lnTo>
-                  <a:pt x="3150" y="1350"/>
-                </a:lnTo>
-                <a:lnTo>
-                  <a:pt x="0" y="1350"/>
-                </a:lnTo>
-                <a:lnTo>
-                  <a:pt x="0" y="450"/>
-                </a:lnTo>
-              </a:path>
-            </a:pathLst>
-          </a:custGeom>
+            <a:off x="3312000" y="3384000"/>
+            <a:ext cx="4247280" cy="1439280"/>
+          </a:xfrm>
+          <a:prstGeom prst="rect">
+            <a:avLst/>
+          </a:prstGeom>
           <a:solidFill>
             <a:srgbClr val="00ccff"/>
           </a:solidFill>
           <a:ln>
             <a:solidFill>
-              <a:srgbClr val="83caff"/>
+              <a:srgbClr val="3465a4"/>
             </a:solidFill>
           </a:ln>
         </p:spPr>
@@ -9230,1082 +9389,39 @@
         <p:txBody>
           <a:bodyPr wrap="none" lIns="90000" rIns="90000" tIns="45000" bIns="45000" anchor="ctr"/>
           <a:p>
+            <a:r>
+              <a:rPr b="0" lang="en-US" sz="1800" spc="-1" strike="noStrike">
+                <a:solidFill>
+                  <a:srgbClr val="000000"/>
+                </a:solidFill>
+                <a:uFill>
+                  <a:solidFill>
+                    <a:srgbClr val="ffffff"/>
+                  </a:solidFill>
+                </a:uFill>
+                <a:latin typeface="Arial"/>
+                <a:ea typeface="DejaVu Sans"/>
+              </a:rPr>
+              <a:t>给新人提供系统的培训介绍，包括部门的</a:t>
+            </a:r>
+            <a:endParaRPr b="0" lang="en-US" sz="1800" spc="-1" strike="noStrike">
+              <a:solidFill>
+                <a:srgbClr val="000000"/>
+              </a:solidFill>
+              <a:uFill>
+                <a:solidFill>
+                  <a:srgbClr val="ffffff"/>
+                </a:solidFill>
+              </a:uFill>
+              <a:latin typeface="Arial"/>
+            </a:endParaRPr>
+          </a:p>
+          <a:p>
             <a:pPr algn="ctr">
               <a:lnSpc>
                 <a:spcPct val="100000"/>
               </a:lnSpc>
             </a:pPr>
-            <a:r>
-              <a:rPr b="0" lang="en-US" sz="1800" spc="-1" strike="noStrike">
-                <a:solidFill>
-                  <a:srgbClr val="000000"/>
-                </a:solidFill>
-                <a:uFill>
-                  <a:solidFill>
-                    <a:srgbClr val="ffffff"/>
-                  </a:solidFill>
-                </a:uFill>
-                <a:latin typeface="Arial"/>
-                <a:ea typeface="DejaVu Sans"/>
-              </a:rPr>
-              <a:t>改进措施</a:t>
-            </a:r>
-            <a:endParaRPr b="0" lang="en-US" sz="1800" spc="-1" strike="noStrike">
-              <a:solidFill>
-                <a:srgbClr val="000000"/>
-              </a:solidFill>
-              <a:uFill>
-                <a:solidFill>
-                  <a:srgbClr val="ffffff"/>
-                </a:solidFill>
-              </a:uFill>
-              <a:latin typeface="Arial"/>
-            </a:endParaRPr>
-          </a:p>
-        </p:txBody>
-      </p:sp>
-      <p:sp>
-        <p:nvSpPr>
-          <p:cNvPr id="251" name="CustomShape 16"/>
-          <p:cNvSpPr/>
-          <p:nvPr/>
-        </p:nvSpPr>
-        <p:spPr>
-          <a:xfrm>
-            <a:off x="7560000" y="1872000"/>
-            <a:ext cx="570600" cy="570600"/>
-          </a:xfrm>
-          <a:prstGeom prst="rect">
-            <a:avLst/>
-          </a:prstGeom>
-          <a:solidFill>
-            <a:srgbClr val="00ccff"/>
-          </a:solidFill>
-          <a:ln>
-            <a:solidFill>
-              <a:srgbClr val="83caff"/>
-            </a:solidFill>
-          </a:ln>
-        </p:spPr>
-        <p:style>
-          <a:lnRef idx="0"/>
-          <a:fillRef idx="0"/>
-          <a:effectRef idx="0"/>
-          <a:fontRef idx="minor"/>
-        </p:style>
-        <p:txBody>
-          <a:bodyPr wrap="none" lIns="90000" rIns="90000" tIns="45000" bIns="45000" anchor="ctr"/>
-          <a:p>
-            <a:pPr algn="ctr">
-              <a:lnSpc>
-                <a:spcPct val="100000"/>
-              </a:lnSpc>
-            </a:pPr>
-            <a:r>
-              <a:rPr b="0" lang="en-US" sz="3200" spc="-1" strike="noStrike">
-                <a:solidFill>
-                  <a:srgbClr val="ffffff"/>
-                </a:solidFill>
-                <a:uFill>
-                  <a:solidFill>
-                    <a:srgbClr val="ffffff"/>
-                  </a:solidFill>
-                </a:uFill>
-                <a:latin typeface="Calibri"/>
-                <a:ea typeface="DejaVu Sans"/>
-              </a:rPr>
-              <a:t>1</a:t>
-            </a:r>
-            <a:endParaRPr b="0" lang="en-US" sz="1800" spc="-1" strike="noStrike">
-              <a:solidFill>
-                <a:srgbClr val="000000"/>
-              </a:solidFill>
-              <a:uFill>
-                <a:solidFill>
-                  <a:srgbClr val="ffffff"/>
-                </a:solidFill>
-              </a:uFill>
-              <a:latin typeface="Arial"/>
-            </a:endParaRPr>
-          </a:p>
-        </p:txBody>
-      </p:sp>
-      <p:sp>
-        <p:nvSpPr>
-          <p:cNvPr id="252" name="CustomShape 17"/>
-          <p:cNvSpPr/>
-          <p:nvPr/>
-        </p:nvSpPr>
-        <p:spPr>
-          <a:xfrm>
-            <a:off x="8129880" y="1836000"/>
-            <a:ext cx="2882520" cy="676080"/>
-          </a:xfrm>
-          <a:prstGeom prst="rect">
-            <a:avLst/>
-          </a:prstGeom>
-          <a:noFill/>
-          <a:ln>
-            <a:noFill/>
-          </a:ln>
-        </p:spPr>
-        <p:style>
-          <a:lnRef idx="0"/>
-          <a:fillRef idx="0"/>
-          <a:effectRef idx="0"/>
-          <a:fontRef idx="minor"/>
-        </p:style>
-        <p:txBody>
-          <a:bodyPr lIns="90000" rIns="90000" tIns="45000" bIns="45000"/>
-          <a:p>
-            <a:pPr>
-              <a:lnSpc>
-                <a:spcPct val="100000"/>
-              </a:lnSpc>
-            </a:pPr>
-            <a:r>
-              <a:rPr b="0" lang="en-US" sz="1800" spc="-1" strike="noStrike">
-                <a:solidFill>
-                  <a:srgbClr val="000000"/>
-                </a:solidFill>
-                <a:uFill>
-                  <a:solidFill>
-                    <a:srgbClr val="ffffff"/>
-                  </a:solidFill>
-                </a:uFill>
-                <a:latin typeface="Arial"/>
-                <a:ea typeface="DejaVu Sans"/>
-              </a:rPr>
-              <a:t>及时更新流程状态，</a:t>
-            </a:r>
-            <a:endParaRPr b="0" lang="en-US" sz="1800" spc="-1" strike="noStrike">
-              <a:solidFill>
-                <a:srgbClr val="000000"/>
-              </a:solidFill>
-              <a:uFill>
-                <a:solidFill>
-                  <a:srgbClr val="ffffff"/>
-                </a:solidFill>
-              </a:uFill>
-              <a:latin typeface="Arial"/>
-            </a:endParaRPr>
-          </a:p>
-          <a:p>
-            <a:pPr>
-              <a:lnSpc>
-                <a:spcPct val="100000"/>
-              </a:lnSpc>
-            </a:pPr>
-            <a:r>
-              <a:rPr b="0" lang="en-US" sz="1800" spc="-1" strike="noStrike">
-                <a:solidFill>
-                  <a:srgbClr val="000000"/>
-                </a:solidFill>
-                <a:uFill>
-                  <a:solidFill>
-                    <a:srgbClr val="ffffff"/>
-                  </a:solidFill>
-                </a:uFill>
-                <a:latin typeface="Arial"/>
-                <a:ea typeface="DejaVu Sans"/>
-              </a:rPr>
-              <a:t>快速和各方同步。</a:t>
-            </a:r>
-            <a:endParaRPr b="0" lang="en-US" sz="1800" spc="-1" strike="noStrike">
-              <a:solidFill>
-                <a:srgbClr val="000000"/>
-              </a:solidFill>
-              <a:uFill>
-                <a:solidFill>
-                  <a:srgbClr val="ffffff"/>
-                </a:solidFill>
-              </a:uFill>
-              <a:latin typeface="Arial"/>
-            </a:endParaRPr>
-          </a:p>
-        </p:txBody>
-      </p:sp>
-      <p:sp>
-        <p:nvSpPr>
-          <p:cNvPr id="253" name="CustomShape 18"/>
-          <p:cNvSpPr/>
-          <p:nvPr/>
-        </p:nvSpPr>
-        <p:spPr>
-          <a:xfrm>
-            <a:off x="7560000" y="3456000"/>
-            <a:ext cx="570600" cy="570600"/>
-          </a:xfrm>
-          <a:prstGeom prst="rect">
-            <a:avLst/>
-          </a:prstGeom>
-          <a:solidFill>
-            <a:srgbClr val="00ccff"/>
-          </a:solidFill>
-          <a:ln>
-            <a:solidFill>
-              <a:srgbClr val="83caff"/>
-            </a:solidFill>
-          </a:ln>
-        </p:spPr>
-        <p:style>
-          <a:lnRef idx="0"/>
-          <a:fillRef idx="0"/>
-          <a:effectRef idx="0"/>
-          <a:fontRef idx="minor"/>
-        </p:style>
-        <p:txBody>
-          <a:bodyPr wrap="none" lIns="90000" rIns="90000" tIns="45000" bIns="45000" anchor="ctr"/>
-          <a:p>
-            <a:pPr algn="ctr">
-              <a:lnSpc>
-                <a:spcPct val="100000"/>
-              </a:lnSpc>
-            </a:pPr>
-            <a:r>
-              <a:rPr b="0" lang="en-US" sz="3200" spc="-1" strike="noStrike">
-                <a:solidFill>
-                  <a:srgbClr val="ffffff"/>
-                </a:solidFill>
-                <a:uFill>
-                  <a:solidFill>
-                    <a:srgbClr val="ffffff"/>
-                  </a:solidFill>
-                </a:uFill>
-                <a:latin typeface="Calibri"/>
-                <a:ea typeface="DejaVu Sans"/>
-              </a:rPr>
-              <a:t>2</a:t>
-            </a:r>
-            <a:endParaRPr b="0" lang="en-US" sz="1800" spc="-1" strike="noStrike">
-              <a:solidFill>
-                <a:srgbClr val="000000"/>
-              </a:solidFill>
-              <a:uFill>
-                <a:solidFill>
-                  <a:srgbClr val="ffffff"/>
-                </a:solidFill>
-              </a:uFill>
-              <a:latin typeface="Arial"/>
-            </a:endParaRPr>
-          </a:p>
-        </p:txBody>
-      </p:sp>
-      <p:sp>
-        <p:nvSpPr>
-          <p:cNvPr id="254" name="CustomShape 19"/>
-          <p:cNvSpPr/>
-          <p:nvPr/>
-        </p:nvSpPr>
-        <p:spPr>
-          <a:xfrm>
-            <a:off x="8136000" y="3422520"/>
-            <a:ext cx="3604320" cy="863640"/>
-          </a:xfrm>
-          <a:prstGeom prst="rect">
-            <a:avLst/>
-          </a:prstGeom>
-          <a:noFill/>
-          <a:ln>
-            <a:noFill/>
-          </a:ln>
-        </p:spPr>
-        <p:style>
-          <a:lnRef idx="0"/>
-          <a:fillRef idx="0"/>
-          <a:effectRef idx="0"/>
-          <a:fontRef idx="minor"/>
-        </p:style>
-        <p:txBody>
-          <a:bodyPr lIns="90000" rIns="90000" tIns="45000" bIns="45000"/>
-          <a:p>
-            <a:pPr>
-              <a:lnSpc>
-                <a:spcPct val="100000"/>
-              </a:lnSpc>
-            </a:pPr>
-            <a:r>
-              <a:rPr b="0" lang="en-US" sz="1800" spc="-1" strike="noStrike">
-                <a:solidFill>
-                  <a:srgbClr val="000000"/>
-                </a:solidFill>
-                <a:uFill>
-                  <a:solidFill>
-                    <a:srgbClr val="ffffff"/>
-                  </a:solidFill>
-                </a:uFill>
-                <a:latin typeface="Arial"/>
-                <a:ea typeface="DejaVu Sans"/>
-              </a:rPr>
-              <a:t>任务过程中给出全面详细的文档，方便后续其他人员了解业务。提升写文档的能力。</a:t>
-            </a:r>
-            <a:endParaRPr b="0" lang="en-US" sz="1800" spc="-1" strike="noStrike">
-              <a:solidFill>
-                <a:srgbClr val="000000"/>
-              </a:solidFill>
-              <a:uFill>
-                <a:solidFill>
-                  <a:srgbClr val="ffffff"/>
-                </a:solidFill>
-              </a:uFill>
-              <a:latin typeface="Arial"/>
-            </a:endParaRPr>
-          </a:p>
-        </p:txBody>
-      </p:sp>
-      <p:sp>
-        <p:nvSpPr>
-          <p:cNvPr id="255" name="CustomShape 20"/>
-          <p:cNvSpPr/>
-          <p:nvPr/>
-        </p:nvSpPr>
-        <p:spPr>
-          <a:xfrm>
-            <a:off x="7596000" y="4968000"/>
-            <a:ext cx="570600" cy="570600"/>
-          </a:xfrm>
-          <a:prstGeom prst="rect">
-            <a:avLst/>
-          </a:prstGeom>
-          <a:solidFill>
-            <a:srgbClr val="00ccff"/>
-          </a:solidFill>
-          <a:ln>
-            <a:solidFill>
-              <a:srgbClr val="83caff"/>
-            </a:solidFill>
-          </a:ln>
-        </p:spPr>
-        <p:style>
-          <a:lnRef idx="0"/>
-          <a:fillRef idx="0"/>
-          <a:effectRef idx="0"/>
-          <a:fontRef idx="minor"/>
-        </p:style>
-        <p:txBody>
-          <a:bodyPr wrap="none" lIns="90000" rIns="90000" tIns="45000" bIns="45000" anchor="ctr"/>
-          <a:p>
-            <a:pPr algn="ctr">
-              <a:lnSpc>
-                <a:spcPct val="100000"/>
-              </a:lnSpc>
-            </a:pPr>
-            <a:r>
-              <a:rPr b="0" lang="en-US" sz="3200" spc="-1" strike="noStrike">
-                <a:solidFill>
-                  <a:srgbClr val="ffffff"/>
-                </a:solidFill>
-                <a:uFill>
-                  <a:solidFill>
-                    <a:srgbClr val="ffffff"/>
-                  </a:solidFill>
-                </a:uFill>
-                <a:latin typeface="Calibri"/>
-                <a:ea typeface="DejaVu Sans"/>
-              </a:rPr>
-              <a:t>3</a:t>
-            </a:r>
-            <a:endParaRPr b="0" lang="en-US" sz="1800" spc="-1" strike="noStrike">
-              <a:solidFill>
-                <a:srgbClr val="000000"/>
-              </a:solidFill>
-              <a:uFill>
-                <a:solidFill>
-                  <a:srgbClr val="ffffff"/>
-                </a:solidFill>
-              </a:uFill>
-              <a:latin typeface="Arial"/>
-            </a:endParaRPr>
-          </a:p>
-        </p:txBody>
-      </p:sp>
-      <p:sp>
-        <p:nvSpPr>
-          <p:cNvPr id="256" name="CustomShape 21"/>
-          <p:cNvSpPr/>
-          <p:nvPr/>
-        </p:nvSpPr>
-        <p:spPr>
-          <a:xfrm>
-            <a:off x="8174880" y="4896000"/>
-            <a:ext cx="3604320" cy="676080"/>
-          </a:xfrm>
-          <a:prstGeom prst="rect">
-            <a:avLst/>
-          </a:prstGeom>
-          <a:noFill/>
-          <a:ln>
-            <a:noFill/>
-          </a:ln>
-        </p:spPr>
-        <p:style>
-          <a:lnRef idx="0"/>
-          <a:fillRef idx="0"/>
-          <a:effectRef idx="0"/>
-          <a:fontRef idx="minor"/>
-        </p:style>
-        <p:txBody>
-          <a:bodyPr lIns="90000" rIns="90000" tIns="45000" bIns="45000"/>
-          <a:p>
-            <a:pPr>
-              <a:lnSpc>
-                <a:spcPct val="100000"/>
-              </a:lnSpc>
-            </a:pPr>
-            <a:r>
-              <a:rPr b="0" lang="en-US" sz="1800" spc="-1" strike="noStrike">
-                <a:solidFill>
-                  <a:srgbClr val="000000"/>
-                </a:solidFill>
-                <a:uFill>
-                  <a:solidFill>
-                    <a:srgbClr val="ffffff"/>
-                  </a:solidFill>
-                </a:uFill>
-                <a:latin typeface="Arial"/>
-                <a:ea typeface="DejaVu Sans"/>
-              </a:rPr>
-              <a:t>开发前多思考需求的合理性，能解决什么问题。仔细评估影响面，多问多交流，避免理解偏差。做技术方案的时候把需求的完整链路思考清楚。</a:t>
-            </a:r>
-            <a:endParaRPr b="0" lang="en-US" sz="1800" spc="-1" strike="noStrike">
-              <a:solidFill>
-                <a:srgbClr val="000000"/>
-              </a:solidFill>
-              <a:uFill>
-                <a:solidFill>
-                  <a:srgbClr val="ffffff"/>
-                </a:solidFill>
-              </a:uFill>
-              <a:latin typeface="Arial"/>
-            </a:endParaRPr>
-          </a:p>
-          <a:p>
-            <a:pPr>
-              <a:lnSpc>
-                <a:spcPct val="100000"/>
-              </a:lnSpc>
-            </a:pPr>
-            <a:endParaRPr b="0" lang="en-US" sz="1800" spc="-1" strike="noStrike">
-              <a:solidFill>
-                <a:srgbClr val="000000"/>
-              </a:solidFill>
-              <a:uFill>
-                <a:solidFill>
-                  <a:srgbClr val="ffffff"/>
-                </a:solidFill>
-              </a:uFill>
-              <a:latin typeface="Arial"/>
-            </a:endParaRPr>
-          </a:p>
-        </p:txBody>
-      </p:sp>
-    </p:spTree>
-  </p:cSld>
-  <p:timing>
-    <p:tnLst>
-      <p:par>
-        <p:cTn id="21" dur="indefinite" restart="never" nodeType="tmRoot">
-          <p:childTnLst>
-            <p:seq>
-              <p:cTn id="22" nodeType="mainSeq"/>
-              <p:prevCondLst>
-                <p:cond delay="0" evt="onPrev">
-                  <p:tgtEl>
-                    <p:sldTgt/>
-                  </p:tgtEl>
-                </p:cond>
-              </p:prevCondLst>
-              <p:nextCondLst>
-                <p:cond delay="0" evt="onNext">
-                  <p:tgtEl>
-                    <p:sldTgt/>
-                  </p:tgtEl>
-                </p:cond>
-              </p:nextCondLst>
-            </p:seq>
-          </p:childTnLst>
-        </p:cTn>
-      </p:par>
-    </p:tnLst>
-  </p:timing>
-</p:sld>
-</file>
-
-<file path=ppt/slides/slide12.xml><?xml version="1.0" encoding="utf-8"?>
-<p:sld xmlns:a="http://schemas.openxmlformats.org/drawingml/2006/main" xmlns:p="http://schemas.openxmlformats.org/presentationml/2006/main" xmlns:r="http://schemas.openxmlformats.org/officeDocument/2006/relationships" xmlns:p14="http://schemas.microsoft.com/office/powerpoint/2010/main" xmlns:p15="http://schemas.microsoft.com/office/powerpoint/2012/main" xmlns:mc="http://schemas.openxmlformats.org/markup-compatibility/2006">
-  <p:cSld>
-    <p:spTree>
-      <p:nvGrpSpPr>
-        <p:cNvPr id="1" name=""/>
-        <p:cNvGrpSpPr/>
-        <p:nvPr/>
-      </p:nvGrpSpPr>
-      <p:grpSpPr>
-        <a:xfrm>
-          <a:off x="0" y="0"/>
-          <a:ext cx="0" cy="0"/>
-          <a:chOff x="0" y="0"/>
-          <a:chExt cx="0" cy="0"/>
-        </a:xfrm>
-      </p:grpSpPr>
-      <p:sp>
-        <p:nvSpPr>
-          <p:cNvPr id="257" name="CustomShape 1"/>
-          <p:cNvSpPr/>
-          <p:nvPr/>
-        </p:nvSpPr>
-        <p:spPr>
-          <a:xfrm>
-            <a:off x="0" y="205200"/>
-            <a:ext cx="12186000" cy="594720"/>
-          </a:xfrm>
-          <a:prstGeom prst="rect">
-            <a:avLst/>
-          </a:prstGeom>
-          <a:solidFill>
-            <a:srgbClr val="136083"/>
-          </a:solidFill>
-          <a:ln>
-            <a:noFill/>
-          </a:ln>
-        </p:spPr>
-        <p:style>
-          <a:lnRef idx="2">
-            <a:schemeClr val="accent1">
-              <a:shade val="50000"/>
-            </a:schemeClr>
-          </a:lnRef>
-          <a:fillRef idx="1">
-            <a:schemeClr val="accent1"/>
-          </a:fillRef>
-          <a:effectRef idx="0">
-            <a:schemeClr val="accent1"/>
-          </a:effectRef>
-          <a:fontRef idx="minor"/>
-        </p:style>
-      </p:sp>
-      <p:sp>
-        <p:nvSpPr>
-          <p:cNvPr id="258" name="CustomShape 2"/>
-          <p:cNvSpPr/>
-          <p:nvPr/>
-        </p:nvSpPr>
-        <p:spPr>
-          <a:xfrm flipH="1">
-            <a:off x="260640" y="806040"/>
-            <a:ext cx="306000" cy="83160"/>
-          </a:xfrm>
-          <a:custGeom>
-            <a:avLst/>
-            <a:gdLst/>
-            <a:ahLst/>
-            <a:rect l="l" t="t" r="r" b="b"/>
-            <a:pathLst>
-              <a:path w="1297939" h="333828">
-                <a:moveTo>
-                  <a:pt x="1297939" y="0"/>
-                </a:moveTo>
-                <a:lnTo>
-                  <a:pt x="0" y="0"/>
-                </a:lnTo>
-                <a:lnTo>
-                  <a:pt x="200297" y="333828"/>
-                </a:lnTo>
-                <a:lnTo>
-                  <a:pt x="1297939" y="333828"/>
-                </a:lnTo>
-                <a:close/>
-              </a:path>
-            </a:pathLst>
-          </a:custGeom>
-          <a:solidFill>
-            <a:schemeClr val="tx1">
-              <a:lumMod val="65000"/>
-              <a:lumOff val="35000"/>
-            </a:schemeClr>
-          </a:solidFill>
-          <a:ln>
-            <a:noFill/>
-          </a:ln>
-        </p:spPr>
-        <p:style>
-          <a:lnRef idx="2">
-            <a:schemeClr val="accent1">
-              <a:shade val="50000"/>
-            </a:schemeClr>
-          </a:lnRef>
-          <a:fillRef idx="1">
-            <a:schemeClr val="accent1"/>
-          </a:fillRef>
-          <a:effectRef idx="0">
-            <a:schemeClr val="accent1"/>
-          </a:effectRef>
-          <a:fontRef idx="minor"/>
-        </p:style>
-      </p:sp>
-      <p:sp>
-        <p:nvSpPr>
-          <p:cNvPr id="259" name="CustomShape 3"/>
-          <p:cNvSpPr/>
-          <p:nvPr/>
-        </p:nvSpPr>
-        <p:spPr>
-          <a:xfrm flipV="1">
-            <a:off x="1457280" y="109800"/>
-            <a:ext cx="306000" cy="83160"/>
-          </a:xfrm>
-          <a:custGeom>
-            <a:avLst/>
-            <a:gdLst/>
-            <a:ahLst/>
-            <a:rect l="l" t="t" r="r" b="b"/>
-            <a:pathLst>
-              <a:path w="1297939" h="333828">
-                <a:moveTo>
-                  <a:pt x="1297939" y="0"/>
-                </a:moveTo>
-                <a:lnTo>
-                  <a:pt x="0" y="0"/>
-                </a:lnTo>
-                <a:lnTo>
-                  <a:pt x="200297" y="333828"/>
-                </a:lnTo>
-                <a:lnTo>
-                  <a:pt x="1297939" y="333828"/>
-                </a:lnTo>
-                <a:close/>
-              </a:path>
-            </a:pathLst>
-          </a:custGeom>
-          <a:solidFill>
-            <a:schemeClr val="tx1">
-              <a:lumMod val="65000"/>
-              <a:lumOff val="35000"/>
-            </a:schemeClr>
-          </a:solidFill>
-          <a:ln>
-            <a:noFill/>
-          </a:ln>
-        </p:spPr>
-        <p:style>
-          <a:lnRef idx="2">
-            <a:schemeClr val="accent1">
-              <a:shade val="50000"/>
-            </a:schemeClr>
-          </a:lnRef>
-          <a:fillRef idx="1">
-            <a:schemeClr val="accent1"/>
-          </a:fillRef>
-          <a:effectRef idx="0">
-            <a:schemeClr val="accent1"/>
-          </a:effectRef>
-          <a:fontRef idx="minor"/>
-        </p:style>
-      </p:sp>
-      <p:sp>
-        <p:nvSpPr>
-          <p:cNvPr id="260" name="CustomShape 4"/>
-          <p:cNvSpPr/>
-          <p:nvPr/>
-        </p:nvSpPr>
-        <p:spPr>
-          <a:xfrm flipH="1">
-            <a:off x="306720" y="116280"/>
-            <a:ext cx="1396800" cy="773280"/>
-          </a:xfrm>
-          <a:prstGeom prst="parallelogram">
-            <a:avLst>
-              <a:gd name="adj" fmla="val 57338"/>
-            </a:avLst>
-          </a:prstGeom>
-          <a:solidFill>
-            <a:srgbClr val="00b0f0"/>
-          </a:solidFill>
-          <a:ln>
-            <a:noFill/>
-          </a:ln>
-        </p:spPr>
-        <p:style>
-          <a:lnRef idx="2">
-            <a:schemeClr val="accent1">
-              <a:shade val="50000"/>
-            </a:schemeClr>
-          </a:lnRef>
-          <a:fillRef idx="1">
-            <a:schemeClr val="accent1"/>
-          </a:fillRef>
-          <a:effectRef idx="0">
-            <a:schemeClr val="accent1"/>
-          </a:effectRef>
-          <a:fontRef idx="minor"/>
-        </p:style>
-      </p:sp>
-      <p:sp>
-        <p:nvSpPr>
-          <p:cNvPr id="261" name="CustomShape 5"/>
-          <p:cNvSpPr/>
-          <p:nvPr/>
-        </p:nvSpPr>
-        <p:spPr>
-          <a:xfrm>
-            <a:off x="302040" y="244080"/>
-            <a:ext cx="1317960" cy="511200"/>
-          </a:xfrm>
-          <a:prstGeom prst="rect">
-            <a:avLst/>
-          </a:prstGeom>
-          <a:noFill/>
-          <a:ln>
-            <a:noFill/>
-          </a:ln>
-        </p:spPr>
-        <p:style>
-          <a:lnRef idx="0"/>
-          <a:fillRef idx="0"/>
-          <a:effectRef idx="0"/>
-          <a:fontRef idx="minor"/>
-        </p:style>
-        <p:txBody>
-          <a:bodyPr lIns="90000" rIns="90000" tIns="45000" bIns="45000"/>
-          <a:p>
-            <a:pPr algn="ctr">
-              <a:lnSpc>
-                <a:spcPct val="100000"/>
-              </a:lnSpc>
-            </a:pPr>
-            <a:r>
-              <a:rPr b="1" lang="en-US" sz="2800" spc="-1" strike="noStrike">
-                <a:solidFill>
-                  <a:srgbClr val="ffffff"/>
-                </a:solidFill>
-                <a:uFill>
-                  <a:solidFill>
-                    <a:srgbClr val="ffffff"/>
-                  </a:solidFill>
-                </a:uFill>
-                <a:latin typeface="微软雅黑"/>
-                <a:ea typeface="微软雅黑"/>
-              </a:rPr>
-              <a:t>2.3</a:t>
-            </a:r>
-            <a:endParaRPr b="0" lang="en-US" sz="1800" spc="-1" strike="noStrike">
-              <a:solidFill>
-                <a:srgbClr val="000000"/>
-              </a:solidFill>
-              <a:uFill>
-                <a:solidFill>
-                  <a:srgbClr val="ffffff"/>
-                </a:solidFill>
-              </a:uFill>
-              <a:latin typeface="Arial"/>
-            </a:endParaRPr>
-          </a:p>
-        </p:txBody>
-      </p:sp>
-      <p:sp>
-        <p:nvSpPr>
-          <p:cNvPr id="262" name="CustomShape 6"/>
-          <p:cNvSpPr/>
-          <p:nvPr/>
-        </p:nvSpPr>
-        <p:spPr>
-          <a:xfrm>
-            <a:off x="2021400" y="244080"/>
-            <a:ext cx="2495160" cy="510480"/>
-          </a:xfrm>
-          <a:prstGeom prst="rect">
-            <a:avLst/>
-          </a:prstGeom>
-          <a:noFill/>
-          <a:ln>
-            <a:noFill/>
-          </a:ln>
-        </p:spPr>
-        <p:style>
-          <a:lnRef idx="0"/>
-          <a:fillRef idx="0"/>
-          <a:effectRef idx="0"/>
-          <a:fontRef idx="minor"/>
-        </p:style>
-        <p:txBody>
-          <a:bodyPr wrap="none" lIns="90000" rIns="90000" tIns="45000" bIns="45000"/>
-          <a:p>
-            <a:pPr>
-              <a:lnSpc>
-                <a:spcPct val="100000"/>
-              </a:lnSpc>
-            </a:pPr>
-            <a:r>
-              <a:rPr b="0" lang="en-US" sz="2800" spc="253" strike="noStrike">
-                <a:solidFill>
-                  <a:srgbClr val="ffffff"/>
-                </a:solidFill>
-                <a:uFill>
-                  <a:solidFill>
-                    <a:srgbClr val="ffffff"/>
-                  </a:solidFill>
-                </a:uFill>
-                <a:latin typeface="微软雅黑"/>
-                <a:ea typeface="微软雅黑"/>
-              </a:rPr>
-              <a:t>对部门的建议</a:t>
-            </a:r>
-            <a:endParaRPr b="0" lang="en-US" sz="1800" spc="-1" strike="noStrike">
-              <a:solidFill>
-                <a:srgbClr val="000000"/>
-              </a:solidFill>
-              <a:uFill>
-                <a:solidFill>
-                  <a:srgbClr val="ffffff"/>
-                </a:solidFill>
-              </a:uFill>
-              <a:latin typeface="Arial"/>
-            </a:endParaRPr>
-          </a:p>
-        </p:txBody>
-      </p:sp>
-      <p:sp>
-        <p:nvSpPr>
-          <p:cNvPr id="263" name="CustomShape 7"/>
-          <p:cNvSpPr/>
-          <p:nvPr/>
-        </p:nvSpPr>
-        <p:spPr>
-          <a:xfrm>
-            <a:off x="3240000" y="2088000"/>
-            <a:ext cx="4207320" cy="863640"/>
-          </a:xfrm>
-          <a:custGeom>
-            <a:avLst/>
-            <a:gdLst/>
-            <a:ahLst/>
-            <a:rect l="l" t="t" r="r" b="b"/>
-            <a:pathLst>
-              <a:path w="5192450" h="1305562">
-                <a:moveTo>
-                  <a:pt x="648072" y="0"/>
-                </a:moveTo>
-                <a:lnTo>
-                  <a:pt x="4680520" y="0"/>
-                </a:lnTo>
-                <a:lnTo>
-                  <a:pt x="4680520" y="534"/>
-                </a:lnTo>
-                <a:lnTo>
-                  <a:pt x="4756983" y="534"/>
-                </a:lnTo>
-                <a:cubicBezTo>
-                  <a:pt x="4781822" y="0"/>
-                  <a:pt x="4807189" y="5871"/>
-                  <a:pt x="4830442" y="19749"/>
-                </a:cubicBezTo>
-                <a:cubicBezTo>
-                  <a:pt x="4852109" y="32025"/>
-                  <a:pt x="4869549" y="49639"/>
-                  <a:pt x="4881176" y="70456"/>
-                </a:cubicBezTo>
-                <a:lnTo>
-                  <a:pt x="5172368" y="579657"/>
-                </a:lnTo>
-                <a:cubicBezTo>
-                  <a:pt x="5185051" y="601007"/>
-                  <a:pt x="5192450" y="626093"/>
-                  <a:pt x="5192450" y="652781"/>
-                </a:cubicBezTo>
-                <a:cubicBezTo>
-                  <a:pt x="5192450" y="680003"/>
-                  <a:pt x="5185051" y="705089"/>
-                  <a:pt x="5171839" y="726439"/>
-                </a:cubicBezTo>
-                <a:lnTo>
-                  <a:pt x="4881176" y="1235640"/>
-                </a:lnTo>
-                <a:cubicBezTo>
-                  <a:pt x="4869021" y="1255923"/>
-                  <a:pt x="4852109" y="1273537"/>
-                  <a:pt x="4830442" y="1286347"/>
-                </a:cubicBezTo>
-                <a:cubicBezTo>
-                  <a:pt x="4807717" y="1299691"/>
-                  <a:pt x="4782879" y="1305562"/>
-                  <a:pt x="4758040" y="1305028"/>
-                </a:cubicBezTo>
-                <a:lnTo>
-                  <a:pt x="4680520" y="1305028"/>
-                </a:lnTo>
-                <a:lnTo>
-                  <a:pt x="4680520" y="1305562"/>
-                </a:lnTo>
-                <a:lnTo>
-                  <a:pt x="648072" y="1305562"/>
-                </a:lnTo>
-                <a:lnTo>
-                  <a:pt x="648072" y="1305028"/>
-                </a:lnTo>
-                <a:lnTo>
-                  <a:pt x="431239" y="1305028"/>
-                </a:lnTo>
-                <a:cubicBezTo>
-                  <a:pt x="407986" y="1305028"/>
-                  <a:pt x="383676" y="1299157"/>
-                  <a:pt x="362008" y="1286347"/>
-                </a:cubicBezTo>
-                <a:cubicBezTo>
-                  <a:pt x="340341" y="1273537"/>
-                  <a:pt x="322901" y="1255923"/>
-                  <a:pt x="311274" y="1235107"/>
-                </a:cubicBezTo>
-                <a:lnTo>
-                  <a:pt x="19025" y="723770"/>
-                </a:lnTo>
-                <a:cubicBezTo>
-                  <a:pt x="6870" y="702954"/>
-                  <a:pt x="0" y="678935"/>
-                  <a:pt x="0" y="652781"/>
-                </a:cubicBezTo>
-                <a:cubicBezTo>
-                  <a:pt x="0" y="626627"/>
-                  <a:pt x="6870" y="602608"/>
-                  <a:pt x="19025" y="581258"/>
-                </a:cubicBezTo>
-                <a:lnTo>
-                  <a:pt x="310217" y="72057"/>
-                </a:lnTo>
-                <a:cubicBezTo>
-                  <a:pt x="322372" y="51240"/>
-                  <a:pt x="339812" y="32559"/>
-                  <a:pt x="362008" y="19749"/>
-                </a:cubicBezTo>
-                <a:cubicBezTo>
-                  <a:pt x="382619" y="7473"/>
-                  <a:pt x="405344" y="1068"/>
-                  <a:pt x="428068" y="534"/>
-                </a:cubicBezTo>
-                <a:lnTo>
-                  <a:pt x="648072" y="534"/>
-                </a:lnTo>
-                <a:close/>
-              </a:path>
-            </a:pathLst>
-          </a:custGeom>
-          <a:solidFill>
-            <a:srgbClr val="136083"/>
-          </a:solidFill>
-          <a:ln w="9360">
-            <a:noFill/>
-          </a:ln>
-        </p:spPr>
-        <p:style>
-          <a:lnRef idx="0"/>
-          <a:fillRef idx="0"/>
-          <a:effectRef idx="0"/>
-          <a:fontRef idx="minor"/>
-        </p:style>
-        <p:txBody>
-          <a:bodyPr lIns="90000" rIns="90000" tIns="45000" bIns="45000" anchor="ctr"/>
-          <a:p>
-            <a:pPr algn="ctr">
-              <a:lnSpc>
-                <a:spcPct val="100000"/>
-              </a:lnSpc>
-            </a:pPr>
-            <a:r>
-              <a:rPr b="0" lang="en-US" sz="3200" spc="-1" strike="noStrike">
-                <a:solidFill>
-                  <a:srgbClr val="ffffff"/>
-                </a:solidFill>
-                <a:uFill>
-                  <a:solidFill>
-                    <a:srgbClr val="ffffff"/>
-                  </a:solidFill>
-                </a:uFill>
-                <a:latin typeface="Calibri"/>
-                <a:ea typeface="DejaVu Sans"/>
-              </a:rPr>
-              <a:t>新人培养</a:t>
-            </a:r>
-            <a:endParaRPr b="0" lang="en-US" sz="1800" spc="-1" strike="noStrike">
-              <a:solidFill>
-                <a:srgbClr val="000000"/>
-              </a:solidFill>
-              <a:uFill>
-                <a:solidFill>
-                  <a:srgbClr val="ffffff"/>
-                </a:solidFill>
-              </a:uFill>
-              <a:latin typeface="Arial"/>
-            </a:endParaRPr>
-          </a:p>
-        </p:txBody>
-      </p:sp>
-      <p:sp>
-        <p:nvSpPr>
-          <p:cNvPr id="264" name="CustomShape 8"/>
-          <p:cNvSpPr/>
-          <p:nvPr/>
-        </p:nvSpPr>
-        <p:spPr>
-          <a:xfrm>
-            <a:off x="3312000" y="3384000"/>
-            <a:ext cx="4248000" cy="1440000"/>
-          </a:xfrm>
-          <a:prstGeom prst="rect">
-            <a:avLst/>
-          </a:prstGeom>
-          <a:solidFill>
-            <a:srgbClr val="00ccff"/>
-          </a:solidFill>
-          <a:ln>
-            <a:solidFill>
-              <a:srgbClr val="3465a4"/>
-            </a:solidFill>
-          </a:ln>
-        </p:spPr>
-        <p:style>
-          <a:lnRef idx="0"/>
-          <a:fillRef idx="0"/>
-          <a:effectRef idx="0"/>
-          <a:fontRef idx="minor"/>
-        </p:style>
-        <p:txBody>
-          <a:bodyPr wrap="none" lIns="90000" rIns="90000" tIns="45000" bIns="45000" anchor="ctr"/>
-          <a:p>
-            <a:pPr algn="ctr">
-              <a:lnSpc>
-                <a:spcPct val="100000"/>
-              </a:lnSpc>
-            </a:pPr>
-            <a:r>
-              <a:rPr b="0" lang="en-US" sz="1800" spc="-1" strike="noStrike">
-                <a:solidFill>
-                  <a:srgbClr val="000000"/>
-                </a:solidFill>
-                <a:uFill>
-                  <a:solidFill>
-                    <a:srgbClr val="ffffff"/>
-                  </a:solidFill>
-                </a:uFill>
-                <a:latin typeface="Arial"/>
-                <a:ea typeface="DejaVu Sans"/>
-              </a:rPr>
-              <a:t>给新人提供系统的培训介绍，包括部门的</a:t>
-            </a:r>
-            <a:r>
-              <a:rPr b="0" lang="en-US" sz="1800" spc="-1" strike="noStrike">
-                <a:solidFill>
-                  <a:srgbClr val="000000"/>
-                </a:solidFill>
-                <a:uFill>
-                  <a:solidFill>
-                    <a:srgbClr val="ffffff"/>
-                  </a:solidFill>
-                </a:uFill>
-                <a:latin typeface="Arial"/>
-                <a:ea typeface="DejaVu Sans"/>
-              </a:rPr>
-              <a:t>
-</a:t>
-            </a:r>
             <a:r>
               <a:rPr b="0" lang="en-US" sz="1800" spc="-1" strike="noStrike">
                 <a:solidFill>
@@ -10419,14 +9535,14 @@
       </p:grpSpPr>
       <p:sp>
         <p:nvSpPr>
-          <p:cNvPr id="265" name="CustomShape 1"/>
+          <p:cNvPr id="251" name="CustomShape 1"/>
           <p:cNvSpPr/>
           <p:nvPr/>
         </p:nvSpPr>
         <p:spPr>
           <a:xfrm>
             <a:off x="0" y="2462040"/>
-            <a:ext cx="12186000" cy="1889640"/>
+            <a:ext cx="12185280" cy="1888920"/>
           </a:xfrm>
           <a:prstGeom prst="rect">
             <a:avLst/>
@@ -10453,14 +9569,14 @@
       </p:sp>
       <p:sp>
         <p:nvSpPr>
-          <p:cNvPr id="266" name="CustomShape 2"/>
+          <p:cNvPr id="252" name="CustomShape 2"/>
           <p:cNvSpPr/>
           <p:nvPr/>
         </p:nvSpPr>
         <p:spPr>
           <a:xfrm>
             <a:off x="3714120" y="2202480"/>
-            <a:ext cx="252360" cy="253440"/>
+            <a:ext cx="251640" cy="252720"/>
           </a:xfrm>
           <a:custGeom>
             <a:avLst/>
@@ -10506,14 +9622,14 @@
       </p:sp>
       <p:sp>
         <p:nvSpPr>
-          <p:cNvPr id="267" name="CustomShape 3"/>
+          <p:cNvPr id="253" name="CustomShape 3"/>
           <p:cNvSpPr/>
           <p:nvPr/>
         </p:nvSpPr>
         <p:spPr>
           <a:xfrm flipV="1">
-            <a:off x="510120" y="4351680"/>
-            <a:ext cx="257400" cy="258480"/>
+            <a:off x="510120" y="4350960"/>
+            <a:ext cx="256680" cy="257760"/>
           </a:xfrm>
           <a:custGeom>
             <a:avLst/>
@@ -10559,14 +9675,14 @@
       </p:sp>
       <p:sp>
         <p:nvSpPr>
-          <p:cNvPr id="268" name="CustomShape 4"/>
+          <p:cNvPr id="254" name="CustomShape 4"/>
           <p:cNvSpPr/>
           <p:nvPr/>
         </p:nvSpPr>
         <p:spPr>
           <a:xfrm>
             <a:off x="639000" y="2203200"/>
-            <a:ext cx="3203280" cy="2406960"/>
+            <a:ext cx="3202560" cy="2406240"/>
           </a:xfrm>
           <a:prstGeom prst="parallelogram">
             <a:avLst>
@@ -10597,14 +9713,14 @@
       </p:sp>
       <p:sp>
         <p:nvSpPr>
-          <p:cNvPr id="269" name="CustomShape 5"/>
+          <p:cNvPr id="255" name="CustomShape 5"/>
           <p:cNvSpPr/>
           <p:nvPr/>
         </p:nvSpPr>
         <p:spPr>
           <a:xfrm>
             <a:off x="1487520" y="2531520"/>
-            <a:ext cx="1756800" cy="1710360"/>
+            <a:ext cx="1756080" cy="1709640"/>
           </a:xfrm>
           <a:prstGeom prst="rect">
             <a:avLst/>
@@ -10659,14 +9775,14 @@
       </p:sp>
       <p:sp>
         <p:nvSpPr>
-          <p:cNvPr id="270" name="CustomShape 6"/>
+          <p:cNvPr id="256" name="CustomShape 6"/>
           <p:cNvSpPr/>
           <p:nvPr/>
         </p:nvSpPr>
         <p:spPr>
           <a:xfrm>
             <a:off x="4446720" y="2766960"/>
-            <a:ext cx="6727680" cy="908280"/>
+            <a:ext cx="6726960" cy="907560"/>
           </a:xfrm>
           <a:prstGeom prst="rect">
             <a:avLst/>
@@ -10721,14 +9837,14 @@
       </p:sp>
       <p:sp>
         <p:nvSpPr>
-          <p:cNvPr id="271" name="CustomShape 7"/>
+          <p:cNvPr id="257" name="CustomShape 7"/>
           <p:cNvSpPr/>
           <p:nvPr/>
         </p:nvSpPr>
         <p:spPr>
           <a:xfrm>
             <a:off x="4446720" y="3692880"/>
-            <a:ext cx="4095000" cy="451800"/>
+            <a:ext cx="4094280" cy="451080"/>
           </a:xfrm>
           <a:prstGeom prst="rect">
             <a:avLst/>
@@ -10796,14 +9912,14 @@
       </p:grpSpPr>
       <p:sp>
         <p:nvSpPr>
-          <p:cNvPr id="272" name="CustomShape 1"/>
+          <p:cNvPr id="258" name="CustomShape 1"/>
           <p:cNvSpPr/>
           <p:nvPr/>
         </p:nvSpPr>
         <p:spPr>
           <a:xfrm>
             <a:off x="0" y="205200"/>
-            <a:ext cx="12186000" cy="594720"/>
+            <a:ext cx="12185280" cy="594000"/>
           </a:xfrm>
           <a:prstGeom prst="rect">
             <a:avLst/>
@@ -10832,14 +9948,14 @@
       </p:sp>
       <p:sp>
         <p:nvSpPr>
-          <p:cNvPr id="273" name="CustomShape 2"/>
+          <p:cNvPr id="259" name="CustomShape 2"/>
           <p:cNvSpPr/>
           <p:nvPr/>
         </p:nvSpPr>
         <p:spPr>
           <a:xfrm flipH="1">
-            <a:off x="260640" y="806040"/>
-            <a:ext cx="306000" cy="83160"/>
+            <a:off x="259920" y="806040"/>
+            <a:ext cx="305280" cy="82440"/>
           </a:xfrm>
           <a:custGeom>
             <a:avLst/>
@@ -10891,14 +10007,14 @@
       </p:sp>
       <p:sp>
         <p:nvSpPr>
-          <p:cNvPr id="274" name="CustomShape 3"/>
+          <p:cNvPr id="260" name="CustomShape 3"/>
           <p:cNvSpPr/>
           <p:nvPr/>
         </p:nvSpPr>
         <p:spPr>
           <a:xfrm flipV="1">
-            <a:off x="1457280" y="109800"/>
-            <a:ext cx="306000" cy="83160"/>
+            <a:off x="1457280" y="109080"/>
+            <a:ext cx="305280" cy="82440"/>
           </a:xfrm>
           <a:custGeom>
             <a:avLst/>
@@ -10950,14 +10066,14 @@
       </p:sp>
       <p:sp>
         <p:nvSpPr>
-          <p:cNvPr id="275" name="CustomShape 4"/>
+          <p:cNvPr id="261" name="CustomShape 4"/>
           <p:cNvSpPr/>
           <p:nvPr/>
         </p:nvSpPr>
         <p:spPr>
           <a:xfrm flipH="1">
-            <a:off x="306720" y="116280"/>
-            <a:ext cx="1396800" cy="773280"/>
+            <a:off x="306000" y="116280"/>
+            <a:ext cx="1396080" cy="772560"/>
           </a:xfrm>
           <a:prstGeom prst="parallelogram">
             <a:avLst>
@@ -10988,14 +10104,14 @@
       </p:sp>
       <p:sp>
         <p:nvSpPr>
-          <p:cNvPr id="276" name="CustomShape 5"/>
+          <p:cNvPr id="262" name="CustomShape 5"/>
           <p:cNvSpPr/>
           <p:nvPr/>
         </p:nvSpPr>
         <p:spPr>
           <a:xfrm>
             <a:off x="302040" y="244080"/>
-            <a:ext cx="1317960" cy="511200"/>
+            <a:ext cx="1317240" cy="510480"/>
           </a:xfrm>
           <a:prstGeom prst="rect">
             <a:avLst/>
@@ -11050,14 +10166,14 @@
       </p:sp>
       <p:sp>
         <p:nvSpPr>
-          <p:cNvPr id="277" name="CustomShape 6"/>
+          <p:cNvPr id="263" name="CustomShape 6"/>
           <p:cNvSpPr/>
           <p:nvPr/>
         </p:nvSpPr>
         <p:spPr>
           <a:xfrm>
             <a:off x="2021400" y="244080"/>
-            <a:ext cx="2495160" cy="510480"/>
+            <a:ext cx="2494440" cy="509760"/>
           </a:xfrm>
           <a:prstGeom prst="rect">
             <a:avLst/>
@@ -11082,7 +10198,7 @@
               </a:lnSpc>
             </a:pPr>
             <a:r>
-              <a:rPr b="0" lang="en-US" sz="2800" spc="253" strike="noStrike">
+              <a:rPr b="0" lang="en-US" sz="2800" spc="248" strike="noStrike">
                 <a:solidFill>
                   <a:srgbClr val="ffffff"/>
                 </a:solidFill>
@@ -11112,14 +10228,14 @@
       </p:sp>
       <p:sp>
         <p:nvSpPr>
-          <p:cNvPr id="278" name="CustomShape 7"/>
+          <p:cNvPr id="264" name="CustomShape 7"/>
           <p:cNvSpPr/>
           <p:nvPr/>
         </p:nvSpPr>
         <p:spPr>
           <a:xfrm>
             <a:off x="6228000" y="3246120"/>
-            <a:ext cx="1430280" cy="1433880"/>
+            <a:ext cx="1429560" cy="1433160"/>
           </a:xfrm>
           <a:prstGeom prst="ellipse">
             <a:avLst/>
@@ -11140,6 +10256,92 @@
         <p:txBody>
           <a:bodyPr lIns="90000" rIns="90000" tIns="45000" bIns="45000"/>
           <a:p>
+            <a:r>
+              <a:rPr b="1" lang="en-US" sz="2000" spc="-1" strike="noStrike">
+                <a:solidFill>
+                  <a:srgbClr val="ffffff"/>
+                </a:solidFill>
+                <a:uFill>
+                  <a:solidFill>
+                    <a:srgbClr val="ffffff"/>
+                  </a:solidFill>
+                </a:uFill>
+                <a:latin typeface="微软雅黑"/>
+                <a:ea typeface="微软雅黑"/>
+              </a:rPr>
+              <a:t> </a:t>
+            </a:r>
+            <a:r>
+              <a:rPr b="1" lang="en-US" sz="2000" spc="-1" strike="noStrike">
+                <a:solidFill>
+                  <a:srgbClr val="ffffff"/>
+                </a:solidFill>
+                <a:uFill>
+                  <a:solidFill>
+                    <a:srgbClr val="ffffff"/>
+                  </a:solidFill>
+                </a:uFill>
+                <a:latin typeface="微软雅黑"/>
+                <a:ea typeface="微软雅黑"/>
+              </a:rPr>
+              <a:t>社区</a:t>
+            </a:r>
+            <a:endParaRPr b="0" lang="en-US" sz="1800" spc="-1" strike="noStrike">
+              <a:solidFill>
+                <a:srgbClr val="000000"/>
+              </a:solidFill>
+              <a:uFill>
+                <a:solidFill>
+                  <a:srgbClr val="ffffff"/>
+                </a:solidFill>
+              </a:uFill>
+              <a:latin typeface="Arial"/>
+            </a:endParaRPr>
+          </a:p>
+          <a:p>
+            <a:r>
+              <a:rPr b="1" lang="en-US" sz="2000" spc="-1" strike="noStrike">
+                <a:solidFill>
+                  <a:srgbClr val="ffffff"/>
+                </a:solidFill>
+                <a:uFill>
+                  <a:solidFill>
+                    <a:srgbClr val="ffffff"/>
+                  </a:solidFill>
+                </a:uFill>
+                <a:latin typeface="微软雅黑"/>
+                <a:ea typeface="微软雅黑"/>
+              </a:rPr>
+              <a:t> </a:t>
+            </a:r>
+            <a:r>
+              <a:rPr b="1" lang="en-US" sz="2000" spc="-1" strike="noStrike">
+                <a:solidFill>
+                  <a:srgbClr val="ffffff"/>
+                </a:solidFill>
+                <a:uFill>
+                  <a:solidFill>
+                    <a:srgbClr val="ffffff"/>
+                  </a:solidFill>
+                </a:uFill>
+                <a:latin typeface="微软雅黑"/>
+                <a:ea typeface="微软雅黑"/>
+              </a:rPr>
+              <a:t>技术</a:t>
+            </a:r>
+            <a:endParaRPr b="0" lang="en-US" sz="1800" spc="-1" strike="noStrike">
+              <a:solidFill>
+                <a:srgbClr val="000000"/>
+              </a:solidFill>
+              <a:uFill>
+                <a:solidFill>
+                  <a:srgbClr val="ffffff"/>
+                </a:solidFill>
+              </a:uFill>
+              <a:latin typeface="Arial"/>
+            </a:endParaRPr>
+          </a:p>
+          <a:p>
             <a:pPr algn="ctr">
               <a:lnSpc>
                 <a:spcPct val="100000"/>
@@ -11158,68 +10360,6 @@
                 <a:latin typeface="微软雅黑"/>
                 <a:ea typeface="微软雅黑"/>
               </a:rPr>
-              <a:t>社区</a:t>
-            </a:r>
-            <a:r>
-              <a:rPr b="1" lang="en-US" sz="2000" spc="-1" strike="noStrike">
-                <a:solidFill>
-                  <a:srgbClr val="ffffff"/>
-                </a:solidFill>
-                <a:uFill>
-                  <a:solidFill>
-                    <a:srgbClr val="ffffff"/>
-                  </a:solidFill>
-                </a:uFill>
-                <a:latin typeface="微软雅黑"/>
-                <a:ea typeface="微软雅黑"/>
-              </a:rPr>
-              <a:t>
-</a:t>
-            </a:r>
-            <a:r>
-              <a:rPr b="1" lang="en-US" sz="2000" spc="-1" strike="noStrike">
-                <a:solidFill>
-                  <a:srgbClr val="ffffff"/>
-                </a:solidFill>
-                <a:uFill>
-                  <a:solidFill>
-                    <a:srgbClr val="ffffff"/>
-                  </a:solidFill>
-                </a:uFill>
-                <a:latin typeface="微软雅黑"/>
-                <a:ea typeface="微软雅黑"/>
-              </a:rPr>
-              <a:t>技术</a:t>
-            </a:r>
-            <a:r>
-              <a:rPr b="1" lang="en-US" sz="2000" spc="-1" strike="noStrike">
-                <a:solidFill>
-                  <a:srgbClr val="ffffff"/>
-                </a:solidFill>
-                <a:uFill>
-                  <a:solidFill>
-                    <a:srgbClr val="ffffff"/>
-                  </a:solidFill>
-                </a:uFill>
-                <a:latin typeface="微软雅黑"/>
-                <a:ea typeface="微软雅黑"/>
-              </a:rPr>
-              <a:t>
-</a:t>
-            </a:r>
-            <a:r>
-              <a:rPr b="1" lang="en-US" sz="2000" spc="-1" strike="noStrike">
-                <a:solidFill>
-                  <a:srgbClr val="ffffff"/>
-                </a:solidFill>
-                <a:uFill>
-                  <a:solidFill>
-                    <a:srgbClr val="ffffff"/>
-                  </a:solidFill>
-                </a:uFill>
-                <a:latin typeface="微软雅黑"/>
-                <a:ea typeface="微软雅黑"/>
-              </a:rPr>
               <a:t>专家</a:t>
             </a:r>
             <a:endParaRPr b="0" lang="en-US" sz="1800" spc="-1" strike="noStrike">
@@ -11238,14 +10378,14 @@
       </p:sp>
       <p:sp>
         <p:nvSpPr>
-          <p:cNvPr id="279" name="CustomShape 8"/>
+          <p:cNvPr id="265" name="CustomShape 8"/>
           <p:cNvSpPr/>
           <p:nvPr/>
         </p:nvSpPr>
         <p:spPr>
           <a:xfrm>
             <a:off x="8892000" y="1122120"/>
-            <a:ext cx="1430280" cy="1433880"/>
+            <a:ext cx="1429560" cy="1433160"/>
           </a:xfrm>
           <a:prstGeom prst="ellipse">
             <a:avLst/>
@@ -11266,6 +10406,49 @@
         <p:txBody>
           <a:bodyPr lIns="90000" rIns="90000" tIns="45000" bIns="45000"/>
           <a:p>
+            <a:r>
+              <a:rPr b="1" lang="en-US" sz="2000" spc="-1" strike="noStrike">
+                <a:solidFill>
+                  <a:srgbClr val="ffffff"/>
+                </a:solidFill>
+                <a:uFill>
+                  <a:solidFill>
+                    <a:srgbClr val="ffffff"/>
+                  </a:solidFill>
+                </a:uFill>
+                <a:latin typeface="微软雅黑"/>
+                <a:ea typeface="微软雅黑"/>
+              </a:rPr>
+              <a:t> </a:t>
+            </a:r>
+            <a:r>
+              <a:rPr b="1" lang="en-US" sz="2000" spc="-1" strike="noStrike">
+                <a:solidFill>
+                  <a:srgbClr val="ffffff"/>
+                </a:solidFill>
+                <a:uFill>
+                  <a:solidFill>
+                    <a:srgbClr val="ffffff"/>
+                  </a:solidFill>
+                </a:uFill>
+                <a:latin typeface="微软雅黑"/>
+                <a:ea typeface="微软雅黑"/>
+              </a:rPr>
+              <a:t>项目</a:t>
+            </a:r>
+            <a:endParaRPr b="0" lang="en-US" sz="1800" spc="-1" strike="noStrike">
+              <a:solidFill>
+                <a:srgbClr val="000000"/>
+              </a:solidFill>
+              <a:uFill>
+                <a:solidFill>
+                  <a:srgbClr val="ffffff"/>
+                </a:solidFill>
+              </a:uFill>
+              <a:latin typeface="Arial"/>
+            </a:endParaRPr>
+          </a:p>
+          <a:p>
             <a:pPr algn="ctr">
               <a:lnSpc>
                 <a:spcPct val="100000"/>
@@ -11284,37 +10467,6 @@
                 <a:latin typeface="微软雅黑"/>
                 <a:ea typeface="微软雅黑"/>
               </a:rPr>
-              <a:t>项目</a:t>
-            </a:r>
-            <a:r>
-              <a:rPr b="1" lang="en-US" sz="2000" spc="-1" strike="noStrike">
-                <a:solidFill>
-                  <a:srgbClr val="ffffff"/>
-                </a:solidFill>
-                <a:uFill>
-                  <a:solidFill>
-                    <a:srgbClr val="ffffff"/>
-                  </a:solidFill>
-                </a:uFill>
-                <a:latin typeface="微软雅黑"/>
-                <a:ea typeface="微软雅黑"/>
-              </a:rPr>
-              <a:t>
-</a:t>
-            </a:r>
-            <a:r>
-              <a:rPr b="1" lang="en-US" sz="2000" spc="-1" strike="noStrike">
-                <a:solidFill>
-                  <a:srgbClr val="ffffff"/>
-                </a:solidFill>
-                <a:uFill>
-                  <a:solidFill>
-                    <a:srgbClr val="ffffff"/>
-                  </a:solidFill>
-                </a:uFill>
-                <a:latin typeface="微软雅黑"/>
-                <a:ea typeface="微软雅黑"/>
-              </a:rPr>
               <a:t>管理</a:t>
             </a:r>
             <a:endParaRPr b="0" lang="en-US" sz="1800" spc="-1" strike="noStrike">
@@ -11331,38 +10483,16 @@
           </a:p>
         </p:txBody>
       </p:sp>
-      <p:cxnSp>
-        <p:nvCxnSpPr>
-          <p:cNvPr id="280" name="Line 9"/>
-          <p:cNvCxnSpPr/>
-          <p:nvPr/>
-        </p:nvCxnSpPr>
+      <p:sp>
+        <p:nvSpPr>
+          <p:cNvPr id="266" name="Line 9"/>
+          <p:cNvSpPr/>
+          <p:nvPr/>
+        </p:nvSpPr>
         <p:spPr>
           <a:xfrm>
             <a:off x="0" y="0"/>
             <a:ext cx="360" cy="360"/>
-          </a:xfrm>
-          <a:prstGeom prst="line">
-            <a:avLst/>
-          </a:prstGeom>
-          <a:ln w="288000">
-            <a:solidFill>
-              <a:srgbClr val="83caff"/>
-            </a:solidFill>
-            <a:miter/>
-          </a:ln>
-        </p:spPr>
-      </p:cxnSp>
-      <p:sp>
-        <p:nvSpPr>
-          <p:cNvPr id="281" name="Line 10"/>
-          <p:cNvSpPr/>
-          <p:nvPr/>
-        </p:nvSpPr>
-        <p:spPr>
-          <a:xfrm>
-            <a:off x="5868000" y="5004000"/>
-            <a:ext cx="0" cy="1296000"/>
           </a:xfrm>
           <a:prstGeom prst="line">
             <a:avLst/>
@@ -11383,14 +10513,14 @@
       </p:sp>
       <p:sp>
         <p:nvSpPr>
-          <p:cNvPr id="282" name="Line 11"/>
+          <p:cNvPr id="267" name="Line 10"/>
           <p:cNvSpPr/>
           <p:nvPr/>
         </p:nvSpPr>
         <p:spPr>
           <a:xfrm flipH="1">
             <a:off x="4248000" y="3960000"/>
-            <a:ext cx="1368000" cy="0"/>
+            <a:ext cx="1368000" cy="360"/>
           </a:xfrm>
           <a:prstGeom prst="line">
             <a:avLst/>
@@ -11413,14 +10543,14 @@
       </p:sp>
       <p:sp>
         <p:nvSpPr>
-          <p:cNvPr id="283" name="TextShape 12"/>
-          <p:cNvSpPr txBox="1"/>
+          <p:cNvPr id="268" name="CustomShape 11"/>
+          <p:cNvSpPr/>
           <p:nvPr/>
         </p:nvSpPr>
         <p:spPr>
           <a:xfrm>
             <a:off x="648000" y="3384000"/>
-            <a:ext cx="3240000" cy="3106800"/>
+            <a:ext cx="3239280" cy="3106080"/>
           </a:xfrm>
           <a:prstGeom prst="rect">
             <a:avLst/>
@@ -11430,6 +10560,12 @@
             <a:noFill/>
           </a:ln>
         </p:spPr>
+        <p:style>
+          <a:lnRef idx="0"/>
+          <a:fillRef idx="0"/>
+          <a:effectRef idx="0"/>
+          <a:fontRef idx="minor"/>
+        </p:style>
         <p:txBody>
           <a:bodyPr lIns="90000" rIns="90000" tIns="45000" bIns="45000"/>
           <a:p>
@@ -11598,14 +10734,14 @@
       </p:sp>
       <p:sp>
         <p:nvSpPr>
-          <p:cNvPr id="284" name="TextShape 13"/>
-          <p:cNvSpPr txBox="1"/>
+          <p:cNvPr id="269" name="CustomShape 12"/>
+          <p:cNvSpPr/>
           <p:nvPr/>
         </p:nvSpPr>
         <p:spPr>
           <a:xfrm>
             <a:off x="648000" y="1091520"/>
-            <a:ext cx="3816000" cy="2436480"/>
+            <a:ext cx="3815280" cy="2435760"/>
           </a:xfrm>
           <a:prstGeom prst="rect">
             <a:avLst/>
@@ -11615,6 +10751,12 @@
             <a:noFill/>
           </a:ln>
         </p:spPr>
+        <p:style>
+          <a:lnRef idx="0"/>
+          <a:fillRef idx="0"/>
+          <a:effectRef idx="0"/>
+          <a:fontRef idx="minor"/>
+        </p:style>
         <p:txBody>
           <a:bodyPr lIns="90000" rIns="90000" tIns="45000" bIns="45000"/>
           <a:p>
@@ -11629,6 +10771,7 @@
                   </a:solidFill>
                 </a:uFill>
                 <a:latin typeface="微软雅黑"/>
+                <a:ea typeface="DejaVu Sans"/>
               </a:rPr>
               <a:t>1.</a:t>
             </a:r>
@@ -11643,20 +10786,20 @@
                   </a:solidFill>
                 </a:uFill>
                 <a:latin typeface="微软雅黑"/>
-              </a:rPr>
-              <a:t>负责一块或者多块业务的项目管理，包括需求评审，计划排期，资源协调，开发，情况汇报同步。</a:t>
-            </a:r>
-            <a:endParaRPr b="1" lang="en-US" sz="2000" spc="-1" strike="noStrike">
-              <a:solidFill>
-                <a:srgbClr val="000000"/>
-              </a:solidFill>
-              <a:uFill>
-                <a:solidFill>
-                  <a:srgbClr val="ffffff"/>
-                </a:solidFill>
-              </a:uFill>
-              <a:latin typeface="微软雅黑"/>
-              <a:ea typeface="微软雅黑"/>
+                <a:ea typeface="DejaVu Sans"/>
+              </a:rPr>
+              <a:t>负责一块或者多块业务的项目管理，包括需求评审，计划排期，资源协调，开发，情况汇报同步。能快速发现项目中的风险点并解决。</a:t>
+            </a:r>
+            <a:endParaRPr b="0" lang="en-US" sz="1800" spc="-1" strike="noStrike">
+              <a:solidFill>
+                <a:srgbClr val="000000"/>
+              </a:solidFill>
+              <a:uFill>
+                <a:solidFill>
+                  <a:srgbClr val="ffffff"/>
+                </a:solidFill>
+              </a:uFill>
+              <a:latin typeface="Arial"/>
             </a:endParaRPr>
           </a:p>
           <a:p>
@@ -11671,6 +10814,7 @@
                   </a:solidFill>
                 </a:uFill>
                 <a:latin typeface="微软雅黑"/>
+                <a:ea typeface="DejaVu Sans"/>
               </a:rPr>
               <a:t>2.</a:t>
             </a:r>
@@ -11685,34 +10829,34 @@
                   </a:solidFill>
                 </a:uFill>
                 <a:latin typeface="微软雅黑"/>
+                <a:ea typeface="DejaVu Sans"/>
               </a:rPr>
               <a:t>对业务的发展方向有自己的思考。</a:t>
             </a:r>
-            <a:endParaRPr b="1" lang="en-US" sz="2000" spc="-1" strike="noStrike">
-              <a:solidFill>
-                <a:srgbClr val="000000"/>
-              </a:solidFill>
-              <a:uFill>
-                <a:solidFill>
-                  <a:srgbClr val="ffffff"/>
-                </a:solidFill>
-              </a:uFill>
-              <a:latin typeface="微软雅黑"/>
-              <a:ea typeface="微软雅黑"/>
+            <a:endParaRPr b="0" lang="en-US" sz="1800" spc="-1" strike="noStrike">
+              <a:solidFill>
+                <a:srgbClr val="000000"/>
+              </a:solidFill>
+              <a:uFill>
+                <a:solidFill>
+                  <a:srgbClr val="ffffff"/>
+                </a:solidFill>
+              </a:uFill>
+              <a:latin typeface="Arial"/>
             </a:endParaRPr>
           </a:p>
         </p:txBody>
       </p:sp>
       <p:sp>
         <p:nvSpPr>
-          <p:cNvPr id="285" name="Line 14"/>
+          <p:cNvPr id="270" name="Line 13"/>
           <p:cNvSpPr/>
           <p:nvPr/>
         </p:nvSpPr>
         <p:spPr>
           <a:xfrm flipH="1">
             <a:off x="5040000" y="1800000"/>
-            <a:ext cx="2016000" cy="0"/>
+            <a:ext cx="2016000" cy="360"/>
           </a:xfrm>
           <a:prstGeom prst="line">
             <a:avLst/>
@@ -11724,6 +10868,206 @@
             <a:miter/>
             <a:headEnd len="med" type="oval" w="med"/>
             <a:tailEnd len="med" type="oval" w="med"/>
+          </a:ln>
+        </p:spPr>
+        <p:style>
+          <a:lnRef idx="0"/>
+          <a:fillRef idx="0"/>
+          <a:effectRef idx="0"/>
+          <a:fontRef idx="minor"/>
+        </p:style>
+      </p:sp>
+      <p:sp>
+        <p:nvSpPr>
+          <p:cNvPr id="271" name="Line 14"/>
+          <p:cNvSpPr/>
+          <p:nvPr/>
+        </p:nvSpPr>
+        <p:spPr>
+          <a:xfrm>
+            <a:off x="0" y="0"/>
+            <a:ext cx="360" cy="360"/>
+          </a:xfrm>
+          <a:prstGeom prst="line">
+            <a:avLst/>
+          </a:prstGeom>
+          <a:ln w="216000">
+            <a:solidFill>
+              <a:srgbClr val="83caff"/>
+            </a:solidFill>
+            <a:round/>
+          </a:ln>
+        </p:spPr>
+        <p:style>
+          <a:lnRef idx="0"/>
+          <a:fillRef idx="0"/>
+          <a:effectRef idx="0"/>
+          <a:fontRef idx="minor"/>
+        </p:style>
+      </p:sp>
+      <p:sp>
+        <p:nvSpPr>
+          <p:cNvPr id="272" name="CustomShape 15"/>
+          <p:cNvSpPr/>
+          <p:nvPr/>
+        </p:nvSpPr>
+        <p:spPr>
+          <a:xfrm>
+            <a:off x="6192000" y="5328000"/>
+            <a:ext cx="1943640" cy="385560"/>
+          </a:xfrm>
+          <a:prstGeom prst="rect">
+            <a:avLst/>
+          </a:prstGeom>
+          <a:noFill/>
+          <a:ln w="216000">
+            <a:noFill/>
+          </a:ln>
+        </p:spPr>
+        <p:style>
+          <a:lnRef idx="0"/>
+          <a:fillRef idx="0"/>
+          <a:effectRef idx="0"/>
+          <a:fontRef idx="minor"/>
+        </p:style>
+        <p:txBody>
+          <a:bodyPr lIns="90000" rIns="90000" tIns="45000" bIns="45000"/>
+          <a:p>
+            <a:pPr algn="ctr">
+              <a:lnSpc>
+                <a:spcPct val="100000"/>
+              </a:lnSpc>
+            </a:pPr>
+            <a:r>
+              <a:rPr b="0" lang="en-US" sz="1800" spc="-1" strike="noStrike">
+                <a:solidFill>
+                  <a:srgbClr val="000000"/>
+                </a:solidFill>
+                <a:uFill>
+                  <a:solidFill>
+                    <a:srgbClr val="ffffff"/>
+                  </a:solidFill>
+                </a:uFill>
+                <a:latin typeface="Arial"/>
+              </a:rPr>
+              <a:t>第一阶段</a:t>
+            </a:r>
+            <a:endParaRPr b="0" lang="en-US" sz="1800" spc="-1" strike="noStrike">
+              <a:solidFill>
+                <a:srgbClr val="000000"/>
+              </a:solidFill>
+              <a:uFill>
+                <a:solidFill>
+                  <a:srgbClr val="ffffff"/>
+                </a:solidFill>
+              </a:uFill>
+              <a:latin typeface="Arial"/>
+            </a:endParaRPr>
+          </a:p>
+        </p:txBody>
+      </p:sp>
+      <p:sp>
+        <p:nvSpPr>
+          <p:cNvPr id="273" name="CustomShape 16"/>
+          <p:cNvSpPr/>
+          <p:nvPr/>
+        </p:nvSpPr>
+        <p:spPr>
+          <a:xfrm>
+            <a:off x="8712000" y="3358080"/>
+            <a:ext cx="1943640" cy="385560"/>
+          </a:xfrm>
+          <a:prstGeom prst="rect">
+            <a:avLst/>
+          </a:prstGeom>
+          <a:noFill/>
+          <a:ln w="216000">
+            <a:noFill/>
+          </a:ln>
+        </p:spPr>
+        <p:style>
+          <a:lnRef idx="0"/>
+          <a:fillRef idx="0"/>
+          <a:effectRef idx="0"/>
+          <a:fontRef idx="minor"/>
+        </p:style>
+        <p:txBody>
+          <a:bodyPr lIns="90000" rIns="90000" tIns="45000" bIns="45000"/>
+          <a:p>
+            <a:pPr algn="ctr">
+              <a:lnSpc>
+                <a:spcPct val="100000"/>
+              </a:lnSpc>
+            </a:pPr>
+            <a:r>
+              <a:rPr b="0" lang="en-US" sz="1800" spc="-1" strike="noStrike">
+                <a:solidFill>
+                  <a:srgbClr val="000000"/>
+                </a:solidFill>
+                <a:uFill>
+                  <a:solidFill>
+                    <a:srgbClr val="ffffff"/>
+                  </a:solidFill>
+                </a:uFill>
+                <a:latin typeface="Arial"/>
+              </a:rPr>
+              <a:t>第二阶段</a:t>
+            </a:r>
+            <a:endParaRPr b="0" lang="en-US" sz="1800" spc="-1" strike="noStrike">
+              <a:solidFill>
+                <a:srgbClr val="000000"/>
+              </a:solidFill>
+              <a:uFill>
+                <a:solidFill>
+                  <a:srgbClr val="ffffff"/>
+                </a:solidFill>
+              </a:uFill>
+              <a:latin typeface="Arial"/>
+            </a:endParaRPr>
+          </a:p>
+        </p:txBody>
+      </p:sp>
+      <p:cxnSp>
+        <p:nvCxnSpPr>
+          <p:cNvPr id="274" name="Line 17"/>
+          <p:cNvCxnSpPr/>
+          <p:nvPr/>
+        </p:nvCxnSpPr>
+        <p:spPr>
+          <a:xfrm>
+            <a:off x="0" y="0"/>
+            <a:ext cx="360" cy="360"/>
+          </a:xfrm>
+          <a:prstGeom prst="line">
+            <a:avLst/>
+          </a:prstGeom>
+          <a:ln w="216000">
+            <a:solidFill>
+              <a:srgbClr val="83caff"/>
+            </a:solidFill>
+            <a:round/>
+          </a:ln>
+        </p:spPr>
+      </p:cxnSp>
+      <p:sp>
+        <p:nvSpPr>
+          <p:cNvPr id="275" name="Line 18"/>
+          <p:cNvSpPr/>
+          <p:nvPr/>
+        </p:nvSpPr>
+        <p:spPr>
+          <a:xfrm>
+            <a:off x="6120000" y="4860000"/>
+            <a:ext cx="0" cy="1224000"/>
+          </a:xfrm>
+          <a:prstGeom prst="line">
+            <a:avLst/>
+          </a:prstGeom>
+          <a:ln w="216000">
+            <a:solidFill>
+              <a:srgbClr val="83caff"/>
+            </a:solidFill>
+            <a:round/>
           </a:ln>
         </p:spPr>
         <p:style>
@@ -11784,14 +11128,14 @@
       </p:grpSpPr>
       <p:sp>
         <p:nvSpPr>
-          <p:cNvPr id="286" name="CustomShape 1"/>
+          <p:cNvPr id="276" name="CustomShape 1"/>
           <p:cNvSpPr/>
           <p:nvPr/>
         </p:nvSpPr>
         <p:spPr>
           <a:xfrm>
             <a:off x="0" y="205200"/>
-            <a:ext cx="12186000" cy="594720"/>
+            <a:ext cx="12185280" cy="594000"/>
           </a:xfrm>
           <a:prstGeom prst="rect">
             <a:avLst/>
@@ -11820,14 +11164,14 @@
       </p:sp>
       <p:sp>
         <p:nvSpPr>
-          <p:cNvPr id="287" name="CustomShape 2"/>
+          <p:cNvPr id="277" name="CustomShape 2"/>
           <p:cNvSpPr/>
           <p:nvPr/>
         </p:nvSpPr>
         <p:spPr>
           <a:xfrm flipH="1">
-            <a:off x="260640" y="806040"/>
-            <a:ext cx="306000" cy="83160"/>
+            <a:off x="259920" y="806040"/>
+            <a:ext cx="305280" cy="82440"/>
           </a:xfrm>
           <a:custGeom>
             <a:avLst/>
@@ -11879,14 +11223,14 @@
       </p:sp>
       <p:sp>
         <p:nvSpPr>
-          <p:cNvPr id="288" name="CustomShape 3"/>
+          <p:cNvPr id="278" name="CustomShape 3"/>
           <p:cNvSpPr/>
           <p:nvPr/>
         </p:nvSpPr>
         <p:spPr>
           <a:xfrm flipV="1">
-            <a:off x="1457280" y="109800"/>
-            <a:ext cx="306000" cy="83160"/>
+            <a:off x="1457280" y="109080"/>
+            <a:ext cx="305280" cy="82440"/>
           </a:xfrm>
           <a:custGeom>
             <a:avLst/>
@@ -11938,14 +11282,14 @@
       </p:sp>
       <p:sp>
         <p:nvSpPr>
-          <p:cNvPr id="289" name="CustomShape 4"/>
+          <p:cNvPr id="279" name="CustomShape 4"/>
           <p:cNvSpPr/>
           <p:nvPr/>
         </p:nvSpPr>
         <p:spPr>
           <a:xfrm flipH="1">
-            <a:off x="306720" y="116280"/>
-            <a:ext cx="1396800" cy="773280"/>
+            <a:off x="306000" y="116280"/>
+            <a:ext cx="1396080" cy="772560"/>
           </a:xfrm>
           <a:prstGeom prst="parallelogram">
             <a:avLst>
@@ -11976,14 +11320,14 @@
       </p:sp>
       <p:sp>
         <p:nvSpPr>
-          <p:cNvPr id="290" name="CustomShape 5"/>
+          <p:cNvPr id="280" name="CustomShape 5"/>
           <p:cNvSpPr/>
           <p:nvPr/>
         </p:nvSpPr>
         <p:spPr>
           <a:xfrm>
             <a:off x="302040" y="244080"/>
-            <a:ext cx="1317960" cy="511200"/>
+            <a:ext cx="1317240" cy="510480"/>
           </a:xfrm>
           <a:prstGeom prst="rect">
             <a:avLst/>
@@ -12038,14 +11382,14 @@
       </p:sp>
       <p:sp>
         <p:nvSpPr>
-          <p:cNvPr id="291" name="CustomShape 6"/>
+          <p:cNvPr id="281" name="CustomShape 6"/>
           <p:cNvSpPr/>
           <p:nvPr/>
         </p:nvSpPr>
         <p:spPr>
           <a:xfrm>
             <a:off x="2002320" y="244080"/>
-            <a:ext cx="2888640" cy="510480"/>
+            <a:ext cx="2887920" cy="509760"/>
           </a:xfrm>
           <a:prstGeom prst="rect">
             <a:avLst/>
@@ -12070,7 +11414,7 @@
               </a:lnSpc>
             </a:pPr>
             <a:r>
-              <a:rPr b="0" lang="en-US" sz="2800" spc="253" strike="noStrike">
+              <a:rPr b="0" lang="en-US" sz="2800" spc="248" strike="noStrike">
                 <a:solidFill>
                   <a:srgbClr val="ffffff"/>
                 </a:solidFill>
@@ -12100,13 +11444,13 @@
       </p:sp>
       <p:graphicFrame>
         <p:nvGraphicFramePr>
-          <p:cNvPr id="292" name="Table 7"/>
+          <p:cNvPr id="282" name="Table 7"/>
           <p:cNvGraphicFramePr/>
           <p:nvPr/>
         </p:nvGraphicFramePr>
         <p:xfrm>
-          <a:off x="601200" y="1271520"/>
-          <a:ext cx="10446840" cy="4827240"/>
+          <a:off x="601200" y="1631520"/>
+          <a:ext cx="10446480" cy="2814120"/>
         </p:xfrm>
         <a:graphic>
           <a:graphicData uri="http://schemas.openxmlformats.org/drawingml/2006/table">
@@ -12324,7 +11668,7 @@
                         </a:rPr>
                         <a:t>持续深入学习社区业务</a:t>
                       </a:r>
-                      <a:endParaRPr b="0" lang="en-US" sz="1500" spc="-1" strike="noStrike">
+                      <a:endParaRPr b="0" lang="en-US" sz="1800" spc="-1" strike="noStrike">
                         <a:solidFill>
                           <a:srgbClr val="000000"/>
                         </a:solidFill>
@@ -12334,7 +11678,6 @@
                           </a:solidFill>
                         </a:uFill>
                         <a:latin typeface="Arial"/>
-                        <a:ea typeface="微软雅黑"/>
                       </a:endParaRPr>
                     </a:p>
                   </a:txBody>
@@ -12382,7 +11725,7 @@
                         </a:rPr>
                         <a:t>承担更多的开发任务，参与各块业务的开发，快速提升业务知识储备。和产品多交流沟通，培养产品意识。多关注竞品产品现状，知己知彼。</a:t>
                       </a:r>
-                      <a:endParaRPr b="0" lang="en-US" sz="1500" spc="-1" strike="noStrike">
+                      <a:endParaRPr b="0" lang="en-US" sz="1800" spc="-1" strike="noStrike">
                         <a:solidFill>
                           <a:srgbClr val="000000"/>
                         </a:solidFill>
@@ -12392,7 +11735,6 @@
                           </a:solidFill>
                         </a:uFill>
                         <a:latin typeface="Arial"/>
-                        <a:ea typeface="微软雅黑"/>
                       </a:endParaRPr>
                     </a:p>
                   </a:txBody>
@@ -12440,7 +11782,7 @@
                         </a:rPr>
                         <a:t>下半年对社区业务有全面的了解，对业务合理性和发展方向有自己的思考。半年内做到在社区业务中独当一面。</a:t>
                       </a:r>
-                      <a:endParaRPr b="0" lang="en-US" sz="1500" spc="-1" strike="noStrike">
+                      <a:endParaRPr b="0" lang="en-US" sz="1800" spc="-1" strike="noStrike">
                         <a:solidFill>
                           <a:srgbClr val="000000"/>
                         </a:solidFill>
@@ -12450,7 +11792,6 @@
                           </a:solidFill>
                         </a:uFill>
                         <a:latin typeface="Arial"/>
-                        <a:ea typeface="微软雅黑"/>
                       </a:endParaRPr>
                     </a:p>
                   </a:txBody>
@@ -12500,7 +11841,7 @@
                         </a:rPr>
                         <a:t>参与重点项目的开发</a:t>
                       </a:r>
-                      <a:endParaRPr b="0" lang="en-US" sz="1500" spc="-1" strike="noStrike">
+                      <a:endParaRPr b="0" lang="en-US" sz="1800" spc="-1" strike="noStrike">
                         <a:solidFill>
                           <a:srgbClr val="000000"/>
                         </a:solidFill>
@@ -12510,7 +11851,6 @@
                           </a:solidFill>
                         </a:uFill>
                         <a:latin typeface="Arial"/>
-                        <a:ea typeface="微软雅黑"/>
                       </a:endParaRPr>
                     </a:p>
                   </a:txBody>
@@ -12613,9 +11953,9 @@
                           </a:uFill>
                           <a:latin typeface="Arial"/>
                         </a:rPr>
-                        <a:t>完成重点项目的开发，保证高质量快速上线。</a:t>
+                        <a:t>完成重点项目的开发，保证高质量快速交付上线。</a:t>
                       </a:r>
-                      <a:endParaRPr b="0" lang="en-US" sz="1500" spc="-1" strike="noStrike">
+                      <a:endParaRPr b="0" lang="en-US" sz="1800" spc="-1" strike="noStrike">
                         <a:solidFill>
                           <a:srgbClr val="000000"/>
                         </a:solidFill>
@@ -12625,7 +11965,6 @@
                           </a:solidFill>
                         </a:uFill>
                         <a:latin typeface="Arial"/>
-                        <a:ea typeface="微软雅黑"/>
                       </a:endParaRPr>
                     </a:p>
                   </a:txBody>
@@ -12675,7 +12014,7 @@
                         </a:rPr>
                         <a:t>参与基础建设</a:t>
                       </a:r>
-                      <a:endParaRPr b="0" lang="en-US" sz="1500" spc="-1" strike="noStrike">
+                      <a:endParaRPr b="0" lang="en-US" sz="1800" spc="-1" strike="noStrike">
                         <a:solidFill>
                           <a:srgbClr val="000000"/>
                         </a:solidFill>
@@ -12685,7 +12024,6 @@
                           </a:solidFill>
                         </a:uFill>
                         <a:latin typeface="Arial"/>
-                        <a:ea typeface="微软雅黑"/>
                       </a:endParaRPr>
                     </a:p>
                   </a:txBody>
@@ -12731,9 +12069,9 @@
                           </a:uFill>
                           <a:latin typeface="Arial"/>
                         </a:rPr>
-                        <a:t>参与社区稳定性建设，带头解决遇到的困难和问题，给出合理的建议。</a:t>
+                        <a:t>参与社区稳定性建设，带头解决遇到的困难和问题，给出合理的建议和方案。</a:t>
                       </a:r>
-                      <a:endParaRPr b="0" lang="en-US" sz="1500" spc="-1" strike="noStrike">
+                      <a:endParaRPr b="0" lang="en-US" sz="1800" spc="-1" strike="noStrike">
                         <a:solidFill>
                           <a:srgbClr val="000000"/>
                         </a:solidFill>
@@ -12743,7 +12081,6 @@
                           </a:solidFill>
                         </a:uFill>
                         <a:latin typeface="Arial"/>
-                        <a:ea typeface="微软雅黑"/>
                       </a:endParaRPr>
                     </a:p>
                   </a:txBody>
@@ -12791,7 +12128,7 @@
                         </a:rPr>
                         <a:t>下半年完成社区基础稳定性建设，优化提升社区项目稳定性。</a:t>
                       </a:r>
-                      <a:endParaRPr b="0" lang="en-US" sz="1500" spc="-1" strike="noStrike">
+                      <a:endParaRPr b="0" lang="en-US" sz="1800" spc="-1" strike="noStrike">
                         <a:solidFill>
                           <a:srgbClr val="000000"/>
                         </a:solidFill>
@@ -12801,176 +12138,9 @@
                           </a:solidFill>
                         </a:uFill>
                         <a:latin typeface="Arial"/>
-                        <a:ea typeface="微软雅黑"/>
                       </a:endParaRPr>
                     </a:p>
                   </a:txBody>
-                  <a:tcPr marL="91440" marR="91440">
-                    <a:lnL w="12240">
-                      <a:solidFill>
-                        <a:srgbClr val="ffffff"/>
-                      </a:solidFill>
-                    </a:lnL>
-                    <a:lnR w="12240">
-                      <a:solidFill>
-                        <a:srgbClr val="ffffff"/>
-                      </a:solidFill>
-                    </a:lnR>
-                    <a:lnT w="12240">
-                      <a:solidFill>
-                        <a:srgbClr val="ffffff"/>
-                      </a:solidFill>
-                    </a:lnT>
-                    <a:lnB w="12240">
-                      <a:solidFill>
-                        <a:srgbClr val="ffffff"/>
-                      </a:solidFill>
-                    </a:lnB>
-                    <a:solidFill>
-                      <a:srgbClr val="cfd5e9"/>
-                    </a:solidFill>
-                  </a:tcPr>
-                </a:tc>
-              </a:tr>
-              <a:tr h="1005480">
-                <a:tc>
-                  <a:tcPr marL="91440" marR="91440">
-                    <a:lnL w="12240">
-                      <a:solidFill>
-                        <a:srgbClr val="ffffff"/>
-                      </a:solidFill>
-                    </a:lnL>
-                    <a:lnR w="12240">
-                      <a:solidFill>
-                        <a:srgbClr val="ffffff"/>
-                      </a:solidFill>
-                    </a:lnR>
-                    <a:lnT w="12240">
-                      <a:solidFill>
-                        <a:srgbClr val="ffffff"/>
-                      </a:solidFill>
-                    </a:lnT>
-                    <a:lnB w="12240">
-                      <a:solidFill>
-                        <a:srgbClr val="ffffff"/>
-                      </a:solidFill>
-                    </a:lnB>
-                    <a:solidFill>
-                      <a:srgbClr val="e8ebf4"/>
-                    </a:solidFill>
-                  </a:tcPr>
-                </a:tc>
-                <a:tc>
-                  <a:tcPr marL="91440" marR="91440">
-                    <a:lnL w="12240">
-                      <a:solidFill>
-                        <a:srgbClr val="ffffff"/>
-                      </a:solidFill>
-                    </a:lnL>
-                    <a:lnR w="12240">
-                      <a:solidFill>
-                        <a:srgbClr val="ffffff"/>
-                      </a:solidFill>
-                    </a:lnR>
-                    <a:lnT w="12240">
-                      <a:solidFill>
-                        <a:srgbClr val="ffffff"/>
-                      </a:solidFill>
-                    </a:lnT>
-                    <a:lnB w="12240">
-                      <a:solidFill>
-                        <a:srgbClr val="ffffff"/>
-                      </a:solidFill>
-                    </a:lnB>
-                    <a:solidFill>
-                      <a:srgbClr val="e8ebf4"/>
-                    </a:solidFill>
-                  </a:tcPr>
-                </a:tc>
-                <a:tc>
-                  <a:tcPr marL="91440" marR="91440">
-                    <a:lnL w="12240">
-                      <a:solidFill>
-                        <a:srgbClr val="ffffff"/>
-                      </a:solidFill>
-                    </a:lnL>
-                    <a:lnR w="12240">
-                      <a:solidFill>
-                        <a:srgbClr val="ffffff"/>
-                      </a:solidFill>
-                    </a:lnR>
-                    <a:lnT w="12240">
-                      <a:solidFill>
-                        <a:srgbClr val="ffffff"/>
-                      </a:solidFill>
-                    </a:lnT>
-                    <a:lnB w="12240">
-                      <a:solidFill>
-                        <a:srgbClr val="ffffff"/>
-                      </a:solidFill>
-                    </a:lnB>
-                    <a:solidFill>
-                      <a:srgbClr val="e8ebf4"/>
-                    </a:solidFill>
-                  </a:tcPr>
-                </a:tc>
-              </a:tr>
-              <a:tr h="1007280">
-                <a:tc>
-                  <a:tcPr marL="91440" marR="91440">
-                    <a:lnL w="12240">
-                      <a:solidFill>
-                        <a:srgbClr val="ffffff"/>
-                      </a:solidFill>
-                    </a:lnL>
-                    <a:lnR w="12240">
-                      <a:solidFill>
-                        <a:srgbClr val="ffffff"/>
-                      </a:solidFill>
-                    </a:lnR>
-                    <a:lnT w="12240">
-                      <a:solidFill>
-                        <a:srgbClr val="ffffff"/>
-                      </a:solidFill>
-                    </a:lnT>
-                    <a:lnB w="12240">
-                      <a:solidFill>
-                        <a:srgbClr val="ffffff"/>
-                      </a:solidFill>
-                    </a:lnB>
-                    <a:solidFill>
-                      <a:srgbClr val="cfd5e9"/>
-                    </a:solidFill>
-                  </a:tcPr>
-                </a:tc>
-                <a:tc>
-                  <a:tcPr marL="91440" marR="91440">
-                    <a:lnL w="12240">
-                      <a:solidFill>
-                        <a:srgbClr val="ffffff"/>
-                      </a:solidFill>
-                    </a:lnL>
-                    <a:lnR w="12240">
-                      <a:solidFill>
-                        <a:srgbClr val="ffffff"/>
-                      </a:solidFill>
-                    </a:lnR>
-                    <a:lnT w="12240">
-                      <a:solidFill>
-                        <a:srgbClr val="ffffff"/>
-                      </a:solidFill>
-                    </a:lnT>
-                    <a:lnB w="12240">
-                      <a:solidFill>
-                        <a:srgbClr val="ffffff"/>
-                      </a:solidFill>
-                    </a:lnB>
-                    <a:solidFill>
-                      <a:srgbClr val="cfd5e9"/>
-                    </a:solidFill>
-                  </a:tcPr>
-                </a:tc>
-                <a:tc>
                   <a:tcPr marL="91440" marR="91440">
                     <a:lnL w="12240">
                       <a:solidFill>
@@ -13053,14 +12223,14 @@
       </p:grpSpPr>
       <p:sp>
         <p:nvSpPr>
-          <p:cNvPr id="293" name="CustomShape 1"/>
+          <p:cNvPr id="283" name="CustomShape 1"/>
           <p:cNvSpPr/>
           <p:nvPr/>
         </p:nvSpPr>
         <p:spPr>
           <a:xfrm>
             <a:off x="0" y="205200"/>
-            <a:ext cx="12186000" cy="594720"/>
+            <a:ext cx="12185280" cy="594000"/>
           </a:xfrm>
           <a:prstGeom prst="rect">
             <a:avLst/>
@@ -13089,14 +12259,14 @@
       </p:sp>
       <p:sp>
         <p:nvSpPr>
-          <p:cNvPr id="294" name="CustomShape 2"/>
+          <p:cNvPr id="284" name="CustomShape 2"/>
           <p:cNvSpPr/>
           <p:nvPr/>
         </p:nvSpPr>
         <p:spPr>
           <a:xfrm flipH="1">
-            <a:off x="260640" y="806040"/>
-            <a:ext cx="306000" cy="83160"/>
+            <a:off x="259920" y="806040"/>
+            <a:ext cx="305280" cy="82440"/>
           </a:xfrm>
           <a:custGeom>
             <a:avLst/>
@@ -13148,14 +12318,14 @@
       </p:sp>
       <p:sp>
         <p:nvSpPr>
-          <p:cNvPr id="295" name="CustomShape 3"/>
+          <p:cNvPr id="285" name="CustomShape 3"/>
           <p:cNvSpPr/>
           <p:nvPr/>
         </p:nvSpPr>
         <p:spPr>
           <a:xfrm flipV="1">
-            <a:off x="1457280" y="109800"/>
-            <a:ext cx="306000" cy="83160"/>
+            <a:off x="1457280" y="109080"/>
+            <a:ext cx="305280" cy="82440"/>
           </a:xfrm>
           <a:custGeom>
             <a:avLst/>
@@ -13207,14 +12377,14 @@
       </p:sp>
       <p:sp>
         <p:nvSpPr>
-          <p:cNvPr id="296" name="CustomShape 4"/>
+          <p:cNvPr id="286" name="CustomShape 4"/>
           <p:cNvSpPr/>
           <p:nvPr/>
         </p:nvSpPr>
         <p:spPr>
           <a:xfrm flipH="1">
-            <a:off x="306720" y="116280"/>
-            <a:ext cx="1396800" cy="773280"/>
+            <a:off x="306000" y="116280"/>
+            <a:ext cx="1396080" cy="772560"/>
           </a:xfrm>
           <a:prstGeom prst="parallelogram">
             <a:avLst>
@@ -13245,14 +12415,14 @@
       </p:sp>
       <p:sp>
         <p:nvSpPr>
-          <p:cNvPr id="297" name="CustomShape 5"/>
+          <p:cNvPr id="287" name="CustomShape 5"/>
           <p:cNvSpPr/>
           <p:nvPr/>
         </p:nvSpPr>
         <p:spPr>
           <a:xfrm>
             <a:off x="302040" y="244080"/>
-            <a:ext cx="1317960" cy="511200"/>
+            <a:ext cx="1317240" cy="510480"/>
           </a:xfrm>
           <a:prstGeom prst="rect">
             <a:avLst/>
@@ -13307,14 +12477,14 @@
       </p:sp>
       <p:sp>
         <p:nvSpPr>
-          <p:cNvPr id="298" name="CustomShape 6"/>
+          <p:cNvPr id="288" name="CustomShape 6"/>
           <p:cNvSpPr/>
           <p:nvPr/>
         </p:nvSpPr>
         <p:spPr>
           <a:xfrm>
             <a:off x="2002320" y="244080"/>
-            <a:ext cx="2888640" cy="510480"/>
+            <a:ext cx="2887920" cy="509760"/>
           </a:xfrm>
           <a:prstGeom prst="rect">
             <a:avLst/>
@@ -13339,7 +12509,7 @@
               </a:lnSpc>
             </a:pPr>
             <a:r>
-              <a:rPr b="0" lang="en-US" sz="2800" spc="253" strike="noStrike">
+              <a:rPr b="0" lang="en-US" sz="2800" spc="248" strike="noStrike">
                 <a:solidFill>
                   <a:srgbClr val="ffffff"/>
                 </a:solidFill>
@@ -13369,13 +12539,13 @@
       </p:sp>
       <p:graphicFrame>
         <p:nvGraphicFramePr>
-          <p:cNvPr id="299" name="Table 7"/>
+          <p:cNvPr id="289" name="Table 7"/>
           <p:cNvGraphicFramePr/>
           <p:nvPr/>
         </p:nvGraphicFramePr>
         <p:xfrm>
           <a:off x="583200" y="1685520"/>
-          <a:ext cx="10446840" cy="4827240"/>
+          <a:ext cx="10446480" cy="3819600"/>
         </p:xfrm>
         <a:graphic>
           <a:graphicData uri="http://schemas.openxmlformats.org/drawingml/2006/table">
@@ -13598,7 +12768,7 @@
                         </a:rPr>
                         <a:t>持续学习前沿技术</a:t>
                       </a:r>
-                      <a:endParaRPr b="0" lang="en-US" sz="1500" spc="-1" strike="noStrike">
+                      <a:endParaRPr b="0" lang="en-US" sz="1800" spc="-1" strike="noStrike">
                         <a:solidFill>
                           <a:srgbClr val="000000"/>
                         </a:solidFill>
@@ -13607,8 +12777,7 @@
                             <a:srgbClr val="ffffff"/>
                           </a:solidFill>
                         </a:uFill>
-                        <a:latin typeface="等线"/>
-                        <a:ea typeface="微软雅黑"/>
+                        <a:latin typeface="Arial"/>
                       </a:endParaRPr>
                     </a:p>
                   </a:txBody>
@@ -13656,7 +12825,7 @@
                         </a:rPr>
                         <a:t>多了解业内的流行技术和解决方案，思考在社区项目中落地的可行性。通过学习增加自身技术储备。</a:t>
                       </a:r>
-                      <a:endParaRPr b="0" lang="en-US" sz="1500" spc="-1" strike="noStrike">
+                      <a:endParaRPr b="0" lang="en-US" sz="1800" spc="-1" strike="noStrike">
                         <a:solidFill>
                           <a:srgbClr val="000000"/>
                         </a:solidFill>
@@ -13665,8 +12834,7 @@
                             <a:srgbClr val="ffffff"/>
                           </a:solidFill>
                         </a:uFill>
-                        <a:latin typeface="等线"/>
-                        <a:ea typeface="微软雅黑"/>
+                        <a:latin typeface="Arial"/>
                       </a:endParaRPr>
                     </a:p>
                   </a:txBody>
@@ -13742,7 +12910,7 @@
                         </a:rPr>
                         <a:t>次技术分享</a:t>
                       </a:r>
-                      <a:endParaRPr b="0" lang="en-US" sz="1500" spc="-1" strike="noStrike">
+                      <a:endParaRPr b="0" lang="en-US" sz="1800" spc="-1" strike="noStrike">
                         <a:solidFill>
                           <a:srgbClr val="000000"/>
                         </a:solidFill>
@@ -13751,8 +12919,7 @@
                             <a:srgbClr val="ffffff"/>
                           </a:solidFill>
                         </a:uFill>
-                        <a:latin typeface="等线"/>
-                        <a:ea typeface="微软雅黑"/>
+                        <a:latin typeface="Arial"/>
                       </a:endParaRPr>
                     </a:p>
                   </a:txBody>
@@ -13802,7 +12969,7 @@
                         </a:rPr>
                         <a:t>持续学习架构师技术</a:t>
                       </a:r>
-                      <a:endParaRPr b="0" lang="en-US" sz="1500" spc="-1" strike="noStrike">
+                      <a:endParaRPr b="0" lang="en-US" sz="1800" spc="-1" strike="noStrike">
                         <a:solidFill>
                           <a:srgbClr val="000000"/>
                         </a:solidFill>
@@ -13811,8 +12978,7 @@
                             <a:srgbClr val="ffffff"/>
                           </a:solidFill>
                         </a:uFill>
-                        <a:latin typeface="等线"/>
-                        <a:ea typeface="微软雅黑"/>
+                        <a:latin typeface="Arial"/>
                       </a:endParaRPr>
                     </a:p>
                   </a:txBody>
@@ -13888,7 +13054,7 @@
                         </a:rPr>
                         <a:t>避免理论脱离实际。</a:t>
                       </a:r>
-                      <a:endParaRPr b="0" lang="en-US" sz="1500" spc="-1" strike="noStrike">
+                      <a:endParaRPr b="0" lang="en-US" sz="1800" spc="-1" strike="noStrike">
                         <a:solidFill>
                           <a:srgbClr val="000000"/>
                         </a:solidFill>
@@ -13897,8 +13063,7 @@
                             <a:srgbClr val="ffffff"/>
                           </a:solidFill>
                         </a:uFill>
-                        <a:latin typeface="等线"/>
-                        <a:ea typeface="微软雅黑"/>
+                        <a:latin typeface="Arial"/>
                       </a:endParaRPr>
                     </a:p>
                   </a:txBody>
@@ -13977,7 +13142,7 @@
                         </a:rPr>
                         <a:t>个以上其他团队的项目，学习优秀的设计理念，思考有没有改进和提升点。</a:t>
                       </a:r>
-                      <a:endParaRPr b="0" lang="en-US" sz="2400" spc="-1" strike="noStrike">
+                      <a:endParaRPr b="0" lang="en-US" sz="1800" spc="-1" strike="noStrike">
                         <a:solidFill>
                           <a:srgbClr val="000000"/>
                         </a:solidFill>
@@ -13986,7 +13151,7 @@
                             <a:srgbClr val="ffffff"/>
                           </a:solidFill>
                         </a:uFill>
-                        <a:latin typeface="Times New Roman"/>
+                        <a:latin typeface="Arial"/>
                       </a:endParaRPr>
                     </a:p>
                   </a:txBody>
@@ -14036,7 +13201,7 @@
                         </a:rPr>
                         <a:t>提升金融知识储备</a:t>
                       </a:r>
-                      <a:endParaRPr b="0" lang="en-US" sz="1500" spc="-1" strike="noStrike">
+                      <a:endParaRPr b="0" lang="en-US" sz="1800" spc="-1" strike="noStrike">
                         <a:solidFill>
                           <a:srgbClr val="000000"/>
                         </a:solidFill>
@@ -14045,8 +13210,7 @@
                             <a:srgbClr val="ffffff"/>
                           </a:solidFill>
                         </a:uFill>
-                        <a:latin typeface="等线"/>
-                        <a:ea typeface="微软雅黑"/>
+                        <a:latin typeface="Arial"/>
                       </a:endParaRPr>
                     </a:p>
                   </a:txBody>
@@ -14094,7 +13258,7 @@
                         </a:rPr>
                         <a:t>持续学习金融股票知识，关注股市动向，思考股市行情对社区业务的影响。</a:t>
                       </a:r>
-                      <a:endParaRPr b="0" lang="en-US" sz="1500" spc="-1" strike="noStrike">
+                      <a:endParaRPr b="0" lang="en-US" sz="1800" spc="-1" strike="noStrike">
                         <a:solidFill>
                           <a:srgbClr val="000000"/>
                         </a:solidFill>
@@ -14103,8 +13267,7 @@
                             <a:srgbClr val="ffffff"/>
                           </a:solidFill>
                         </a:uFill>
-                        <a:latin typeface="等线"/>
-                        <a:ea typeface="微软雅黑"/>
+                        <a:latin typeface="Arial"/>
                       </a:endParaRPr>
                     </a:p>
                   </a:txBody>
@@ -14152,7 +13315,7 @@
                         </a:rPr>
                         <a:t>提高金融股市对社区影响的业务敏感度。</a:t>
                       </a:r>
-                      <a:endParaRPr b="0" lang="en-US" sz="1500" spc="-1" strike="noStrike">
+                      <a:endParaRPr b="0" lang="en-US" sz="1800" spc="-1" strike="noStrike">
                         <a:solidFill>
                           <a:srgbClr val="000000"/>
                         </a:solidFill>
@@ -14161,8 +13324,7 @@
                             <a:srgbClr val="ffffff"/>
                           </a:solidFill>
                         </a:uFill>
-                        <a:latin typeface="等线"/>
-                        <a:ea typeface="微软雅黑"/>
+                        <a:latin typeface="Arial"/>
                       </a:endParaRPr>
                     </a:p>
                   </a:txBody>
@@ -14212,7 +13374,7 @@
                         </a:rPr>
                         <a:t>提升自身软实力</a:t>
                       </a:r>
-                      <a:endParaRPr b="0" lang="en-US" sz="1500" spc="-1" strike="noStrike">
+                      <a:endParaRPr b="0" lang="en-US" sz="1800" spc="-1" strike="noStrike">
                         <a:solidFill>
                           <a:srgbClr val="000000"/>
                         </a:solidFill>
@@ -14221,8 +13383,7 @@
                             <a:srgbClr val="ffffff"/>
                           </a:solidFill>
                         </a:uFill>
-                        <a:latin typeface="等线"/>
-                        <a:ea typeface="微软雅黑"/>
+                        <a:latin typeface="Arial"/>
                       </a:endParaRPr>
                     </a:p>
                   </a:txBody>
@@ -14271,7 +13432,7 @@
                         </a:rPr>
                         <a:t>多交流沟通，提升交流协作的能力。</a:t>
                       </a:r>
-                      <a:endParaRPr b="0" lang="en-US" sz="2400" spc="-1" strike="noStrike">
+                      <a:endParaRPr b="0" lang="en-US" sz="1800" spc="-1" strike="noStrike">
                         <a:solidFill>
                           <a:srgbClr val="000000"/>
                         </a:solidFill>
@@ -14280,7 +13441,7 @@
                             <a:srgbClr val="ffffff"/>
                           </a:solidFill>
                         </a:uFill>
-                        <a:latin typeface="Times New Roman"/>
+                        <a:latin typeface="Arial"/>
                       </a:endParaRPr>
                     </a:p>
                     <a:p>
@@ -14309,64 +13470,6 @@
                           </a:solidFill>
                         </a:uFill>
                         <a:latin typeface="Arial"/>
-                      </a:endParaRPr>
-                    </a:p>
-                    <a:p>
-                      <a:r>
-                        <a:rPr b="0" lang="en-US" sz="1500" spc="-1" strike="noStrike">
-                          <a:solidFill>
-                            <a:srgbClr val="000000"/>
-                          </a:solidFill>
-                          <a:uFill>
-                            <a:solidFill>
-                              <a:srgbClr val="ffffff"/>
-                            </a:solidFill>
-                          </a:uFill>
-                          <a:latin typeface="等线"/>
-                          <a:ea typeface="微软雅黑"/>
-                        </a:rPr>
-                        <a:t>提升写文档</a:t>
-                      </a:r>
-                      <a:r>
-                        <a:rPr b="0" lang="en-US" sz="1500" spc="-1" strike="noStrike">
-                          <a:solidFill>
-                            <a:srgbClr val="000000"/>
-                          </a:solidFill>
-                          <a:uFill>
-                            <a:solidFill>
-                              <a:srgbClr val="ffffff"/>
-                            </a:solidFill>
-                          </a:uFill>
-                          <a:latin typeface="等线"/>
-                          <a:ea typeface="微软雅黑"/>
-                        </a:rPr>
-                        <a:t>PPT</a:t>
-                      </a:r>
-                      <a:r>
-                        <a:rPr b="0" lang="en-US" sz="1500" spc="-1" strike="noStrike">
-                          <a:solidFill>
-                            <a:srgbClr val="000000"/>
-                          </a:solidFill>
-                          <a:uFill>
-                            <a:solidFill>
-                              <a:srgbClr val="ffffff"/>
-                            </a:solidFill>
-                          </a:uFill>
-                          <a:latin typeface="等线"/>
-                          <a:ea typeface="微软雅黑"/>
-                        </a:rPr>
-                        <a:t>的能力。</a:t>
-                      </a:r>
-                      <a:endParaRPr b="0" lang="en-US" sz="2400" spc="-1" strike="noStrike">
-                        <a:solidFill>
-                          <a:srgbClr val="000000"/>
-                        </a:solidFill>
-                        <a:uFill>
-                          <a:solidFill>
-                            <a:srgbClr val="ffffff"/>
-                          </a:solidFill>
-                        </a:uFill>
-                        <a:latin typeface="Times New Roman"/>
                       </a:endParaRPr>
                     </a:p>
                   </a:txBody>
@@ -14414,7 +13517,7 @@
                         </a:rPr>
                         <a:t>书写的文档更详细，了解业务的同时，对文档进行补充和完善。</a:t>
                       </a:r>
-                      <a:endParaRPr b="0" lang="en-US" sz="1500" spc="-1" strike="noStrike">
+                      <a:endParaRPr b="0" lang="en-US" sz="1800" spc="-1" strike="noStrike">
                         <a:solidFill>
                           <a:srgbClr val="000000"/>
                         </a:solidFill>
@@ -14423,8 +13526,7 @@
                             <a:srgbClr val="ffffff"/>
                           </a:solidFill>
                         </a:uFill>
-                        <a:latin typeface="等线"/>
-                        <a:ea typeface="微软雅黑"/>
+                        <a:latin typeface="Arial"/>
                       </a:endParaRPr>
                     </a:p>
                   </a:txBody>
@@ -14510,14 +13612,14 @@
       </p:grpSpPr>
       <p:sp>
         <p:nvSpPr>
-          <p:cNvPr id="300" name="CustomShape 1"/>
+          <p:cNvPr id="290" name="CustomShape 1"/>
           <p:cNvSpPr/>
           <p:nvPr/>
         </p:nvSpPr>
         <p:spPr>
           <a:xfrm>
             <a:off x="0" y="0"/>
-            <a:ext cx="12186000" cy="3523320"/>
+            <a:ext cx="12185280" cy="3522600"/>
           </a:xfrm>
           <a:prstGeom prst="rect">
             <a:avLst/>
@@ -14546,7 +13648,7 @@
       </p:sp>
       <p:pic>
         <p:nvPicPr>
-          <p:cNvPr id="301" name="图片 42" descr=""/>
+          <p:cNvPr id="291" name="图片 42" descr=""/>
           <p:cNvPicPr/>
           <p:nvPr/>
         </p:nvPicPr>
@@ -14557,7 +13659,7 @@
         <p:spPr>
           <a:xfrm>
             <a:off x="1066680" y="345960"/>
-            <a:ext cx="10052280" cy="5081040"/>
+            <a:ext cx="10051560" cy="5080320"/>
           </a:xfrm>
           <a:prstGeom prst="rect">
             <a:avLst/>
@@ -14569,14 +13671,14 @@
       </p:pic>
       <p:sp>
         <p:nvSpPr>
-          <p:cNvPr id="302" name="CustomShape 2"/>
+          <p:cNvPr id="292" name="CustomShape 2"/>
           <p:cNvSpPr/>
           <p:nvPr/>
         </p:nvSpPr>
         <p:spPr>
           <a:xfrm>
             <a:off x="0" y="3522600"/>
-            <a:ext cx="12186000" cy="3329280"/>
+            <a:ext cx="12185280" cy="3328560"/>
           </a:xfrm>
           <a:prstGeom prst="rect">
             <a:avLst/>
@@ -14605,14 +13707,14 @@
       </p:sp>
       <p:sp>
         <p:nvSpPr>
-          <p:cNvPr id="303" name="CustomShape 3"/>
+          <p:cNvPr id="293" name="CustomShape 3"/>
           <p:cNvSpPr/>
           <p:nvPr/>
         </p:nvSpPr>
         <p:spPr>
           <a:xfrm>
             <a:off x="3459600" y="1377360"/>
-            <a:ext cx="5150880" cy="1546920"/>
+            <a:ext cx="5150160" cy="1546200"/>
           </a:xfrm>
           <a:prstGeom prst="rect">
             <a:avLst/>
@@ -14667,14 +13769,14 @@
       </p:sp>
       <p:sp>
         <p:nvSpPr>
-          <p:cNvPr id="304" name="CustomShape 4"/>
+          <p:cNvPr id="294" name="CustomShape 4"/>
           <p:cNvSpPr/>
           <p:nvPr/>
         </p:nvSpPr>
         <p:spPr>
           <a:xfrm>
             <a:off x="5222520" y="4392000"/>
-            <a:ext cx="1827720" cy="327960"/>
+            <a:ext cx="1827000" cy="327240"/>
           </a:xfrm>
           <a:prstGeom prst="rect">
             <a:avLst/>
@@ -14693,14 +13795,14 @@
       </p:sp>
       <p:sp>
         <p:nvSpPr>
-          <p:cNvPr id="305" name="CustomShape 5"/>
+          <p:cNvPr id="295" name="CustomShape 5"/>
           <p:cNvSpPr/>
           <p:nvPr/>
         </p:nvSpPr>
         <p:spPr>
           <a:xfrm>
             <a:off x="-360" y="3462840"/>
-            <a:ext cx="12186000" cy="3523320"/>
+            <a:ext cx="12185280" cy="3522600"/>
           </a:xfrm>
           <a:prstGeom prst="rect">
             <a:avLst/>
@@ -14729,14 +13831,14 @@
       </p:sp>
       <p:sp>
         <p:nvSpPr>
-          <p:cNvPr id="306" name="CustomShape 6"/>
+          <p:cNvPr id="296" name="CustomShape 6"/>
           <p:cNvSpPr/>
           <p:nvPr/>
         </p:nvSpPr>
         <p:spPr>
           <a:xfrm>
             <a:off x="3688200" y="3637440"/>
-            <a:ext cx="5150880" cy="1546920"/>
+            <a:ext cx="5150160" cy="1546200"/>
           </a:xfrm>
           <a:prstGeom prst="rect">
             <a:avLst/>
@@ -14850,7 +13952,7 @@
         <p:spPr>
           <a:xfrm>
             <a:off x="0" y="0"/>
-            <a:ext cx="12186000" cy="2330640"/>
+            <a:ext cx="12185280" cy="2329920"/>
           </a:xfrm>
           <a:prstGeom prst="rect">
             <a:avLst/>
@@ -14891,7 +13993,7 @@
         <p:spPr>
           <a:xfrm>
             <a:off x="1066680" y="345960"/>
-            <a:ext cx="10052280" cy="1931760"/>
+            <a:ext cx="10051560" cy="1931040"/>
           </a:xfrm>
           <a:prstGeom prst="rect">
             <a:avLst/>
@@ -14910,7 +14012,7 @@
         <p:spPr>
           <a:xfrm>
             <a:off x="785160" y="391680"/>
-            <a:ext cx="2993760" cy="941040"/>
+            <a:ext cx="2993040" cy="940320"/>
           </a:xfrm>
           <a:prstGeom prst="rect">
             <a:avLst/>
@@ -15017,7 +14119,7 @@
         <p:spPr>
           <a:xfrm>
             <a:off x="1479600" y="3281760"/>
-            <a:ext cx="1126080" cy="1200240"/>
+            <a:ext cx="1125360" cy="1199520"/>
           </a:xfrm>
           <a:custGeom>
             <a:avLst/>
@@ -15151,7 +14253,7 @@
         <p:spPr>
           <a:xfrm>
             <a:off x="5151960" y="3281760"/>
-            <a:ext cx="1126080" cy="1200240"/>
+            <a:ext cx="1125360" cy="1199520"/>
           </a:xfrm>
           <a:custGeom>
             <a:avLst/>
@@ -15285,7 +14387,7 @@
         <p:spPr>
           <a:xfrm>
             <a:off x="9184320" y="3281760"/>
-            <a:ext cx="1126080" cy="1200240"/>
+            <a:ext cx="1125360" cy="1199520"/>
           </a:xfrm>
           <a:custGeom>
             <a:avLst/>
@@ -15419,7 +14521,7 @@
         <p:spPr>
           <a:xfrm>
             <a:off x="941400" y="4760640"/>
-            <a:ext cx="2036880" cy="450360"/>
+            <a:ext cx="2036160" cy="449640"/>
           </a:xfrm>
           <a:prstGeom prst="rect">
             <a:avLst/>
@@ -15481,7 +14583,7 @@
         <p:spPr>
           <a:xfrm>
             <a:off x="4645800" y="4760640"/>
-            <a:ext cx="2073960" cy="449640"/>
+            <a:ext cx="2073240" cy="448920"/>
           </a:xfrm>
           <a:prstGeom prst="rect">
             <a:avLst/>
@@ -15543,7 +14645,7 @@
         <p:spPr>
           <a:xfrm>
             <a:off x="8727480" y="4760640"/>
-            <a:ext cx="2073960" cy="450360"/>
+            <a:ext cx="2073240" cy="449640"/>
           </a:xfrm>
           <a:prstGeom prst="rect">
             <a:avLst/>
@@ -15654,7 +14756,7 @@
         <p:spPr>
           <a:xfrm>
             <a:off x="0" y="2462040"/>
-            <a:ext cx="12186000" cy="1889640"/>
+            <a:ext cx="12185280" cy="1888920"/>
           </a:xfrm>
           <a:prstGeom prst="rect">
             <a:avLst/>
@@ -15688,7 +14790,7 @@
         <p:spPr>
           <a:xfrm>
             <a:off x="3714120" y="2202480"/>
-            <a:ext cx="252360" cy="253440"/>
+            <a:ext cx="251640" cy="252720"/>
           </a:xfrm>
           <a:custGeom>
             <a:avLst/>
@@ -15740,8 +14842,8 @@
         </p:nvSpPr>
         <p:spPr>
           <a:xfrm flipV="1">
-            <a:off x="510120" y="4351680"/>
-            <a:ext cx="257400" cy="258480"/>
+            <a:off x="510120" y="4350960"/>
+            <a:ext cx="256680" cy="257760"/>
           </a:xfrm>
           <a:custGeom>
             <a:avLst/>
@@ -15794,7 +14896,7 @@
         <p:spPr>
           <a:xfrm>
             <a:off x="639000" y="2203200"/>
-            <a:ext cx="3203280" cy="2406960"/>
+            <a:ext cx="3202560" cy="2406240"/>
           </a:xfrm>
           <a:prstGeom prst="parallelogram">
             <a:avLst>
@@ -15832,7 +14934,7 @@
         <p:spPr>
           <a:xfrm>
             <a:off x="1487520" y="2531520"/>
-            <a:ext cx="1756800" cy="1710360"/>
+            <a:ext cx="1756080" cy="1709640"/>
           </a:xfrm>
           <a:prstGeom prst="rect">
             <a:avLst/>
@@ -15894,7 +14996,7 @@
         <p:spPr>
           <a:xfrm>
             <a:off x="4446720" y="2957760"/>
-            <a:ext cx="6727680" cy="908280"/>
+            <a:ext cx="6726960" cy="907560"/>
           </a:xfrm>
           <a:prstGeom prst="rect">
             <a:avLst/>
@@ -16005,7 +15107,7 @@
         <p:spPr>
           <a:xfrm>
             <a:off x="0" y="205200"/>
-            <a:ext cx="12186000" cy="594720"/>
+            <a:ext cx="12185280" cy="594000"/>
           </a:xfrm>
           <a:prstGeom prst="rect">
             <a:avLst/>
@@ -16040,8 +15142,8 @@
         </p:nvSpPr>
         <p:spPr>
           <a:xfrm flipH="1">
-            <a:off x="260640" y="806040"/>
-            <a:ext cx="306000" cy="83160"/>
+            <a:off x="259920" y="806040"/>
+            <a:ext cx="305280" cy="82440"/>
           </a:xfrm>
           <a:custGeom>
             <a:avLst/>
@@ -16099,8 +15201,8 @@
         </p:nvSpPr>
         <p:spPr>
           <a:xfrm flipV="1">
-            <a:off x="1457280" y="109800"/>
-            <a:ext cx="306000" cy="83160"/>
+            <a:off x="1457280" y="109080"/>
+            <a:ext cx="305280" cy="82440"/>
           </a:xfrm>
           <a:custGeom>
             <a:avLst/>
@@ -16158,8 +15260,8 @@
         </p:nvSpPr>
         <p:spPr>
           <a:xfrm flipH="1">
-            <a:off x="306720" y="116280"/>
-            <a:ext cx="1396800" cy="773280"/>
+            <a:off x="306000" y="116280"/>
+            <a:ext cx="1396080" cy="772560"/>
           </a:xfrm>
           <a:prstGeom prst="parallelogram">
             <a:avLst>
@@ -16197,7 +15299,7 @@
         <p:spPr>
           <a:xfrm>
             <a:off x="302040" y="244080"/>
-            <a:ext cx="1317960" cy="511200"/>
+            <a:ext cx="1317240" cy="510480"/>
           </a:xfrm>
           <a:prstGeom prst="rect">
             <a:avLst/>
@@ -16259,7 +15361,7 @@
         <p:spPr>
           <a:xfrm>
             <a:off x="2002320" y="244080"/>
-            <a:ext cx="2888640" cy="510480"/>
+            <a:ext cx="2887920" cy="509760"/>
           </a:xfrm>
           <a:prstGeom prst="rect">
             <a:avLst/>
@@ -16284,7 +15386,7 @@
               </a:lnSpc>
             </a:pPr>
             <a:r>
-              <a:rPr b="0" lang="en-US" sz="2800" spc="253" strike="noStrike">
+              <a:rPr b="0" lang="en-US" sz="2800" spc="248" strike="noStrike">
                 <a:solidFill>
                   <a:srgbClr val="ffffff"/>
                 </a:solidFill>
@@ -16321,7 +15423,7 @@
         <p:spPr>
           <a:xfrm>
             <a:off x="1035360" y="2612160"/>
-            <a:ext cx="2935080" cy="2450880"/>
+            <a:ext cx="2934360" cy="2450160"/>
           </a:xfrm>
           <a:prstGeom prst="round2DiagRect">
             <a:avLst>
@@ -16454,7 +15556,7 @@
         <p:spPr>
           <a:xfrm>
             <a:off x="5236920" y="1711440"/>
-            <a:ext cx="3882240" cy="4062240"/>
+            <a:ext cx="3881520" cy="4061520"/>
           </a:xfrm>
           <a:prstGeom prst="rect">
             <a:avLst/>
@@ -16494,7 +15596,7 @@
         <p:spPr>
           <a:xfrm>
             <a:off x="5596920" y="1993680"/>
-            <a:ext cx="5731560" cy="511200"/>
+            <a:ext cx="5730840" cy="510480"/>
           </a:xfrm>
           <a:prstGeom prst="rect">
             <a:avLst/>
@@ -16520,7 +15622,7 @@
         <p:spPr>
           <a:xfrm>
             <a:off x="5004000" y="2044440"/>
-            <a:ext cx="460080" cy="483480"/>
+            <a:ext cx="459360" cy="482760"/>
           </a:xfrm>
           <a:prstGeom prst="rect">
             <a:avLst/>
@@ -16592,7 +15694,7 @@
         <p:spPr>
           <a:xfrm>
             <a:off x="5004000" y="3040920"/>
-            <a:ext cx="460080" cy="483480"/>
+            <a:ext cx="459360" cy="482760"/>
           </a:xfrm>
           <a:prstGeom prst="rect">
             <a:avLst/>
@@ -16664,7 +15766,7 @@
         <p:spPr>
           <a:xfrm>
             <a:off x="5586120" y="3941280"/>
-            <a:ext cx="1753920" cy="511200"/>
+            <a:ext cx="1753200" cy="510480"/>
           </a:xfrm>
           <a:prstGeom prst="rect">
             <a:avLst/>
@@ -16726,7 +15828,7 @@
         <p:spPr>
           <a:xfrm>
             <a:off x="5004000" y="3994920"/>
-            <a:ext cx="460080" cy="483480"/>
+            <a:ext cx="459360" cy="482760"/>
           </a:xfrm>
           <a:prstGeom prst="rect">
             <a:avLst/>
@@ -16798,7 +15900,7 @@
         <p:spPr>
           <a:xfrm>
             <a:off x="5596920" y="4823280"/>
-            <a:ext cx="5579280" cy="511200"/>
+            <a:ext cx="5578560" cy="510480"/>
           </a:xfrm>
           <a:prstGeom prst="rect">
             <a:avLst/>
@@ -16824,7 +15926,7 @@
         <p:spPr>
           <a:xfrm>
             <a:off x="5004000" y="4948920"/>
-            <a:ext cx="460080" cy="483480"/>
+            <a:ext cx="459360" cy="482760"/>
           </a:xfrm>
           <a:prstGeom prst="rect">
             <a:avLst/>
@@ -16896,7 +15998,7 @@
         <p:spPr>
           <a:xfrm>
             <a:off x="5586120" y="3941280"/>
-            <a:ext cx="5590080" cy="511200"/>
+            <a:ext cx="5589360" cy="510480"/>
           </a:xfrm>
           <a:prstGeom prst="rect">
             <a:avLst/>
@@ -16922,7 +16024,7 @@
         <p:spPr>
           <a:xfrm>
             <a:off x="5586120" y="3941280"/>
-            <a:ext cx="5590080" cy="511200"/>
+            <a:ext cx="5589360" cy="510480"/>
           </a:xfrm>
           <a:prstGeom prst="rect">
             <a:avLst/>
@@ -16948,7 +16050,7 @@
         <p:spPr>
           <a:xfrm>
             <a:off x="5616000" y="4896000"/>
-            <a:ext cx="1652040" cy="511200"/>
+            <a:ext cx="1651320" cy="510480"/>
           </a:xfrm>
           <a:prstGeom prst="rect">
             <a:avLst/>
@@ -17010,7 +16112,7 @@
         <p:spPr>
           <a:xfrm>
             <a:off x="5596920" y="1993680"/>
-            <a:ext cx="1743120" cy="547200"/>
+            <a:ext cx="1742400" cy="546480"/>
           </a:xfrm>
           <a:prstGeom prst="rect">
             <a:avLst/>
@@ -17072,7 +16174,7 @@
         <p:spPr>
           <a:xfrm>
             <a:off x="5599080" y="2975400"/>
-            <a:ext cx="1668960" cy="547200"/>
+            <a:ext cx="1668240" cy="546480"/>
           </a:xfrm>
           <a:prstGeom prst="rect">
             <a:avLst/>
@@ -17183,7 +16285,7 @@
         <p:spPr>
           <a:xfrm>
             <a:off x="0" y="205200"/>
-            <a:ext cx="12186000" cy="594720"/>
+            <a:ext cx="12185280" cy="594000"/>
           </a:xfrm>
           <a:prstGeom prst="rect">
             <a:avLst/>
@@ -17218,8 +16320,8 @@
         </p:nvSpPr>
         <p:spPr>
           <a:xfrm flipH="1">
-            <a:off x="260640" y="806040"/>
-            <a:ext cx="306000" cy="83160"/>
+            <a:off x="259920" y="806040"/>
+            <a:ext cx="305280" cy="82440"/>
           </a:xfrm>
           <a:custGeom>
             <a:avLst/>
@@ -17277,8 +16379,8 @@
         </p:nvSpPr>
         <p:spPr>
           <a:xfrm flipV="1">
-            <a:off x="1457280" y="109800"/>
-            <a:ext cx="306000" cy="83160"/>
+            <a:off x="1457280" y="109080"/>
+            <a:ext cx="305280" cy="82440"/>
           </a:xfrm>
           <a:custGeom>
             <a:avLst/>
@@ -17336,8 +16438,8 @@
         </p:nvSpPr>
         <p:spPr>
           <a:xfrm flipH="1">
-            <a:off x="306720" y="116280"/>
-            <a:ext cx="1396800" cy="773280"/>
+            <a:off x="306000" y="116280"/>
+            <a:ext cx="1396080" cy="772560"/>
           </a:xfrm>
           <a:prstGeom prst="parallelogram">
             <a:avLst>
@@ -17375,7 +16477,7 @@
         <p:spPr>
           <a:xfrm>
             <a:off x="302040" y="244080"/>
-            <a:ext cx="1317960" cy="511200"/>
+            <a:ext cx="1317240" cy="510480"/>
           </a:xfrm>
           <a:prstGeom prst="rect">
             <a:avLst/>
@@ -17437,7 +16539,7 @@
         <p:spPr>
           <a:xfrm>
             <a:off x="2021400" y="244080"/>
-            <a:ext cx="2495160" cy="510480"/>
+            <a:ext cx="2494440" cy="509760"/>
           </a:xfrm>
           <a:prstGeom prst="rect">
             <a:avLst/>
@@ -17462,7 +16564,7 @@
               </a:lnSpc>
             </a:pPr>
             <a:r>
-              <a:rPr b="0" lang="en-US" sz="2800" spc="253" strike="noStrike">
+              <a:rPr b="0" lang="en-US" sz="2800" spc="248" strike="noStrike">
                 <a:solidFill>
                   <a:srgbClr val="ffffff"/>
                 </a:solidFill>
@@ -17492,14 +16594,14 @@
       </p:sp>
       <p:sp>
         <p:nvSpPr>
-          <p:cNvPr id="145" name="TextShape 7"/>
-          <p:cNvSpPr txBox="1"/>
+          <p:cNvPr id="145" name="CustomShape 7"/>
+          <p:cNvSpPr/>
           <p:nvPr/>
         </p:nvSpPr>
         <p:spPr>
           <a:xfrm>
             <a:off x="1296000" y="1512000"/>
-            <a:ext cx="6984000" cy="4392720"/>
+            <a:ext cx="6983280" cy="4392000"/>
           </a:xfrm>
           <a:prstGeom prst="rect">
             <a:avLst/>
@@ -17509,6 +16611,12 @@
             <a:noFill/>
           </a:ln>
         </p:spPr>
+        <p:style>
+          <a:lnRef idx="0"/>
+          <a:fillRef idx="0"/>
+          <a:effectRef idx="0"/>
+          <a:fontRef idx="minor"/>
+        </p:style>
         <p:txBody>
           <a:bodyPr lIns="90000" rIns="90000" tIns="45000" bIns="45000"/>
           <a:p>
@@ -17523,6 +16631,7 @@
                   </a:solidFill>
                 </a:uFill>
                 <a:latin typeface="Arial"/>
+                <a:ea typeface="DejaVu Sans"/>
               </a:rPr>
               <a:t>需求任务： </a:t>
             </a:r>
@@ -17537,6 +16646,7 @@
                   </a:solidFill>
                 </a:uFill>
                 <a:latin typeface="Arial"/>
+                <a:ea typeface="DejaVu Sans"/>
               </a:rPr>
               <a:t>6</a:t>
             </a:r>
@@ -17577,6 +16687,7 @@
                   </a:solidFill>
                 </a:uFill>
                 <a:latin typeface="Arial"/>
+                <a:ea typeface="DejaVu Sans"/>
               </a:rPr>
               <a:t>重构任务： </a:t>
             </a:r>
@@ -17591,6 +16702,7 @@
                   </a:solidFill>
                 </a:uFill>
                 <a:latin typeface="Arial"/>
+                <a:ea typeface="DejaVu Sans"/>
               </a:rPr>
               <a:t>1</a:t>
             </a:r>
@@ -17631,6 +16743,7 @@
                   </a:solidFill>
                 </a:uFill>
                 <a:latin typeface="Arial"/>
+                <a:ea typeface="DejaVu Sans"/>
               </a:rPr>
               <a:t>重构任务： </a:t>
             </a:r>
@@ -17645,6 +16758,7 @@
                   </a:solidFill>
                 </a:uFill>
                 <a:latin typeface="Arial"/>
+                <a:ea typeface="DejaVu Sans"/>
               </a:rPr>
               <a:t>4</a:t>
             </a:r>
@@ -17685,6 +16799,7 @@
                   </a:solidFill>
                 </a:uFill>
                 <a:latin typeface="Arial"/>
+                <a:ea typeface="DejaVu Sans"/>
               </a:rPr>
               <a:t>问题定位解决： </a:t>
             </a:r>
@@ -17699,6 +16814,7 @@
                   </a:solidFill>
                 </a:uFill>
                 <a:latin typeface="Arial"/>
+                <a:ea typeface="DejaVu Sans"/>
               </a:rPr>
               <a:t>1</a:t>
             </a:r>
@@ -17739,6 +16855,7 @@
                   </a:solidFill>
                 </a:uFill>
                 <a:latin typeface="Arial"/>
+                <a:ea typeface="DejaVu Sans"/>
               </a:rPr>
               <a:t>技术分享： </a:t>
             </a:r>
@@ -17753,6 +16870,7 @@
                   </a:solidFill>
                 </a:uFill>
                 <a:latin typeface="Arial"/>
+                <a:ea typeface="DejaVu Sans"/>
               </a:rPr>
               <a:t>1</a:t>
             </a:r>
@@ -17793,6 +16911,7 @@
                   </a:solidFill>
                 </a:uFill>
                 <a:latin typeface="Arial"/>
+                <a:ea typeface="DejaVu Sans"/>
               </a:rPr>
               <a:t>业务覆盖面：</a:t>
             </a:r>
@@ -17850,7 +16969,7 @@
                 <a:latin typeface="微软雅黑"/>
                 <a:ea typeface="微软雅黑"/>
               </a:rPr>
-              <a:t>运营后台，</a:t>
+              <a:t>运营平台，</a:t>
             </a:r>
             <a:r>
               <a:rPr b="0" lang="en-US" sz="1400" spc="-1" strike="noStrike">
@@ -17931,7 +17050,7 @@
         <p:spPr>
           <a:xfrm>
             <a:off x="7488000" y="3024000"/>
-            <a:ext cx="1800000" cy="1640520"/>
+            <a:ext cx="1799280" cy="1639800"/>
           </a:xfrm>
           <a:custGeom>
             <a:avLst/>
@@ -17998,7 +17117,7 @@
         <p:spPr>
           <a:xfrm>
             <a:off x="7560000" y="1440000"/>
-            <a:ext cx="1656000" cy="1477440"/>
+            <a:ext cx="1655280" cy="1476720"/>
           </a:xfrm>
           <a:custGeom>
             <a:avLst/>
@@ -18091,7 +17210,7 @@
         <p:spPr>
           <a:xfrm>
             <a:off x="9072000" y="2266560"/>
-            <a:ext cx="1656000" cy="1477440"/>
+            <a:ext cx="1655280" cy="1476720"/>
           </a:xfrm>
           <a:custGeom>
             <a:avLst/>
@@ -18184,7 +17303,7 @@
         <p:spPr>
           <a:xfrm>
             <a:off x="9072000" y="3994560"/>
-            <a:ext cx="1656000" cy="1477440"/>
+            <a:ext cx="1655280" cy="1476720"/>
           </a:xfrm>
           <a:custGeom>
             <a:avLst/>
@@ -18277,7 +17396,7 @@
         <p:spPr>
           <a:xfrm>
             <a:off x="7560000" y="4824000"/>
-            <a:ext cx="1656000" cy="1477440"/>
+            <a:ext cx="1655280" cy="1476720"/>
           </a:xfrm>
           <a:custGeom>
             <a:avLst/>
@@ -18370,7 +17489,7 @@
         <p:spPr>
           <a:xfrm>
             <a:off x="6048000" y="3960000"/>
-            <a:ext cx="1656000" cy="1477440"/>
+            <a:ext cx="1655280" cy="1476720"/>
           </a:xfrm>
           <a:custGeom>
             <a:avLst/>
@@ -18463,7 +17582,7 @@
         <p:spPr>
           <a:xfrm>
             <a:off x="6048000" y="2266560"/>
-            <a:ext cx="1656000" cy="1477440"/>
+            <a:ext cx="1655280" cy="1476720"/>
           </a:xfrm>
           <a:custGeom>
             <a:avLst/>
@@ -18605,7 +17724,7 @@
         <p:spPr>
           <a:xfrm>
             <a:off x="0" y="205200"/>
-            <a:ext cx="12186000" cy="594720"/>
+            <a:ext cx="12185280" cy="594000"/>
           </a:xfrm>
           <a:prstGeom prst="rect">
             <a:avLst/>
@@ -18640,8 +17759,8 @@
         </p:nvSpPr>
         <p:spPr>
           <a:xfrm flipH="1">
-            <a:off x="260640" y="806040"/>
-            <a:ext cx="306000" cy="83160"/>
+            <a:off x="259920" y="806040"/>
+            <a:ext cx="305280" cy="82440"/>
           </a:xfrm>
           <a:custGeom>
             <a:avLst/>
@@ -18699,8 +17818,8 @@
         </p:nvSpPr>
         <p:spPr>
           <a:xfrm flipV="1">
-            <a:off x="1457280" y="109800"/>
-            <a:ext cx="306000" cy="83160"/>
+            <a:off x="1457280" y="109080"/>
+            <a:ext cx="305280" cy="82440"/>
           </a:xfrm>
           <a:custGeom>
             <a:avLst/>
@@ -18758,8 +17877,8 @@
         </p:nvSpPr>
         <p:spPr>
           <a:xfrm flipH="1">
-            <a:off x="306720" y="116280"/>
-            <a:ext cx="1396800" cy="773280"/>
+            <a:off x="306000" y="116280"/>
+            <a:ext cx="1396080" cy="772560"/>
           </a:xfrm>
           <a:prstGeom prst="parallelogram">
             <a:avLst>
@@ -18797,7 +17916,7 @@
         <p:spPr>
           <a:xfrm>
             <a:off x="302040" y="244080"/>
-            <a:ext cx="1317960" cy="511200"/>
+            <a:ext cx="1317240" cy="510480"/>
           </a:xfrm>
           <a:prstGeom prst="rect">
             <a:avLst/>
@@ -18834,7 +17953,7 @@
                 <a:latin typeface="微软雅黑"/>
                 <a:ea typeface="微软雅黑"/>
               </a:rPr>
-              <a:t>1.4</a:t>
+              <a:t>1.3</a:t>
             </a:r>
             <a:endParaRPr b="0" lang="en-US" sz="1800" spc="-1" strike="noStrike">
               <a:solidFill>
@@ -18859,7 +17978,7 @@
         <p:spPr>
           <a:xfrm>
             <a:off x="2326320" y="244080"/>
-            <a:ext cx="2888640" cy="510480"/>
+            <a:ext cx="2887920" cy="509760"/>
           </a:xfrm>
           <a:prstGeom prst="rect">
             <a:avLst/>
@@ -18884,7 +18003,7 @@
               </a:lnSpc>
             </a:pPr>
             <a:r>
-              <a:rPr b="0" lang="en-US" sz="2800" spc="253" strike="noStrike">
+              <a:rPr b="0" lang="en-US" sz="2800" spc="248" strike="noStrike">
                 <a:solidFill>
                   <a:srgbClr val="ffffff"/>
                 </a:solidFill>
@@ -18899,7 +18018,7 @@
               <a:t>             </a:t>
             </a:r>
             <a:r>
-              <a:rPr b="0" lang="en-US" sz="2800" spc="253" strike="noStrike">
+              <a:rPr b="0" lang="en-US" sz="2800" spc="248" strike="noStrike">
                 <a:solidFill>
                   <a:srgbClr val="ffffff"/>
                 </a:solidFill>
@@ -18914,7 +18033,7 @@
               <a:t>重点项目</a:t>
             </a:r>
             <a:r>
-              <a:rPr b="0" lang="en-US" sz="2800" spc="253" strike="noStrike">
+              <a:rPr b="0" lang="en-US" sz="2800" spc="248" strike="noStrike">
                 <a:solidFill>
                   <a:srgbClr val="ffffff"/>
                 </a:solidFill>
@@ -18929,7 +18048,7 @@
               <a:t>-</a:t>
             </a:r>
             <a:r>
-              <a:rPr b="0" lang="en-US" sz="2800" spc="253" strike="noStrike">
+              <a:rPr b="0" lang="en-US" sz="2800" spc="248" strike="noStrike">
                 <a:solidFill>
                   <a:srgbClr val="ffffff"/>
                 </a:solidFill>
@@ -18966,7 +18085,7 @@
         <p:spPr>
           <a:xfrm>
             <a:off x="2354040" y="1837800"/>
-            <a:ext cx="8689320" cy="571320"/>
+            <a:ext cx="8688600" cy="570600"/>
           </a:xfrm>
           <a:prstGeom prst="rect">
             <a:avLst/>
@@ -18992,7 +18111,7 @@
         <p:spPr>
           <a:xfrm>
             <a:off x="770040" y="4127760"/>
-            <a:ext cx="2320920" cy="419760"/>
+            <a:ext cx="2320200" cy="419040"/>
           </a:xfrm>
           <a:prstGeom prst="rect">
             <a:avLst/>
@@ -19054,7 +18173,7 @@
         <p:spPr>
           <a:xfrm>
             <a:off x="770040" y="1380960"/>
-            <a:ext cx="2399760" cy="419040"/>
+            <a:ext cx="2399040" cy="418320"/>
           </a:xfrm>
           <a:prstGeom prst="rect">
             <a:avLst/>
@@ -19116,7 +18235,7 @@
         <p:spPr>
           <a:xfrm>
             <a:off x="1080000" y="4541040"/>
-            <a:ext cx="6716880" cy="570600"/>
+            <a:ext cx="6716160" cy="569880"/>
           </a:xfrm>
           <a:prstGeom prst="rect">
             <a:avLst/>
@@ -19135,7 +18254,11 @@
         <p:txBody>
           <a:bodyPr lIns="90000" rIns="90000" tIns="45000" bIns="45000"/>
           <a:p>
-            <a:pPr algn="just"/>
+            <a:pPr algn="just">
+              <a:lnSpc>
+                <a:spcPct val="100000"/>
+              </a:lnSpc>
+            </a:pPr>
             <a:r>
               <a:rPr b="0" lang="en-US" sz="1200" spc="-1" strike="noStrike">
                 <a:solidFill>
@@ -19179,7 +18302,11 @@
             </a:endParaRPr>
           </a:p>
           <a:p>
-            <a:pPr algn="just"/>
+            <a:pPr algn="just">
+              <a:lnSpc>
+                <a:spcPct val="100000"/>
+              </a:lnSpc>
+            </a:pPr>
             <a:r>
               <a:rPr b="0" lang="en-US" sz="1200" spc="-1" strike="noStrike">
                 <a:solidFill>
@@ -19223,7 +18350,11 @@
             </a:endParaRPr>
           </a:p>
           <a:p>
-            <a:pPr algn="just"/>
+            <a:pPr algn="just">
+              <a:lnSpc>
+                <a:spcPct val="100000"/>
+              </a:lnSpc>
+            </a:pPr>
             <a:r>
               <a:rPr b="0" lang="en-US" sz="1200" spc="-1" strike="noStrike">
                 <a:solidFill>
@@ -19267,7 +18398,11 @@
             </a:endParaRPr>
           </a:p>
           <a:p>
-            <a:pPr algn="just"/>
+            <a:pPr algn="just">
+              <a:lnSpc>
+                <a:spcPct val="100000"/>
+              </a:lnSpc>
+            </a:pPr>
             <a:r>
               <a:rPr b="0" lang="en-US" sz="1200" spc="-1" strike="noStrike">
                 <a:solidFill>
@@ -19321,7 +18456,7 @@
         <p:spPr>
           <a:xfrm>
             <a:off x="1107360" y="1898280"/>
-            <a:ext cx="6668280" cy="765360"/>
+            <a:ext cx="6667560" cy="764640"/>
           </a:xfrm>
           <a:prstGeom prst="rect">
             <a:avLst/>
@@ -19417,7 +18552,7 @@
         <p:spPr>
           <a:xfrm>
             <a:off x="8725680" y="910080"/>
-            <a:ext cx="2865960" cy="5641560"/>
+            <a:ext cx="2865240" cy="5640840"/>
           </a:xfrm>
           <a:prstGeom prst="rect">
             <a:avLst/>
@@ -19436,7 +18571,7 @@
         <p:spPr>
           <a:xfrm>
             <a:off x="770040" y="2388600"/>
-            <a:ext cx="2399760" cy="419040"/>
+            <a:ext cx="2399040" cy="418320"/>
           </a:xfrm>
           <a:prstGeom prst="rect">
             <a:avLst/>
@@ -19498,7 +18633,7 @@
         <p:spPr>
           <a:xfrm>
             <a:off x="1107360" y="2834280"/>
-            <a:ext cx="6668280" cy="765360"/>
+            <a:ext cx="6667560" cy="764640"/>
           </a:xfrm>
           <a:prstGeom prst="rect">
             <a:avLst/>
@@ -19524,7 +18659,7 @@
         <p:spPr>
           <a:xfrm>
             <a:off x="1080000" y="2880000"/>
-            <a:ext cx="6668280" cy="765360"/>
+            <a:ext cx="6667560" cy="764640"/>
           </a:xfrm>
           <a:prstGeom prst="rect">
             <a:avLst/>
@@ -19543,7 +18678,11 @@
         <p:txBody>
           <a:bodyPr lIns="90000" rIns="90000" tIns="45000" bIns="45000"/>
           <a:p>
-            <a:pPr algn="just"/>
+            <a:pPr algn="just">
+              <a:lnSpc>
+                <a:spcPct val="100000"/>
+              </a:lnSpc>
+            </a:pPr>
             <a:r>
               <a:rPr b="0" lang="en-US" sz="1200" spc="-1" strike="noStrike">
                 <a:solidFill>
@@ -19587,7 +18726,11 @@
             </a:endParaRPr>
           </a:p>
           <a:p>
-            <a:pPr algn="just"/>
+            <a:pPr algn="just">
+              <a:lnSpc>
+                <a:spcPct val="100000"/>
+              </a:lnSpc>
+            </a:pPr>
             <a:r>
               <a:rPr b="0" lang="en-US" sz="1200" spc="-1" strike="noStrike">
                 <a:solidFill>
@@ -19616,7 +18759,7 @@
                 <a:latin typeface="微软雅黑"/>
                 <a:ea typeface="微软雅黑"/>
               </a:rPr>
-              <a:t>分享功能整个链路较长，社区作为承接各个业务方的基石，需要理清链路之间的完整交互及细节，给出完善的技术方案。</a:t>
+              <a:t>分享功能整个链路较长，社区作为承接各个业务方的基石，需要理清链路之间的交互及细节，给出完善的技术方案。</a:t>
             </a:r>
             <a:endParaRPr b="0" lang="en-US" sz="1800" spc="-1" strike="noStrike">
               <a:solidFill>
@@ -19631,7 +18774,11 @@
             </a:endParaRPr>
           </a:p>
           <a:p>
-            <a:pPr algn="just"/>
+            <a:pPr algn="just">
+              <a:lnSpc>
+                <a:spcPct val="100000"/>
+              </a:lnSpc>
+            </a:pPr>
             <a:r>
               <a:rPr b="0" lang="en-US" sz="1200" spc="-1" strike="noStrike">
                 <a:solidFill>
@@ -19752,7 +18899,7 @@
         <p:spPr>
           <a:xfrm>
             <a:off x="0" y="205200"/>
-            <a:ext cx="12186000" cy="594720"/>
+            <a:ext cx="12185280" cy="594000"/>
           </a:xfrm>
           <a:prstGeom prst="rect">
             <a:avLst/>
@@ -19787,8 +18934,8 @@
         </p:nvSpPr>
         <p:spPr>
           <a:xfrm flipH="1">
-            <a:off x="260640" y="806040"/>
-            <a:ext cx="306000" cy="83160"/>
+            <a:off x="259920" y="806040"/>
+            <a:ext cx="305280" cy="82440"/>
           </a:xfrm>
           <a:custGeom>
             <a:avLst/>
@@ -19846,8 +18993,8 @@
         </p:nvSpPr>
         <p:spPr>
           <a:xfrm flipV="1">
-            <a:off x="1457280" y="109800"/>
-            <a:ext cx="306000" cy="83160"/>
+            <a:off x="1457280" y="109080"/>
+            <a:ext cx="305280" cy="82440"/>
           </a:xfrm>
           <a:custGeom>
             <a:avLst/>
@@ -19905,8 +19052,8 @@
         </p:nvSpPr>
         <p:spPr>
           <a:xfrm flipH="1">
-            <a:off x="306720" y="116280"/>
-            <a:ext cx="1396800" cy="773280"/>
+            <a:off x="306000" y="116280"/>
+            <a:ext cx="1396080" cy="772560"/>
           </a:xfrm>
           <a:prstGeom prst="parallelogram">
             <a:avLst>
@@ -19944,7 +19091,7 @@
         <p:spPr>
           <a:xfrm>
             <a:off x="302040" y="244080"/>
-            <a:ext cx="1317960" cy="511200"/>
+            <a:ext cx="1317240" cy="510480"/>
           </a:xfrm>
           <a:prstGeom prst="rect">
             <a:avLst/>
@@ -20006,7 +19153,7 @@
         <p:spPr>
           <a:xfrm>
             <a:off x="2326320" y="244080"/>
-            <a:ext cx="2888640" cy="510480"/>
+            <a:ext cx="2887920" cy="509760"/>
           </a:xfrm>
           <a:prstGeom prst="rect">
             <a:avLst/>
@@ -20031,7 +19178,7 @@
               </a:lnSpc>
             </a:pPr>
             <a:r>
-              <a:rPr b="0" lang="en-US" sz="2800" spc="253" strike="noStrike">
+              <a:rPr b="0" lang="en-US" sz="2800" spc="248" strike="noStrike">
                 <a:solidFill>
                   <a:srgbClr val="ffffff"/>
                 </a:solidFill>
@@ -20046,7 +19193,7 @@
               <a:t>             </a:t>
             </a:r>
             <a:r>
-              <a:rPr b="0" lang="en-US" sz="2800" spc="253" strike="noStrike">
+              <a:rPr b="0" lang="en-US" sz="2800" spc="248" strike="noStrike">
                 <a:solidFill>
                   <a:srgbClr val="ffffff"/>
                 </a:solidFill>
@@ -20061,7 +19208,7 @@
               <a:t>需求案例：</a:t>
             </a:r>
             <a:r>
-              <a:rPr b="0" lang="en-US" sz="2800" spc="253" strike="noStrike">
+              <a:rPr b="0" lang="en-US" sz="2800" spc="248" strike="noStrike">
                 <a:solidFill>
                   <a:srgbClr val="ffffff"/>
                 </a:solidFill>
@@ -20076,7 +19223,7 @@
               <a:t>YApi</a:t>
             </a:r>
             <a:r>
-              <a:rPr b="0" lang="en-US" sz="2800" spc="253" strike="noStrike">
+              <a:rPr b="0" lang="en-US" sz="2800" spc="248" strike="noStrike">
                 <a:solidFill>
                   <a:srgbClr val="ffffff"/>
                 </a:solidFill>
@@ -20113,7 +19260,7 @@
         <p:spPr>
           <a:xfrm>
             <a:off x="2354040" y="1837800"/>
-            <a:ext cx="8689320" cy="571320"/>
+            <a:ext cx="8688600" cy="570600"/>
           </a:xfrm>
           <a:prstGeom prst="rect">
             <a:avLst/>
@@ -20139,7 +19286,7 @@
         <p:spPr>
           <a:xfrm>
             <a:off x="770040" y="4019760"/>
-            <a:ext cx="2320920" cy="419760"/>
+            <a:ext cx="2320200" cy="419040"/>
           </a:xfrm>
           <a:prstGeom prst="rect">
             <a:avLst/>
@@ -20201,7 +19348,7 @@
         <p:spPr>
           <a:xfrm>
             <a:off x="770040" y="1380960"/>
-            <a:ext cx="2399760" cy="419040"/>
+            <a:ext cx="2399040" cy="418320"/>
           </a:xfrm>
           <a:prstGeom prst="rect">
             <a:avLst/>
@@ -20263,7 +19410,7 @@
         <p:spPr>
           <a:xfrm>
             <a:off x="1080000" y="4469040"/>
-            <a:ext cx="9647640" cy="570600"/>
+            <a:ext cx="9646920" cy="569880"/>
           </a:xfrm>
           <a:prstGeom prst="rect">
             <a:avLst/>
@@ -20415,7 +19562,7 @@
         <p:spPr>
           <a:xfrm>
             <a:off x="1107360" y="1898280"/>
-            <a:ext cx="9692280" cy="765360"/>
+            <a:ext cx="9691560" cy="764640"/>
           </a:xfrm>
           <a:prstGeom prst="rect">
             <a:avLst/>
@@ -20434,7 +19581,11 @@
         <p:txBody>
           <a:bodyPr lIns="90000" rIns="90000" tIns="45000" bIns="45000"/>
           <a:p>
-            <a:pPr algn="just"/>
+            <a:pPr algn="just">
+              <a:lnSpc>
+                <a:spcPct val="100000"/>
+              </a:lnSpc>
+            </a:pPr>
             <a:r>
               <a:rPr b="0" lang="en-US" sz="1400" spc="-1" strike="noStrike">
                 <a:solidFill>
@@ -20578,7 +19729,7 @@
         <p:spPr>
           <a:xfrm>
             <a:off x="770040" y="2640600"/>
-            <a:ext cx="2399760" cy="419040"/>
+            <a:ext cx="2399040" cy="418320"/>
           </a:xfrm>
           <a:prstGeom prst="rect">
             <a:avLst/>
@@ -20639,8 +19790,8 @@
         </p:nvSpPr>
         <p:spPr>
           <a:xfrm>
-            <a:off x="1107360" y="3074040"/>
-            <a:ext cx="9620280" cy="765360"/>
+            <a:off x="1116000" y="3087000"/>
+            <a:ext cx="9619560" cy="764640"/>
           </a:xfrm>
           <a:prstGeom prst="rect">
             <a:avLst/>
@@ -20716,7 +19867,7 @@
         <p:spPr>
           <a:xfrm>
             <a:off x="775080" y="5124240"/>
-            <a:ext cx="2320920" cy="419760"/>
+            <a:ext cx="2320200" cy="419040"/>
           </a:xfrm>
           <a:prstGeom prst="rect">
             <a:avLst/>
@@ -20796,7 +19947,7 @@
         <p:spPr>
           <a:xfrm>
             <a:off x="1008360" y="5184000"/>
-            <a:ext cx="9647640" cy="570600"/>
+            <a:ext cx="9646920" cy="569880"/>
           </a:xfrm>
           <a:prstGeom prst="rect">
             <a:avLst/>
@@ -20871,7 +20022,7 @@
         <p:spPr>
           <a:xfrm>
             <a:off x="0" y="205200"/>
-            <a:ext cx="12186000" cy="594720"/>
+            <a:ext cx="12185280" cy="594000"/>
           </a:xfrm>
           <a:prstGeom prst="rect">
             <a:avLst/>
@@ -20906,8 +20057,8 @@
         </p:nvSpPr>
         <p:spPr>
           <a:xfrm flipH="1">
-            <a:off x="260640" y="806040"/>
-            <a:ext cx="306000" cy="83160"/>
+            <a:off x="259920" y="806040"/>
+            <a:ext cx="305280" cy="82440"/>
           </a:xfrm>
           <a:custGeom>
             <a:avLst/>
@@ -20965,8 +20116,8 @@
         </p:nvSpPr>
         <p:spPr>
           <a:xfrm flipV="1">
-            <a:off x="1457280" y="109800"/>
-            <a:ext cx="306000" cy="83160"/>
+            <a:off x="1457280" y="109080"/>
+            <a:ext cx="305280" cy="82440"/>
           </a:xfrm>
           <a:custGeom>
             <a:avLst/>
@@ -21024,8 +20175,8 @@
         </p:nvSpPr>
         <p:spPr>
           <a:xfrm flipH="1">
-            <a:off x="306720" y="116280"/>
-            <a:ext cx="1396800" cy="773280"/>
+            <a:off x="306000" y="116280"/>
+            <a:ext cx="1396080" cy="772560"/>
           </a:xfrm>
           <a:prstGeom prst="parallelogram">
             <a:avLst>
@@ -21063,7 +20214,7 @@
         <p:spPr>
           <a:xfrm>
             <a:off x="302040" y="244080"/>
-            <a:ext cx="1317960" cy="511200"/>
+            <a:ext cx="1317240" cy="510480"/>
           </a:xfrm>
           <a:prstGeom prst="rect">
             <a:avLst/>
@@ -21100,7 +20251,7 @@
                 <a:latin typeface="微软雅黑"/>
                 <a:ea typeface="微软雅黑"/>
               </a:rPr>
-              <a:t>1.6</a:t>
+              <a:t>1.5</a:t>
             </a:r>
             <a:endParaRPr b="0" lang="en-US" sz="1800" spc="-1" strike="noStrike">
               <a:solidFill>
@@ -21125,7 +20276,7 @@
         <p:spPr>
           <a:xfrm>
             <a:off x="2002320" y="244080"/>
-            <a:ext cx="2888640" cy="510480"/>
+            <a:ext cx="2887920" cy="509760"/>
           </a:xfrm>
           <a:prstGeom prst="rect">
             <a:avLst/>
@@ -21150,7 +20301,7 @@
               </a:lnSpc>
             </a:pPr>
             <a:r>
-              <a:rPr b="0" lang="en-US" sz="2800" spc="253" strike="noStrike">
+              <a:rPr b="0" lang="en-US" sz="2800" spc="248" strike="noStrike">
                 <a:solidFill>
                   <a:srgbClr val="ffffff"/>
                 </a:solidFill>
@@ -21187,7 +20338,7 @@
         <p:spPr>
           <a:xfrm>
             <a:off x="1418040" y="1189440"/>
-            <a:ext cx="793800" cy="793800"/>
+            <a:ext cx="793080" cy="793080"/>
           </a:xfrm>
           <a:prstGeom prst="ellipse">
             <a:avLst/>
@@ -21215,7 +20366,7 @@
         <p:spPr>
           <a:xfrm>
             <a:off x="1476720" y="1304280"/>
-            <a:ext cx="676800" cy="571320"/>
+            <a:ext cx="676080" cy="570600"/>
           </a:xfrm>
           <a:prstGeom prst="rect">
             <a:avLst/>
@@ -21277,7 +20428,7 @@
         <p:spPr>
           <a:xfrm>
             <a:off x="1435320" y="2532240"/>
-            <a:ext cx="793800" cy="793800"/>
+            <a:ext cx="793080" cy="793080"/>
           </a:xfrm>
           <a:prstGeom prst="ellipse">
             <a:avLst/>
@@ -21305,7 +20456,7 @@
         <p:spPr>
           <a:xfrm>
             <a:off x="1496880" y="2641320"/>
-            <a:ext cx="676800" cy="571320"/>
+            <a:ext cx="676080" cy="570600"/>
           </a:xfrm>
           <a:prstGeom prst="rect">
             <a:avLst/>
@@ -21367,7 +20518,7 @@
         <p:spPr>
           <a:xfrm>
             <a:off x="1454040" y="5436360"/>
-            <a:ext cx="793800" cy="793800"/>
+            <a:ext cx="793080" cy="793080"/>
           </a:xfrm>
           <a:prstGeom prst="ellipse">
             <a:avLst/>
@@ -21395,7 +20546,7 @@
         <p:spPr>
           <a:xfrm>
             <a:off x="1523160" y="5540400"/>
-            <a:ext cx="676800" cy="571320"/>
+            <a:ext cx="676080" cy="570600"/>
           </a:xfrm>
           <a:prstGeom prst="rect">
             <a:avLst/>
@@ -21485,7 +20636,7 @@
         <p:spPr>
           <a:xfrm>
             <a:off x="2354040" y="1837800"/>
-            <a:ext cx="8689320" cy="571320"/>
+            <a:ext cx="8688600" cy="570600"/>
           </a:xfrm>
           <a:prstGeom prst="rect">
             <a:avLst/>
@@ -21511,7 +20662,7 @@
         <p:spPr>
           <a:xfrm>
             <a:off x="2402640" y="2412000"/>
-            <a:ext cx="2320920" cy="419760"/>
+            <a:ext cx="2320200" cy="419040"/>
           </a:xfrm>
           <a:prstGeom prst="rect">
             <a:avLst/>
@@ -21573,7 +20724,7 @@
         <p:spPr>
           <a:xfrm>
             <a:off x="2354040" y="5609880"/>
-            <a:ext cx="8803080" cy="813960"/>
+            <a:ext cx="8802360" cy="813240"/>
           </a:xfrm>
           <a:prstGeom prst="rect">
             <a:avLst/>
@@ -21948,7 +21099,7 @@
         <p:spPr>
           <a:xfrm>
             <a:off x="2354040" y="1099080"/>
-            <a:ext cx="2399760" cy="419040"/>
+            <a:ext cx="2399040" cy="418320"/>
           </a:xfrm>
           <a:prstGeom prst="rect">
             <a:avLst/>
@@ -22010,7 +21161,7 @@
         <p:spPr>
           <a:xfrm>
             <a:off x="2305080" y="2817720"/>
-            <a:ext cx="8689320" cy="570600"/>
+            <a:ext cx="8688600" cy="569880"/>
           </a:xfrm>
           <a:prstGeom prst="rect">
             <a:avLst/>
@@ -22360,7 +21511,7 @@
         <p:spPr>
           <a:xfrm>
             <a:off x="2354040" y="5144040"/>
-            <a:ext cx="2064600" cy="419760"/>
+            <a:ext cx="2063880" cy="419040"/>
           </a:xfrm>
           <a:prstGeom prst="rect">
             <a:avLst/>
@@ -22422,7 +21573,7 @@
         <p:spPr>
           <a:xfrm>
             <a:off x="2402640" y="1555920"/>
-            <a:ext cx="5800320" cy="871560"/>
+            <a:ext cx="5799600" cy="870840"/>
           </a:xfrm>
           <a:prstGeom prst="rect">
             <a:avLst/>
@@ -22559,7 +21710,7 @@
         <p:spPr>
           <a:xfrm>
             <a:off x="1404000" y="3883320"/>
-            <a:ext cx="793800" cy="793800"/>
+            <a:ext cx="793080" cy="793080"/>
           </a:xfrm>
           <a:prstGeom prst="ellipse">
             <a:avLst/>
@@ -22587,7 +21738,7 @@
         <p:spPr>
           <a:xfrm>
             <a:off x="1487160" y="3996000"/>
-            <a:ext cx="676800" cy="571320"/>
+            <a:ext cx="676080" cy="570600"/>
           </a:xfrm>
           <a:prstGeom prst="rect">
             <a:avLst/>
@@ -22677,7 +21828,7 @@
         <p:spPr>
           <a:xfrm>
             <a:off x="2356200" y="3789360"/>
-            <a:ext cx="2320920" cy="419760"/>
+            <a:ext cx="2320200" cy="419040"/>
           </a:xfrm>
           <a:prstGeom prst="rect">
             <a:avLst/>
@@ -22739,7 +21890,7 @@
         <p:spPr>
           <a:xfrm>
             <a:off x="2354040" y="4133160"/>
-            <a:ext cx="8689320" cy="570600"/>
+            <a:ext cx="8688600" cy="569880"/>
           </a:xfrm>
           <a:prstGeom prst="rect">
             <a:avLst/>
@@ -22991,7 +22142,7 @@
         <p:spPr>
           <a:xfrm>
             <a:off x="0" y="2462040"/>
-            <a:ext cx="12186000" cy="1889640"/>
+            <a:ext cx="12185280" cy="1888920"/>
           </a:xfrm>
           <a:prstGeom prst="rect">
             <a:avLst/>
@@ -23025,7 +22176,7 @@
         <p:spPr>
           <a:xfrm>
             <a:off x="3714120" y="2202480"/>
-            <a:ext cx="252360" cy="253440"/>
+            <a:ext cx="251640" cy="252720"/>
           </a:xfrm>
           <a:custGeom>
             <a:avLst/>
@@ -23077,8 +22228,8 @@
         </p:nvSpPr>
         <p:spPr>
           <a:xfrm flipV="1">
-            <a:off x="510120" y="4351680"/>
-            <a:ext cx="257400" cy="258480"/>
+            <a:off x="510120" y="4350960"/>
+            <a:ext cx="256680" cy="257760"/>
           </a:xfrm>
           <a:custGeom>
             <a:avLst/>
@@ -23131,7 +22282,7 @@
         <p:spPr>
           <a:xfrm>
             <a:off x="639000" y="2203200"/>
-            <a:ext cx="3203280" cy="2406960"/>
+            <a:ext cx="3202560" cy="2406240"/>
           </a:xfrm>
           <a:prstGeom prst="parallelogram">
             <a:avLst>
@@ -23169,7 +22320,7 @@
         <p:spPr>
           <a:xfrm>
             <a:off x="1487520" y="2531520"/>
-            <a:ext cx="1756800" cy="1710360"/>
+            <a:ext cx="1756080" cy="1709640"/>
           </a:xfrm>
           <a:prstGeom prst="rect">
             <a:avLst/>
@@ -23231,7 +22382,7 @@
         <p:spPr>
           <a:xfrm>
             <a:off x="4446720" y="2928960"/>
-            <a:ext cx="6727680" cy="908280"/>
+            <a:ext cx="6726960" cy="907560"/>
           </a:xfrm>
           <a:prstGeom prst="rect">
             <a:avLst/>
